--- a/demo/demo.pptx
+++ b/demo/demo.pptx
@@ -8,12 +8,19 @@
     <p:sldId id="256" r:id="rId2"/>
     <p:sldId id="262" r:id="rId3"/>
     <p:sldId id="261" r:id="rId4"/>
-    <p:sldId id="258" r:id="rId5"/>
-    <p:sldId id="259" r:id="rId6"/>
-    <p:sldId id="263" r:id="rId7"/>
-    <p:sldId id="264" r:id="rId8"/>
+    <p:sldId id="265" r:id="rId5"/>
+    <p:sldId id="272" r:id="rId6"/>
+    <p:sldId id="258" r:id="rId7"/>
+    <p:sldId id="267" r:id="rId8"/>
     <p:sldId id="260" r:id="rId9"/>
-    <p:sldId id="257" r:id="rId10"/>
+    <p:sldId id="259" r:id="rId10"/>
+    <p:sldId id="263" r:id="rId11"/>
+    <p:sldId id="264" r:id="rId12"/>
+    <p:sldId id="268" r:id="rId13"/>
+    <p:sldId id="269" r:id="rId14"/>
+    <p:sldId id="270" r:id="rId15"/>
+    <p:sldId id="271" r:id="rId16"/>
+    <p:sldId id="257" r:id="rId17"/>
   </p:sldIdLst>
   <p:sldSz cx="9144000" cy="6858000" type="screen4x3"/>
   <p:notesSz cx="6858000" cy="9144000"/>
@@ -5364,7 +5371,7 @@
 </p:sld>
 </file>
 
-<file path=ppt/slides/slide2.xml><?xml version="1.0" encoding="utf-8"?>
+<file path=ppt/slides/slide10.xml><?xml version="1.0" encoding="utf-8"?>
 <p:sld xmlns:a="http://schemas.openxmlformats.org/drawingml/2006/main" xmlns:r="http://schemas.openxmlformats.org/officeDocument/2006/relationships" xmlns:p="http://schemas.openxmlformats.org/presentationml/2006/main">
   <p:cSld>
     <p:spTree>
@@ -5397,10 +5404,22 @@
           <a:lstStyle/>
           <a:p>
             <a:r>
-              <a:rPr lang="en-US" sz="6000" dirty="0" smtClean="0"/>
-              <a:t>outline</a:t>
-            </a:r>
-            <a:endParaRPr lang="en-US" sz="6000" dirty="0"/>
+              <a:rPr lang="en-US" dirty="0"/>
+              <a:t>Word count (</a:t>
+            </a:r>
+            <a:r>
+              <a:rPr lang="en-US" dirty="0" smtClean="0"/>
+              <a:t>@R</a:t>
+            </a:r>
+            <a:r>
+              <a:rPr lang="en-US" cap="none" dirty="0" smtClean="0"/>
+              <a:t>educe</a:t>
+            </a:r>
+            <a:r>
+              <a:rPr lang="en-US" dirty="0" smtClean="0"/>
+              <a:t>)</a:t>
+            </a:r>
+            <a:endParaRPr lang="en-US" dirty="0"/>
           </a:p>
         </p:txBody>
       </p:sp>
@@ -5414,725 +5433,59 @@
             <p:ph idx="1"/>
           </p:nvPr>
         </p:nvSpPr>
-        <p:spPr>
-          <a:xfrm>
-            <a:off x="4682590" y="3458274"/>
-            <a:ext cx="3807779" cy="3324687"/>
-          </a:xfrm>
-        </p:spPr>
-        <p:txBody>
-          <a:bodyPr>
-            <a:noAutofit/>
-          </a:bodyPr>
-          <a:lstStyle/>
-          <a:p>
-            <a:pPr>
-              <a:buFont typeface="+mj-lt"/>
-              <a:buAutoNum type="arabicPeriod"/>
-            </a:pPr>
-            <a:r>
-              <a:rPr lang="en-US" sz="2000" dirty="0"/>
-              <a:t>Introduction (Sam)</a:t>
-            </a:r>
-          </a:p>
-          <a:p>
-            <a:pPr>
-              <a:buFont typeface="+mj-lt"/>
-              <a:buAutoNum type="arabicPeriod"/>
-            </a:pPr>
-            <a:r>
-              <a:rPr lang="en-US" sz="2000" dirty="0"/>
-              <a:t>Syntax (Paul)</a:t>
-            </a:r>
-          </a:p>
-          <a:p>
-            <a:pPr>
-              <a:buFont typeface="+mj-lt"/>
-              <a:buAutoNum type="arabicPeriod"/>
-            </a:pPr>
-            <a:r>
-              <a:rPr lang="en-US" sz="2000" dirty="0"/>
-              <a:t>Compiler Architecture (Ben)</a:t>
-            </a:r>
-          </a:p>
-          <a:p>
-            <a:pPr>
-              <a:buFont typeface="+mj-lt"/>
-              <a:buAutoNum type="arabicPeriod"/>
-            </a:pPr>
-            <a:r>
-              <a:rPr lang="en-US" sz="2000" dirty="0"/>
-              <a:t>Runtime Environment (</a:t>
-            </a:r>
-            <a:r>
-              <a:rPr lang="en-US" sz="2000" dirty="0" err="1"/>
-              <a:t>Kurry</a:t>
-            </a:r>
-            <a:r>
-              <a:rPr lang="en-US" sz="2000" dirty="0"/>
-              <a:t>)</a:t>
-            </a:r>
-          </a:p>
-          <a:p>
-            <a:pPr>
-              <a:buFont typeface="+mj-lt"/>
-              <a:buAutoNum type="arabicPeriod"/>
-            </a:pPr>
-            <a:r>
-              <a:rPr lang="en-US" sz="2000" dirty="0"/>
-              <a:t>Testing (Jason)</a:t>
-            </a:r>
-          </a:p>
-          <a:p>
-            <a:pPr>
-              <a:buFont typeface="+mj-lt"/>
-              <a:buAutoNum type="arabicPeriod"/>
-            </a:pPr>
-            <a:r>
-              <a:rPr lang="en-US" sz="2000" dirty="0"/>
-              <a:t>Conclusion</a:t>
-            </a:r>
-          </a:p>
-          <a:p>
-            <a:endParaRPr lang="en-US" sz="2000" dirty="0"/>
-          </a:p>
-        </p:txBody>
-      </p:sp>
-      <p:sp>
-        <p:nvSpPr>
-          <p:cNvPr id="4" name="Text Placeholder 3"/>
-          <p:cNvSpPr>
-            <a:spLocks noGrp="1"/>
-          </p:cNvSpPr>
-          <p:nvPr>
-            <p:ph type="body" sz="half" idx="2"/>
-          </p:nvPr>
-        </p:nvSpPr>
         <p:spPr/>
-        <p:txBody>
-          <a:bodyPr/>
-          <a:lstStyle/>
-          <a:p>
-            <a:endParaRPr lang="en-US" dirty="0"/>
-          </a:p>
-        </p:txBody>
-      </p:sp>
-    </p:spTree>
-    <p:extLst>
-      <p:ext uri="{BB962C8B-B14F-4D97-AF65-F5344CB8AC3E}">
-        <p14:creationId xmlns:p14="http://schemas.microsoft.com/office/powerpoint/2010/main" val="842254260"/>
-      </p:ext>
-    </p:extLst>
-  </p:cSld>
-  <p:clrMapOvr>
-    <a:masterClrMapping/>
-  </p:clrMapOvr>
-  <p:timing>
-    <p:tnLst>
-      <p:par>
-        <p:cTn xmlns:p14="http://schemas.microsoft.com/office/powerpoint/2010/main" id="1" dur="indefinite" restart="never" nodeType="tmRoot"/>
-      </p:par>
-    </p:tnLst>
-  </p:timing>
-</p:sld>
-</file>
-
-<file path=ppt/slides/slide3.xml><?xml version="1.0" encoding="utf-8"?>
-<p:sld xmlns:a="http://schemas.openxmlformats.org/drawingml/2006/main" xmlns:r="http://schemas.openxmlformats.org/officeDocument/2006/relationships" xmlns:p="http://schemas.openxmlformats.org/presentationml/2006/main">
-  <p:cSld>
-    <p:spTree>
-      <p:nvGrpSpPr>
-        <p:cNvPr id="1" name=""/>
-        <p:cNvGrpSpPr/>
-        <p:nvPr/>
-      </p:nvGrpSpPr>
-      <p:grpSpPr>
-        <a:xfrm>
-          <a:off x="0" y="0"/>
-          <a:ext cx="0" cy="0"/>
-          <a:chOff x="0" y="0"/>
-          <a:chExt cx="0" cy="0"/>
-        </a:xfrm>
-      </p:grpSpPr>
-      <p:sp>
-        <p:nvSpPr>
-          <p:cNvPr id="2" name="Title 1"/>
-          <p:cNvSpPr>
-            <a:spLocks noGrp="1"/>
-          </p:cNvSpPr>
-          <p:nvPr>
-            <p:ph type="title"/>
-          </p:nvPr>
-        </p:nvSpPr>
-        <p:spPr>
-          <a:xfrm rot="19140000">
-            <a:off x="623407" y="1789457"/>
-            <a:ext cx="5650992" cy="1207509"/>
-          </a:xfrm>
-        </p:spPr>
-        <p:txBody>
-          <a:bodyPr/>
-          <a:lstStyle/>
-          <a:p>
-            <a:r>
-              <a:rPr lang="en-US" sz="6000" dirty="0" smtClean="0"/>
-              <a:t>Introduction</a:t>
-            </a:r>
-            <a:endParaRPr lang="en-US" sz="6000" dirty="0"/>
-          </a:p>
-        </p:txBody>
-      </p:sp>
-      <p:sp>
-        <p:nvSpPr>
-          <p:cNvPr id="3" name="Text Placeholder 2"/>
-          <p:cNvSpPr>
-            <a:spLocks noGrp="1"/>
-          </p:cNvSpPr>
-          <p:nvPr>
-            <p:ph type="body" idx="1"/>
-          </p:nvPr>
-        </p:nvSpPr>
-        <p:spPr>
-          <a:xfrm rot="19140000">
-            <a:off x="1020160" y="2531024"/>
-            <a:ext cx="6510528" cy="329184"/>
-          </a:xfrm>
-        </p:spPr>
-        <p:txBody>
-          <a:bodyPr>
-            <a:noAutofit/>
-          </a:bodyPr>
-          <a:lstStyle/>
-          <a:p>
-            <a:r>
-              <a:rPr lang="en-US" sz="2400" spc="0" dirty="0" smtClean="0"/>
-              <a:t>Samuel Messing (Project Manager)</a:t>
-            </a:r>
-            <a:endParaRPr lang="en-US" sz="2400" spc="0" dirty="0"/>
-          </a:p>
-        </p:txBody>
-      </p:sp>
-    </p:spTree>
-    <p:extLst>
-      <p:ext uri="{BB962C8B-B14F-4D97-AF65-F5344CB8AC3E}">
-        <p14:creationId xmlns:p14="http://schemas.microsoft.com/office/powerpoint/2010/main" val="4041799400"/>
-      </p:ext>
-    </p:extLst>
-  </p:cSld>
-  <p:clrMapOvr>
-    <a:masterClrMapping/>
-  </p:clrMapOvr>
-  <p:timing>
-    <p:tnLst>
-      <p:par>
-        <p:cTn xmlns:p14="http://schemas.microsoft.com/office/powerpoint/2010/main" id="1" dur="indefinite" restart="never" nodeType="tmRoot"/>
-      </p:par>
-    </p:tnLst>
-  </p:timing>
-</p:sld>
-</file>
-
-<file path=ppt/slides/slide4.xml><?xml version="1.0" encoding="utf-8"?>
-<p:sld xmlns:a="http://schemas.openxmlformats.org/drawingml/2006/main" xmlns:r="http://schemas.openxmlformats.org/officeDocument/2006/relationships" xmlns:p="http://schemas.openxmlformats.org/presentationml/2006/main">
-  <p:cSld>
-    <p:spTree>
-      <p:nvGrpSpPr>
-        <p:cNvPr id="1" name=""/>
-        <p:cNvGrpSpPr/>
-        <p:nvPr/>
-      </p:nvGrpSpPr>
-      <p:grpSpPr>
-        <a:xfrm>
-          <a:off x="0" y="0"/>
-          <a:ext cx="0" cy="0"/>
-          <a:chOff x="0" y="0"/>
-          <a:chExt cx="0" cy="0"/>
-        </a:xfrm>
-      </p:grpSpPr>
-      <p:sp>
-        <p:nvSpPr>
-          <p:cNvPr id="2" name="Title 1"/>
-          <p:cNvSpPr>
-            <a:spLocks noGrp="1"/>
-          </p:cNvSpPr>
-          <p:nvPr>
-            <p:ph type="title"/>
-          </p:nvPr>
-        </p:nvSpPr>
-        <p:spPr/>
-        <p:txBody>
-          <a:bodyPr/>
-          <a:lstStyle/>
-          <a:p>
-            <a:r>
-              <a:rPr lang="en-US" dirty="0" smtClean="0"/>
-              <a:t>The simplest merge sort</a:t>
-            </a:r>
-            <a:endParaRPr lang="en-US" dirty="0"/>
-          </a:p>
-        </p:txBody>
-      </p:sp>
-      <p:sp>
-        <p:nvSpPr>
-          <p:cNvPr id="3" name="Content Placeholder 2"/>
-          <p:cNvSpPr>
-            <a:spLocks noGrp="1"/>
-          </p:cNvSpPr>
-          <p:nvPr>
-            <p:ph idx="1"/>
-          </p:nvPr>
-        </p:nvSpPr>
-        <p:spPr>
-          <a:xfrm>
-            <a:off x="1787240" y="1152473"/>
-            <a:ext cx="5574214" cy="3205025"/>
-          </a:xfrm>
-        </p:spPr>
-        <p:txBody>
-          <a:bodyPr>
-            <a:noAutofit/>
-          </a:bodyPr>
-          <a:lstStyle/>
-          <a:p>
-            <a:pPr marL="0" indent="0">
-              <a:spcBef>
-                <a:spcPts val="0"/>
-              </a:spcBef>
-            </a:pPr>
-            <a:r>
-              <a:rPr lang="en-US" sz="1400" dirty="0" smtClean="0">
-                <a:latin typeface="Lucida Console"/>
-                <a:cs typeface="Lucida Console"/>
-              </a:rPr>
-              <a:t>0  @</a:t>
-            </a:r>
-            <a:r>
-              <a:rPr lang="en-US" sz="1400" dirty="0">
-                <a:latin typeface="Lucida Console"/>
-                <a:cs typeface="Lucida Console"/>
-              </a:rPr>
-              <a:t>Map (</a:t>
-            </a:r>
-            <a:r>
-              <a:rPr lang="en-US" sz="1400" dirty="0" err="1">
-                <a:latin typeface="Lucida Console"/>
-                <a:cs typeface="Lucida Console"/>
-              </a:rPr>
-              <a:t>int</a:t>
-            </a:r>
-            <a:r>
-              <a:rPr lang="en-US" sz="1400" dirty="0">
-                <a:latin typeface="Lucida Console"/>
-                <a:cs typeface="Lucida Console"/>
-              </a:rPr>
-              <a:t> </a:t>
-            </a:r>
-            <a:r>
-              <a:rPr lang="en-US" sz="1400" dirty="0" err="1">
-                <a:latin typeface="Lucida Console"/>
-                <a:cs typeface="Lucida Console"/>
-              </a:rPr>
-              <a:t>lineNum</a:t>
-            </a:r>
-            <a:r>
-              <a:rPr lang="en-US" sz="1400" dirty="0">
-                <a:latin typeface="Lucida Console"/>
-                <a:cs typeface="Lucida Console"/>
-              </a:rPr>
-              <a:t>, text line) -&gt; (text, text) {</a:t>
-            </a:r>
-          </a:p>
-          <a:p>
-            <a:pPr marL="0" indent="0">
-              <a:spcBef>
-                <a:spcPts val="0"/>
-              </a:spcBef>
-            </a:pPr>
-            <a:r>
-              <a:rPr lang="en-US" sz="1400" dirty="0" smtClean="0">
-                <a:latin typeface="Lucida Console"/>
-                <a:cs typeface="Lucida Console"/>
-              </a:rPr>
-              <a:t>1    </a:t>
-            </a:r>
-            <a:r>
-              <a:rPr lang="en-US" sz="1400" dirty="0" err="1" smtClean="0">
-                <a:latin typeface="Lucida Console"/>
-                <a:cs typeface="Lucida Console"/>
-              </a:rPr>
-              <a:t>foreach</a:t>
-            </a:r>
-            <a:r>
-              <a:rPr lang="en-US" sz="1400" dirty="0" smtClean="0">
-                <a:latin typeface="Lucida Console"/>
-                <a:cs typeface="Lucida Console"/>
-              </a:rPr>
-              <a:t> </a:t>
-            </a:r>
-            <a:r>
-              <a:rPr lang="en-US" sz="1400" dirty="0">
-                <a:latin typeface="Lucida Console"/>
-                <a:cs typeface="Lucida Console"/>
-              </a:rPr>
-              <a:t>text number in </a:t>
-            </a:r>
-            <a:r>
-              <a:rPr lang="en-US" sz="1400" dirty="0" err="1">
-                <a:latin typeface="Lucida Console"/>
-                <a:cs typeface="Lucida Console"/>
-              </a:rPr>
-              <a:t>line.tokenize</a:t>
-            </a:r>
-            <a:r>
-              <a:rPr lang="en-US" sz="1400" dirty="0">
-                <a:latin typeface="Lucida Console"/>
-                <a:cs typeface="Lucida Console"/>
-              </a:rPr>
-              <a:t>(" ") {</a:t>
-            </a:r>
-          </a:p>
-          <a:p>
-            <a:pPr marL="0" indent="0">
-              <a:spcBef>
-                <a:spcPts val="0"/>
-              </a:spcBef>
-            </a:pPr>
-            <a:r>
-              <a:rPr lang="en-US" sz="1400" dirty="0" smtClean="0">
-                <a:latin typeface="Lucida Console"/>
-                <a:cs typeface="Lucida Console"/>
-              </a:rPr>
-              <a:t>2      emit</a:t>
-            </a:r>
-            <a:r>
-              <a:rPr lang="en-US" sz="1400" dirty="0">
-                <a:latin typeface="Lucida Console"/>
-                <a:cs typeface="Lucida Console"/>
-              </a:rPr>
-              <a:t>(number, number);</a:t>
-            </a:r>
-          </a:p>
-          <a:p>
-            <a:pPr marL="0" indent="0">
-              <a:spcBef>
-                <a:spcPts val="0"/>
-              </a:spcBef>
-            </a:pPr>
-            <a:r>
-              <a:rPr lang="en-US" sz="1400" dirty="0" smtClean="0">
-                <a:latin typeface="Lucida Console"/>
-                <a:cs typeface="Lucida Console"/>
-              </a:rPr>
-              <a:t>3    }</a:t>
-            </a:r>
-            <a:endParaRPr lang="en-US" sz="1400" dirty="0">
-              <a:latin typeface="Lucida Console"/>
-              <a:cs typeface="Lucida Console"/>
-            </a:endParaRPr>
-          </a:p>
-          <a:p>
-            <a:pPr marL="0" indent="0">
-              <a:spcBef>
-                <a:spcPts val="0"/>
-              </a:spcBef>
-            </a:pPr>
-            <a:r>
-              <a:rPr lang="en-US" sz="1400" dirty="0" smtClean="0">
-                <a:latin typeface="Lucida Console"/>
-                <a:cs typeface="Lucida Console"/>
-              </a:rPr>
-              <a:t>4  }</a:t>
-            </a:r>
-            <a:endParaRPr lang="en-US" sz="1400" dirty="0">
-              <a:latin typeface="Lucida Console"/>
-              <a:cs typeface="Lucida Console"/>
-            </a:endParaRPr>
-          </a:p>
-          <a:p>
-            <a:pPr marL="0" indent="0">
-              <a:spcBef>
-                <a:spcPts val="0"/>
-              </a:spcBef>
-            </a:pPr>
-            <a:endParaRPr lang="en-US" sz="1400" dirty="0">
-              <a:latin typeface="Lucida Console"/>
-              <a:cs typeface="Lucida Console"/>
-            </a:endParaRPr>
-          </a:p>
-          <a:p>
-            <a:pPr marL="0" indent="0">
-              <a:spcBef>
-                <a:spcPts val="0"/>
-              </a:spcBef>
-            </a:pPr>
-            <a:r>
-              <a:rPr lang="en-US" sz="1400" dirty="0" smtClean="0">
-                <a:latin typeface="Lucida Console"/>
-                <a:cs typeface="Lucida Console"/>
-              </a:rPr>
-              <a:t>5  @</a:t>
-            </a:r>
-            <a:r>
-              <a:rPr lang="en-US" sz="1400" dirty="0">
-                <a:latin typeface="Lucida Console"/>
-                <a:cs typeface="Lucida Console"/>
-              </a:rPr>
-              <a:t>Reduce (text number, text garbage) -&gt; (text, text) {</a:t>
-            </a:r>
-          </a:p>
-          <a:p>
-            <a:pPr marL="0" indent="0">
-              <a:spcBef>
-                <a:spcPts val="0"/>
-              </a:spcBef>
-            </a:pPr>
-            <a:r>
-              <a:rPr lang="en-US" sz="1400" dirty="0" smtClean="0">
-                <a:latin typeface="Lucida Console"/>
-                <a:cs typeface="Lucida Console"/>
-              </a:rPr>
-              <a:t>6    </a:t>
-            </a:r>
-            <a:r>
-              <a:rPr lang="en-US" sz="1400" dirty="0">
-                <a:latin typeface="Lucida Console"/>
-                <a:cs typeface="Lucida Console"/>
-              </a:rPr>
-              <a:t>emit(number, "");</a:t>
-            </a:r>
-          </a:p>
-          <a:p>
-            <a:pPr marL="0" indent="0">
-              <a:spcBef>
-                <a:spcPts val="0"/>
-              </a:spcBef>
-            </a:pPr>
-            <a:r>
-              <a:rPr lang="en-US" sz="1400" dirty="0" smtClean="0">
-                <a:latin typeface="Lucida Console"/>
-                <a:cs typeface="Lucida Console"/>
-              </a:rPr>
-              <a:t>7  }</a:t>
-            </a:r>
-            <a:endParaRPr lang="en-US" sz="1400" dirty="0">
-              <a:latin typeface="Lucida Console"/>
-              <a:cs typeface="Lucida Console"/>
-            </a:endParaRPr>
-          </a:p>
-          <a:p>
-            <a:pPr marL="0" indent="0">
-              <a:spcBef>
-                <a:spcPts val="0"/>
-              </a:spcBef>
-            </a:pPr>
-            <a:r>
-              <a:rPr lang="en-US" sz="1400" dirty="0">
-                <a:latin typeface="Lucida Console"/>
-                <a:cs typeface="Lucida Console"/>
-              </a:rPr>
-              <a:t>    </a:t>
-            </a:r>
-          </a:p>
-          <a:p>
-            <a:pPr marL="0" indent="0">
-              <a:spcBef>
-                <a:spcPts val="0"/>
-              </a:spcBef>
-            </a:pPr>
-            <a:r>
-              <a:rPr lang="en-US" sz="1400" dirty="0" smtClean="0">
-                <a:latin typeface="Lucida Console"/>
-                <a:cs typeface="Lucida Console"/>
-              </a:rPr>
-              <a:t>8  @</a:t>
-            </a:r>
-            <a:r>
-              <a:rPr lang="en-US" sz="1400" dirty="0">
-                <a:latin typeface="Lucida Console"/>
-                <a:cs typeface="Lucida Console"/>
-              </a:rPr>
-              <a:t>Main {</a:t>
-            </a:r>
-          </a:p>
-          <a:p>
-            <a:pPr marL="0" indent="0">
-              <a:spcBef>
-                <a:spcPts val="0"/>
-              </a:spcBef>
-            </a:pPr>
-            <a:r>
-              <a:rPr lang="en-US" sz="1400" dirty="0" smtClean="0">
-                <a:latin typeface="Lucida Console"/>
-                <a:cs typeface="Lucida Console"/>
-              </a:rPr>
-              <a:t>9    </a:t>
-            </a:r>
-            <a:r>
-              <a:rPr lang="en-US" sz="1400" dirty="0" err="1">
-                <a:latin typeface="Lucida Console"/>
-                <a:cs typeface="Lucida Console"/>
-              </a:rPr>
-              <a:t>mapReduce</a:t>
-            </a:r>
-            <a:r>
-              <a:rPr lang="en-US" sz="1400" dirty="0">
-                <a:latin typeface="Lucida Console"/>
-                <a:cs typeface="Lucida Console"/>
-              </a:rPr>
-              <a:t>();</a:t>
-            </a:r>
-          </a:p>
-          <a:p>
-            <a:pPr marL="0" indent="0">
-              <a:spcBef>
-                <a:spcPts val="0"/>
-              </a:spcBef>
-            </a:pPr>
-            <a:r>
-              <a:rPr lang="en-US" sz="1400" dirty="0" smtClean="0">
-                <a:latin typeface="Lucida Console"/>
-                <a:cs typeface="Lucida Console"/>
-              </a:rPr>
-              <a:t>10 }</a:t>
-            </a:r>
-            <a:endParaRPr lang="en-US" sz="1400" dirty="0">
-              <a:latin typeface="Lucida Console"/>
-              <a:cs typeface="Lucida Console"/>
-            </a:endParaRPr>
-          </a:p>
-        </p:txBody>
-      </p:sp>
-    </p:spTree>
-    <p:extLst>
-      <p:ext uri="{BB962C8B-B14F-4D97-AF65-F5344CB8AC3E}">
-        <p14:creationId xmlns:p14="http://schemas.microsoft.com/office/powerpoint/2010/main" val="2487640545"/>
-      </p:ext>
-    </p:extLst>
-  </p:cSld>
-  <p:clrMapOvr>
-    <a:masterClrMapping/>
-  </p:clrMapOvr>
-  <p:timing>
-    <p:tnLst>
-      <p:par>
-        <p:cTn xmlns:p14="http://schemas.microsoft.com/office/powerpoint/2010/main" id="1" dur="indefinite" restart="never" nodeType="tmRoot"/>
-      </p:par>
-    </p:tnLst>
-  </p:timing>
-</p:sld>
-</file>
-
-<file path=ppt/slides/slide5.xml><?xml version="1.0" encoding="utf-8"?>
-<p:sld xmlns:a="http://schemas.openxmlformats.org/drawingml/2006/main" xmlns:r="http://schemas.openxmlformats.org/officeDocument/2006/relationships" xmlns:p="http://schemas.openxmlformats.org/presentationml/2006/main">
-  <p:cSld>
-    <p:spTree>
-      <p:nvGrpSpPr>
-        <p:cNvPr id="1" name=""/>
-        <p:cNvGrpSpPr/>
-        <p:nvPr/>
-      </p:nvGrpSpPr>
-      <p:grpSpPr>
-        <a:xfrm>
-          <a:off x="0" y="0"/>
-          <a:ext cx="0" cy="0"/>
-          <a:chOff x="0" y="0"/>
-          <a:chExt cx="0" cy="0"/>
-        </a:xfrm>
-      </p:grpSpPr>
-      <p:sp>
-        <p:nvSpPr>
-          <p:cNvPr id="2" name="Title 1"/>
-          <p:cNvSpPr>
-            <a:spLocks noGrp="1"/>
-          </p:cNvSpPr>
-          <p:nvPr>
-            <p:ph type="title"/>
-          </p:nvPr>
-        </p:nvSpPr>
-        <p:spPr/>
-        <p:txBody>
-          <a:bodyPr/>
-          <a:lstStyle/>
-          <a:p>
-            <a:r>
-              <a:rPr lang="en-US" dirty="0" smtClean="0"/>
-              <a:t>Word count (@M</a:t>
-            </a:r>
-            <a:r>
-              <a:rPr lang="en-US" cap="none" dirty="0" smtClean="0"/>
-              <a:t>ap</a:t>
-            </a:r>
-            <a:r>
-              <a:rPr lang="en-US" dirty="0" smtClean="0"/>
-              <a:t>)</a:t>
-            </a:r>
-            <a:endParaRPr lang="en-US" dirty="0"/>
-          </a:p>
-        </p:txBody>
-      </p:sp>
-      <p:sp>
-        <p:nvSpPr>
-          <p:cNvPr id="3" name="Content Placeholder 2"/>
-          <p:cNvSpPr>
-            <a:spLocks noGrp="1"/>
-          </p:cNvSpPr>
-          <p:nvPr>
-            <p:ph idx="1"/>
-          </p:nvPr>
-        </p:nvSpPr>
-        <p:spPr>
-          <a:xfrm>
-            <a:off x="1677484" y="1370220"/>
-            <a:ext cx="5785885" cy="3579849"/>
-          </a:xfrm>
-        </p:spPr>
         <p:txBody>
           <a:bodyPr>
             <a:normAutofit/>
           </a:bodyPr>
           <a:lstStyle/>
           <a:p>
+            <a:pPr marL="347472">
+              <a:spcBef>
+                <a:spcPts val="600"/>
+              </a:spcBef>
+            </a:pPr>
             <a:r>
               <a:rPr lang="en-US" sz="1400" dirty="0" smtClean="0">
                 <a:latin typeface="Lucida Console"/>
                 <a:cs typeface="Lucida Console"/>
               </a:rPr>
-              <a:t>0 @</a:t>
+              <a:t>7  @</a:t>
             </a:r>
             <a:r>
               <a:rPr lang="en-US" sz="1400" dirty="0">
                 <a:latin typeface="Lucida Console"/>
                 <a:cs typeface="Lucida Console"/>
               </a:rPr>
-              <a:t>Map (</a:t>
+              <a:t>Reduce (text word, </a:t>
             </a:r>
             <a:r>
               <a:rPr lang="en-US" sz="1400" dirty="0" err="1">
                 <a:latin typeface="Lucida Console"/>
                 <a:cs typeface="Lucida Console"/>
               </a:rPr>
-              <a:t>int</a:t>
+              <a:t>iter</a:t>
             </a:r>
             <a:r>
               <a:rPr lang="en-US" sz="1400" dirty="0">
                 <a:latin typeface="Lucida Console"/>
                 <a:cs typeface="Lucida Console"/>
               </a:rPr>
-              <a:t> </a:t>
+              <a:t>&lt;</a:t>
             </a:r>
             <a:r>
               <a:rPr lang="en-US" sz="1400" dirty="0" err="1">
                 <a:latin typeface="Lucida Console"/>
                 <a:cs typeface="Lucida Console"/>
               </a:rPr>
-              <a:t>lineNum</a:t>
+              <a:t>int</a:t>
             </a:r>
             <a:r>
               <a:rPr lang="en-US" sz="1400" dirty="0">
                 <a:latin typeface="Lucida Console"/>
                 <a:cs typeface="Lucida Console"/>
               </a:rPr>
-              <a:t>, text line) -&gt; (text, </a:t>
+              <a:t>&gt; values) -&gt; (text, </a:t>
             </a:r>
             <a:r>
               <a:rPr lang="en-US" sz="1400" dirty="0" err="1">
@@ -6146,26 +5499,21 @@
                 <a:latin typeface="Lucida Console"/>
                 <a:cs typeface="Lucida Console"/>
               </a:rPr>
-              <a:t>) </a:t>
-            </a:r>
+              <a:t>) {</a:t>
+            </a:r>
+          </a:p>
+          <a:p>
+            <a:pPr marL="347472">
+              <a:spcBef>
+                <a:spcPts val="600"/>
+              </a:spcBef>
+            </a:pPr>
             <a:r>
               <a:rPr lang="en-US" sz="1400" dirty="0" smtClean="0">
                 <a:latin typeface="Lucida Console"/>
                 <a:cs typeface="Lucida Console"/>
               </a:rPr>
-              <a:t>{</a:t>
-            </a:r>
-          </a:p>
-          <a:p>
-            <a:r>
-              <a:rPr lang="en-US" sz="1400" dirty="0" smtClean="0">
-                <a:solidFill>
-                  <a:srgbClr val="000000"/>
-                </a:solidFill>
-                <a:latin typeface="Lucida Console"/>
-                <a:cs typeface="Lucida Console"/>
-              </a:rPr>
-              <a:t>1</a:t>
+              <a:t>8    </a:t>
             </a:r>
             <a:r>
               <a:rPr lang="en-US" sz="1400" i="1" dirty="0" smtClean="0">
@@ -6175,7 +5523,7 @@
                 <a:latin typeface="Lucida Console"/>
                 <a:cs typeface="Lucida Console"/>
               </a:rPr>
-              <a:t>   # for </a:t>
+              <a:t># </a:t>
             </a:r>
             <a:r>
               <a:rPr lang="en-US" sz="1400" i="1" dirty="0">
@@ -6185,390 +5533,78 @@
                 <a:latin typeface="Lucida Console"/>
                 <a:cs typeface="Lucida Console"/>
               </a:rPr>
-              <a:t>every word on this line, </a:t>
-            </a:r>
-            <a:endParaRPr lang="en-US" sz="1400" i="1" dirty="0" smtClean="0">
-              <a:solidFill>
-                <a:schemeClr val="accent1"/>
-              </a:solidFill>
-              <a:latin typeface="Lucida Console"/>
-              <a:cs typeface="Lucida Console"/>
-            </a:endParaRPr>
-          </a:p>
-          <a:p>
-            <a:pPr marL="0" indent="0"/>
+              <a:t>initialize count to zero</a:t>
+            </a:r>
+          </a:p>
+          <a:p>
+            <a:pPr marL="347472">
+              <a:spcBef>
+                <a:spcPts val="600"/>
+              </a:spcBef>
+            </a:pPr>
             <a:r>
               <a:rPr lang="en-US" sz="1400" dirty="0" smtClean="0">
                 <a:latin typeface="Lucida Console"/>
                 <a:cs typeface="Lucida Console"/>
               </a:rPr>
-              <a:t>2 </a:t>
-            </a:r>
-            <a:r>
-              <a:rPr lang="en-US" sz="1400" i="1" dirty="0" smtClean="0">
+              <a:t>9    </a:t>
+            </a:r>
+            <a:r>
+              <a:rPr lang="en-US" sz="1400" dirty="0" err="1">
                 <a:latin typeface="Lucida Console"/>
                 <a:cs typeface="Lucida Console"/>
               </a:rPr>
-              <a:t>  </a:t>
-            </a:r>
-            <a:r>
-              <a:rPr lang="en-US" sz="1400" i="1" dirty="0" smtClean="0">
-                <a:solidFill>
-                  <a:schemeClr val="accent1"/>
-                </a:solidFill>
+              <a:t>int</a:t>
+            </a:r>
+            <a:r>
+              <a:rPr lang="en-US" sz="1400" dirty="0">
                 <a:latin typeface="Lucida Console"/>
                 <a:cs typeface="Lucida Console"/>
               </a:rPr>
-              <a:t># emit </a:t>
-            </a:r>
-            <a:r>
-              <a:rPr lang="en-US" sz="1400" i="1" dirty="0">
-                <a:solidFill>
-                  <a:schemeClr val="accent1"/>
-                </a:solidFill>
-                <a:latin typeface="Lucida Console"/>
-                <a:cs typeface="Lucida Console"/>
-              </a:rPr>
-              <a:t>that word and the </a:t>
-            </a:r>
-            <a:r>
-              <a:rPr lang="en-US" sz="1400" i="1" dirty="0" smtClean="0">
-                <a:solidFill>
-                  <a:schemeClr val="accent1"/>
-                </a:solidFill>
-                <a:latin typeface="Lucida Console"/>
-                <a:cs typeface="Lucida Console"/>
-              </a:rPr>
-              <a:t>number ‘1’</a:t>
-            </a:r>
-            <a:endParaRPr lang="en-US" sz="1400" i="1" dirty="0">
-              <a:solidFill>
-                <a:schemeClr val="accent1"/>
-              </a:solidFill>
-              <a:latin typeface="Lucida Console"/>
-              <a:cs typeface="Lucida Console"/>
-            </a:endParaRPr>
-          </a:p>
-          <a:p>
+              <a:t> count = 0;</a:t>
+            </a:r>
+          </a:p>
+          <a:p>
+            <a:pPr marL="347472">
+              <a:spcBef>
+                <a:spcPts val="600"/>
+              </a:spcBef>
+            </a:pPr>
             <a:r>
               <a:rPr lang="en-US" sz="1400" dirty="0" smtClean="0">
                 <a:latin typeface="Lucida Console"/>
                 <a:cs typeface="Lucida Console"/>
               </a:rPr>
-              <a:t>3   </a:t>
-            </a:r>
-            <a:r>
-              <a:rPr lang="en-US" sz="1400" dirty="0" err="1" smtClean="0">
-                <a:latin typeface="Lucida Console"/>
-                <a:cs typeface="Lucida Console"/>
-              </a:rPr>
-              <a:t>foreach</a:t>
-            </a:r>
-            <a:r>
-              <a:rPr lang="en-US" sz="1400" dirty="0" smtClean="0">
-                <a:latin typeface="Lucida Console"/>
-                <a:cs typeface="Lucida Console"/>
-              </a:rPr>
-              <a:t> </a:t>
+              <a:t>10   </a:t>
             </a:r>
             <a:r>
               <a:rPr lang="en-US" sz="1400" dirty="0">
                 <a:latin typeface="Lucida Console"/>
                 <a:cs typeface="Lucida Console"/>
               </a:rPr>
-              <a:t>text word in </a:t>
+              <a:t>while( </a:t>
             </a:r>
             <a:r>
               <a:rPr lang="en-US" sz="1400" dirty="0" err="1">
                 <a:latin typeface="Lucida Console"/>
                 <a:cs typeface="Lucida Console"/>
               </a:rPr>
-              <a:t>line.tokenize</a:t>
+              <a:t>values.hasNext</a:t>
             </a:r>
             <a:r>
               <a:rPr lang="en-US" sz="1400" dirty="0">
                 <a:latin typeface="Lucida Console"/>
                 <a:cs typeface="Lucida Console"/>
               </a:rPr>
-              <a:t>(" ") {</a:t>
-            </a:r>
-          </a:p>
-          <a:p>
-            <a:r>
-              <a:rPr lang="en-US" sz="1400" dirty="0" smtClean="0">
-                <a:latin typeface="Lucida Console"/>
-                <a:cs typeface="Lucida Console"/>
-              </a:rPr>
-              <a:t>4     </a:t>
-            </a:r>
-            <a:r>
-              <a:rPr lang="en-US" sz="1400" dirty="0">
-                <a:latin typeface="Lucida Console"/>
-                <a:cs typeface="Lucida Console"/>
-              </a:rPr>
-              <a:t>emit(word, 1);</a:t>
-            </a:r>
-          </a:p>
-          <a:p>
-            <a:r>
-              <a:rPr lang="en-US" sz="1400" dirty="0" smtClean="0">
-                <a:latin typeface="Lucida Console"/>
-                <a:cs typeface="Lucida Console"/>
-              </a:rPr>
-              <a:t>5   </a:t>
-            </a:r>
-            <a:r>
-              <a:rPr lang="en-US" sz="1400" dirty="0">
-                <a:latin typeface="Lucida Console"/>
-                <a:cs typeface="Lucida Console"/>
-              </a:rPr>
-              <a:t>}</a:t>
-            </a:r>
-          </a:p>
-          <a:p>
-            <a:r>
-              <a:rPr lang="en-US" sz="1400" dirty="0" smtClean="0">
-                <a:latin typeface="Lucida Console"/>
-                <a:cs typeface="Lucida Console"/>
-              </a:rPr>
-              <a:t>6 }</a:t>
-            </a:r>
-            <a:endParaRPr lang="en-US" sz="1400" dirty="0">
-              <a:latin typeface="Lucida Console"/>
-              <a:cs typeface="Lucida Console"/>
-            </a:endParaRPr>
-          </a:p>
-        </p:txBody>
-      </p:sp>
-    </p:spTree>
-    <p:extLst>
-      <p:ext uri="{BB962C8B-B14F-4D97-AF65-F5344CB8AC3E}">
-        <p14:creationId xmlns:p14="http://schemas.microsoft.com/office/powerpoint/2010/main" val="2518737623"/>
-      </p:ext>
-    </p:extLst>
-  </p:cSld>
-  <p:clrMapOvr>
-    <a:masterClrMapping/>
-  </p:clrMapOvr>
-  <p:timing>
-    <p:tnLst>
-      <p:par>
-        <p:cTn xmlns:p14="http://schemas.microsoft.com/office/powerpoint/2010/main" id="1" dur="indefinite" restart="never" nodeType="tmRoot"/>
-      </p:par>
-    </p:tnLst>
-  </p:timing>
-</p:sld>
-</file>
-
-<file path=ppt/slides/slide6.xml><?xml version="1.0" encoding="utf-8"?>
-<p:sld xmlns:a="http://schemas.openxmlformats.org/drawingml/2006/main" xmlns:r="http://schemas.openxmlformats.org/officeDocument/2006/relationships" xmlns:p="http://schemas.openxmlformats.org/presentationml/2006/main">
-  <p:cSld>
-    <p:spTree>
-      <p:nvGrpSpPr>
-        <p:cNvPr id="1" name=""/>
-        <p:cNvGrpSpPr/>
-        <p:nvPr/>
-      </p:nvGrpSpPr>
-      <p:grpSpPr>
-        <a:xfrm>
-          <a:off x="0" y="0"/>
-          <a:ext cx="0" cy="0"/>
-          <a:chOff x="0" y="0"/>
-          <a:chExt cx="0" cy="0"/>
-        </a:xfrm>
-      </p:grpSpPr>
-      <p:sp>
-        <p:nvSpPr>
-          <p:cNvPr id="2" name="Title 1"/>
-          <p:cNvSpPr>
-            <a:spLocks noGrp="1"/>
-          </p:cNvSpPr>
-          <p:nvPr>
-            <p:ph type="title"/>
-          </p:nvPr>
-        </p:nvSpPr>
-        <p:spPr/>
-        <p:txBody>
-          <a:bodyPr/>
-          <a:lstStyle/>
-          <a:p>
-            <a:r>
-              <a:rPr lang="en-US" dirty="0"/>
-              <a:t>Word count (</a:t>
-            </a:r>
-            <a:r>
-              <a:rPr lang="en-US" dirty="0" smtClean="0"/>
-              <a:t>@R</a:t>
-            </a:r>
-            <a:r>
-              <a:rPr lang="en-US" cap="none" dirty="0" smtClean="0"/>
-              <a:t>educe</a:t>
-            </a:r>
-            <a:r>
-              <a:rPr lang="en-US" dirty="0" smtClean="0"/>
-              <a:t>)</a:t>
-            </a:r>
-            <a:endParaRPr lang="en-US" dirty="0"/>
-          </a:p>
-        </p:txBody>
-      </p:sp>
-      <p:sp>
-        <p:nvSpPr>
-          <p:cNvPr id="3" name="Content Placeholder 2"/>
-          <p:cNvSpPr>
-            <a:spLocks noGrp="1"/>
-          </p:cNvSpPr>
-          <p:nvPr>
-            <p:ph idx="1"/>
-          </p:nvPr>
-        </p:nvSpPr>
-        <p:spPr/>
-        <p:txBody>
-          <a:bodyPr>
-            <a:normAutofit/>
-          </a:bodyPr>
-          <a:lstStyle/>
-          <a:p>
-            <a:r>
-              <a:rPr lang="en-US" sz="1400" dirty="0" smtClean="0">
-                <a:latin typeface="Lucida Console"/>
-                <a:cs typeface="Lucida Console"/>
-              </a:rPr>
-              <a:t>7  @</a:t>
-            </a:r>
-            <a:r>
-              <a:rPr lang="en-US" sz="1400" dirty="0">
-                <a:latin typeface="Lucida Console"/>
-                <a:cs typeface="Lucida Console"/>
-              </a:rPr>
-              <a:t>Reduce (text word, </a:t>
-            </a:r>
-            <a:r>
-              <a:rPr lang="en-US" sz="1400" dirty="0" err="1">
-                <a:latin typeface="Lucida Console"/>
-                <a:cs typeface="Lucida Console"/>
-              </a:rPr>
-              <a:t>iter</a:t>
-            </a:r>
-            <a:r>
-              <a:rPr lang="en-US" sz="1400" dirty="0">
-                <a:latin typeface="Lucida Console"/>
-                <a:cs typeface="Lucida Console"/>
-              </a:rPr>
-              <a:t>&lt;</a:t>
-            </a:r>
-            <a:r>
-              <a:rPr lang="en-US" sz="1400" dirty="0" err="1">
-                <a:latin typeface="Lucida Console"/>
-                <a:cs typeface="Lucida Console"/>
-              </a:rPr>
-              <a:t>int</a:t>
-            </a:r>
-            <a:r>
-              <a:rPr lang="en-US" sz="1400" dirty="0">
-                <a:latin typeface="Lucida Console"/>
-                <a:cs typeface="Lucida Console"/>
-              </a:rPr>
-              <a:t>&gt; values) -&gt; (text, </a:t>
-            </a:r>
-            <a:r>
-              <a:rPr lang="en-US" sz="1400" dirty="0" err="1">
-                <a:latin typeface="Lucida Console"/>
-                <a:cs typeface="Lucida Console"/>
-              </a:rPr>
-              <a:t>int</a:t>
-            </a:r>
-            <a:r>
-              <a:rPr lang="en-US" sz="1400" dirty="0">
-                <a:latin typeface="Lucida Console"/>
-                <a:cs typeface="Lucida Console"/>
-              </a:rPr>
-              <a:t>) {</a:t>
-            </a:r>
-          </a:p>
-          <a:p>
-            <a:r>
-              <a:rPr lang="en-US" sz="1400" dirty="0" smtClean="0">
-                <a:latin typeface="Lucida Console"/>
-                <a:cs typeface="Lucida Console"/>
-              </a:rPr>
-              <a:t>8    </a:t>
-            </a:r>
-            <a:r>
-              <a:rPr lang="en-US" sz="1400" i="1" dirty="0" smtClean="0">
-                <a:solidFill>
-                  <a:schemeClr val="accent1"/>
-                </a:solidFill>
-                <a:latin typeface="Lucida Console"/>
-                <a:cs typeface="Lucida Console"/>
-              </a:rPr>
-              <a:t># </a:t>
-            </a:r>
-            <a:r>
-              <a:rPr lang="en-US" sz="1400" i="1" dirty="0">
-                <a:solidFill>
-                  <a:schemeClr val="accent1"/>
-                </a:solidFill>
-                <a:latin typeface="Lucida Console"/>
-                <a:cs typeface="Lucida Console"/>
-              </a:rPr>
-              <a:t>initialize count to zero</a:t>
-            </a:r>
-          </a:p>
-          <a:p>
-            <a:r>
-              <a:rPr lang="en-US" sz="1400" dirty="0" smtClean="0">
-                <a:latin typeface="Lucida Console"/>
-                <a:cs typeface="Lucida Console"/>
-              </a:rPr>
-              <a:t>9    </a:t>
-            </a:r>
-            <a:r>
-              <a:rPr lang="en-US" sz="1400" dirty="0" err="1">
-                <a:latin typeface="Lucida Console"/>
-                <a:cs typeface="Lucida Console"/>
-              </a:rPr>
-              <a:t>int</a:t>
-            </a:r>
-            <a:r>
-              <a:rPr lang="en-US" sz="1400" dirty="0">
-                <a:latin typeface="Lucida Console"/>
-                <a:cs typeface="Lucida Console"/>
-              </a:rPr>
-              <a:t> count = 0;</a:t>
-            </a:r>
-          </a:p>
-          <a:p>
-            <a:r>
-              <a:rPr lang="en-US" sz="1400" dirty="0" smtClean="0">
-                <a:latin typeface="Lucida Console"/>
-                <a:cs typeface="Lucida Console"/>
-              </a:rPr>
-              <a:t>10   </a:t>
-            </a:r>
-            <a:r>
-              <a:rPr lang="en-US" sz="1400" dirty="0">
-                <a:latin typeface="Lucida Console"/>
-                <a:cs typeface="Lucida Console"/>
-              </a:rPr>
-              <a:t>while( </a:t>
-            </a:r>
-            <a:r>
-              <a:rPr lang="en-US" sz="1400" dirty="0" err="1">
-                <a:latin typeface="Lucida Console"/>
-                <a:cs typeface="Lucida Console"/>
-              </a:rPr>
-              <a:t>values.hasNext</a:t>
-            </a:r>
-            <a:r>
-              <a:rPr lang="en-US" sz="1400" dirty="0">
-                <a:latin typeface="Lucida Console"/>
-                <a:cs typeface="Lucida Console"/>
-              </a:rPr>
               <a:t>() ) {</a:t>
             </a:r>
           </a:p>
           <a:p>
+            <a:pPr marL="347472">
+              <a:spcBef>
+                <a:spcPts val="600"/>
+              </a:spcBef>
+            </a:pPr>
             <a:r>
               <a:rPr lang="en-US" sz="1400" dirty="0" smtClean="0">
                 <a:latin typeface="Lucida Console"/>
@@ -6588,6 +5624,11 @@
             </a:r>
           </a:p>
           <a:p>
+            <a:pPr marL="347472">
+              <a:spcBef>
+                <a:spcPts val="600"/>
+              </a:spcBef>
+            </a:pPr>
             <a:r>
               <a:rPr lang="en-US" sz="1400" dirty="0" smtClean="0">
                 <a:latin typeface="Lucida Console"/>
@@ -6618,6 +5659,11 @@
             </a:r>
           </a:p>
           <a:p>
+            <a:pPr marL="347472">
+              <a:spcBef>
+                <a:spcPts val="600"/>
+              </a:spcBef>
+            </a:pPr>
             <a:r>
               <a:rPr lang="en-US" sz="1400" dirty="0" smtClean="0">
                 <a:latin typeface="Lucida Console"/>
@@ -6631,6 +5677,11 @@
             </a:endParaRPr>
           </a:p>
           <a:p>
+            <a:pPr marL="347472">
+              <a:spcBef>
+                <a:spcPts val="600"/>
+              </a:spcBef>
+            </a:pPr>
             <a:r>
               <a:rPr lang="en-US" sz="1400" dirty="0" smtClean="0">
                 <a:latin typeface="Lucida Console"/>
@@ -6670,6 +5721,11 @@
             </a:r>
           </a:p>
           <a:p>
+            <a:pPr marL="347472">
+              <a:spcBef>
+                <a:spcPts val="600"/>
+              </a:spcBef>
+            </a:pPr>
             <a:r>
               <a:rPr lang="en-US" sz="1400" dirty="0" smtClean="0">
                 <a:latin typeface="Lucida Console"/>
@@ -6686,6 +5742,11 @@
             </a:r>
           </a:p>
           <a:p>
+            <a:pPr marL="347472">
+              <a:spcBef>
+                <a:spcPts val="600"/>
+              </a:spcBef>
+            </a:pPr>
             <a:r>
               <a:rPr lang="en-US" sz="1400" dirty="0" smtClean="0">
                 <a:latin typeface="Lucida Console"/>
@@ -6720,7 +5781,7 @@
 </p:sld>
 </file>
 
-<file path=ppt/slides/slide7.xml><?xml version="1.0" encoding="utf-8"?>
+<file path=ppt/slides/slide11.xml><?xml version="1.0" encoding="utf-8"?>
 <p:sld xmlns:a="http://schemas.openxmlformats.org/drawingml/2006/main" xmlns:r="http://schemas.openxmlformats.org/officeDocument/2006/relationships" xmlns:p="http://schemas.openxmlformats.org/presentationml/2006/main">
   <p:cSld>
     <p:spTree>
@@ -6787,34 +5848,72 @@
           <a:bodyPr/>
           <a:lstStyle/>
           <a:p>
-            <a:r>
-              <a:rPr lang="en-US" dirty="0"/>
+            <a:pPr>
+              <a:spcBef>
+                <a:spcPts val="1400"/>
+              </a:spcBef>
+            </a:pPr>
+            <a:r>
+              <a:rPr lang="en-US" dirty="0">
+                <a:latin typeface="Lucida Console"/>
+                <a:cs typeface="Lucida Console"/>
+              </a:rPr>
               <a:t>@Main {</a:t>
             </a:r>
           </a:p>
           <a:p>
-            <a:r>
-              <a:rPr lang="en-US" dirty="0"/>
+            <a:pPr>
+              <a:spcBef>
+                <a:spcPts val="1400"/>
+              </a:spcBef>
+            </a:pPr>
+            <a:r>
+              <a:rPr lang="en-US" dirty="0">
+                <a:latin typeface="Lucida Console"/>
+                <a:cs typeface="Lucida Console"/>
+              </a:rPr>
               <a:t>  # call map reduce</a:t>
             </a:r>
           </a:p>
           <a:p>
-            <a:r>
-              <a:rPr lang="en-US" dirty="0"/>
+            <a:pPr>
+              <a:spcBef>
+                <a:spcPts val="1400"/>
+              </a:spcBef>
+            </a:pPr>
+            <a:r>
+              <a:rPr lang="en-US" dirty="0">
+                <a:latin typeface="Lucida Console"/>
+                <a:cs typeface="Lucida Console"/>
+              </a:rPr>
               <a:t>  </a:t>
             </a:r>
             <a:r>
-              <a:rPr lang="en-US" dirty="0" err="1"/>
+              <a:rPr lang="en-US" dirty="0" err="1">
+                <a:latin typeface="Lucida Console"/>
+                <a:cs typeface="Lucida Console"/>
+              </a:rPr>
               <a:t>mapReduce</a:t>
             </a:r>
             <a:r>
-              <a:rPr lang="en-US" dirty="0"/>
+              <a:rPr lang="en-US" dirty="0">
+                <a:latin typeface="Lucida Console"/>
+                <a:cs typeface="Lucida Console"/>
+              </a:rPr>
               <a:t>();</a:t>
             </a:r>
           </a:p>
           <a:p>
-            <a:r>
-              <a:rPr lang="en-US" dirty="0"/>
+            <a:pPr>
+              <a:spcBef>
+                <a:spcPts val="1400"/>
+              </a:spcBef>
+            </a:pPr>
+            <a:r>
+              <a:rPr lang="en-US" dirty="0">
+                <a:latin typeface="Lucida Console"/>
+                <a:cs typeface="Lucida Console"/>
+              </a:rPr>
               <a:t>}</a:t>
             </a:r>
           </a:p>
@@ -6843,7 +5942,7 @@
 </p:sld>
 </file>
 
-<file path=ppt/slides/slide8.xml><?xml version="1.0" encoding="utf-8"?>
+<file path=ppt/slides/slide12.xml><?xml version="1.0" encoding="utf-8"?>
 <p:sld xmlns:a="http://schemas.openxmlformats.org/drawingml/2006/main" xmlns:r="http://schemas.openxmlformats.org/officeDocument/2006/relationships" xmlns:p="http://schemas.openxmlformats.org/presentationml/2006/main">
   <p:cSld>
     <p:spTree>
@@ -6882,7 +5981,7 @@
           <a:p>
             <a:r>
               <a:rPr lang="en-US" sz="6000" dirty="0" smtClean="0"/>
-              <a:t>Syntax</a:t>
+              <a:t>architecture</a:t>
             </a:r>
             <a:endParaRPr lang="en-US" sz="6000" dirty="0"/>
           </a:p>
@@ -6912,15 +6011,15 @@
           <a:p>
             <a:r>
               <a:rPr lang="en-US" sz="2400" spc="0" dirty="0" smtClean="0"/>
-              <a:t>Paul </a:t>
+              <a:t>Benjamin </a:t>
             </a:r>
             <a:r>
               <a:rPr lang="en-US" sz="2400" spc="0" dirty="0" err="1" smtClean="0"/>
-              <a:t>Tylkin</a:t>
+              <a:t>rapaport</a:t>
             </a:r>
             <a:r>
               <a:rPr lang="en-US" sz="2400" spc="0" dirty="0" smtClean="0"/>
-              <a:t> (Language Guru)</a:t>
+              <a:t> (system Architect)</a:t>
             </a:r>
             <a:endParaRPr lang="en-US" sz="2400" spc="0" dirty="0"/>
           </a:p>
@@ -6929,7 +6028,7 @@
     </p:spTree>
     <p:extLst>
       <p:ext uri="{BB962C8B-B14F-4D97-AF65-F5344CB8AC3E}">
-        <p14:creationId xmlns:p14="http://schemas.microsoft.com/office/powerpoint/2010/main" val="426475956"/>
+        <p14:creationId xmlns:p14="http://schemas.microsoft.com/office/powerpoint/2010/main" val="1290730697"/>
       </p:ext>
     </p:extLst>
   </p:cSld>
@@ -6946,7 +6045,312 @@
 </p:sld>
 </file>
 
-<file path=ppt/slides/slide9.xml><?xml version="1.0" encoding="utf-8"?>
+<file path=ppt/slides/slide13.xml><?xml version="1.0" encoding="utf-8"?>
+<p:sld xmlns:a="http://schemas.openxmlformats.org/drawingml/2006/main" xmlns:r="http://schemas.openxmlformats.org/officeDocument/2006/relationships" xmlns:p="http://schemas.openxmlformats.org/presentationml/2006/main">
+  <p:cSld>
+    <p:spTree>
+      <p:nvGrpSpPr>
+        <p:cNvPr id="1" name=""/>
+        <p:cNvGrpSpPr/>
+        <p:nvPr/>
+      </p:nvGrpSpPr>
+      <p:grpSpPr>
+        <a:xfrm>
+          <a:off x="0" y="0"/>
+          <a:ext cx="0" cy="0"/>
+          <a:chOff x="0" y="0"/>
+          <a:chExt cx="0" cy="0"/>
+        </a:xfrm>
+      </p:grpSpPr>
+      <p:sp>
+        <p:nvSpPr>
+          <p:cNvPr id="2" name="Title 1"/>
+          <p:cNvSpPr>
+            <a:spLocks noGrp="1"/>
+          </p:cNvSpPr>
+          <p:nvPr>
+            <p:ph type="title"/>
+          </p:nvPr>
+        </p:nvSpPr>
+        <p:spPr>
+          <a:xfrm rot="19140000">
+            <a:off x="631242" y="1776157"/>
+            <a:ext cx="5650992" cy="1207509"/>
+          </a:xfrm>
+        </p:spPr>
+        <p:txBody>
+          <a:bodyPr/>
+          <a:lstStyle/>
+          <a:p>
+            <a:r>
+              <a:rPr lang="en-US" sz="6000" dirty="0" smtClean="0"/>
+              <a:t>runtime</a:t>
+            </a:r>
+            <a:endParaRPr lang="en-US" sz="6000" dirty="0"/>
+          </a:p>
+        </p:txBody>
+      </p:sp>
+      <p:sp>
+        <p:nvSpPr>
+          <p:cNvPr id="3" name="Text Placeholder 2"/>
+          <p:cNvSpPr>
+            <a:spLocks noGrp="1"/>
+          </p:cNvSpPr>
+          <p:nvPr>
+            <p:ph type="body" idx="1"/>
+          </p:nvPr>
+        </p:nvSpPr>
+        <p:spPr>
+          <a:xfrm rot="19140000">
+            <a:off x="938448" y="2278221"/>
+            <a:ext cx="7240656" cy="329184"/>
+          </a:xfrm>
+        </p:spPr>
+        <p:txBody>
+          <a:bodyPr>
+            <a:noAutofit/>
+          </a:bodyPr>
+          <a:lstStyle/>
+          <a:p>
+            <a:r>
+              <a:rPr lang="en-US" sz="2400" spc="0" dirty="0" err="1" smtClean="0"/>
+              <a:t>Kurry</a:t>
+            </a:r>
+            <a:r>
+              <a:rPr lang="en-US" sz="2400" spc="0" dirty="0" smtClean="0"/>
+              <a:t> </a:t>
+            </a:r>
+            <a:r>
+              <a:rPr lang="en-US" sz="2400" spc="0" dirty="0" err="1" smtClean="0"/>
+              <a:t>tran</a:t>
+            </a:r>
+            <a:r>
+              <a:rPr lang="en-US" sz="2400" spc="0" dirty="0" smtClean="0"/>
+              <a:t> (System integrator)</a:t>
+            </a:r>
+            <a:endParaRPr lang="en-US" sz="2400" spc="0" dirty="0"/>
+          </a:p>
+        </p:txBody>
+      </p:sp>
+    </p:spTree>
+    <p:extLst>
+      <p:ext uri="{BB962C8B-B14F-4D97-AF65-F5344CB8AC3E}">
+        <p14:creationId xmlns:p14="http://schemas.microsoft.com/office/powerpoint/2010/main" val="720806030"/>
+      </p:ext>
+    </p:extLst>
+  </p:cSld>
+  <p:clrMapOvr>
+    <a:masterClrMapping/>
+  </p:clrMapOvr>
+  <p:timing>
+    <p:tnLst>
+      <p:par>
+        <p:cTn xmlns:p14="http://schemas.microsoft.com/office/powerpoint/2010/main" id="1" dur="indefinite" restart="never" nodeType="tmRoot"/>
+      </p:par>
+    </p:tnLst>
+  </p:timing>
+</p:sld>
+</file>
+
+<file path=ppt/slides/slide14.xml><?xml version="1.0" encoding="utf-8"?>
+<p:sld xmlns:a="http://schemas.openxmlformats.org/drawingml/2006/main" xmlns:r="http://schemas.openxmlformats.org/officeDocument/2006/relationships" xmlns:p="http://schemas.openxmlformats.org/presentationml/2006/main">
+  <p:cSld>
+    <p:spTree>
+      <p:nvGrpSpPr>
+        <p:cNvPr id="1" name=""/>
+        <p:cNvGrpSpPr/>
+        <p:nvPr/>
+      </p:nvGrpSpPr>
+      <p:grpSpPr>
+        <a:xfrm>
+          <a:off x="0" y="0"/>
+          <a:ext cx="0" cy="0"/>
+          <a:chOff x="0" y="0"/>
+          <a:chExt cx="0" cy="0"/>
+        </a:xfrm>
+      </p:grpSpPr>
+      <p:sp>
+        <p:nvSpPr>
+          <p:cNvPr id="2" name="Title 1"/>
+          <p:cNvSpPr>
+            <a:spLocks noGrp="1"/>
+          </p:cNvSpPr>
+          <p:nvPr>
+            <p:ph type="title"/>
+          </p:nvPr>
+        </p:nvSpPr>
+        <p:spPr>
+          <a:xfrm rot="19140000">
+            <a:off x="631242" y="1776157"/>
+            <a:ext cx="5650992" cy="1207509"/>
+          </a:xfrm>
+        </p:spPr>
+        <p:txBody>
+          <a:bodyPr/>
+          <a:lstStyle/>
+          <a:p>
+            <a:r>
+              <a:rPr lang="en-US" sz="6000" dirty="0" smtClean="0"/>
+              <a:t>Testing</a:t>
+            </a:r>
+            <a:endParaRPr lang="en-US" sz="6000" dirty="0"/>
+          </a:p>
+        </p:txBody>
+      </p:sp>
+      <p:sp>
+        <p:nvSpPr>
+          <p:cNvPr id="3" name="Text Placeholder 2"/>
+          <p:cNvSpPr>
+            <a:spLocks noGrp="1"/>
+          </p:cNvSpPr>
+          <p:nvPr>
+            <p:ph type="body" idx="1"/>
+          </p:nvPr>
+        </p:nvSpPr>
+        <p:spPr>
+          <a:xfrm rot="19140000">
+            <a:off x="938448" y="2278221"/>
+            <a:ext cx="7240656" cy="329184"/>
+          </a:xfrm>
+        </p:spPr>
+        <p:txBody>
+          <a:bodyPr>
+            <a:noAutofit/>
+          </a:bodyPr>
+          <a:lstStyle/>
+          <a:p>
+            <a:r>
+              <a:rPr lang="en-US" sz="2400" spc="0" dirty="0" smtClean="0"/>
+              <a:t>Jason </a:t>
+            </a:r>
+            <a:r>
+              <a:rPr lang="en-US" sz="2400" spc="0" dirty="0" err="1" smtClean="0"/>
+              <a:t>halpern</a:t>
+            </a:r>
+            <a:r>
+              <a:rPr lang="en-US" sz="2400" spc="0" dirty="0" smtClean="0"/>
+              <a:t> (testing/validation)</a:t>
+            </a:r>
+            <a:endParaRPr lang="en-US" sz="2400" spc="0" dirty="0"/>
+          </a:p>
+        </p:txBody>
+      </p:sp>
+    </p:spTree>
+    <p:extLst>
+      <p:ext uri="{BB962C8B-B14F-4D97-AF65-F5344CB8AC3E}">
+        <p14:creationId xmlns:p14="http://schemas.microsoft.com/office/powerpoint/2010/main" val="720806030"/>
+      </p:ext>
+    </p:extLst>
+  </p:cSld>
+  <p:clrMapOvr>
+    <a:masterClrMapping/>
+  </p:clrMapOvr>
+  <p:timing>
+    <p:tnLst>
+      <p:par>
+        <p:cTn xmlns:p14="http://schemas.microsoft.com/office/powerpoint/2010/main" id="1" dur="indefinite" restart="never" nodeType="tmRoot"/>
+      </p:par>
+    </p:tnLst>
+  </p:timing>
+</p:sld>
+</file>
+
+<file path=ppt/slides/slide15.xml><?xml version="1.0" encoding="utf-8"?>
+<p:sld xmlns:a="http://schemas.openxmlformats.org/drawingml/2006/main" xmlns:r="http://schemas.openxmlformats.org/officeDocument/2006/relationships" xmlns:p="http://schemas.openxmlformats.org/presentationml/2006/main">
+  <p:cSld>
+    <p:spTree>
+      <p:nvGrpSpPr>
+        <p:cNvPr id="1" name=""/>
+        <p:cNvGrpSpPr/>
+        <p:nvPr/>
+      </p:nvGrpSpPr>
+      <p:grpSpPr>
+        <a:xfrm>
+          <a:off x="0" y="0"/>
+          <a:ext cx="0" cy="0"/>
+          <a:chOff x="0" y="0"/>
+          <a:chExt cx="0" cy="0"/>
+        </a:xfrm>
+      </p:grpSpPr>
+      <p:sp>
+        <p:nvSpPr>
+          <p:cNvPr id="2" name="Title 1"/>
+          <p:cNvSpPr>
+            <a:spLocks noGrp="1"/>
+          </p:cNvSpPr>
+          <p:nvPr>
+            <p:ph type="title"/>
+          </p:nvPr>
+        </p:nvSpPr>
+        <p:spPr>
+          <a:xfrm rot="19140000">
+            <a:off x="631242" y="1776157"/>
+            <a:ext cx="5650992" cy="1207509"/>
+          </a:xfrm>
+        </p:spPr>
+        <p:txBody>
+          <a:bodyPr/>
+          <a:lstStyle/>
+          <a:p>
+            <a:r>
+              <a:rPr lang="en-US" sz="6000" dirty="0" smtClean="0"/>
+              <a:t>conclusions</a:t>
+            </a:r>
+            <a:endParaRPr lang="en-US" sz="6000" dirty="0"/>
+          </a:p>
+        </p:txBody>
+      </p:sp>
+      <p:sp>
+        <p:nvSpPr>
+          <p:cNvPr id="3" name="Text Placeholder 2"/>
+          <p:cNvSpPr>
+            <a:spLocks noGrp="1"/>
+          </p:cNvSpPr>
+          <p:nvPr>
+            <p:ph type="body" idx="1"/>
+          </p:nvPr>
+        </p:nvSpPr>
+        <p:spPr>
+          <a:xfrm rot="19140000">
+            <a:off x="938448" y="2278221"/>
+            <a:ext cx="7240656" cy="329184"/>
+          </a:xfrm>
+        </p:spPr>
+        <p:txBody>
+          <a:bodyPr>
+            <a:noAutofit/>
+          </a:bodyPr>
+          <a:lstStyle/>
+          <a:p>
+            <a:r>
+              <a:rPr lang="en-US" sz="2400" spc="0" dirty="0" smtClean="0"/>
+              <a:t>The hog team</a:t>
+            </a:r>
+            <a:endParaRPr lang="en-US" sz="2400" spc="0" dirty="0"/>
+          </a:p>
+        </p:txBody>
+      </p:sp>
+    </p:spTree>
+    <p:extLst>
+      <p:ext uri="{BB962C8B-B14F-4D97-AF65-F5344CB8AC3E}">
+        <p14:creationId xmlns:p14="http://schemas.microsoft.com/office/powerpoint/2010/main" val="3601372676"/>
+      </p:ext>
+    </p:extLst>
+  </p:cSld>
+  <p:clrMapOvr>
+    <a:masterClrMapping/>
+  </p:clrMapOvr>
+  <p:timing>
+    <p:tnLst>
+      <p:par>
+        <p:cTn xmlns:p14="http://schemas.microsoft.com/office/powerpoint/2010/main" id="1" dur="indefinite" restart="never" nodeType="tmRoot"/>
+      </p:par>
+    </p:tnLst>
+  </p:timing>
+</p:sld>
+</file>
+
+<file path=ppt/slides/slide16.xml><?xml version="1.0" encoding="utf-8"?>
 <p:sld xmlns:a="http://schemas.openxmlformats.org/drawingml/2006/main" xmlns:r="http://schemas.openxmlformats.org/officeDocument/2006/relationships" xmlns:p="http://schemas.openxmlformats.org/presentationml/2006/main">
   <p:cSld>
     <p:spTree>
@@ -7056,6 +6460,3505 @@
     <p:extLst>
       <p:ext uri="{BB962C8B-B14F-4D97-AF65-F5344CB8AC3E}">
         <p14:creationId xmlns:p14="http://schemas.microsoft.com/office/powerpoint/2010/main" val="2597203885"/>
+      </p:ext>
+    </p:extLst>
+  </p:cSld>
+  <p:clrMapOvr>
+    <a:masterClrMapping/>
+  </p:clrMapOvr>
+  <p:timing>
+    <p:tnLst>
+      <p:par>
+        <p:cTn xmlns:p14="http://schemas.microsoft.com/office/powerpoint/2010/main" id="1" dur="indefinite" restart="never" nodeType="tmRoot"/>
+      </p:par>
+    </p:tnLst>
+  </p:timing>
+</p:sld>
+</file>
+
+<file path=ppt/slides/slide2.xml><?xml version="1.0" encoding="utf-8"?>
+<p:sld xmlns:a="http://schemas.openxmlformats.org/drawingml/2006/main" xmlns:r="http://schemas.openxmlformats.org/officeDocument/2006/relationships" xmlns:p="http://schemas.openxmlformats.org/presentationml/2006/main">
+  <p:cSld>
+    <p:spTree>
+      <p:nvGrpSpPr>
+        <p:cNvPr id="1" name=""/>
+        <p:cNvGrpSpPr/>
+        <p:nvPr/>
+      </p:nvGrpSpPr>
+      <p:grpSpPr>
+        <a:xfrm>
+          <a:off x="0" y="0"/>
+          <a:ext cx="0" cy="0"/>
+          <a:chOff x="0" y="0"/>
+          <a:chExt cx="0" cy="0"/>
+        </a:xfrm>
+      </p:grpSpPr>
+      <p:sp>
+        <p:nvSpPr>
+          <p:cNvPr id="2" name="Title 1"/>
+          <p:cNvSpPr>
+            <a:spLocks noGrp="1"/>
+          </p:cNvSpPr>
+          <p:nvPr>
+            <p:ph type="title"/>
+          </p:nvPr>
+        </p:nvSpPr>
+        <p:spPr/>
+        <p:txBody>
+          <a:bodyPr/>
+          <a:lstStyle/>
+          <a:p>
+            <a:r>
+              <a:rPr lang="en-US" sz="6000" dirty="0" smtClean="0"/>
+              <a:t>outline</a:t>
+            </a:r>
+            <a:endParaRPr lang="en-US" sz="6000" dirty="0"/>
+          </a:p>
+        </p:txBody>
+      </p:sp>
+      <p:sp>
+        <p:nvSpPr>
+          <p:cNvPr id="3" name="Content Placeholder 2"/>
+          <p:cNvSpPr>
+            <a:spLocks noGrp="1"/>
+          </p:cNvSpPr>
+          <p:nvPr>
+            <p:ph idx="1"/>
+          </p:nvPr>
+        </p:nvSpPr>
+        <p:spPr>
+          <a:xfrm>
+            <a:off x="4682590" y="3458274"/>
+            <a:ext cx="3807779" cy="3324687"/>
+          </a:xfrm>
+        </p:spPr>
+        <p:txBody>
+          <a:bodyPr>
+            <a:noAutofit/>
+          </a:bodyPr>
+          <a:lstStyle/>
+          <a:p>
+            <a:pPr>
+              <a:buFont typeface="+mj-lt"/>
+              <a:buAutoNum type="arabicPeriod"/>
+            </a:pPr>
+            <a:r>
+              <a:rPr lang="en-US" sz="2000" dirty="0"/>
+              <a:t>Introduction (Sam)</a:t>
+            </a:r>
+          </a:p>
+          <a:p>
+            <a:pPr>
+              <a:buFont typeface="+mj-lt"/>
+              <a:buAutoNum type="arabicPeriod"/>
+            </a:pPr>
+            <a:r>
+              <a:rPr lang="en-US" sz="2000" dirty="0"/>
+              <a:t>Syntax (Paul)</a:t>
+            </a:r>
+          </a:p>
+          <a:p>
+            <a:pPr>
+              <a:buFont typeface="+mj-lt"/>
+              <a:buAutoNum type="arabicPeriod"/>
+            </a:pPr>
+            <a:r>
+              <a:rPr lang="en-US" sz="2000" dirty="0"/>
+              <a:t>Compiler Architecture (Ben)</a:t>
+            </a:r>
+          </a:p>
+          <a:p>
+            <a:pPr>
+              <a:buFont typeface="+mj-lt"/>
+              <a:buAutoNum type="arabicPeriod"/>
+            </a:pPr>
+            <a:r>
+              <a:rPr lang="en-US" sz="2000" dirty="0"/>
+              <a:t>Runtime Environment (</a:t>
+            </a:r>
+            <a:r>
+              <a:rPr lang="en-US" sz="2000" dirty="0" err="1"/>
+              <a:t>Kurry</a:t>
+            </a:r>
+            <a:r>
+              <a:rPr lang="en-US" sz="2000" dirty="0"/>
+              <a:t>)</a:t>
+            </a:r>
+          </a:p>
+          <a:p>
+            <a:pPr>
+              <a:buFont typeface="+mj-lt"/>
+              <a:buAutoNum type="arabicPeriod"/>
+            </a:pPr>
+            <a:r>
+              <a:rPr lang="en-US" sz="2000" dirty="0"/>
+              <a:t>Testing (Jason)</a:t>
+            </a:r>
+          </a:p>
+          <a:p>
+            <a:pPr>
+              <a:buFont typeface="+mj-lt"/>
+              <a:buAutoNum type="arabicPeriod"/>
+            </a:pPr>
+            <a:r>
+              <a:rPr lang="en-US" sz="2000" dirty="0" smtClean="0"/>
+              <a:t>Conclusions</a:t>
+            </a:r>
+            <a:endParaRPr lang="en-US" sz="2000" dirty="0"/>
+          </a:p>
+          <a:p>
+            <a:endParaRPr lang="en-US" sz="2000" dirty="0"/>
+          </a:p>
+        </p:txBody>
+      </p:sp>
+      <p:sp>
+        <p:nvSpPr>
+          <p:cNvPr id="4" name="Text Placeholder 3"/>
+          <p:cNvSpPr>
+            <a:spLocks noGrp="1"/>
+          </p:cNvSpPr>
+          <p:nvPr>
+            <p:ph type="body" sz="half" idx="2"/>
+          </p:nvPr>
+        </p:nvSpPr>
+        <p:spPr/>
+        <p:txBody>
+          <a:bodyPr/>
+          <a:lstStyle/>
+          <a:p>
+            <a:endParaRPr lang="en-US" dirty="0"/>
+          </a:p>
+        </p:txBody>
+      </p:sp>
+    </p:spTree>
+    <p:extLst>
+      <p:ext uri="{BB962C8B-B14F-4D97-AF65-F5344CB8AC3E}">
+        <p14:creationId xmlns:p14="http://schemas.microsoft.com/office/powerpoint/2010/main" val="842254260"/>
+      </p:ext>
+    </p:extLst>
+  </p:cSld>
+  <p:clrMapOvr>
+    <a:masterClrMapping/>
+  </p:clrMapOvr>
+  <p:timing>
+    <p:tnLst>
+      <p:par>
+        <p:cTn xmlns:p14="http://schemas.microsoft.com/office/powerpoint/2010/main" id="1" dur="indefinite" restart="never" nodeType="tmRoot"/>
+      </p:par>
+    </p:tnLst>
+  </p:timing>
+</p:sld>
+</file>
+
+<file path=ppt/slides/slide3.xml><?xml version="1.0" encoding="utf-8"?>
+<p:sld xmlns:a="http://schemas.openxmlformats.org/drawingml/2006/main" xmlns:r="http://schemas.openxmlformats.org/officeDocument/2006/relationships" xmlns:p="http://schemas.openxmlformats.org/presentationml/2006/main">
+  <p:cSld>
+    <p:spTree>
+      <p:nvGrpSpPr>
+        <p:cNvPr id="1" name=""/>
+        <p:cNvGrpSpPr/>
+        <p:nvPr/>
+      </p:nvGrpSpPr>
+      <p:grpSpPr>
+        <a:xfrm>
+          <a:off x="0" y="0"/>
+          <a:ext cx="0" cy="0"/>
+          <a:chOff x="0" y="0"/>
+          <a:chExt cx="0" cy="0"/>
+        </a:xfrm>
+      </p:grpSpPr>
+      <p:sp>
+        <p:nvSpPr>
+          <p:cNvPr id="2" name="Title 1"/>
+          <p:cNvSpPr>
+            <a:spLocks noGrp="1"/>
+          </p:cNvSpPr>
+          <p:nvPr>
+            <p:ph type="title"/>
+          </p:nvPr>
+        </p:nvSpPr>
+        <p:spPr>
+          <a:xfrm rot="19140000">
+            <a:off x="623407" y="1789457"/>
+            <a:ext cx="5650992" cy="1207509"/>
+          </a:xfrm>
+        </p:spPr>
+        <p:txBody>
+          <a:bodyPr/>
+          <a:lstStyle/>
+          <a:p>
+            <a:r>
+              <a:rPr lang="en-US" sz="6000" dirty="0" smtClean="0"/>
+              <a:t>Introduction</a:t>
+            </a:r>
+            <a:endParaRPr lang="en-US" sz="6000" dirty="0"/>
+          </a:p>
+        </p:txBody>
+      </p:sp>
+      <p:sp>
+        <p:nvSpPr>
+          <p:cNvPr id="3" name="Text Placeholder 2"/>
+          <p:cNvSpPr>
+            <a:spLocks noGrp="1"/>
+          </p:cNvSpPr>
+          <p:nvPr>
+            <p:ph type="body" idx="1"/>
+          </p:nvPr>
+        </p:nvSpPr>
+        <p:spPr>
+          <a:xfrm rot="19140000">
+            <a:off x="1020160" y="2531024"/>
+            <a:ext cx="6510528" cy="329184"/>
+          </a:xfrm>
+        </p:spPr>
+        <p:txBody>
+          <a:bodyPr>
+            <a:noAutofit/>
+          </a:bodyPr>
+          <a:lstStyle/>
+          <a:p>
+            <a:r>
+              <a:rPr lang="en-US" sz="2400" spc="0" dirty="0" smtClean="0"/>
+              <a:t>Samuel Messing (Project Manager)</a:t>
+            </a:r>
+            <a:endParaRPr lang="en-US" sz="2400" spc="0" dirty="0"/>
+          </a:p>
+        </p:txBody>
+      </p:sp>
+    </p:spTree>
+    <p:extLst>
+      <p:ext uri="{BB962C8B-B14F-4D97-AF65-F5344CB8AC3E}">
+        <p14:creationId xmlns:p14="http://schemas.microsoft.com/office/powerpoint/2010/main" val="4041799400"/>
+      </p:ext>
+    </p:extLst>
+  </p:cSld>
+  <p:clrMapOvr>
+    <a:masterClrMapping/>
+  </p:clrMapOvr>
+  <p:timing>
+    <p:tnLst>
+      <p:par>
+        <p:cTn xmlns:p14="http://schemas.microsoft.com/office/powerpoint/2010/main" id="1" dur="indefinite" restart="never" nodeType="tmRoot"/>
+      </p:par>
+    </p:tnLst>
+  </p:timing>
+</p:sld>
+</file>
+
+<file path=ppt/slides/slide4.xml><?xml version="1.0" encoding="utf-8"?>
+<p:sld xmlns:a="http://schemas.openxmlformats.org/drawingml/2006/main" xmlns:r="http://schemas.openxmlformats.org/officeDocument/2006/relationships" xmlns:p="http://schemas.openxmlformats.org/presentationml/2006/main">
+  <p:cSld>
+    <p:spTree>
+      <p:nvGrpSpPr>
+        <p:cNvPr id="1" name=""/>
+        <p:cNvGrpSpPr/>
+        <p:nvPr/>
+      </p:nvGrpSpPr>
+      <p:grpSpPr>
+        <a:xfrm>
+          <a:off x="0" y="0"/>
+          <a:ext cx="0" cy="0"/>
+          <a:chOff x="0" y="0"/>
+          <a:chExt cx="0" cy="0"/>
+        </a:xfrm>
+      </p:grpSpPr>
+      <p:sp>
+        <p:nvSpPr>
+          <p:cNvPr id="2" name="Title 1"/>
+          <p:cNvSpPr>
+            <a:spLocks noGrp="1"/>
+          </p:cNvSpPr>
+          <p:nvPr>
+            <p:ph type="title"/>
+          </p:nvPr>
+        </p:nvSpPr>
+        <p:spPr/>
+        <p:txBody>
+          <a:bodyPr/>
+          <a:lstStyle/>
+          <a:p>
+            <a:r>
+              <a:rPr lang="en-US" dirty="0" smtClean="0"/>
+              <a:t>Motivation</a:t>
+            </a:r>
+            <a:endParaRPr lang="en-US" dirty="0"/>
+          </a:p>
+        </p:txBody>
+      </p:sp>
+      <p:sp>
+        <p:nvSpPr>
+          <p:cNvPr id="3" name="Text Placeholder 2"/>
+          <p:cNvSpPr>
+            <a:spLocks noGrp="1"/>
+          </p:cNvSpPr>
+          <p:nvPr>
+            <p:ph type="body" idx="1"/>
+          </p:nvPr>
+        </p:nvSpPr>
+        <p:spPr/>
+        <p:txBody>
+          <a:bodyPr>
+            <a:normAutofit/>
+          </a:bodyPr>
+          <a:lstStyle/>
+          <a:p>
+            <a:r>
+              <a:rPr lang="en-US" sz="2400" b="1" cap="none" spc="0" dirty="0" smtClean="0"/>
+              <a:t>Say you…</a:t>
+            </a:r>
+            <a:endParaRPr lang="en-US" sz="2400" b="1" cap="none" spc="0" dirty="0"/>
+          </a:p>
+        </p:txBody>
+      </p:sp>
+      <p:sp>
+        <p:nvSpPr>
+          <p:cNvPr id="4" name="Content Placeholder 3"/>
+          <p:cNvSpPr>
+            <a:spLocks noGrp="1"/>
+          </p:cNvSpPr>
+          <p:nvPr>
+            <p:ph sz="half" idx="2"/>
+          </p:nvPr>
+        </p:nvSpPr>
+        <p:spPr/>
+        <p:txBody>
+          <a:bodyPr/>
+          <a:lstStyle/>
+          <a:p>
+            <a:pPr>
+              <a:buFont typeface="Arial"/>
+              <a:buChar char="•"/>
+            </a:pPr>
+            <a:r>
+              <a:rPr lang="en-US" dirty="0"/>
+              <a:t>a</a:t>
+            </a:r>
+            <a:r>
+              <a:rPr lang="en-US" dirty="0" smtClean="0"/>
+              <a:t>re a webhost,</a:t>
+            </a:r>
+          </a:p>
+          <a:p>
+            <a:pPr>
+              <a:buFont typeface="Arial"/>
+              <a:buChar char="•"/>
+            </a:pPr>
+            <a:r>
+              <a:rPr lang="en-US" dirty="0" smtClean="0"/>
+              <a:t>with terabytes of web logs,</a:t>
+            </a:r>
+          </a:p>
+          <a:p>
+            <a:pPr>
+              <a:buFont typeface="Arial"/>
+              <a:buChar char="•"/>
+            </a:pPr>
+            <a:r>
+              <a:rPr lang="en-US" dirty="0" smtClean="0"/>
+              <a:t>and you just noticed a massive spike in avg. I/O times…</a:t>
+            </a:r>
+            <a:endParaRPr lang="en-US" dirty="0"/>
+          </a:p>
+        </p:txBody>
+      </p:sp>
+      <p:sp>
+        <p:nvSpPr>
+          <p:cNvPr id="5" name="Text Placeholder 4"/>
+          <p:cNvSpPr>
+            <a:spLocks noGrp="1"/>
+          </p:cNvSpPr>
+          <p:nvPr>
+            <p:ph type="body" sz="quarter" idx="3"/>
+          </p:nvPr>
+        </p:nvSpPr>
+        <p:spPr/>
+        <p:txBody>
+          <a:bodyPr>
+            <a:normAutofit/>
+          </a:bodyPr>
+          <a:lstStyle/>
+          <a:p>
+            <a:r>
+              <a:rPr lang="en-US" sz="2400" b="1" cap="none" spc="0" dirty="0"/>
+              <a:t>Say you…</a:t>
+            </a:r>
+            <a:endParaRPr lang="en-US" sz="2400" b="1" cap="none" spc="0" dirty="0"/>
+          </a:p>
+        </p:txBody>
+      </p:sp>
+      <p:sp>
+        <p:nvSpPr>
+          <p:cNvPr id="6" name="Content Placeholder 5"/>
+          <p:cNvSpPr>
+            <a:spLocks noGrp="1"/>
+          </p:cNvSpPr>
+          <p:nvPr>
+            <p:ph sz="quarter" idx="4"/>
+          </p:nvPr>
+        </p:nvSpPr>
+        <p:spPr/>
+        <p:txBody>
+          <a:bodyPr>
+            <a:normAutofit/>
+          </a:bodyPr>
+          <a:lstStyle/>
+          <a:p>
+            <a:pPr>
+              <a:buFont typeface="Arial"/>
+              <a:buChar char="•"/>
+            </a:pPr>
+            <a:r>
+              <a:rPr lang="en-US" dirty="0" smtClean="0"/>
+              <a:t>are a statistician,</a:t>
+            </a:r>
+          </a:p>
+          <a:p>
+            <a:pPr>
+              <a:buFont typeface="Arial"/>
+              <a:buChar char="•"/>
+            </a:pPr>
+            <a:r>
+              <a:rPr lang="en-US" dirty="0" smtClean="0"/>
+              <a:t>with millions upon millions of data points,</a:t>
+            </a:r>
+          </a:p>
+          <a:p>
+            <a:pPr>
+              <a:buFont typeface="Arial"/>
+              <a:buChar char="•"/>
+            </a:pPr>
+            <a:r>
+              <a:rPr lang="en-US" dirty="0" smtClean="0"/>
+              <a:t>and you need descriptive statistics about your sample…</a:t>
+            </a:r>
+            <a:endParaRPr lang="en-US" dirty="0"/>
+          </a:p>
+        </p:txBody>
+      </p:sp>
+    </p:spTree>
+    <p:extLst>
+      <p:ext uri="{BB962C8B-B14F-4D97-AF65-F5344CB8AC3E}">
+        <p14:creationId xmlns:p14="http://schemas.microsoft.com/office/powerpoint/2010/main" val="1418872238"/>
+      </p:ext>
+    </p:extLst>
+  </p:cSld>
+  <p:clrMapOvr>
+    <a:masterClrMapping/>
+  </p:clrMapOvr>
+  <p:timing>
+    <p:tnLst>
+      <p:par>
+        <p:cTn xmlns:p14="http://schemas.microsoft.com/office/powerpoint/2010/main" id="1" dur="indefinite" restart="never" nodeType="tmRoot"/>
+      </p:par>
+    </p:tnLst>
+  </p:timing>
+</p:sld>
+</file>
+
+<file path=ppt/slides/slide5.xml><?xml version="1.0" encoding="utf-8"?>
+<p:sld xmlns:a="http://schemas.openxmlformats.org/drawingml/2006/main" xmlns:r="http://schemas.openxmlformats.org/officeDocument/2006/relationships" xmlns:p="http://schemas.openxmlformats.org/presentationml/2006/main">
+  <p:cSld>
+    <p:spTree>
+      <p:nvGrpSpPr>
+        <p:cNvPr id="1" name=""/>
+        <p:cNvGrpSpPr/>
+        <p:nvPr/>
+      </p:nvGrpSpPr>
+      <p:grpSpPr>
+        <a:xfrm>
+          <a:off x="0" y="0"/>
+          <a:ext cx="0" cy="0"/>
+          <a:chOff x="0" y="0"/>
+          <a:chExt cx="0" cy="0"/>
+        </a:xfrm>
+      </p:grpSpPr>
+      <p:grpSp>
+        <p:nvGrpSpPr>
+          <p:cNvPr id="2" name="Group 1"/>
+          <p:cNvGrpSpPr/>
+          <p:nvPr/>
+        </p:nvGrpSpPr>
+        <p:grpSpPr>
+          <a:xfrm rot="2342913">
+            <a:off x="1038656" y="807464"/>
+            <a:ext cx="5370479" cy="4728889"/>
+            <a:chOff x="3000389" y="1986927"/>
+            <a:chExt cx="5370479" cy="4728889"/>
+          </a:xfrm>
+        </p:grpSpPr>
+        <p:sp>
+          <p:nvSpPr>
+            <p:cNvPr id="3" name="Oval 2"/>
+            <p:cNvSpPr/>
+            <p:nvPr/>
+          </p:nvSpPr>
+          <p:spPr>
+            <a:xfrm rot="19257087">
+              <a:off x="7406588" y="1986927"/>
+              <a:ext cx="964280" cy="1011354"/>
+            </a:xfrm>
+            <a:prstGeom prst="ellipse">
+              <a:avLst/>
+            </a:prstGeom>
+            <a:solidFill>
+              <a:srgbClr val="08A1D9"/>
+            </a:solidFill>
+            <a:effectLst/>
+          </p:spPr>
+          <p:style>
+            <a:lnRef idx="1">
+              <a:schemeClr val="accent1"/>
+            </a:lnRef>
+            <a:fillRef idx="3">
+              <a:schemeClr val="accent1"/>
+            </a:fillRef>
+            <a:effectRef idx="2">
+              <a:schemeClr val="accent1"/>
+            </a:effectRef>
+            <a:fontRef idx="minor">
+              <a:schemeClr val="lt1"/>
+            </a:fontRef>
+          </p:style>
+          <p:txBody>
+            <a:bodyPr rtlCol="0" anchor="ctr"/>
+            <a:lstStyle/>
+            <a:p>
+              <a:pPr algn="ctr"/>
+              <a:r>
+                <a:rPr lang="en-US" dirty="0" smtClean="0"/>
+                <a:t>Out</a:t>
+              </a:r>
+              <a:endParaRPr lang="en-US" dirty="0"/>
+            </a:p>
+          </p:txBody>
+        </p:sp>
+        <p:grpSp>
+          <p:nvGrpSpPr>
+            <p:cNvPr id="4" name="Group 3"/>
+            <p:cNvGrpSpPr/>
+            <p:nvPr/>
+          </p:nvGrpSpPr>
+          <p:grpSpPr>
+            <a:xfrm>
+              <a:off x="3000389" y="2550012"/>
+              <a:ext cx="4426556" cy="4165804"/>
+              <a:chOff x="3000389" y="2550012"/>
+              <a:chExt cx="4426556" cy="4165804"/>
+            </a:xfrm>
+          </p:grpSpPr>
+          <p:sp>
+            <p:nvSpPr>
+              <p:cNvPr id="5" name="Rectangle 4"/>
+              <p:cNvSpPr/>
+              <p:nvPr/>
+            </p:nvSpPr>
+            <p:spPr>
+              <a:xfrm rot="19222947">
+                <a:off x="4229428" y="4332360"/>
+                <a:ext cx="1113234" cy="455507"/>
+              </a:xfrm>
+              <a:prstGeom prst="rect">
+                <a:avLst/>
+              </a:prstGeom>
+              <a:effectLst/>
+            </p:spPr>
+            <p:style>
+              <a:lnRef idx="1">
+                <a:schemeClr val="accent6"/>
+              </a:lnRef>
+              <a:fillRef idx="3">
+                <a:schemeClr val="accent6"/>
+              </a:fillRef>
+              <a:effectRef idx="2">
+                <a:schemeClr val="accent6"/>
+              </a:effectRef>
+              <a:fontRef idx="minor">
+                <a:schemeClr val="lt1"/>
+              </a:fontRef>
+            </p:style>
+            <p:txBody>
+              <a:bodyPr rtlCol="0" anchor="ctr"/>
+              <a:lstStyle/>
+              <a:p>
+                <a:pPr algn="ctr"/>
+                <a:r>
+                  <a:rPr lang="en-US" dirty="0" smtClean="0">
+                    <a:ln w="18415" cmpd="sng">
+                      <a:solidFill>
+                        <a:srgbClr val="FFFFFF"/>
+                      </a:solidFill>
+                      <a:prstDash val="solid"/>
+                    </a:ln>
+                    <a:solidFill>
+                      <a:srgbClr val="FFFFFF"/>
+                    </a:solidFill>
+                    <a:effectLst>
+                      <a:outerShdw blurRad="63500" dir="3600000" algn="tl" rotWithShape="0">
+                        <a:srgbClr val="000000">
+                          <a:alpha val="70000"/>
+                        </a:srgbClr>
+                      </a:outerShdw>
+                    </a:effectLst>
+                  </a:rPr>
+                  <a:t>M</a:t>
+                </a:r>
+                <a:endParaRPr lang="en-US" dirty="0">
+                  <a:ln w="18415" cmpd="sng">
+                    <a:solidFill>
+                      <a:srgbClr val="FFFFFF"/>
+                    </a:solidFill>
+                    <a:prstDash val="solid"/>
+                  </a:ln>
+                  <a:solidFill>
+                    <a:srgbClr val="FFFFFF"/>
+                  </a:solidFill>
+                  <a:effectLst>
+                    <a:outerShdw blurRad="63500" dir="3600000" algn="tl" rotWithShape="0">
+                      <a:srgbClr val="000000">
+                        <a:alpha val="70000"/>
+                      </a:srgbClr>
+                    </a:outerShdw>
+                  </a:effectLst>
+                </a:endParaRPr>
+              </a:p>
+            </p:txBody>
+          </p:sp>
+          <p:sp>
+            <p:nvSpPr>
+              <p:cNvPr id="6" name="Rectangle 5"/>
+              <p:cNvSpPr/>
+              <p:nvPr/>
+            </p:nvSpPr>
+            <p:spPr>
+              <a:xfrm rot="19222947">
+                <a:off x="5314349" y="5688515"/>
+                <a:ext cx="1113234" cy="455507"/>
+              </a:xfrm>
+              <a:prstGeom prst="rect">
+                <a:avLst/>
+              </a:prstGeom>
+              <a:effectLst/>
+            </p:spPr>
+            <p:style>
+              <a:lnRef idx="1">
+                <a:schemeClr val="accent6"/>
+              </a:lnRef>
+              <a:fillRef idx="3">
+                <a:schemeClr val="accent6"/>
+              </a:fillRef>
+              <a:effectRef idx="2">
+                <a:schemeClr val="accent6"/>
+              </a:effectRef>
+              <a:fontRef idx="minor">
+                <a:schemeClr val="lt1"/>
+              </a:fontRef>
+            </p:style>
+            <p:txBody>
+              <a:bodyPr rtlCol="0" anchor="ctr"/>
+              <a:lstStyle/>
+              <a:p>
+                <a:pPr algn="ctr"/>
+                <a:r>
+                  <a:rPr lang="en-US" dirty="0" smtClean="0">
+                    <a:ln w="18415" cmpd="sng">
+                      <a:solidFill>
+                        <a:srgbClr val="FFFFFF"/>
+                      </a:solidFill>
+                      <a:prstDash val="solid"/>
+                    </a:ln>
+                    <a:solidFill>
+                      <a:srgbClr val="FFFFFF"/>
+                    </a:solidFill>
+                    <a:effectLst>
+                      <a:outerShdw blurRad="63500" dir="3600000" algn="tl" rotWithShape="0">
+                        <a:srgbClr val="000000">
+                          <a:alpha val="70000"/>
+                        </a:srgbClr>
+                      </a:outerShdw>
+                    </a:effectLst>
+                  </a:rPr>
+                  <a:t>M</a:t>
+                </a:r>
+                <a:endParaRPr lang="en-US" dirty="0">
+                  <a:ln w="18415" cmpd="sng">
+                    <a:solidFill>
+                      <a:srgbClr val="FFFFFF"/>
+                    </a:solidFill>
+                    <a:prstDash val="solid"/>
+                  </a:ln>
+                  <a:solidFill>
+                    <a:srgbClr val="FFFFFF"/>
+                  </a:solidFill>
+                  <a:effectLst>
+                    <a:outerShdw blurRad="63500" dir="3600000" algn="tl" rotWithShape="0">
+                      <a:srgbClr val="000000">
+                        <a:alpha val="70000"/>
+                      </a:srgbClr>
+                    </a:outerShdw>
+                  </a:effectLst>
+                </a:endParaRPr>
+              </a:p>
+            </p:txBody>
+          </p:sp>
+          <p:grpSp>
+            <p:nvGrpSpPr>
+              <p:cNvPr id="7" name="Group 6"/>
+              <p:cNvGrpSpPr/>
+              <p:nvPr/>
+            </p:nvGrpSpPr>
+            <p:grpSpPr>
+              <a:xfrm>
+                <a:off x="3000389" y="2550012"/>
+                <a:ext cx="4426556" cy="4165804"/>
+                <a:chOff x="3000389" y="2550012"/>
+                <a:chExt cx="4426556" cy="4165804"/>
+              </a:xfrm>
+            </p:grpSpPr>
+            <p:sp>
+              <p:nvSpPr>
+                <p:cNvPr id="8" name="Oval 7"/>
+                <p:cNvSpPr/>
+                <p:nvPr/>
+              </p:nvSpPr>
+              <p:spPr>
+                <a:xfrm rot="19257087">
+                  <a:off x="3000389" y="5538709"/>
+                  <a:ext cx="964280" cy="1011354"/>
+                </a:xfrm>
+                <a:prstGeom prst="ellipse">
+                  <a:avLst/>
+                </a:prstGeom>
+                <a:solidFill>
+                  <a:srgbClr val="08A1D9"/>
+                </a:solidFill>
+                <a:effectLst/>
+              </p:spPr>
+              <p:style>
+                <a:lnRef idx="1">
+                  <a:schemeClr val="accent1"/>
+                </a:lnRef>
+                <a:fillRef idx="3">
+                  <a:schemeClr val="accent1"/>
+                </a:fillRef>
+                <a:effectRef idx="2">
+                  <a:schemeClr val="accent1"/>
+                </a:effectRef>
+                <a:fontRef idx="minor">
+                  <a:schemeClr val="lt1"/>
+                </a:fontRef>
+              </p:style>
+              <p:txBody>
+                <a:bodyPr rtlCol="0" anchor="ctr"/>
+                <a:lstStyle/>
+                <a:p>
+                  <a:pPr algn="ctr"/>
+                  <a:r>
+                    <a:rPr lang="en-US" dirty="0" smtClean="0"/>
+                    <a:t>In</a:t>
+                  </a:r>
+                  <a:endParaRPr lang="en-US" dirty="0"/>
+                </a:p>
+              </p:txBody>
+            </p:sp>
+            <p:sp>
+              <p:nvSpPr>
+                <p:cNvPr id="9" name="Rectangle 8"/>
+                <p:cNvSpPr/>
+                <p:nvPr/>
+              </p:nvSpPr>
+              <p:spPr>
+                <a:xfrm rot="19222947">
+                  <a:off x="3551371" y="3450376"/>
+                  <a:ext cx="1113234" cy="455507"/>
+                </a:xfrm>
+                <a:prstGeom prst="rect">
+                  <a:avLst/>
+                </a:prstGeom>
+                <a:effectLst/>
+              </p:spPr>
+              <p:style>
+                <a:lnRef idx="1">
+                  <a:schemeClr val="accent6"/>
+                </a:lnRef>
+                <a:fillRef idx="3">
+                  <a:schemeClr val="accent6"/>
+                </a:fillRef>
+                <a:effectRef idx="2">
+                  <a:schemeClr val="accent6"/>
+                </a:effectRef>
+                <a:fontRef idx="minor">
+                  <a:schemeClr val="lt1"/>
+                </a:fontRef>
+              </p:style>
+              <p:txBody>
+                <a:bodyPr rtlCol="0" anchor="ctr"/>
+                <a:lstStyle/>
+                <a:p>
+                  <a:pPr algn="ctr"/>
+                  <a:r>
+                    <a:rPr lang="en-US" dirty="0" smtClean="0">
+                      <a:ln w="18415" cmpd="sng">
+                        <a:solidFill>
+                          <a:srgbClr val="FFFFFF"/>
+                        </a:solidFill>
+                        <a:prstDash val="solid"/>
+                      </a:ln>
+                      <a:solidFill>
+                        <a:srgbClr val="FFFFFF"/>
+                      </a:solidFill>
+                      <a:effectLst>
+                        <a:outerShdw blurRad="63500" dir="3600000" algn="tl" rotWithShape="0">
+                          <a:srgbClr val="000000">
+                            <a:alpha val="70000"/>
+                          </a:srgbClr>
+                        </a:outerShdw>
+                      </a:effectLst>
+                    </a:rPr>
+                    <a:t>M</a:t>
+                  </a:r>
+                  <a:endParaRPr lang="en-US" dirty="0">
+                    <a:ln w="18415" cmpd="sng">
+                      <a:solidFill>
+                        <a:srgbClr val="FFFFFF"/>
+                      </a:solidFill>
+                      <a:prstDash val="solid"/>
+                    </a:ln>
+                    <a:solidFill>
+                      <a:srgbClr val="FFFFFF"/>
+                    </a:solidFill>
+                    <a:effectLst>
+                      <a:outerShdw blurRad="63500" dir="3600000" algn="tl" rotWithShape="0">
+                        <a:srgbClr val="000000">
+                          <a:alpha val="70000"/>
+                        </a:srgbClr>
+                      </a:outerShdw>
+                    </a:effectLst>
+                  </a:endParaRPr>
+                </a:p>
+              </p:txBody>
+            </p:sp>
+            <p:sp>
+              <p:nvSpPr>
+                <p:cNvPr id="10" name="Rectangle 9"/>
+                <p:cNvSpPr/>
+                <p:nvPr/>
+              </p:nvSpPr>
+              <p:spPr>
+                <a:xfrm rot="19222947">
+                  <a:off x="3886771" y="3904009"/>
+                  <a:ext cx="1113234" cy="455507"/>
+                </a:xfrm>
+                <a:prstGeom prst="rect">
+                  <a:avLst/>
+                </a:prstGeom>
+                <a:effectLst/>
+              </p:spPr>
+              <p:style>
+                <a:lnRef idx="1">
+                  <a:schemeClr val="accent6"/>
+                </a:lnRef>
+                <a:fillRef idx="3">
+                  <a:schemeClr val="accent6"/>
+                </a:fillRef>
+                <a:effectRef idx="2">
+                  <a:schemeClr val="accent6"/>
+                </a:effectRef>
+                <a:fontRef idx="minor">
+                  <a:schemeClr val="lt1"/>
+                </a:fontRef>
+              </p:style>
+              <p:txBody>
+                <a:bodyPr rtlCol="0" anchor="ctr"/>
+                <a:lstStyle/>
+                <a:p>
+                  <a:pPr algn="ctr"/>
+                  <a:r>
+                    <a:rPr lang="en-US" dirty="0" smtClean="0">
+                      <a:ln w="18415" cmpd="sng">
+                        <a:solidFill>
+                          <a:srgbClr val="FFFFFF"/>
+                        </a:solidFill>
+                        <a:prstDash val="solid"/>
+                      </a:ln>
+                      <a:solidFill>
+                        <a:srgbClr val="FFFFFF"/>
+                      </a:solidFill>
+                      <a:effectLst>
+                        <a:outerShdw blurRad="63500" dir="3600000" algn="tl" rotWithShape="0">
+                          <a:srgbClr val="000000">
+                            <a:alpha val="70000"/>
+                          </a:srgbClr>
+                        </a:outerShdw>
+                      </a:effectLst>
+                    </a:rPr>
+                    <a:t>M</a:t>
+                  </a:r>
+                  <a:endParaRPr lang="en-US" dirty="0">
+                    <a:ln w="18415" cmpd="sng">
+                      <a:solidFill>
+                        <a:srgbClr val="FFFFFF"/>
+                      </a:solidFill>
+                      <a:prstDash val="solid"/>
+                    </a:ln>
+                    <a:solidFill>
+                      <a:srgbClr val="FFFFFF"/>
+                    </a:solidFill>
+                    <a:effectLst>
+                      <a:outerShdw blurRad="63500" dir="3600000" algn="tl" rotWithShape="0">
+                        <a:srgbClr val="000000">
+                          <a:alpha val="70000"/>
+                        </a:srgbClr>
+                      </a:outerShdw>
+                    </a:effectLst>
+                  </a:endParaRPr>
+                </a:p>
+              </p:txBody>
+            </p:sp>
+            <p:sp>
+              <p:nvSpPr>
+                <p:cNvPr id="11" name="Rectangle 10"/>
+                <p:cNvSpPr/>
+                <p:nvPr/>
+              </p:nvSpPr>
+              <p:spPr>
+                <a:xfrm rot="19222947">
+                  <a:off x="4575716" y="4778701"/>
+                  <a:ext cx="1113234" cy="455507"/>
+                </a:xfrm>
+                <a:prstGeom prst="rect">
+                  <a:avLst/>
+                </a:prstGeom>
+                <a:effectLst/>
+              </p:spPr>
+              <p:style>
+                <a:lnRef idx="1">
+                  <a:schemeClr val="accent6"/>
+                </a:lnRef>
+                <a:fillRef idx="3">
+                  <a:schemeClr val="accent6"/>
+                </a:fillRef>
+                <a:effectRef idx="2">
+                  <a:schemeClr val="accent6"/>
+                </a:effectRef>
+                <a:fontRef idx="minor">
+                  <a:schemeClr val="lt1"/>
+                </a:fontRef>
+              </p:style>
+              <p:txBody>
+                <a:bodyPr rtlCol="0" anchor="ctr"/>
+                <a:lstStyle/>
+                <a:p>
+                  <a:pPr algn="ctr"/>
+                  <a:r>
+                    <a:rPr lang="en-US" dirty="0" smtClean="0">
+                      <a:ln w="18415" cmpd="sng">
+                        <a:solidFill>
+                          <a:srgbClr val="FFFFFF"/>
+                        </a:solidFill>
+                        <a:prstDash val="solid"/>
+                      </a:ln>
+                      <a:solidFill>
+                        <a:srgbClr val="FFFFFF"/>
+                      </a:solidFill>
+                      <a:effectLst>
+                        <a:outerShdw blurRad="63500" dir="3600000" algn="tl" rotWithShape="0">
+                          <a:srgbClr val="000000">
+                            <a:alpha val="70000"/>
+                          </a:srgbClr>
+                        </a:outerShdw>
+                      </a:effectLst>
+                    </a:rPr>
+                    <a:t>M</a:t>
+                  </a:r>
+                  <a:endParaRPr lang="en-US" dirty="0">
+                    <a:ln w="18415" cmpd="sng">
+                      <a:solidFill>
+                        <a:srgbClr val="FFFFFF"/>
+                      </a:solidFill>
+                      <a:prstDash val="solid"/>
+                    </a:ln>
+                    <a:solidFill>
+                      <a:srgbClr val="FFFFFF"/>
+                    </a:solidFill>
+                    <a:effectLst>
+                      <a:outerShdw blurRad="63500" dir="3600000" algn="tl" rotWithShape="0">
+                        <a:srgbClr val="000000">
+                          <a:alpha val="70000"/>
+                        </a:srgbClr>
+                      </a:outerShdw>
+                    </a:effectLst>
+                  </a:endParaRPr>
+                </a:p>
+              </p:txBody>
+            </p:sp>
+            <p:sp>
+              <p:nvSpPr>
+                <p:cNvPr id="12" name="Rectangle 11"/>
+                <p:cNvSpPr/>
+                <p:nvPr/>
+              </p:nvSpPr>
+              <p:spPr>
+                <a:xfrm rot="19222947">
+                  <a:off x="4969438" y="5258277"/>
+                  <a:ext cx="1113234" cy="455507"/>
+                </a:xfrm>
+                <a:prstGeom prst="rect">
+                  <a:avLst/>
+                </a:prstGeom>
+                <a:effectLst/>
+              </p:spPr>
+              <p:style>
+                <a:lnRef idx="1">
+                  <a:schemeClr val="accent6"/>
+                </a:lnRef>
+                <a:fillRef idx="3">
+                  <a:schemeClr val="accent6"/>
+                </a:fillRef>
+                <a:effectRef idx="2">
+                  <a:schemeClr val="accent6"/>
+                </a:effectRef>
+                <a:fontRef idx="minor">
+                  <a:schemeClr val="lt1"/>
+                </a:fontRef>
+              </p:style>
+              <p:txBody>
+                <a:bodyPr rtlCol="0" anchor="ctr"/>
+                <a:lstStyle/>
+                <a:p>
+                  <a:pPr algn="ctr"/>
+                  <a:r>
+                    <a:rPr lang="en-US" dirty="0" smtClean="0">
+                      <a:ln w="18415" cmpd="sng">
+                        <a:solidFill>
+                          <a:srgbClr val="FFFFFF"/>
+                        </a:solidFill>
+                        <a:prstDash val="solid"/>
+                      </a:ln>
+                      <a:solidFill>
+                        <a:srgbClr val="FFFFFF"/>
+                      </a:solidFill>
+                      <a:effectLst>
+                        <a:outerShdw blurRad="63500" dir="3600000" algn="tl" rotWithShape="0">
+                          <a:srgbClr val="000000">
+                            <a:alpha val="70000"/>
+                          </a:srgbClr>
+                        </a:outerShdw>
+                      </a:effectLst>
+                    </a:rPr>
+                    <a:t>M</a:t>
+                  </a:r>
+                  <a:endParaRPr lang="en-US" dirty="0">
+                    <a:ln w="18415" cmpd="sng">
+                      <a:solidFill>
+                        <a:srgbClr val="FFFFFF"/>
+                      </a:solidFill>
+                      <a:prstDash val="solid"/>
+                    </a:ln>
+                    <a:solidFill>
+                      <a:srgbClr val="FFFFFF"/>
+                    </a:solidFill>
+                    <a:effectLst>
+                      <a:outerShdw blurRad="63500" dir="3600000" algn="tl" rotWithShape="0">
+                        <a:srgbClr val="000000">
+                          <a:alpha val="70000"/>
+                        </a:srgbClr>
+                      </a:outerShdw>
+                    </a:effectLst>
+                  </a:endParaRPr>
+                </a:p>
+              </p:txBody>
+            </p:sp>
+            <p:sp>
+              <p:nvSpPr>
+                <p:cNvPr id="13" name="Rectangle 12"/>
+                <p:cNvSpPr/>
+                <p:nvPr/>
+              </p:nvSpPr>
+              <p:spPr>
+                <a:xfrm rot="19222947">
+                  <a:off x="5543440" y="2995659"/>
+                  <a:ext cx="1113234" cy="455507"/>
+                </a:xfrm>
+                <a:prstGeom prst="rect">
+                  <a:avLst/>
+                </a:prstGeom>
+                <a:effectLst/>
+              </p:spPr>
+              <p:style>
+                <a:lnRef idx="1">
+                  <a:schemeClr val="accent6"/>
+                </a:lnRef>
+                <a:fillRef idx="3">
+                  <a:schemeClr val="accent6"/>
+                </a:fillRef>
+                <a:effectRef idx="2">
+                  <a:schemeClr val="accent6"/>
+                </a:effectRef>
+                <a:fontRef idx="minor">
+                  <a:schemeClr val="lt1"/>
+                </a:fontRef>
+              </p:style>
+              <p:txBody>
+                <a:bodyPr rtlCol="0" anchor="ctr"/>
+                <a:lstStyle/>
+                <a:p>
+                  <a:pPr algn="ctr"/>
+                  <a:r>
+                    <a:rPr lang="en-US" dirty="0" smtClean="0">
+                      <a:ln w="18415" cmpd="sng">
+                        <a:solidFill>
+                          <a:srgbClr val="FFFFFF"/>
+                        </a:solidFill>
+                        <a:prstDash val="solid"/>
+                      </a:ln>
+                      <a:solidFill>
+                        <a:srgbClr val="FFFFFF"/>
+                      </a:solidFill>
+                      <a:effectLst>
+                        <a:outerShdw blurRad="63500" dir="3600000" algn="tl" rotWithShape="0">
+                          <a:srgbClr val="000000">
+                            <a:alpha val="70000"/>
+                          </a:srgbClr>
+                        </a:outerShdw>
+                      </a:effectLst>
+                    </a:rPr>
+                    <a:t>R</a:t>
+                  </a:r>
+                  <a:endParaRPr lang="en-US" dirty="0">
+                    <a:ln w="18415" cmpd="sng">
+                      <a:solidFill>
+                        <a:srgbClr val="FFFFFF"/>
+                      </a:solidFill>
+                      <a:prstDash val="solid"/>
+                    </a:ln>
+                    <a:solidFill>
+                      <a:srgbClr val="FFFFFF"/>
+                    </a:solidFill>
+                    <a:effectLst>
+                      <a:outerShdw blurRad="63500" dir="3600000" algn="tl" rotWithShape="0">
+                        <a:srgbClr val="000000">
+                          <a:alpha val="70000"/>
+                        </a:srgbClr>
+                      </a:outerShdw>
+                    </a:effectLst>
+                  </a:endParaRPr>
+                </a:p>
+              </p:txBody>
+            </p:sp>
+            <p:sp>
+              <p:nvSpPr>
+                <p:cNvPr id="14" name="Rectangle 13"/>
+                <p:cNvSpPr/>
+                <p:nvPr/>
+              </p:nvSpPr>
+              <p:spPr>
+                <a:xfrm rot="19222947">
+                  <a:off x="5893575" y="3447633"/>
+                  <a:ext cx="1113234" cy="455507"/>
+                </a:xfrm>
+                <a:prstGeom prst="rect">
+                  <a:avLst/>
+                </a:prstGeom>
+                <a:effectLst/>
+              </p:spPr>
+              <p:style>
+                <a:lnRef idx="1">
+                  <a:schemeClr val="accent6"/>
+                </a:lnRef>
+                <a:fillRef idx="3">
+                  <a:schemeClr val="accent6"/>
+                </a:fillRef>
+                <a:effectRef idx="2">
+                  <a:schemeClr val="accent6"/>
+                </a:effectRef>
+                <a:fontRef idx="minor">
+                  <a:schemeClr val="lt1"/>
+                </a:fontRef>
+              </p:style>
+              <p:txBody>
+                <a:bodyPr rtlCol="0" anchor="ctr"/>
+                <a:lstStyle/>
+                <a:p>
+                  <a:pPr algn="ctr"/>
+                  <a:r>
+                    <a:rPr lang="en-US" dirty="0" smtClean="0">
+                      <a:ln w="18415" cmpd="sng">
+                        <a:solidFill>
+                          <a:srgbClr val="FFFFFF"/>
+                        </a:solidFill>
+                        <a:prstDash val="solid"/>
+                      </a:ln>
+                      <a:solidFill>
+                        <a:srgbClr val="FFFFFF"/>
+                      </a:solidFill>
+                      <a:effectLst>
+                        <a:outerShdw blurRad="63500" dir="3600000" algn="tl" rotWithShape="0">
+                          <a:srgbClr val="000000">
+                            <a:alpha val="70000"/>
+                          </a:srgbClr>
+                        </a:outerShdw>
+                      </a:effectLst>
+                    </a:rPr>
+                    <a:t>R</a:t>
+                  </a:r>
+                  <a:endParaRPr lang="en-US" dirty="0">
+                    <a:ln w="18415" cmpd="sng">
+                      <a:solidFill>
+                        <a:srgbClr val="FFFFFF"/>
+                      </a:solidFill>
+                      <a:prstDash val="solid"/>
+                    </a:ln>
+                    <a:solidFill>
+                      <a:srgbClr val="FFFFFF"/>
+                    </a:solidFill>
+                    <a:effectLst>
+                      <a:outerShdw blurRad="63500" dir="3600000" algn="tl" rotWithShape="0">
+                        <a:srgbClr val="000000">
+                          <a:alpha val="70000"/>
+                        </a:srgbClr>
+                      </a:outerShdw>
+                    </a:effectLst>
+                  </a:endParaRPr>
+                </a:p>
+              </p:txBody>
+            </p:sp>
+            <p:sp>
+              <p:nvSpPr>
+                <p:cNvPr id="15" name="Rectangle 14"/>
+                <p:cNvSpPr/>
+                <p:nvPr/>
+              </p:nvSpPr>
+              <p:spPr>
+                <a:xfrm rot="19222947">
+                  <a:off x="6238486" y="3877871"/>
+                  <a:ext cx="1113234" cy="455507"/>
+                </a:xfrm>
+                <a:prstGeom prst="rect">
+                  <a:avLst/>
+                </a:prstGeom>
+                <a:effectLst/>
+              </p:spPr>
+              <p:style>
+                <a:lnRef idx="1">
+                  <a:schemeClr val="accent6"/>
+                </a:lnRef>
+                <a:fillRef idx="3">
+                  <a:schemeClr val="accent6"/>
+                </a:fillRef>
+                <a:effectRef idx="2">
+                  <a:schemeClr val="accent6"/>
+                </a:effectRef>
+                <a:fontRef idx="minor">
+                  <a:schemeClr val="lt1"/>
+                </a:fontRef>
+              </p:style>
+              <p:txBody>
+                <a:bodyPr rtlCol="0" anchor="ctr"/>
+                <a:lstStyle/>
+                <a:p>
+                  <a:pPr algn="ctr"/>
+                  <a:r>
+                    <a:rPr lang="en-US" dirty="0" smtClean="0">
+                      <a:ln w="18415" cmpd="sng">
+                        <a:solidFill>
+                          <a:srgbClr val="FFFFFF"/>
+                        </a:solidFill>
+                        <a:prstDash val="solid"/>
+                      </a:ln>
+                      <a:solidFill>
+                        <a:srgbClr val="FFFFFF"/>
+                      </a:solidFill>
+                      <a:effectLst>
+                        <a:outerShdw blurRad="63500" dir="3600000" algn="tl" rotWithShape="0">
+                          <a:srgbClr val="000000">
+                            <a:alpha val="70000"/>
+                          </a:srgbClr>
+                        </a:outerShdw>
+                      </a:effectLst>
+                    </a:rPr>
+                    <a:t>R</a:t>
+                  </a:r>
+                  <a:endParaRPr lang="en-US" dirty="0">
+                    <a:ln w="18415" cmpd="sng">
+                      <a:solidFill>
+                        <a:srgbClr val="FFFFFF"/>
+                      </a:solidFill>
+                      <a:prstDash val="solid"/>
+                    </a:ln>
+                    <a:solidFill>
+                      <a:srgbClr val="FFFFFF"/>
+                    </a:solidFill>
+                    <a:effectLst>
+                      <a:outerShdw blurRad="63500" dir="3600000" algn="tl" rotWithShape="0">
+                        <a:srgbClr val="000000">
+                          <a:alpha val="70000"/>
+                        </a:srgbClr>
+                      </a:outerShdw>
+                    </a:effectLst>
+                  </a:endParaRPr>
+                </a:p>
+              </p:txBody>
+            </p:sp>
+            <p:cxnSp>
+              <p:nvCxnSpPr>
+                <p:cNvPr id="16" name="Straight Arrow Connector 15"/>
+                <p:cNvCxnSpPr>
+                  <a:stCxn id="8" idx="7"/>
+                  <a:endCxn id="9" idx="1"/>
+                </p:cNvCxnSpPr>
+                <p:nvPr/>
+              </p:nvCxnSpPr>
+              <p:spPr>
+                <a:xfrm rot="19257087" flipV="1">
+                  <a:off x="3061167" y="4252221"/>
+                  <a:ext cx="1078917" cy="1080541"/>
+                </a:xfrm>
+                <a:prstGeom prst="straightConnector1">
+                  <a:avLst/>
+                </a:prstGeom>
+                <a:ln w="6350" cmpd="sng">
+                  <a:solidFill>
+                    <a:schemeClr val="accent6"/>
+                  </a:solidFill>
+                  <a:headEnd type="none"/>
+                  <a:tailEnd type="none"/>
+                </a:ln>
+                <a:effectLst/>
+              </p:spPr>
+              <p:style>
+                <a:lnRef idx="2">
+                  <a:schemeClr val="accent1"/>
+                </a:lnRef>
+                <a:fillRef idx="0">
+                  <a:schemeClr val="accent1"/>
+                </a:fillRef>
+                <a:effectRef idx="1">
+                  <a:schemeClr val="accent1"/>
+                </a:effectRef>
+                <a:fontRef idx="minor">
+                  <a:schemeClr val="tx1"/>
+                </a:fontRef>
+              </p:style>
+            </p:cxnSp>
+            <p:cxnSp>
+              <p:nvCxnSpPr>
+                <p:cNvPr id="17" name="Straight Arrow Connector 16"/>
+                <p:cNvCxnSpPr>
+                  <a:stCxn id="8" idx="7"/>
+                  <a:endCxn id="10" idx="1"/>
+                </p:cNvCxnSpPr>
+                <p:nvPr/>
+              </p:nvCxnSpPr>
+              <p:spPr>
+                <a:xfrm rot="19257087" flipV="1">
+                  <a:off x="3241518" y="4760832"/>
+                  <a:ext cx="1053613" cy="516950"/>
+                </a:xfrm>
+                <a:prstGeom prst="straightConnector1">
+                  <a:avLst/>
+                </a:prstGeom>
+                <a:ln w="6350" cmpd="sng">
+                  <a:solidFill>
+                    <a:schemeClr val="accent6"/>
+                  </a:solidFill>
+                  <a:headEnd type="none"/>
+                  <a:tailEnd type="none"/>
+                </a:ln>
+                <a:effectLst/>
+              </p:spPr>
+              <p:style>
+                <a:lnRef idx="2">
+                  <a:schemeClr val="accent1"/>
+                </a:lnRef>
+                <a:fillRef idx="0">
+                  <a:schemeClr val="accent1"/>
+                </a:fillRef>
+                <a:effectRef idx="1">
+                  <a:schemeClr val="accent1"/>
+                </a:effectRef>
+                <a:fontRef idx="minor">
+                  <a:schemeClr val="tx1"/>
+                </a:fontRef>
+              </p:style>
+            </p:cxnSp>
+            <p:cxnSp>
+              <p:nvCxnSpPr>
+                <p:cNvPr id="18" name="Straight Arrow Connector 17"/>
+                <p:cNvCxnSpPr>
+                  <a:stCxn id="8" idx="6"/>
+                  <a:endCxn id="5" idx="1"/>
+                </p:cNvCxnSpPr>
+                <p:nvPr/>
+              </p:nvCxnSpPr>
+              <p:spPr>
+                <a:xfrm rot="19257087" flipV="1">
+                  <a:off x="3652790" y="5164853"/>
+                  <a:ext cx="908657" cy="325988"/>
+                </a:xfrm>
+                <a:prstGeom prst="straightConnector1">
+                  <a:avLst/>
+                </a:prstGeom>
+                <a:ln w="6350" cmpd="sng">
+                  <a:solidFill>
+                    <a:schemeClr val="accent6"/>
+                  </a:solidFill>
+                  <a:headEnd type="none"/>
+                  <a:tailEnd type="none"/>
+                </a:ln>
+                <a:effectLst/>
+              </p:spPr>
+              <p:style>
+                <a:lnRef idx="2">
+                  <a:schemeClr val="accent1"/>
+                </a:lnRef>
+                <a:fillRef idx="0">
+                  <a:schemeClr val="accent1"/>
+                </a:fillRef>
+                <a:effectRef idx="1">
+                  <a:schemeClr val="accent1"/>
+                </a:effectRef>
+                <a:fontRef idx="minor">
+                  <a:schemeClr val="tx1"/>
+                </a:fontRef>
+              </p:style>
+            </p:cxnSp>
+            <p:cxnSp>
+              <p:nvCxnSpPr>
+                <p:cNvPr id="19" name="Straight Arrow Connector 18"/>
+                <p:cNvCxnSpPr>
+                  <a:stCxn id="8" idx="6"/>
+                  <a:endCxn id="11" idx="1"/>
+                </p:cNvCxnSpPr>
+                <p:nvPr/>
+              </p:nvCxnSpPr>
+              <p:spPr>
+                <a:xfrm rot="19257087">
+                  <a:off x="3832061" y="5431618"/>
+                  <a:ext cx="896403" cy="238800"/>
+                </a:xfrm>
+                <a:prstGeom prst="straightConnector1">
+                  <a:avLst/>
+                </a:prstGeom>
+                <a:ln w="6350" cmpd="sng">
+                  <a:solidFill>
+                    <a:schemeClr val="accent6"/>
+                  </a:solidFill>
+                  <a:headEnd type="none"/>
+                  <a:tailEnd type="none"/>
+                </a:ln>
+                <a:effectLst/>
+              </p:spPr>
+              <p:style>
+                <a:lnRef idx="2">
+                  <a:schemeClr val="accent1"/>
+                </a:lnRef>
+                <a:fillRef idx="0">
+                  <a:schemeClr val="accent1"/>
+                </a:fillRef>
+                <a:effectRef idx="1">
+                  <a:schemeClr val="accent1"/>
+                </a:effectRef>
+                <a:fontRef idx="minor">
+                  <a:schemeClr val="tx1"/>
+                </a:fontRef>
+              </p:style>
+            </p:cxnSp>
+            <p:cxnSp>
+              <p:nvCxnSpPr>
+                <p:cNvPr id="20" name="Straight Arrow Connector 19"/>
+                <p:cNvCxnSpPr>
+                  <a:stCxn id="8" idx="5"/>
+                  <a:endCxn id="12" idx="1"/>
+                </p:cNvCxnSpPr>
+                <p:nvPr/>
+              </p:nvCxnSpPr>
+              <p:spPr>
+                <a:xfrm rot="19257087">
+                  <a:off x="4014286" y="5723277"/>
+                  <a:ext cx="1041266" cy="501713"/>
+                </a:xfrm>
+                <a:prstGeom prst="straightConnector1">
+                  <a:avLst/>
+                </a:prstGeom>
+                <a:ln w="6350" cmpd="sng">
+                  <a:solidFill>
+                    <a:schemeClr val="accent6"/>
+                  </a:solidFill>
+                  <a:headEnd type="none"/>
+                  <a:tailEnd type="none"/>
+                </a:ln>
+                <a:effectLst/>
+              </p:spPr>
+              <p:style>
+                <a:lnRef idx="2">
+                  <a:schemeClr val="accent1"/>
+                </a:lnRef>
+                <a:fillRef idx="0">
+                  <a:schemeClr val="accent1"/>
+                </a:fillRef>
+                <a:effectRef idx="1">
+                  <a:schemeClr val="accent1"/>
+                </a:effectRef>
+                <a:fontRef idx="minor">
+                  <a:schemeClr val="tx1"/>
+                </a:fontRef>
+              </p:style>
+            </p:cxnSp>
+            <p:cxnSp>
+              <p:nvCxnSpPr>
+                <p:cNvPr id="21" name="Straight Arrow Connector 20"/>
+                <p:cNvCxnSpPr>
+                  <a:stCxn id="8" idx="5"/>
+                  <a:endCxn id="6" idx="1"/>
+                </p:cNvCxnSpPr>
+                <p:nvPr/>
+              </p:nvCxnSpPr>
+              <p:spPr>
+                <a:xfrm rot="19257087">
+                  <a:off x="4188331" y="5662689"/>
+                  <a:ext cx="1038087" cy="1053127"/>
+                </a:xfrm>
+                <a:prstGeom prst="straightConnector1">
+                  <a:avLst/>
+                </a:prstGeom>
+                <a:ln w="6350" cmpd="sng">
+                  <a:solidFill>
+                    <a:schemeClr val="accent6"/>
+                  </a:solidFill>
+                  <a:headEnd type="none"/>
+                  <a:tailEnd type="none"/>
+                </a:ln>
+                <a:effectLst/>
+              </p:spPr>
+              <p:style>
+                <a:lnRef idx="2">
+                  <a:schemeClr val="accent1"/>
+                </a:lnRef>
+                <a:fillRef idx="0">
+                  <a:schemeClr val="accent1"/>
+                </a:fillRef>
+                <a:effectRef idx="1">
+                  <a:schemeClr val="accent1"/>
+                </a:effectRef>
+                <a:fontRef idx="minor">
+                  <a:schemeClr val="tx1"/>
+                </a:fontRef>
+              </p:style>
+            </p:cxnSp>
+            <p:cxnSp>
+              <p:nvCxnSpPr>
+                <p:cNvPr id="22" name="Straight Arrow Connector 21"/>
+                <p:cNvCxnSpPr>
+                  <a:stCxn id="9" idx="3"/>
+                  <a:endCxn id="13" idx="1"/>
+                </p:cNvCxnSpPr>
+                <p:nvPr/>
+              </p:nvCxnSpPr>
+              <p:spPr>
+                <a:xfrm>
+                  <a:off x="4536760" y="3323198"/>
+                  <a:ext cx="1134525" cy="255147"/>
+                </a:xfrm>
+                <a:prstGeom prst="straightConnector1">
+                  <a:avLst/>
+                </a:prstGeom>
+                <a:ln w="6350" cmpd="sng">
+                  <a:solidFill>
+                    <a:schemeClr val="accent6"/>
+                  </a:solidFill>
+                  <a:headEnd type="none"/>
+                  <a:tailEnd type="none"/>
+                </a:ln>
+                <a:effectLst/>
+              </p:spPr>
+              <p:style>
+                <a:lnRef idx="2">
+                  <a:schemeClr val="accent1"/>
+                </a:lnRef>
+                <a:fillRef idx="0">
+                  <a:schemeClr val="accent1"/>
+                </a:fillRef>
+                <a:effectRef idx="1">
+                  <a:schemeClr val="accent1"/>
+                </a:effectRef>
+                <a:fontRef idx="minor">
+                  <a:schemeClr val="tx1"/>
+                </a:fontRef>
+              </p:style>
+            </p:cxnSp>
+            <p:cxnSp>
+              <p:nvCxnSpPr>
+                <p:cNvPr id="23" name="Straight Arrow Connector 22"/>
+                <p:cNvCxnSpPr>
+                  <a:stCxn id="9" idx="3"/>
+                  <a:endCxn id="14" idx="1"/>
+                </p:cNvCxnSpPr>
+                <p:nvPr/>
+              </p:nvCxnSpPr>
+              <p:spPr>
+                <a:xfrm>
+                  <a:off x="4536760" y="3323198"/>
+                  <a:ext cx="1484660" cy="707121"/>
+                </a:xfrm>
+                <a:prstGeom prst="straightConnector1">
+                  <a:avLst/>
+                </a:prstGeom>
+                <a:ln w="6350" cmpd="sng">
+                  <a:solidFill>
+                    <a:schemeClr val="accent6"/>
+                  </a:solidFill>
+                  <a:headEnd type="none"/>
+                  <a:tailEnd type="none"/>
+                </a:ln>
+                <a:effectLst/>
+              </p:spPr>
+              <p:style>
+                <a:lnRef idx="2">
+                  <a:schemeClr val="accent1"/>
+                </a:lnRef>
+                <a:fillRef idx="0">
+                  <a:schemeClr val="accent1"/>
+                </a:fillRef>
+                <a:effectRef idx="1">
+                  <a:schemeClr val="accent1"/>
+                </a:effectRef>
+                <a:fontRef idx="minor">
+                  <a:schemeClr val="tx1"/>
+                </a:fontRef>
+              </p:style>
+            </p:cxnSp>
+            <p:cxnSp>
+              <p:nvCxnSpPr>
+                <p:cNvPr id="24" name="Straight Arrow Connector 23"/>
+                <p:cNvCxnSpPr>
+                  <a:stCxn id="5" idx="3"/>
+                  <a:endCxn id="13" idx="1"/>
+                </p:cNvCxnSpPr>
+                <p:nvPr/>
+              </p:nvCxnSpPr>
+              <p:spPr>
+                <a:xfrm rot="19257087" flipV="1">
+                  <a:off x="5068356" y="3792142"/>
+                  <a:ext cx="749391" cy="199243"/>
+                </a:xfrm>
+                <a:prstGeom prst="straightConnector1">
+                  <a:avLst/>
+                </a:prstGeom>
+                <a:ln w="6350" cmpd="sng">
+                  <a:solidFill>
+                    <a:schemeClr val="accent6"/>
+                  </a:solidFill>
+                  <a:headEnd type="none"/>
+                  <a:tailEnd type="none"/>
+                </a:ln>
+                <a:effectLst/>
+              </p:spPr>
+              <p:style>
+                <a:lnRef idx="2">
+                  <a:schemeClr val="accent1"/>
+                </a:lnRef>
+                <a:fillRef idx="0">
+                  <a:schemeClr val="accent1"/>
+                </a:fillRef>
+                <a:effectRef idx="1">
+                  <a:schemeClr val="accent1"/>
+                </a:effectRef>
+                <a:fontRef idx="minor">
+                  <a:schemeClr val="tx1"/>
+                </a:fontRef>
+              </p:style>
+            </p:cxnSp>
+            <p:cxnSp>
+              <p:nvCxnSpPr>
+                <p:cNvPr id="25" name="Straight Arrow Connector 24"/>
+                <p:cNvCxnSpPr>
+                  <a:stCxn id="10" idx="3"/>
+                </p:cNvCxnSpPr>
+                <p:nvPr/>
+              </p:nvCxnSpPr>
+              <p:spPr>
+                <a:xfrm flipV="1">
+                  <a:off x="4872160" y="3601387"/>
+                  <a:ext cx="799125" cy="175444"/>
+                </a:xfrm>
+                <a:prstGeom prst="straightConnector1">
+                  <a:avLst/>
+                </a:prstGeom>
+                <a:ln w="6350" cmpd="sng">
+                  <a:solidFill>
+                    <a:schemeClr val="accent6"/>
+                  </a:solidFill>
+                  <a:headEnd type="none"/>
+                  <a:tailEnd type="none"/>
+                </a:ln>
+                <a:effectLst/>
+              </p:spPr>
+              <p:style>
+                <a:lnRef idx="2">
+                  <a:schemeClr val="accent1"/>
+                </a:lnRef>
+                <a:fillRef idx="0">
+                  <a:schemeClr val="accent1"/>
+                </a:fillRef>
+                <a:effectRef idx="1">
+                  <a:schemeClr val="accent1"/>
+                </a:effectRef>
+                <a:fontRef idx="minor">
+                  <a:schemeClr val="tx1"/>
+                </a:fontRef>
+              </p:style>
+            </p:cxnSp>
+            <p:cxnSp>
+              <p:nvCxnSpPr>
+                <p:cNvPr id="26" name="Straight Arrow Connector 25"/>
+                <p:cNvCxnSpPr>
+                  <a:stCxn id="10" idx="3"/>
+                  <a:endCxn id="14" idx="1"/>
+                </p:cNvCxnSpPr>
+                <p:nvPr/>
+              </p:nvCxnSpPr>
+              <p:spPr>
+                <a:xfrm>
+                  <a:off x="4872160" y="3776831"/>
+                  <a:ext cx="1149260" cy="253488"/>
+                </a:xfrm>
+                <a:prstGeom prst="straightConnector1">
+                  <a:avLst/>
+                </a:prstGeom>
+                <a:ln w="6350" cmpd="sng">
+                  <a:solidFill>
+                    <a:schemeClr val="accent6"/>
+                  </a:solidFill>
+                  <a:headEnd type="none"/>
+                  <a:tailEnd type="none"/>
+                </a:ln>
+                <a:effectLst/>
+              </p:spPr>
+              <p:style>
+                <a:lnRef idx="2">
+                  <a:schemeClr val="accent1"/>
+                </a:lnRef>
+                <a:fillRef idx="0">
+                  <a:schemeClr val="accent1"/>
+                </a:fillRef>
+                <a:effectRef idx="1">
+                  <a:schemeClr val="accent1"/>
+                </a:effectRef>
+                <a:fontRef idx="minor">
+                  <a:schemeClr val="tx1"/>
+                </a:fontRef>
+              </p:style>
+            </p:cxnSp>
+            <p:cxnSp>
+              <p:nvCxnSpPr>
+                <p:cNvPr id="27" name="Straight Arrow Connector 26"/>
+                <p:cNvCxnSpPr>
+                  <a:stCxn id="10" idx="3"/>
+                  <a:endCxn id="15" idx="1"/>
+                </p:cNvCxnSpPr>
+                <p:nvPr/>
+              </p:nvCxnSpPr>
+              <p:spPr>
+                <a:xfrm>
+                  <a:off x="4872160" y="3776831"/>
+                  <a:ext cx="1494171" cy="683726"/>
+                </a:xfrm>
+                <a:prstGeom prst="straightConnector1">
+                  <a:avLst/>
+                </a:prstGeom>
+                <a:ln w="6350" cmpd="sng">
+                  <a:solidFill>
+                    <a:schemeClr val="accent6"/>
+                  </a:solidFill>
+                  <a:headEnd type="none"/>
+                  <a:tailEnd type="none"/>
+                </a:ln>
+                <a:effectLst/>
+              </p:spPr>
+              <p:style>
+                <a:lnRef idx="2">
+                  <a:schemeClr val="accent1"/>
+                </a:lnRef>
+                <a:fillRef idx="0">
+                  <a:schemeClr val="accent1"/>
+                </a:fillRef>
+                <a:effectRef idx="1">
+                  <a:schemeClr val="accent1"/>
+                </a:effectRef>
+                <a:fontRef idx="minor">
+                  <a:schemeClr val="tx1"/>
+                </a:fontRef>
+              </p:style>
+            </p:cxnSp>
+            <p:cxnSp>
+              <p:nvCxnSpPr>
+                <p:cNvPr id="28" name="Straight Arrow Connector 27"/>
+                <p:cNvCxnSpPr>
+                  <a:stCxn id="5" idx="3"/>
+                  <a:endCxn id="14" idx="1"/>
+                </p:cNvCxnSpPr>
+                <p:nvPr/>
+              </p:nvCxnSpPr>
+              <p:spPr>
+                <a:xfrm rot="19257087">
+                  <a:off x="5249830" y="3931579"/>
+                  <a:ext cx="736576" cy="372343"/>
+                </a:xfrm>
+                <a:prstGeom prst="straightConnector1">
+                  <a:avLst/>
+                </a:prstGeom>
+                <a:ln w="6350" cmpd="sng">
+                  <a:solidFill>
+                    <a:schemeClr val="accent6"/>
+                  </a:solidFill>
+                  <a:headEnd type="none"/>
+                  <a:tailEnd type="none"/>
+                </a:ln>
+                <a:effectLst/>
+              </p:spPr>
+              <p:style>
+                <a:lnRef idx="2">
+                  <a:schemeClr val="accent1"/>
+                </a:lnRef>
+                <a:fillRef idx="0">
+                  <a:schemeClr val="accent1"/>
+                </a:fillRef>
+                <a:effectRef idx="1">
+                  <a:schemeClr val="accent1"/>
+                </a:effectRef>
+                <a:fontRef idx="minor">
+                  <a:schemeClr val="tx1"/>
+                </a:fontRef>
+              </p:style>
+            </p:cxnSp>
+            <p:cxnSp>
+              <p:nvCxnSpPr>
+                <p:cNvPr id="29" name="Straight Arrow Connector 28"/>
+                <p:cNvCxnSpPr>
+                  <a:stCxn id="11" idx="3"/>
+                  <a:endCxn id="13" idx="1"/>
+                </p:cNvCxnSpPr>
+                <p:nvPr/>
+              </p:nvCxnSpPr>
+              <p:spPr>
+                <a:xfrm rot="19257087" flipV="1">
+                  <a:off x="5235372" y="3732918"/>
+                  <a:ext cx="761645" cy="764031"/>
+                </a:xfrm>
+                <a:prstGeom prst="straightConnector1">
+                  <a:avLst/>
+                </a:prstGeom>
+                <a:ln w="6350" cmpd="sng">
+                  <a:solidFill>
+                    <a:schemeClr val="accent6"/>
+                  </a:solidFill>
+                  <a:headEnd type="none"/>
+                  <a:tailEnd type="none"/>
+                </a:ln>
+                <a:effectLst/>
+              </p:spPr>
+              <p:style>
+                <a:lnRef idx="2">
+                  <a:schemeClr val="accent1"/>
+                </a:lnRef>
+                <a:fillRef idx="0">
+                  <a:schemeClr val="accent1"/>
+                </a:fillRef>
+                <a:effectRef idx="1">
+                  <a:schemeClr val="accent1"/>
+                </a:effectRef>
+                <a:fontRef idx="minor">
+                  <a:schemeClr val="tx1"/>
+                </a:fontRef>
+              </p:style>
+            </p:cxnSp>
+            <p:cxnSp>
+              <p:nvCxnSpPr>
+                <p:cNvPr id="30" name="Straight Arrow Connector 29"/>
+                <p:cNvCxnSpPr/>
+                <p:nvPr/>
+              </p:nvCxnSpPr>
+              <p:spPr>
+                <a:xfrm flipV="1">
+                  <a:off x="5567206" y="4030319"/>
+                  <a:ext cx="454214" cy="605681"/>
+                </a:xfrm>
+                <a:prstGeom prst="straightConnector1">
+                  <a:avLst/>
+                </a:prstGeom>
+                <a:ln w="6350" cmpd="sng">
+                  <a:solidFill>
+                    <a:schemeClr val="accent6"/>
+                  </a:solidFill>
+                  <a:headEnd type="none"/>
+                  <a:tailEnd type="none"/>
+                </a:ln>
+                <a:effectLst/>
+              </p:spPr>
+              <p:style>
+                <a:lnRef idx="2">
+                  <a:schemeClr val="accent1"/>
+                </a:lnRef>
+                <a:fillRef idx="0">
+                  <a:schemeClr val="accent1"/>
+                </a:fillRef>
+                <a:effectRef idx="1">
+                  <a:schemeClr val="accent1"/>
+                </a:effectRef>
+                <a:fontRef idx="minor">
+                  <a:schemeClr val="tx1"/>
+                </a:fontRef>
+              </p:style>
+            </p:cxnSp>
+            <p:cxnSp>
+              <p:nvCxnSpPr>
+                <p:cNvPr id="31" name="Straight Arrow Connector 30"/>
+                <p:cNvCxnSpPr>
+                  <a:stCxn id="12" idx="3"/>
+                  <a:endCxn id="15" idx="1"/>
+                </p:cNvCxnSpPr>
+                <p:nvPr/>
+              </p:nvCxnSpPr>
+              <p:spPr>
+                <a:xfrm flipV="1">
+                  <a:off x="5954827" y="4460557"/>
+                  <a:ext cx="411504" cy="670542"/>
+                </a:xfrm>
+                <a:prstGeom prst="straightConnector1">
+                  <a:avLst/>
+                </a:prstGeom>
+                <a:ln w="6350" cmpd="sng">
+                  <a:solidFill>
+                    <a:schemeClr val="accent6"/>
+                  </a:solidFill>
+                  <a:headEnd type="none"/>
+                  <a:tailEnd type="none"/>
+                </a:ln>
+                <a:effectLst/>
+              </p:spPr>
+              <p:style>
+                <a:lnRef idx="2">
+                  <a:schemeClr val="accent1"/>
+                </a:lnRef>
+                <a:fillRef idx="0">
+                  <a:schemeClr val="accent1"/>
+                </a:fillRef>
+                <a:effectRef idx="1">
+                  <a:schemeClr val="accent1"/>
+                </a:effectRef>
+                <a:fontRef idx="minor">
+                  <a:schemeClr val="tx1"/>
+                </a:fontRef>
+              </p:style>
+            </p:cxnSp>
+            <p:cxnSp>
+              <p:nvCxnSpPr>
+                <p:cNvPr id="32" name="Straight Arrow Connector 31"/>
+                <p:cNvCxnSpPr>
+                  <a:stCxn id="6" idx="3"/>
+                  <a:endCxn id="14" idx="1"/>
+                </p:cNvCxnSpPr>
+                <p:nvPr/>
+              </p:nvCxnSpPr>
+              <p:spPr>
+                <a:xfrm flipH="1" flipV="1">
+                  <a:off x="6021420" y="4030319"/>
+                  <a:ext cx="278318" cy="1531018"/>
+                </a:xfrm>
+                <a:prstGeom prst="straightConnector1">
+                  <a:avLst/>
+                </a:prstGeom>
+                <a:ln w="6350" cmpd="sng">
+                  <a:solidFill>
+                    <a:schemeClr val="accent6"/>
+                  </a:solidFill>
+                  <a:headEnd type="none"/>
+                  <a:tailEnd type="none"/>
+                </a:ln>
+                <a:effectLst/>
+              </p:spPr>
+              <p:style>
+                <a:lnRef idx="2">
+                  <a:schemeClr val="accent1"/>
+                </a:lnRef>
+                <a:fillRef idx="0">
+                  <a:schemeClr val="accent1"/>
+                </a:fillRef>
+                <a:effectRef idx="1">
+                  <a:schemeClr val="accent1"/>
+                </a:effectRef>
+                <a:fontRef idx="minor">
+                  <a:schemeClr val="tx1"/>
+                </a:fontRef>
+              </p:style>
+            </p:cxnSp>
+            <p:cxnSp>
+              <p:nvCxnSpPr>
+                <p:cNvPr id="33" name="Straight Arrow Connector 32"/>
+                <p:cNvCxnSpPr/>
+                <p:nvPr/>
+              </p:nvCxnSpPr>
+              <p:spPr>
+                <a:xfrm flipH="1" flipV="1">
+                  <a:off x="5671285" y="3578345"/>
+                  <a:ext cx="628453" cy="1982992"/>
+                </a:xfrm>
+                <a:prstGeom prst="straightConnector1">
+                  <a:avLst/>
+                </a:prstGeom>
+                <a:ln w="6350" cmpd="sng">
+                  <a:solidFill>
+                    <a:schemeClr val="accent6"/>
+                  </a:solidFill>
+                  <a:headEnd type="none"/>
+                  <a:tailEnd type="none"/>
+                </a:ln>
+                <a:effectLst/>
+              </p:spPr>
+              <p:style>
+                <a:lnRef idx="2">
+                  <a:schemeClr val="accent1"/>
+                </a:lnRef>
+                <a:fillRef idx="0">
+                  <a:schemeClr val="accent1"/>
+                </a:fillRef>
+                <a:effectRef idx="1">
+                  <a:schemeClr val="accent1"/>
+                </a:effectRef>
+                <a:fontRef idx="minor">
+                  <a:schemeClr val="tx1"/>
+                </a:fontRef>
+              </p:style>
+            </p:cxnSp>
+            <p:cxnSp>
+              <p:nvCxnSpPr>
+                <p:cNvPr id="34" name="Straight Arrow Connector 33"/>
+                <p:cNvCxnSpPr>
+                  <a:stCxn id="13" idx="3"/>
+                  <a:endCxn id="3" idx="2"/>
+                </p:cNvCxnSpPr>
+                <p:nvPr/>
+              </p:nvCxnSpPr>
+              <p:spPr>
+                <a:xfrm rot="19257087">
+                  <a:off x="6616177" y="2550012"/>
+                  <a:ext cx="810768" cy="564797"/>
+                </a:xfrm>
+                <a:prstGeom prst="straightConnector1">
+                  <a:avLst/>
+                </a:prstGeom>
+                <a:ln w="6350" cmpd="sng">
+                  <a:solidFill>
+                    <a:schemeClr val="accent6"/>
+                  </a:solidFill>
+                  <a:headEnd type="none"/>
+                  <a:tailEnd type="none"/>
+                </a:ln>
+                <a:effectLst/>
+              </p:spPr>
+              <p:style>
+                <a:lnRef idx="2">
+                  <a:schemeClr val="accent1"/>
+                </a:lnRef>
+                <a:fillRef idx="0">
+                  <a:schemeClr val="accent1"/>
+                </a:fillRef>
+                <a:effectRef idx="1">
+                  <a:schemeClr val="accent1"/>
+                </a:effectRef>
+                <a:fontRef idx="minor">
+                  <a:schemeClr val="tx1"/>
+                </a:fontRef>
+              </p:style>
+            </p:cxnSp>
+          </p:grpSp>
+        </p:grpSp>
+      </p:grpSp>
+      <p:cxnSp>
+        <p:nvCxnSpPr>
+          <p:cNvPr id="64" name="Straight Arrow Connector 63"/>
+          <p:cNvCxnSpPr>
+            <a:stCxn id="14" idx="3"/>
+            <a:endCxn id="3" idx="2"/>
+          </p:cNvCxnSpPr>
+          <p:nvPr/>
+        </p:nvCxnSpPr>
+        <p:spPr>
+          <a:xfrm flipV="1">
+            <a:off x="5300112" y="3116272"/>
+            <a:ext cx="823582" cy="6789"/>
+          </a:xfrm>
+          <a:prstGeom prst="straightConnector1">
+            <a:avLst/>
+          </a:prstGeom>
+          <a:ln w="6350" cmpd="sng">
+            <a:solidFill>
+              <a:schemeClr val="accent6"/>
+            </a:solidFill>
+            <a:headEnd type="none"/>
+            <a:tailEnd type="none"/>
+          </a:ln>
+          <a:effectLst/>
+        </p:spPr>
+        <p:style>
+          <a:lnRef idx="2">
+            <a:schemeClr val="accent1"/>
+          </a:lnRef>
+          <a:fillRef idx="0">
+            <a:schemeClr val="accent1"/>
+          </a:fillRef>
+          <a:effectRef idx="1">
+            <a:schemeClr val="accent1"/>
+          </a:effectRef>
+          <a:fontRef idx="minor">
+            <a:schemeClr val="tx1"/>
+          </a:fontRef>
+        </p:style>
+      </p:cxnSp>
+      <p:cxnSp>
+        <p:nvCxnSpPr>
+          <p:cNvPr id="68" name="Straight Arrow Connector 67"/>
+          <p:cNvCxnSpPr>
+            <a:stCxn id="15" idx="3"/>
+            <a:endCxn id="3" idx="2"/>
+          </p:cNvCxnSpPr>
+          <p:nvPr/>
+        </p:nvCxnSpPr>
+        <p:spPr>
+          <a:xfrm flipV="1">
+            <a:off x="5296933" y="3116272"/>
+            <a:ext cx="826761" cy="558204"/>
+          </a:xfrm>
+          <a:prstGeom prst="straightConnector1">
+            <a:avLst/>
+          </a:prstGeom>
+          <a:ln w="6350" cmpd="sng">
+            <a:solidFill>
+              <a:schemeClr val="accent6"/>
+            </a:solidFill>
+            <a:headEnd type="none"/>
+            <a:tailEnd type="none"/>
+          </a:ln>
+          <a:effectLst/>
+        </p:spPr>
+        <p:style>
+          <a:lnRef idx="2">
+            <a:schemeClr val="accent1"/>
+          </a:lnRef>
+          <a:fillRef idx="0">
+            <a:schemeClr val="accent1"/>
+          </a:fillRef>
+          <a:effectRef idx="1">
+            <a:schemeClr val="accent1"/>
+          </a:effectRef>
+          <a:fontRef idx="minor">
+            <a:schemeClr val="tx1"/>
+          </a:fontRef>
+        </p:style>
+      </p:cxnSp>
+      <p:pic>
+        <p:nvPicPr>
+          <p:cNvPr id="108" name="Picture 107" descr="mapreduce-logo.jpg"/>
+          <p:cNvPicPr>
+            <a:picLocks noChangeAspect="1"/>
+          </p:cNvPicPr>
+          <p:nvPr/>
+        </p:nvPicPr>
+        <p:blipFill>
+          <a:blip r:embed="rId2">
+            <a:extLst>
+              <a:ext uri="{28A0092B-C50C-407E-A947-70E740481C1C}">
+                <a14:useLocalDpi xmlns:a14="http://schemas.microsoft.com/office/drawing/2010/main" val="0"/>
+              </a:ext>
+            </a:extLst>
+          </a:blip>
+          <a:stretch>
+            <a:fillRect/>
+          </a:stretch>
+        </p:blipFill>
+        <p:spPr>
+          <a:xfrm>
+            <a:off x="6201182" y="4051441"/>
+            <a:ext cx="2882824" cy="882865"/>
+          </a:xfrm>
+          <a:prstGeom prst="rect">
+            <a:avLst/>
+          </a:prstGeom>
+        </p:spPr>
+      </p:pic>
+      <p:sp>
+        <p:nvSpPr>
+          <p:cNvPr id="109" name="Title 2"/>
+          <p:cNvSpPr txBox="1">
+            <a:spLocks/>
+          </p:cNvSpPr>
+          <p:nvPr/>
+        </p:nvSpPr>
+        <p:spPr>
+          <a:xfrm>
+            <a:off x="206461" y="181904"/>
+            <a:ext cx="5706858" cy="867444"/>
+          </a:xfrm>
+          <a:prstGeom prst="rect">
+            <a:avLst/>
+          </a:prstGeom>
+        </p:spPr>
+        <p:txBody>
+          <a:bodyPr/>
+          <a:lstStyle>
+            <a:lvl1pPr algn="l" defTabSz="914400" rtl="0" eaLnBrk="1" latinLnBrk="0" hangingPunct="1">
+              <a:spcBef>
+                <a:spcPct val="0"/>
+              </a:spcBef>
+              <a:buNone/>
+              <a:defRPr sz="2800" kern="1200" cap="all" baseline="0">
+                <a:solidFill>
+                  <a:schemeClr val="tx1"/>
+                </a:solidFill>
+                <a:latin typeface="+mj-lt"/>
+                <a:ea typeface="+mj-ea"/>
+                <a:cs typeface="+mj-cs"/>
+              </a:defRPr>
+            </a:lvl1pPr>
+          </a:lstStyle>
+          <a:p>
+            <a:r>
+              <a:rPr lang="en-US" dirty="0" smtClean="0"/>
+              <a:t>It’s time to think </a:t>
+            </a:r>
+            <a:r>
+              <a:rPr lang="en-US" dirty="0" err="1" smtClean="0"/>
+              <a:t>distributedly</a:t>
+            </a:r>
+            <a:r>
+              <a:rPr lang="en-US" dirty="0" smtClean="0"/>
+              <a:t>.</a:t>
+            </a:r>
+            <a:endParaRPr lang="en-US" dirty="0"/>
+          </a:p>
+        </p:txBody>
+      </p:sp>
+      <p:sp>
+        <p:nvSpPr>
+          <p:cNvPr id="110" name="Text Placeholder 3"/>
+          <p:cNvSpPr txBox="1">
+            <a:spLocks/>
+          </p:cNvSpPr>
+          <p:nvPr/>
+        </p:nvSpPr>
+        <p:spPr>
+          <a:xfrm>
+            <a:off x="-134336" y="589718"/>
+            <a:ext cx="6475571" cy="740664"/>
+          </a:xfrm>
+          <a:prstGeom prst="rect">
+            <a:avLst/>
+          </a:prstGeom>
+        </p:spPr>
+        <p:txBody>
+          <a:bodyPr/>
+          <a:lstStyle>
+            <a:lvl1pPr marL="342900" indent="-342900" algn="l" defTabSz="914400" rtl="0" eaLnBrk="1" latinLnBrk="0" hangingPunct="1">
+              <a:spcBef>
+                <a:spcPts val="800"/>
+              </a:spcBef>
+              <a:buFont typeface="Arial" pitchFamily="34" charset="0"/>
+              <a:buNone/>
+              <a:defRPr sz="1600" b="1" kern="1200">
+                <a:solidFill>
+                  <a:schemeClr val="tx1"/>
+                </a:solidFill>
+                <a:latin typeface="+mn-lt"/>
+                <a:ea typeface="+mn-ea"/>
+                <a:cs typeface="+mn-cs"/>
+              </a:defRPr>
+            </a:lvl1pPr>
+            <a:lvl2pPr marL="173736" indent="-173736" algn="l" defTabSz="914400" rtl="0" eaLnBrk="1" latinLnBrk="0" hangingPunct="1">
+              <a:spcBef>
+                <a:spcPts val="300"/>
+              </a:spcBef>
+              <a:buClr>
+                <a:schemeClr val="accent2"/>
+              </a:buClr>
+              <a:buFont typeface="Wingdings" pitchFamily="2" charset="2"/>
+              <a:buChar char="§"/>
+              <a:defRPr sz="1600" kern="1200">
+                <a:solidFill>
+                  <a:schemeClr val="tx1"/>
+                </a:solidFill>
+                <a:latin typeface="+mn-lt"/>
+                <a:ea typeface="+mn-ea"/>
+                <a:cs typeface="+mn-cs"/>
+              </a:defRPr>
+            </a:lvl2pPr>
+            <a:lvl3pPr marL="402336" indent="-164592" algn="l" defTabSz="914400" rtl="0" eaLnBrk="1" latinLnBrk="0" hangingPunct="1">
+              <a:spcBef>
+                <a:spcPts val="300"/>
+              </a:spcBef>
+              <a:buClr>
+                <a:schemeClr val="accent2"/>
+              </a:buClr>
+              <a:buFont typeface="Wingdings" pitchFamily="2" charset="2"/>
+              <a:buChar char="§"/>
+              <a:defRPr sz="1600" kern="1200">
+                <a:solidFill>
+                  <a:schemeClr val="tx1"/>
+                </a:solidFill>
+                <a:latin typeface="+mn-lt"/>
+                <a:ea typeface="+mn-ea"/>
+                <a:cs typeface="+mn-cs"/>
+              </a:defRPr>
+            </a:lvl3pPr>
+            <a:lvl4pPr marL="630936" indent="-164592" algn="l" defTabSz="914400" rtl="0" eaLnBrk="1" latinLnBrk="0" hangingPunct="1">
+              <a:spcBef>
+                <a:spcPts val="300"/>
+              </a:spcBef>
+              <a:buClr>
+                <a:schemeClr val="accent2"/>
+              </a:buClr>
+              <a:buFont typeface="Wingdings" pitchFamily="2" charset="2"/>
+              <a:buChar char="§"/>
+              <a:defRPr sz="1600" kern="1200">
+                <a:solidFill>
+                  <a:schemeClr val="tx1"/>
+                </a:solidFill>
+                <a:latin typeface="+mn-lt"/>
+                <a:ea typeface="+mn-ea"/>
+                <a:cs typeface="+mn-cs"/>
+              </a:defRPr>
+            </a:lvl4pPr>
+            <a:lvl5pPr marL="859536" indent="-173736" algn="l" defTabSz="914400" rtl="0" eaLnBrk="1" latinLnBrk="0" hangingPunct="1">
+              <a:spcBef>
+                <a:spcPts val="300"/>
+              </a:spcBef>
+              <a:buClr>
+                <a:schemeClr val="accent2"/>
+              </a:buClr>
+              <a:buFont typeface="Wingdings" pitchFamily="2" charset="2"/>
+              <a:buChar char="§"/>
+              <a:defRPr sz="1600" kern="1200">
+                <a:solidFill>
+                  <a:schemeClr val="tx1"/>
+                </a:solidFill>
+                <a:latin typeface="+mn-lt"/>
+                <a:ea typeface="+mn-ea"/>
+                <a:cs typeface="+mn-cs"/>
+              </a:defRPr>
+            </a:lvl5pPr>
+            <a:lvl6pPr marL="1097280" indent="-173736" algn="l" defTabSz="914400" rtl="0" eaLnBrk="1" latinLnBrk="0" hangingPunct="1">
+              <a:spcBef>
+                <a:spcPts val="300"/>
+              </a:spcBef>
+              <a:buClr>
+                <a:schemeClr val="accent2"/>
+              </a:buClr>
+              <a:buFont typeface="Wingdings" pitchFamily="2" charset="2"/>
+              <a:buChar char="§"/>
+              <a:defRPr sz="1400" kern="1200">
+                <a:solidFill>
+                  <a:schemeClr val="tx1"/>
+                </a:solidFill>
+                <a:latin typeface="+mn-lt"/>
+                <a:ea typeface="+mn-ea"/>
+                <a:cs typeface="+mn-cs"/>
+              </a:defRPr>
+            </a:lvl6pPr>
+            <a:lvl7pPr marL="1353312" indent="-164592" algn="l" defTabSz="914400" rtl="0" eaLnBrk="1" latinLnBrk="0" hangingPunct="1">
+              <a:spcBef>
+                <a:spcPts val="300"/>
+              </a:spcBef>
+              <a:buClr>
+                <a:schemeClr val="accent2"/>
+              </a:buClr>
+              <a:buFont typeface="Wingdings" pitchFamily="2" charset="2"/>
+              <a:buChar char="§"/>
+              <a:defRPr sz="1400" kern="1200">
+                <a:solidFill>
+                  <a:schemeClr val="tx1"/>
+                </a:solidFill>
+                <a:latin typeface="+mn-lt"/>
+                <a:ea typeface="+mn-ea"/>
+                <a:cs typeface="+mn-cs"/>
+              </a:defRPr>
+            </a:lvl7pPr>
+            <a:lvl8pPr marL="1581912" indent="-164592" algn="l" defTabSz="914400" rtl="0" eaLnBrk="1" latinLnBrk="0" hangingPunct="1">
+              <a:spcBef>
+                <a:spcPts val="300"/>
+              </a:spcBef>
+              <a:buClr>
+                <a:schemeClr val="accent2"/>
+              </a:buClr>
+              <a:buFont typeface="Wingdings" pitchFamily="2" charset="2"/>
+              <a:buChar char="§"/>
+              <a:defRPr sz="1400" kern="1200">
+                <a:solidFill>
+                  <a:schemeClr val="tx1"/>
+                </a:solidFill>
+                <a:latin typeface="+mn-lt"/>
+                <a:ea typeface="+mn-ea"/>
+                <a:cs typeface="+mn-cs"/>
+              </a:defRPr>
+            </a:lvl8pPr>
+            <a:lvl9pPr marL="1792224" indent="-164592" algn="l" defTabSz="914400" rtl="0" eaLnBrk="1" latinLnBrk="0" hangingPunct="1">
+              <a:spcBef>
+                <a:spcPts val="300"/>
+              </a:spcBef>
+              <a:buClr>
+                <a:schemeClr val="accent2"/>
+              </a:buClr>
+              <a:buFont typeface="Wingdings" pitchFamily="2" charset="2"/>
+              <a:buChar char="§"/>
+              <a:defRPr sz="1400" kern="1200">
+                <a:solidFill>
+                  <a:schemeClr val="tx1"/>
+                </a:solidFill>
+                <a:latin typeface="+mn-lt"/>
+                <a:ea typeface="+mn-ea"/>
+                <a:cs typeface="+mn-cs"/>
+              </a:defRPr>
+            </a:lvl9pPr>
+          </a:lstStyle>
+          <a:p>
+            <a:r>
+              <a:rPr lang="en-US" sz="1400" b="0" dirty="0" smtClean="0">
+                <a:solidFill>
+                  <a:schemeClr val="accent1"/>
+                </a:solidFill>
+              </a:rPr>
+              <a:t>	More and more, we’re looking to distributed-computation frameworks such as Apache’s </a:t>
+            </a:r>
+            <a:r>
+              <a:rPr lang="en-US" sz="1400" b="0" dirty="0" err="1" smtClean="0">
+                <a:solidFill>
+                  <a:schemeClr val="accent1"/>
+                </a:solidFill>
+              </a:rPr>
+              <a:t>Hadoop</a:t>
+            </a:r>
+            <a:r>
+              <a:rPr lang="en-US" sz="1400" b="0" dirty="0" smtClean="0">
+                <a:solidFill>
+                  <a:schemeClr val="accent1"/>
+                </a:solidFill>
+              </a:rPr>
+              <a:t> </a:t>
+            </a:r>
+            <a:r>
+              <a:rPr lang="en-US" sz="1400" b="0" dirty="0" err="1" smtClean="0">
+                <a:solidFill>
+                  <a:schemeClr val="accent1"/>
+                </a:solidFill>
+              </a:rPr>
+              <a:t>MapReduce</a:t>
+            </a:r>
+            <a:r>
+              <a:rPr lang="en-US" sz="1400" b="0" dirty="0" smtClean="0">
+                <a:solidFill>
+                  <a:schemeClr val="accent1"/>
+                </a:solidFill>
+              </a:rPr>
+              <a:t>™ for ways to process massive amounts of data as quickly as possible…</a:t>
+            </a:r>
+            <a:endParaRPr lang="en-US" sz="1400" b="0" dirty="0">
+              <a:solidFill>
+                <a:schemeClr val="accent1"/>
+              </a:solidFill>
+            </a:endParaRPr>
+          </a:p>
+        </p:txBody>
+      </p:sp>
+    </p:spTree>
+    <p:extLst>
+      <p:ext uri="{BB962C8B-B14F-4D97-AF65-F5344CB8AC3E}">
+        <p14:creationId xmlns:p14="http://schemas.microsoft.com/office/powerpoint/2010/main" val="119825056"/>
+      </p:ext>
+    </p:extLst>
+  </p:cSld>
+  <p:clrMapOvr>
+    <a:masterClrMapping/>
+  </p:clrMapOvr>
+  <p:timing>
+    <p:tnLst>
+      <p:par>
+        <p:cTn xmlns:p14="http://schemas.microsoft.com/office/powerpoint/2010/main" id="1" dur="indefinite" restart="never" nodeType="tmRoot"/>
+      </p:par>
+    </p:tnLst>
+  </p:timing>
+</p:sld>
+</file>
+
+<file path=ppt/slides/slide6.xml><?xml version="1.0" encoding="utf-8"?>
+<p:sld xmlns:a="http://schemas.openxmlformats.org/drawingml/2006/main" xmlns:r="http://schemas.openxmlformats.org/officeDocument/2006/relationships" xmlns:p="http://schemas.openxmlformats.org/presentationml/2006/main">
+  <p:cSld>
+    <p:spTree>
+      <p:nvGrpSpPr>
+        <p:cNvPr id="1" name=""/>
+        <p:cNvGrpSpPr/>
+        <p:nvPr/>
+      </p:nvGrpSpPr>
+      <p:grpSpPr>
+        <a:xfrm>
+          <a:off x="0" y="0"/>
+          <a:ext cx="0" cy="0"/>
+          <a:chOff x="0" y="0"/>
+          <a:chExt cx="0" cy="0"/>
+        </a:xfrm>
+      </p:grpSpPr>
+      <p:sp>
+        <p:nvSpPr>
+          <p:cNvPr id="2" name="Title 1"/>
+          <p:cNvSpPr>
+            <a:spLocks noGrp="1"/>
+          </p:cNvSpPr>
+          <p:nvPr>
+            <p:ph type="title"/>
+          </p:nvPr>
+        </p:nvSpPr>
+        <p:spPr/>
+        <p:txBody>
+          <a:bodyPr/>
+          <a:lstStyle/>
+          <a:p>
+            <a:r>
+              <a:rPr lang="en-US" dirty="0" smtClean="0"/>
+              <a:t>The simplest merge sort</a:t>
+            </a:r>
+            <a:endParaRPr lang="en-US" dirty="0"/>
+          </a:p>
+        </p:txBody>
+      </p:sp>
+      <p:sp>
+        <p:nvSpPr>
+          <p:cNvPr id="3" name="Content Placeholder 2"/>
+          <p:cNvSpPr>
+            <a:spLocks noGrp="1"/>
+          </p:cNvSpPr>
+          <p:nvPr>
+            <p:ph idx="1"/>
+          </p:nvPr>
+        </p:nvSpPr>
+        <p:spPr>
+          <a:xfrm>
+            <a:off x="1473653" y="1152473"/>
+            <a:ext cx="6201388" cy="3205025"/>
+          </a:xfrm>
+        </p:spPr>
+        <p:txBody>
+          <a:bodyPr>
+            <a:noAutofit/>
+          </a:bodyPr>
+          <a:lstStyle/>
+          <a:p>
+            <a:pPr marL="0" indent="0">
+              <a:spcBef>
+                <a:spcPts val="600"/>
+              </a:spcBef>
+            </a:pPr>
+            <a:r>
+              <a:rPr lang="en-US" sz="1400" dirty="0" smtClean="0">
+                <a:latin typeface="Lucida Console"/>
+                <a:cs typeface="Lucida Console"/>
+              </a:rPr>
+              <a:t>0  @</a:t>
+            </a:r>
+            <a:r>
+              <a:rPr lang="en-US" sz="1400" dirty="0">
+                <a:latin typeface="Lucida Console"/>
+                <a:cs typeface="Lucida Console"/>
+              </a:rPr>
+              <a:t>Map (</a:t>
+            </a:r>
+            <a:r>
+              <a:rPr lang="en-US" sz="1400" dirty="0" err="1">
+                <a:latin typeface="Lucida Console"/>
+                <a:cs typeface="Lucida Console"/>
+              </a:rPr>
+              <a:t>int</a:t>
+            </a:r>
+            <a:r>
+              <a:rPr lang="en-US" sz="1400" dirty="0">
+                <a:latin typeface="Lucida Console"/>
+                <a:cs typeface="Lucida Console"/>
+              </a:rPr>
+              <a:t> </a:t>
+            </a:r>
+            <a:r>
+              <a:rPr lang="en-US" sz="1400" dirty="0" err="1">
+                <a:latin typeface="Lucida Console"/>
+                <a:cs typeface="Lucida Console"/>
+              </a:rPr>
+              <a:t>lineNum</a:t>
+            </a:r>
+            <a:r>
+              <a:rPr lang="en-US" sz="1400" dirty="0">
+                <a:latin typeface="Lucida Console"/>
+                <a:cs typeface="Lucida Console"/>
+              </a:rPr>
+              <a:t>, text line) -&gt; (text, text) {</a:t>
+            </a:r>
+          </a:p>
+          <a:p>
+            <a:pPr marL="0" indent="0">
+              <a:spcBef>
+                <a:spcPts val="600"/>
+              </a:spcBef>
+            </a:pPr>
+            <a:r>
+              <a:rPr lang="en-US" sz="1400" dirty="0" smtClean="0">
+                <a:latin typeface="Lucida Console"/>
+                <a:cs typeface="Lucida Console"/>
+              </a:rPr>
+              <a:t>1    </a:t>
+            </a:r>
+            <a:r>
+              <a:rPr lang="en-US" sz="1400" dirty="0" err="1" smtClean="0">
+                <a:latin typeface="Lucida Console"/>
+                <a:cs typeface="Lucida Console"/>
+              </a:rPr>
+              <a:t>foreach</a:t>
+            </a:r>
+            <a:r>
+              <a:rPr lang="en-US" sz="1400" dirty="0" smtClean="0">
+                <a:latin typeface="Lucida Console"/>
+                <a:cs typeface="Lucida Console"/>
+              </a:rPr>
+              <a:t> </a:t>
+            </a:r>
+            <a:r>
+              <a:rPr lang="en-US" sz="1400" dirty="0">
+                <a:latin typeface="Lucida Console"/>
+                <a:cs typeface="Lucida Console"/>
+              </a:rPr>
+              <a:t>text number in </a:t>
+            </a:r>
+            <a:r>
+              <a:rPr lang="en-US" sz="1400" dirty="0" err="1">
+                <a:latin typeface="Lucida Console"/>
+                <a:cs typeface="Lucida Console"/>
+              </a:rPr>
+              <a:t>line.tokenize</a:t>
+            </a:r>
+            <a:r>
+              <a:rPr lang="en-US" sz="1400" dirty="0">
+                <a:latin typeface="Lucida Console"/>
+                <a:cs typeface="Lucida Console"/>
+              </a:rPr>
+              <a:t>(" ") {</a:t>
+            </a:r>
+          </a:p>
+          <a:p>
+            <a:pPr marL="0" indent="0">
+              <a:spcBef>
+                <a:spcPts val="600"/>
+              </a:spcBef>
+            </a:pPr>
+            <a:r>
+              <a:rPr lang="en-US" sz="1400" dirty="0" smtClean="0">
+                <a:latin typeface="Lucida Console"/>
+                <a:cs typeface="Lucida Console"/>
+              </a:rPr>
+              <a:t>2      emit</a:t>
+            </a:r>
+            <a:r>
+              <a:rPr lang="en-US" sz="1400" dirty="0">
+                <a:latin typeface="Lucida Console"/>
+                <a:cs typeface="Lucida Console"/>
+              </a:rPr>
+              <a:t>(number, number);</a:t>
+            </a:r>
+          </a:p>
+          <a:p>
+            <a:pPr marL="0" indent="0">
+              <a:spcBef>
+                <a:spcPts val="600"/>
+              </a:spcBef>
+            </a:pPr>
+            <a:r>
+              <a:rPr lang="en-US" sz="1400" dirty="0" smtClean="0">
+                <a:latin typeface="Lucida Console"/>
+                <a:cs typeface="Lucida Console"/>
+              </a:rPr>
+              <a:t>3    }</a:t>
+            </a:r>
+            <a:endParaRPr lang="en-US" sz="1400" dirty="0">
+              <a:latin typeface="Lucida Console"/>
+              <a:cs typeface="Lucida Console"/>
+            </a:endParaRPr>
+          </a:p>
+          <a:p>
+            <a:pPr marL="0" indent="0">
+              <a:spcBef>
+                <a:spcPts val="600"/>
+              </a:spcBef>
+            </a:pPr>
+            <a:r>
+              <a:rPr lang="en-US" sz="1400" dirty="0" smtClean="0">
+                <a:latin typeface="Lucida Console"/>
+                <a:cs typeface="Lucida Console"/>
+              </a:rPr>
+              <a:t>4  }</a:t>
+            </a:r>
+            <a:endParaRPr lang="en-US" sz="1400" dirty="0">
+              <a:latin typeface="Lucida Console"/>
+              <a:cs typeface="Lucida Console"/>
+            </a:endParaRPr>
+          </a:p>
+          <a:p>
+            <a:pPr marL="0" indent="0">
+              <a:spcBef>
+                <a:spcPts val="600"/>
+              </a:spcBef>
+            </a:pPr>
+            <a:endParaRPr lang="en-US" sz="1400" dirty="0">
+              <a:latin typeface="Lucida Console"/>
+              <a:cs typeface="Lucida Console"/>
+            </a:endParaRPr>
+          </a:p>
+          <a:p>
+            <a:pPr marL="0" indent="0">
+              <a:spcBef>
+                <a:spcPts val="600"/>
+              </a:spcBef>
+            </a:pPr>
+            <a:r>
+              <a:rPr lang="en-US" sz="1400" dirty="0" smtClean="0">
+                <a:latin typeface="Lucida Console"/>
+                <a:cs typeface="Lucida Console"/>
+              </a:rPr>
+              <a:t>5  @</a:t>
+            </a:r>
+            <a:r>
+              <a:rPr lang="en-US" sz="1400" dirty="0">
+                <a:latin typeface="Lucida Console"/>
+                <a:cs typeface="Lucida Console"/>
+              </a:rPr>
+              <a:t>Reduce (text number, text garbage) -&gt; (text, text) {</a:t>
+            </a:r>
+          </a:p>
+          <a:p>
+            <a:pPr marL="0" indent="0">
+              <a:spcBef>
+                <a:spcPts val="600"/>
+              </a:spcBef>
+            </a:pPr>
+            <a:r>
+              <a:rPr lang="en-US" sz="1400" dirty="0" smtClean="0">
+                <a:latin typeface="Lucida Console"/>
+                <a:cs typeface="Lucida Console"/>
+              </a:rPr>
+              <a:t>6    </a:t>
+            </a:r>
+            <a:r>
+              <a:rPr lang="en-US" sz="1400" dirty="0">
+                <a:latin typeface="Lucida Console"/>
+                <a:cs typeface="Lucida Console"/>
+              </a:rPr>
+              <a:t>emit(number, "");</a:t>
+            </a:r>
+          </a:p>
+          <a:p>
+            <a:pPr marL="0" indent="0">
+              <a:spcBef>
+                <a:spcPts val="600"/>
+              </a:spcBef>
+            </a:pPr>
+            <a:r>
+              <a:rPr lang="en-US" sz="1400" dirty="0" smtClean="0">
+                <a:latin typeface="Lucida Console"/>
+                <a:cs typeface="Lucida Console"/>
+              </a:rPr>
+              <a:t>7  }</a:t>
+            </a:r>
+            <a:endParaRPr lang="en-US" sz="1400" dirty="0">
+              <a:latin typeface="Lucida Console"/>
+              <a:cs typeface="Lucida Console"/>
+            </a:endParaRPr>
+          </a:p>
+          <a:p>
+            <a:pPr marL="0" indent="0">
+              <a:spcBef>
+                <a:spcPts val="600"/>
+              </a:spcBef>
+            </a:pPr>
+            <a:r>
+              <a:rPr lang="en-US" sz="1400" dirty="0">
+                <a:latin typeface="Lucida Console"/>
+                <a:cs typeface="Lucida Console"/>
+              </a:rPr>
+              <a:t>    </a:t>
+            </a:r>
+          </a:p>
+          <a:p>
+            <a:pPr marL="0" indent="0">
+              <a:spcBef>
+                <a:spcPts val="600"/>
+              </a:spcBef>
+            </a:pPr>
+            <a:r>
+              <a:rPr lang="en-US" sz="1400" dirty="0" smtClean="0">
+                <a:latin typeface="Lucida Console"/>
+                <a:cs typeface="Lucida Console"/>
+              </a:rPr>
+              <a:t>8  @</a:t>
+            </a:r>
+            <a:r>
+              <a:rPr lang="en-US" sz="1400" dirty="0">
+                <a:latin typeface="Lucida Console"/>
+                <a:cs typeface="Lucida Console"/>
+              </a:rPr>
+              <a:t>Main {</a:t>
+            </a:r>
+          </a:p>
+          <a:p>
+            <a:pPr marL="0" indent="0">
+              <a:spcBef>
+                <a:spcPts val="600"/>
+              </a:spcBef>
+            </a:pPr>
+            <a:r>
+              <a:rPr lang="en-US" sz="1400" dirty="0" smtClean="0">
+                <a:latin typeface="Lucida Console"/>
+                <a:cs typeface="Lucida Console"/>
+              </a:rPr>
+              <a:t>9    </a:t>
+            </a:r>
+            <a:r>
+              <a:rPr lang="en-US" sz="1400" dirty="0" err="1">
+                <a:latin typeface="Lucida Console"/>
+                <a:cs typeface="Lucida Console"/>
+              </a:rPr>
+              <a:t>mapReduce</a:t>
+            </a:r>
+            <a:r>
+              <a:rPr lang="en-US" sz="1400" dirty="0">
+                <a:latin typeface="Lucida Console"/>
+                <a:cs typeface="Lucida Console"/>
+              </a:rPr>
+              <a:t>();</a:t>
+            </a:r>
+          </a:p>
+          <a:p>
+            <a:pPr marL="0" indent="0">
+              <a:spcBef>
+                <a:spcPts val="600"/>
+              </a:spcBef>
+            </a:pPr>
+            <a:r>
+              <a:rPr lang="en-US" sz="1400" dirty="0" smtClean="0">
+                <a:latin typeface="Lucida Console"/>
+                <a:cs typeface="Lucida Console"/>
+              </a:rPr>
+              <a:t>10 }</a:t>
+            </a:r>
+            <a:endParaRPr lang="en-US" sz="1400" dirty="0">
+              <a:latin typeface="Lucida Console"/>
+              <a:cs typeface="Lucida Console"/>
+            </a:endParaRPr>
+          </a:p>
+        </p:txBody>
+      </p:sp>
+    </p:spTree>
+    <p:extLst>
+      <p:ext uri="{BB962C8B-B14F-4D97-AF65-F5344CB8AC3E}">
+        <p14:creationId xmlns:p14="http://schemas.microsoft.com/office/powerpoint/2010/main" val="2487640545"/>
+      </p:ext>
+    </p:extLst>
+  </p:cSld>
+  <p:clrMapOvr>
+    <a:masterClrMapping/>
+  </p:clrMapOvr>
+  <p:timing>
+    <p:tnLst>
+      <p:par>
+        <p:cTn xmlns:p14="http://schemas.microsoft.com/office/powerpoint/2010/main" id="1" dur="indefinite" restart="never" nodeType="tmRoot"/>
+      </p:par>
+    </p:tnLst>
+  </p:timing>
+</p:sld>
+</file>
+
+<file path=ppt/slides/slide7.xml><?xml version="1.0" encoding="utf-8"?>
+<p:sld xmlns:a="http://schemas.openxmlformats.org/drawingml/2006/main" xmlns:r="http://schemas.openxmlformats.org/officeDocument/2006/relationships" xmlns:p="http://schemas.openxmlformats.org/presentationml/2006/main">
+  <p:cSld>
+    <p:spTree>
+      <p:nvGrpSpPr>
+        <p:cNvPr id="1" name=""/>
+        <p:cNvGrpSpPr/>
+        <p:nvPr/>
+      </p:nvGrpSpPr>
+      <p:grpSpPr>
+        <a:xfrm>
+          <a:off x="0" y="0"/>
+          <a:ext cx="0" cy="0"/>
+          <a:chOff x="0" y="0"/>
+          <a:chExt cx="0" cy="0"/>
+        </a:xfrm>
+      </p:grpSpPr>
+      <p:sp>
+        <p:nvSpPr>
+          <p:cNvPr id="2" name="Title 1"/>
+          <p:cNvSpPr>
+            <a:spLocks noGrp="1"/>
+          </p:cNvSpPr>
+          <p:nvPr>
+            <p:ph type="title"/>
+          </p:nvPr>
+        </p:nvSpPr>
+        <p:spPr/>
+        <p:txBody>
+          <a:bodyPr/>
+          <a:lstStyle/>
+          <a:p>
+            <a:r>
+              <a:rPr lang="en-US" dirty="0" smtClean="0"/>
+              <a:t>The simplest merge sort</a:t>
+            </a:r>
+            <a:endParaRPr lang="en-US" dirty="0"/>
+          </a:p>
+        </p:txBody>
+      </p:sp>
+      <p:sp>
+        <p:nvSpPr>
+          <p:cNvPr id="3" name="Content Placeholder 2"/>
+          <p:cNvSpPr>
+            <a:spLocks noGrp="1"/>
+          </p:cNvSpPr>
+          <p:nvPr>
+            <p:ph idx="1"/>
+          </p:nvPr>
+        </p:nvSpPr>
+        <p:spPr/>
+        <p:txBody>
+          <a:bodyPr/>
+          <a:lstStyle/>
+          <a:p>
+            <a:r>
+              <a:rPr lang="en-US" dirty="0" smtClean="0"/>
+              <a:t>These </a:t>
+            </a:r>
+            <a:r>
+              <a:rPr lang="en-US" i="1" dirty="0" smtClean="0"/>
+              <a:t>eleven </a:t>
+            </a:r>
+            <a:r>
+              <a:rPr lang="en-US" dirty="0" smtClean="0"/>
+              <a:t>lines of Hog code are enough to,</a:t>
+            </a:r>
+          </a:p>
+          <a:p>
+            <a:endParaRPr lang="en-US" dirty="0" smtClean="0"/>
+          </a:p>
+          <a:p>
+            <a:pPr>
+              <a:buFont typeface="+mj-lt"/>
+              <a:buAutoNum type="arabicPeriod"/>
+            </a:pPr>
+            <a:r>
+              <a:rPr lang="en-US" dirty="0" smtClean="0"/>
+              <a:t>Read in terabytes of data formatted as,</a:t>
+            </a:r>
+          </a:p>
+          <a:p>
+            <a:pPr marL="466344" lvl="3" indent="0">
+              <a:buNone/>
+            </a:pPr>
+            <a:r>
+              <a:rPr lang="en-US" dirty="0"/>
+              <a:t>	</a:t>
+            </a:r>
+            <a:r>
+              <a:rPr lang="en-US" dirty="0" smtClean="0">
+                <a:latin typeface="Lucida Console"/>
+                <a:cs typeface="Lucida Console"/>
+              </a:rPr>
+              <a:t>1293581234 821958 73872 87265982 4272 112371 5455423...</a:t>
+            </a:r>
+            <a:endParaRPr lang="en-US" dirty="0" smtClean="0"/>
+          </a:p>
+          <a:p>
+            <a:pPr>
+              <a:buFont typeface="+mj-lt"/>
+              <a:buAutoNum type="arabicPeriod"/>
+            </a:pPr>
+            <a:r>
+              <a:rPr lang="en-US" dirty="0" smtClean="0"/>
+              <a:t>Distribute the data of over a highly-scalable network of computers,</a:t>
+            </a:r>
+          </a:p>
+          <a:p>
+            <a:pPr>
+              <a:buFont typeface="+mj-lt"/>
+              <a:buAutoNum type="arabicPeriod"/>
+            </a:pPr>
+            <a:r>
+              <a:rPr lang="en-US" dirty="0" smtClean="0"/>
+              <a:t>Synchronize computation of thousands of machines to sort and remove duplicate numbers,</a:t>
+            </a:r>
+          </a:p>
+          <a:p>
+            <a:pPr>
+              <a:buFont typeface="+mj-lt"/>
+              <a:buAutoNum type="arabicPeriod"/>
+            </a:pPr>
+            <a:r>
+              <a:rPr lang="en-US" dirty="0" smtClean="0"/>
+              <a:t>Store the sorted set of numbers on a fault-tolerant distributed file-system.</a:t>
+            </a:r>
+          </a:p>
+          <a:p>
+            <a:pPr>
+              <a:buFont typeface="Arial"/>
+              <a:buChar char="•"/>
+            </a:pPr>
+            <a:endParaRPr lang="en-US" dirty="0"/>
+          </a:p>
+        </p:txBody>
+      </p:sp>
+    </p:spTree>
+    <p:extLst>
+      <p:ext uri="{BB962C8B-B14F-4D97-AF65-F5344CB8AC3E}">
+        <p14:creationId xmlns:p14="http://schemas.microsoft.com/office/powerpoint/2010/main" val="3130193965"/>
+      </p:ext>
+    </p:extLst>
+  </p:cSld>
+  <p:clrMapOvr>
+    <a:masterClrMapping/>
+  </p:clrMapOvr>
+  <p:timing>
+    <p:tnLst>
+      <p:par>
+        <p:cTn xmlns:p14="http://schemas.microsoft.com/office/powerpoint/2010/main" id="1" dur="indefinite" restart="never" nodeType="tmRoot"/>
+      </p:par>
+    </p:tnLst>
+  </p:timing>
+</p:sld>
+</file>
+
+<file path=ppt/slides/slide8.xml><?xml version="1.0" encoding="utf-8"?>
+<p:sld xmlns:a="http://schemas.openxmlformats.org/drawingml/2006/main" xmlns:r="http://schemas.openxmlformats.org/officeDocument/2006/relationships" xmlns:p="http://schemas.openxmlformats.org/presentationml/2006/main">
+  <p:cSld>
+    <p:spTree>
+      <p:nvGrpSpPr>
+        <p:cNvPr id="1" name=""/>
+        <p:cNvGrpSpPr/>
+        <p:nvPr/>
+      </p:nvGrpSpPr>
+      <p:grpSpPr>
+        <a:xfrm>
+          <a:off x="0" y="0"/>
+          <a:ext cx="0" cy="0"/>
+          <a:chOff x="0" y="0"/>
+          <a:chExt cx="0" cy="0"/>
+        </a:xfrm>
+      </p:grpSpPr>
+      <p:sp>
+        <p:nvSpPr>
+          <p:cNvPr id="2" name="Title 1"/>
+          <p:cNvSpPr>
+            <a:spLocks noGrp="1"/>
+          </p:cNvSpPr>
+          <p:nvPr>
+            <p:ph type="title"/>
+          </p:nvPr>
+        </p:nvSpPr>
+        <p:spPr>
+          <a:xfrm rot="19140000">
+            <a:off x="631242" y="1776157"/>
+            <a:ext cx="5650992" cy="1207509"/>
+          </a:xfrm>
+        </p:spPr>
+        <p:txBody>
+          <a:bodyPr/>
+          <a:lstStyle/>
+          <a:p>
+            <a:r>
+              <a:rPr lang="en-US" sz="6000" dirty="0" smtClean="0"/>
+              <a:t>Syntax</a:t>
+            </a:r>
+            <a:endParaRPr lang="en-US" sz="6000" dirty="0"/>
+          </a:p>
+        </p:txBody>
+      </p:sp>
+      <p:sp>
+        <p:nvSpPr>
+          <p:cNvPr id="3" name="Text Placeholder 2"/>
+          <p:cNvSpPr>
+            <a:spLocks noGrp="1"/>
+          </p:cNvSpPr>
+          <p:nvPr>
+            <p:ph type="body" idx="1"/>
+          </p:nvPr>
+        </p:nvSpPr>
+        <p:spPr>
+          <a:xfrm rot="19140000">
+            <a:off x="938448" y="2278221"/>
+            <a:ext cx="7240656" cy="329184"/>
+          </a:xfrm>
+        </p:spPr>
+        <p:txBody>
+          <a:bodyPr>
+            <a:noAutofit/>
+          </a:bodyPr>
+          <a:lstStyle/>
+          <a:p>
+            <a:r>
+              <a:rPr lang="en-US" sz="2400" spc="0" dirty="0" smtClean="0"/>
+              <a:t>Paul </a:t>
+            </a:r>
+            <a:r>
+              <a:rPr lang="en-US" sz="2400" spc="0" dirty="0" err="1" smtClean="0"/>
+              <a:t>Tylkin</a:t>
+            </a:r>
+            <a:r>
+              <a:rPr lang="en-US" sz="2400" spc="0" dirty="0" smtClean="0"/>
+              <a:t> (Language Guru)</a:t>
+            </a:r>
+            <a:endParaRPr lang="en-US" sz="2400" spc="0" dirty="0"/>
+          </a:p>
+        </p:txBody>
+      </p:sp>
+    </p:spTree>
+    <p:extLst>
+      <p:ext uri="{BB962C8B-B14F-4D97-AF65-F5344CB8AC3E}">
+        <p14:creationId xmlns:p14="http://schemas.microsoft.com/office/powerpoint/2010/main" val="426475956"/>
+      </p:ext>
+    </p:extLst>
+  </p:cSld>
+  <p:clrMapOvr>
+    <a:masterClrMapping/>
+  </p:clrMapOvr>
+  <p:timing>
+    <p:tnLst>
+      <p:par>
+        <p:cTn xmlns:p14="http://schemas.microsoft.com/office/powerpoint/2010/main" id="1" dur="indefinite" restart="never" nodeType="tmRoot"/>
+      </p:par>
+    </p:tnLst>
+  </p:timing>
+</p:sld>
+</file>
+
+<file path=ppt/slides/slide9.xml><?xml version="1.0" encoding="utf-8"?>
+<p:sld xmlns:a="http://schemas.openxmlformats.org/drawingml/2006/main" xmlns:r="http://schemas.openxmlformats.org/officeDocument/2006/relationships" xmlns:p="http://schemas.openxmlformats.org/presentationml/2006/main">
+  <p:cSld>
+    <p:spTree>
+      <p:nvGrpSpPr>
+        <p:cNvPr id="1" name=""/>
+        <p:cNvGrpSpPr/>
+        <p:nvPr/>
+      </p:nvGrpSpPr>
+      <p:grpSpPr>
+        <a:xfrm>
+          <a:off x="0" y="0"/>
+          <a:ext cx="0" cy="0"/>
+          <a:chOff x="0" y="0"/>
+          <a:chExt cx="0" cy="0"/>
+        </a:xfrm>
+      </p:grpSpPr>
+      <p:sp>
+        <p:nvSpPr>
+          <p:cNvPr id="2" name="Title 1"/>
+          <p:cNvSpPr>
+            <a:spLocks noGrp="1"/>
+          </p:cNvSpPr>
+          <p:nvPr>
+            <p:ph type="title"/>
+          </p:nvPr>
+        </p:nvSpPr>
+        <p:spPr/>
+        <p:txBody>
+          <a:bodyPr/>
+          <a:lstStyle/>
+          <a:p>
+            <a:r>
+              <a:rPr lang="en-US" dirty="0" smtClean="0"/>
+              <a:t>Word count (@M</a:t>
+            </a:r>
+            <a:r>
+              <a:rPr lang="en-US" cap="none" dirty="0" smtClean="0"/>
+              <a:t>ap</a:t>
+            </a:r>
+            <a:r>
+              <a:rPr lang="en-US" dirty="0" smtClean="0"/>
+              <a:t>)</a:t>
+            </a:r>
+            <a:endParaRPr lang="en-US" dirty="0"/>
+          </a:p>
+        </p:txBody>
+      </p:sp>
+      <p:sp>
+        <p:nvSpPr>
+          <p:cNvPr id="3" name="Content Placeholder 2"/>
+          <p:cNvSpPr>
+            <a:spLocks noGrp="1"/>
+          </p:cNvSpPr>
+          <p:nvPr>
+            <p:ph idx="1"/>
+          </p:nvPr>
+        </p:nvSpPr>
+        <p:spPr>
+          <a:xfrm>
+            <a:off x="1677484" y="1370220"/>
+            <a:ext cx="5785885" cy="3579849"/>
+          </a:xfrm>
+        </p:spPr>
+        <p:txBody>
+          <a:bodyPr>
+            <a:normAutofit/>
+          </a:bodyPr>
+          <a:lstStyle/>
+          <a:p>
+            <a:r>
+              <a:rPr lang="en-US" sz="1400" dirty="0" smtClean="0">
+                <a:latin typeface="Lucida Console"/>
+                <a:cs typeface="Lucida Console"/>
+              </a:rPr>
+              <a:t>0 @</a:t>
+            </a:r>
+            <a:r>
+              <a:rPr lang="en-US" sz="1400" dirty="0">
+                <a:latin typeface="Lucida Console"/>
+                <a:cs typeface="Lucida Console"/>
+              </a:rPr>
+              <a:t>Map (</a:t>
+            </a:r>
+            <a:r>
+              <a:rPr lang="en-US" sz="1400" dirty="0" err="1">
+                <a:latin typeface="Lucida Console"/>
+                <a:cs typeface="Lucida Console"/>
+              </a:rPr>
+              <a:t>int</a:t>
+            </a:r>
+            <a:r>
+              <a:rPr lang="en-US" sz="1400" dirty="0">
+                <a:latin typeface="Lucida Console"/>
+                <a:cs typeface="Lucida Console"/>
+              </a:rPr>
+              <a:t> </a:t>
+            </a:r>
+            <a:r>
+              <a:rPr lang="en-US" sz="1400" dirty="0" err="1">
+                <a:latin typeface="Lucida Console"/>
+                <a:cs typeface="Lucida Console"/>
+              </a:rPr>
+              <a:t>lineNum</a:t>
+            </a:r>
+            <a:r>
+              <a:rPr lang="en-US" sz="1400" dirty="0">
+                <a:latin typeface="Lucida Console"/>
+                <a:cs typeface="Lucida Console"/>
+              </a:rPr>
+              <a:t>, text line) -&gt; (text, </a:t>
+            </a:r>
+            <a:r>
+              <a:rPr lang="en-US" sz="1400" dirty="0" err="1">
+                <a:latin typeface="Lucida Console"/>
+                <a:cs typeface="Lucida Console"/>
+              </a:rPr>
+              <a:t>int</a:t>
+            </a:r>
+            <a:r>
+              <a:rPr lang="en-US" sz="1400" dirty="0">
+                <a:latin typeface="Lucida Console"/>
+                <a:cs typeface="Lucida Console"/>
+              </a:rPr>
+              <a:t>) </a:t>
+            </a:r>
+            <a:r>
+              <a:rPr lang="en-US" sz="1400" dirty="0" smtClean="0">
+                <a:latin typeface="Lucida Console"/>
+                <a:cs typeface="Lucida Console"/>
+              </a:rPr>
+              <a:t>{</a:t>
+            </a:r>
+          </a:p>
+          <a:p>
+            <a:r>
+              <a:rPr lang="en-US" sz="1400" dirty="0" smtClean="0">
+                <a:solidFill>
+                  <a:srgbClr val="000000"/>
+                </a:solidFill>
+                <a:latin typeface="Lucida Console"/>
+                <a:cs typeface="Lucida Console"/>
+              </a:rPr>
+              <a:t>1</a:t>
+            </a:r>
+            <a:r>
+              <a:rPr lang="en-US" sz="1400" i="1" dirty="0" smtClean="0">
+                <a:solidFill>
+                  <a:schemeClr val="accent1"/>
+                </a:solidFill>
+                <a:latin typeface="Lucida Console"/>
+                <a:cs typeface="Lucida Console"/>
+              </a:rPr>
+              <a:t>   # for </a:t>
+            </a:r>
+            <a:r>
+              <a:rPr lang="en-US" sz="1400" i="1" dirty="0">
+                <a:solidFill>
+                  <a:schemeClr val="accent1"/>
+                </a:solidFill>
+                <a:latin typeface="Lucida Console"/>
+                <a:cs typeface="Lucida Console"/>
+              </a:rPr>
+              <a:t>every word on this line, </a:t>
+            </a:r>
+            <a:endParaRPr lang="en-US" sz="1400" i="1" dirty="0" smtClean="0">
+              <a:solidFill>
+                <a:schemeClr val="accent1"/>
+              </a:solidFill>
+              <a:latin typeface="Lucida Console"/>
+              <a:cs typeface="Lucida Console"/>
+            </a:endParaRPr>
+          </a:p>
+          <a:p>
+            <a:pPr marL="0" indent="0"/>
+            <a:r>
+              <a:rPr lang="en-US" sz="1400" dirty="0" smtClean="0">
+                <a:latin typeface="Lucida Console"/>
+                <a:cs typeface="Lucida Console"/>
+              </a:rPr>
+              <a:t>2 </a:t>
+            </a:r>
+            <a:r>
+              <a:rPr lang="en-US" sz="1400" i="1" dirty="0" smtClean="0">
+                <a:latin typeface="Lucida Console"/>
+                <a:cs typeface="Lucida Console"/>
+              </a:rPr>
+              <a:t>  </a:t>
+            </a:r>
+            <a:r>
+              <a:rPr lang="en-US" sz="1400" i="1" dirty="0" smtClean="0">
+                <a:solidFill>
+                  <a:schemeClr val="accent1"/>
+                </a:solidFill>
+                <a:latin typeface="Lucida Console"/>
+                <a:cs typeface="Lucida Console"/>
+              </a:rPr>
+              <a:t># emit </a:t>
+            </a:r>
+            <a:r>
+              <a:rPr lang="en-US" sz="1400" i="1" dirty="0">
+                <a:solidFill>
+                  <a:schemeClr val="accent1"/>
+                </a:solidFill>
+                <a:latin typeface="Lucida Console"/>
+                <a:cs typeface="Lucida Console"/>
+              </a:rPr>
+              <a:t>that word and the </a:t>
+            </a:r>
+            <a:r>
+              <a:rPr lang="en-US" sz="1400" i="1" dirty="0" smtClean="0">
+                <a:solidFill>
+                  <a:schemeClr val="accent1"/>
+                </a:solidFill>
+                <a:latin typeface="Lucida Console"/>
+                <a:cs typeface="Lucida Console"/>
+              </a:rPr>
+              <a:t>number ‘1’</a:t>
+            </a:r>
+            <a:endParaRPr lang="en-US" sz="1400" i="1" dirty="0">
+              <a:solidFill>
+                <a:schemeClr val="accent1"/>
+              </a:solidFill>
+              <a:latin typeface="Lucida Console"/>
+              <a:cs typeface="Lucida Console"/>
+            </a:endParaRPr>
+          </a:p>
+          <a:p>
+            <a:r>
+              <a:rPr lang="en-US" sz="1400" dirty="0" smtClean="0">
+                <a:latin typeface="Lucida Console"/>
+                <a:cs typeface="Lucida Console"/>
+              </a:rPr>
+              <a:t>3   </a:t>
+            </a:r>
+            <a:r>
+              <a:rPr lang="en-US" sz="1400" dirty="0" err="1" smtClean="0">
+                <a:latin typeface="Lucida Console"/>
+                <a:cs typeface="Lucida Console"/>
+              </a:rPr>
+              <a:t>foreach</a:t>
+            </a:r>
+            <a:r>
+              <a:rPr lang="en-US" sz="1400" dirty="0" smtClean="0">
+                <a:latin typeface="Lucida Console"/>
+                <a:cs typeface="Lucida Console"/>
+              </a:rPr>
+              <a:t> </a:t>
+            </a:r>
+            <a:r>
+              <a:rPr lang="en-US" sz="1400" dirty="0">
+                <a:latin typeface="Lucida Console"/>
+                <a:cs typeface="Lucida Console"/>
+              </a:rPr>
+              <a:t>text word in </a:t>
+            </a:r>
+            <a:r>
+              <a:rPr lang="en-US" sz="1400" dirty="0" err="1">
+                <a:latin typeface="Lucida Console"/>
+                <a:cs typeface="Lucida Console"/>
+              </a:rPr>
+              <a:t>line.tokenize</a:t>
+            </a:r>
+            <a:r>
+              <a:rPr lang="en-US" sz="1400" dirty="0">
+                <a:latin typeface="Lucida Console"/>
+                <a:cs typeface="Lucida Console"/>
+              </a:rPr>
+              <a:t>(" ") {</a:t>
+            </a:r>
+          </a:p>
+          <a:p>
+            <a:r>
+              <a:rPr lang="en-US" sz="1400" dirty="0" smtClean="0">
+                <a:latin typeface="Lucida Console"/>
+                <a:cs typeface="Lucida Console"/>
+              </a:rPr>
+              <a:t>4     </a:t>
+            </a:r>
+            <a:r>
+              <a:rPr lang="en-US" sz="1400" dirty="0">
+                <a:latin typeface="Lucida Console"/>
+                <a:cs typeface="Lucida Console"/>
+              </a:rPr>
+              <a:t>emit(word, 1);</a:t>
+            </a:r>
+          </a:p>
+          <a:p>
+            <a:r>
+              <a:rPr lang="en-US" sz="1400" dirty="0" smtClean="0">
+                <a:latin typeface="Lucida Console"/>
+                <a:cs typeface="Lucida Console"/>
+              </a:rPr>
+              <a:t>5   </a:t>
+            </a:r>
+            <a:r>
+              <a:rPr lang="en-US" sz="1400" dirty="0">
+                <a:latin typeface="Lucida Console"/>
+                <a:cs typeface="Lucida Console"/>
+              </a:rPr>
+              <a:t>}</a:t>
+            </a:r>
+          </a:p>
+          <a:p>
+            <a:r>
+              <a:rPr lang="en-US" sz="1400" dirty="0" smtClean="0">
+                <a:latin typeface="Lucida Console"/>
+                <a:cs typeface="Lucida Console"/>
+              </a:rPr>
+              <a:t>6 }</a:t>
+            </a:r>
+            <a:endParaRPr lang="en-US" sz="1400" dirty="0">
+              <a:latin typeface="Lucida Console"/>
+              <a:cs typeface="Lucida Console"/>
+            </a:endParaRPr>
+          </a:p>
+        </p:txBody>
+      </p:sp>
+    </p:spTree>
+    <p:extLst>
+      <p:ext uri="{BB962C8B-B14F-4D97-AF65-F5344CB8AC3E}">
+        <p14:creationId xmlns:p14="http://schemas.microsoft.com/office/powerpoint/2010/main" val="2518737623"/>
       </p:ext>
     </p:extLst>
   </p:cSld>

--- a/demo/demo.pptx
+++ b/demo/demo.pptx
@@ -4,6 +4,9 @@
   <p:sldMasterIdLst>
     <p:sldMasterId id="2147483868" r:id="rId1"/>
   </p:sldMasterIdLst>
+  <p:notesMasterIdLst>
+    <p:notesMasterId r:id="rId20"/>
+  </p:notesMasterIdLst>
   <p:sldIdLst>
     <p:sldId id="256" r:id="rId2"/>
     <p:sldId id="262" r:id="rId3"/>
@@ -17,10 +20,12 @@
     <p:sldId id="263" r:id="rId11"/>
     <p:sldId id="264" r:id="rId12"/>
     <p:sldId id="268" r:id="rId13"/>
-    <p:sldId id="269" r:id="rId14"/>
-    <p:sldId id="270" r:id="rId15"/>
-    <p:sldId id="271" r:id="rId16"/>
-    <p:sldId id="257" r:id="rId17"/>
+    <p:sldId id="273" r:id="rId14"/>
+    <p:sldId id="274" r:id="rId15"/>
+    <p:sldId id="269" r:id="rId16"/>
+    <p:sldId id="270" r:id="rId17"/>
+    <p:sldId id="271" r:id="rId18"/>
+    <p:sldId id="257" r:id="rId19"/>
   </p:sldIdLst>
   <p:sldSz cx="9144000" cy="6858000" type="screen4x3"/>
   <p:notesSz cx="6858000" cy="9144000"/>
@@ -120,6 +125,440 @@
     </a:lvl9pPr>
   </p:defaultTextStyle>
 </p:presentation>
+</file>
+
+<file path=ppt/notesMasters/notesMaster1.xml><?xml version="1.0" encoding="utf-8"?>
+<p:notesMaster xmlns:a="http://schemas.openxmlformats.org/drawingml/2006/main" xmlns:r="http://schemas.openxmlformats.org/officeDocument/2006/relationships" xmlns:p="http://schemas.openxmlformats.org/presentationml/2006/main">
+  <p:cSld>
+    <p:bg>
+      <p:bgRef idx="1001">
+        <a:schemeClr val="bg1"/>
+      </p:bgRef>
+    </p:bg>
+    <p:spTree>
+      <p:nvGrpSpPr>
+        <p:cNvPr id="1" name=""/>
+        <p:cNvGrpSpPr/>
+        <p:nvPr/>
+      </p:nvGrpSpPr>
+      <p:grpSpPr>
+        <a:xfrm>
+          <a:off x="0" y="0"/>
+          <a:ext cx="0" cy="0"/>
+          <a:chOff x="0" y="0"/>
+          <a:chExt cx="0" cy="0"/>
+        </a:xfrm>
+      </p:grpSpPr>
+      <p:sp>
+        <p:nvSpPr>
+          <p:cNvPr id="2" name="Header Placeholder 1"/>
+          <p:cNvSpPr>
+            <a:spLocks noGrp="1"/>
+          </p:cNvSpPr>
+          <p:nvPr>
+            <p:ph type="hdr" sz="quarter"/>
+          </p:nvPr>
+        </p:nvSpPr>
+        <p:spPr>
+          <a:xfrm>
+            <a:off x="0" y="0"/>
+            <a:ext cx="2971800" cy="457200"/>
+          </a:xfrm>
+          <a:prstGeom prst="rect">
+            <a:avLst/>
+          </a:prstGeom>
+        </p:spPr>
+        <p:txBody>
+          <a:bodyPr vert="horz" lIns="91440" tIns="45720" rIns="91440" bIns="45720" rtlCol="0"/>
+          <a:lstStyle>
+            <a:lvl1pPr algn="l">
+              <a:defRPr sz="1200"/>
+            </a:lvl1pPr>
+          </a:lstStyle>
+          <a:p>
+            <a:endParaRPr lang="en-US"/>
+          </a:p>
+        </p:txBody>
+      </p:sp>
+      <p:sp>
+        <p:nvSpPr>
+          <p:cNvPr id="3" name="Date Placeholder 2"/>
+          <p:cNvSpPr>
+            <a:spLocks noGrp="1"/>
+          </p:cNvSpPr>
+          <p:nvPr>
+            <p:ph type="dt" idx="1"/>
+          </p:nvPr>
+        </p:nvSpPr>
+        <p:spPr>
+          <a:xfrm>
+            <a:off x="3884613" y="0"/>
+            <a:ext cx="2971800" cy="457200"/>
+          </a:xfrm>
+          <a:prstGeom prst="rect">
+            <a:avLst/>
+          </a:prstGeom>
+        </p:spPr>
+        <p:txBody>
+          <a:bodyPr vert="horz" lIns="91440" tIns="45720" rIns="91440" bIns="45720" rtlCol="0"/>
+          <a:lstStyle>
+            <a:lvl1pPr algn="r">
+              <a:defRPr sz="1200"/>
+            </a:lvl1pPr>
+          </a:lstStyle>
+          <a:p>
+            <a:fld id="{32806BC3-CB92-4C42-B83D-6FFE96DC76A5}" type="datetimeFigureOut">
+              <a:rPr lang="en-US" smtClean="0"/>
+              <a:t>5/8/12</a:t>
+            </a:fld>
+            <a:endParaRPr lang="en-US"/>
+          </a:p>
+        </p:txBody>
+      </p:sp>
+      <p:sp>
+        <p:nvSpPr>
+          <p:cNvPr id="4" name="Slide Image Placeholder 3"/>
+          <p:cNvSpPr>
+            <a:spLocks noGrp="1" noRot="1" noChangeAspect="1"/>
+          </p:cNvSpPr>
+          <p:nvPr>
+            <p:ph type="sldImg" idx="2"/>
+          </p:nvPr>
+        </p:nvSpPr>
+        <p:spPr>
+          <a:xfrm>
+            <a:off x="1143000" y="685800"/>
+            <a:ext cx="4572000" cy="3429000"/>
+          </a:xfrm>
+          <a:prstGeom prst="rect">
+            <a:avLst/>
+          </a:prstGeom>
+          <a:noFill/>
+          <a:ln w="12700">
+            <a:solidFill>
+              <a:prstClr val="black"/>
+            </a:solidFill>
+          </a:ln>
+        </p:spPr>
+        <p:txBody>
+          <a:bodyPr vert="horz" lIns="91440" tIns="45720" rIns="91440" bIns="45720" rtlCol="0" anchor="ctr"/>
+          <a:lstStyle/>
+          <a:p>
+            <a:endParaRPr lang="en-US"/>
+          </a:p>
+        </p:txBody>
+      </p:sp>
+      <p:sp>
+        <p:nvSpPr>
+          <p:cNvPr id="5" name="Notes Placeholder 4"/>
+          <p:cNvSpPr>
+            <a:spLocks noGrp="1"/>
+          </p:cNvSpPr>
+          <p:nvPr>
+            <p:ph type="body" sz="quarter" idx="3"/>
+          </p:nvPr>
+        </p:nvSpPr>
+        <p:spPr>
+          <a:xfrm>
+            <a:off x="685800" y="4343400"/>
+            <a:ext cx="5486400" cy="4114800"/>
+          </a:xfrm>
+          <a:prstGeom prst="rect">
+            <a:avLst/>
+          </a:prstGeom>
+        </p:spPr>
+        <p:txBody>
+          <a:bodyPr vert="horz" lIns="91440" tIns="45720" rIns="91440" bIns="45720" rtlCol="0"/>
+          <a:lstStyle/>
+          <a:p>
+            <a:pPr lvl="0"/>
+            <a:r>
+              <a:rPr lang="en-US" smtClean="0"/>
+              <a:t>Click to edit Master text styles</a:t>
+            </a:r>
+          </a:p>
+          <a:p>
+            <a:pPr lvl="1"/>
+            <a:r>
+              <a:rPr lang="en-US" smtClean="0"/>
+              <a:t>Second level</a:t>
+            </a:r>
+          </a:p>
+          <a:p>
+            <a:pPr lvl="2"/>
+            <a:r>
+              <a:rPr lang="en-US" smtClean="0"/>
+              <a:t>Third level</a:t>
+            </a:r>
+          </a:p>
+          <a:p>
+            <a:pPr lvl="3"/>
+            <a:r>
+              <a:rPr lang="en-US" smtClean="0"/>
+              <a:t>Fourth level</a:t>
+            </a:r>
+          </a:p>
+          <a:p>
+            <a:pPr lvl="4"/>
+            <a:r>
+              <a:rPr lang="en-US" smtClean="0"/>
+              <a:t>Fifth level</a:t>
+            </a:r>
+            <a:endParaRPr lang="en-US"/>
+          </a:p>
+        </p:txBody>
+      </p:sp>
+      <p:sp>
+        <p:nvSpPr>
+          <p:cNvPr id="6" name="Footer Placeholder 5"/>
+          <p:cNvSpPr>
+            <a:spLocks noGrp="1"/>
+          </p:cNvSpPr>
+          <p:nvPr>
+            <p:ph type="ftr" sz="quarter" idx="4"/>
+          </p:nvPr>
+        </p:nvSpPr>
+        <p:spPr>
+          <a:xfrm>
+            <a:off x="0" y="8685213"/>
+            <a:ext cx="2971800" cy="457200"/>
+          </a:xfrm>
+          <a:prstGeom prst="rect">
+            <a:avLst/>
+          </a:prstGeom>
+        </p:spPr>
+        <p:txBody>
+          <a:bodyPr vert="horz" lIns="91440" tIns="45720" rIns="91440" bIns="45720" rtlCol="0" anchor="b"/>
+          <a:lstStyle>
+            <a:lvl1pPr algn="l">
+              <a:defRPr sz="1200"/>
+            </a:lvl1pPr>
+          </a:lstStyle>
+          <a:p>
+            <a:endParaRPr lang="en-US"/>
+          </a:p>
+        </p:txBody>
+      </p:sp>
+      <p:sp>
+        <p:nvSpPr>
+          <p:cNvPr id="7" name="Slide Number Placeholder 6"/>
+          <p:cNvSpPr>
+            <a:spLocks noGrp="1"/>
+          </p:cNvSpPr>
+          <p:nvPr>
+            <p:ph type="sldNum" sz="quarter" idx="5"/>
+          </p:nvPr>
+        </p:nvSpPr>
+        <p:spPr>
+          <a:xfrm>
+            <a:off x="3884613" y="8685213"/>
+            <a:ext cx="2971800" cy="457200"/>
+          </a:xfrm>
+          <a:prstGeom prst="rect">
+            <a:avLst/>
+          </a:prstGeom>
+        </p:spPr>
+        <p:txBody>
+          <a:bodyPr vert="horz" lIns="91440" tIns="45720" rIns="91440" bIns="45720" rtlCol="0" anchor="b"/>
+          <a:lstStyle>
+            <a:lvl1pPr algn="r">
+              <a:defRPr sz="1200"/>
+            </a:lvl1pPr>
+          </a:lstStyle>
+          <a:p>
+            <a:fld id="{D22E91E4-4C33-3B4F-AF04-B9192DA58B97}" type="slidenum">
+              <a:rPr lang="en-US" smtClean="0"/>
+              <a:t>‹#›</a:t>
+            </a:fld>
+            <a:endParaRPr lang="en-US"/>
+          </a:p>
+        </p:txBody>
+      </p:sp>
+    </p:spTree>
+    <p:extLst>
+      <p:ext uri="{BB962C8B-B14F-4D97-AF65-F5344CB8AC3E}">
+        <p14:creationId xmlns:p14="http://schemas.microsoft.com/office/powerpoint/2010/main" val="3980753030"/>
+      </p:ext>
+    </p:extLst>
+  </p:cSld>
+  <p:clrMap bg1="lt1" tx1="dk1" bg2="lt2" tx2="dk2" accent1="accent1" accent2="accent2" accent3="accent3" accent4="accent4" accent5="accent5" accent6="accent6" hlink="hlink" folHlink="folHlink"/>
+  <p:notesStyle>
+    <a:lvl1pPr marL="0" algn="l" defTabSz="457200" rtl="0" eaLnBrk="1" latinLnBrk="0" hangingPunct="1">
+      <a:defRPr sz="1200" kern="1200">
+        <a:solidFill>
+          <a:schemeClr val="tx1"/>
+        </a:solidFill>
+        <a:latin typeface="+mn-lt"/>
+        <a:ea typeface="+mn-ea"/>
+        <a:cs typeface="+mn-cs"/>
+      </a:defRPr>
+    </a:lvl1pPr>
+    <a:lvl2pPr marL="457200" algn="l" defTabSz="457200" rtl="0" eaLnBrk="1" latinLnBrk="0" hangingPunct="1">
+      <a:defRPr sz="1200" kern="1200">
+        <a:solidFill>
+          <a:schemeClr val="tx1"/>
+        </a:solidFill>
+        <a:latin typeface="+mn-lt"/>
+        <a:ea typeface="+mn-ea"/>
+        <a:cs typeface="+mn-cs"/>
+      </a:defRPr>
+    </a:lvl2pPr>
+    <a:lvl3pPr marL="914400" algn="l" defTabSz="457200" rtl="0" eaLnBrk="1" latinLnBrk="0" hangingPunct="1">
+      <a:defRPr sz="1200" kern="1200">
+        <a:solidFill>
+          <a:schemeClr val="tx1"/>
+        </a:solidFill>
+        <a:latin typeface="+mn-lt"/>
+        <a:ea typeface="+mn-ea"/>
+        <a:cs typeface="+mn-cs"/>
+      </a:defRPr>
+    </a:lvl3pPr>
+    <a:lvl4pPr marL="1371600" algn="l" defTabSz="457200" rtl="0" eaLnBrk="1" latinLnBrk="0" hangingPunct="1">
+      <a:defRPr sz="1200" kern="1200">
+        <a:solidFill>
+          <a:schemeClr val="tx1"/>
+        </a:solidFill>
+        <a:latin typeface="+mn-lt"/>
+        <a:ea typeface="+mn-ea"/>
+        <a:cs typeface="+mn-cs"/>
+      </a:defRPr>
+    </a:lvl4pPr>
+    <a:lvl5pPr marL="1828800" algn="l" defTabSz="457200" rtl="0" eaLnBrk="1" latinLnBrk="0" hangingPunct="1">
+      <a:defRPr sz="1200" kern="1200">
+        <a:solidFill>
+          <a:schemeClr val="tx1"/>
+        </a:solidFill>
+        <a:latin typeface="+mn-lt"/>
+        <a:ea typeface="+mn-ea"/>
+        <a:cs typeface="+mn-cs"/>
+      </a:defRPr>
+    </a:lvl5pPr>
+    <a:lvl6pPr marL="2286000" algn="l" defTabSz="457200" rtl="0" eaLnBrk="1" latinLnBrk="0" hangingPunct="1">
+      <a:defRPr sz="1200" kern="1200">
+        <a:solidFill>
+          <a:schemeClr val="tx1"/>
+        </a:solidFill>
+        <a:latin typeface="+mn-lt"/>
+        <a:ea typeface="+mn-ea"/>
+        <a:cs typeface="+mn-cs"/>
+      </a:defRPr>
+    </a:lvl6pPr>
+    <a:lvl7pPr marL="2743200" algn="l" defTabSz="457200" rtl="0" eaLnBrk="1" latinLnBrk="0" hangingPunct="1">
+      <a:defRPr sz="1200" kern="1200">
+        <a:solidFill>
+          <a:schemeClr val="tx1"/>
+        </a:solidFill>
+        <a:latin typeface="+mn-lt"/>
+        <a:ea typeface="+mn-ea"/>
+        <a:cs typeface="+mn-cs"/>
+      </a:defRPr>
+    </a:lvl7pPr>
+    <a:lvl8pPr marL="3200400" algn="l" defTabSz="457200" rtl="0" eaLnBrk="1" latinLnBrk="0" hangingPunct="1">
+      <a:defRPr sz="1200" kern="1200">
+        <a:solidFill>
+          <a:schemeClr val="tx1"/>
+        </a:solidFill>
+        <a:latin typeface="+mn-lt"/>
+        <a:ea typeface="+mn-ea"/>
+        <a:cs typeface="+mn-cs"/>
+      </a:defRPr>
+    </a:lvl8pPr>
+    <a:lvl9pPr marL="3657600" algn="l" defTabSz="457200" rtl="0" eaLnBrk="1" latinLnBrk="0" hangingPunct="1">
+      <a:defRPr sz="1200" kern="1200">
+        <a:solidFill>
+          <a:schemeClr val="tx1"/>
+        </a:solidFill>
+        <a:latin typeface="+mn-lt"/>
+        <a:ea typeface="+mn-ea"/>
+        <a:cs typeface="+mn-cs"/>
+      </a:defRPr>
+    </a:lvl9pPr>
+  </p:notesStyle>
+</p:notesMaster>
+</file>
+
+<file path=ppt/notesSlides/notesSlide1.xml><?xml version="1.0" encoding="utf-8"?>
+<p:notes xmlns:a="http://schemas.openxmlformats.org/drawingml/2006/main" xmlns:r="http://schemas.openxmlformats.org/officeDocument/2006/relationships" xmlns:p="http://schemas.openxmlformats.org/presentationml/2006/main">
+  <p:cSld>
+    <p:spTree>
+      <p:nvGrpSpPr>
+        <p:cNvPr id="1" name=""/>
+        <p:cNvGrpSpPr/>
+        <p:nvPr/>
+      </p:nvGrpSpPr>
+      <p:grpSpPr>
+        <a:xfrm>
+          <a:off x="0" y="0"/>
+          <a:ext cx="0" cy="0"/>
+          <a:chOff x="0" y="0"/>
+          <a:chExt cx="0" cy="0"/>
+        </a:xfrm>
+      </p:grpSpPr>
+      <p:sp>
+        <p:nvSpPr>
+          <p:cNvPr id="2" name="Slide Image Placeholder 1"/>
+          <p:cNvSpPr>
+            <a:spLocks noGrp="1" noRot="1" noChangeAspect="1"/>
+          </p:cNvSpPr>
+          <p:nvPr>
+            <p:ph type="sldImg"/>
+          </p:nvPr>
+        </p:nvSpPr>
+        <p:spPr/>
+      </p:sp>
+      <p:sp>
+        <p:nvSpPr>
+          <p:cNvPr id="3" name="Notes Placeholder 2"/>
+          <p:cNvSpPr>
+            <a:spLocks noGrp="1"/>
+          </p:cNvSpPr>
+          <p:nvPr>
+            <p:ph type="body" idx="1"/>
+          </p:nvPr>
+        </p:nvSpPr>
+        <p:spPr/>
+        <p:txBody>
+          <a:bodyPr/>
+          <a:lstStyle/>
+          <a:p>
+            <a:endParaRPr lang="en-US" dirty="0"/>
+          </a:p>
+        </p:txBody>
+      </p:sp>
+      <p:sp>
+        <p:nvSpPr>
+          <p:cNvPr id="4" name="Slide Number Placeholder 3"/>
+          <p:cNvSpPr>
+            <a:spLocks noGrp="1"/>
+          </p:cNvSpPr>
+          <p:nvPr>
+            <p:ph type="sldNum" sz="quarter" idx="10"/>
+          </p:nvPr>
+        </p:nvSpPr>
+        <p:spPr/>
+        <p:txBody>
+          <a:bodyPr/>
+          <a:lstStyle/>
+          <a:p>
+            <a:fld id="{42BEFFAC-3482-42C7-A3E5-AAF6C77BD00F}" type="slidenum">
+              <a:rPr lang="en-US" smtClean="0"/>
+              <a:t>14</a:t>
+            </a:fld>
+            <a:endParaRPr lang="en-US"/>
+          </a:p>
+        </p:txBody>
+      </p:sp>
+    </p:spTree>
+    <p:extLst>
+      <p:ext uri="{BB962C8B-B14F-4D97-AF65-F5344CB8AC3E}">
+        <p14:creationId xmlns:p14="http://schemas.microsoft.com/office/powerpoint/2010/main" val="2846256888"/>
+      </p:ext>
+    </p:extLst>
+  </p:cSld>
+  <p:clrMapOvr>
+    <a:masterClrMapping/>
+  </p:clrMapOvr>
+</p:notes>
 </file>
 
 <file path=ppt/slideLayouts/slideLayout1.xml><?xml version="1.0" encoding="utf-8"?>
@@ -6062,9 +6501,47 @@
           <a:chExt cx="0" cy="0"/>
         </a:xfrm>
       </p:grpSpPr>
+      <p:cxnSp>
+        <p:nvCxnSpPr>
+          <p:cNvPr id="95" name="Straight Arrow Connector 94"/>
+          <p:cNvCxnSpPr>
+            <a:stCxn id="31" idx="0"/>
+          </p:cNvCxnSpPr>
+          <p:nvPr/>
+        </p:nvCxnSpPr>
+        <p:spPr>
+          <a:xfrm flipV="1">
+            <a:off x="6976133" y="2546544"/>
+            <a:ext cx="0" cy="756582"/>
+          </a:xfrm>
+          <a:prstGeom prst="straightConnector1">
+            <a:avLst/>
+          </a:prstGeom>
+          <a:ln w="28575">
+            <a:solidFill>
+              <a:schemeClr val="tx1"/>
+            </a:solidFill>
+            <a:tailEnd type="arrow"/>
+          </a:ln>
+        </p:spPr>
+        <p:style>
+          <a:lnRef idx="1">
+            <a:schemeClr val="accent1"/>
+          </a:lnRef>
+          <a:fillRef idx="0">
+            <a:schemeClr val="accent1"/>
+          </a:fillRef>
+          <a:effectRef idx="0">
+            <a:schemeClr val="accent1"/>
+          </a:effectRef>
+          <a:fontRef idx="minor">
+            <a:schemeClr val="tx1"/>
+          </a:fontRef>
+        </p:style>
+      </p:cxnSp>
       <p:sp>
         <p:nvSpPr>
-          <p:cNvPr id="2" name="Title 1"/>
+          <p:cNvPr id="4" name="Title 3"/>
           <p:cNvSpPr>
             <a:spLocks noGrp="1"/>
           </p:cNvSpPr>
@@ -6073,69 +6550,3056 @@
           </p:nvPr>
         </p:nvSpPr>
         <p:spPr>
-          <a:xfrm rot="19140000">
-            <a:off x="631242" y="1776157"/>
-            <a:ext cx="5650992" cy="1207509"/>
+          <a:xfrm>
+            <a:off x="457200" y="129498"/>
+            <a:ext cx="8229600" cy="1143000"/>
           </a:xfrm>
         </p:spPr>
         <p:txBody>
           <a:bodyPr/>
           <a:lstStyle/>
           <a:p>
-            <a:r>
-              <a:rPr lang="en-US" sz="6000" dirty="0" smtClean="0"/>
-              <a:t>runtime</a:t>
-            </a:r>
-            <a:endParaRPr lang="en-US" sz="6000" dirty="0"/>
+            <a:pPr algn="l"/>
+            <a:r>
+              <a:rPr lang="en-US" dirty="0" smtClean="0"/>
+              <a:t>Hog Platform Architecture</a:t>
+            </a:r>
+            <a:endParaRPr lang="en-US" dirty="0"/>
+          </a:p>
+        </p:txBody>
+      </p:sp>
+      <p:cxnSp>
+        <p:nvCxnSpPr>
+          <p:cNvPr id="6" name="Straight Arrow Connector 5"/>
+          <p:cNvCxnSpPr>
+            <a:stCxn id="55" idx="2"/>
+            <a:endCxn id="39" idx="2"/>
+          </p:cNvCxnSpPr>
+          <p:nvPr/>
+        </p:nvCxnSpPr>
+        <p:spPr>
+          <a:xfrm rot="5400000" flipH="1" flipV="1">
+            <a:off x="4971208" y="2955630"/>
+            <a:ext cx="25828" cy="3179539"/>
+          </a:xfrm>
+          <a:prstGeom prst="bentConnector3">
+            <a:avLst>
+              <a:gd name="adj1" fmla="val -885086"/>
+            </a:avLst>
+          </a:prstGeom>
+          <a:ln w="28575">
+            <a:solidFill>
+              <a:schemeClr val="tx1"/>
+            </a:solidFill>
+            <a:tailEnd type="arrow"/>
+          </a:ln>
+        </p:spPr>
+        <p:style>
+          <a:lnRef idx="1">
+            <a:schemeClr val="accent1"/>
+          </a:lnRef>
+          <a:fillRef idx="0">
+            <a:schemeClr val="accent1"/>
+          </a:fillRef>
+          <a:effectRef idx="0">
+            <a:schemeClr val="accent1"/>
+          </a:effectRef>
+          <a:fontRef idx="minor">
+            <a:schemeClr val="tx1"/>
+          </a:fontRef>
+        </p:style>
+      </p:cxnSp>
+      <p:sp>
+        <p:nvSpPr>
+          <p:cNvPr id="7" name="Rectangle 6"/>
+          <p:cNvSpPr/>
+          <p:nvPr/>
+        </p:nvSpPr>
+        <p:spPr>
+          <a:xfrm>
+            <a:off x="2327553" y="1447016"/>
+            <a:ext cx="2133600" cy="600372"/>
+          </a:xfrm>
+          <a:prstGeom prst="rect">
+            <a:avLst/>
+          </a:prstGeom>
+          <a:ln/>
+        </p:spPr>
+        <p:style>
+          <a:lnRef idx="1">
+            <a:schemeClr val="accent3"/>
+          </a:lnRef>
+          <a:fillRef idx="3">
+            <a:schemeClr val="accent3"/>
+          </a:fillRef>
+          <a:effectRef idx="2">
+            <a:schemeClr val="accent3"/>
+          </a:effectRef>
+          <a:fontRef idx="minor">
+            <a:schemeClr val="lt1"/>
+          </a:fontRef>
+        </p:style>
+        <p:txBody>
+          <a:bodyPr rtlCol="0" anchor="ctr"/>
+          <a:lstStyle/>
+          <a:p>
+            <a:pPr algn="ctr"/>
+            <a:r>
+              <a:rPr lang="en-US" sz="2000" b="1" dirty="0" smtClean="0">
+                <a:solidFill>
+                  <a:schemeClr val="bg1"/>
+                </a:solidFill>
+              </a:rPr>
+              <a:t>Hog Compiler</a:t>
+            </a:r>
+          </a:p>
+        </p:txBody>
+      </p:sp>
+      <p:grpSp>
+        <p:nvGrpSpPr>
+          <p:cNvPr id="10" name="Group 9"/>
+          <p:cNvGrpSpPr/>
+          <p:nvPr/>
+        </p:nvGrpSpPr>
+        <p:grpSpPr>
+          <a:xfrm>
+            <a:off x="6388153" y="3303126"/>
+            <a:ext cx="1578200" cy="1229360"/>
+            <a:chOff x="3333744" y="4311049"/>
+            <a:chExt cx="1578200" cy="838200"/>
+          </a:xfrm>
+        </p:grpSpPr>
+        <p:grpSp>
+          <p:nvGrpSpPr>
+            <p:cNvPr id="11" name="Group 10"/>
+            <p:cNvGrpSpPr/>
+            <p:nvPr/>
+          </p:nvGrpSpPr>
+          <p:grpSpPr>
+            <a:xfrm>
+              <a:off x="3333744" y="4311049"/>
+              <a:ext cx="371478" cy="838200"/>
+              <a:chOff x="3276600" y="5334000"/>
+              <a:chExt cx="457200" cy="990600"/>
+            </a:xfrm>
+          </p:grpSpPr>
+          <p:sp>
+            <p:nvSpPr>
+              <p:cNvPr id="39" name="Rounded Rectangle 38"/>
+              <p:cNvSpPr/>
+              <p:nvPr/>
+            </p:nvSpPr>
+            <p:spPr>
+              <a:xfrm>
+                <a:off x="3276600" y="5334000"/>
+                <a:ext cx="457200" cy="990600"/>
+              </a:xfrm>
+              <a:prstGeom prst="roundRect">
+                <a:avLst/>
+              </a:prstGeom>
+              <a:solidFill>
+                <a:schemeClr val="bg1">
+                  <a:lumMod val="75000"/>
+                </a:schemeClr>
+              </a:solidFill>
+              <a:ln>
+                <a:solidFill>
+                  <a:schemeClr val="tx1">
+                    <a:lumMod val="65000"/>
+                    <a:lumOff val="35000"/>
+                  </a:schemeClr>
+                </a:solidFill>
+              </a:ln>
+            </p:spPr>
+            <p:style>
+              <a:lnRef idx="2">
+                <a:schemeClr val="accent1">
+                  <a:shade val="50000"/>
+                </a:schemeClr>
+              </a:lnRef>
+              <a:fillRef idx="1">
+                <a:schemeClr val="accent1"/>
+              </a:fillRef>
+              <a:effectRef idx="0">
+                <a:schemeClr val="accent1"/>
+              </a:effectRef>
+              <a:fontRef idx="minor">
+                <a:schemeClr val="lt1"/>
+              </a:fontRef>
+            </p:style>
+            <p:txBody>
+              <a:bodyPr rtlCol="0" anchor="ctr"/>
+              <a:lstStyle/>
+              <a:p>
+                <a:pPr algn="ctr"/>
+                <a:endParaRPr lang="en-US" sz="2400"/>
+              </a:p>
+            </p:txBody>
+          </p:sp>
+          <p:sp>
+            <p:nvSpPr>
+              <p:cNvPr id="40" name="Rounded Rectangle 39"/>
+              <p:cNvSpPr/>
+              <p:nvPr/>
+            </p:nvSpPr>
+            <p:spPr>
+              <a:xfrm>
+                <a:off x="3362322" y="5771276"/>
+                <a:ext cx="295278" cy="56785"/>
+              </a:xfrm>
+              <a:prstGeom prst="roundRect">
+                <a:avLst/>
+              </a:prstGeom>
+              <a:gradFill flip="none" rotWithShape="1">
+                <a:gsLst>
+                  <a:gs pos="0">
+                    <a:schemeClr val="bg1">
+                      <a:lumMod val="75000"/>
+                      <a:shade val="30000"/>
+                      <a:satMod val="115000"/>
+                    </a:schemeClr>
+                  </a:gs>
+                  <a:gs pos="50000">
+                    <a:schemeClr val="bg1">
+                      <a:lumMod val="75000"/>
+                      <a:shade val="67500"/>
+                      <a:satMod val="115000"/>
+                    </a:schemeClr>
+                  </a:gs>
+                  <a:gs pos="100000">
+                    <a:schemeClr val="bg1">
+                      <a:lumMod val="75000"/>
+                      <a:shade val="100000"/>
+                      <a:satMod val="115000"/>
+                    </a:schemeClr>
+                  </a:gs>
+                </a:gsLst>
+                <a:lin ang="13500000" scaled="1"/>
+                <a:tileRect/>
+              </a:gradFill>
+              <a:ln w="12700">
+                <a:solidFill>
+                  <a:schemeClr val="tx1">
+                    <a:lumMod val="50000"/>
+                    <a:lumOff val="50000"/>
+                  </a:schemeClr>
+                </a:solidFill>
+              </a:ln>
+            </p:spPr>
+            <p:style>
+              <a:lnRef idx="2">
+                <a:schemeClr val="accent1">
+                  <a:shade val="50000"/>
+                </a:schemeClr>
+              </a:lnRef>
+              <a:fillRef idx="1">
+                <a:schemeClr val="accent1"/>
+              </a:fillRef>
+              <a:effectRef idx="0">
+                <a:schemeClr val="accent1"/>
+              </a:effectRef>
+              <a:fontRef idx="minor">
+                <a:schemeClr val="lt1"/>
+              </a:fontRef>
+            </p:style>
+            <p:txBody>
+              <a:bodyPr rtlCol="0" anchor="ctr"/>
+              <a:lstStyle/>
+              <a:p>
+                <a:pPr algn="ctr"/>
+                <a:endParaRPr lang="en-US" sz="2400"/>
+              </a:p>
+            </p:txBody>
+          </p:sp>
+          <p:sp>
+            <p:nvSpPr>
+              <p:cNvPr id="41" name="Rounded Rectangle 40"/>
+              <p:cNvSpPr/>
+              <p:nvPr/>
+            </p:nvSpPr>
+            <p:spPr>
+              <a:xfrm>
+                <a:off x="3362322" y="5669676"/>
+                <a:ext cx="295278" cy="56785"/>
+              </a:xfrm>
+              <a:prstGeom prst="roundRect">
+                <a:avLst/>
+              </a:prstGeom>
+              <a:gradFill flip="none" rotWithShape="1">
+                <a:gsLst>
+                  <a:gs pos="0">
+                    <a:schemeClr val="bg1">
+                      <a:lumMod val="75000"/>
+                      <a:shade val="30000"/>
+                      <a:satMod val="115000"/>
+                    </a:schemeClr>
+                  </a:gs>
+                  <a:gs pos="50000">
+                    <a:schemeClr val="bg1">
+                      <a:lumMod val="75000"/>
+                      <a:shade val="67500"/>
+                      <a:satMod val="115000"/>
+                    </a:schemeClr>
+                  </a:gs>
+                  <a:gs pos="100000">
+                    <a:schemeClr val="bg1">
+                      <a:lumMod val="75000"/>
+                      <a:shade val="100000"/>
+                      <a:satMod val="115000"/>
+                    </a:schemeClr>
+                  </a:gs>
+                </a:gsLst>
+                <a:lin ang="13500000" scaled="1"/>
+                <a:tileRect/>
+              </a:gradFill>
+              <a:ln w="12700">
+                <a:solidFill>
+                  <a:schemeClr val="tx1">
+                    <a:lumMod val="50000"/>
+                    <a:lumOff val="50000"/>
+                  </a:schemeClr>
+                </a:solidFill>
+              </a:ln>
+            </p:spPr>
+            <p:style>
+              <a:lnRef idx="2">
+                <a:schemeClr val="accent1">
+                  <a:shade val="50000"/>
+                </a:schemeClr>
+              </a:lnRef>
+              <a:fillRef idx="1">
+                <a:schemeClr val="accent1"/>
+              </a:fillRef>
+              <a:effectRef idx="0">
+                <a:schemeClr val="accent1"/>
+              </a:effectRef>
+              <a:fontRef idx="minor">
+                <a:schemeClr val="lt1"/>
+              </a:fontRef>
+            </p:style>
+            <p:txBody>
+              <a:bodyPr rtlCol="0" anchor="ctr"/>
+              <a:lstStyle/>
+              <a:p>
+                <a:pPr algn="ctr"/>
+                <a:endParaRPr lang="en-US" sz="2400"/>
+              </a:p>
+            </p:txBody>
+          </p:sp>
+          <p:sp>
+            <p:nvSpPr>
+              <p:cNvPr id="42" name="Rounded Rectangle 41"/>
+              <p:cNvSpPr/>
+              <p:nvPr/>
+            </p:nvSpPr>
+            <p:spPr>
+              <a:xfrm>
+                <a:off x="3362322" y="5568076"/>
+                <a:ext cx="295278" cy="56785"/>
+              </a:xfrm>
+              <a:prstGeom prst="roundRect">
+                <a:avLst/>
+              </a:prstGeom>
+              <a:gradFill flip="none" rotWithShape="1">
+                <a:gsLst>
+                  <a:gs pos="0">
+                    <a:schemeClr val="bg1">
+                      <a:lumMod val="75000"/>
+                      <a:shade val="30000"/>
+                      <a:satMod val="115000"/>
+                    </a:schemeClr>
+                  </a:gs>
+                  <a:gs pos="50000">
+                    <a:schemeClr val="bg1">
+                      <a:lumMod val="75000"/>
+                      <a:shade val="67500"/>
+                      <a:satMod val="115000"/>
+                    </a:schemeClr>
+                  </a:gs>
+                  <a:gs pos="100000">
+                    <a:schemeClr val="bg1">
+                      <a:lumMod val="75000"/>
+                      <a:shade val="100000"/>
+                      <a:satMod val="115000"/>
+                    </a:schemeClr>
+                  </a:gs>
+                </a:gsLst>
+                <a:lin ang="13500000" scaled="1"/>
+                <a:tileRect/>
+              </a:gradFill>
+              <a:ln w="12700">
+                <a:solidFill>
+                  <a:schemeClr val="tx1">
+                    <a:lumMod val="50000"/>
+                    <a:lumOff val="50000"/>
+                  </a:schemeClr>
+                </a:solidFill>
+              </a:ln>
+            </p:spPr>
+            <p:style>
+              <a:lnRef idx="2">
+                <a:schemeClr val="accent1">
+                  <a:shade val="50000"/>
+                </a:schemeClr>
+              </a:lnRef>
+              <a:fillRef idx="1">
+                <a:schemeClr val="accent1"/>
+              </a:fillRef>
+              <a:effectRef idx="0">
+                <a:schemeClr val="accent1"/>
+              </a:effectRef>
+              <a:fontRef idx="minor">
+                <a:schemeClr val="lt1"/>
+              </a:fontRef>
+            </p:style>
+            <p:txBody>
+              <a:bodyPr rtlCol="0" anchor="ctr"/>
+              <a:lstStyle/>
+              <a:p>
+                <a:pPr algn="ctr"/>
+                <a:endParaRPr lang="en-US" sz="2400"/>
+              </a:p>
+            </p:txBody>
+          </p:sp>
+          <p:sp>
+            <p:nvSpPr>
+              <p:cNvPr id="43" name="Rounded Rectangle 42"/>
+              <p:cNvSpPr/>
+              <p:nvPr/>
+            </p:nvSpPr>
+            <p:spPr>
+              <a:xfrm>
+                <a:off x="3362322" y="5466476"/>
+                <a:ext cx="295278" cy="56785"/>
+              </a:xfrm>
+              <a:prstGeom prst="roundRect">
+                <a:avLst/>
+              </a:prstGeom>
+              <a:gradFill flip="none" rotWithShape="1">
+                <a:gsLst>
+                  <a:gs pos="0">
+                    <a:schemeClr val="bg1">
+                      <a:lumMod val="75000"/>
+                      <a:shade val="30000"/>
+                      <a:satMod val="115000"/>
+                    </a:schemeClr>
+                  </a:gs>
+                  <a:gs pos="50000">
+                    <a:schemeClr val="bg1">
+                      <a:lumMod val="75000"/>
+                      <a:shade val="67500"/>
+                      <a:satMod val="115000"/>
+                    </a:schemeClr>
+                  </a:gs>
+                  <a:gs pos="100000">
+                    <a:schemeClr val="bg1">
+                      <a:lumMod val="75000"/>
+                      <a:shade val="100000"/>
+                      <a:satMod val="115000"/>
+                    </a:schemeClr>
+                  </a:gs>
+                </a:gsLst>
+                <a:lin ang="13500000" scaled="1"/>
+                <a:tileRect/>
+              </a:gradFill>
+              <a:ln w="12700">
+                <a:solidFill>
+                  <a:schemeClr val="tx1">
+                    <a:lumMod val="50000"/>
+                    <a:lumOff val="50000"/>
+                  </a:schemeClr>
+                </a:solidFill>
+              </a:ln>
+            </p:spPr>
+            <p:style>
+              <a:lnRef idx="2">
+                <a:schemeClr val="accent1">
+                  <a:shade val="50000"/>
+                </a:schemeClr>
+              </a:lnRef>
+              <a:fillRef idx="1">
+                <a:schemeClr val="accent1"/>
+              </a:fillRef>
+              <a:effectRef idx="0">
+                <a:schemeClr val="accent1"/>
+              </a:effectRef>
+              <a:fontRef idx="minor">
+                <a:schemeClr val="lt1"/>
+              </a:fontRef>
+            </p:style>
+            <p:txBody>
+              <a:bodyPr rtlCol="0" anchor="ctr"/>
+              <a:lstStyle/>
+              <a:p>
+                <a:pPr algn="ctr"/>
+                <a:endParaRPr lang="en-US" sz="2400"/>
+              </a:p>
+            </p:txBody>
+          </p:sp>
+          <p:sp>
+            <p:nvSpPr>
+              <p:cNvPr id="44" name="Oval 43"/>
+              <p:cNvSpPr/>
+              <p:nvPr/>
+            </p:nvSpPr>
+            <p:spPr>
+              <a:xfrm flipH="1">
+                <a:off x="3568066" y="5913116"/>
+                <a:ext cx="73152" cy="73152"/>
+              </a:xfrm>
+              <a:prstGeom prst="ellipse">
+                <a:avLst/>
+              </a:prstGeom>
+              <a:gradFill flip="none" rotWithShape="1">
+                <a:gsLst>
+                  <a:gs pos="0">
+                    <a:srgbClr val="00A4E8">
+                      <a:shade val="30000"/>
+                      <a:satMod val="115000"/>
+                    </a:srgbClr>
+                  </a:gs>
+                  <a:gs pos="50000">
+                    <a:srgbClr val="00A4E8">
+                      <a:shade val="67500"/>
+                      <a:satMod val="115000"/>
+                    </a:srgbClr>
+                  </a:gs>
+                  <a:gs pos="100000">
+                    <a:srgbClr val="00A4E8">
+                      <a:shade val="100000"/>
+                      <a:satMod val="115000"/>
+                    </a:srgbClr>
+                  </a:gs>
+                </a:gsLst>
+                <a:path path="circle">
+                  <a:fillToRect t="100000" r="100000"/>
+                </a:path>
+                <a:tileRect l="-100000" b="-100000"/>
+              </a:gradFill>
+              <a:ln w="6350">
+                <a:solidFill>
+                  <a:schemeClr val="bg1"/>
+                </a:solidFill>
+              </a:ln>
+            </p:spPr>
+            <p:style>
+              <a:lnRef idx="2">
+                <a:schemeClr val="accent1">
+                  <a:shade val="50000"/>
+                </a:schemeClr>
+              </a:lnRef>
+              <a:fillRef idx="1">
+                <a:schemeClr val="accent1"/>
+              </a:fillRef>
+              <a:effectRef idx="0">
+                <a:schemeClr val="accent1"/>
+              </a:effectRef>
+              <a:fontRef idx="minor">
+                <a:schemeClr val="lt1"/>
+              </a:fontRef>
+            </p:style>
+            <p:txBody>
+              <a:bodyPr rtlCol="0" anchor="ctr"/>
+              <a:lstStyle/>
+              <a:p>
+                <a:pPr algn="ctr"/>
+                <a:endParaRPr lang="en-US" sz="2400"/>
+              </a:p>
+            </p:txBody>
+          </p:sp>
+          <p:sp>
+            <p:nvSpPr>
+              <p:cNvPr id="45" name="Rounded Rectangle 44"/>
+              <p:cNvSpPr/>
+              <p:nvPr/>
+            </p:nvSpPr>
+            <p:spPr>
+              <a:xfrm>
+                <a:off x="3569779" y="6024117"/>
+                <a:ext cx="71439" cy="18288"/>
+              </a:xfrm>
+              <a:prstGeom prst="roundRect">
+                <a:avLst/>
+              </a:prstGeom>
+              <a:solidFill>
+                <a:schemeClr val="bg1">
+                  <a:lumMod val="50000"/>
+                </a:schemeClr>
+              </a:solidFill>
+              <a:ln w="12700">
+                <a:solidFill>
+                  <a:schemeClr val="tx1">
+                    <a:lumMod val="50000"/>
+                    <a:lumOff val="50000"/>
+                  </a:schemeClr>
+                </a:solidFill>
+              </a:ln>
+            </p:spPr>
+            <p:style>
+              <a:lnRef idx="2">
+                <a:schemeClr val="accent1">
+                  <a:shade val="50000"/>
+                </a:schemeClr>
+              </a:lnRef>
+              <a:fillRef idx="1">
+                <a:schemeClr val="accent1"/>
+              </a:fillRef>
+              <a:effectRef idx="0">
+                <a:schemeClr val="accent1"/>
+              </a:effectRef>
+              <a:fontRef idx="minor">
+                <a:schemeClr val="lt1"/>
+              </a:fontRef>
+            </p:style>
+            <p:txBody>
+              <a:bodyPr rtlCol="0" anchor="ctr"/>
+              <a:lstStyle/>
+              <a:p>
+                <a:pPr algn="ctr"/>
+                <a:endParaRPr lang="en-US" sz="2400"/>
+              </a:p>
+            </p:txBody>
+          </p:sp>
+          <p:sp>
+            <p:nvSpPr>
+              <p:cNvPr id="46" name="Rounded Rectangle 45"/>
+              <p:cNvSpPr/>
+              <p:nvPr/>
+            </p:nvSpPr>
+            <p:spPr>
+              <a:xfrm>
+                <a:off x="3569779" y="6069372"/>
+                <a:ext cx="71439" cy="18288"/>
+              </a:xfrm>
+              <a:prstGeom prst="roundRect">
+                <a:avLst/>
+              </a:prstGeom>
+              <a:solidFill>
+                <a:schemeClr val="bg1">
+                  <a:lumMod val="50000"/>
+                </a:schemeClr>
+              </a:solidFill>
+              <a:ln w="12700">
+                <a:solidFill>
+                  <a:schemeClr val="tx1">
+                    <a:lumMod val="50000"/>
+                    <a:lumOff val="50000"/>
+                  </a:schemeClr>
+                </a:solidFill>
+              </a:ln>
+            </p:spPr>
+            <p:style>
+              <a:lnRef idx="2">
+                <a:schemeClr val="accent1">
+                  <a:shade val="50000"/>
+                </a:schemeClr>
+              </a:lnRef>
+              <a:fillRef idx="1">
+                <a:schemeClr val="accent1"/>
+              </a:fillRef>
+              <a:effectRef idx="0">
+                <a:schemeClr val="accent1"/>
+              </a:effectRef>
+              <a:fontRef idx="minor">
+                <a:schemeClr val="lt1"/>
+              </a:fontRef>
+            </p:style>
+            <p:txBody>
+              <a:bodyPr rtlCol="0" anchor="ctr"/>
+              <a:lstStyle/>
+              <a:p>
+                <a:pPr algn="ctr"/>
+                <a:endParaRPr lang="en-US" sz="2400"/>
+              </a:p>
+            </p:txBody>
+          </p:sp>
+        </p:grpSp>
+        <p:grpSp>
+          <p:nvGrpSpPr>
+            <p:cNvPr id="12" name="Group 11"/>
+            <p:cNvGrpSpPr/>
+            <p:nvPr/>
+          </p:nvGrpSpPr>
+          <p:grpSpPr>
+            <a:xfrm>
+              <a:off x="3735985" y="4311049"/>
+              <a:ext cx="371478" cy="838200"/>
+              <a:chOff x="3276600" y="5334000"/>
+              <a:chExt cx="457200" cy="990600"/>
+            </a:xfrm>
+          </p:grpSpPr>
+          <p:sp>
+            <p:nvSpPr>
+              <p:cNvPr id="31" name="Rounded Rectangle 30"/>
+              <p:cNvSpPr/>
+              <p:nvPr/>
+            </p:nvSpPr>
+            <p:spPr>
+              <a:xfrm>
+                <a:off x="3276600" y="5334000"/>
+                <a:ext cx="457200" cy="990600"/>
+              </a:xfrm>
+              <a:prstGeom prst="roundRect">
+                <a:avLst/>
+              </a:prstGeom>
+              <a:solidFill>
+                <a:schemeClr val="bg1">
+                  <a:lumMod val="75000"/>
+                </a:schemeClr>
+              </a:solidFill>
+              <a:ln>
+                <a:solidFill>
+                  <a:schemeClr val="tx1">
+                    <a:lumMod val="65000"/>
+                    <a:lumOff val="35000"/>
+                  </a:schemeClr>
+                </a:solidFill>
+              </a:ln>
+            </p:spPr>
+            <p:style>
+              <a:lnRef idx="2">
+                <a:schemeClr val="accent1">
+                  <a:shade val="50000"/>
+                </a:schemeClr>
+              </a:lnRef>
+              <a:fillRef idx="1">
+                <a:schemeClr val="accent1"/>
+              </a:fillRef>
+              <a:effectRef idx="0">
+                <a:schemeClr val="accent1"/>
+              </a:effectRef>
+              <a:fontRef idx="minor">
+                <a:schemeClr val="lt1"/>
+              </a:fontRef>
+            </p:style>
+            <p:txBody>
+              <a:bodyPr rtlCol="0" anchor="ctr"/>
+              <a:lstStyle/>
+              <a:p>
+                <a:pPr algn="ctr"/>
+                <a:endParaRPr lang="en-US" sz="2400"/>
+              </a:p>
+            </p:txBody>
+          </p:sp>
+          <p:sp>
+            <p:nvSpPr>
+              <p:cNvPr id="32" name="Rounded Rectangle 31"/>
+              <p:cNvSpPr/>
+              <p:nvPr/>
+            </p:nvSpPr>
+            <p:spPr>
+              <a:xfrm>
+                <a:off x="3362322" y="5771276"/>
+                <a:ext cx="295278" cy="56785"/>
+              </a:xfrm>
+              <a:prstGeom prst="roundRect">
+                <a:avLst/>
+              </a:prstGeom>
+              <a:gradFill flip="none" rotWithShape="1">
+                <a:gsLst>
+                  <a:gs pos="0">
+                    <a:schemeClr val="bg1">
+                      <a:lumMod val="75000"/>
+                      <a:shade val="30000"/>
+                      <a:satMod val="115000"/>
+                    </a:schemeClr>
+                  </a:gs>
+                  <a:gs pos="50000">
+                    <a:schemeClr val="bg1">
+                      <a:lumMod val="75000"/>
+                      <a:shade val="67500"/>
+                      <a:satMod val="115000"/>
+                    </a:schemeClr>
+                  </a:gs>
+                  <a:gs pos="100000">
+                    <a:schemeClr val="bg1">
+                      <a:lumMod val="75000"/>
+                      <a:shade val="100000"/>
+                      <a:satMod val="115000"/>
+                    </a:schemeClr>
+                  </a:gs>
+                </a:gsLst>
+                <a:lin ang="13500000" scaled="1"/>
+                <a:tileRect/>
+              </a:gradFill>
+              <a:ln w="12700">
+                <a:solidFill>
+                  <a:schemeClr val="tx1">
+                    <a:lumMod val="50000"/>
+                    <a:lumOff val="50000"/>
+                  </a:schemeClr>
+                </a:solidFill>
+              </a:ln>
+            </p:spPr>
+            <p:style>
+              <a:lnRef idx="2">
+                <a:schemeClr val="accent1">
+                  <a:shade val="50000"/>
+                </a:schemeClr>
+              </a:lnRef>
+              <a:fillRef idx="1">
+                <a:schemeClr val="accent1"/>
+              </a:fillRef>
+              <a:effectRef idx="0">
+                <a:schemeClr val="accent1"/>
+              </a:effectRef>
+              <a:fontRef idx="minor">
+                <a:schemeClr val="lt1"/>
+              </a:fontRef>
+            </p:style>
+            <p:txBody>
+              <a:bodyPr rtlCol="0" anchor="ctr"/>
+              <a:lstStyle/>
+              <a:p>
+                <a:pPr algn="ctr"/>
+                <a:endParaRPr lang="en-US" sz="2400"/>
+              </a:p>
+            </p:txBody>
+          </p:sp>
+          <p:sp>
+            <p:nvSpPr>
+              <p:cNvPr id="33" name="Rounded Rectangle 32"/>
+              <p:cNvSpPr/>
+              <p:nvPr/>
+            </p:nvSpPr>
+            <p:spPr>
+              <a:xfrm>
+                <a:off x="3362322" y="5669676"/>
+                <a:ext cx="295278" cy="56785"/>
+              </a:xfrm>
+              <a:prstGeom prst="roundRect">
+                <a:avLst/>
+              </a:prstGeom>
+              <a:gradFill flip="none" rotWithShape="1">
+                <a:gsLst>
+                  <a:gs pos="0">
+                    <a:schemeClr val="bg1">
+                      <a:lumMod val="75000"/>
+                      <a:shade val="30000"/>
+                      <a:satMod val="115000"/>
+                    </a:schemeClr>
+                  </a:gs>
+                  <a:gs pos="50000">
+                    <a:schemeClr val="bg1">
+                      <a:lumMod val="75000"/>
+                      <a:shade val="67500"/>
+                      <a:satMod val="115000"/>
+                    </a:schemeClr>
+                  </a:gs>
+                  <a:gs pos="100000">
+                    <a:schemeClr val="bg1">
+                      <a:lumMod val="75000"/>
+                      <a:shade val="100000"/>
+                      <a:satMod val="115000"/>
+                    </a:schemeClr>
+                  </a:gs>
+                </a:gsLst>
+                <a:lin ang="13500000" scaled="1"/>
+                <a:tileRect/>
+              </a:gradFill>
+              <a:ln w="12700">
+                <a:solidFill>
+                  <a:schemeClr val="tx1">
+                    <a:lumMod val="50000"/>
+                    <a:lumOff val="50000"/>
+                  </a:schemeClr>
+                </a:solidFill>
+              </a:ln>
+            </p:spPr>
+            <p:style>
+              <a:lnRef idx="2">
+                <a:schemeClr val="accent1">
+                  <a:shade val="50000"/>
+                </a:schemeClr>
+              </a:lnRef>
+              <a:fillRef idx="1">
+                <a:schemeClr val="accent1"/>
+              </a:fillRef>
+              <a:effectRef idx="0">
+                <a:schemeClr val="accent1"/>
+              </a:effectRef>
+              <a:fontRef idx="minor">
+                <a:schemeClr val="lt1"/>
+              </a:fontRef>
+            </p:style>
+            <p:txBody>
+              <a:bodyPr rtlCol="0" anchor="ctr"/>
+              <a:lstStyle/>
+              <a:p>
+                <a:pPr algn="ctr"/>
+                <a:endParaRPr lang="en-US" sz="2400"/>
+              </a:p>
+            </p:txBody>
+          </p:sp>
+          <p:sp>
+            <p:nvSpPr>
+              <p:cNvPr id="34" name="Rounded Rectangle 33"/>
+              <p:cNvSpPr/>
+              <p:nvPr/>
+            </p:nvSpPr>
+            <p:spPr>
+              <a:xfrm>
+                <a:off x="3362322" y="5568076"/>
+                <a:ext cx="295278" cy="56785"/>
+              </a:xfrm>
+              <a:prstGeom prst="roundRect">
+                <a:avLst/>
+              </a:prstGeom>
+              <a:gradFill flip="none" rotWithShape="1">
+                <a:gsLst>
+                  <a:gs pos="0">
+                    <a:schemeClr val="bg1">
+                      <a:lumMod val="75000"/>
+                      <a:shade val="30000"/>
+                      <a:satMod val="115000"/>
+                    </a:schemeClr>
+                  </a:gs>
+                  <a:gs pos="50000">
+                    <a:schemeClr val="bg1">
+                      <a:lumMod val="75000"/>
+                      <a:shade val="67500"/>
+                      <a:satMod val="115000"/>
+                    </a:schemeClr>
+                  </a:gs>
+                  <a:gs pos="100000">
+                    <a:schemeClr val="bg1">
+                      <a:lumMod val="75000"/>
+                      <a:shade val="100000"/>
+                      <a:satMod val="115000"/>
+                    </a:schemeClr>
+                  </a:gs>
+                </a:gsLst>
+                <a:lin ang="13500000" scaled="1"/>
+                <a:tileRect/>
+              </a:gradFill>
+              <a:ln w="12700">
+                <a:solidFill>
+                  <a:schemeClr val="tx1">
+                    <a:lumMod val="50000"/>
+                    <a:lumOff val="50000"/>
+                  </a:schemeClr>
+                </a:solidFill>
+              </a:ln>
+            </p:spPr>
+            <p:style>
+              <a:lnRef idx="2">
+                <a:schemeClr val="accent1">
+                  <a:shade val="50000"/>
+                </a:schemeClr>
+              </a:lnRef>
+              <a:fillRef idx="1">
+                <a:schemeClr val="accent1"/>
+              </a:fillRef>
+              <a:effectRef idx="0">
+                <a:schemeClr val="accent1"/>
+              </a:effectRef>
+              <a:fontRef idx="minor">
+                <a:schemeClr val="lt1"/>
+              </a:fontRef>
+            </p:style>
+            <p:txBody>
+              <a:bodyPr rtlCol="0" anchor="ctr"/>
+              <a:lstStyle/>
+              <a:p>
+                <a:pPr algn="ctr"/>
+                <a:endParaRPr lang="en-US" sz="2400"/>
+              </a:p>
+            </p:txBody>
+          </p:sp>
+          <p:sp>
+            <p:nvSpPr>
+              <p:cNvPr id="35" name="Rounded Rectangle 34"/>
+              <p:cNvSpPr/>
+              <p:nvPr/>
+            </p:nvSpPr>
+            <p:spPr>
+              <a:xfrm>
+                <a:off x="3362322" y="5466476"/>
+                <a:ext cx="295278" cy="56785"/>
+              </a:xfrm>
+              <a:prstGeom prst="roundRect">
+                <a:avLst/>
+              </a:prstGeom>
+              <a:gradFill flip="none" rotWithShape="1">
+                <a:gsLst>
+                  <a:gs pos="0">
+                    <a:schemeClr val="bg1">
+                      <a:lumMod val="75000"/>
+                      <a:shade val="30000"/>
+                      <a:satMod val="115000"/>
+                    </a:schemeClr>
+                  </a:gs>
+                  <a:gs pos="50000">
+                    <a:schemeClr val="bg1">
+                      <a:lumMod val="75000"/>
+                      <a:shade val="67500"/>
+                      <a:satMod val="115000"/>
+                    </a:schemeClr>
+                  </a:gs>
+                  <a:gs pos="100000">
+                    <a:schemeClr val="bg1">
+                      <a:lumMod val="75000"/>
+                      <a:shade val="100000"/>
+                      <a:satMod val="115000"/>
+                    </a:schemeClr>
+                  </a:gs>
+                </a:gsLst>
+                <a:lin ang="13500000" scaled="1"/>
+                <a:tileRect/>
+              </a:gradFill>
+              <a:ln w="12700">
+                <a:solidFill>
+                  <a:schemeClr val="tx1">
+                    <a:lumMod val="50000"/>
+                    <a:lumOff val="50000"/>
+                  </a:schemeClr>
+                </a:solidFill>
+              </a:ln>
+            </p:spPr>
+            <p:style>
+              <a:lnRef idx="2">
+                <a:schemeClr val="accent1">
+                  <a:shade val="50000"/>
+                </a:schemeClr>
+              </a:lnRef>
+              <a:fillRef idx="1">
+                <a:schemeClr val="accent1"/>
+              </a:fillRef>
+              <a:effectRef idx="0">
+                <a:schemeClr val="accent1"/>
+              </a:effectRef>
+              <a:fontRef idx="minor">
+                <a:schemeClr val="lt1"/>
+              </a:fontRef>
+            </p:style>
+            <p:txBody>
+              <a:bodyPr rtlCol="0" anchor="ctr"/>
+              <a:lstStyle/>
+              <a:p>
+                <a:pPr algn="ctr"/>
+                <a:endParaRPr lang="en-US" sz="2400"/>
+              </a:p>
+            </p:txBody>
+          </p:sp>
+          <p:sp>
+            <p:nvSpPr>
+              <p:cNvPr id="36" name="Oval 35"/>
+              <p:cNvSpPr/>
+              <p:nvPr/>
+            </p:nvSpPr>
+            <p:spPr>
+              <a:xfrm flipH="1">
+                <a:off x="3568066" y="5913116"/>
+                <a:ext cx="73152" cy="73152"/>
+              </a:xfrm>
+              <a:prstGeom prst="ellipse">
+                <a:avLst/>
+              </a:prstGeom>
+              <a:gradFill flip="none" rotWithShape="1">
+                <a:gsLst>
+                  <a:gs pos="0">
+                    <a:srgbClr val="00A4E8">
+                      <a:shade val="30000"/>
+                      <a:satMod val="115000"/>
+                    </a:srgbClr>
+                  </a:gs>
+                  <a:gs pos="50000">
+                    <a:srgbClr val="00A4E8">
+                      <a:shade val="67500"/>
+                      <a:satMod val="115000"/>
+                    </a:srgbClr>
+                  </a:gs>
+                  <a:gs pos="100000">
+                    <a:srgbClr val="00A4E8">
+                      <a:shade val="100000"/>
+                      <a:satMod val="115000"/>
+                    </a:srgbClr>
+                  </a:gs>
+                </a:gsLst>
+                <a:path path="circle">
+                  <a:fillToRect t="100000" r="100000"/>
+                </a:path>
+                <a:tileRect l="-100000" b="-100000"/>
+              </a:gradFill>
+              <a:ln w="6350">
+                <a:solidFill>
+                  <a:schemeClr val="bg1"/>
+                </a:solidFill>
+              </a:ln>
+            </p:spPr>
+            <p:style>
+              <a:lnRef idx="2">
+                <a:schemeClr val="accent1">
+                  <a:shade val="50000"/>
+                </a:schemeClr>
+              </a:lnRef>
+              <a:fillRef idx="1">
+                <a:schemeClr val="accent1"/>
+              </a:fillRef>
+              <a:effectRef idx="0">
+                <a:schemeClr val="accent1"/>
+              </a:effectRef>
+              <a:fontRef idx="minor">
+                <a:schemeClr val="lt1"/>
+              </a:fontRef>
+            </p:style>
+            <p:txBody>
+              <a:bodyPr rtlCol="0" anchor="ctr"/>
+              <a:lstStyle/>
+              <a:p>
+                <a:pPr algn="ctr"/>
+                <a:endParaRPr lang="en-US" sz="2400"/>
+              </a:p>
+            </p:txBody>
+          </p:sp>
+          <p:sp>
+            <p:nvSpPr>
+              <p:cNvPr id="37" name="Rounded Rectangle 36"/>
+              <p:cNvSpPr/>
+              <p:nvPr/>
+            </p:nvSpPr>
+            <p:spPr>
+              <a:xfrm>
+                <a:off x="3569779" y="6024117"/>
+                <a:ext cx="71439" cy="18288"/>
+              </a:xfrm>
+              <a:prstGeom prst="roundRect">
+                <a:avLst/>
+              </a:prstGeom>
+              <a:solidFill>
+                <a:schemeClr val="bg1">
+                  <a:lumMod val="50000"/>
+                </a:schemeClr>
+              </a:solidFill>
+              <a:ln w="12700">
+                <a:solidFill>
+                  <a:schemeClr val="tx1">
+                    <a:lumMod val="50000"/>
+                    <a:lumOff val="50000"/>
+                  </a:schemeClr>
+                </a:solidFill>
+              </a:ln>
+            </p:spPr>
+            <p:style>
+              <a:lnRef idx="2">
+                <a:schemeClr val="accent1">
+                  <a:shade val="50000"/>
+                </a:schemeClr>
+              </a:lnRef>
+              <a:fillRef idx="1">
+                <a:schemeClr val="accent1"/>
+              </a:fillRef>
+              <a:effectRef idx="0">
+                <a:schemeClr val="accent1"/>
+              </a:effectRef>
+              <a:fontRef idx="minor">
+                <a:schemeClr val="lt1"/>
+              </a:fontRef>
+            </p:style>
+            <p:txBody>
+              <a:bodyPr rtlCol="0" anchor="ctr"/>
+              <a:lstStyle/>
+              <a:p>
+                <a:pPr algn="ctr"/>
+                <a:endParaRPr lang="en-US" sz="2400"/>
+              </a:p>
+            </p:txBody>
+          </p:sp>
+          <p:sp>
+            <p:nvSpPr>
+              <p:cNvPr id="38" name="Rounded Rectangle 37"/>
+              <p:cNvSpPr/>
+              <p:nvPr/>
+            </p:nvSpPr>
+            <p:spPr>
+              <a:xfrm>
+                <a:off x="3569779" y="6069372"/>
+                <a:ext cx="71439" cy="18288"/>
+              </a:xfrm>
+              <a:prstGeom prst="roundRect">
+                <a:avLst/>
+              </a:prstGeom>
+              <a:solidFill>
+                <a:schemeClr val="bg1">
+                  <a:lumMod val="50000"/>
+                </a:schemeClr>
+              </a:solidFill>
+              <a:ln w="12700">
+                <a:solidFill>
+                  <a:schemeClr val="tx1">
+                    <a:lumMod val="50000"/>
+                    <a:lumOff val="50000"/>
+                  </a:schemeClr>
+                </a:solidFill>
+              </a:ln>
+            </p:spPr>
+            <p:style>
+              <a:lnRef idx="2">
+                <a:schemeClr val="accent1">
+                  <a:shade val="50000"/>
+                </a:schemeClr>
+              </a:lnRef>
+              <a:fillRef idx="1">
+                <a:schemeClr val="accent1"/>
+              </a:fillRef>
+              <a:effectRef idx="0">
+                <a:schemeClr val="accent1"/>
+              </a:effectRef>
+              <a:fontRef idx="minor">
+                <a:schemeClr val="lt1"/>
+              </a:fontRef>
+            </p:style>
+            <p:txBody>
+              <a:bodyPr rtlCol="0" anchor="ctr"/>
+              <a:lstStyle/>
+              <a:p>
+                <a:pPr algn="ctr"/>
+                <a:endParaRPr lang="en-US" sz="2400"/>
+              </a:p>
+            </p:txBody>
+          </p:sp>
+        </p:grpSp>
+        <p:grpSp>
+          <p:nvGrpSpPr>
+            <p:cNvPr id="13" name="Group 12"/>
+            <p:cNvGrpSpPr/>
+            <p:nvPr/>
+          </p:nvGrpSpPr>
+          <p:grpSpPr>
+            <a:xfrm>
+              <a:off x="4138226" y="4311049"/>
+              <a:ext cx="371478" cy="838200"/>
+              <a:chOff x="3276600" y="5334000"/>
+              <a:chExt cx="457200" cy="990600"/>
+            </a:xfrm>
+          </p:grpSpPr>
+          <p:sp>
+            <p:nvSpPr>
+              <p:cNvPr id="23" name="Rounded Rectangle 22"/>
+              <p:cNvSpPr/>
+              <p:nvPr/>
+            </p:nvSpPr>
+            <p:spPr>
+              <a:xfrm>
+                <a:off x="3276600" y="5334000"/>
+                <a:ext cx="457200" cy="990600"/>
+              </a:xfrm>
+              <a:prstGeom prst="roundRect">
+                <a:avLst/>
+              </a:prstGeom>
+              <a:solidFill>
+                <a:schemeClr val="bg1">
+                  <a:lumMod val="75000"/>
+                </a:schemeClr>
+              </a:solidFill>
+              <a:ln>
+                <a:solidFill>
+                  <a:schemeClr val="tx1">
+                    <a:lumMod val="65000"/>
+                    <a:lumOff val="35000"/>
+                  </a:schemeClr>
+                </a:solidFill>
+              </a:ln>
+            </p:spPr>
+            <p:style>
+              <a:lnRef idx="2">
+                <a:schemeClr val="accent1">
+                  <a:shade val="50000"/>
+                </a:schemeClr>
+              </a:lnRef>
+              <a:fillRef idx="1">
+                <a:schemeClr val="accent1"/>
+              </a:fillRef>
+              <a:effectRef idx="0">
+                <a:schemeClr val="accent1"/>
+              </a:effectRef>
+              <a:fontRef idx="minor">
+                <a:schemeClr val="lt1"/>
+              </a:fontRef>
+            </p:style>
+            <p:txBody>
+              <a:bodyPr rtlCol="0" anchor="ctr"/>
+              <a:lstStyle/>
+              <a:p>
+                <a:pPr algn="ctr"/>
+                <a:endParaRPr lang="en-US" sz="2400"/>
+              </a:p>
+            </p:txBody>
+          </p:sp>
+          <p:sp>
+            <p:nvSpPr>
+              <p:cNvPr id="24" name="Rounded Rectangle 23"/>
+              <p:cNvSpPr/>
+              <p:nvPr/>
+            </p:nvSpPr>
+            <p:spPr>
+              <a:xfrm>
+                <a:off x="3362322" y="5771276"/>
+                <a:ext cx="295278" cy="56785"/>
+              </a:xfrm>
+              <a:prstGeom prst="roundRect">
+                <a:avLst/>
+              </a:prstGeom>
+              <a:gradFill flip="none" rotWithShape="1">
+                <a:gsLst>
+                  <a:gs pos="0">
+                    <a:schemeClr val="bg1">
+                      <a:lumMod val="75000"/>
+                      <a:shade val="30000"/>
+                      <a:satMod val="115000"/>
+                    </a:schemeClr>
+                  </a:gs>
+                  <a:gs pos="50000">
+                    <a:schemeClr val="bg1">
+                      <a:lumMod val="75000"/>
+                      <a:shade val="67500"/>
+                      <a:satMod val="115000"/>
+                    </a:schemeClr>
+                  </a:gs>
+                  <a:gs pos="100000">
+                    <a:schemeClr val="bg1">
+                      <a:lumMod val="75000"/>
+                      <a:shade val="100000"/>
+                      <a:satMod val="115000"/>
+                    </a:schemeClr>
+                  </a:gs>
+                </a:gsLst>
+                <a:lin ang="13500000" scaled="1"/>
+                <a:tileRect/>
+              </a:gradFill>
+              <a:ln w="12700">
+                <a:solidFill>
+                  <a:schemeClr val="tx1">
+                    <a:lumMod val="50000"/>
+                    <a:lumOff val="50000"/>
+                  </a:schemeClr>
+                </a:solidFill>
+              </a:ln>
+            </p:spPr>
+            <p:style>
+              <a:lnRef idx="2">
+                <a:schemeClr val="accent1">
+                  <a:shade val="50000"/>
+                </a:schemeClr>
+              </a:lnRef>
+              <a:fillRef idx="1">
+                <a:schemeClr val="accent1"/>
+              </a:fillRef>
+              <a:effectRef idx="0">
+                <a:schemeClr val="accent1"/>
+              </a:effectRef>
+              <a:fontRef idx="minor">
+                <a:schemeClr val="lt1"/>
+              </a:fontRef>
+            </p:style>
+            <p:txBody>
+              <a:bodyPr rtlCol="0" anchor="ctr"/>
+              <a:lstStyle/>
+              <a:p>
+                <a:pPr algn="ctr"/>
+                <a:endParaRPr lang="en-US" sz="2400"/>
+              </a:p>
+            </p:txBody>
+          </p:sp>
+          <p:sp>
+            <p:nvSpPr>
+              <p:cNvPr id="25" name="Rounded Rectangle 24"/>
+              <p:cNvSpPr/>
+              <p:nvPr/>
+            </p:nvSpPr>
+            <p:spPr>
+              <a:xfrm>
+                <a:off x="3362322" y="5669676"/>
+                <a:ext cx="295278" cy="56785"/>
+              </a:xfrm>
+              <a:prstGeom prst="roundRect">
+                <a:avLst/>
+              </a:prstGeom>
+              <a:gradFill flip="none" rotWithShape="1">
+                <a:gsLst>
+                  <a:gs pos="0">
+                    <a:schemeClr val="bg1">
+                      <a:lumMod val="75000"/>
+                      <a:shade val="30000"/>
+                      <a:satMod val="115000"/>
+                    </a:schemeClr>
+                  </a:gs>
+                  <a:gs pos="50000">
+                    <a:schemeClr val="bg1">
+                      <a:lumMod val="75000"/>
+                      <a:shade val="67500"/>
+                      <a:satMod val="115000"/>
+                    </a:schemeClr>
+                  </a:gs>
+                  <a:gs pos="100000">
+                    <a:schemeClr val="bg1">
+                      <a:lumMod val="75000"/>
+                      <a:shade val="100000"/>
+                      <a:satMod val="115000"/>
+                    </a:schemeClr>
+                  </a:gs>
+                </a:gsLst>
+                <a:lin ang="13500000" scaled="1"/>
+                <a:tileRect/>
+              </a:gradFill>
+              <a:ln w="12700">
+                <a:solidFill>
+                  <a:schemeClr val="tx1">
+                    <a:lumMod val="50000"/>
+                    <a:lumOff val="50000"/>
+                  </a:schemeClr>
+                </a:solidFill>
+              </a:ln>
+            </p:spPr>
+            <p:style>
+              <a:lnRef idx="2">
+                <a:schemeClr val="accent1">
+                  <a:shade val="50000"/>
+                </a:schemeClr>
+              </a:lnRef>
+              <a:fillRef idx="1">
+                <a:schemeClr val="accent1"/>
+              </a:fillRef>
+              <a:effectRef idx="0">
+                <a:schemeClr val="accent1"/>
+              </a:effectRef>
+              <a:fontRef idx="minor">
+                <a:schemeClr val="lt1"/>
+              </a:fontRef>
+            </p:style>
+            <p:txBody>
+              <a:bodyPr rtlCol="0" anchor="ctr"/>
+              <a:lstStyle/>
+              <a:p>
+                <a:pPr algn="ctr"/>
+                <a:endParaRPr lang="en-US" sz="2400"/>
+              </a:p>
+            </p:txBody>
+          </p:sp>
+          <p:sp>
+            <p:nvSpPr>
+              <p:cNvPr id="26" name="Rounded Rectangle 25"/>
+              <p:cNvSpPr/>
+              <p:nvPr/>
+            </p:nvSpPr>
+            <p:spPr>
+              <a:xfrm>
+                <a:off x="3362322" y="5568076"/>
+                <a:ext cx="295278" cy="56785"/>
+              </a:xfrm>
+              <a:prstGeom prst="roundRect">
+                <a:avLst/>
+              </a:prstGeom>
+              <a:gradFill flip="none" rotWithShape="1">
+                <a:gsLst>
+                  <a:gs pos="0">
+                    <a:schemeClr val="bg1">
+                      <a:lumMod val="75000"/>
+                      <a:shade val="30000"/>
+                      <a:satMod val="115000"/>
+                    </a:schemeClr>
+                  </a:gs>
+                  <a:gs pos="50000">
+                    <a:schemeClr val="bg1">
+                      <a:lumMod val="75000"/>
+                      <a:shade val="67500"/>
+                      <a:satMod val="115000"/>
+                    </a:schemeClr>
+                  </a:gs>
+                  <a:gs pos="100000">
+                    <a:schemeClr val="bg1">
+                      <a:lumMod val="75000"/>
+                      <a:shade val="100000"/>
+                      <a:satMod val="115000"/>
+                    </a:schemeClr>
+                  </a:gs>
+                </a:gsLst>
+                <a:lin ang="13500000" scaled="1"/>
+                <a:tileRect/>
+              </a:gradFill>
+              <a:ln w="12700">
+                <a:solidFill>
+                  <a:schemeClr val="tx1">
+                    <a:lumMod val="50000"/>
+                    <a:lumOff val="50000"/>
+                  </a:schemeClr>
+                </a:solidFill>
+              </a:ln>
+            </p:spPr>
+            <p:style>
+              <a:lnRef idx="2">
+                <a:schemeClr val="accent1">
+                  <a:shade val="50000"/>
+                </a:schemeClr>
+              </a:lnRef>
+              <a:fillRef idx="1">
+                <a:schemeClr val="accent1"/>
+              </a:fillRef>
+              <a:effectRef idx="0">
+                <a:schemeClr val="accent1"/>
+              </a:effectRef>
+              <a:fontRef idx="minor">
+                <a:schemeClr val="lt1"/>
+              </a:fontRef>
+            </p:style>
+            <p:txBody>
+              <a:bodyPr rtlCol="0" anchor="ctr"/>
+              <a:lstStyle/>
+              <a:p>
+                <a:pPr algn="ctr"/>
+                <a:endParaRPr lang="en-US" sz="2400"/>
+              </a:p>
+            </p:txBody>
+          </p:sp>
+          <p:sp>
+            <p:nvSpPr>
+              <p:cNvPr id="27" name="Rounded Rectangle 26"/>
+              <p:cNvSpPr/>
+              <p:nvPr/>
+            </p:nvSpPr>
+            <p:spPr>
+              <a:xfrm>
+                <a:off x="3362322" y="5466476"/>
+                <a:ext cx="295278" cy="56785"/>
+              </a:xfrm>
+              <a:prstGeom prst="roundRect">
+                <a:avLst/>
+              </a:prstGeom>
+              <a:gradFill flip="none" rotWithShape="1">
+                <a:gsLst>
+                  <a:gs pos="0">
+                    <a:schemeClr val="bg1">
+                      <a:lumMod val="75000"/>
+                      <a:shade val="30000"/>
+                      <a:satMod val="115000"/>
+                    </a:schemeClr>
+                  </a:gs>
+                  <a:gs pos="50000">
+                    <a:schemeClr val="bg1">
+                      <a:lumMod val="75000"/>
+                      <a:shade val="67500"/>
+                      <a:satMod val="115000"/>
+                    </a:schemeClr>
+                  </a:gs>
+                  <a:gs pos="100000">
+                    <a:schemeClr val="bg1">
+                      <a:lumMod val="75000"/>
+                      <a:shade val="100000"/>
+                      <a:satMod val="115000"/>
+                    </a:schemeClr>
+                  </a:gs>
+                </a:gsLst>
+                <a:lin ang="13500000" scaled="1"/>
+                <a:tileRect/>
+              </a:gradFill>
+              <a:ln w="12700">
+                <a:solidFill>
+                  <a:schemeClr val="tx1">
+                    <a:lumMod val="50000"/>
+                    <a:lumOff val="50000"/>
+                  </a:schemeClr>
+                </a:solidFill>
+              </a:ln>
+            </p:spPr>
+            <p:style>
+              <a:lnRef idx="2">
+                <a:schemeClr val="accent1">
+                  <a:shade val="50000"/>
+                </a:schemeClr>
+              </a:lnRef>
+              <a:fillRef idx="1">
+                <a:schemeClr val="accent1"/>
+              </a:fillRef>
+              <a:effectRef idx="0">
+                <a:schemeClr val="accent1"/>
+              </a:effectRef>
+              <a:fontRef idx="minor">
+                <a:schemeClr val="lt1"/>
+              </a:fontRef>
+            </p:style>
+            <p:txBody>
+              <a:bodyPr rtlCol="0" anchor="ctr"/>
+              <a:lstStyle/>
+              <a:p>
+                <a:pPr algn="ctr"/>
+                <a:endParaRPr lang="en-US" sz="2400"/>
+              </a:p>
+            </p:txBody>
+          </p:sp>
+          <p:sp>
+            <p:nvSpPr>
+              <p:cNvPr id="28" name="Oval 27"/>
+              <p:cNvSpPr/>
+              <p:nvPr/>
+            </p:nvSpPr>
+            <p:spPr>
+              <a:xfrm flipH="1">
+                <a:off x="3568066" y="5913116"/>
+                <a:ext cx="73152" cy="73152"/>
+              </a:xfrm>
+              <a:prstGeom prst="ellipse">
+                <a:avLst/>
+              </a:prstGeom>
+              <a:gradFill flip="none" rotWithShape="1">
+                <a:gsLst>
+                  <a:gs pos="0">
+                    <a:srgbClr val="00A4E8">
+                      <a:shade val="30000"/>
+                      <a:satMod val="115000"/>
+                    </a:srgbClr>
+                  </a:gs>
+                  <a:gs pos="50000">
+                    <a:srgbClr val="00A4E8">
+                      <a:shade val="67500"/>
+                      <a:satMod val="115000"/>
+                    </a:srgbClr>
+                  </a:gs>
+                  <a:gs pos="100000">
+                    <a:srgbClr val="00A4E8">
+                      <a:shade val="100000"/>
+                      <a:satMod val="115000"/>
+                    </a:srgbClr>
+                  </a:gs>
+                </a:gsLst>
+                <a:path path="circle">
+                  <a:fillToRect t="100000" r="100000"/>
+                </a:path>
+                <a:tileRect l="-100000" b="-100000"/>
+              </a:gradFill>
+              <a:ln w="6350">
+                <a:solidFill>
+                  <a:schemeClr val="bg1"/>
+                </a:solidFill>
+              </a:ln>
+            </p:spPr>
+            <p:style>
+              <a:lnRef idx="2">
+                <a:schemeClr val="accent1">
+                  <a:shade val="50000"/>
+                </a:schemeClr>
+              </a:lnRef>
+              <a:fillRef idx="1">
+                <a:schemeClr val="accent1"/>
+              </a:fillRef>
+              <a:effectRef idx="0">
+                <a:schemeClr val="accent1"/>
+              </a:effectRef>
+              <a:fontRef idx="minor">
+                <a:schemeClr val="lt1"/>
+              </a:fontRef>
+            </p:style>
+            <p:txBody>
+              <a:bodyPr rtlCol="0" anchor="ctr"/>
+              <a:lstStyle/>
+              <a:p>
+                <a:pPr algn="ctr"/>
+                <a:endParaRPr lang="en-US" sz="2400"/>
+              </a:p>
+            </p:txBody>
+          </p:sp>
+          <p:sp>
+            <p:nvSpPr>
+              <p:cNvPr id="29" name="Rounded Rectangle 28"/>
+              <p:cNvSpPr/>
+              <p:nvPr/>
+            </p:nvSpPr>
+            <p:spPr>
+              <a:xfrm>
+                <a:off x="3569779" y="6024117"/>
+                <a:ext cx="71439" cy="18288"/>
+              </a:xfrm>
+              <a:prstGeom prst="roundRect">
+                <a:avLst/>
+              </a:prstGeom>
+              <a:solidFill>
+                <a:schemeClr val="bg1">
+                  <a:lumMod val="50000"/>
+                </a:schemeClr>
+              </a:solidFill>
+              <a:ln w="12700">
+                <a:solidFill>
+                  <a:schemeClr val="tx1">
+                    <a:lumMod val="50000"/>
+                    <a:lumOff val="50000"/>
+                  </a:schemeClr>
+                </a:solidFill>
+              </a:ln>
+            </p:spPr>
+            <p:style>
+              <a:lnRef idx="2">
+                <a:schemeClr val="accent1">
+                  <a:shade val="50000"/>
+                </a:schemeClr>
+              </a:lnRef>
+              <a:fillRef idx="1">
+                <a:schemeClr val="accent1"/>
+              </a:fillRef>
+              <a:effectRef idx="0">
+                <a:schemeClr val="accent1"/>
+              </a:effectRef>
+              <a:fontRef idx="minor">
+                <a:schemeClr val="lt1"/>
+              </a:fontRef>
+            </p:style>
+            <p:txBody>
+              <a:bodyPr rtlCol="0" anchor="ctr"/>
+              <a:lstStyle/>
+              <a:p>
+                <a:pPr algn="ctr"/>
+                <a:endParaRPr lang="en-US" sz="2400"/>
+              </a:p>
+            </p:txBody>
+          </p:sp>
+          <p:sp>
+            <p:nvSpPr>
+              <p:cNvPr id="30" name="Rounded Rectangle 29"/>
+              <p:cNvSpPr/>
+              <p:nvPr/>
+            </p:nvSpPr>
+            <p:spPr>
+              <a:xfrm>
+                <a:off x="3569779" y="6069372"/>
+                <a:ext cx="71439" cy="18288"/>
+              </a:xfrm>
+              <a:prstGeom prst="roundRect">
+                <a:avLst/>
+              </a:prstGeom>
+              <a:solidFill>
+                <a:schemeClr val="bg1">
+                  <a:lumMod val="50000"/>
+                </a:schemeClr>
+              </a:solidFill>
+              <a:ln w="12700">
+                <a:solidFill>
+                  <a:schemeClr val="tx1">
+                    <a:lumMod val="50000"/>
+                    <a:lumOff val="50000"/>
+                  </a:schemeClr>
+                </a:solidFill>
+              </a:ln>
+            </p:spPr>
+            <p:style>
+              <a:lnRef idx="2">
+                <a:schemeClr val="accent1">
+                  <a:shade val="50000"/>
+                </a:schemeClr>
+              </a:lnRef>
+              <a:fillRef idx="1">
+                <a:schemeClr val="accent1"/>
+              </a:fillRef>
+              <a:effectRef idx="0">
+                <a:schemeClr val="accent1"/>
+              </a:effectRef>
+              <a:fontRef idx="minor">
+                <a:schemeClr val="lt1"/>
+              </a:fontRef>
+            </p:style>
+            <p:txBody>
+              <a:bodyPr rtlCol="0" anchor="ctr"/>
+              <a:lstStyle/>
+              <a:p>
+                <a:pPr algn="ctr"/>
+                <a:endParaRPr lang="en-US" sz="2400"/>
+              </a:p>
+            </p:txBody>
+          </p:sp>
+        </p:grpSp>
+        <p:grpSp>
+          <p:nvGrpSpPr>
+            <p:cNvPr id="14" name="Group 13"/>
+            <p:cNvGrpSpPr/>
+            <p:nvPr/>
+          </p:nvGrpSpPr>
+          <p:grpSpPr>
+            <a:xfrm>
+              <a:off x="4540466" y="4311049"/>
+              <a:ext cx="371478" cy="838200"/>
+              <a:chOff x="3276600" y="5334000"/>
+              <a:chExt cx="457200" cy="990600"/>
+            </a:xfrm>
+          </p:grpSpPr>
+          <p:sp>
+            <p:nvSpPr>
+              <p:cNvPr id="15" name="Rounded Rectangle 14"/>
+              <p:cNvSpPr/>
+              <p:nvPr/>
+            </p:nvSpPr>
+            <p:spPr>
+              <a:xfrm>
+                <a:off x="3276600" y="5334000"/>
+                <a:ext cx="457200" cy="990600"/>
+              </a:xfrm>
+              <a:prstGeom prst="roundRect">
+                <a:avLst/>
+              </a:prstGeom>
+              <a:solidFill>
+                <a:schemeClr val="bg1">
+                  <a:lumMod val="75000"/>
+                </a:schemeClr>
+              </a:solidFill>
+              <a:ln>
+                <a:solidFill>
+                  <a:schemeClr val="tx1">
+                    <a:lumMod val="65000"/>
+                    <a:lumOff val="35000"/>
+                  </a:schemeClr>
+                </a:solidFill>
+              </a:ln>
+            </p:spPr>
+            <p:style>
+              <a:lnRef idx="2">
+                <a:schemeClr val="accent1">
+                  <a:shade val="50000"/>
+                </a:schemeClr>
+              </a:lnRef>
+              <a:fillRef idx="1">
+                <a:schemeClr val="accent1"/>
+              </a:fillRef>
+              <a:effectRef idx="0">
+                <a:schemeClr val="accent1"/>
+              </a:effectRef>
+              <a:fontRef idx="minor">
+                <a:schemeClr val="lt1"/>
+              </a:fontRef>
+            </p:style>
+            <p:txBody>
+              <a:bodyPr rtlCol="0" anchor="ctr"/>
+              <a:lstStyle/>
+              <a:p>
+                <a:pPr algn="ctr"/>
+                <a:endParaRPr lang="en-US" sz="2400"/>
+              </a:p>
+            </p:txBody>
+          </p:sp>
+          <p:sp>
+            <p:nvSpPr>
+              <p:cNvPr id="16" name="Rounded Rectangle 15"/>
+              <p:cNvSpPr/>
+              <p:nvPr/>
+            </p:nvSpPr>
+            <p:spPr>
+              <a:xfrm>
+                <a:off x="3362322" y="5771276"/>
+                <a:ext cx="295278" cy="56785"/>
+              </a:xfrm>
+              <a:prstGeom prst="roundRect">
+                <a:avLst/>
+              </a:prstGeom>
+              <a:gradFill flip="none" rotWithShape="1">
+                <a:gsLst>
+                  <a:gs pos="0">
+                    <a:schemeClr val="bg1">
+                      <a:lumMod val="75000"/>
+                      <a:shade val="30000"/>
+                      <a:satMod val="115000"/>
+                    </a:schemeClr>
+                  </a:gs>
+                  <a:gs pos="50000">
+                    <a:schemeClr val="bg1">
+                      <a:lumMod val="75000"/>
+                      <a:shade val="67500"/>
+                      <a:satMod val="115000"/>
+                    </a:schemeClr>
+                  </a:gs>
+                  <a:gs pos="100000">
+                    <a:schemeClr val="bg1">
+                      <a:lumMod val="75000"/>
+                      <a:shade val="100000"/>
+                      <a:satMod val="115000"/>
+                    </a:schemeClr>
+                  </a:gs>
+                </a:gsLst>
+                <a:lin ang="13500000" scaled="1"/>
+                <a:tileRect/>
+              </a:gradFill>
+              <a:ln w="12700">
+                <a:solidFill>
+                  <a:schemeClr val="tx1">
+                    <a:lumMod val="50000"/>
+                    <a:lumOff val="50000"/>
+                  </a:schemeClr>
+                </a:solidFill>
+              </a:ln>
+            </p:spPr>
+            <p:style>
+              <a:lnRef idx="2">
+                <a:schemeClr val="accent1">
+                  <a:shade val="50000"/>
+                </a:schemeClr>
+              </a:lnRef>
+              <a:fillRef idx="1">
+                <a:schemeClr val="accent1"/>
+              </a:fillRef>
+              <a:effectRef idx="0">
+                <a:schemeClr val="accent1"/>
+              </a:effectRef>
+              <a:fontRef idx="minor">
+                <a:schemeClr val="lt1"/>
+              </a:fontRef>
+            </p:style>
+            <p:txBody>
+              <a:bodyPr rtlCol="0" anchor="ctr"/>
+              <a:lstStyle/>
+              <a:p>
+                <a:pPr algn="ctr"/>
+                <a:endParaRPr lang="en-US" sz="2400"/>
+              </a:p>
+            </p:txBody>
+          </p:sp>
+          <p:sp>
+            <p:nvSpPr>
+              <p:cNvPr id="17" name="Rounded Rectangle 16"/>
+              <p:cNvSpPr/>
+              <p:nvPr/>
+            </p:nvSpPr>
+            <p:spPr>
+              <a:xfrm>
+                <a:off x="3362322" y="5669676"/>
+                <a:ext cx="295278" cy="56785"/>
+              </a:xfrm>
+              <a:prstGeom prst="roundRect">
+                <a:avLst/>
+              </a:prstGeom>
+              <a:gradFill flip="none" rotWithShape="1">
+                <a:gsLst>
+                  <a:gs pos="0">
+                    <a:schemeClr val="bg1">
+                      <a:lumMod val="75000"/>
+                      <a:shade val="30000"/>
+                      <a:satMod val="115000"/>
+                    </a:schemeClr>
+                  </a:gs>
+                  <a:gs pos="50000">
+                    <a:schemeClr val="bg1">
+                      <a:lumMod val="75000"/>
+                      <a:shade val="67500"/>
+                      <a:satMod val="115000"/>
+                    </a:schemeClr>
+                  </a:gs>
+                  <a:gs pos="100000">
+                    <a:schemeClr val="bg1">
+                      <a:lumMod val="75000"/>
+                      <a:shade val="100000"/>
+                      <a:satMod val="115000"/>
+                    </a:schemeClr>
+                  </a:gs>
+                </a:gsLst>
+                <a:lin ang="13500000" scaled="1"/>
+                <a:tileRect/>
+              </a:gradFill>
+              <a:ln w="12700">
+                <a:solidFill>
+                  <a:schemeClr val="tx1">
+                    <a:lumMod val="50000"/>
+                    <a:lumOff val="50000"/>
+                  </a:schemeClr>
+                </a:solidFill>
+              </a:ln>
+            </p:spPr>
+            <p:style>
+              <a:lnRef idx="2">
+                <a:schemeClr val="accent1">
+                  <a:shade val="50000"/>
+                </a:schemeClr>
+              </a:lnRef>
+              <a:fillRef idx="1">
+                <a:schemeClr val="accent1"/>
+              </a:fillRef>
+              <a:effectRef idx="0">
+                <a:schemeClr val="accent1"/>
+              </a:effectRef>
+              <a:fontRef idx="minor">
+                <a:schemeClr val="lt1"/>
+              </a:fontRef>
+            </p:style>
+            <p:txBody>
+              <a:bodyPr rtlCol="0" anchor="ctr"/>
+              <a:lstStyle/>
+              <a:p>
+                <a:pPr algn="ctr"/>
+                <a:endParaRPr lang="en-US" sz="2400"/>
+              </a:p>
+            </p:txBody>
+          </p:sp>
+          <p:sp>
+            <p:nvSpPr>
+              <p:cNvPr id="18" name="Rounded Rectangle 17"/>
+              <p:cNvSpPr/>
+              <p:nvPr/>
+            </p:nvSpPr>
+            <p:spPr>
+              <a:xfrm>
+                <a:off x="3362322" y="5568076"/>
+                <a:ext cx="295278" cy="56785"/>
+              </a:xfrm>
+              <a:prstGeom prst="roundRect">
+                <a:avLst/>
+              </a:prstGeom>
+              <a:gradFill flip="none" rotWithShape="1">
+                <a:gsLst>
+                  <a:gs pos="0">
+                    <a:schemeClr val="bg1">
+                      <a:lumMod val="75000"/>
+                      <a:shade val="30000"/>
+                      <a:satMod val="115000"/>
+                    </a:schemeClr>
+                  </a:gs>
+                  <a:gs pos="50000">
+                    <a:schemeClr val="bg1">
+                      <a:lumMod val="75000"/>
+                      <a:shade val="67500"/>
+                      <a:satMod val="115000"/>
+                    </a:schemeClr>
+                  </a:gs>
+                  <a:gs pos="100000">
+                    <a:schemeClr val="bg1">
+                      <a:lumMod val="75000"/>
+                      <a:shade val="100000"/>
+                      <a:satMod val="115000"/>
+                    </a:schemeClr>
+                  </a:gs>
+                </a:gsLst>
+                <a:lin ang="13500000" scaled="1"/>
+                <a:tileRect/>
+              </a:gradFill>
+              <a:ln w="12700">
+                <a:solidFill>
+                  <a:schemeClr val="tx1">
+                    <a:lumMod val="50000"/>
+                    <a:lumOff val="50000"/>
+                  </a:schemeClr>
+                </a:solidFill>
+              </a:ln>
+            </p:spPr>
+            <p:style>
+              <a:lnRef idx="2">
+                <a:schemeClr val="accent1">
+                  <a:shade val="50000"/>
+                </a:schemeClr>
+              </a:lnRef>
+              <a:fillRef idx="1">
+                <a:schemeClr val="accent1"/>
+              </a:fillRef>
+              <a:effectRef idx="0">
+                <a:schemeClr val="accent1"/>
+              </a:effectRef>
+              <a:fontRef idx="minor">
+                <a:schemeClr val="lt1"/>
+              </a:fontRef>
+            </p:style>
+            <p:txBody>
+              <a:bodyPr rtlCol="0" anchor="ctr"/>
+              <a:lstStyle/>
+              <a:p>
+                <a:pPr algn="ctr"/>
+                <a:endParaRPr lang="en-US" sz="2400"/>
+              </a:p>
+            </p:txBody>
+          </p:sp>
+          <p:sp>
+            <p:nvSpPr>
+              <p:cNvPr id="19" name="Rounded Rectangle 18"/>
+              <p:cNvSpPr/>
+              <p:nvPr/>
+            </p:nvSpPr>
+            <p:spPr>
+              <a:xfrm>
+                <a:off x="3362322" y="5466476"/>
+                <a:ext cx="295278" cy="56785"/>
+              </a:xfrm>
+              <a:prstGeom prst="roundRect">
+                <a:avLst/>
+              </a:prstGeom>
+              <a:gradFill flip="none" rotWithShape="1">
+                <a:gsLst>
+                  <a:gs pos="0">
+                    <a:schemeClr val="bg1">
+                      <a:lumMod val="75000"/>
+                      <a:shade val="30000"/>
+                      <a:satMod val="115000"/>
+                    </a:schemeClr>
+                  </a:gs>
+                  <a:gs pos="50000">
+                    <a:schemeClr val="bg1">
+                      <a:lumMod val="75000"/>
+                      <a:shade val="67500"/>
+                      <a:satMod val="115000"/>
+                    </a:schemeClr>
+                  </a:gs>
+                  <a:gs pos="100000">
+                    <a:schemeClr val="bg1">
+                      <a:lumMod val="75000"/>
+                      <a:shade val="100000"/>
+                      <a:satMod val="115000"/>
+                    </a:schemeClr>
+                  </a:gs>
+                </a:gsLst>
+                <a:lin ang="13500000" scaled="1"/>
+                <a:tileRect/>
+              </a:gradFill>
+              <a:ln w="12700">
+                <a:solidFill>
+                  <a:schemeClr val="tx1">
+                    <a:lumMod val="50000"/>
+                    <a:lumOff val="50000"/>
+                  </a:schemeClr>
+                </a:solidFill>
+              </a:ln>
+            </p:spPr>
+            <p:style>
+              <a:lnRef idx="2">
+                <a:schemeClr val="accent1">
+                  <a:shade val="50000"/>
+                </a:schemeClr>
+              </a:lnRef>
+              <a:fillRef idx="1">
+                <a:schemeClr val="accent1"/>
+              </a:fillRef>
+              <a:effectRef idx="0">
+                <a:schemeClr val="accent1"/>
+              </a:effectRef>
+              <a:fontRef idx="minor">
+                <a:schemeClr val="lt1"/>
+              </a:fontRef>
+            </p:style>
+            <p:txBody>
+              <a:bodyPr rtlCol="0" anchor="ctr"/>
+              <a:lstStyle/>
+              <a:p>
+                <a:pPr algn="ctr"/>
+                <a:endParaRPr lang="en-US" sz="2400"/>
+              </a:p>
+            </p:txBody>
+          </p:sp>
+          <p:sp>
+            <p:nvSpPr>
+              <p:cNvPr id="20" name="Oval 19"/>
+              <p:cNvSpPr/>
+              <p:nvPr/>
+            </p:nvSpPr>
+            <p:spPr>
+              <a:xfrm flipH="1">
+                <a:off x="3568066" y="5913116"/>
+                <a:ext cx="73152" cy="73152"/>
+              </a:xfrm>
+              <a:prstGeom prst="ellipse">
+                <a:avLst/>
+              </a:prstGeom>
+              <a:gradFill flip="none" rotWithShape="1">
+                <a:gsLst>
+                  <a:gs pos="0">
+                    <a:srgbClr val="00A4E8">
+                      <a:shade val="30000"/>
+                      <a:satMod val="115000"/>
+                    </a:srgbClr>
+                  </a:gs>
+                  <a:gs pos="50000">
+                    <a:srgbClr val="00A4E8">
+                      <a:shade val="67500"/>
+                      <a:satMod val="115000"/>
+                    </a:srgbClr>
+                  </a:gs>
+                  <a:gs pos="100000">
+                    <a:srgbClr val="00A4E8">
+                      <a:shade val="100000"/>
+                      <a:satMod val="115000"/>
+                    </a:srgbClr>
+                  </a:gs>
+                </a:gsLst>
+                <a:path path="circle">
+                  <a:fillToRect t="100000" r="100000"/>
+                </a:path>
+                <a:tileRect l="-100000" b="-100000"/>
+              </a:gradFill>
+              <a:ln w="6350">
+                <a:solidFill>
+                  <a:schemeClr val="bg1"/>
+                </a:solidFill>
+              </a:ln>
+            </p:spPr>
+            <p:style>
+              <a:lnRef idx="2">
+                <a:schemeClr val="accent1">
+                  <a:shade val="50000"/>
+                </a:schemeClr>
+              </a:lnRef>
+              <a:fillRef idx="1">
+                <a:schemeClr val="accent1"/>
+              </a:fillRef>
+              <a:effectRef idx="0">
+                <a:schemeClr val="accent1"/>
+              </a:effectRef>
+              <a:fontRef idx="minor">
+                <a:schemeClr val="lt1"/>
+              </a:fontRef>
+            </p:style>
+            <p:txBody>
+              <a:bodyPr rtlCol="0" anchor="ctr"/>
+              <a:lstStyle/>
+              <a:p>
+                <a:pPr algn="ctr"/>
+                <a:endParaRPr lang="en-US" sz="2400"/>
+              </a:p>
+            </p:txBody>
+          </p:sp>
+          <p:sp>
+            <p:nvSpPr>
+              <p:cNvPr id="21" name="Rounded Rectangle 20"/>
+              <p:cNvSpPr/>
+              <p:nvPr/>
+            </p:nvSpPr>
+            <p:spPr>
+              <a:xfrm>
+                <a:off x="3569779" y="6024117"/>
+                <a:ext cx="71439" cy="18288"/>
+              </a:xfrm>
+              <a:prstGeom prst="roundRect">
+                <a:avLst/>
+              </a:prstGeom>
+              <a:solidFill>
+                <a:schemeClr val="bg1">
+                  <a:lumMod val="50000"/>
+                </a:schemeClr>
+              </a:solidFill>
+              <a:ln w="12700">
+                <a:solidFill>
+                  <a:schemeClr val="tx1">
+                    <a:lumMod val="50000"/>
+                    <a:lumOff val="50000"/>
+                  </a:schemeClr>
+                </a:solidFill>
+              </a:ln>
+            </p:spPr>
+            <p:style>
+              <a:lnRef idx="2">
+                <a:schemeClr val="accent1">
+                  <a:shade val="50000"/>
+                </a:schemeClr>
+              </a:lnRef>
+              <a:fillRef idx="1">
+                <a:schemeClr val="accent1"/>
+              </a:fillRef>
+              <a:effectRef idx="0">
+                <a:schemeClr val="accent1"/>
+              </a:effectRef>
+              <a:fontRef idx="minor">
+                <a:schemeClr val="lt1"/>
+              </a:fontRef>
+            </p:style>
+            <p:txBody>
+              <a:bodyPr rtlCol="0" anchor="ctr"/>
+              <a:lstStyle/>
+              <a:p>
+                <a:pPr algn="ctr"/>
+                <a:endParaRPr lang="en-US" sz="2400"/>
+              </a:p>
+            </p:txBody>
+          </p:sp>
+          <p:sp>
+            <p:nvSpPr>
+              <p:cNvPr id="22" name="Rounded Rectangle 21"/>
+              <p:cNvSpPr/>
+              <p:nvPr/>
+            </p:nvSpPr>
+            <p:spPr>
+              <a:xfrm>
+                <a:off x="3569779" y="6069372"/>
+                <a:ext cx="71439" cy="18288"/>
+              </a:xfrm>
+              <a:prstGeom prst="roundRect">
+                <a:avLst/>
+              </a:prstGeom>
+              <a:solidFill>
+                <a:schemeClr val="bg1">
+                  <a:lumMod val="50000"/>
+                </a:schemeClr>
+              </a:solidFill>
+              <a:ln w="12700">
+                <a:solidFill>
+                  <a:schemeClr val="tx1">
+                    <a:lumMod val="50000"/>
+                    <a:lumOff val="50000"/>
+                  </a:schemeClr>
+                </a:solidFill>
+              </a:ln>
+            </p:spPr>
+            <p:style>
+              <a:lnRef idx="2">
+                <a:schemeClr val="accent1">
+                  <a:shade val="50000"/>
+                </a:schemeClr>
+              </a:lnRef>
+              <a:fillRef idx="1">
+                <a:schemeClr val="accent1"/>
+              </a:fillRef>
+              <a:effectRef idx="0">
+                <a:schemeClr val="accent1"/>
+              </a:effectRef>
+              <a:fontRef idx="minor">
+                <a:schemeClr val="lt1"/>
+              </a:fontRef>
+            </p:style>
+            <p:txBody>
+              <a:bodyPr rtlCol="0" anchor="ctr"/>
+              <a:lstStyle/>
+              <a:p>
+                <a:pPr algn="ctr"/>
+                <a:endParaRPr lang="en-US" sz="2400"/>
+              </a:p>
+            </p:txBody>
+          </p:sp>
+        </p:grpSp>
+      </p:grpSp>
+      <p:cxnSp>
+        <p:nvCxnSpPr>
+          <p:cNvPr id="47" name="Straight Arrow Connector 46"/>
+          <p:cNvCxnSpPr>
+            <a:stCxn id="119" idx="3"/>
+            <a:endCxn id="7" idx="1"/>
+          </p:cNvCxnSpPr>
+          <p:nvPr/>
+        </p:nvCxnSpPr>
+        <p:spPr>
+          <a:xfrm flipV="1">
+            <a:off x="1598482" y="1747202"/>
+            <a:ext cx="729071" cy="1630"/>
+          </a:xfrm>
+          <a:prstGeom prst="straightConnector1">
+            <a:avLst/>
+          </a:prstGeom>
+          <a:ln w="28575">
+            <a:solidFill>
+              <a:schemeClr val="tx1">
+                <a:lumMod val="75000"/>
+                <a:lumOff val="25000"/>
+              </a:schemeClr>
+            </a:solidFill>
+            <a:tailEnd type="arrow"/>
+          </a:ln>
+        </p:spPr>
+        <p:style>
+          <a:lnRef idx="1">
+            <a:schemeClr val="accent1"/>
+          </a:lnRef>
+          <a:fillRef idx="0">
+            <a:schemeClr val="accent1"/>
+          </a:fillRef>
+          <a:effectRef idx="0">
+            <a:schemeClr val="accent1"/>
+          </a:effectRef>
+          <a:fontRef idx="minor">
+            <a:schemeClr val="tx1"/>
+          </a:fontRef>
+        </p:style>
+      </p:cxnSp>
+      <p:cxnSp>
+        <p:nvCxnSpPr>
+          <p:cNvPr id="48" name="Straight Arrow Connector 47"/>
+          <p:cNvCxnSpPr>
+            <a:stCxn id="7" idx="2"/>
+            <a:endCxn id="61" idx="0"/>
+          </p:cNvCxnSpPr>
+          <p:nvPr/>
+        </p:nvCxnSpPr>
+        <p:spPr>
+          <a:xfrm>
+            <a:off x="3394353" y="2047388"/>
+            <a:ext cx="0" cy="655091"/>
+          </a:xfrm>
+          <a:prstGeom prst="straightConnector1">
+            <a:avLst/>
+          </a:prstGeom>
+          <a:ln w="28575">
+            <a:solidFill>
+              <a:schemeClr val="tx1">
+                <a:lumMod val="75000"/>
+                <a:lumOff val="25000"/>
+              </a:schemeClr>
+            </a:solidFill>
+            <a:tailEnd type="arrow"/>
+          </a:ln>
+        </p:spPr>
+        <p:style>
+          <a:lnRef idx="1">
+            <a:schemeClr val="accent1"/>
+          </a:lnRef>
+          <a:fillRef idx="0">
+            <a:schemeClr val="accent1"/>
+          </a:fillRef>
+          <a:effectRef idx="0">
+            <a:schemeClr val="accent1"/>
+          </a:effectRef>
+          <a:fontRef idx="minor">
+            <a:schemeClr val="tx1"/>
+          </a:fontRef>
+        </p:style>
+      </p:cxnSp>
+      <p:cxnSp>
+        <p:nvCxnSpPr>
+          <p:cNvPr id="49" name="Straight Arrow Connector 48"/>
+          <p:cNvCxnSpPr>
+            <a:stCxn id="61" idx="2"/>
+            <a:endCxn id="55" idx="0"/>
+          </p:cNvCxnSpPr>
+          <p:nvPr/>
+        </p:nvCxnSpPr>
+        <p:spPr>
+          <a:xfrm>
+            <a:off x="3394353" y="3302851"/>
+            <a:ext cx="0" cy="655091"/>
+          </a:xfrm>
+          <a:prstGeom prst="straightConnector1">
+            <a:avLst/>
+          </a:prstGeom>
+          <a:ln w="28575">
+            <a:solidFill>
+              <a:schemeClr val="tx1">
+                <a:lumMod val="75000"/>
+                <a:lumOff val="25000"/>
+              </a:schemeClr>
+            </a:solidFill>
+            <a:tailEnd type="arrow"/>
+          </a:ln>
+        </p:spPr>
+        <p:style>
+          <a:lnRef idx="1">
+            <a:schemeClr val="accent1"/>
+          </a:lnRef>
+          <a:fillRef idx="0">
+            <a:schemeClr val="accent1"/>
+          </a:fillRef>
+          <a:effectRef idx="0">
+            <a:schemeClr val="accent1"/>
+          </a:effectRef>
+          <a:fontRef idx="minor">
+            <a:schemeClr val="tx1"/>
+          </a:fontRef>
+        </p:style>
+      </p:cxnSp>
+      <p:sp>
+        <p:nvSpPr>
+          <p:cNvPr id="51" name="TextBox 50"/>
+          <p:cNvSpPr txBox="1"/>
+          <p:nvPr/>
+        </p:nvSpPr>
+        <p:spPr>
+          <a:xfrm>
+            <a:off x="5456803" y="4141326"/>
+            <a:ext cx="808893" cy="400110"/>
+          </a:xfrm>
+          <a:prstGeom prst="rect">
+            <a:avLst/>
+          </a:prstGeom>
+          <a:noFill/>
+        </p:spPr>
+        <p:txBody>
+          <a:bodyPr wrap="square" rtlCol="0">
+            <a:spAutoFit/>
+          </a:bodyPr>
+          <a:lstStyle/>
+          <a:p>
+            <a:pPr algn="r"/>
+            <a:r>
+              <a:rPr lang="en-US" sz="2000" dirty="0" smtClean="0"/>
+              <a:t>Map</a:t>
+            </a:r>
+            <a:endParaRPr lang="en-US" sz="2000" dirty="0"/>
+          </a:p>
+        </p:txBody>
+      </p:sp>
+      <p:cxnSp>
+        <p:nvCxnSpPr>
+          <p:cNvPr id="52" name="Straight Arrow Connector 51"/>
+          <p:cNvCxnSpPr>
+            <a:stCxn id="55" idx="2"/>
+            <a:endCxn id="31" idx="2"/>
+          </p:cNvCxnSpPr>
+          <p:nvPr/>
+        </p:nvCxnSpPr>
+        <p:spPr>
+          <a:xfrm rot="5400000" flipH="1" flipV="1">
+            <a:off x="5172329" y="2754510"/>
+            <a:ext cx="25828" cy="3581780"/>
+          </a:xfrm>
+          <a:prstGeom prst="bentConnector3">
+            <a:avLst>
+              <a:gd name="adj1" fmla="val -885086"/>
+            </a:avLst>
+          </a:prstGeom>
+          <a:ln w="28575">
+            <a:solidFill>
+              <a:schemeClr val="tx1"/>
+            </a:solidFill>
+            <a:tailEnd type="arrow"/>
+          </a:ln>
+        </p:spPr>
+        <p:style>
+          <a:lnRef idx="1">
+            <a:schemeClr val="accent1"/>
+          </a:lnRef>
+          <a:fillRef idx="0">
+            <a:schemeClr val="accent1"/>
+          </a:fillRef>
+          <a:effectRef idx="0">
+            <a:schemeClr val="accent1"/>
+          </a:effectRef>
+          <a:fontRef idx="minor">
+            <a:schemeClr val="tx1"/>
+          </a:fontRef>
+        </p:style>
+      </p:cxnSp>
+      <p:cxnSp>
+        <p:nvCxnSpPr>
+          <p:cNvPr id="53" name="Straight Arrow Connector 52"/>
+          <p:cNvCxnSpPr>
+            <a:stCxn id="39" idx="0"/>
+          </p:cNvCxnSpPr>
+          <p:nvPr/>
+        </p:nvCxnSpPr>
+        <p:spPr>
+          <a:xfrm flipV="1">
+            <a:off x="6573892" y="2546544"/>
+            <a:ext cx="3868" cy="756582"/>
+          </a:xfrm>
+          <a:prstGeom prst="straightConnector1">
+            <a:avLst/>
+          </a:prstGeom>
+          <a:ln w="28575">
+            <a:solidFill>
+              <a:schemeClr val="tx1"/>
+            </a:solidFill>
+            <a:tailEnd type="arrow"/>
+          </a:ln>
+        </p:spPr>
+        <p:style>
+          <a:lnRef idx="1">
+            <a:schemeClr val="accent1"/>
+          </a:lnRef>
+          <a:fillRef idx="0">
+            <a:schemeClr val="accent1"/>
+          </a:fillRef>
+          <a:effectRef idx="0">
+            <a:schemeClr val="accent1"/>
+          </a:effectRef>
+          <a:fontRef idx="minor">
+            <a:schemeClr val="tx1"/>
+          </a:fontRef>
+        </p:style>
+      </p:cxnSp>
+      <p:sp>
+        <p:nvSpPr>
+          <p:cNvPr id="55" name="Rectangle 54"/>
+          <p:cNvSpPr/>
+          <p:nvPr/>
+        </p:nvSpPr>
+        <p:spPr>
+          <a:xfrm>
+            <a:off x="2327553" y="3957942"/>
+            <a:ext cx="2133600" cy="600372"/>
+          </a:xfrm>
+          <a:prstGeom prst="rect">
+            <a:avLst/>
+          </a:prstGeom>
+          <a:ln/>
+        </p:spPr>
+        <p:style>
+          <a:lnRef idx="1">
+            <a:schemeClr val="accent1"/>
+          </a:lnRef>
+          <a:fillRef idx="2">
+            <a:schemeClr val="accent1"/>
+          </a:fillRef>
+          <a:effectRef idx="1">
+            <a:schemeClr val="accent1"/>
+          </a:effectRef>
+          <a:fontRef idx="minor">
+            <a:schemeClr val="dk1"/>
+          </a:fontRef>
+        </p:style>
+        <p:txBody>
+          <a:bodyPr rtlCol="0" anchor="ctr"/>
+          <a:lstStyle/>
+          <a:p>
+            <a:pPr algn="ctr"/>
+            <a:r>
+              <a:rPr lang="en-US" sz="2000" dirty="0" smtClean="0">
+                <a:solidFill>
+                  <a:schemeClr val="tx1"/>
+                </a:solidFill>
+              </a:rPr>
+              <a:t>Hadoop Framework</a:t>
+            </a:r>
           </a:p>
         </p:txBody>
       </p:sp>
       <p:sp>
         <p:nvSpPr>
-          <p:cNvPr id="3" name="Text Placeholder 2"/>
-          <p:cNvSpPr>
-            <a:spLocks noGrp="1"/>
-          </p:cNvSpPr>
-          <p:nvPr>
-            <p:ph type="body" idx="1"/>
-          </p:nvPr>
+          <p:cNvPr id="60" name="TextBox 59"/>
+          <p:cNvSpPr txBox="1"/>
+          <p:nvPr/>
         </p:nvSpPr>
         <p:spPr>
-          <a:xfrm rot="19140000">
-            <a:off x="938448" y="2278221"/>
-            <a:ext cx="7240656" cy="329184"/>
+          <a:xfrm>
+            <a:off x="4995007" y="3266838"/>
+            <a:ext cx="1270689" cy="400110"/>
           </a:xfrm>
+          <a:prstGeom prst="rect">
+            <a:avLst/>
+          </a:prstGeom>
+          <a:noFill/>
         </p:spPr>
         <p:txBody>
-          <a:bodyPr>
-            <a:noAutofit/>
+          <a:bodyPr wrap="square" rtlCol="0">
+            <a:spAutoFit/>
           </a:bodyPr>
           <a:lstStyle/>
           <a:p>
-            <a:r>
-              <a:rPr lang="en-US" sz="2400" spc="0" dirty="0" err="1" smtClean="0"/>
-              <a:t>Kurry</a:t>
-            </a:r>
-            <a:r>
-              <a:rPr lang="en-US" sz="2400" spc="0" dirty="0" smtClean="0"/>
-              <a:t> </a:t>
-            </a:r>
-            <a:r>
-              <a:rPr lang="en-US" sz="2400" spc="0" dirty="0" err="1" smtClean="0"/>
-              <a:t>tran</a:t>
-            </a:r>
-            <a:r>
-              <a:rPr lang="en-US" sz="2400" spc="0" dirty="0" smtClean="0"/>
-              <a:t> (System integrator)</a:t>
-            </a:r>
-            <a:endParaRPr lang="en-US" sz="2400" spc="0" dirty="0"/>
+            <a:pPr algn="r"/>
+            <a:r>
+              <a:rPr lang="en-US" sz="2000" dirty="0" smtClean="0"/>
+              <a:t>Reduce</a:t>
+            </a:r>
+            <a:endParaRPr lang="en-US" sz="2000" dirty="0"/>
           </a:p>
         </p:txBody>
       </p:sp>
+      <p:sp>
+        <p:nvSpPr>
+          <p:cNvPr id="61" name="Rectangle 60"/>
+          <p:cNvSpPr/>
+          <p:nvPr/>
+        </p:nvSpPr>
+        <p:spPr>
+          <a:xfrm>
+            <a:off x="2327553" y="2702479"/>
+            <a:ext cx="2133600" cy="600372"/>
+          </a:xfrm>
+          <a:prstGeom prst="rect">
+            <a:avLst/>
+          </a:prstGeom>
+          <a:ln/>
+        </p:spPr>
+        <p:style>
+          <a:lnRef idx="1">
+            <a:schemeClr val="accent1"/>
+          </a:lnRef>
+          <a:fillRef idx="2">
+            <a:schemeClr val="accent1"/>
+          </a:fillRef>
+          <a:effectRef idx="1">
+            <a:schemeClr val="accent1"/>
+          </a:effectRef>
+          <a:fontRef idx="minor">
+            <a:schemeClr val="dk1"/>
+          </a:fontRef>
+        </p:style>
+        <p:txBody>
+          <a:bodyPr rtlCol="0" anchor="ctr"/>
+          <a:lstStyle/>
+          <a:p>
+            <a:pPr algn="ctr"/>
+            <a:r>
+              <a:rPr lang="en-US" sz="2000" dirty="0" smtClean="0">
+                <a:solidFill>
+                  <a:schemeClr val="tx1"/>
+                </a:solidFill>
+              </a:rPr>
+              <a:t>Java Compiler</a:t>
+            </a:r>
+          </a:p>
+        </p:txBody>
+      </p:sp>
+      <p:sp>
+        <p:nvSpPr>
+          <p:cNvPr id="63" name="TextBox 62"/>
+          <p:cNvSpPr txBox="1"/>
+          <p:nvPr/>
+        </p:nvSpPr>
+        <p:spPr>
+          <a:xfrm>
+            <a:off x="457200" y="2175462"/>
+            <a:ext cx="2556153" cy="369332"/>
+          </a:xfrm>
+          <a:prstGeom prst="rect">
+            <a:avLst/>
+          </a:prstGeom>
+          <a:noFill/>
+        </p:spPr>
+        <p:txBody>
+          <a:bodyPr wrap="square" rtlCol="0">
+            <a:spAutoFit/>
+          </a:bodyPr>
+          <a:lstStyle/>
+          <a:p>
+            <a:pPr algn="r"/>
+            <a:r>
+              <a:rPr lang="en-US" dirty="0" smtClean="0"/>
+              <a:t>Hog.java</a:t>
+            </a:r>
+            <a:endParaRPr lang="en-US" dirty="0"/>
+          </a:p>
+        </p:txBody>
+      </p:sp>
+      <p:sp>
+        <p:nvSpPr>
+          <p:cNvPr id="64" name="TextBox 63"/>
+          <p:cNvSpPr txBox="1"/>
+          <p:nvPr/>
+        </p:nvSpPr>
+        <p:spPr>
+          <a:xfrm>
+            <a:off x="457200" y="3445071"/>
+            <a:ext cx="2556153" cy="369332"/>
+          </a:xfrm>
+          <a:prstGeom prst="rect">
+            <a:avLst/>
+          </a:prstGeom>
+          <a:noFill/>
+        </p:spPr>
+        <p:txBody>
+          <a:bodyPr wrap="square" rtlCol="0">
+            <a:spAutoFit/>
+          </a:bodyPr>
+          <a:lstStyle/>
+          <a:p>
+            <a:pPr algn="r"/>
+            <a:r>
+              <a:rPr lang="en-US" dirty="0" smtClean="0"/>
+              <a:t>Hog.jar</a:t>
+            </a:r>
+            <a:endParaRPr lang="en-US" dirty="0"/>
+          </a:p>
+        </p:txBody>
+      </p:sp>
+      <p:cxnSp>
+        <p:nvCxnSpPr>
+          <p:cNvPr id="67" name="Straight Arrow Connector 51"/>
+          <p:cNvCxnSpPr>
+            <a:stCxn id="55" idx="2"/>
+            <a:endCxn id="23" idx="2"/>
+          </p:cNvCxnSpPr>
+          <p:nvPr/>
+        </p:nvCxnSpPr>
+        <p:spPr>
+          <a:xfrm rot="5400000" flipH="1" flipV="1">
+            <a:off x="5373449" y="2553389"/>
+            <a:ext cx="25828" cy="3984021"/>
+          </a:xfrm>
+          <a:prstGeom prst="bentConnector3">
+            <a:avLst>
+              <a:gd name="adj1" fmla="val -885086"/>
+            </a:avLst>
+          </a:prstGeom>
+          <a:ln w="28575">
+            <a:solidFill>
+              <a:schemeClr val="tx1"/>
+            </a:solidFill>
+            <a:tailEnd type="arrow"/>
+          </a:ln>
+        </p:spPr>
+        <p:style>
+          <a:lnRef idx="1">
+            <a:schemeClr val="accent1"/>
+          </a:lnRef>
+          <a:fillRef idx="0">
+            <a:schemeClr val="accent1"/>
+          </a:fillRef>
+          <a:effectRef idx="0">
+            <a:schemeClr val="accent1"/>
+          </a:effectRef>
+          <a:fontRef idx="minor">
+            <a:schemeClr val="tx1"/>
+          </a:fontRef>
+        </p:style>
+      </p:cxnSp>
+      <p:cxnSp>
+        <p:nvCxnSpPr>
+          <p:cNvPr id="68" name="Straight Arrow Connector 51"/>
+          <p:cNvCxnSpPr>
+            <a:stCxn id="55" idx="2"/>
+            <a:endCxn id="15" idx="2"/>
+          </p:cNvCxnSpPr>
+          <p:nvPr/>
+        </p:nvCxnSpPr>
+        <p:spPr>
+          <a:xfrm rot="5400000" flipH="1" flipV="1">
+            <a:off x="5574569" y="2352269"/>
+            <a:ext cx="25828" cy="4386261"/>
+          </a:xfrm>
+          <a:prstGeom prst="bentConnector3">
+            <a:avLst>
+              <a:gd name="adj1" fmla="val -885086"/>
+            </a:avLst>
+          </a:prstGeom>
+          <a:ln w="28575">
+            <a:solidFill>
+              <a:schemeClr val="tx1"/>
+            </a:solidFill>
+            <a:tailEnd type="arrow"/>
+          </a:ln>
+        </p:spPr>
+        <p:style>
+          <a:lnRef idx="1">
+            <a:schemeClr val="accent1"/>
+          </a:lnRef>
+          <a:fillRef idx="0">
+            <a:schemeClr val="accent1"/>
+          </a:fillRef>
+          <a:effectRef idx="0">
+            <a:schemeClr val="accent1"/>
+          </a:effectRef>
+          <a:fontRef idx="minor">
+            <a:schemeClr val="tx1"/>
+          </a:fontRef>
+        </p:style>
+      </p:cxnSp>
+      <p:cxnSp>
+        <p:nvCxnSpPr>
+          <p:cNvPr id="66" name="Straight Arrow Connector 65"/>
+          <p:cNvCxnSpPr>
+            <a:stCxn id="116" idx="3"/>
+            <a:endCxn id="55" idx="1"/>
+          </p:cNvCxnSpPr>
+          <p:nvPr/>
+        </p:nvCxnSpPr>
+        <p:spPr>
+          <a:xfrm>
+            <a:off x="1598482" y="4256498"/>
+            <a:ext cx="729071" cy="1630"/>
+          </a:xfrm>
+          <a:prstGeom prst="straightConnector1">
+            <a:avLst/>
+          </a:prstGeom>
+          <a:ln w="28575">
+            <a:solidFill>
+              <a:schemeClr val="tx1">
+                <a:lumMod val="75000"/>
+                <a:lumOff val="25000"/>
+              </a:schemeClr>
+            </a:solidFill>
+            <a:tailEnd type="arrow"/>
+          </a:ln>
+        </p:spPr>
+        <p:style>
+          <a:lnRef idx="1">
+            <a:schemeClr val="accent1"/>
+          </a:lnRef>
+          <a:fillRef idx="0">
+            <a:schemeClr val="accent1"/>
+          </a:fillRef>
+          <a:effectRef idx="0">
+            <a:schemeClr val="accent1"/>
+          </a:effectRef>
+          <a:fontRef idx="minor">
+            <a:schemeClr val="tx1"/>
+          </a:fontRef>
+        </p:style>
+      </p:cxnSp>
+      <p:sp>
+        <p:nvSpPr>
+          <p:cNvPr id="116" name="Rounded Rectangle 115"/>
+          <p:cNvSpPr/>
+          <p:nvPr/>
+        </p:nvSpPr>
+        <p:spPr>
+          <a:xfrm>
+            <a:off x="282455" y="3969196"/>
+            <a:ext cx="1316027" cy="574604"/>
+          </a:xfrm>
+          <a:prstGeom prst="roundRect">
+            <a:avLst/>
+          </a:prstGeom>
+          <a:ln/>
+        </p:spPr>
+        <p:style>
+          <a:lnRef idx="1">
+            <a:schemeClr val="accent2"/>
+          </a:lnRef>
+          <a:fillRef idx="2">
+            <a:schemeClr val="accent2"/>
+          </a:fillRef>
+          <a:effectRef idx="1">
+            <a:schemeClr val="accent2"/>
+          </a:effectRef>
+          <a:fontRef idx="minor">
+            <a:schemeClr val="dk1"/>
+          </a:fontRef>
+        </p:style>
+        <p:txBody>
+          <a:bodyPr rtlCol="0" anchor="ctr"/>
+          <a:lstStyle/>
+          <a:p>
+            <a:pPr algn="ctr"/>
+            <a:r>
+              <a:rPr lang="en-US" b="1" dirty="0" smtClean="0"/>
+              <a:t>Input</a:t>
+            </a:r>
+            <a:endParaRPr lang="en-US" b="1" dirty="0"/>
+          </a:p>
+        </p:txBody>
+      </p:sp>
+      <p:sp>
+        <p:nvSpPr>
+          <p:cNvPr id="119" name="Rounded Rectangle 118"/>
+          <p:cNvSpPr/>
+          <p:nvPr/>
+        </p:nvSpPr>
+        <p:spPr>
+          <a:xfrm>
+            <a:off x="282455" y="1461530"/>
+            <a:ext cx="1316027" cy="574604"/>
+          </a:xfrm>
+          <a:prstGeom prst="roundRect">
+            <a:avLst/>
+          </a:prstGeom>
+          <a:ln/>
+        </p:spPr>
+        <p:style>
+          <a:lnRef idx="1">
+            <a:schemeClr val="accent2"/>
+          </a:lnRef>
+          <a:fillRef idx="2">
+            <a:schemeClr val="accent2"/>
+          </a:fillRef>
+          <a:effectRef idx="1">
+            <a:schemeClr val="accent2"/>
+          </a:effectRef>
+          <a:fontRef idx="minor">
+            <a:schemeClr val="dk1"/>
+          </a:fontRef>
+        </p:style>
+        <p:txBody>
+          <a:bodyPr rtlCol="0" anchor="ctr"/>
+          <a:lstStyle/>
+          <a:p>
+            <a:pPr algn="ctr"/>
+            <a:r>
+              <a:rPr lang="en-US" b="1" dirty="0" smtClean="0"/>
+              <a:t>Hog Source</a:t>
+            </a:r>
+            <a:endParaRPr lang="en-US" b="1" dirty="0"/>
+          </a:p>
+        </p:txBody>
+      </p:sp>
+      <p:sp>
+        <p:nvSpPr>
+          <p:cNvPr id="125" name="Rounded Rectangle 124"/>
+          <p:cNvSpPr/>
+          <p:nvPr/>
+        </p:nvSpPr>
+        <p:spPr>
+          <a:xfrm>
+            <a:off x="6503858" y="1939359"/>
+            <a:ext cx="1316027" cy="574604"/>
+          </a:xfrm>
+          <a:prstGeom prst="roundRect">
+            <a:avLst/>
+          </a:prstGeom>
+          <a:ln/>
+        </p:spPr>
+        <p:style>
+          <a:lnRef idx="1">
+            <a:schemeClr val="accent2"/>
+          </a:lnRef>
+          <a:fillRef idx="2">
+            <a:schemeClr val="accent2"/>
+          </a:fillRef>
+          <a:effectRef idx="1">
+            <a:schemeClr val="accent2"/>
+          </a:effectRef>
+          <a:fontRef idx="minor">
+            <a:schemeClr val="dk1"/>
+          </a:fontRef>
+        </p:style>
+        <p:txBody>
+          <a:bodyPr rtlCol="0" anchor="ctr"/>
+          <a:lstStyle/>
+          <a:p>
+            <a:pPr algn="ctr"/>
+            <a:r>
+              <a:rPr lang="en-US" b="1" dirty="0" smtClean="0"/>
+              <a:t>Output</a:t>
+            </a:r>
+            <a:endParaRPr lang="en-US" b="1" dirty="0"/>
+          </a:p>
+        </p:txBody>
+      </p:sp>
+      <p:cxnSp>
+        <p:nvCxnSpPr>
+          <p:cNvPr id="129" name="Straight Arrow Connector 128"/>
+          <p:cNvCxnSpPr/>
+          <p:nvPr/>
+        </p:nvCxnSpPr>
+        <p:spPr>
+          <a:xfrm flipV="1">
+            <a:off x="7382242" y="2546544"/>
+            <a:ext cx="0" cy="756582"/>
+          </a:xfrm>
+          <a:prstGeom prst="straightConnector1">
+            <a:avLst/>
+          </a:prstGeom>
+          <a:ln w="28575">
+            <a:solidFill>
+              <a:schemeClr val="tx1"/>
+            </a:solidFill>
+            <a:tailEnd type="arrow"/>
+          </a:ln>
+        </p:spPr>
+        <p:style>
+          <a:lnRef idx="1">
+            <a:schemeClr val="accent1"/>
+          </a:lnRef>
+          <a:fillRef idx="0">
+            <a:schemeClr val="accent1"/>
+          </a:fillRef>
+          <a:effectRef idx="0">
+            <a:schemeClr val="accent1"/>
+          </a:effectRef>
+          <a:fontRef idx="minor">
+            <a:schemeClr val="tx1"/>
+          </a:fontRef>
+        </p:style>
+      </p:cxnSp>
+      <p:cxnSp>
+        <p:nvCxnSpPr>
+          <p:cNvPr id="130" name="Straight Arrow Connector 129"/>
+          <p:cNvCxnSpPr/>
+          <p:nvPr/>
+        </p:nvCxnSpPr>
+        <p:spPr>
+          <a:xfrm flipV="1">
+            <a:off x="7784482" y="2546544"/>
+            <a:ext cx="0" cy="756582"/>
+          </a:xfrm>
+          <a:prstGeom prst="straightConnector1">
+            <a:avLst/>
+          </a:prstGeom>
+          <a:ln w="28575">
+            <a:solidFill>
+              <a:schemeClr val="tx1"/>
+            </a:solidFill>
+            <a:tailEnd type="arrow"/>
+          </a:ln>
+        </p:spPr>
+        <p:style>
+          <a:lnRef idx="1">
+            <a:schemeClr val="accent1"/>
+          </a:lnRef>
+          <a:fillRef idx="0">
+            <a:schemeClr val="accent1"/>
+          </a:fillRef>
+          <a:effectRef idx="0">
+            <a:schemeClr val="accent1"/>
+          </a:effectRef>
+          <a:fontRef idx="minor">
+            <a:schemeClr val="tx1"/>
+          </a:fontRef>
+        </p:style>
+      </p:cxnSp>
     </p:spTree>
     <p:extLst>
       <p:ext uri="{BB962C8B-B14F-4D97-AF65-F5344CB8AC3E}">
-        <p14:creationId xmlns:p14="http://schemas.microsoft.com/office/powerpoint/2010/main" val="720806030"/>
+        <p14:creationId xmlns:p14="http://schemas.microsoft.com/office/powerpoint/2010/main" val="1825201128"/>
       </p:ext>
     </p:extLst>
   </p:cSld>
@@ -6171,7 +9635,7 @@
       </p:grpSpPr>
       <p:sp>
         <p:nvSpPr>
-          <p:cNvPr id="2" name="Title 1"/>
+          <p:cNvPr id="4" name="Title 3"/>
           <p:cNvSpPr>
             <a:spLocks noGrp="1"/>
           </p:cNvSpPr>
@@ -6180,65 +9644,1028 @@
           </p:nvPr>
         </p:nvSpPr>
         <p:spPr>
-          <a:xfrm rot="19140000">
-            <a:off x="631242" y="1776157"/>
-            <a:ext cx="5650992" cy="1207509"/>
+          <a:xfrm>
+            <a:off x="457200" y="129498"/>
+            <a:ext cx="8229600" cy="1143000"/>
           </a:xfrm>
         </p:spPr>
         <p:txBody>
           <a:bodyPr/>
           <a:lstStyle/>
           <a:p>
-            <a:r>
-              <a:rPr lang="en-US" sz="6000" dirty="0" smtClean="0"/>
-              <a:t>Testing</a:t>
-            </a:r>
-            <a:endParaRPr lang="en-US" sz="6000" dirty="0"/>
+            <a:pPr algn="l"/>
+            <a:r>
+              <a:rPr lang="en-US" dirty="0" smtClean="0"/>
+              <a:t>Hog Compiler Architecture</a:t>
+            </a:r>
+            <a:endParaRPr lang="en-US" dirty="0"/>
+          </a:p>
+        </p:txBody>
+      </p:sp>
+      <p:cxnSp>
+        <p:nvCxnSpPr>
+          <p:cNvPr id="47" name="Straight Arrow Connector 46"/>
+          <p:cNvCxnSpPr>
+            <a:stCxn id="62" idx="2"/>
+            <a:endCxn id="28" idx="0"/>
+          </p:cNvCxnSpPr>
+          <p:nvPr/>
+        </p:nvCxnSpPr>
+        <p:spPr>
+          <a:xfrm>
+            <a:off x="3029871" y="1384376"/>
+            <a:ext cx="1632" cy="294864"/>
+          </a:xfrm>
+          <a:prstGeom prst="straightConnector1">
+            <a:avLst/>
+          </a:prstGeom>
+          <a:ln w="28575">
+            <a:solidFill>
+              <a:schemeClr val="tx1">
+                <a:lumMod val="75000"/>
+                <a:lumOff val="25000"/>
+              </a:schemeClr>
+            </a:solidFill>
+            <a:tailEnd type="arrow"/>
+          </a:ln>
+        </p:spPr>
+        <p:style>
+          <a:lnRef idx="1">
+            <a:schemeClr val="accent1"/>
+          </a:lnRef>
+          <a:fillRef idx="0">
+            <a:schemeClr val="accent1"/>
+          </a:fillRef>
+          <a:effectRef idx="0">
+            <a:schemeClr val="accent1"/>
+          </a:effectRef>
+          <a:fontRef idx="minor">
+            <a:schemeClr val="tx1"/>
+          </a:fontRef>
+        </p:style>
+      </p:cxnSp>
+      <p:cxnSp>
+        <p:nvCxnSpPr>
+          <p:cNvPr id="48" name="Straight Arrow Connector 47"/>
+          <p:cNvCxnSpPr>
+            <a:endCxn id="61" idx="0"/>
+          </p:cNvCxnSpPr>
+          <p:nvPr/>
+        </p:nvCxnSpPr>
+        <p:spPr>
+          <a:xfrm>
+            <a:off x="2997198" y="2309720"/>
+            <a:ext cx="0" cy="535685"/>
+          </a:xfrm>
+          <a:prstGeom prst="straightConnector1">
+            <a:avLst/>
+          </a:prstGeom>
+          <a:ln w="28575">
+            <a:solidFill>
+              <a:schemeClr val="tx1">
+                <a:lumMod val="75000"/>
+                <a:lumOff val="25000"/>
+              </a:schemeClr>
+            </a:solidFill>
+            <a:tailEnd type="arrow"/>
+          </a:ln>
+        </p:spPr>
+        <p:style>
+          <a:lnRef idx="1">
+            <a:schemeClr val="accent1"/>
+          </a:lnRef>
+          <a:fillRef idx="0">
+            <a:schemeClr val="accent1"/>
+          </a:fillRef>
+          <a:effectRef idx="0">
+            <a:schemeClr val="accent1"/>
+          </a:effectRef>
+          <a:fontRef idx="minor">
+            <a:schemeClr val="tx1"/>
+          </a:fontRef>
+        </p:style>
+      </p:cxnSp>
+      <p:cxnSp>
+        <p:nvCxnSpPr>
+          <p:cNvPr id="49" name="Straight Arrow Connector 48"/>
+          <p:cNvCxnSpPr>
+            <a:stCxn id="61" idx="2"/>
+            <a:endCxn id="55" idx="0"/>
+          </p:cNvCxnSpPr>
+          <p:nvPr/>
+        </p:nvCxnSpPr>
+        <p:spPr>
+          <a:xfrm>
+            <a:off x="2997198" y="3445777"/>
+            <a:ext cx="0" cy="565793"/>
+          </a:xfrm>
+          <a:prstGeom prst="straightConnector1">
+            <a:avLst/>
+          </a:prstGeom>
+          <a:ln w="28575">
+            <a:solidFill>
+              <a:schemeClr val="tx1">
+                <a:lumMod val="75000"/>
+                <a:lumOff val="25000"/>
+              </a:schemeClr>
+            </a:solidFill>
+            <a:tailEnd type="arrow"/>
+          </a:ln>
+        </p:spPr>
+        <p:style>
+          <a:lnRef idx="1">
+            <a:schemeClr val="accent1"/>
+          </a:lnRef>
+          <a:fillRef idx="0">
+            <a:schemeClr val="accent1"/>
+          </a:fillRef>
+          <a:effectRef idx="0">
+            <a:schemeClr val="accent1"/>
+          </a:effectRef>
+          <a:fontRef idx="minor">
+            <a:schemeClr val="tx1"/>
+          </a:fontRef>
+        </p:style>
+      </p:cxnSp>
+      <p:sp>
+        <p:nvSpPr>
+          <p:cNvPr id="55" name="Rectangle 54"/>
+          <p:cNvSpPr/>
+          <p:nvPr/>
+        </p:nvSpPr>
+        <p:spPr>
+          <a:xfrm>
+            <a:off x="1930398" y="4011570"/>
+            <a:ext cx="2133600" cy="600372"/>
+          </a:xfrm>
+          <a:prstGeom prst="rect">
+            <a:avLst/>
+          </a:prstGeom>
+          <a:ln/>
+        </p:spPr>
+        <p:style>
+          <a:lnRef idx="1">
+            <a:schemeClr val="accent1"/>
+          </a:lnRef>
+          <a:fillRef idx="2">
+            <a:schemeClr val="accent1"/>
+          </a:fillRef>
+          <a:effectRef idx="1">
+            <a:schemeClr val="accent1"/>
+          </a:effectRef>
+          <a:fontRef idx="minor">
+            <a:schemeClr val="dk1"/>
+          </a:fontRef>
+        </p:style>
+        <p:txBody>
+          <a:bodyPr rtlCol="0" anchor="ctr"/>
+          <a:lstStyle/>
+          <a:p>
+            <a:pPr algn="ctr"/>
+            <a:r>
+              <a:rPr lang="en-US" sz="2000" dirty="0" smtClean="0">
+                <a:solidFill>
+                  <a:schemeClr val="tx1"/>
+                </a:solidFill>
+              </a:rPr>
+              <a:t>Symbol Table Visitor</a:t>
+            </a:r>
           </a:p>
         </p:txBody>
       </p:sp>
       <p:sp>
         <p:nvSpPr>
-          <p:cNvPr id="3" name="Text Placeholder 2"/>
-          <p:cNvSpPr>
-            <a:spLocks noGrp="1"/>
-          </p:cNvSpPr>
-          <p:nvPr>
-            <p:ph type="body" idx="1"/>
-          </p:nvPr>
+          <p:cNvPr id="61" name="Rectangle 60"/>
+          <p:cNvSpPr/>
+          <p:nvPr/>
         </p:nvSpPr>
         <p:spPr>
-          <a:xfrm rot="19140000">
-            <a:off x="938448" y="2278221"/>
-            <a:ext cx="7240656" cy="329184"/>
+          <a:xfrm>
+            <a:off x="1930398" y="2845405"/>
+            <a:ext cx="2133600" cy="600372"/>
           </a:xfrm>
+          <a:prstGeom prst="rect">
+            <a:avLst/>
+          </a:prstGeom>
+          <a:ln/>
+        </p:spPr>
+        <p:style>
+          <a:lnRef idx="1">
+            <a:schemeClr val="accent1"/>
+          </a:lnRef>
+          <a:fillRef idx="2">
+            <a:schemeClr val="accent1"/>
+          </a:fillRef>
+          <a:effectRef idx="1">
+            <a:schemeClr val="accent1"/>
+          </a:effectRef>
+          <a:fontRef idx="minor">
+            <a:schemeClr val="dk1"/>
+          </a:fontRef>
+        </p:style>
+        <p:txBody>
+          <a:bodyPr rtlCol="0" anchor="ctr"/>
+          <a:lstStyle/>
+          <a:p>
+            <a:pPr algn="ctr"/>
+            <a:r>
+              <a:rPr lang="en-US" sz="2000" dirty="0" smtClean="0">
+                <a:solidFill>
+                  <a:schemeClr val="tx1"/>
+                </a:solidFill>
+              </a:rPr>
+              <a:t>Parser</a:t>
+            </a:r>
+          </a:p>
+        </p:txBody>
+      </p:sp>
+      <p:sp>
+        <p:nvSpPr>
+          <p:cNvPr id="62" name="TextBox 61"/>
+          <p:cNvSpPr txBox="1"/>
+          <p:nvPr/>
+        </p:nvSpPr>
+        <p:spPr>
+          <a:xfrm>
+            <a:off x="2307561" y="1015044"/>
+            <a:ext cx="1444619" cy="369332"/>
+          </a:xfrm>
+          <a:prstGeom prst="rect">
+            <a:avLst/>
+          </a:prstGeom>
+          <a:noFill/>
         </p:spPr>
         <p:txBody>
-          <a:bodyPr>
-            <a:noAutofit/>
+          <a:bodyPr wrap="square" rtlCol="0">
+            <a:spAutoFit/>
           </a:bodyPr>
           <a:lstStyle/>
           <a:p>
-            <a:r>
-              <a:rPr lang="en-US" sz="2400" spc="0" dirty="0" smtClean="0"/>
-              <a:t>Jason </a:t>
-            </a:r>
-            <a:r>
-              <a:rPr lang="en-US" sz="2400" spc="0" dirty="0" err="1" smtClean="0"/>
-              <a:t>halpern</a:t>
-            </a:r>
-            <a:r>
-              <a:rPr lang="en-US" sz="2400" spc="0" dirty="0" smtClean="0"/>
-              <a:t> (testing/validation)</a:t>
-            </a:r>
-            <a:endParaRPr lang="en-US" sz="2400" spc="0" dirty="0"/>
+            <a:pPr algn="ctr"/>
+            <a:r>
+              <a:rPr lang="en-US" dirty="0" smtClean="0"/>
+              <a:t>Hog Source</a:t>
+            </a:r>
+            <a:endParaRPr lang="en-US" dirty="0"/>
+          </a:p>
+        </p:txBody>
+      </p:sp>
+      <p:sp>
+        <p:nvSpPr>
+          <p:cNvPr id="63" name="TextBox 62"/>
+          <p:cNvSpPr txBox="1"/>
+          <p:nvPr/>
+        </p:nvSpPr>
+        <p:spPr>
+          <a:xfrm>
+            <a:off x="177798" y="2380362"/>
+            <a:ext cx="2556153" cy="369332"/>
+          </a:xfrm>
+          <a:prstGeom prst="rect">
+            <a:avLst/>
+          </a:prstGeom>
+          <a:noFill/>
+        </p:spPr>
+        <p:txBody>
+          <a:bodyPr wrap="square" rtlCol="0">
+            <a:spAutoFit/>
+          </a:bodyPr>
+          <a:lstStyle/>
+          <a:p>
+            <a:pPr algn="r"/>
+            <a:r>
+              <a:rPr lang="en-US" dirty="0" smtClean="0"/>
+              <a:t>Token Stream</a:t>
+            </a:r>
+            <a:endParaRPr lang="en-US" dirty="0"/>
+          </a:p>
+        </p:txBody>
+      </p:sp>
+      <p:sp>
+        <p:nvSpPr>
+          <p:cNvPr id="64" name="TextBox 63"/>
+          <p:cNvSpPr txBox="1"/>
+          <p:nvPr/>
+        </p:nvSpPr>
+        <p:spPr>
+          <a:xfrm>
+            <a:off x="1567543" y="3535902"/>
+            <a:ext cx="1166408" cy="369332"/>
+          </a:xfrm>
+          <a:prstGeom prst="rect">
+            <a:avLst/>
+          </a:prstGeom>
+          <a:noFill/>
+        </p:spPr>
+        <p:txBody>
+          <a:bodyPr wrap="square" rtlCol="0">
+            <a:spAutoFit/>
+          </a:bodyPr>
+          <a:lstStyle/>
+          <a:p>
+            <a:pPr algn="r"/>
+            <a:r>
+              <a:rPr lang="en-US" dirty="0" smtClean="0"/>
+              <a:t>AST</a:t>
+            </a:r>
+            <a:endParaRPr lang="en-US" dirty="0"/>
+          </a:p>
+        </p:txBody>
+      </p:sp>
+      <p:pic>
+        <p:nvPicPr>
+          <p:cNvPr id="65" name="Picture 2" descr="JFlex Home"/>
+          <p:cNvPicPr>
+            <a:picLocks noChangeAspect="1" noChangeArrowheads="1"/>
+          </p:cNvPicPr>
+          <p:nvPr/>
+        </p:nvPicPr>
+        <p:blipFill>
+          <a:blip r:embed="rId3">
+            <a:extLst>
+              <a:ext uri="{28A0092B-C50C-407E-A947-70E740481C1C}">
+                <a14:useLocalDpi xmlns:a14="http://schemas.microsoft.com/office/drawing/2010/main" val="0"/>
+              </a:ext>
+            </a:extLst>
+          </a:blip>
+          <a:srcRect/>
+          <a:stretch>
+            <a:fillRect/>
+          </a:stretch>
+        </p:blipFill>
+        <p:spPr bwMode="auto">
+          <a:xfrm>
+            <a:off x="558798" y="1730844"/>
+            <a:ext cx="1181100" cy="580765"/>
+          </a:xfrm>
+          <a:prstGeom prst="rect">
+            <a:avLst/>
+          </a:prstGeom>
+          <a:noFill/>
+          <a:extLst>
+            <a:ext uri="{909E8E84-426E-40dd-AFC4-6F175D3DCCD1}">
+              <a14:hiddenFill xmlns:a14="http://schemas.microsoft.com/office/drawing/2010/main">
+                <a:solidFill>
+                  <a:srgbClr val="FFFFFF"/>
+                </a:solidFill>
+              </a14:hiddenFill>
+            </a:ext>
+          </a:extLst>
+        </p:spPr>
+      </p:pic>
+      <p:pic>
+        <p:nvPicPr>
+          <p:cNvPr id="66" name="Picture 4" descr="[CUP Logo Image]"/>
+          <p:cNvPicPr>
+            <a:picLocks noChangeAspect="1" noChangeArrowheads="1"/>
+          </p:cNvPicPr>
+          <p:nvPr/>
+        </p:nvPicPr>
+        <p:blipFill>
+          <a:blip r:embed="rId4">
+            <a:extLst>
+              <a:ext uri="{28A0092B-C50C-407E-A947-70E740481C1C}">
+                <a14:useLocalDpi xmlns:a14="http://schemas.microsoft.com/office/drawing/2010/main" val="0"/>
+              </a:ext>
+            </a:extLst>
+          </a:blip>
+          <a:srcRect/>
+          <a:stretch>
+            <a:fillRect/>
+          </a:stretch>
+        </p:blipFill>
+        <p:spPr bwMode="auto">
+          <a:xfrm>
+            <a:off x="377370" y="2813997"/>
+            <a:ext cx="1371600" cy="632320"/>
+          </a:xfrm>
+          <a:prstGeom prst="rect">
+            <a:avLst/>
+          </a:prstGeom>
+          <a:noFill/>
+          <a:extLst>
+            <a:ext uri="{909E8E84-426E-40dd-AFC4-6F175D3DCCD1}">
+              <a14:hiddenFill xmlns:a14="http://schemas.microsoft.com/office/drawing/2010/main">
+                <a:solidFill>
+                  <a:srgbClr val="FFFFFF"/>
+                </a:solidFill>
+              </a14:hiddenFill>
+            </a:ext>
+          </a:extLst>
+        </p:spPr>
+      </p:pic>
+      <p:sp>
+        <p:nvSpPr>
+          <p:cNvPr id="69" name="Rectangle 68"/>
+          <p:cNvSpPr/>
+          <p:nvPr/>
+        </p:nvSpPr>
+        <p:spPr>
+          <a:xfrm>
+            <a:off x="5762160" y="1709348"/>
+            <a:ext cx="2133600" cy="600372"/>
+          </a:xfrm>
+          <a:prstGeom prst="rect">
+            <a:avLst/>
+          </a:prstGeom>
+          <a:ln/>
+        </p:spPr>
+        <p:style>
+          <a:lnRef idx="1">
+            <a:schemeClr val="accent1"/>
+          </a:lnRef>
+          <a:fillRef idx="2">
+            <a:schemeClr val="accent1"/>
+          </a:fillRef>
+          <a:effectRef idx="1">
+            <a:schemeClr val="accent1"/>
+          </a:effectRef>
+          <a:fontRef idx="minor">
+            <a:schemeClr val="dk1"/>
+          </a:fontRef>
+        </p:style>
+        <p:txBody>
+          <a:bodyPr rtlCol="0" anchor="ctr"/>
+          <a:lstStyle/>
+          <a:p>
+            <a:pPr algn="ctr"/>
+            <a:r>
+              <a:rPr lang="en-US" sz="2000" dirty="0" smtClean="0">
+                <a:solidFill>
+                  <a:schemeClr val="tx1"/>
+                </a:solidFill>
+              </a:rPr>
+              <a:t>Java Generating Visitor</a:t>
+            </a:r>
+          </a:p>
+        </p:txBody>
+      </p:sp>
+      <p:sp>
+        <p:nvSpPr>
+          <p:cNvPr id="70" name="Rectangle 69"/>
+          <p:cNvSpPr/>
+          <p:nvPr/>
+        </p:nvSpPr>
+        <p:spPr>
+          <a:xfrm>
+            <a:off x="5762160" y="4011570"/>
+            <a:ext cx="2133600" cy="600372"/>
+          </a:xfrm>
+          <a:prstGeom prst="rect">
+            <a:avLst/>
+          </a:prstGeom>
+          <a:ln/>
+        </p:spPr>
+        <p:style>
+          <a:lnRef idx="1">
+            <a:schemeClr val="accent1"/>
+          </a:lnRef>
+          <a:fillRef idx="2">
+            <a:schemeClr val="accent1"/>
+          </a:fillRef>
+          <a:effectRef idx="1">
+            <a:schemeClr val="accent1"/>
+          </a:effectRef>
+          <a:fontRef idx="minor">
+            <a:schemeClr val="dk1"/>
+          </a:fontRef>
+        </p:style>
+        <p:txBody>
+          <a:bodyPr rtlCol="0" anchor="ctr"/>
+          <a:lstStyle/>
+          <a:p>
+            <a:pPr algn="ctr"/>
+            <a:r>
+              <a:rPr lang="en-US" sz="2000" dirty="0" smtClean="0">
+                <a:solidFill>
+                  <a:schemeClr val="tx1"/>
+                </a:solidFill>
+              </a:rPr>
+              <a:t>Type Checking Visitor</a:t>
+            </a:r>
+          </a:p>
+        </p:txBody>
+      </p:sp>
+      <p:sp>
+        <p:nvSpPr>
+          <p:cNvPr id="71" name="Rectangle 70"/>
+          <p:cNvSpPr/>
+          <p:nvPr/>
+        </p:nvSpPr>
+        <p:spPr>
+          <a:xfrm>
+            <a:off x="5762160" y="2860459"/>
+            <a:ext cx="2133600" cy="600372"/>
+          </a:xfrm>
+          <a:prstGeom prst="rect">
+            <a:avLst/>
+          </a:prstGeom>
+          <a:ln/>
+        </p:spPr>
+        <p:style>
+          <a:lnRef idx="1">
+            <a:schemeClr val="accent1"/>
+          </a:lnRef>
+          <a:fillRef idx="2">
+            <a:schemeClr val="accent1"/>
+          </a:fillRef>
+          <a:effectRef idx="1">
+            <a:schemeClr val="accent1"/>
+          </a:effectRef>
+          <a:fontRef idx="minor">
+            <a:schemeClr val="dk1"/>
+          </a:fontRef>
+        </p:style>
+        <p:txBody>
+          <a:bodyPr rtlCol="0" anchor="ctr"/>
+          <a:lstStyle/>
+          <a:p>
+            <a:pPr algn="ctr"/>
+            <a:r>
+              <a:rPr lang="en-US" sz="2000" dirty="0" smtClean="0">
+                <a:solidFill>
+                  <a:schemeClr val="tx1"/>
+                </a:solidFill>
+              </a:rPr>
+              <a:t>Semantic Analyzer</a:t>
+            </a:r>
+          </a:p>
+        </p:txBody>
+      </p:sp>
+      <p:cxnSp>
+        <p:nvCxnSpPr>
+          <p:cNvPr id="72" name="Straight Arrow Connector 71"/>
+          <p:cNvCxnSpPr>
+            <a:stCxn id="55" idx="3"/>
+            <a:endCxn id="70" idx="1"/>
+          </p:cNvCxnSpPr>
+          <p:nvPr/>
+        </p:nvCxnSpPr>
+        <p:spPr>
+          <a:xfrm>
+            <a:off x="4063998" y="4311756"/>
+            <a:ext cx="1698162" cy="0"/>
+          </a:xfrm>
+          <a:prstGeom prst="straightConnector1">
+            <a:avLst/>
+          </a:prstGeom>
+          <a:ln w="28575">
+            <a:solidFill>
+              <a:schemeClr val="tx1">
+                <a:lumMod val="75000"/>
+                <a:lumOff val="25000"/>
+              </a:schemeClr>
+            </a:solidFill>
+            <a:tailEnd type="arrow"/>
+          </a:ln>
+        </p:spPr>
+        <p:style>
+          <a:lnRef idx="1">
+            <a:schemeClr val="accent1"/>
+          </a:lnRef>
+          <a:fillRef idx="0">
+            <a:schemeClr val="accent1"/>
+          </a:fillRef>
+          <a:effectRef idx="0">
+            <a:schemeClr val="accent1"/>
+          </a:effectRef>
+          <a:fontRef idx="minor">
+            <a:schemeClr val="tx1"/>
+          </a:fontRef>
+        </p:style>
+      </p:cxnSp>
+      <p:sp>
+        <p:nvSpPr>
+          <p:cNvPr id="5" name="Rounded Rectangle 4"/>
+          <p:cNvSpPr/>
+          <p:nvPr/>
+        </p:nvSpPr>
+        <p:spPr>
+          <a:xfrm>
+            <a:off x="4383301" y="2822265"/>
+            <a:ext cx="1059556" cy="676578"/>
+          </a:xfrm>
+          <a:prstGeom prst="roundRect">
+            <a:avLst/>
+          </a:prstGeom>
+        </p:spPr>
+        <p:style>
+          <a:lnRef idx="1">
+            <a:schemeClr val="accent2"/>
+          </a:lnRef>
+          <a:fillRef idx="2">
+            <a:schemeClr val="accent2"/>
+          </a:fillRef>
+          <a:effectRef idx="1">
+            <a:schemeClr val="accent2"/>
+          </a:effectRef>
+          <a:fontRef idx="minor">
+            <a:schemeClr val="dk1"/>
+          </a:fontRef>
+        </p:style>
+        <p:txBody>
+          <a:bodyPr rtlCol="0" anchor="ctr"/>
+          <a:lstStyle/>
+          <a:p>
+            <a:pPr algn="ctr"/>
+            <a:r>
+              <a:rPr lang="en-US" sz="2000" dirty="0" smtClean="0"/>
+              <a:t>Symbol Table</a:t>
+            </a:r>
+            <a:endParaRPr lang="en-US" sz="2000" dirty="0"/>
+          </a:p>
+        </p:txBody>
+      </p:sp>
+      <p:cxnSp>
+        <p:nvCxnSpPr>
+          <p:cNvPr id="76" name="Straight Arrow Connector 75"/>
+          <p:cNvCxnSpPr/>
+          <p:nvPr/>
+        </p:nvCxnSpPr>
+        <p:spPr>
+          <a:xfrm>
+            <a:off x="5334437" y="3556578"/>
+            <a:ext cx="427723" cy="454992"/>
+          </a:xfrm>
+          <a:prstGeom prst="straightConnector1">
+            <a:avLst/>
+          </a:prstGeom>
+          <a:ln w="28575">
+            <a:solidFill>
+              <a:schemeClr val="tx1">
+                <a:lumMod val="75000"/>
+                <a:lumOff val="25000"/>
+              </a:schemeClr>
+            </a:solidFill>
+            <a:headEnd type="arrow"/>
+            <a:tailEnd type="arrow"/>
+          </a:ln>
+        </p:spPr>
+        <p:style>
+          <a:lnRef idx="1">
+            <a:schemeClr val="accent1"/>
+          </a:lnRef>
+          <a:fillRef idx="0">
+            <a:schemeClr val="accent1"/>
+          </a:fillRef>
+          <a:effectRef idx="0">
+            <a:schemeClr val="accent1"/>
+          </a:effectRef>
+          <a:fontRef idx="minor">
+            <a:schemeClr val="tx1"/>
+          </a:fontRef>
+        </p:style>
+      </p:cxnSp>
+      <p:cxnSp>
+        <p:nvCxnSpPr>
+          <p:cNvPr id="77" name="Straight Arrow Connector 76"/>
+          <p:cNvCxnSpPr/>
+          <p:nvPr/>
+        </p:nvCxnSpPr>
+        <p:spPr>
+          <a:xfrm flipV="1">
+            <a:off x="4098303" y="3556578"/>
+            <a:ext cx="395347" cy="481771"/>
+          </a:xfrm>
+          <a:prstGeom prst="straightConnector1">
+            <a:avLst/>
+          </a:prstGeom>
+          <a:ln w="28575">
+            <a:solidFill>
+              <a:schemeClr val="tx1">
+                <a:lumMod val="75000"/>
+                <a:lumOff val="25000"/>
+              </a:schemeClr>
+            </a:solidFill>
+            <a:headEnd type="arrow"/>
+            <a:tailEnd type="arrow"/>
+          </a:ln>
+        </p:spPr>
+        <p:style>
+          <a:lnRef idx="1">
+            <a:schemeClr val="accent1"/>
+          </a:lnRef>
+          <a:fillRef idx="0">
+            <a:schemeClr val="accent1"/>
+          </a:fillRef>
+          <a:effectRef idx="0">
+            <a:schemeClr val="accent1"/>
+          </a:effectRef>
+          <a:fontRef idx="minor">
+            <a:schemeClr val="tx1"/>
+          </a:fontRef>
+        </p:style>
+      </p:cxnSp>
+      <p:sp>
+        <p:nvSpPr>
+          <p:cNvPr id="82" name="TextBox 81"/>
+          <p:cNvSpPr txBox="1"/>
+          <p:nvPr/>
+        </p:nvSpPr>
+        <p:spPr>
+          <a:xfrm>
+            <a:off x="3815261" y="4357926"/>
+            <a:ext cx="2164622" cy="646331"/>
+          </a:xfrm>
+          <a:prstGeom prst="rect">
+            <a:avLst/>
+          </a:prstGeom>
+          <a:noFill/>
+        </p:spPr>
+        <p:txBody>
+          <a:bodyPr wrap="square" rtlCol="0">
+            <a:spAutoFit/>
+          </a:bodyPr>
+          <a:lstStyle/>
+          <a:p>
+            <a:pPr algn="ctr"/>
+            <a:r>
+              <a:rPr lang="en-US" dirty="0" smtClean="0"/>
+              <a:t>Partially </a:t>
+            </a:r>
+            <a:br>
+              <a:rPr lang="en-US" dirty="0" smtClean="0"/>
+            </a:br>
+            <a:r>
+              <a:rPr lang="en-US" dirty="0" smtClean="0"/>
+              <a:t>Decorated AST</a:t>
+            </a:r>
+            <a:endParaRPr lang="en-US" dirty="0"/>
+          </a:p>
+        </p:txBody>
+      </p:sp>
+      <p:cxnSp>
+        <p:nvCxnSpPr>
+          <p:cNvPr id="83" name="Straight Arrow Connector 82"/>
+          <p:cNvCxnSpPr>
+            <a:stCxn id="70" idx="0"/>
+            <a:endCxn id="71" idx="2"/>
+          </p:cNvCxnSpPr>
+          <p:nvPr/>
+        </p:nvCxnSpPr>
+        <p:spPr>
+          <a:xfrm flipV="1">
+            <a:off x="6828960" y="3460831"/>
+            <a:ext cx="0" cy="550739"/>
+          </a:xfrm>
+          <a:prstGeom prst="straightConnector1">
+            <a:avLst/>
+          </a:prstGeom>
+          <a:ln w="28575">
+            <a:solidFill>
+              <a:schemeClr val="tx1">
+                <a:lumMod val="75000"/>
+                <a:lumOff val="25000"/>
+              </a:schemeClr>
+            </a:solidFill>
+            <a:tailEnd type="arrow"/>
+          </a:ln>
+        </p:spPr>
+        <p:style>
+          <a:lnRef idx="1">
+            <a:schemeClr val="accent1"/>
+          </a:lnRef>
+          <a:fillRef idx="0">
+            <a:schemeClr val="accent1"/>
+          </a:fillRef>
+          <a:effectRef idx="0">
+            <a:schemeClr val="accent1"/>
+          </a:effectRef>
+          <a:fontRef idx="minor">
+            <a:schemeClr val="tx1"/>
+          </a:fontRef>
+        </p:style>
+      </p:cxnSp>
+      <p:sp>
+        <p:nvSpPr>
+          <p:cNvPr id="86" name="TextBox 85"/>
+          <p:cNvSpPr txBox="1"/>
+          <p:nvPr/>
+        </p:nvSpPr>
+        <p:spPr>
+          <a:xfrm>
+            <a:off x="7050307" y="3556578"/>
+            <a:ext cx="2413001" cy="369332"/>
+          </a:xfrm>
+          <a:prstGeom prst="rect">
+            <a:avLst/>
+          </a:prstGeom>
+          <a:noFill/>
+        </p:spPr>
+        <p:txBody>
+          <a:bodyPr wrap="square" rtlCol="0">
+            <a:spAutoFit/>
+          </a:bodyPr>
+          <a:lstStyle/>
+          <a:p>
+            <a:r>
+              <a:rPr lang="en-US" dirty="0" smtClean="0"/>
+              <a:t>Fully Decorated AST</a:t>
+            </a:r>
+            <a:endParaRPr lang="en-US" dirty="0"/>
+          </a:p>
+        </p:txBody>
+      </p:sp>
+      <p:sp>
+        <p:nvSpPr>
+          <p:cNvPr id="89" name="TextBox 88"/>
+          <p:cNvSpPr txBox="1"/>
+          <p:nvPr/>
+        </p:nvSpPr>
+        <p:spPr>
+          <a:xfrm>
+            <a:off x="7050308" y="2405314"/>
+            <a:ext cx="2413000" cy="369332"/>
+          </a:xfrm>
+          <a:prstGeom prst="rect">
+            <a:avLst/>
+          </a:prstGeom>
+          <a:noFill/>
+        </p:spPr>
+        <p:txBody>
+          <a:bodyPr wrap="square" rtlCol="0">
+            <a:spAutoFit/>
+          </a:bodyPr>
+          <a:lstStyle/>
+          <a:p>
+            <a:r>
+              <a:rPr lang="en-US" dirty="0" smtClean="0"/>
+              <a:t>Fully Decorated AST</a:t>
+            </a:r>
+            <a:endParaRPr lang="en-US" dirty="0"/>
+          </a:p>
+        </p:txBody>
+      </p:sp>
+      <p:cxnSp>
+        <p:nvCxnSpPr>
+          <p:cNvPr id="90" name="Straight Arrow Connector 89"/>
+          <p:cNvCxnSpPr>
+            <a:stCxn id="71" idx="0"/>
+            <a:endCxn id="69" idx="2"/>
+          </p:cNvCxnSpPr>
+          <p:nvPr/>
+        </p:nvCxnSpPr>
+        <p:spPr>
+          <a:xfrm flipV="1">
+            <a:off x="6828960" y="2309720"/>
+            <a:ext cx="0" cy="550739"/>
+          </a:xfrm>
+          <a:prstGeom prst="straightConnector1">
+            <a:avLst/>
+          </a:prstGeom>
+          <a:ln w="28575">
+            <a:solidFill>
+              <a:schemeClr val="tx1">
+                <a:lumMod val="75000"/>
+                <a:lumOff val="25000"/>
+              </a:schemeClr>
+            </a:solidFill>
+            <a:tailEnd type="arrow"/>
+          </a:ln>
+        </p:spPr>
+        <p:style>
+          <a:lnRef idx="1">
+            <a:schemeClr val="accent1"/>
+          </a:lnRef>
+          <a:fillRef idx="0">
+            <a:schemeClr val="accent1"/>
+          </a:fillRef>
+          <a:effectRef idx="0">
+            <a:schemeClr val="accent1"/>
+          </a:effectRef>
+          <a:fontRef idx="minor">
+            <a:schemeClr val="tx1"/>
+          </a:fontRef>
+        </p:style>
+      </p:cxnSp>
+      <p:cxnSp>
+        <p:nvCxnSpPr>
+          <p:cNvPr id="93" name="Straight Arrow Connector 92"/>
+          <p:cNvCxnSpPr>
+            <a:stCxn id="69" idx="0"/>
+            <a:endCxn id="97" idx="2"/>
+          </p:cNvCxnSpPr>
+          <p:nvPr/>
+        </p:nvCxnSpPr>
+        <p:spPr>
+          <a:xfrm flipH="1" flipV="1">
+            <a:off x="6821928" y="1384376"/>
+            <a:ext cx="7032" cy="324972"/>
+          </a:xfrm>
+          <a:prstGeom prst="straightConnector1">
+            <a:avLst/>
+          </a:prstGeom>
+          <a:ln w="28575">
+            <a:solidFill>
+              <a:schemeClr val="tx1">
+                <a:lumMod val="75000"/>
+                <a:lumOff val="25000"/>
+              </a:schemeClr>
+            </a:solidFill>
+            <a:tailEnd type="arrow"/>
+          </a:ln>
+        </p:spPr>
+        <p:style>
+          <a:lnRef idx="1">
+            <a:schemeClr val="accent1"/>
+          </a:lnRef>
+          <a:fillRef idx="0">
+            <a:schemeClr val="accent1"/>
+          </a:fillRef>
+          <a:effectRef idx="0">
+            <a:schemeClr val="accent1"/>
+          </a:effectRef>
+          <a:fontRef idx="minor">
+            <a:schemeClr val="tx1"/>
+          </a:fontRef>
+        </p:style>
+      </p:cxnSp>
+      <p:sp>
+        <p:nvSpPr>
+          <p:cNvPr id="97" name="TextBox 96"/>
+          <p:cNvSpPr txBox="1"/>
+          <p:nvPr/>
+        </p:nvSpPr>
+        <p:spPr>
+          <a:xfrm>
+            <a:off x="5334437" y="1015044"/>
+            <a:ext cx="2974982" cy="369332"/>
+          </a:xfrm>
+          <a:prstGeom prst="rect">
+            <a:avLst/>
+          </a:prstGeom>
+          <a:noFill/>
+        </p:spPr>
+        <p:txBody>
+          <a:bodyPr wrap="square" rtlCol="0">
+            <a:spAutoFit/>
+          </a:bodyPr>
+          <a:lstStyle/>
+          <a:p>
+            <a:pPr algn="ctr"/>
+            <a:r>
+              <a:rPr lang="en-US" dirty="0" smtClean="0"/>
+              <a:t>Java MapReduce Program</a:t>
+            </a:r>
+            <a:endParaRPr lang="en-US" dirty="0"/>
+          </a:p>
+        </p:txBody>
+      </p:sp>
+      <p:sp>
+        <p:nvSpPr>
+          <p:cNvPr id="28" name="Rectangle 27"/>
+          <p:cNvSpPr/>
+          <p:nvPr/>
+        </p:nvSpPr>
+        <p:spPr>
+          <a:xfrm>
+            <a:off x="1964703" y="1679240"/>
+            <a:ext cx="2133600" cy="600372"/>
+          </a:xfrm>
+          <a:prstGeom prst="rect">
+            <a:avLst/>
+          </a:prstGeom>
+          <a:ln/>
+        </p:spPr>
+        <p:style>
+          <a:lnRef idx="1">
+            <a:schemeClr val="accent1"/>
+          </a:lnRef>
+          <a:fillRef idx="2">
+            <a:schemeClr val="accent1"/>
+          </a:fillRef>
+          <a:effectRef idx="1">
+            <a:schemeClr val="accent1"/>
+          </a:effectRef>
+          <a:fontRef idx="minor">
+            <a:schemeClr val="dk1"/>
+          </a:fontRef>
+        </p:style>
+        <p:txBody>
+          <a:bodyPr rtlCol="0" anchor="ctr"/>
+          <a:lstStyle/>
+          <a:p>
+            <a:pPr algn="ctr"/>
+            <a:r>
+              <a:rPr lang="en-US" sz="2000" dirty="0" err="1" smtClean="0">
+                <a:solidFill>
+                  <a:schemeClr val="tx1"/>
+                </a:solidFill>
+              </a:rPr>
+              <a:t>Lexer</a:t>
+            </a:r>
+            <a:endParaRPr lang="en-US" sz="2000" dirty="0" smtClean="0">
+              <a:solidFill>
+                <a:schemeClr val="tx1"/>
+              </a:solidFill>
+            </a:endParaRPr>
           </a:p>
         </p:txBody>
       </p:sp>
     </p:spTree>
     <p:extLst>
       <p:ext uri="{BB962C8B-B14F-4D97-AF65-F5344CB8AC3E}">
-        <p14:creationId xmlns:p14="http://schemas.microsoft.com/office/powerpoint/2010/main" val="720806030"/>
+        <p14:creationId xmlns:p14="http://schemas.microsoft.com/office/powerpoint/2010/main" val="1554688399"/>
       </p:ext>
     </p:extLst>
   </p:cSld>
@@ -6294,7 +10721,7 @@
           <a:p>
             <a:r>
               <a:rPr lang="en-US" sz="6000" dirty="0" smtClean="0"/>
-              <a:t>conclusions</a:t>
+              <a:t>runtime</a:t>
             </a:r>
             <a:endParaRPr lang="en-US" sz="6000" dirty="0"/>
           </a:p>
@@ -6323,6 +10750,216 @@
           <a:lstStyle/>
           <a:p>
             <a:r>
+              <a:rPr lang="en-US" sz="2400" spc="0" dirty="0" err="1" smtClean="0"/>
+              <a:t>Kurry</a:t>
+            </a:r>
+            <a:r>
+              <a:rPr lang="en-US" sz="2400" spc="0" dirty="0" smtClean="0"/>
+              <a:t> </a:t>
+            </a:r>
+            <a:r>
+              <a:rPr lang="en-US" sz="2400" spc="0" dirty="0" err="1" smtClean="0"/>
+              <a:t>tran</a:t>
+            </a:r>
+            <a:r>
+              <a:rPr lang="en-US" sz="2400" spc="0" dirty="0" smtClean="0"/>
+              <a:t> (System integrator)</a:t>
+            </a:r>
+            <a:endParaRPr lang="en-US" sz="2400" spc="0" dirty="0"/>
+          </a:p>
+        </p:txBody>
+      </p:sp>
+    </p:spTree>
+    <p:extLst>
+      <p:ext uri="{BB962C8B-B14F-4D97-AF65-F5344CB8AC3E}">
+        <p14:creationId xmlns:p14="http://schemas.microsoft.com/office/powerpoint/2010/main" val="720806030"/>
+      </p:ext>
+    </p:extLst>
+  </p:cSld>
+  <p:clrMapOvr>
+    <a:masterClrMapping/>
+  </p:clrMapOvr>
+  <p:timing>
+    <p:tnLst>
+      <p:par>
+        <p:cTn xmlns:p14="http://schemas.microsoft.com/office/powerpoint/2010/main" id="1" dur="indefinite" restart="never" nodeType="tmRoot"/>
+      </p:par>
+    </p:tnLst>
+  </p:timing>
+</p:sld>
+</file>
+
+<file path=ppt/slides/slide16.xml><?xml version="1.0" encoding="utf-8"?>
+<p:sld xmlns:a="http://schemas.openxmlformats.org/drawingml/2006/main" xmlns:r="http://schemas.openxmlformats.org/officeDocument/2006/relationships" xmlns:p="http://schemas.openxmlformats.org/presentationml/2006/main">
+  <p:cSld>
+    <p:spTree>
+      <p:nvGrpSpPr>
+        <p:cNvPr id="1" name=""/>
+        <p:cNvGrpSpPr/>
+        <p:nvPr/>
+      </p:nvGrpSpPr>
+      <p:grpSpPr>
+        <a:xfrm>
+          <a:off x="0" y="0"/>
+          <a:ext cx="0" cy="0"/>
+          <a:chOff x="0" y="0"/>
+          <a:chExt cx="0" cy="0"/>
+        </a:xfrm>
+      </p:grpSpPr>
+      <p:sp>
+        <p:nvSpPr>
+          <p:cNvPr id="2" name="Title 1"/>
+          <p:cNvSpPr>
+            <a:spLocks noGrp="1"/>
+          </p:cNvSpPr>
+          <p:nvPr>
+            <p:ph type="title"/>
+          </p:nvPr>
+        </p:nvSpPr>
+        <p:spPr>
+          <a:xfrm rot="19140000">
+            <a:off x="631242" y="1776157"/>
+            <a:ext cx="5650992" cy="1207509"/>
+          </a:xfrm>
+        </p:spPr>
+        <p:txBody>
+          <a:bodyPr/>
+          <a:lstStyle/>
+          <a:p>
+            <a:r>
+              <a:rPr lang="en-US" sz="6000" dirty="0" smtClean="0"/>
+              <a:t>Testing</a:t>
+            </a:r>
+            <a:endParaRPr lang="en-US" sz="6000" dirty="0"/>
+          </a:p>
+        </p:txBody>
+      </p:sp>
+      <p:sp>
+        <p:nvSpPr>
+          <p:cNvPr id="3" name="Text Placeholder 2"/>
+          <p:cNvSpPr>
+            <a:spLocks noGrp="1"/>
+          </p:cNvSpPr>
+          <p:nvPr>
+            <p:ph type="body" idx="1"/>
+          </p:nvPr>
+        </p:nvSpPr>
+        <p:spPr>
+          <a:xfrm rot="19140000">
+            <a:off x="938448" y="2278221"/>
+            <a:ext cx="7240656" cy="329184"/>
+          </a:xfrm>
+        </p:spPr>
+        <p:txBody>
+          <a:bodyPr>
+            <a:noAutofit/>
+          </a:bodyPr>
+          <a:lstStyle/>
+          <a:p>
+            <a:r>
+              <a:rPr lang="en-US" sz="2400" spc="0" dirty="0" smtClean="0"/>
+              <a:t>Jason </a:t>
+            </a:r>
+            <a:r>
+              <a:rPr lang="en-US" sz="2400" spc="0" dirty="0" err="1" smtClean="0"/>
+              <a:t>halpern</a:t>
+            </a:r>
+            <a:r>
+              <a:rPr lang="en-US" sz="2400" spc="0" dirty="0" smtClean="0"/>
+              <a:t> (testing/validation)</a:t>
+            </a:r>
+            <a:endParaRPr lang="en-US" sz="2400" spc="0" dirty="0"/>
+          </a:p>
+        </p:txBody>
+      </p:sp>
+    </p:spTree>
+    <p:extLst>
+      <p:ext uri="{BB962C8B-B14F-4D97-AF65-F5344CB8AC3E}">
+        <p14:creationId xmlns:p14="http://schemas.microsoft.com/office/powerpoint/2010/main" val="720806030"/>
+      </p:ext>
+    </p:extLst>
+  </p:cSld>
+  <p:clrMapOvr>
+    <a:masterClrMapping/>
+  </p:clrMapOvr>
+  <p:timing>
+    <p:tnLst>
+      <p:par>
+        <p:cTn xmlns:p14="http://schemas.microsoft.com/office/powerpoint/2010/main" id="1" dur="indefinite" restart="never" nodeType="tmRoot"/>
+      </p:par>
+    </p:tnLst>
+  </p:timing>
+</p:sld>
+</file>
+
+<file path=ppt/slides/slide17.xml><?xml version="1.0" encoding="utf-8"?>
+<p:sld xmlns:a="http://schemas.openxmlformats.org/drawingml/2006/main" xmlns:r="http://schemas.openxmlformats.org/officeDocument/2006/relationships" xmlns:p="http://schemas.openxmlformats.org/presentationml/2006/main">
+  <p:cSld>
+    <p:spTree>
+      <p:nvGrpSpPr>
+        <p:cNvPr id="1" name=""/>
+        <p:cNvGrpSpPr/>
+        <p:nvPr/>
+      </p:nvGrpSpPr>
+      <p:grpSpPr>
+        <a:xfrm>
+          <a:off x="0" y="0"/>
+          <a:ext cx="0" cy="0"/>
+          <a:chOff x="0" y="0"/>
+          <a:chExt cx="0" cy="0"/>
+        </a:xfrm>
+      </p:grpSpPr>
+      <p:sp>
+        <p:nvSpPr>
+          <p:cNvPr id="2" name="Title 1"/>
+          <p:cNvSpPr>
+            <a:spLocks noGrp="1"/>
+          </p:cNvSpPr>
+          <p:nvPr>
+            <p:ph type="title"/>
+          </p:nvPr>
+        </p:nvSpPr>
+        <p:spPr>
+          <a:xfrm rot="19140000">
+            <a:off x="631242" y="1776157"/>
+            <a:ext cx="5650992" cy="1207509"/>
+          </a:xfrm>
+        </p:spPr>
+        <p:txBody>
+          <a:bodyPr/>
+          <a:lstStyle/>
+          <a:p>
+            <a:r>
+              <a:rPr lang="en-US" sz="6000" dirty="0" smtClean="0"/>
+              <a:t>conclusions</a:t>
+            </a:r>
+            <a:endParaRPr lang="en-US" sz="6000" dirty="0"/>
+          </a:p>
+        </p:txBody>
+      </p:sp>
+      <p:sp>
+        <p:nvSpPr>
+          <p:cNvPr id="3" name="Text Placeholder 2"/>
+          <p:cNvSpPr>
+            <a:spLocks noGrp="1"/>
+          </p:cNvSpPr>
+          <p:nvPr>
+            <p:ph type="body" idx="1"/>
+          </p:nvPr>
+        </p:nvSpPr>
+        <p:spPr>
+          <a:xfrm rot="19140000">
+            <a:off x="938448" y="2278221"/>
+            <a:ext cx="7240656" cy="329184"/>
+          </a:xfrm>
+        </p:spPr>
+        <p:txBody>
+          <a:bodyPr>
+            <a:noAutofit/>
+          </a:bodyPr>
+          <a:lstStyle/>
+          <a:p>
+            <a:r>
               <a:rPr lang="en-US" sz="2400" spc="0" dirty="0" smtClean="0"/>
               <a:t>The hog team</a:t>
             </a:r>
@@ -6350,7 +10987,7 @@
 </p:sld>
 </file>
 
-<file path=ppt/slides/slide16.xml><?xml version="1.0" encoding="utf-8"?>
+<file path=ppt/slides/slide18.xml><?xml version="1.0" encoding="utf-8"?>
 <p:sld xmlns:a="http://schemas.openxmlformats.org/drawingml/2006/main" xmlns:r="http://schemas.openxmlformats.org/officeDocument/2006/relationships" xmlns:p="http://schemas.openxmlformats.org/presentationml/2006/main">
   <p:cSld>
     <p:spTree>
@@ -6882,7 +11519,6 @@
               <a:rPr lang="en-US" sz="2400" b="1" cap="none" spc="0" dirty="0"/>
               <a:t>Say you…</a:t>
             </a:r>
-            <a:endParaRPr lang="en-US" sz="2400" b="1" cap="none" spc="0" dirty="0"/>
           </a:p>
         </p:txBody>
       </p:sp>
@@ -10249,4 +14885,324 @@
   <a:objectDefaults/>
   <a:extraClrSchemeLst/>
 </a:theme>
+</file>
+
+<file path=ppt/theme/theme2.xml><?xml version="1.0" encoding="utf-8"?>
+<a:theme xmlns:a="http://schemas.openxmlformats.org/drawingml/2006/main" name="Office Theme">
+  <a:themeElements>
+    <a:clrScheme name="Office">
+      <a:dk1>
+        <a:sysClr val="windowText" lastClr="000000"/>
+      </a:dk1>
+      <a:lt1>
+        <a:sysClr val="window" lastClr="FFFFFF"/>
+      </a:lt1>
+      <a:dk2>
+        <a:srgbClr val="1F497D"/>
+      </a:dk2>
+      <a:lt2>
+        <a:srgbClr val="EEECE1"/>
+      </a:lt2>
+      <a:accent1>
+        <a:srgbClr val="4F81BD"/>
+      </a:accent1>
+      <a:accent2>
+        <a:srgbClr val="C0504D"/>
+      </a:accent2>
+      <a:accent3>
+        <a:srgbClr val="9BBB59"/>
+      </a:accent3>
+      <a:accent4>
+        <a:srgbClr val="8064A2"/>
+      </a:accent4>
+      <a:accent5>
+        <a:srgbClr val="4BACC6"/>
+      </a:accent5>
+      <a:accent6>
+        <a:srgbClr val="F79646"/>
+      </a:accent6>
+      <a:hlink>
+        <a:srgbClr val="0000FF"/>
+      </a:hlink>
+      <a:folHlink>
+        <a:srgbClr val="800080"/>
+      </a:folHlink>
+    </a:clrScheme>
+    <a:fontScheme name="Office">
+      <a:majorFont>
+        <a:latin typeface="Calibri"/>
+        <a:ea typeface=""/>
+        <a:cs typeface=""/>
+        <a:font script="Jpan" typeface="ＭＳ Ｐゴシック"/>
+        <a:font script="Hang" typeface="맑은 고딕"/>
+        <a:font script="Hans" typeface="宋体"/>
+        <a:font script="Hant" typeface="新細明體"/>
+        <a:font script="Arab" typeface="Times New Roman"/>
+        <a:font script="Hebr" typeface="Times New Roman"/>
+        <a:font script="Thai" typeface="Angsana New"/>
+        <a:font script="Ethi" typeface="Nyala"/>
+        <a:font script="Beng" typeface="Vrinda"/>
+        <a:font script="Gujr" typeface="Shruti"/>
+        <a:font script="Khmr" typeface="MoolBoran"/>
+        <a:font script="Knda" typeface="Tunga"/>
+        <a:font script="Guru" typeface="Raavi"/>
+        <a:font script="Cans" typeface="Euphemia"/>
+        <a:font script="Cher" typeface="Plantagenet Cherokee"/>
+        <a:font script="Yiii" typeface="Microsoft Yi Baiti"/>
+        <a:font script="Tibt" typeface="Microsoft Himalaya"/>
+        <a:font script="Thaa" typeface="MV Boli"/>
+        <a:font script="Deva" typeface="Mangal"/>
+        <a:font script="Telu" typeface="Gautami"/>
+        <a:font script="Taml" typeface="Latha"/>
+        <a:font script="Syrc" typeface="Estrangelo Edessa"/>
+        <a:font script="Orya" typeface="Kalinga"/>
+        <a:font script="Mlym" typeface="Kartika"/>
+        <a:font script="Laoo" typeface="DokChampa"/>
+        <a:font script="Sinh" typeface="Iskoola Pota"/>
+        <a:font script="Mong" typeface="Mongolian Baiti"/>
+        <a:font script="Viet" typeface="Times New Roman"/>
+        <a:font script="Uigh" typeface="Microsoft Uighur"/>
+        <a:font script="Geor" typeface="Sylfaen"/>
+      </a:majorFont>
+      <a:minorFont>
+        <a:latin typeface="Calibri"/>
+        <a:ea typeface=""/>
+        <a:cs typeface=""/>
+        <a:font script="Jpan" typeface="ＭＳ Ｐゴシック"/>
+        <a:font script="Hang" typeface="맑은 고딕"/>
+        <a:font script="Hans" typeface="宋体"/>
+        <a:font script="Hant" typeface="新細明體"/>
+        <a:font script="Arab" typeface="Arial"/>
+        <a:font script="Hebr" typeface="Arial"/>
+        <a:font script="Thai" typeface="Cordia New"/>
+        <a:font script="Ethi" typeface="Nyala"/>
+        <a:font script="Beng" typeface="Vrinda"/>
+        <a:font script="Gujr" typeface="Shruti"/>
+        <a:font script="Khmr" typeface="DaunPenh"/>
+        <a:font script="Knda" typeface="Tunga"/>
+        <a:font script="Guru" typeface="Raavi"/>
+        <a:font script="Cans" typeface="Euphemia"/>
+        <a:font script="Cher" typeface="Plantagenet Cherokee"/>
+        <a:font script="Yiii" typeface="Microsoft Yi Baiti"/>
+        <a:font script="Tibt" typeface="Microsoft Himalaya"/>
+        <a:font script="Thaa" typeface="MV Boli"/>
+        <a:font script="Deva" typeface="Mangal"/>
+        <a:font script="Telu" typeface="Gautami"/>
+        <a:font script="Taml" typeface="Latha"/>
+        <a:font script="Syrc" typeface="Estrangelo Edessa"/>
+        <a:font script="Orya" typeface="Kalinga"/>
+        <a:font script="Mlym" typeface="Kartika"/>
+        <a:font script="Laoo" typeface="DokChampa"/>
+        <a:font script="Sinh" typeface="Iskoola Pota"/>
+        <a:font script="Mong" typeface="Mongolian Baiti"/>
+        <a:font script="Viet" typeface="Arial"/>
+        <a:font script="Uigh" typeface="Microsoft Uighur"/>
+        <a:font script="Geor" typeface="Sylfaen"/>
+      </a:minorFont>
+    </a:fontScheme>
+    <a:fmtScheme name="Office">
+      <a:fillStyleLst>
+        <a:solidFill>
+          <a:schemeClr val="phClr"/>
+        </a:solidFill>
+        <a:gradFill rotWithShape="1">
+          <a:gsLst>
+            <a:gs pos="0">
+              <a:schemeClr val="phClr">
+                <a:tint val="50000"/>
+                <a:satMod val="300000"/>
+              </a:schemeClr>
+            </a:gs>
+            <a:gs pos="35000">
+              <a:schemeClr val="phClr">
+                <a:tint val="37000"/>
+                <a:satMod val="300000"/>
+              </a:schemeClr>
+            </a:gs>
+            <a:gs pos="100000">
+              <a:schemeClr val="phClr">
+                <a:tint val="15000"/>
+                <a:satMod val="350000"/>
+              </a:schemeClr>
+            </a:gs>
+          </a:gsLst>
+          <a:lin ang="16200000" scaled="1"/>
+        </a:gradFill>
+        <a:gradFill rotWithShape="1">
+          <a:gsLst>
+            <a:gs pos="0">
+              <a:schemeClr val="phClr">
+                <a:tint val="100000"/>
+                <a:shade val="100000"/>
+                <a:satMod val="130000"/>
+              </a:schemeClr>
+            </a:gs>
+            <a:gs pos="100000">
+              <a:schemeClr val="phClr">
+                <a:tint val="50000"/>
+                <a:shade val="100000"/>
+                <a:satMod val="350000"/>
+              </a:schemeClr>
+            </a:gs>
+          </a:gsLst>
+          <a:lin ang="16200000" scaled="0"/>
+        </a:gradFill>
+      </a:fillStyleLst>
+      <a:lnStyleLst>
+        <a:ln w="9525" cap="flat" cmpd="sng" algn="ctr">
+          <a:solidFill>
+            <a:schemeClr val="phClr">
+              <a:shade val="95000"/>
+              <a:satMod val="105000"/>
+            </a:schemeClr>
+          </a:solidFill>
+          <a:prstDash val="solid"/>
+        </a:ln>
+        <a:ln w="25400" cap="flat" cmpd="sng" algn="ctr">
+          <a:solidFill>
+            <a:schemeClr val="phClr"/>
+          </a:solidFill>
+          <a:prstDash val="solid"/>
+        </a:ln>
+        <a:ln w="38100" cap="flat" cmpd="sng" algn="ctr">
+          <a:solidFill>
+            <a:schemeClr val="phClr"/>
+          </a:solidFill>
+          <a:prstDash val="solid"/>
+        </a:ln>
+      </a:lnStyleLst>
+      <a:effectStyleLst>
+        <a:effectStyle>
+          <a:effectLst>
+            <a:outerShdw blurRad="40000" dist="20000" dir="5400000" rotWithShape="0">
+              <a:srgbClr val="000000">
+                <a:alpha val="38000"/>
+              </a:srgbClr>
+            </a:outerShdw>
+          </a:effectLst>
+        </a:effectStyle>
+        <a:effectStyle>
+          <a:effectLst>
+            <a:outerShdw blurRad="40000" dist="23000" dir="5400000" rotWithShape="0">
+              <a:srgbClr val="000000">
+                <a:alpha val="35000"/>
+              </a:srgbClr>
+            </a:outerShdw>
+          </a:effectLst>
+        </a:effectStyle>
+        <a:effectStyle>
+          <a:effectLst>
+            <a:outerShdw blurRad="40000" dist="23000" dir="5400000" rotWithShape="0">
+              <a:srgbClr val="000000">
+                <a:alpha val="35000"/>
+              </a:srgbClr>
+            </a:outerShdw>
+          </a:effectLst>
+          <a:scene3d>
+            <a:camera prst="orthographicFront">
+              <a:rot lat="0" lon="0" rev="0"/>
+            </a:camera>
+            <a:lightRig rig="threePt" dir="t">
+              <a:rot lat="0" lon="0" rev="1200000"/>
+            </a:lightRig>
+          </a:scene3d>
+          <a:sp3d>
+            <a:bevelT w="63500" h="25400"/>
+          </a:sp3d>
+        </a:effectStyle>
+      </a:effectStyleLst>
+      <a:bgFillStyleLst>
+        <a:solidFill>
+          <a:schemeClr val="phClr"/>
+        </a:solidFill>
+        <a:gradFill rotWithShape="1">
+          <a:gsLst>
+            <a:gs pos="0">
+              <a:schemeClr val="phClr">
+                <a:tint val="40000"/>
+                <a:satMod val="350000"/>
+              </a:schemeClr>
+            </a:gs>
+            <a:gs pos="40000">
+              <a:schemeClr val="phClr">
+                <a:tint val="45000"/>
+                <a:shade val="99000"/>
+                <a:satMod val="350000"/>
+              </a:schemeClr>
+            </a:gs>
+            <a:gs pos="100000">
+              <a:schemeClr val="phClr">
+                <a:shade val="20000"/>
+                <a:satMod val="255000"/>
+              </a:schemeClr>
+            </a:gs>
+          </a:gsLst>
+          <a:path path="circle">
+            <a:fillToRect l="50000" t="-80000" r="50000" b="180000"/>
+          </a:path>
+        </a:gradFill>
+        <a:gradFill rotWithShape="1">
+          <a:gsLst>
+            <a:gs pos="0">
+              <a:schemeClr val="phClr">
+                <a:tint val="80000"/>
+                <a:satMod val="300000"/>
+              </a:schemeClr>
+            </a:gs>
+            <a:gs pos="100000">
+              <a:schemeClr val="phClr">
+                <a:shade val="30000"/>
+                <a:satMod val="200000"/>
+              </a:schemeClr>
+            </a:gs>
+          </a:gsLst>
+          <a:path path="circle">
+            <a:fillToRect l="50000" t="50000" r="50000" b="50000"/>
+          </a:path>
+        </a:gradFill>
+      </a:bgFillStyleLst>
+    </a:fmtScheme>
+  </a:themeElements>
+  <a:objectDefaults>
+    <a:spDef>
+      <a:spPr/>
+      <a:bodyPr/>
+      <a:lstStyle/>
+      <a:style>
+        <a:lnRef idx="1">
+          <a:schemeClr val="accent1"/>
+        </a:lnRef>
+        <a:fillRef idx="3">
+          <a:schemeClr val="accent1"/>
+        </a:fillRef>
+        <a:effectRef idx="2">
+          <a:schemeClr val="accent1"/>
+        </a:effectRef>
+        <a:fontRef idx="minor">
+          <a:schemeClr val="lt1"/>
+        </a:fontRef>
+      </a:style>
+    </a:spDef>
+    <a:lnDef>
+      <a:spPr/>
+      <a:bodyPr/>
+      <a:lstStyle/>
+      <a:style>
+        <a:lnRef idx="2">
+          <a:schemeClr val="accent1"/>
+        </a:lnRef>
+        <a:fillRef idx="0">
+          <a:schemeClr val="accent1"/>
+        </a:fillRef>
+        <a:effectRef idx="1">
+          <a:schemeClr val="accent1"/>
+        </a:effectRef>
+        <a:fontRef idx="minor">
+          <a:schemeClr val="tx1"/>
+        </a:fontRef>
+      </a:style>
+    </a:lnDef>
+  </a:objectDefaults>
+  <a:extraClrSchemeLst/>
+</a:theme>
 </file>
--- a/demo/demo.pptx
+++ b/demo/demo.pptx
@@ -5,7 +5,7 @@
     <p:sldMasterId id="2147483868" r:id="rId1"/>
   </p:sldMasterIdLst>
   <p:notesMasterIdLst>
-    <p:notesMasterId r:id="rId20"/>
+    <p:notesMasterId r:id="rId22"/>
   </p:notesMasterIdLst>
   <p:sldIdLst>
     <p:sldId id="256" r:id="rId2"/>
@@ -24,8 +24,10 @@
     <p:sldId id="274" r:id="rId15"/>
     <p:sldId id="269" r:id="rId16"/>
     <p:sldId id="270" r:id="rId17"/>
-    <p:sldId id="271" r:id="rId18"/>
-    <p:sldId id="257" r:id="rId19"/>
+    <p:sldId id="277" r:id="rId18"/>
+    <p:sldId id="271" r:id="rId19"/>
+    <p:sldId id="276" r:id="rId20"/>
+    <p:sldId id="257" r:id="rId21"/>
   </p:sldIdLst>
   <p:sldSz cx="9144000" cy="6858000" type="screen4x3"/>
   <p:notesSz cx="6858000" cy="9144000"/>
@@ -10919,6 +10921,85 @@
             <p:ph type="title"/>
           </p:nvPr>
         </p:nvSpPr>
+        <p:spPr/>
+        <p:txBody>
+          <a:bodyPr/>
+          <a:lstStyle/>
+          <a:p>
+            <a:r>
+              <a:rPr lang="en-US" sz="9600" dirty="0" smtClean="0"/>
+              <a:t>demo</a:t>
+            </a:r>
+            <a:endParaRPr lang="en-US" sz="9600" dirty="0"/>
+          </a:p>
+        </p:txBody>
+      </p:sp>
+      <p:sp>
+        <p:nvSpPr>
+          <p:cNvPr id="3" name="Text Placeholder 2"/>
+          <p:cNvSpPr>
+            <a:spLocks noGrp="1"/>
+          </p:cNvSpPr>
+          <p:nvPr>
+            <p:ph type="body" idx="1"/>
+          </p:nvPr>
+        </p:nvSpPr>
+        <p:spPr/>
+        <p:txBody>
+          <a:bodyPr/>
+          <a:lstStyle/>
+          <a:p>
+            <a:endParaRPr lang="en-US"/>
+          </a:p>
+        </p:txBody>
+      </p:sp>
+    </p:spTree>
+    <p:extLst>
+      <p:ext uri="{BB962C8B-B14F-4D97-AF65-F5344CB8AC3E}">
+        <p14:creationId xmlns:p14="http://schemas.microsoft.com/office/powerpoint/2010/main" val="921940227"/>
+      </p:ext>
+    </p:extLst>
+  </p:cSld>
+  <p:clrMapOvr>
+    <a:masterClrMapping/>
+  </p:clrMapOvr>
+  <p:timing>
+    <p:tnLst>
+      <p:par>
+        <p:cTn xmlns:p14="http://schemas.microsoft.com/office/powerpoint/2010/main" id="1" dur="indefinite" restart="never" nodeType="tmRoot"/>
+      </p:par>
+    </p:tnLst>
+  </p:timing>
+</p:sld>
+</file>
+
+<file path=ppt/slides/slide18.xml><?xml version="1.0" encoding="utf-8"?>
+<p:sld xmlns:a="http://schemas.openxmlformats.org/drawingml/2006/main" xmlns:r="http://schemas.openxmlformats.org/officeDocument/2006/relationships" xmlns:p="http://schemas.openxmlformats.org/presentationml/2006/main">
+  <p:cSld>
+    <p:spTree>
+      <p:nvGrpSpPr>
+        <p:cNvPr id="1" name=""/>
+        <p:cNvGrpSpPr/>
+        <p:nvPr/>
+      </p:nvGrpSpPr>
+      <p:grpSpPr>
+        <a:xfrm>
+          <a:off x="0" y="0"/>
+          <a:ext cx="0" cy="0"/>
+          <a:chOff x="0" y="0"/>
+          <a:chExt cx="0" cy="0"/>
+        </a:xfrm>
+      </p:grpSpPr>
+      <p:sp>
+        <p:nvSpPr>
+          <p:cNvPr id="2" name="Title 1"/>
+          <p:cNvSpPr>
+            <a:spLocks noGrp="1"/>
+          </p:cNvSpPr>
+          <p:nvPr>
+            <p:ph type="title"/>
+          </p:nvPr>
+        </p:nvSpPr>
         <p:spPr>
           <a:xfrm rot="19140000">
             <a:off x="631242" y="1776157"/>
@@ -10987,7 +11068,332 @@
 </p:sld>
 </file>
 
-<file path=ppt/slides/slide18.xml><?xml version="1.0" encoding="utf-8"?>
+<file path=ppt/slides/slide19.xml><?xml version="1.0" encoding="utf-8"?>
+<p:sld xmlns:a="http://schemas.openxmlformats.org/drawingml/2006/main" xmlns:r="http://schemas.openxmlformats.org/officeDocument/2006/relationships" xmlns:p="http://schemas.openxmlformats.org/presentationml/2006/main">
+  <p:cSld>
+    <p:spTree>
+      <p:nvGrpSpPr>
+        <p:cNvPr id="1" name=""/>
+        <p:cNvGrpSpPr/>
+        <p:nvPr/>
+      </p:nvGrpSpPr>
+      <p:grpSpPr>
+        <a:xfrm>
+          <a:off x="0" y="0"/>
+          <a:ext cx="0" cy="0"/>
+          <a:chOff x="0" y="0"/>
+          <a:chExt cx="0" cy="0"/>
+        </a:xfrm>
+      </p:grpSpPr>
+      <p:sp>
+        <p:nvSpPr>
+          <p:cNvPr id="2" name="Title 1"/>
+          <p:cNvSpPr>
+            <a:spLocks noGrp="1"/>
+          </p:cNvSpPr>
+          <p:nvPr>
+            <p:ph type="title"/>
+          </p:nvPr>
+        </p:nvSpPr>
+        <p:spPr/>
+        <p:txBody>
+          <a:bodyPr/>
+          <a:lstStyle/>
+          <a:p>
+            <a:r>
+              <a:rPr lang="en-US" dirty="0" smtClean="0"/>
+              <a:t>conclusions</a:t>
+            </a:r>
+            <a:endParaRPr lang="en-US" dirty="0"/>
+          </a:p>
+        </p:txBody>
+      </p:sp>
+      <p:sp>
+        <p:nvSpPr>
+          <p:cNvPr id="3" name="TextBox 2"/>
+          <p:cNvSpPr txBox="1"/>
+          <p:nvPr/>
+        </p:nvSpPr>
+        <p:spPr>
+          <a:xfrm>
+            <a:off x="1228632" y="1408185"/>
+            <a:ext cx="6722972" cy="2769989"/>
+          </a:xfrm>
+          <a:prstGeom prst="rect">
+            <a:avLst/>
+          </a:prstGeom>
+          <a:noFill/>
+        </p:spPr>
+        <p:txBody>
+          <a:bodyPr wrap="square" rtlCol="0">
+            <a:spAutoFit/>
+          </a:bodyPr>
+          <a:lstStyle/>
+          <a:p>
+            <a:pPr marL="285750" indent="-285750">
+              <a:spcBef>
+                <a:spcPts val="1200"/>
+              </a:spcBef>
+              <a:buFont typeface="Arial"/>
+              <a:buChar char="•"/>
+            </a:pPr>
+            <a:r>
+              <a:rPr lang="en-US" sz="2400" dirty="0" smtClean="0"/>
+              <a:t>Modularity is key</a:t>
+            </a:r>
+          </a:p>
+          <a:p>
+            <a:pPr marL="285750" indent="-285750">
+              <a:spcBef>
+                <a:spcPts val="1200"/>
+              </a:spcBef>
+              <a:buFont typeface="Arial"/>
+              <a:buChar char="•"/>
+            </a:pPr>
+            <a:r>
+              <a:rPr lang="en-US" sz="2400" dirty="0" smtClean="0"/>
+              <a:t>Expend the effort to reduce development time</a:t>
+            </a:r>
+          </a:p>
+          <a:p>
+            <a:pPr marL="285750" indent="-285750">
+              <a:spcBef>
+                <a:spcPts val="1200"/>
+              </a:spcBef>
+              <a:buFont typeface="Arial"/>
+              <a:buChar char="•"/>
+            </a:pPr>
+            <a:r>
+              <a:rPr lang="en-US" sz="2400" dirty="0" smtClean="0"/>
+              <a:t>Pair down your goals as much as possible in the beginning, allow yourself to not know at every stage how your language will develop.</a:t>
+            </a:r>
+          </a:p>
+          <a:p>
+            <a:pPr marL="285750" indent="-285750">
+              <a:spcBef>
+                <a:spcPts val="1200"/>
+              </a:spcBef>
+              <a:buFont typeface="Arial"/>
+              <a:buChar char="•"/>
+            </a:pPr>
+            <a:r>
+              <a:rPr lang="en-US" sz="2400" dirty="0" smtClean="0"/>
+              <a:t>Work in the same room as your teammates</a:t>
+            </a:r>
+            <a:endParaRPr lang="en-US" sz="2400" dirty="0"/>
+          </a:p>
+        </p:txBody>
+      </p:sp>
+    </p:spTree>
+    <p:extLst>
+      <p:ext uri="{BB962C8B-B14F-4D97-AF65-F5344CB8AC3E}">
+        <p14:creationId xmlns:p14="http://schemas.microsoft.com/office/powerpoint/2010/main" val="3044310269"/>
+      </p:ext>
+    </p:extLst>
+  </p:cSld>
+  <p:clrMapOvr>
+    <a:masterClrMapping/>
+  </p:clrMapOvr>
+  <p:timing>
+    <p:tnLst>
+      <p:par>
+        <p:cTn xmlns:p14="http://schemas.microsoft.com/office/powerpoint/2010/main" id="1" dur="indefinite" restart="never" nodeType="tmRoot"/>
+      </p:par>
+    </p:tnLst>
+  </p:timing>
+</p:sld>
+</file>
+
+<file path=ppt/slides/slide2.xml><?xml version="1.0" encoding="utf-8"?>
+<p:sld xmlns:a="http://schemas.openxmlformats.org/drawingml/2006/main" xmlns:r="http://schemas.openxmlformats.org/officeDocument/2006/relationships" xmlns:p="http://schemas.openxmlformats.org/presentationml/2006/main">
+  <p:cSld>
+    <p:spTree>
+      <p:nvGrpSpPr>
+        <p:cNvPr id="1" name=""/>
+        <p:cNvGrpSpPr/>
+        <p:nvPr/>
+      </p:nvGrpSpPr>
+      <p:grpSpPr>
+        <a:xfrm>
+          <a:off x="0" y="0"/>
+          <a:ext cx="0" cy="0"/>
+          <a:chOff x="0" y="0"/>
+          <a:chExt cx="0" cy="0"/>
+        </a:xfrm>
+      </p:grpSpPr>
+      <p:sp>
+        <p:nvSpPr>
+          <p:cNvPr id="2" name="Title 1"/>
+          <p:cNvSpPr>
+            <a:spLocks noGrp="1"/>
+          </p:cNvSpPr>
+          <p:nvPr>
+            <p:ph type="title"/>
+          </p:nvPr>
+        </p:nvSpPr>
+        <p:spPr/>
+        <p:txBody>
+          <a:bodyPr/>
+          <a:lstStyle/>
+          <a:p>
+            <a:r>
+              <a:rPr lang="en-US" sz="6000" dirty="0" smtClean="0"/>
+              <a:t>outline</a:t>
+            </a:r>
+            <a:endParaRPr lang="en-US" sz="6000" dirty="0"/>
+          </a:p>
+        </p:txBody>
+      </p:sp>
+      <p:sp>
+        <p:nvSpPr>
+          <p:cNvPr id="3" name="Content Placeholder 2"/>
+          <p:cNvSpPr>
+            <a:spLocks noGrp="1"/>
+          </p:cNvSpPr>
+          <p:nvPr>
+            <p:ph idx="1"/>
+          </p:nvPr>
+        </p:nvSpPr>
+        <p:spPr>
+          <a:xfrm>
+            <a:off x="4682590" y="3458274"/>
+            <a:ext cx="3807779" cy="3324687"/>
+          </a:xfrm>
+        </p:spPr>
+        <p:txBody>
+          <a:bodyPr>
+            <a:noAutofit/>
+          </a:bodyPr>
+          <a:lstStyle/>
+          <a:p>
+            <a:pPr>
+              <a:buFont typeface="+mj-lt"/>
+              <a:buAutoNum type="arabicPeriod"/>
+            </a:pPr>
+            <a:r>
+              <a:rPr lang="en-US" sz="2000" dirty="0"/>
+              <a:t>Introduction (Sam)</a:t>
+            </a:r>
+          </a:p>
+          <a:p>
+            <a:pPr>
+              <a:buFont typeface="+mj-lt"/>
+              <a:buAutoNum type="arabicPeriod"/>
+            </a:pPr>
+            <a:r>
+              <a:rPr lang="en-US" sz="2000" dirty="0"/>
+              <a:t>Syntax (Paul)</a:t>
+            </a:r>
+          </a:p>
+          <a:p>
+            <a:pPr>
+              <a:buFont typeface="+mj-lt"/>
+              <a:buAutoNum type="arabicPeriod"/>
+            </a:pPr>
+            <a:r>
+              <a:rPr lang="en-US" sz="2000" dirty="0"/>
+              <a:t>Compiler Architecture (Ben)</a:t>
+            </a:r>
+          </a:p>
+          <a:p>
+            <a:pPr>
+              <a:buFont typeface="+mj-lt"/>
+              <a:buAutoNum type="arabicPeriod"/>
+            </a:pPr>
+            <a:r>
+              <a:rPr lang="en-US" sz="2000" dirty="0"/>
+              <a:t>Runtime Environment (</a:t>
+            </a:r>
+            <a:r>
+              <a:rPr lang="en-US" sz="2000" dirty="0" err="1"/>
+              <a:t>Kurry</a:t>
+            </a:r>
+            <a:r>
+              <a:rPr lang="en-US" sz="2000" dirty="0"/>
+              <a:t>)</a:t>
+            </a:r>
+          </a:p>
+          <a:p>
+            <a:pPr>
+              <a:buFont typeface="+mj-lt"/>
+              <a:buAutoNum type="arabicPeriod"/>
+            </a:pPr>
+            <a:r>
+              <a:rPr lang="en-US" sz="2000" dirty="0"/>
+              <a:t>Testing (Jason</a:t>
+            </a:r>
+            <a:r>
+              <a:rPr lang="en-US" sz="2000" dirty="0" smtClean="0"/>
+              <a:t>)</a:t>
+            </a:r>
+          </a:p>
+          <a:p>
+            <a:pPr>
+              <a:buFont typeface="+mj-lt"/>
+              <a:buAutoNum type="arabicPeriod"/>
+            </a:pPr>
+            <a:r>
+              <a:rPr lang="en-US" sz="2000" dirty="0" smtClean="0"/>
+              <a:t>Demo</a:t>
+            </a:r>
+            <a:endParaRPr lang="en-US" sz="2000" dirty="0"/>
+          </a:p>
+          <a:p>
+            <a:pPr>
+              <a:buFont typeface="+mj-lt"/>
+              <a:buAutoNum type="arabicPeriod"/>
+            </a:pPr>
+            <a:r>
+              <a:rPr lang="en-US" sz="2000" dirty="0" smtClean="0"/>
+              <a:t>Conclusions</a:t>
+            </a:r>
+            <a:endParaRPr lang="en-US" sz="2000" dirty="0"/>
+          </a:p>
+          <a:p>
+            <a:endParaRPr lang="en-US" sz="2000" dirty="0"/>
+          </a:p>
+        </p:txBody>
+      </p:sp>
+      <p:sp>
+        <p:nvSpPr>
+          <p:cNvPr id="4" name="Text Placeholder 3"/>
+          <p:cNvSpPr>
+            <a:spLocks noGrp="1"/>
+          </p:cNvSpPr>
+          <p:nvPr>
+            <p:ph type="body" sz="half" idx="2"/>
+          </p:nvPr>
+        </p:nvSpPr>
+        <p:spPr/>
+        <p:txBody>
+          <a:bodyPr/>
+          <a:lstStyle/>
+          <a:p>
+            <a:endParaRPr lang="en-US" dirty="0"/>
+          </a:p>
+        </p:txBody>
+      </p:sp>
+    </p:spTree>
+    <p:extLst>
+      <p:ext uri="{BB962C8B-B14F-4D97-AF65-F5344CB8AC3E}">
+        <p14:creationId xmlns:p14="http://schemas.microsoft.com/office/powerpoint/2010/main" val="842254260"/>
+      </p:ext>
+    </p:extLst>
+  </p:cSld>
+  <p:clrMapOvr>
+    <a:masterClrMapping/>
+  </p:clrMapOvr>
+  <p:timing>
+    <p:tnLst>
+      <p:par>
+        <p:cTn xmlns:p14="http://schemas.microsoft.com/office/powerpoint/2010/main" id="1" dur="indefinite" restart="never" nodeType="tmRoot"/>
+      </p:par>
+    </p:tnLst>
+  </p:timing>
+</p:sld>
+</file>
+
+<file path=ppt/slides/slide20.xml><?xml version="1.0" encoding="utf-8"?>
 <p:sld xmlns:a="http://schemas.openxmlformats.org/drawingml/2006/main" xmlns:r="http://schemas.openxmlformats.org/officeDocument/2006/relationships" xmlns:p="http://schemas.openxmlformats.org/presentationml/2006/main">
   <p:cSld>
     <p:spTree>
@@ -11097,180 +11503,6 @@
     <p:extLst>
       <p:ext uri="{BB962C8B-B14F-4D97-AF65-F5344CB8AC3E}">
         <p14:creationId xmlns:p14="http://schemas.microsoft.com/office/powerpoint/2010/main" val="2597203885"/>
-      </p:ext>
-    </p:extLst>
-  </p:cSld>
-  <p:clrMapOvr>
-    <a:masterClrMapping/>
-  </p:clrMapOvr>
-  <p:timing>
-    <p:tnLst>
-      <p:par>
-        <p:cTn xmlns:p14="http://schemas.microsoft.com/office/powerpoint/2010/main" id="1" dur="indefinite" restart="never" nodeType="tmRoot"/>
-      </p:par>
-    </p:tnLst>
-  </p:timing>
-</p:sld>
-</file>
-
-<file path=ppt/slides/slide2.xml><?xml version="1.0" encoding="utf-8"?>
-<p:sld xmlns:a="http://schemas.openxmlformats.org/drawingml/2006/main" xmlns:r="http://schemas.openxmlformats.org/officeDocument/2006/relationships" xmlns:p="http://schemas.openxmlformats.org/presentationml/2006/main">
-  <p:cSld>
-    <p:spTree>
-      <p:nvGrpSpPr>
-        <p:cNvPr id="1" name=""/>
-        <p:cNvGrpSpPr/>
-        <p:nvPr/>
-      </p:nvGrpSpPr>
-      <p:grpSpPr>
-        <a:xfrm>
-          <a:off x="0" y="0"/>
-          <a:ext cx="0" cy="0"/>
-          <a:chOff x="0" y="0"/>
-          <a:chExt cx="0" cy="0"/>
-        </a:xfrm>
-      </p:grpSpPr>
-      <p:sp>
-        <p:nvSpPr>
-          <p:cNvPr id="2" name="Title 1"/>
-          <p:cNvSpPr>
-            <a:spLocks noGrp="1"/>
-          </p:cNvSpPr>
-          <p:nvPr>
-            <p:ph type="title"/>
-          </p:nvPr>
-        </p:nvSpPr>
-        <p:spPr/>
-        <p:txBody>
-          <a:bodyPr/>
-          <a:lstStyle/>
-          <a:p>
-            <a:r>
-              <a:rPr lang="en-US" sz="6000" dirty="0" smtClean="0"/>
-              <a:t>outline</a:t>
-            </a:r>
-            <a:endParaRPr lang="en-US" sz="6000" dirty="0"/>
-          </a:p>
-        </p:txBody>
-      </p:sp>
-      <p:sp>
-        <p:nvSpPr>
-          <p:cNvPr id="3" name="Content Placeholder 2"/>
-          <p:cNvSpPr>
-            <a:spLocks noGrp="1"/>
-          </p:cNvSpPr>
-          <p:nvPr>
-            <p:ph idx="1"/>
-          </p:nvPr>
-        </p:nvSpPr>
-        <p:spPr>
-          <a:xfrm>
-            <a:off x="4682590" y="3458274"/>
-            <a:ext cx="3807779" cy="3324687"/>
-          </a:xfrm>
-        </p:spPr>
-        <p:txBody>
-          <a:bodyPr>
-            <a:noAutofit/>
-          </a:bodyPr>
-          <a:lstStyle/>
-          <a:p>
-            <a:pPr>
-              <a:buFont typeface="+mj-lt"/>
-              <a:buAutoNum type="arabicPeriod"/>
-            </a:pPr>
-            <a:r>
-              <a:rPr lang="en-US" sz="2000" dirty="0"/>
-              <a:t>Introduction (Sam)</a:t>
-            </a:r>
-          </a:p>
-          <a:p>
-            <a:pPr>
-              <a:buFont typeface="+mj-lt"/>
-              <a:buAutoNum type="arabicPeriod"/>
-            </a:pPr>
-            <a:r>
-              <a:rPr lang="en-US" sz="2000" dirty="0"/>
-              <a:t>Syntax (Paul)</a:t>
-            </a:r>
-          </a:p>
-          <a:p>
-            <a:pPr>
-              <a:buFont typeface="+mj-lt"/>
-              <a:buAutoNum type="arabicPeriod"/>
-            </a:pPr>
-            <a:r>
-              <a:rPr lang="en-US" sz="2000" dirty="0"/>
-              <a:t>Compiler Architecture (Ben)</a:t>
-            </a:r>
-          </a:p>
-          <a:p>
-            <a:pPr>
-              <a:buFont typeface="+mj-lt"/>
-              <a:buAutoNum type="arabicPeriod"/>
-            </a:pPr>
-            <a:r>
-              <a:rPr lang="en-US" sz="2000" dirty="0"/>
-              <a:t>Runtime Environment (</a:t>
-            </a:r>
-            <a:r>
-              <a:rPr lang="en-US" sz="2000" dirty="0" err="1"/>
-              <a:t>Kurry</a:t>
-            </a:r>
-            <a:r>
-              <a:rPr lang="en-US" sz="2000" dirty="0"/>
-              <a:t>)</a:t>
-            </a:r>
-          </a:p>
-          <a:p>
-            <a:pPr>
-              <a:buFont typeface="+mj-lt"/>
-              <a:buAutoNum type="arabicPeriod"/>
-            </a:pPr>
-            <a:r>
-              <a:rPr lang="en-US" sz="2000" dirty="0"/>
-              <a:t>Testing (Jason)</a:t>
-            </a:r>
-          </a:p>
-          <a:p>
-            <a:pPr>
-              <a:buFont typeface="+mj-lt"/>
-              <a:buAutoNum type="arabicPeriod"/>
-            </a:pPr>
-            <a:r>
-              <a:rPr lang="en-US" sz="2000" dirty="0" smtClean="0"/>
-              <a:t>Conclusions</a:t>
-            </a:r>
-            <a:endParaRPr lang="en-US" sz="2000" dirty="0"/>
-          </a:p>
-          <a:p>
-            <a:endParaRPr lang="en-US" sz="2000" dirty="0"/>
-          </a:p>
-        </p:txBody>
-      </p:sp>
-      <p:sp>
-        <p:nvSpPr>
-          <p:cNvPr id="4" name="Text Placeholder 3"/>
-          <p:cNvSpPr>
-            <a:spLocks noGrp="1"/>
-          </p:cNvSpPr>
-          <p:nvPr>
-            <p:ph type="body" sz="half" idx="2"/>
-          </p:nvPr>
-        </p:nvSpPr>
-        <p:spPr/>
-        <p:txBody>
-          <a:bodyPr/>
-          <a:lstStyle/>
-          <a:p>
-            <a:endParaRPr lang="en-US" dirty="0"/>
-          </a:p>
-        </p:txBody>
-      </p:sp>
-    </p:spTree>
-    <p:extLst>
-      <p:ext uri="{BB962C8B-B14F-4D97-AF65-F5344CB8AC3E}">
-        <p14:creationId xmlns:p14="http://schemas.microsoft.com/office/powerpoint/2010/main" val="842254260"/>
       </p:ext>
     </p:extLst>
   </p:cSld>

--- a/demo/demo.pptx
+++ b/demo/demo.pptx
@@ -13889,7 +13889,11 @@
           <a:p>
             <a:r>
               <a:rPr lang="en-US" dirty="0" smtClean="0"/>
-              <a:t>The simplest merge sort</a:t>
+              <a:t>The simplest </a:t>
+            </a:r>
+            <a:r>
+              <a:rPr lang="en-US" dirty="0" smtClean="0"/>
+              <a:t>distributed sort</a:t>
             </a:r>
             <a:endParaRPr lang="en-US" dirty="0"/>
           </a:p>
@@ -14279,7 +14283,11 @@
           <a:p>
             <a:r>
               <a:rPr lang="en-US" dirty="0" smtClean="0"/>
-              <a:t>The simplest merge sort</a:t>
+              <a:t>The simplest </a:t>
+            </a:r>
+            <a:r>
+              <a:rPr lang="en-US" dirty="0" smtClean="0"/>
+              <a:t>distributed sort</a:t>
             </a:r>
             <a:endParaRPr lang="en-US" dirty="0"/>
           </a:p>
@@ -14323,7 +14331,19 @@
             </a:pPr>
             <a:r>
               <a:rPr lang="en-US" dirty="0" smtClean="0"/>
-              <a:t>Read in terabytes of data formatted as,</a:t>
+              <a:t>Read in </a:t>
+            </a:r>
+            <a:r>
+              <a:rPr lang="en-US" dirty="0" smtClean="0"/>
+              <a:t>giga</a:t>
+            </a:r>
+            <a:r>
+              <a:rPr lang="en-US" dirty="0" smtClean="0"/>
+              <a:t>bytes </a:t>
+            </a:r>
+            <a:r>
+              <a:rPr lang="en-US" dirty="0" smtClean="0"/>
+              <a:t>of data formatted as,</a:t>
             </a:r>
           </a:p>
           <a:p>
@@ -14360,7 +14380,15 @@
             </a:pPr>
             <a:r>
               <a:rPr lang="en-US" dirty="0" smtClean="0"/>
-              <a:t>Synchronize computation of thousands of machines to sort and remove duplicate numbers,</a:t>
+              <a:t>Synchronize computation </a:t>
+            </a:r>
+            <a:r>
+              <a:rPr lang="en-US" smtClean="0"/>
+              <a:t>across multiple machines </a:t>
+            </a:r>
+            <a:r>
+              <a:rPr lang="en-US" dirty="0" smtClean="0"/>
+              <a:t>to sort and remove duplicate numbers,</a:t>
             </a:r>
           </a:p>
           <a:p>

--- a/demo/demo.pptx
+++ b/demo/demo.pptx
@@ -5,7 +5,7 @@
     <p:sldMasterId id="2147483868" r:id="rId1"/>
   </p:sldMasterIdLst>
   <p:notesMasterIdLst>
-    <p:notesMasterId r:id="rId22"/>
+    <p:notesMasterId r:id="rId23"/>
   </p:notesMasterIdLst>
   <p:sldIdLst>
     <p:sldId id="256" r:id="rId2"/>
@@ -13,21 +13,22 @@
     <p:sldId id="261" r:id="rId4"/>
     <p:sldId id="265" r:id="rId5"/>
     <p:sldId id="272" r:id="rId6"/>
-    <p:sldId id="258" r:id="rId7"/>
+    <p:sldId id="279" r:id="rId7"/>
     <p:sldId id="267" r:id="rId8"/>
     <p:sldId id="260" r:id="rId9"/>
     <p:sldId id="259" r:id="rId10"/>
     <p:sldId id="263" r:id="rId11"/>
     <p:sldId id="264" r:id="rId12"/>
-    <p:sldId id="268" r:id="rId13"/>
-    <p:sldId id="273" r:id="rId14"/>
-    <p:sldId id="274" r:id="rId15"/>
-    <p:sldId id="269" r:id="rId16"/>
-    <p:sldId id="270" r:id="rId17"/>
-    <p:sldId id="277" r:id="rId18"/>
-    <p:sldId id="271" r:id="rId19"/>
-    <p:sldId id="276" r:id="rId20"/>
-    <p:sldId id="257" r:id="rId21"/>
+    <p:sldId id="258" r:id="rId13"/>
+    <p:sldId id="268" r:id="rId14"/>
+    <p:sldId id="273" r:id="rId15"/>
+    <p:sldId id="274" r:id="rId16"/>
+    <p:sldId id="269" r:id="rId17"/>
+    <p:sldId id="270" r:id="rId18"/>
+    <p:sldId id="277" r:id="rId19"/>
+    <p:sldId id="271" r:id="rId20"/>
+    <p:sldId id="276" r:id="rId21"/>
+    <p:sldId id="257" r:id="rId22"/>
   </p:sldIdLst>
   <p:sldSz cx="9144000" cy="6858000" type="screen4x3"/>
   <p:notesSz cx="6858000" cy="9144000"/>
@@ -544,7 +545,7 @@
           <a:p>
             <a:fld id="{42BEFFAC-3482-42C7-A3E5-AAF6C77BD00F}" type="slidenum">
               <a:rPr lang="en-US" smtClean="0"/>
-              <a:t>14</a:t>
+              <a:t>15</a:t>
             </a:fld>
             <a:endParaRPr lang="en-US"/>
           </a:p>
@@ -6410,6 +6411,400 @@
             <p:ph type="title"/>
           </p:nvPr>
         </p:nvSpPr>
+        <p:spPr/>
+        <p:txBody>
+          <a:bodyPr/>
+          <a:lstStyle/>
+          <a:p>
+            <a:r>
+              <a:rPr lang="en-US" dirty="0" smtClean="0"/>
+              <a:t>The simplest </a:t>
+            </a:r>
+            <a:r>
+              <a:rPr lang="en-US" dirty="0" smtClean="0"/>
+              <a:t>distributed sort</a:t>
+            </a:r>
+            <a:endParaRPr lang="en-US" dirty="0"/>
+          </a:p>
+        </p:txBody>
+      </p:sp>
+      <p:sp>
+        <p:nvSpPr>
+          <p:cNvPr id="3" name="Content Placeholder 2"/>
+          <p:cNvSpPr>
+            <a:spLocks noGrp="1"/>
+          </p:cNvSpPr>
+          <p:nvPr>
+            <p:ph idx="1"/>
+          </p:nvPr>
+        </p:nvSpPr>
+        <p:spPr>
+          <a:xfrm>
+            <a:off x="1525405" y="1152473"/>
+            <a:ext cx="6201388" cy="3205025"/>
+          </a:xfrm>
+        </p:spPr>
+        <p:txBody>
+          <a:bodyPr>
+            <a:noAutofit/>
+          </a:bodyPr>
+          <a:lstStyle/>
+          <a:p>
+            <a:pPr marL="0" indent="0">
+              <a:spcBef>
+                <a:spcPts val="600"/>
+              </a:spcBef>
+            </a:pPr>
+            <a:r>
+              <a:rPr lang="en-US" sz="1400" dirty="0" smtClean="0">
+                <a:latin typeface="Lucida Console"/>
+                <a:cs typeface="Lucida Console"/>
+              </a:rPr>
+              <a:t>0  @</a:t>
+            </a:r>
+            <a:r>
+              <a:rPr lang="en-US" sz="1400" dirty="0">
+                <a:latin typeface="Lucida Console"/>
+                <a:cs typeface="Lucida Console"/>
+              </a:rPr>
+              <a:t>Map (</a:t>
+            </a:r>
+            <a:r>
+              <a:rPr lang="en-US" sz="1400" dirty="0" err="1">
+                <a:latin typeface="Lucida Console"/>
+                <a:cs typeface="Lucida Console"/>
+              </a:rPr>
+              <a:t>int</a:t>
+            </a:r>
+            <a:r>
+              <a:rPr lang="en-US" sz="1400" dirty="0">
+                <a:latin typeface="Lucida Console"/>
+                <a:cs typeface="Lucida Console"/>
+              </a:rPr>
+              <a:t> </a:t>
+            </a:r>
+            <a:r>
+              <a:rPr lang="en-US" sz="1400" dirty="0" err="1">
+                <a:latin typeface="Lucida Console"/>
+                <a:cs typeface="Lucida Console"/>
+              </a:rPr>
+              <a:t>lineNum</a:t>
+            </a:r>
+            <a:r>
+              <a:rPr lang="en-US" sz="1400" dirty="0">
+                <a:latin typeface="Lucida Console"/>
+                <a:cs typeface="Lucida Console"/>
+              </a:rPr>
+              <a:t>, text line) -&gt; (text, text) {</a:t>
+            </a:r>
+          </a:p>
+          <a:p>
+            <a:pPr marL="0" indent="0">
+              <a:spcBef>
+                <a:spcPts val="600"/>
+              </a:spcBef>
+            </a:pPr>
+            <a:r>
+              <a:rPr lang="en-US" sz="1400" dirty="0" smtClean="0">
+                <a:latin typeface="Lucida Console"/>
+                <a:cs typeface="Lucida Console"/>
+              </a:rPr>
+              <a:t>1    </a:t>
+            </a:r>
+            <a:r>
+              <a:rPr lang="en-US" sz="1400" dirty="0" err="1" smtClean="0">
+                <a:latin typeface="Lucida Console"/>
+                <a:cs typeface="Lucida Console"/>
+              </a:rPr>
+              <a:t>foreach</a:t>
+            </a:r>
+            <a:r>
+              <a:rPr lang="en-US" sz="1400" dirty="0" smtClean="0">
+                <a:latin typeface="Lucida Console"/>
+                <a:cs typeface="Lucida Console"/>
+              </a:rPr>
+              <a:t> </a:t>
+            </a:r>
+            <a:r>
+              <a:rPr lang="en-US" sz="1400" dirty="0">
+                <a:latin typeface="Lucida Console"/>
+                <a:cs typeface="Lucida Console"/>
+              </a:rPr>
+              <a:t>text number in </a:t>
+            </a:r>
+            <a:r>
+              <a:rPr lang="en-US" sz="1400" dirty="0" err="1">
+                <a:latin typeface="Lucida Console"/>
+                <a:cs typeface="Lucida Console"/>
+              </a:rPr>
+              <a:t>line.tokenize</a:t>
+            </a:r>
+            <a:r>
+              <a:rPr lang="en-US" sz="1400" dirty="0">
+                <a:latin typeface="Lucida Console"/>
+                <a:cs typeface="Lucida Console"/>
+              </a:rPr>
+              <a:t>(" ") {</a:t>
+            </a:r>
+          </a:p>
+          <a:p>
+            <a:pPr marL="0" indent="0">
+              <a:spcBef>
+                <a:spcPts val="600"/>
+              </a:spcBef>
+            </a:pPr>
+            <a:r>
+              <a:rPr lang="en-US" sz="1400" dirty="0" smtClean="0">
+                <a:latin typeface="Lucida Console"/>
+                <a:cs typeface="Lucida Console"/>
+              </a:rPr>
+              <a:t>2      emit</a:t>
+            </a:r>
+            <a:r>
+              <a:rPr lang="en-US" sz="1400" dirty="0">
+                <a:latin typeface="Lucida Console"/>
+                <a:cs typeface="Lucida Console"/>
+              </a:rPr>
+              <a:t>(number, number);</a:t>
+            </a:r>
+          </a:p>
+          <a:p>
+            <a:pPr marL="0" indent="0">
+              <a:spcBef>
+                <a:spcPts val="600"/>
+              </a:spcBef>
+            </a:pPr>
+            <a:r>
+              <a:rPr lang="en-US" sz="1400" dirty="0" smtClean="0">
+                <a:latin typeface="Lucida Console"/>
+                <a:cs typeface="Lucida Console"/>
+              </a:rPr>
+              <a:t>3    }</a:t>
+            </a:r>
+            <a:endParaRPr lang="en-US" sz="1400" dirty="0">
+              <a:latin typeface="Lucida Console"/>
+              <a:cs typeface="Lucida Console"/>
+            </a:endParaRPr>
+          </a:p>
+          <a:p>
+            <a:pPr marL="0" indent="0">
+              <a:spcBef>
+                <a:spcPts val="600"/>
+              </a:spcBef>
+            </a:pPr>
+            <a:r>
+              <a:rPr lang="en-US" sz="1400" dirty="0" smtClean="0">
+                <a:latin typeface="Lucida Console"/>
+                <a:cs typeface="Lucida Console"/>
+              </a:rPr>
+              <a:t>4  }</a:t>
+            </a:r>
+            <a:endParaRPr lang="en-US" sz="1400" dirty="0">
+              <a:latin typeface="Lucida Console"/>
+              <a:cs typeface="Lucida Console"/>
+            </a:endParaRPr>
+          </a:p>
+          <a:p>
+            <a:pPr marL="0" indent="0">
+              <a:spcBef>
+                <a:spcPts val="600"/>
+              </a:spcBef>
+            </a:pPr>
+            <a:endParaRPr lang="en-US" sz="1400" dirty="0">
+              <a:latin typeface="Lucida Console"/>
+              <a:cs typeface="Lucida Console"/>
+            </a:endParaRPr>
+          </a:p>
+          <a:p>
+            <a:pPr marL="0" indent="0">
+              <a:spcBef>
+                <a:spcPts val="600"/>
+              </a:spcBef>
+            </a:pPr>
+            <a:r>
+              <a:rPr lang="en-US" sz="1400" dirty="0" smtClean="0">
+                <a:latin typeface="Lucida Console"/>
+                <a:cs typeface="Lucida Console"/>
+              </a:rPr>
+              <a:t>5  @</a:t>
+            </a:r>
+            <a:r>
+              <a:rPr lang="en-US" sz="1400" dirty="0">
+                <a:latin typeface="Lucida Console"/>
+                <a:cs typeface="Lucida Console"/>
+              </a:rPr>
+              <a:t>Reduce (text number, text garbage) -&gt; (text, text) {</a:t>
+            </a:r>
+          </a:p>
+          <a:p>
+            <a:pPr marL="0" indent="0">
+              <a:spcBef>
+                <a:spcPts val="600"/>
+              </a:spcBef>
+            </a:pPr>
+            <a:r>
+              <a:rPr lang="en-US" sz="1400" dirty="0" smtClean="0">
+                <a:latin typeface="Lucida Console"/>
+                <a:cs typeface="Lucida Console"/>
+              </a:rPr>
+              <a:t>6    </a:t>
+            </a:r>
+            <a:r>
+              <a:rPr lang="en-US" sz="1400" dirty="0">
+                <a:latin typeface="Lucida Console"/>
+                <a:cs typeface="Lucida Console"/>
+              </a:rPr>
+              <a:t>emit(number, "");</a:t>
+            </a:r>
+          </a:p>
+          <a:p>
+            <a:pPr marL="0" indent="0">
+              <a:spcBef>
+                <a:spcPts val="600"/>
+              </a:spcBef>
+            </a:pPr>
+            <a:r>
+              <a:rPr lang="en-US" sz="1400" dirty="0" smtClean="0">
+                <a:latin typeface="Lucida Console"/>
+                <a:cs typeface="Lucida Console"/>
+              </a:rPr>
+              <a:t>7  }</a:t>
+            </a:r>
+            <a:endParaRPr lang="en-US" sz="1400" dirty="0">
+              <a:latin typeface="Lucida Console"/>
+              <a:cs typeface="Lucida Console"/>
+            </a:endParaRPr>
+          </a:p>
+          <a:p>
+            <a:pPr marL="0" indent="0">
+              <a:spcBef>
+                <a:spcPts val="600"/>
+              </a:spcBef>
+            </a:pPr>
+            <a:r>
+              <a:rPr lang="en-US" sz="1400" dirty="0">
+                <a:latin typeface="Lucida Console"/>
+                <a:cs typeface="Lucida Console"/>
+              </a:rPr>
+              <a:t>    </a:t>
+            </a:r>
+          </a:p>
+          <a:p>
+            <a:pPr marL="0" indent="0">
+              <a:spcBef>
+                <a:spcPts val="600"/>
+              </a:spcBef>
+            </a:pPr>
+            <a:r>
+              <a:rPr lang="en-US" sz="1400" dirty="0" smtClean="0">
+                <a:latin typeface="Lucida Console"/>
+                <a:cs typeface="Lucida Console"/>
+              </a:rPr>
+              <a:t>8  @</a:t>
+            </a:r>
+            <a:r>
+              <a:rPr lang="en-US" sz="1400" dirty="0">
+                <a:latin typeface="Lucida Console"/>
+                <a:cs typeface="Lucida Console"/>
+              </a:rPr>
+              <a:t>Main {</a:t>
+            </a:r>
+          </a:p>
+          <a:p>
+            <a:pPr marL="0" indent="0">
+              <a:spcBef>
+                <a:spcPts val="600"/>
+              </a:spcBef>
+            </a:pPr>
+            <a:r>
+              <a:rPr lang="en-US" sz="1400" dirty="0" smtClean="0">
+                <a:latin typeface="Lucida Console"/>
+                <a:cs typeface="Lucida Console"/>
+              </a:rPr>
+              <a:t>9    </a:t>
+            </a:r>
+            <a:r>
+              <a:rPr lang="en-US" sz="1400" dirty="0" err="1">
+                <a:latin typeface="Lucida Console"/>
+                <a:cs typeface="Lucida Console"/>
+              </a:rPr>
+              <a:t>mapReduce</a:t>
+            </a:r>
+            <a:r>
+              <a:rPr lang="en-US" sz="1400" dirty="0">
+                <a:latin typeface="Lucida Console"/>
+                <a:cs typeface="Lucida Console"/>
+              </a:rPr>
+              <a:t>();</a:t>
+            </a:r>
+          </a:p>
+          <a:p>
+            <a:pPr marL="0" indent="0">
+              <a:spcBef>
+                <a:spcPts val="600"/>
+              </a:spcBef>
+            </a:pPr>
+            <a:r>
+              <a:rPr lang="en-US" sz="1400" dirty="0" smtClean="0">
+                <a:latin typeface="Lucida Console"/>
+                <a:cs typeface="Lucida Console"/>
+              </a:rPr>
+              <a:t>10 }</a:t>
+            </a:r>
+            <a:endParaRPr lang="en-US" sz="1400" dirty="0">
+              <a:latin typeface="Lucida Console"/>
+              <a:cs typeface="Lucida Console"/>
+            </a:endParaRPr>
+          </a:p>
+        </p:txBody>
+      </p:sp>
+    </p:spTree>
+    <p:extLst>
+      <p:ext uri="{BB962C8B-B14F-4D97-AF65-F5344CB8AC3E}">
+        <p14:creationId xmlns:p14="http://schemas.microsoft.com/office/powerpoint/2010/main" val="2487640545"/>
+      </p:ext>
+    </p:extLst>
+  </p:cSld>
+  <p:clrMapOvr>
+    <a:masterClrMapping/>
+  </p:clrMapOvr>
+  <p:timing>
+    <p:tnLst>
+      <p:par>
+        <p:cTn xmlns:p14="http://schemas.microsoft.com/office/powerpoint/2010/main" id="1" dur="indefinite" restart="never" nodeType="tmRoot"/>
+      </p:par>
+    </p:tnLst>
+  </p:timing>
+</p:sld>
+</file>
+
+<file path=ppt/slides/slide13.xml><?xml version="1.0" encoding="utf-8"?>
+<p:sld xmlns:a="http://schemas.openxmlformats.org/drawingml/2006/main" xmlns:r="http://schemas.openxmlformats.org/officeDocument/2006/relationships" xmlns:p="http://schemas.openxmlformats.org/presentationml/2006/main">
+  <p:cSld>
+    <p:spTree>
+      <p:nvGrpSpPr>
+        <p:cNvPr id="1" name=""/>
+        <p:cNvGrpSpPr/>
+        <p:nvPr/>
+      </p:nvGrpSpPr>
+      <p:grpSpPr>
+        <a:xfrm>
+          <a:off x="0" y="0"/>
+          <a:ext cx="0" cy="0"/>
+          <a:chOff x="0" y="0"/>
+          <a:chExt cx="0" cy="0"/>
+        </a:xfrm>
+      </p:grpSpPr>
+      <p:sp>
+        <p:nvSpPr>
+          <p:cNvPr id="2" name="Title 1"/>
+          <p:cNvSpPr>
+            <a:spLocks noGrp="1"/>
+          </p:cNvSpPr>
+          <p:nvPr>
+            <p:ph type="title"/>
+          </p:nvPr>
+        </p:nvSpPr>
         <p:spPr>
           <a:xfrm rot="19140000">
             <a:off x="631242" y="1776157"/>
@@ -6486,7 +6881,7 @@
 </p:sld>
 </file>
 
-<file path=ppt/slides/slide13.xml><?xml version="1.0" encoding="utf-8"?>
+<file path=ppt/slides/slide14.xml><?xml version="1.0" encoding="utf-8"?>
 <p:sld xmlns:a="http://schemas.openxmlformats.org/drawingml/2006/main" xmlns:r="http://schemas.openxmlformats.org/officeDocument/2006/relationships" xmlns:p="http://schemas.openxmlformats.org/presentationml/2006/main">
   <p:cSld>
     <p:spTree>
@@ -9618,7 +10013,7 @@
 </p:sld>
 </file>
 
-<file path=ppt/slides/slide14.xml><?xml version="1.0" encoding="utf-8"?>
+<file path=ppt/slides/slide15.xml><?xml version="1.0" encoding="utf-8"?>
 <p:sld xmlns:a="http://schemas.openxmlformats.org/drawingml/2006/main" xmlns:r="http://schemas.openxmlformats.org/officeDocument/2006/relationships" xmlns:p="http://schemas.openxmlformats.org/presentationml/2006/main">
   <p:cSld>
     <p:spTree>
@@ -10684,113 +11079,6 @@
 </p:sld>
 </file>
 
-<file path=ppt/slides/slide15.xml><?xml version="1.0" encoding="utf-8"?>
-<p:sld xmlns:a="http://schemas.openxmlformats.org/drawingml/2006/main" xmlns:r="http://schemas.openxmlformats.org/officeDocument/2006/relationships" xmlns:p="http://schemas.openxmlformats.org/presentationml/2006/main">
-  <p:cSld>
-    <p:spTree>
-      <p:nvGrpSpPr>
-        <p:cNvPr id="1" name=""/>
-        <p:cNvGrpSpPr/>
-        <p:nvPr/>
-      </p:nvGrpSpPr>
-      <p:grpSpPr>
-        <a:xfrm>
-          <a:off x="0" y="0"/>
-          <a:ext cx="0" cy="0"/>
-          <a:chOff x="0" y="0"/>
-          <a:chExt cx="0" cy="0"/>
-        </a:xfrm>
-      </p:grpSpPr>
-      <p:sp>
-        <p:nvSpPr>
-          <p:cNvPr id="2" name="Title 1"/>
-          <p:cNvSpPr>
-            <a:spLocks noGrp="1"/>
-          </p:cNvSpPr>
-          <p:nvPr>
-            <p:ph type="title"/>
-          </p:nvPr>
-        </p:nvSpPr>
-        <p:spPr>
-          <a:xfrm rot="19140000">
-            <a:off x="631242" y="1776157"/>
-            <a:ext cx="5650992" cy="1207509"/>
-          </a:xfrm>
-        </p:spPr>
-        <p:txBody>
-          <a:bodyPr/>
-          <a:lstStyle/>
-          <a:p>
-            <a:r>
-              <a:rPr lang="en-US" sz="6000" dirty="0" smtClean="0"/>
-              <a:t>runtime</a:t>
-            </a:r>
-            <a:endParaRPr lang="en-US" sz="6000" dirty="0"/>
-          </a:p>
-        </p:txBody>
-      </p:sp>
-      <p:sp>
-        <p:nvSpPr>
-          <p:cNvPr id="3" name="Text Placeholder 2"/>
-          <p:cNvSpPr>
-            <a:spLocks noGrp="1"/>
-          </p:cNvSpPr>
-          <p:nvPr>
-            <p:ph type="body" idx="1"/>
-          </p:nvPr>
-        </p:nvSpPr>
-        <p:spPr>
-          <a:xfrm rot="19140000">
-            <a:off x="938448" y="2278221"/>
-            <a:ext cx="7240656" cy="329184"/>
-          </a:xfrm>
-        </p:spPr>
-        <p:txBody>
-          <a:bodyPr>
-            <a:noAutofit/>
-          </a:bodyPr>
-          <a:lstStyle/>
-          <a:p>
-            <a:r>
-              <a:rPr lang="en-US" sz="2400" spc="0" dirty="0" err="1" smtClean="0"/>
-              <a:t>Kurry</a:t>
-            </a:r>
-            <a:r>
-              <a:rPr lang="en-US" sz="2400" spc="0" dirty="0" smtClean="0"/>
-              <a:t> </a:t>
-            </a:r>
-            <a:r>
-              <a:rPr lang="en-US" sz="2400" spc="0" dirty="0" err="1" smtClean="0"/>
-              <a:t>tran</a:t>
-            </a:r>
-            <a:r>
-              <a:rPr lang="en-US" sz="2400" spc="0" dirty="0" smtClean="0"/>
-              <a:t> (System integrator)</a:t>
-            </a:r>
-            <a:endParaRPr lang="en-US" sz="2400" spc="0" dirty="0"/>
-          </a:p>
-        </p:txBody>
-      </p:sp>
-    </p:spTree>
-    <p:extLst>
-      <p:ext uri="{BB962C8B-B14F-4D97-AF65-F5344CB8AC3E}">
-        <p14:creationId xmlns:p14="http://schemas.microsoft.com/office/powerpoint/2010/main" val="720806030"/>
-      </p:ext>
-    </p:extLst>
-  </p:cSld>
-  <p:clrMapOvr>
-    <a:masterClrMapping/>
-  </p:clrMapOvr>
-  <p:timing>
-    <p:tnLst>
-      <p:par>
-        <p:cTn xmlns:p14="http://schemas.microsoft.com/office/powerpoint/2010/main" id="1" dur="indefinite" restart="never" nodeType="tmRoot"/>
-      </p:par>
-    </p:tnLst>
-  </p:timing>
-</p:sld>
-</file>
-
 <file path=ppt/slides/slide16.xml><?xml version="1.0" encoding="utf-8"?>
 <p:sld xmlns:a="http://schemas.openxmlformats.org/drawingml/2006/main" xmlns:r="http://schemas.openxmlformats.org/officeDocument/2006/relationships" xmlns:p="http://schemas.openxmlformats.org/presentationml/2006/main">
   <p:cSld>
@@ -10830,7 +11118,7 @@
           <a:p>
             <a:r>
               <a:rPr lang="en-US" sz="6000" dirty="0" smtClean="0"/>
-              <a:t>Testing</a:t>
+              <a:t>runtime</a:t>
             </a:r>
             <a:endParaRPr lang="en-US" sz="6000" dirty="0"/>
           </a:p>
@@ -10859,16 +11147,20 @@
           <a:lstStyle/>
           <a:p>
             <a:r>
+              <a:rPr lang="en-US" sz="2400" spc="0" dirty="0" err="1" smtClean="0"/>
+              <a:t>Kurry</a:t>
+            </a:r>
+            <a:r>
               <a:rPr lang="en-US" sz="2400" spc="0" dirty="0" smtClean="0"/>
-              <a:t>Jason </a:t>
+              <a:t> </a:t>
             </a:r>
             <a:r>
               <a:rPr lang="en-US" sz="2400" spc="0" dirty="0" err="1" smtClean="0"/>
-              <a:t>halpern</a:t>
+              <a:t>tran</a:t>
             </a:r>
             <a:r>
               <a:rPr lang="en-US" sz="2400" spc="0" dirty="0" smtClean="0"/>
-              <a:t> (testing/validation)</a:t>
+              <a:t> (System integrator)</a:t>
             </a:r>
             <a:endParaRPr lang="en-US" sz="2400" spc="0" dirty="0"/>
           </a:p>
@@ -10921,16 +11213,21 @@
             <p:ph type="title"/>
           </p:nvPr>
         </p:nvSpPr>
-        <p:spPr/>
+        <p:spPr>
+          <a:xfrm rot="19140000">
+            <a:off x="631242" y="1776157"/>
+            <a:ext cx="5650992" cy="1207509"/>
+          </a:xfrm>
+        </p:spPr>
         <p:txBody>
           <a:bodyPr/>
           <a:lstStyle/>
           <a:p>
             <a:r>
-              <a:rPr lang="en-US" sz="9600" dirty="0" smtClean="0"/>
-              <a:t>demo</a:t>
-            </a:r>
-            <a:endParaRPr lang="en-US" sz="9600" dirty="0"/>
+              <a:rPr lang="en-US" sz="6000" dirty="0" smtClean="0"/>
+              <a:t>Testing</a:t>
+            </a:r>
+            <a:endParaRPr lang="en-US" sz="6000" dirty="0"/>
           </a:p>
         </p:txBody>
       </p:sp>
@@ -10944,19 +11241,38 @@
             <p:ph type="body" idx="1"/>
           </p:nvPr>
         </p:nvSpPr>
-        <p:spPr/>
+        <p:spPr>
+          <a:xfrm rot="19140000">
+            <a:off x="938448" y="2278221"/>
+            <a:ext cx="7240656" cy="329184"/>
+          </a:xfrm>
+        </p:spPr>
         <p:txBody>
-          <a:bodyPr/>
+          <a:bodyPr>
+            <a:noAutofit/>
+          </a:bodyPr>
           <a:lstStyle/>
           <a:p>
-            <a:endParaRPr lang="en-US"/>
+            <a:r>
+              <a:rPr lang="en-US" sz="2400" spc="0" dirty="0" smtClean="0"/>
+              <a:t>Jason </a:t>
+            </a:r>
+            <a:r>
+              <a:rPr lang="en-US" sz="2400" spc="0" dirty="0" err="1" smtClean="0"/>
+              <a:t>halpern</a:t>
+            </a:r>
+            <a:r>
+              <a:rPr lang="en-US" sz="2400" spc="0" dirty="0" smtClean="0"/>
+              <a:t> (testing/validation)</a:t>
+            </a:r>
+            <a:endParaRPr lang="en-US" sz="2400" spc="0" dirty="0"/>
           </a:p>
         </p:txBody>
       </p:sp>
     </p:spTree>
     <p:extLst>
       <p:ext uri="{BB962C8B-B14F-4D97-AF65-F5344CB8AC3E}">
-        <p14:creationId xmlns:p14="http://schemas.microsoft.com/office/powerpoint/2010/main" val="921940227"/>
+        <p14:creationId xmlns:p14="http://schemas.microsoft.com/office/powerpoint/2010/main" val="720806030"/>
       </p:ext>
     </p:extLst>
   </p:cSld>
@@ -11000,21 +11316,16 @@
             <p:ph type="title"/>
           </p:nvPr>
         </p:nvSpPr>
-        <p:spPr>
-          <a:xfrm rot="19140000">
-            <a:off x="631242" y="1776157"/>
-            <a:ext cx="5650992" cy="1207509"/>
-          </a:xfrm>
-        </p:spPr>
+        <p:spPr/>
         <p:txBody>
           <a:bodyPr/>
           <a:lstStyle/>
           <a:p>
             <a:r>
-              <a:rPr lang="en-US" sz="6000" dirty="0" smtClean="0"/>
-              <a:t>conclusions</a:t>
-            </a:r>
-            <a:endParaRPr lang="en-US" sz="6000" dirty="0"/>
+              <a:rPr lang="en-US" sz="9600" dirty="0" smtClean="0"/>
+              <a:t>demo</a:t>
+            </a:r>
+            <a:endParaRPr lang="en-US" sz="9600" dirty="0"/>
           </a:p>
         </p:txBody>
       </p:sp>
@@ -11028,30 +11339,19 @@
             <p:ph type="body" idx="1"/>
           </p:nvPr>
         </p:nvSpPr>
-        <p:spPr>
-          <a:xfrm rot="19140000">
-            <a:off x="938448" y="2278221"/>
-            <a:ext cx="7240656" cy="329184"/>
-          </a:xfrm>
-        </p:spPr>
+        <p:spPr/>
         <p:txBody>
-          <a:bodyPr>
-            <a:noAutofit/>
-          </a:bodyPr>
+          <a:bodyPr/>
           <a:lstStyle/>
           <a:p>
-            <a:r>
-              <a:rPr lang="en-US" sz="2400" spc="0" dirty="0" smtClean="0"/>
-              <a:t>The hog team</a:t>
-            </a:r>
-            <a:endParaRPr lang="en-US" sz="2400" spc="0" dirty="0"/>
+            <a:endParaRPr lang="en-US"/>
           </a:p>
         </p:txBody>
       </p:sp>
     </p:spTree>
     <p:extLst>
       <p:ext uri="{BB962C8B-B14F-4D97-AF65-F5344CB8AC3E}">
-        <p14:creationId xmlns:p14="http://schemas.microsoft.com/office/powerpoint/2010/main" val="3601372676"/>
+        <p14:creationId xmlns:p14="http://schemas.microsoft.com/office/powerpoint/2010/main" val="921940227"/>
       </p:ext>
     </p:extLst>
   </p:cSld>
@@ -11095,99 +11395,58 @@
             <p:ph type="title"/>
           </p:nvPr>
         </p:nvSpPr>
-        <p:spPr/>
+        <p:spPr>
+          <a:xfrm rot="19140000">
+            <a:off x="631242" y="1776157"/>
+            <a:ext cx="5650992" cy="1207509"/>
+          </a:xfrm>
+        </p:spPr>
         <p:txBody>
           <a:bodyPr/>
           <a:lstStyle/>
           <a:p>
             <a:r>
-              <a:rPr lang="en-US" dirty="0" smtClean="0"/>
+              <a:rPr lang="en-US" sz="6000" dirty="0" smtClean="0"/>
               <a:t>conclusions</a:t>
             </a:r>
-            <a:endParaRPr lang="en-US" dirty="0"/>
+            <a:endParaRPr lang="en-US" sz="6000" dirty="0"/>
           </a:p>
         </p:txBody>
       </p:sp>
       <p:sp>
         <p:nvSpPr>
-          <p:cNvPr id="3" name="TextBox 2"/>
-          <p:cNvSpPr txBox="1"/>
-          <p:nvPr/>
+          <p:cNvPr id="3" name="Text Placeholder 2"/>
+          <p:cNvSpPr>
+            <a:spLocks noGrp="1"/>
+          </p:cNvSpPr>
+          <p:nvPr>
+            <p:ph type="body" idx="1"/>
+          </p:nvPr>
         </p:nvSpPr>
         <p:spPr>
-          <a:xfrm>
-            <a:off x="1228632" y="1408185"/>
-            <a:ext cx="6722972" cy="2769989"/>
+          <a:xfrm rot="19140000">
+            <a:off x="938448" y="2278221"/>
+            <a:ext cx="7240656" cy="329184"/>
           </a:xfrm>
-          <a:prstGeom prst="rect">
-            <a:avLst/>
-          </a:prstGeom>
-          <a:noFill/>
         </p:spPr>
         <p:txBody>
-          <a:bodyPr wrap="square" rtlCol="0">
-            <a:spAutoFit/>
+          <a:bodyPr>
+            <a:noAutofit/>
           </a:bodyPr>
           <a:lstStyle/>
           <a:p>
-            <a:pPr marL="285750" indent="-285750">
-              <a:spcBef>
-                <a:spcPts val="1200"/>
-              </a:spcBef>
-              <a:buFont typeface="Arial"/>
-              <a:buChar char="•"/>
-            </a:pPr>
-            <a:r>
-              <a:rPr lang="en-US" sz="2400" dirty="0" smtClean="0"/>
-              <a:t>Modularity is key</a:t>
-            </a:r>
-          </a:p>
-          <a:p>
-            <a:pPr marL="285750" indent="-285750">
-              <a:spcBef>
-                <a:spcPts val="1200"/>
-              </a:spcBef>
-              <a:buFont typeface="Arial"/>
-              <a:buChar char="•"/>
-            </a:pPr>
-            <a:r>
-              <a:rPr lang="en-US" sz="2400" dirty="0" smtClean="0"/>
-              <a:t>Expend the effort to reduce development time</a:t>
-            </a:r>
-          </a:p>
-          <a:p>
-            <a:pPr marL="285750" indent="-285750">
-              <a:spcBef>
-                <a:spcPts val="1200"/>
-              </a:spcBef>
-              <a:buFont typeface="Arial"/>
-              <a:buChar char="•"/>
-            </a:pPr>
-            <a:r>
-              <a:rPr lang="en-US" sz="2400" dirty="0" smtClean="0"/>
-              <a:t>Pair down your goals as much as possible in the beginning, allow yourself to not know at every stage how your language will develop.</a:t>
-            </a:r>
-          </a:p>
-          <a:p>
-            <a:pPr marL="285750" indent="-285750">
-              <a:spcBef>
-                <a:spcPts val="1200"/>
-              </a:spcBef>
-              <a:buFont typeface="Arial"/>
-              <a:buChar char="•"/>
-            </a:pPr>
-            <a:r>
-              <a:rPr lang="en-US" sz="2400" dirty="0" smtClean="0"/>
-              <a:t>Work in the same room as your teammates</a:t>
-            </a:r>
-            <a:endParaRPr lang="en-US" sz="2400" dirty="0"/>
+            <a:r>
+              <a:rPr lang="en-US" sz="2400" spc="0" dirty="0" smtClean="0"/>
+              <a:t>The hog team</a:t>
+            </a:r>
+            <a:endParaRPr lang="en-US" sz="2400" spc="0" dirty="0"/>
           </a:p>
         </p:txBody>
       </p:sp>
     </p:spTree>
     <p:extLst>
       <p:ext uri="{BB962C8B-B14F-4D97-AF65-F5344CB8AC3E}">
-        <p14:creationId xmlns:p14="http://schemas.microsoft.com/office/powerpoint/2010/main" val="3044310269"/>
+        <p14:creationId xmlns:p14="http://schemas.microsoft.com/office/powerpoint/2010/main" val="3601372676"/>
       </p:ext>
     </p:extLst>
   </p:cSld>
@@ -11394,6 +11653,142 @@
 </file>
 
 <file path=ppt/slides/slide20.xml><?xml version="1.0" encoding="utf-8"?>
+<p:sld xmlns:a="http://schemas.openxmlformats.org/drawingml/2006/main" xmlns:r="http://schemas.openxmlformats.org/officeDocument/2006/relationships" xmlns:p="http://schemas.openxmlformats.org/presentationml/2006/main">
+  <p:cSld>
+    <p:spTree>
+      <p:nvGrpSpPr>
+        <p:cNvPr id="1" name=""/>
+        <p:cNvGrpSpPr/>
+        <p:nvPr/>
+      </p:nvGrpSpPr>
+      <p:grpSpPr>
+        <a:xfrm>
+          <a:off x="0" y="0"/>
+          <a:ext cx="0" cy="0"/>
+          <a:chOff x="0" y="0"/>
+          <a:chExt cx="0" cy="0"/>
+        </a:xfrm>
+      </p:grpSpPr>
+      <p:sp>
+        <p:nvSpPr>
+          <p:cNvPr id="2" name="Title 1"/>
+          <p:cNvSpPr>
+            <a:spLocks noGrp="1"/>
+          </p:cNvSpPr>
+          <p:nvPr>
+            <p:ph type="title"/>
+          </p:nvPr>
+        </p:nvSpPr>
+        <p:spPr/>
+        <p:txBody>
+          <a:bodyPr/>
+          <a:lstStyle/>
+          <a:p>
+            <a:r>
+              <a:rPr lang="en-US" dirty="0" smtClean="0"/>
+              <a:t>conclusions</a:t>
+            </a:r>
+            <a:endParaRPr lang="en-US" dirty="0"/>
+          </a:p>
+        </p:txBody>
+      </p:sp>
+      <p:sp>
+        <p:nvSpPr>
+          <p:cNvPr id="3" name="TextBox 2"/>
+          <p:cNvSpPr txBox="1"/>
+          <p:nvPr/>
+        </p:nvSpPr>
+        <p:spPr>
+          <a:xfrm>
+            <a:off x="1228632" y="1408185"/>
+            <a:ext cx="6722972" cy="2769989"/>
+          </a:xfrm>
+          <a:prstGeom prst="rect">
+            <a:avLst/>
+          </a:prstGeom>
+          <a:noFill/>
+        </p:spPr>
+        <p:txBody>
+          <a:bodyPr wrap="square" rtlCol="0">
+            <a:spAutoFit/>
+          </a:bodyPr>
+          <a:lstStyle/>
+          <a:p>
+            <a:pPr marL="285750" indent="-285750">
+              <a:spcBef>
+                <a:spcPts val="1200"/>
+              </a:spcBef>
+              <a:buFont typeface="Arial"/>
+              <a:buChar char="•"/>
+            </a:pPr>
+            <a:r>
+              <a:rPr lang="en-US" sz="2400" dirty="0" smtClean="0"/>
+              <a:t>Modularity is key</a:t>
+            </a:r>
+          </a:p>
+          <a:p>
+            <a:pPr marL="285750" indent="-285750">
+              <a:spcBef>
+                <a:spcPts val="1200"/>
+              </a:spcBef>
+              <a:buFont typeface="Arial"/>
+              <a:buChar char="•"/>
+            </a:pPr>
+            <a:r>
+              <a:rPr lang="en-US" sz="2400" dirty="0" smtClean="0"/>
+              <a:t>Expend the effort to reduce development time</a:t>
+            </a:r>
+          </a:p>
+          <a:p>
+            <a:pPr marL="285750" indent="-285750">
+              <a:spcBef>
+                <a:spcPts val="1200"/>
+              </a:spcBef>
+              <a:buFont typeface="Arial"/>
+              <a:buChar char="•"/>
+            </a:pPr>
+            <a:r>
+              <a:rPr lang="en-US" sz="2400" dirty="0" smtClean="0"/>
+              <a:t>Pair down your goals as much as possible in the beginning, allow yourself to not know at every stage how your language will develop.</a:t>
+            </a:r>
+          </a:p>
+          <a:p>
+            <a:pPr marL="285750" indent="-285750">
+              <a:spcBef>
+                <a:spcPts val="1200"/>
+              </a:spcBef>
+              <a:buFont typeface="Arial"/>
+              <a:buChar char="•"/>
+            </a:pPr>
+            <a:r>
+              <a:rPr lang="en-US" sz="2400" dirty="0" smtClean="0"/>
+              <a:t>Work in the same room as your teammates</a:t>
+            </a:r>
+            <a:endParaRPr lang="en-US" sz="2400" dirty="0"/>
+          </a:p>
+        </p:txBody>
+      </p:sp>
+    </p:spTree>
+    <p:extLst>
+      <p:ext uri="{BB962C8B-B14F-4D97-AF65-F5344CB8AC3E}">
+        <p14:creationId xmlns:p14="http://schemas.microsoft.com/office/powerpoint/2010/main" val="3044310269"/>
+      </p:ext>
+    </p:extLst>
+  </p:cSld>
+  <p:clrMapOvr>
+    <a:masterClrMapping/>
+  </p:clrMapOvr>
+  <p:timing>
+    <p:tnLst>
+      <p:par>
+        <p:cTn xmlns:p14="http://schemas.microsoft.com/office/powerpoint/2010/main" id="1" dur="indefinite" restart="never" nodeType="tmRoot"/>
+      </p:par>
+    </p:tnLst>
+  </p:timing>
+</p:sld>
+</file>
+
+<file path=ppt/slides/slide21.xml><?xml version="1.0" encoding="utf-8"?>
 <p:sld xmlns:a="http://schemas.openxmlformats.org/drawingml/2006/main" xmlns:r="http://schemas.openxmlformats.org/officeDocument/2006/relationships" xmlns:p="http://schemas.openxmlformats.org/presentationml/2006/main">
   <p:cSld>
     <p:spTree>
@@ -11724,7 +12119,15 @@
             </a:pPr>
             <a:r>
               <a:rPr lang="en-US" dirty="0" smtClean="0"/>
-              <a:t>and you just noticed a massive spike in avg. I/O times…</a:t>
+              <a:t>and you just noticed a massive spike in avg. </a:t>
+            </a:r>
+            <a:r>
+              <a:rPr lang="en-US" smtClean="0"/>
+              <a:t>request times</a:t>
+            </a:r>
+            <a:r>
+              <a:rPr lang="en-US" dirty="0" smtClean="0"/>
+              <a:t>…</a:t>
             </a:r>
             <a:endParaRPr lang="en-US" dirty="0"/>
           </a:p>
@@ -13889,12 +14292,11 @@
           <a:p>
             <a:r>
               <a:rPr lang="en-US" dirty="0" smtClean="0"/>
-              <a:t>The simplest </a:t>
-            </a:r>
-            <a:r>
+              <a:t>Say you want to…</a:t>
+            </a:r>
+            <a:br>
               <a:rPr lang="en-US" dirty="0" smtClean="0"/>
-              <a:t>distributed sort</a:t>
-            </a:r>
+            </a:br>
             <a:endParaRPr lang="en-US" dirty="0"/>
           </a:p>
         </p:txBody>
@@ -13911,328 +14313,306 @@
         </p:nvSpPr>
         <p:spPr>
           <a:xfrm>
-            <a:off x="1473653" y="1152473"/>
-            <a:ext cx="6201388" cy="3205025"/>
+            <a:off x="822960" y="1100628"/>
+            <a:ext cx="7520940" cy="956427"/>
           </a:xfrm>
         </p:spPr>
         <p:txBody>
           <a:bodyPr>
-            <a:noAutofit/>
+            <a:normAutofit fontScale="92500" lnSpcReduction="20000"/>
           </a:bodyPr>
           <a:lstStyle/>
           <a:p>
-            <a:pPr marL="0" indent="0">
-              <a:spcBef>
-                <a:spcPts val="600"/>
-              </a:spcBef>
-            </a:pPr>
+            <a:r>
+              <a:rPr lang="en-US" sz="2200" dirty="0" smtClean="0"/>
+              <a:t>Sort 400K numbers stored in a text file as,</a:t>
+            </a:r>
+          </a:p>
+          <a:p>
+            <a:endParaRPr lang="en-US" dirty="0"/>
+          </a:p>
+          <a:p>
+            <a:pPr algn="ctr"/>
+            <a:r>
+              <a:rPr lang="en-US" dirty="0">
+                <a:latin typeface="Lucida Console"/>
+                <a:cs typeface="Lucida Console"/>
+              </a:rPr>
+              <a:t> </a:t>
+            </a:r>
+            <a:r>
+              <a:rPr lang="en-US" dirty="0" smtClean="0">
+                <a:latin typeface="Lucida Console"/>
+                <a:cs typeface="Lucida Console"/>
+              </a:rPr>
+              <a:t>  </a:t>
+            </a:r>
+            <a:endParaRPr lang="en-US" dirty="0">
+              <a:latin typeface="Lucida Console"/>
+              <a:cs typeface="Lucida Console"/>
+            </a:endParaRPr>
+          </a:p>
+        </p:txBody>
+      </p:sp>
+      <p:sp>
+        <p:nvSpPr>
+          <p:cNvPr id="5" name="TextBox 4"/>
+          <p:cNvSpPr txBox="1"/>
+          <p:nvPr/>
+        </p:nvSpPr>
+        <p:spPr>
+          <a:xfrm>
+            <a:off x="2498681" y="1656688"/>
+            <a:ext cx="4169071" cy="3108544"/>
+          </a:xfrm>
+          <a:prstGeom prst="rect">
+            <a:avLst/>
+          </a:prstGeom>
+          <a:noFill/>
+        </p:spPr>
+        <p:txBody>
+          <a:bodyPr wrap="square" rtlCol="0">
+            <a:spAutoFit/>
+          </a:bodyPr>
+          <a:lstStyle/>
+          <a:p>
+            <a:r>
+              <a:rPr lang="en-US" sz="1400" dirty="0" err="1" smtClean="0">
+                <a:latin typeface="Lucida Console"/>
+                <a:cs typeface="Lucida Console"/>
+              </a:rPr>
+              <a:t>user@home</a:t>
+            </a:r>
             <a:r>
               <a:rPr lang="en-US" sz="1400" dirty="0" smtClean="0">
                 <a:latin typeface="Lucida Console"/>
                 <a:cs typeface="Lucida Console"/>
               </a:rPr>
-              <a:t>0  @</a:t>
+              <a:t> ~ &gt; head -12 </a:t>
+            </a:r>
+            <a:r>
+              <a:rPr lang="en-US" sz="1400" dirty="0" err="1" smtClean="0">
+                <a:latin typeface="Lucida Console"/>
+                <a:cs typeface="Lucida Console"/>
+              </a:rPr>
+              <a:t>numbers.txt</a:t>
+            </a:r>
+            <a:endParaRPr lang="en-US" sz="1400" dirty="0" smtClean="0">
+              <a:latin typeface="Lucida Console"/>
+              <a:cs typeface="Lucida Console"/>
+            </a:endParaRPr>
+          </a:p>
+          <a:p>
+            <a:endParaRPr lang="en-US" sz="1400" dirty="0" smtClean="0">
+              <a:latin typeface="Lucida Console"/>
+              <a:cs typeface="Lucida Console"/>
+            </a:endParaRPr>
+          </a:p>
+          <a:p>
+            <a:r>
+              <a:rPr lang="en-US" sz="1400" dirty="0" smtClean="0">
+                <a:latin typeface="Lucida Console"/>
+                <a:cs typeface="Lucida Console"/>
+              </a:rPr>
+              <a:t>1954626 </a:t>
             </a:r>
             <a:r>
               <a:rPr lang="en-US" sz="1400" dirty="0">
                 <a:latin typeface="Lucida Console"/>
                 <a:cs typeface="Lucida Console"/>
               </a:rPr>
-              <a:t>Map (</a:t>
-            </a:r>
-            <a:r>
-              <a:rPr lang="en-US" sz="1400" dirty="0" err="1">
+              <a:t>53347517 849648024 9657788</a:t>
+            </a:r>
+          </a:p>
+          <a:p>
+            <a:r>
+              <a:rPr lang="en-US" sz="1400" dirty="0" smtClean="0">
                 <a:latin typeface="Lucida Console"/>
                 <a:cs typeface="Lucida Console"/>
               </a:rPr>
-              <a:t>int</a:t>
+              <a:t>2347498 </a:t>
             </a:r>
             <a:r>
               <a:rPr lang="en-US" sz="1400" dirty="0">
                 <a:latin typeface="Lucida Console"/>
                 <a:cs typeface="Lucida Console"/>
               </a:rPr>
-              <a:t> </a:t>
-            </a:r>
-            <a:r>
-              <a:rPr lang="en-US" sz="1400" dirty="0" err="1">
+              <a:t>33984398 463743309 6134796</a:t>
+            </a:r>
+          </a:p>
+          <a:p>
+            <a:r>
+              <a:rPr lang="en-US" sz="1400" dirty="0" smtClean="0">
                 <a:latin typeface="Lucida Console"/>
                 <a:cs typeface="Lucida Console"/>
               </a:rPr>
-              <a:t>lineNum</a:t>
+              <a:t>7105100 </a:t>
             </a:r>
             <a:r>
               <a:rPr lang="en-US" sz="1400" dirty="0">
                 <a:latin typeface="Lucida Console"/>
                 <a:cs typeface="Lucida Console"/>
               </a:rPr>
-              <a:t>, text line) -&gt; (text, text) {</a:t>
-            </a:r>
-          </a:p>
-          <a:p>
-            <a:pPr marL="0" indent="0">
-              <a:spcBef>
-                <a:spcPts val="600"/>
-              </a:spcBef>
-            </a:pPr>
+              <a:t>3091405 521851259 5918563</a:t>
+            </a:r>
+          </a:p>
+          <a:p>
             <a:r>
               <a:rPr lang="en-US" sz="1400" dirty="0" smtClean="0">
                 <a:latin typeface="Lucida Console"/>
                 <a:cs typeface="Lucida Console"/>
               </a:rPr>
-              <a:t>1    </a:t>
-            </a:r>
-            <a:r>
-              <a:rPr lang="en-US" sz="1400" dirty="0" err="1" smtClean="0">
+              <a:t>2131501 </a:t>
+            </a:r>
+            <a:r>
+              <a:rPr lang="en-US" sz="1400" dirty="0">
                 <a:latin typeface="Lucida Console"/>
                 <a:cs typeface="Lucida Console"/>
               </a:rPr>
-              <a:t>foreach</a:t>
-            </a:r>
+              <a:t>85799847 721508718 1247805</a:t>
+            </a:r>
+          </a:p>
+          <a:p>
             <a:r>
               <a:rPr lang="en-US" sz="1400" dirty="0" smtClean="0">
                 <a:latin typeface="Lucida Console"/>
                 <a:cs typeface="Lucida Console"/>
               </a:rPr>
-              <a:t> </a:t>
+              <a:t>397861 </a:t>
             </a:r>
             <a:r>
               <a:rPr lang="en-US" sz="1400" dirty="0">
                 <a:latin typeface="Lucida Console"/>
                 <a:cs typeface="Lucida Console"/>
               </a:rPr>
-              <a:t>text number in </a:t>
-            </a:r>
-            <a:r>
-              <a:rPr lang="en-US" sz="1400" dirty="0" err="1">
+              <a:t>30679201 223117730 1790475</a:t>
+            </a:r>
+          </a:p>
+          <a:p>
+            <a:r>
+              <a:rPr lang="en-US" sz="1400" dirty="0" smtClean="0">
                 <a:latin typeface="Lucida Console"/>
                 <a:cs typeface="Lucida Console"/>
               </a:rPr>
-              <a:t>line.tokenize</a:t>
+              <a:t>1488469 </a:t>
             </a:r>
             <a:r>
               <a:rPr lang="en-US" sz="1400" dirty="0">
                 <a:latin typeface="Lucida Console"/>
                 <a:cs typeface="Lucida Console"/>
               </a:rPr>
-              <a:t>(" ") {</a:t>
-            </a:r>
-          </a:p>
-          <a:p>
-            <a:pPr marL="0" indent="0">
-              <a:spcBef>
-                <a:spcPts val="600"/>
-              </a:spcBef>
-            </a:pPr>
+              <a:t>98776106 584707188 4480355</a:t>
+            </a:r>
+          </a:p>
+          <a:p>
             <a:r>
               <a:rPr lang="en-US" sz="1400" dirty="0" smtClean="0">
                 <a:latin typeface="Lucida Console"/>
                 <a:cs typeface="Lucida Console"/>
               </a:rPr>
-              <a:t>2      emit</a:t>
+              <a:t>4913326 </a:t>
             </a:r>
             <a:r>
               <a:rPr lang="en-US" sz="1400" dirty="0">
                 <a:latin typeface="Lucida Console"/>
                 <a:cs typeface="Lucida Console"/>
               </a:rPr>
-              <a:t>(number, number);</a:t>
-            </a:r>
-          </a:p>
-          <a:p>
-            <a:pPr marL="0" indent="0">
-              <a:spcBef>
-                <a:spcPts val="600"/>
-              </a:spcBef>
-            </a:pPr>
+              <a:t>71618420 718037263 9947687</a:t>
+            </a:r>
+          </a:p>
+          <a:p>
             <a:r>
               <a:rPr lang="en-US" sz="1400" dirty="0" smtClean="0">
                 <a:latin typeface="Lucida Console"/>
                 <a:cs typeface="Lucida Console"/>
               </a:rPr>
-              <a:t>3    }</a:t>
-            </a:r>
-            <a:endParaRPr lang="en-US" sz="1400" dirty="0">
-              <a:latin typeface="Lucida Console"/>
-              <a:cs typeface="Lucida Console"/>
-            </a:endParaRPr>
-          </a:p>
-          <a:p>
-            <a:pPr marL="0" indent="0">
-              <a:spcBef>
-                <a:spcPts val="600"/>
-              </a:spcBef>
-            </a:pPr>
+              <a:t>5655971 </a:t>
+            </a:r>
+            <a:r>
+              <a:rPr lang="en-US" sz="1400" dirty="0">
+                <a:latin typeface="Lucida Console"/>
+                <a:cs typeface="Lucida Console"/>
+              </a:rPr>
+              <a:t>50369050 760931522 3130455</a:t>
+            </a:r>
+          </a:p>
+          <a:p>
             <a:r>
               <a:rPr lang="en-US" sz="1400" dirty="0" smtClean="0">
                 <a:latin typeface="Lucida Console"/>
                 <a:cs typeface="Lucida Console"/>
               </a:rPr>
-              <a:t>4  }</a:t>
-            </a:r>
-            <a:endParaRPr lang="en-US" sz="1400" dirty="0">
-              <a:latin typeface="Lucida Console"/>
-              <a:cs typeface="Lucida Console"/>
-            </a:endParaRPr>
-          </a:p>
-          <a:p>
-            <a:pPr marL="0" indent="0">
-              <a:spcBef>
-                <a:spcPts val="600"/>
-              </a:spcBef>
-            </a:pPr>
-            <a:endParaRPr lang="en-US" sz="1400" dirty="0">
-              <a:latin typeface="Lucida Console"/>
-              <a:cs typeface="Lucida Console"/>
-            </a:endParaRPr>
-          </a:p>
-          <a:p>
-            <a:pPr marL="0" indent="0">
-              <a:spcBef>
-                <a:spcPts val="600"/>
-              </a:spcBef>
-            </a:pPr>
+              <a:t>8724084 </a:t>
+            </a:r>
+            <a:r>
+              <a:rPr lang="en-US" sz="1400" dirty="0">
+                <a:latin typeface="Lucida Console"/>
+                <a:cs typeface="Lucida Console"/>
+              </a:rPr>
+              <a:t>18220824 487366423 2279977</a:t>
+            </a:r>
+          </a:p>
+          <a:p>
             <a:r>
               <a:rPr lang="en-US" sz="1400" dirty="0" smtClean="0">
                 <a:latin typeface="Lucida Console"/>
                 <a:cs typeface="Lucida Console"/>
               </a:rPr>
-              <a:t>5  @</a:t>
+              <a:t>3499188 </a:t>
             </a:r>
             <a:r>
               <a:rPr lang="en-US" sz="1400" dirty="0">
                 <a:latin typeface="Lucida Console"/>
                 <a:cs typeface="Lucida Console"/>
               </a:rPr>
-              <a:t>Reduce (text number, text garbage) -&gt; (text, text) {</a:t>
-            </a:r>
-          </a:p>
-          <a:p>
-            <a:pPr marL="0" indent="0">
-              <a:spcBef>
-                <a:spcPts val="600"/>
-              </a:spcBef>
-            </a:pPr>
+              <a:t>82965874 954984276 1356189</a:t>
+            </a:r>
+          </a:p>
+          <a:p>
             <a:r>
               <a:rPr lang="en-US" sz="1400" dirty="0" smtClean="0">
                 <a:latin typeface="Lucida Console"/>
                 <a:cs typeface="Lucida Console"/>
               </a:rPr>
-              <a:t>6    </a:t>
+              <a:t>160876 </a:t>
             </a:r>
             <a:r>
               <a:rPr lang="en-US" sz="1400" dirty="0">
                 <a:latin typeface="Lucida Console"/>
                 <a:cs typeface="Lucida Console"/>
               </a:rPr>
-              <a:t>emit(number, "");</a:t>
-            </a:r>
-          </a:p>
-          <a:p>
-            <a:pPr marL="0" indent="0">
-              <a:spcBef>
-                <a:spcPts val="600"/>
-              </a:spcBef>
-            </a:pPr>
+              <a:t>11574903 295671087 2205428</a:t>
+            </a:r>
+          </a:p>
+          <a:p>
             <a:r>
               <a:rPr lang="en-US" sz="1400" dirty="0" smtClean="0">
                 <a:latin typeface="Lucida Console"/>
                 <a:cs typeface="Lucida Console"/>
               </a:rPr>
-              <a:t>7  }</a:t>
-            </a:r>
-            <a:endParaRPr lang="en-US" sz="1400" dirty="0">
-              <a:latin typeface="Lucida Console"/>
-              <a:cs typeface="Lucida Console"/>
-            </a:endParaRPr>
-          </a:p>
-          <a:p>
-            <a:pPr marL="0" indent="0">
-              <a:spcBef>
-                <a:spcPts val="600"/>
-              </a:spcBef>
-            </a:pPr>
+              <a:t>4850150 </a:t>
+            </a:r>
             <a:r>
               <a:rPr lang="en-US" sz="1400" dirty="0">
                 <a:latin typeface="Lucida Console"/>
                 <a:cs typeface="Lucida Console"/>
               </a:rPr>
-              <a:t>    </a:t>
-            </a:r>
-          </a:p>
-          <a:p>
-            <a:pPr marL="0" indent="0">
-              <a:spcBef>
-                <a:spcPts val="600"/>
-              </a:spcBef>
-            </a:pPr>
+              <a:t>58224366 109125742 </a:t>
+            </a:r>
             <a:r>
               <a:rPr lang="en-US" sz="1400" dirty="0" smtClean="0">
                 <a:latin typeface="Lucida Console"/>
                 <a:cs typeface="Lucida Console"/>
               </a:rPr>
-              <a:t>8  @</a:t>
-            </a:r>
-            <a:r>
-              <a:rPr lang="en-US" sz="1400" dirty="0">
-                <a:latin typeface="Lucida Console"/>
-                <a:cs typeface="Lucida Console"/>
-              </a:rPr>
-              <a:t>Main {</a:t>
-            </a:r>
-          </a:p>
-          <a:p>
-            <a:pPr marL="0" indent="0">
-              <a:spcBef>
-                <a:spcPts val="600"/>
-              </a:spcBef>
-            </a:pPr>
-            <a:r>
-              <a:rPr lang="en-US" sz="1400" dirty="0" smtClean="0">
-                <a:latin typeface="Lucida Console"/>
-                <a:cs typeface="Lucida Console"/>
-              </a:rPr>
-              <a:t>9    </a:t>
-            </a:r>
-            <a:r>
-              <a:rPr lang="en-US" sz="1400" dirty="0" err="1">
-                <a:latin typeface="Lucida Console"/>
-                <a:cs typeface="Lucida Console"/>
-              </a:rPr>
-              <a:t>mapReduce</a:t>
-            </a:r>
-            <a:r>
-              <a:rPr lang="en-US" sz="1400" dirty="0">
-                <a:latin typeface="Lucida Console"/>
-                <a:cs typeface="Lucida Console"/>
-              </a:rPr>
-              <a:t>();</a:t>
-            </a:r>
-          </a:p>
-          <a:p>
-            <a:pPr marL="0" indent="0">
-              <a:spcBef>
-                <a:spcPts val="600"/>
-              </a:spcBef>
-            </a:pPr>
-            <a:r>
-              <a:rPr lang="en-US" sz="1400" dirty="0" smtClean="0">
-                <a:latin typeface="Lucida Console"/>
-                <a:cs typeface="Lucida Console"/>
-              </a:rPr>
-              <a:t>10 }</a:t>
-            </a:r>
-            <a:endParaRPr lang="en-US" sz="1400" dirty="0">
-              <a:latin typeface="Lucida Console"/>
-              <a:cs typeface="Lucida Console"/>
-            </a:endParaRPr>
+              <a:t>3271166</a:t>
+            </a:r>
           </a:p>
         </p:txBody>
       </p:sp>
     </p:spTree>
     <p:extLst>
       <p:ext uri="{BB962C8B-B14F-4D97-AF65-F5344CB8AC3E}">
-        <p14:creationId xmlns:p14="http://schemas.microsoft.com/office/powerpoint/2010/main" val="2487640545"/>
+        <p14:creationId xmlns:p14="http://schemas.microsoft.com/office/powerpoint/2010/main" val="2595514875"/>
       </p:ext>
     </p:extLst>
   </p:cSld>
@@ -14383,7 +14763,7 @@
               <a:t>Synchronize computation </a:t>
             </a:r>
             <a:r>
-              <a:rPr lang="en-US" smtClean="0"/>
+              <a:rPr lang="en-US" dirty="0" smtClean="0"/>
               <a:t>across multiple machines </a:t>
             </a:r>
             <a:r>

--- a/demo/demo.pptx
+++ b/demo/demo.pptx
@@ -5,7 +5,7 @@
     <p:sldMasterId id="2147483868" r:id="rId1"/>
   </p:sldMasterIdLst>
   <p:notesMasterIdLst>
-    <p:notesMasterId r:id="rId23"/>
+    <p:notesMasterId r:id="rId25"/>
   </p:notesMasterIdLst>
   <p:sldIdLst>
     <p:sldId id="256" r:id="rId2"/>
@@ -19,16 +19,18 @@
     <p:sldId id="259" r:id="rId10"/>
     <p:sldId id="263" r:id="rId11"/>
     <p:sldId id="264" r:id="rId12"/>
-    <p:sldId id="258" r:id="rId13"/>
-    <p:sldId id="268" r:id="rId14"/>
-    <p:sldId id="273" r:id="rId15"/>
-    <p:sldId id="274" r:id="rId16"/>
-    <p:sldId id="269" r:id="rId17"/>
-    <p:sldId id="270" r:id="rId18"/>
-    <p:sldId id="277" r:id="rId19"/>
-    <p:sldId id="271" r:id="rId20"/>
-    <p:sldId id="276" r:id="rId21"/>
-    <p:sldId id="257" r:id="rId22"/>
+    <p:sldId id="280" r:id="rId13"/>
+    <p:sldId id="281" r:id="rId14"/>
+    <p:sldId id="258" r:id="rId15"/>
+    <p:sldId id="268" r:id="rId16"/>
+    <p:sldId id="273" r:id="rId17"/>
+    <p:sldId id="274" r:id="rId18"/>
+    <p:sldId id="269" r:id="rId19"/>
+    <p:sldId id="270" r:id="rId20"/>
+    <p:sldId id="277" r:id="rId21"/>
+    <p:sldId id="271" r:id="rId22"/>
+    <p:sldId id="276" r:id="rId23"/>
+    <p:sldId id="257" r:id="rId24"/>
   </p:sldIdLst>
   <p:sldSz cx="9144000" cy="6858000" type="screen4x3"/>
   <p:notesSz cx="6858000" cy="9144000"/>
@@ -545,7 +547,7 @@
           <a:p>
             <a:fld id="{42BEFFAC-3482-42C7-A3E5-AAF6C77BD00F}" type="slidenum">
               <a:rPr lang="en-US" smtClean="0"/>
-              <a:t>15</a:t>
+              <a:t>17</a:t>
             </a:fld>
             <a:endParaRPr lang="en-US"/>
           </a:p>
@@ -6418,11 +6420,15 @@
           <a:p>
             <a:r>
               <a:rPr lang="en-US" dirty="0" smtClean="0"/>
-              <a:t>The simplest </a:t>
+              <a:t>User-defined functions (@F</a:t>
+            </a:r>
+            <a:r>
+              <a:rPr lang="en-US" cap="none" dirty="0" smtClean="0"/>
+              <a:t>unctions</a:t>
             </a:r>
             <a:r>
               <a:rPr lang="en-US" dirty="0" smtClean="0"/>
-              <a:t>distributed sort</a:t>
+              <a:t>)</a:t>
             </a:r>
             <a:endParaRPr lang="en-US" dirty="0"/>
           </a:p>
@@ -6440,318 +6446,260 @@
         </p:nvSpPr>
         <p:spPr>
           <a:xfrm>
-            <a:off x="1525405" y="1152473"/>
-            <a:ext cx="6201388" cy="3205025"/>
+            <a:off x="2217252" y="1100628"/>
+            <a:ext cx="4698988" cy="3579849"/>
           </a:xfrm>
         </p:spPr>
         <p:txBody>
           <a:bodyPr>
-            <a:noAutofit/>
+            <a:normAutofit/>
           </a:bodyPr>
           <a:lstStyle/>
           <a:p>
-            <a:pPr marL="0" indent="0">
+            <a:pPr>
               <a:spcBef>
                 <a:spcPts val="600"/>
               </a:spcBef>
             </a:pPr>
             <a:r>
-              <a:rPr lang="en-US" sz="1400" dirty="0" smtClean="0">
-                <a:latin typeface="Lucida Console"/>
-                <a:cs typeface="Lucida Console"/>
-              </a:rPr>
-              <a:t>0  @</a:t>
-            </a:r>
-            <a:r>
-              <a:rPr lang="en-US" sz="1400" dirty="0">
-                <a:latin typeface="Lucida Console"/>
-                <a:cs typeface="Lucida Console"/>
-              </a:rPr>
-              <a:t>Map (</a:t>
-            </a:r>
-            <a:r>
-              <a:rPr lang="en-US" sz="1400" dirty="0" err="1">
-                <a:latin typeface="Lucida Console"/>
-                <a:cs typeface="Lucida Console"/>
-              </a:rPr>
-              <a:t>int</a:t>
-            </a:r>
-            <a:r>
-              <a:rPr lang="en-US" sz="1400" dirty="0">
-                <a:latin typeface="Lucida Console"/>
-                <a:cs typeface="Lucida Console"/>
-              </a:rPr>
-              <a:t> </a:t>
-            </a:r>
-            <a:r>
-              <a:rPr lang="en-US" sz="1400" dirty="0" err="1">
-                <a:latin typeface="Lucida Console"/>
-                <a:cs typeface="Lucida Console"/>
-              </a:rPr>
-              <a:t>lineNum</a:t>
-            </a:r>
-            <a:r>
-              <a:rPr lang="en-US" sz="1400" dirty="0">
-                <a:latin typeface="Lucida Console"/>
-                <a:cs typeface="Lucida Console"/>
-              </a:rPr>
-              <a:t>, text line) -&gt; (text, text) {</a:t>
-            </a:r>
-          </a:p>
-          <a:p>
-            <a:pPr marL="0" indent="0">
+              <a:rPr lang="en-US" dirty="0" smtClean="0">
+                <a:latin typeface="Lucida Console"/>
+                <a:cs typeface="Lucida Console"/>
+              </a:rPr>
+              <a:t>0   @</a:t>
+            </a:r>
+            <a:r>
+              <a:rPr lang="en-US" dirty="0">
+                <a:latin typeface="Lucida Console"/>
+                <a:cs typeface="Lucida Console"/>
+              </a:rPr>
+              <a:t>Functions {</a:t>
+            </a:r>
+          </a:p>
+          <a:p>
+            <a:pPr>
               <a:spcBef>
                 <a:spcPts val="600"/>
               </a:spcBef>
             </a:pPr>
             <a:r>
-              <a:rPr lang="en-US" sz="1400" dirty="0" smtClean="0">
-                <a:latin typeface="Lucida Console"/>
-                <a:cs typeface="Lucida Console"/>
-              </a:rPr>
-              <a:t>1    </a:t>
-            </a:r>
-            <a:r>
-              <a:rPr lang="en-US" sz="1400" dirty="0" err="1" smtClean="0">
-                <a:latin typeface="Lucida Console"/>
-                <a:cs typeface="Lucida Console"/>
-              </a:rPr>
-              <a:t>foreach</a:t>
-            </a:r>
-            <a:r>
-              <a:rPr lang="en-US" sz="1400" dirty="0" smtClean="0">
+              <a:rPr lang="en-US" dirty="0" smtClean="0">
+                <a:latin typeface="Lucida Console"/>
+                <a:cs typeface="Lucida Console"/>
+              </a:rPr>
+              <a:t>1   </a:t>
+            </a:r>
+            <a:r>
+              <a:rPr lang="en-US" dirty="0" err="1" smtClean="0">
+                <a:latin typeface="Lucida Console"/>
+                <a:cs typeface="Lucida Console"/>
+              </a:rPr>
+              <a:t>int</a:t>
+            </a:r>
+            <a:r>
+              <a:rPr lang="en-US" dirty="0" smtClean="0">
                 <a:latin typeface="Lucida Console"/>
                 <a:cs typeface="Lucida Console"/>
               </a:rPr>
               <a:t> </a:t>
             </a:r>
             <a:r>
-              <a:rPr lang="en-US" sz="1400" dirty="0">
-                <a:latin typeface="Lucida Console"/>
-                <a:cs typeface="Lucida Console"/>
-              </a:rPr>
-              <a:t>text number in </a:t>
-            </a:r>
-            <a:r>
-              <a:rPr lang="en-US" sz="1400" dirty="0" err="1">
-                <a:latin typeface="Lucida Console"/>
-                <a:cs typeface="Lucida Console"/>
-              </a:rPr>
-              <a:t>line.tokenize</a:t>
-            </a:r>
-            <a:r>
-              <a:rPr lang="en-US" sz="1400" dirty="0">
-                <a:latin typeface="Lucida Console"/>
-                <a:cs typeface="Lucida Console"/>
-              </a:rPr>
-              <a:t>(" ") {</a:t>
-            </a:r>
-          </a:p>
-          <a:p>
-            <a:pPr marL="0" indent="0">
+              <a:rPr lang="en-US" dirty="0">
+                <a:latin typeface="Lucida Console"/>
+                <a:cs typeface="Lucida Console"/>
+              </a:rPr>
+              <a:t>fib(</a:t>
+            </a:r>
+            <a:r>
+              <a:rPr lang="en-US" dirty="0" err="1">
+                <a:latin typeface="Lucida Console"/>
+                <a:cs typeface="Lucida Console"/>
+              </a:rPr>
+              <a:t>int</a:t>
+            </a:r>
+            <a:r>
+              <a:rPr lang="en-US" dirty="0">
+                <a:latin typeface="Lucida Console"/>
+                <a:cs typeface="Lucida Console"/>
+              </a:rPr>
+              <a:t> n) {</a:t>
+            </a:r>
+          </a:p>
+          <a:p>
+            <a:pPr>
               <a:spcBef>
                 <a:spcPts val="600"/>
               </a:spcBef>
             </a:pPr>
             <a:r>
-              <a:rPr lang="en-US" sz="1400" dirty="0" smtClean="0">
-                <a:latin typeface="Lucida Console"/>
-                <a:cs typeface="Lucida Console"/>
-              </a:rPr>
-              <a:t>2      emit</a:t>
-            </a:r>
-            <a:r>
-              <a:rPr lang="en-US" sz="1400" dirty="0">
-                <a:latin typeface="Lucida Console"/>
-                <a:cs typeface="Lucida Console"/>
-              </a:rPr>
-              <a:t>(number, number);</a:t>
-            </a:r>
-          </a:p>
-          <a:p>
-            <a:pPr marL="0" indent="0">
+              <a:rPr lang="en-US" dirty="0" smtClean="0">
+                <a:latin typeface="Lucida Console"/>
+                <a:cs typeface="Lucida Console"/>
+              </a:rPr>
+              <a:t>2     </a:t>
+            </a:r>
+            <a:r>
+              <a:rPr lang="en-US" dirty="0">
+                <a:latin typeface="Lucida Console"/>
+                <a:cs typeface="Lucida Console"/>
+              </a:rPr>
+              <a:t>if (n == 0) {</a:t>
+            </a:r>
+          </a:p>
+          <a:p>
+            <a:pPr>
               <a:spcBef>
                 <a:spcPts val="600"/>
               </a:spcBef>
             </a:pPr>
             <a:r>
-              <a:rPr lang="en-US" sz="1400" dirty="0" smtClean="0">
-                <a:latin typeface="Lucida Console"/>
-                <a:cs typeface="Lucida Console"/>
-              </a:rPr>
-              <a:t>3    }</a:t>
-            </a:r>
-            <a:endParaRPr lang="en-US" sz="1400" dirty="0">
-              <a:latin typeface="Lucida Console"/>
-              <a:cs typeface="Lucida Console"/>
-            </a:endParaRPr>
-          </a:p>
-          <a:p>
-            <a:pPr marL="0" indent="0">
+              <a:rPr lang="en-US" dirty="0" smtClean="0">
+                <a:latin typeface="Lucida Console"/>
+                <a:cs typeface="Lucida Console"/>
+              </a:rPr>
+              <a:t>3       </a:t>
+            </a:r>
+            <a:r>
+              <a:rPr lang="en-US" dirty="0">
+                <a:latin typeface="Lucida Console"/>
+                <a:cs typeface="Lucida Console"/>
+              </a:rPr>
+              <a:t>return 1;</a:t>
+            </a:r>
+          </a:p>
+          <a:p>
+            <a:pPr>
               <a:spcBef>
                 <a:spcPts val="600"/>
               </a:spcBef>
             </a:pPr>
             <a:r>
-              <a:rPr lang="en-US" sz="1400" dirty="0" smtClean="0">
-                <a:latin typeface="Lucida Console"/>
-                <a:cs typeface="Lucida Console"/>
-              </a:rPr>
-              <a:t>4  }</a:t>
-            </a:r>
-            <a:endParaRPr lang="en-US" sz="1400" dirty="0">
-              <a:latin typeface="Lucida Console"/>
-              <a:cs typeface="Lucida Console"/>
-            </a:endParaRPr>
-          </a:p>
-          <a:p>
-            <a:pPr marL="0" indent="0">
+              <a:rPr lang="en-US" dirty="0" smtClean="0">
+                <a:latin typeface="Lucida Console"/>
+                <a:cs typeface="Lucida Console"/>
+              </a:rPr>
+              <a:t>4     </a:t>
+            </a:r>
+            <a:r>
+              <a:rPr lang="en-US" dirty="0">
+                <a:latin typeface="Lucida Console"/>
+                <a:cs typeface="Lucida Console"/>
+              </a:rPr>
+              <a:t>} </a:t>
+            </a:r>
+            <a:r>
+              <a:rPr lang="en-US" dirty="0" err="1">
+                <a:latin typeface="Lucida Console"/>
+                <a:cs typeface="Lucida Console"/>
+              </a:rPr>
+              <a:t>elseif</a:t>
+            </a:r>
+            <a:r>
+              <a:rPr lang="en-US" dirty="0">
+                <a:latin typeface="Lucida Console"/>
+                <a:cs typeface="Lucida Console"/>
+              </a:rPr>
+              <a:t> (n == 1) {</a:t>
+            </a:r>
+          </a:p>
+          <a:p>
+            <a:pPr>
               <a:spcBef>
                 <a:spcPts val="600"/>
               </a:spcBef>
             </a:pPr>
-            <a:endParaRPr lang="en-US" sz="1400" dirty="0">
-              <a:latin typeface="Lucida Console"/>
-              <a:cs typeface="Lucida Console"/>
-            </a:endParaRPr>
-          </a:p>
-          <a:p>
-            <a:pPr marL="0" indent="0">
+            <a:r>
+              <a:rPr lang="en-US" dirty="0" smtClean="0">
+                <a:latin typeface="Lucida Console"/>
+                <a:cs typeface="Lucida Console"/>
+              </a:rPr>
+              <a:t>5       </a:t>
+            </a:r>
+            <a:r>
+              <a:rPr lang="en-US" dirty="0">
+                <a:latin typeface="Lucida Console"/>
+                <a:cs typeface="Lucida Console"/>
+              </a:rPr>
+              <a:t>return 1;</a:t>
+            </a:r>
+          </a:p>
+          <a:p>
+            <a:pPr>
               <a:spcBef>
                 <a:spcPts val="600"/>
               </a:spcBef>
             </a:pPr>
             <a:r>
-              <a:rPr lang="en-US" sz="1400" dirty="0" smtClean="0">
-                <a:latin typeface="Lucida Console"/>
-                <a:cs typeface="Lucida Console"/>
-              </a:rPr>
-              <a:t>5  @</a:t>
-            </a:r>
-            <a:r>
-              <a:rPr lang="en-US" sz="1400" dirty="0">
-                <a:latin typeface="Lucida Console"/>
-                <a:cs typeface="Lucida Console"/>
-              </a:rPr>
-              <a:t>Reduce (text number, text garbage) -&gt; (text, text) {</a:t>
-            </a:r>
-          </a:p>
-          <a:p>
-            <a:pPr marL="0" indent="0">
+              <a:rPr lang="en-US" dirty="0" smtClean="0">
+                <a:latin typeface="Lucida Console"/>
+                <a:cs typeface="Lucida Console"/>
+              </a:rPr>
+              <a:t>6     </a:t>
+            </a:r>
+            <a:r>
+              <a:rPr lang="en-US" dirty="0">
+                <a:latin typeface="Lucida Console"/>
+                <a:cs typeface="Lucida Console"/>
+              </a:rPr>
+              <a:t>} else {</a:t>
+            </a:r>
+          </a:p>
+          <a:p>
+            <a:pPr>
               <a:spcBef>
                 <a:spcPts val="600"/>
               </a:spcBef>
             </a:pPr>
             <a:r>
-              <a:rPr lang="en-US" sz="1400" dirty="0" smtClean="0">
-                <a:latin typeface="Lucida Console"/>
-                <a:cs typeface="Lucida Console"/>
-              </a:rPr>
-              <a:t>6    </a:t>
-            </a:r>
-            <a:r>
-              <a:rPr lang="en-US" sz="1400" dirty="0">
-                <a:latin typeface="Lucida Console"/>
-                <a:cs typeface="Lucida Console"/>
-              </a:rPr>
-              <a:t>emit(number, "");</a:t>
-            </a:r>
-          </a:p>
-          <a:p>
-            <a:pPr marL="0" indent="0">
+              <a:rPr lang="en-US" dirty="0" smtClean="0">
+                <a:latin typeface="Lucida Console"/>
+                <a:cs typeface="Lucida Console"/>
+              </a:rPr>
+              <a:t>7       </a:t>
+            </a:r>
+            <a:r>
+              <a:rPr lang="en-US" dirty="0">
+                <a:latin typeface="Lucida Console"/>
+                <a:cs typeface="Lucida Console"/>
+              </a:rPr>
+              <a:t>return fib(n-1) + fib(n-2);</a:t>
+            </a:r>
+          </a:p>
+          <a:p>
+            <a:pPr>
               <a:spcBef>
                 <a:spcPts val="600"/>
               </a:spcBef>
             </a:pPr>
             <a:r>
-              <a:rPr lang="en-US" sz="1400" dirty="0" smtClean="0">
-                <a:latin typeface="Lucida Console"/>
-                <a:cs typeface="Lucida Console"/>
-              </a:rPr>
-              <a:t>7  }</a:t>
-            </a:r>
-            <a:endParaRPr lang="en-US" sz="1400" dirty="0">
-              <a:latin typeface="Lucida Console"/>
-              <a:cs typeface="Lucida Console"/>
-            </a:endParaRPr>
-          </a:p>
-          <a:p>
-            <a:pPr marL="0" indent="0">
+              <a:rPr lang="en-US" dirty="0" smtClean="0">
+                <a:latin typeface="Lucida Console"/>
+                <a:cs typeface="Lucida Console"/>
+              </a:rPr>
+              <a:t>8     </a:t>
+            </a:r>
+            <a:r>
+              <a:rPr lang="en-US" dirty="0">
+                <a:latin typeface="Lucida Console"/>
+                <a:cs typeface="Lucida Console"/>
+              </a:rPr>
+              <a:t>}</a:t>
+            </a:r>
+          </a:p>
+          <a:p>
+            <a:pPr>
               <a:spcBef>
                 <a:spcPts val="600"/>
               </a:spcBef>
             </a:pPr>
             <a:r>
-              <a:rPr lang="en-US" sz="1400" dirty="0">
-                <a:latin typeface="Lucida Console"/>
-                <a:cs typeface="Lucida Console"/>
-              </a:rPr>
-              <a:t>    </a:t>
-            </a:r>
-          </a:p>
-          <a:p>
-            <a:pPr marL="0" indent="0">
-              <a:spcBef>
-                <a:spcPts val="600"/>
-              </a:spcBef>
-            </a:pPr>
-            <a:r>
-              <a:rPr lang="en-US" sz="1400" dirty="0" smtClean="0">
-                <a:latin typeface="Lucida Console"/>
-                <a:cs typeface="Lucida Console"/>
-              </a:rPr>
-              <a:t>8  @</a:t>
-            </a:r>
-            <a:r>
-              <a:rPr lang="en-US" sz="1400" dirty="0">
-                <a:latin typeface="Lucida Console"/>
-                <a:cs typeface="Lucida Console"/>
-              </a:rPr>
-              <a:t>Main {</a:t>
-            </a:r>
-          </a:p>
-          <a:p>
-            <a:pPr marL="0" indent="0">
-              <a:spcBef>
-                <a:spcPts val="600"/>
-              </a:spcBef>
-            </a:pPr>
-            <a:r>
-              <a:rPr lang="en-US" sz="1400" dirty="0" smtClean="0">
-                <a:latin typeface="Lucida Console"/>
-                <a:cs typeface="Lucida Console"/>
-              </a:rPr>
-              <a:t>9    </a:t>
-            </a:r>
-            <a:r>
-              <a:rPr lang="en-US" sz="1400" dirty="0" err="1">
-                <a:latin typeface="Lucida Console"/>
-                <a:cs typeface="Lucida Console"/>
-              </a:rPr>
-              <a:t>mapReduce</a:t>
-            </a:r>
-            <a:r>
-              <a:rPr lang="en-US" sz="1400" dirty="0">
-                <a:latin typeface="Lucida Console"/>
-                <a:cs typeface="Lucida Console"/>
-              </a:rPr>
-              <a:t>();</a:t>
-            </a:r>
-          </a:p>
-          <a:p>
-            <a:pPr marL="0" indent="0">
-              <a:spcBef>
-                <a:spcPts val="600"/>
-              </a:spcBef>
-            </a:pPr>
-            <a:r>
-              <a:rPr lang="en-US" sz="1400" dirty="0" smtClean="0">
-                <a:latin typeface="Lucida Console"/>
-                <a:cs typeface="Lucida Console"/>
-              </a:rPr>
-              <a:t>10 }</a:t>
-            </a:r>
-            <a:endParaRPr lang="en-US" sz="1400" dirty="0">
+              <a:rPr lang="en-US" dirty="0" smtClean="0">
+                <a:latin typeface="Lucida Console"/>
+                <a:cs typeface="Lucida Console"/>
+              </a:rPr>
+              <a:t>9   }</a:t>
+            </a:r>
+            <a:endParaRPr lang="en-US" dirty="0">
               <a:latin typeface="Lucida Console"/>
               <a:cs typeface="Lucida Console"/>
             </a:endParaRPr>
@@ -6761,7 +6709,7 @@
     </p:spTree>
     <p:extLst>
       <p:ext uri="{BB962C8B-B14F-4D97-AF65-F5344CB8AC3E}">
-        <p14:creationId xmlns:p14="http://schemas.microsoft.com/office/powerpoint/2010/main" val="2487640545"/>
+        <p14:creationId xmlns:p14="http://schemas.microsoft.com/office/powerpoint/2010/main" val="4050177092"/>
       </p:ext>
     </p:extLst>
   </p:cSld>
@@ -6805,6 +6753,814 @@
             <p:ph type="title"/>
           </p:nvPr>
         </p:nvSpPr>
+        <p:spPr/>
+        <p:txBody>
+          <a:bodyPr/>
+          <a:lstStyle/>
+          <a:p>
+            <a:r>
+              <a:rPr lang="en-US" dirty="0"/>
+              <a:t>User-defined functions (@F</a:t>
+            </a:r>
+            <a:r>
+              <a:rPr lang="en-US" cap="none" dirty="0"/>
+              <a:t>unctions</a:t>
+            </a:r>
+            <a:r>
+              <a:rPr lang="en-US" dirty="0"/>
+              <a:t>)</a:t>
+            </a:r>
+          </a:p>
+        </p:txBody>
+      </p:sp>
+      <p:sp>
+        <p:nvSpPr>
+          <p:cNvPr id="3" name="Content Placeholder 2"/>
+          <p:cNvSpPr>
+            <a:spLocks noGrp="1"/>
+          </p:cNvSpPr>
+          <p:nvPr>
+            <p:ph idx="1"/>
+          </p:nvPr>
+        </p:nvSpPr>
+        <p:spPr>
+          <a:xfrm>
+            <a:off x="1168082" y="1266297"/>
+            <a:ext cx="6866352" cy="3579849"/>
+          </a:xfrm>
+        </p:spPr>
+        <p:txBody>
+          <a:bodyPr/>
+          <a:lstStyle/>
+          <a:p>
+            <a:r>
+              <a:rPr lang="en-US" dirty="0" smtClean="0">
+                <a:latin typeface="Lucida Console"/>
+                <a:cs typeface="Lucida Console"/>
+              </a:rPr>
+              <a:t>10 list</a:t>
+            </a:r>
+            <a:r>
+              <a:rPr lang="en-US" dirty="0">
+                <a:latin typeface="Lucida Console"/>
+                <a:cs typeface="Lucida Console"/>
+              </a:rPr>
+              <a:t>&lt;</a:t>
+            </a:r>
+            <a:r>
+              <a:rPr lang="en-US" dirty="0" err="1">
+                <a:latin typeface="Lucida Console"/>
+                <a:cs typeface="Lucida Console"/>
+              </a:rPr>
+              <a:t>int</a:t>
+            </a:r>
+            <a:r>
+              <a:rPr lang="en-US" dirty="0">
+                <a:latin typeface="Lucida Console"/>
+                <a:cs typeface="Lucida Console"/>
+              </a:rPr>
+              <a:t>&gt; </a:t>
+            </a:r>
+            <a:r>
+              <a:rPr lang="en-US" dirty="0" err="1">
+                <a:latin typeface="Lucida Console"/>
+                <a:cs typeface="Lucida Console"/>
+              </a:rPr>
+              <a:t>reverseList</a:t>
+            </a:r>
+            <a:r>
+              <a:rPr lang="en-US" dirty="0">
+                <a:latin typeface="Lucida Console"/>
+                <a:cs typeface="Lucida Console"/>
+              </a:rPr>
+              <a:t>(list&lt;</a:t>
+            </a:r>
+            <a:r>
+              <a:rPr lang="en-US" dirty="0" err="1">
+                <a:latin typeface="Lucida Console"/>
+                <a:cs typeface="Lucida Console"/>
+              </a:rPr>
+              <a:t>int</a:t>
+            </a:r>
+            <a:r>
+              <a:rPr lang="en-US" dirty="0">
+                <a:latin typeface="Lucida Console"/>
+                <a:cs typeface="Lucida Console"/>
+              </a:rPr>
+              <a:t>&gt; </a:t>
+            </a:r>
+            <a:r>
+              <a:rPr lang="en-US" dirty="0" err="1">
+                <a:latin typeface="Lucida Console"/>
+                <a:cs typeface="Lucida Console"/>
+              </a:rPr>
+              <a:t>oldList</a:t>
+            </a:r>
+            <a:r>
+              <a:rPr lang="en-US" dirty="0">
+                <a:latin typeface="Lucida Console"/>
+                <a:cs typeface="Lucida Console"/>
+              </a:rPr>
+              <a:t>) {</a:t>
+            </a:r>
+          </a:p>
+          <a:p>
+            <a:r>
+              <a:rPr lang="en-US" dirty="0" smtClean="0">
+                <a:latin typeface="Lucida Console"/>
+                <a:cs typeface="Lucida Console"/>
+              </a:rPr>
+              <a:t>11   list</a:t>
+            </a:r>
+            <a:r>
+              <a:rPr lang="en-US" dirty="0">
+                <a:latin typeface="Lucida Console"/>
+                <a:cs typeface="Lucida Console"/>
+              </a:rPr>
+              <a:t>&lt;</a:t>
+            </a:r>
+            <a:r>
+              <a:rPr lang="en-US" dirty="0" err="1">
+                <a:latin typeface="Lucida Console"/>
+                <a:cs typeface="Lucida Console"/>
+              </a:rPr>
+              <a:t>int</a:t>
+            </a:r>
+            <a:r>
+              <a:rPr lang="en-US" dirty="0">
+                <a:latin typeface="Lucida Console"/>
+                <a:cs typeface="Lucida Console"/>
+              </a:rPr>
+              <a:t>&gt; </a:t>
+            </a:r>
+            <a:r>
+              <a:rPr lang="en-US" dirty="0" err="1">
+                <a:latin typeface="Lucida Console"/>
+                <a:cs typeface="Lucida Console"/>
+              </a:rPr>
+              <a:t>newList</a:t>
+            </a:r>
+            <a:r>
+              <a:rPr lang="en-US" dirty="0">
+                <a:latin typeface="Lucida Console"/>
+                <a:cs typeface="Lucida Console"/>
+              </a:rPr>
+              <a:t>;</a:t>
+            </a:r>
+          </a:p>
+          <a:p>
+            <a:r>
+              <a:rPr lang="en-US" dirty="0" smtClean="0">
+                <a:latin typeface="Lucida Console"/>
+                <a:cs typeface="Lucida Console"/>
+              </a:rPr>
+              <a:t>12   for </a:t>
+            </a:r>
+            <a:r>
+              <a:rPr lang="en-US" dirty="0">
+                <a:latin typeface="Lucida Console"/>
+                <a:cs typeface="Lucida Console"/>
+              </a:rPr>
+              <a:t>(</a:t>
+            </a:r>
+            <a:r>
+              <a:rPr lang="en-US" dirty="0" err="1">
+                <a:latin typeface="Lucida Console"/>
+                <a:cs typeface="Lucida Console"/>
+              </a:rPr>
+              <a:t>int</a:t>
+            </a:r>
+            <a:r>
+              <a:rPr lang="en-US" dirty="0">
+                <a:latin typeface="Lucida Console"/>
+                <a:cs typeface="Lucida Console"/>
+              </a:rPr>
+              <a:t> </a:t>
+            </a:r>
+            <a:r>
+              <a:rPr lang="en-US" dirty="0" err="1">
+                <a:latin typeface="Lucida Console"/>
+                <a:cs typeface="Lucida Console"/>
+              </a:rPr>
+              <a:t>i</a:t>
+            </a:r>
+            <a:r>
+              <a:rPr lang="en-US" dirty="0">
+                <a:latin typeface="Lucida Console"/>
+                <a:cs typeface="Lucida Console"/>
+              </a:rPr>
+              <a:t> = </a:t>
+            </a:r>
+            <a:r>
+              <a:rPr lang="en-US" dirty="0" err="1">
+                <a:latin typeface="Lucida Console"/>
+                <a:cs typeface="Lucida Console"/>
+              </a:rPr>
+              <a:t>oldList.size</a:t>
+            </a:r>
+            <a:r>
+              <a:rPr lang="en-US" dirty="0">
+                <a:latin typeface="Lucida Console"/>
+                <a:cs typeface="Lucida Console"/>
+              </a:rPr>
+              <a:t>() - 1; </a:t>
+            </a:r>
+            <a:r>
+              <a:rPr lang="en-US" dirty="0" err="1">
+                <a:latin typeface="Lucida Console"/>
+                <a:cs typeface="Lucida Console"/>
+              </a:rPr>
+              <a:t>i</a:t>
+            </a:r>
+            <a:r>
+              <a:rPr lang="en-US" dirty="0">
+                <a:latin typeface="Lucida Console"/>
+                <a:cs typeface="Lucida Console"/>
+              </a:rPr>
+              <a:t> &gt;= 0; </a:t>
+            </a:r>
+            <a:r>
+              <a:rPr lang="en-US" dirty="0" err="1">
+                <a:latin typeface="Lucida Console"/>
+                <a:cs typeface="Lucida Console"/>
+              </a:rPr>
+              <a:t>i</a:t>
+            </a:r>
+            <a:r>
+              <a:rPr lang="en-US" dirty="0">
+                <a:latin typeface="Lucida Console"/>
+                <a:cs typeface="Lucida Console"/>
+              </a:rPr>
+              <a:t>--;) {</a:t>
+            </a:r>
+          </a:p>
+          <a:p>
+            <a:r>
+              <a:rPr lang="en-US" dirty="0" smtClean="0">
+                <a:latin typeface="Lucida Console"/>
+                <a:cs typeface="Lucida Console"/>
+              </a:rPr>
+              <a:t>13     </a:t>
+            </a:r>
+            <a:r>
+              <a:rPr lang="en-US" dirty="0" err="1" smtClean="0">
+                <a:latin typeface="Lucida Console"/>
+                <a:cs typeface="Lucida Console"/>
+              </a:rPr>
+              <a:t>newList.add</a:t>
+            </a:r>
+            <a:r>
+              <a:rPr lang="en-US" dirty="0">
+                <a:latin typeface="Lucida Console"/>
+                <a:cs typeface="Lucida Console"/>
+              </a:rPr>
+              <a:t>(</a:t>
+            </a:r>
+            <a:r>
+              <a:rPr lang="en-US" dirty="0" err="1">
+                <a:latin typeface="Lucida Console"/>
+                <a:cs typeface="Lucida Console"/>
+              </a:rPr>
+              <a:t>oldList.get</a:t>
+            </a:r>
+            <a:r>
+              <a:rPr lang="en-US" dirty="0">
+                <a:latin typeface="Lucida Console"/>
+                <a:cs typeface="Lucida Console"/>
+              </a:rPr>
+              <a:t>(</a:t>
+            </a:r>
+            <a:r>
+              <a:rPr lang="en-US" dirty="0" err="1">
+                <a:latin typeface="Lucida Console"/>
+                <a:cs typeface="Lucida Console"/>
+              </a:rPr>
+              <a:t>i</a:t>
+            </a:r>
+            <a:r>
+              <a:rPr lang="en-US" dirty="0">
+                <a:latin typeface="Lucida Console"/>
+                <a:cs typeface="Lucida Console"/>
+              </a:rPr>
+              <a:t>))</a:t>
+            </a:r>
+            <a:r>
+              <a:rPr lang="en-US" dirty="0" smtClean="0">
+                <a:latin typeface="Lucida Console"/>
+                <a:cs typeface="Lucida Console"/>
+              </a:rPr>
+              <a:t>;</a:t>
+            </a:r>
+            <a:endParaRPr lang="en-US" dirty="0">
+              <a:latin typeface="Lucida Console"/>
+              <a:cs typeface="Lucida Console"/>
+            </a:endParaRPr>
+          </a:p>
+          <a:p>
+            <a:r>
+              <a:rPr lang="en-US" dirty="0" smtClean="0">
+                <a:latin typeface="Lucida Console"/>
+                <a:cs typeface="Lucida Console"/>
+              </a:rPr>
+              <a:t>14   }</a:t>
+            </a:r>
+            <a:endParaRPr lang="en-US" dirty="0">
+              <a:latin typeface="Lucida Console"/>
+              <a:cs typeface="Lucida Console"/>
+            </a:endParaRPr>
+          </a:p>
+          <a:p>
+            <a:r>
+              <a:rPr lang="en-US" dirty="0" smtClean="0">
+                <a:latin typeface="Lucida Console"/>
+                <a:cs typeface="Lucida Console"/>
+              </a:rPr>
+              <a:t>15   return </a:t>
+            </a:r>
+            <a:r>
+              <a:rPr lang="en-US" dirty="0" err="1">
+                <a:latin typeface="Lucida Console"/>
+                <a:cs typeface="Lucida Console"/>
+              </a:rPr>
+              <a:t>newList</a:t>
+            </a:r>
+            <a:r>
+              <a:rPr lang="en-US" dirty="0">
+                <a:latin typeface="Lucida Console"/>
+                <a:cs typeface="Lucida Console"/>
+              </a:rPr>
+              <a:t>;</a:t>
+            </a:r>
+          </a:p>
+          <a:p>
+            <a:r>
+              <a:rPr lang="en-US" dirty="0" smtClean="0">
+                <a:latin typeface="Lucida Console"/>
+                <a:cs typeface="Lucida Console"/>
+              </a:rPr>
+              <a:t>16 } </a:t>
+            </a:r>
+            <a:r>
+              <a:rPr lang="en-US" i="1" dirty="0" smtClean="0">
+                <a:solidFill>
+                  <a:srgbClr val="797B7E"/>
+                </a:solidFill>
+                <a:latin typeface="Lucida Console"/>
+                <a:cs typeface="Lucida Console"/>
+              </a:rPr>
+              <a:t># end of functions</a:t>
+            </a:r>
+            <a:endParaRPr lang="en-US" i="1" dirty="0">
+              <a:solidFill>
+                <a:srgbClr val="797B7E"/>
+              </a:solidFill>
+              <a:latin typeface="Lucida Console"/>
+              <a:cs typeface="Lucida Console"/>
+            </a:endParaRPr>
+          </a:p>
+        </p:txBody>
+      </p:sp>
+    </p:spTree>
+    <p:extLst>
+      <p:ext uri="{BB962C8B-B14F-4D97-AF65-F5344CB8AC3E}">
+        <p14:creationId xmlns:p14="http://schemas.microsoft.com/office/powerpoint/2010/main" val="3764539858"/>
+      </p:ext>
+    </p:extLst>
+  </p:cSld>
+  <p:clrMapOvr>
+    <a:masterClrMapping/>
+  </p:clrMapOvr>
+  <p:timing>
+    <p:tnLst>
+      <p:par>
+        <p:cTn xmlns:p14="http://schemas.microsoft.com/office/powerpoint/2010/main" id="1" dur="indefinite" restart="never" nodeType="tmRoot"/>
+      </p:par>
+    </p:tnLst>
+  </p:timing>
+</p:sld>
+</file>
+
+<file path=ppt/slides/slide14.xml><?xml version="1.0" encoding="utf-8"?>
+<p:sld xmlns:a="http://schemas.openxmlformats.org/drawingml/2006/main" xmlns:r="http://schemas.openxmlformats.org/officeDocument/2006/relationships" xmlns:p="http://schemas.openxmlformats.org/presentationml/2006/main">
+  <p:cSld>
+    <p:spTree>
+      <p:nvGrpSpPr>
+        <p:cNvPr id="1" name=""/>
+        <p:cNvGrpSpPr/>
+        <p:nvPr/>
+      </p:nvGrpSpPr>
+      <p:grpSpPr>
+        <a:xfrm>
+          <a:off x="0" y="0"/>
+          <a:ext cx="0" cy="0"/>
+          <a:chOff x="0" y="0"/>
+          <a:chExt cx="0" cy="0"/>
+        </a:xfrm>
+      </p:grpSpPr>
+      <p:sp>
+        <p:nvSpPr>
+          <p:cNvPr id="2" name="Title 1"/>
+          <p:cNvSpPr>
+            <a:spLocks noGrp="1"/>
+          </p:cNvSpPr>
+          <p:nvPr>
+            <p:ph type="title"/>
+          </p:nvPr>
+        </p:nvSpPr>
+        <p:spPr/>
+        <p:txBody>
+          <a:bodyPr/>
+          <a:lstStyle/>
+          <a:p>
+            <a:r>
+              <a:rPr lang="en-US" dirty="0" smtClean="0"/>
+              <a:t>The simplest </a:t>
+            </a:r>
+            <a:r>
+              <a:rPr lang="en-US" dirty="0" smtClean="0"/>
+              <a:t>distributed sort</a:t>
+            </a:r>
+            <a:endParaRPr lang="en-US" dirty="0"/>
+          </a:p>
+        </p:txBody>
+      </p:sp>
+      <p:sp>
+        <p:nvSpPr>
+          <p:cNvPr id="3" name="Content Placeholder 2"/>
+          <p:cNvSpPr>
+            <a:spLocks noGrp="1"/>
+          </p:cNvSpPr>
+          <p:nvPr>
+            <p:ph idx="1"/>
+          </p:nvPr>
+        </p:nvSpPr>
+        <p:spPr>
+          <a:xfrm>
+            <a:off x="1525405" y="1152473"/>
+            <a:ext cx="6201388" cy="3205025"/>
+          </a:xfrm>
+        </p:spPr>
+        <p:txBody>
+          <a:bodyPr>
+            <a:noAutofit/>
+          </a:bodyPr>
+          <a:lstStyle/>
+          <a:p>
+            <a:pPr marL="0" indent="0">
+              <a:spcBef>
+                <a:spcPts val="600"/>
+              </a:spcBef>
+            </a:pPr>
+            <a:r>
+              <a:rPr lang="en-US" sz="1400" dirty="0" smtClean="0">
+                <a:latin typeface="Lucida Console"/>
+                <a:cs typeface="Lucida Console"/>
+              </a:rPr>
+              <a:t>0  @</a:t>
+            </a:r>
+            <a:r>
+              <a:rPr lang="en-US" sz="1400" dirty="0">
+                <a:latin typeface="Lucida Console"/>
+                <a:cs typeface="Lucida Console"/>
+              </a:rPr>
+              <a:t>Map (</a:t>
+            </a:r>
+            <a:r>
+              <a:rPr lang="en-US" sz="1400" dirty="0" err="1">
+                <a:latin typeface="Lucida Console"/>
+                <a:cs typeface="Lucida Console"/>
+              </a:rPr>
+              <a:t>int</a:t>
+            </a:r>
+            <a:r>
+              <a:rPr lang="en-US" sz="1400" dirty="0">
+                <a:latin typeface="Lucida Console"/>
+                <a:cs typeface="Lucida Console"/>
+              </a:rPr>
+              <a:t> </a:t>
+            </a:r>
+            <a:r>
+              <a:rPr lang="en-US" sz="1400" dirty="0" err="1">
+                <a:latin typeface="Lucida Console"/>
+                <a:cs typeface="Lucida Console"/>
+              </a:rPr>
+              <a:t>lineNum</a:t>
+            </a:r>
+            <a:r>
+              <a:rPr lang="en-US" sz="1400" dirty="0">
+                <a:latin typeface="Lucida Console"/>
+                <a:cs typeface="Lucida Console"/>
+              </a:rPr>
+              <a:t>, text line) -&gt; (text, text) {</a:t>
+            </a:r>
+          </a:p>
+          <a:p>
+            <a:pPr marL="0" indent="0">
+              <a:spcBef>
+                <a:spcPts val="600"/>
+              </a:spcBef>
+            </a:pPr>
+            <a:r>
+              <a:rPr lang="en-US" sz="1400" dirty="0" smtClean="0">
+                <a:latin typeface="Lucida Console"/>
+                <a:cs typeface="Lucida Console"/>
+              </a:rPr>
+              <a:t>1    </a:t>
+            </a:r>
+            <a:r>
+              <a:rPr lang="en-US" sz="1400" dirty="0" err="1" smtClean="0">
+                <a:latin typeface="Lucida Console"/>
+                <a:cs typeface="Lucida Console"/>
+              </a:rPr>
+              <a:t>foreach</a:t>
+            </a:r>
+            <a:r>
+              <a:rPr lang="en-US" sz="1400" dirty="0" smtClean="0">
+                <a:latin typeface="Lucida Console"/>
+                <a:cs typeface="Lucida Console"/>
+              </a:rPr>
+              <a:t> </a:t>
+            </a:r>
+            <a:r>
+              <a:rPr lang="en-US" sz="1400" dirty="0">
+                <a:latin typeface="Lucida Console"/>
+                <a:cs typeface="Lucida Console"/>
+              </a:rPr>
+              <a:t>text number in </a:t>
+            </a:r>
+            <a:r>
+              <a:rPr lang="en-US" sz="1400" dirty="0" err="1">
+                <a:latin typeface="Lucida Console"/>
+                <a:cs typeface="Lucida Console"/>
+              </a:rPr>
+              <a:t>line.tokenize</a:t>
+            </a:r>
+            <a:r>
+              <a:rPr lang="en-US" sz="1400" dirty="0">
+                <a:latin typeface="Lucida Console"/>
+                <a:cs typeface="Lucida Console"/>
+              </a:rPr>
+              <a:t>(" ") {</a:t>
+            </a:r>
+          </a:p>
+          <a:p>
+            <a:pPr marL="0" indent="0">
+              <a:spcBef>
+                <a:spcPts val="600"/>
+              </a:spcBef>
+            </a:pPr>
+            <a:r>
+              <a:rPr lang="en-US" sz="1400" dirty="0" smtClean="0">
+                <a:latin typeface="Lucida Console"/>
+                <a:cs typeface="Lucida Console"/>
+              </a:rPr>
+              <a:t>2      emit</a:t>
+            </a:r>
+            <a:r>
+              <a:rPr lang="en-US" sz="1400" dirty="0">
+                <a:latin typeface="Lucida Console"/>
+                <a:cs typeface="Lucida Console"/>
+              </a:rPr>
+              <a:t>(number, number);</a:t>
+            </a:r>
+          </a:p>
+          <a:p>
+            <a:pPr marL="0" indent="0">
+              <a:spcBef>
+                <a:spcPts val="600"/>
+              </a:spcBef>
+            </a:pPr>
+            <a:r>
+              <a:rPr lang="en-US" sz="1400" dirty="0" smtClean="0">
+                <a:latin typeface="Lucida Console"/>
+                <a:cs typeface="Lucida Console"/>
+              </a:rPr>
+              <a:t>3    }</a:t>
+            </a:r>
+            <a:endParaRPr lang="en-US" sz="1400" dirty="0">
+              <a:latin typeface="Lucida Console"/>
+              <a:cs typeface="Lucida Console"/>
+            </a:endParaRPr>
+          </a:p>
+          <a:p>
+            <a:pPr marL="0" indent="0">
+              <a:spcBef>
+                <a:spcPts val="600"/>
+              </a:spcBef>
+            </a:pPr>
+            <a:r>
+              <a:rPr lang="en-US" sz="1400" dirty="0" smtClean="0">
+                <a:latin typeface="Lucida Console"/>
+                <a:cs typeface="Lucida Console"/>
+              </a:rPr>
+              <a:t>4  }</a:t>
+            </a:r>
+            <a:endParaRPr lang="en-US" sz="1400" dirty="0">
+              <a:latin typeface="Lucida Console"/>
+              <a:cs typeface="Lucida Console"/>
+            </a:endParaRPr>
+          </a:p>
+          <a:p>
+            <a:pPr marL="0" indent="0">
+              <a:spcBef>
+                <a:spcPts val="600"/>
+              </a:spcBef>
+            </a:pPr>
+            <a:endParaRPr lang="en-US" sz="1400" dirty="0">
+              <a:latin typeface="Lucida Console"/>
+              <a:cs typeface="Lucida Console"/>
+            </a:endParaRPr>
+          </a:p>
+          <a:p>
+            <a:pPr marL="0" indent="0">
+              <a:spcBef>
+                <a:spcPts val="600"/>
+              </a:spcBef>
+            </a:pPr>
+            <a:r>
+              <a:rPr lang="en-US" sz="1400" dirty="0" smtClean="0">
+                <a:latin typeface="Lucida Console"/>
+                <a:cs typeface="Lucida Console"/>
+              </a:rPr>
+              <a:t>5  @</a:t>
+            </a:r>
+            <a:r>
+              <a:rPr lang="en-US" sz="1400" dirty="0">
+                <a:latin typeface="Lucida Console"/>
+                <a:cs typeface="Lucida Console"/>
+              </a:rPr>
+              <a:t>Reduce (text number, text garbage) -&gt; (text, text) {</a:t>
+            </a:r>
+          </a:p>
+          <a:p>
+            <a:pPr marL="0" indent="0">
+              <a:spcBef>
+                <a:spcPts val="600"/>
+              </a:spcBef>
+            </a:pPr>
+            <a:r>
+              <a:rPr lang="en-US" sz="1400" dirty="0" smtClean="0">
+                <a:latin typeface="Lucida Console"/>
+                <a:cs typeface="Lucida Console"/>
+              </a:rPr>
+              <a:t>6    </a:t>
+            </a:r>
+            <a:r>
+              <a:rPr lang="en-US" sz="1400" dirty="0">
+                <a:latin typeface="Lucida Console"/>
+                <a:cs typeface="Lucida Console"/>
+              </a:rPr>
+              <a:t>emit(number, "");</a:t>
+            </a:r>
+          </a:p>
+          <a:p>
+            <a:pPr marL="0" indent="0">
+              <a:spcBef>
+                <a:spcPts val="600"/>
+              </a:spcBef>
+            </a:pPr>
+            <a:r>
+              <a:rPr lang="en-US" sz="1400" dirty="0" smtClean="0">
+                <a:latin typeface="Lucida Console"/>
+                <a:cs typeface="Lucida Console"/>
+              </a:rPr>
+              <a:t>7  }</a:t>
+            </a:r>
+            <a:endParaRPr lang="en-US" sz="1400" dirty="0">
+              <a:latin typeface="Lucida Console"/>
+              <a:cs typeface="Lucida Console"/>
+            </a:endParaRPr>
+          </a:p>
+          <a:p>
+            <a:pPr marL="0" indent="0">
+              <a:spcBef>
+                <a:spcPts val="600"/>
+              </a:spcBef>
+            </a:pPr>
+            <a:r>
+              <a:rPr lang="en-US" sz="1400" dirty="0">
+                <a:latin typeface="Lucida Console"/>
+                <a:cs typeface="Lucida Console"/>
+              </a:rPr>
+              <a:t>    </a:t>
+            </a:r>
+          </a:p>
+          <a:p>
+            <a:pPr marL="0" indent="0">
+              <a:spcBef>
+                <a:spcPts val="600"/>
+              </a:spcBef>
+            </a:pPr>
+            <a:r>
+              <a:rPr lang="en-US" sz="1400" dirty="0" smtClean="0">
+                <a:latin typeface="Lucida Console"/>
+                <a:cs typeface="Lucida Console"/>
+              </a:rPr>
+              <a:t>8  @</a:t>
+            </a:r>
+            <a:r>
+              <a:rPr lang="en-US" sz="1400" dirty="0">
+                <a:latin typeface="Lucida Console"/>
+                <a:cs typeface="Lucida Console"/>
+              </a:rPr>
+              <a:t>Main {</a:t>
+            </a:r>
+          </a:p>
+          <a:p>
+            <a:pPr marL="0" indent="0">
+              <a:spcBef>
+                <a:spcPts val="600"/>
+              </a:spcBef>
+            </a:pPr>
+            <a:r>
+              <a:rPr lang="en-US" sz="1400" dirty="0" smtClean="0">
+                <a:latin typeface="Lucida Console"/>
+                <a:cs typeface="Lucida Console"/>
+              </a:rPr>
+              <a:t>9    </a:t>
+            </a:r>
+            <a:r>
+              <a:rPr lang="en-US" sz="1400" dirty="0" err="1">
+                <a:latin typeface="Lucida Console"/>
+                <a:cs typeface="Lucida Console"/>
+              </a:rPr>
+              <a:t>mapReduce</a:t>
+            </a:r>
+            <a:r>
+              <a:rPr lang="en-US" sz="1400" dirty="0">
+                <a:latin typeface="Lucida Console"/>
+                <a:cs typeface="Lucida Console"/>
+              </a:rPr>
+              <a:t>();</a:t>
+            </a:r>
+          </a:p>
+          <a:p>
+            <a:pPr marL="0" indent="0">
+              <a:spcBef>
+                <a:spcPts val="600"/>
+              </a:spcBef>
+            </a:pPr>
+            <a:r>
+              <a:rPr lang="en-US" sz="1400" dirty="0" smtClean="0">
+                <a:latin typeface="Lucida Console"/>
+                <a:cs typeface="Lucida Console"/>
+              </a:rPr>
+              <a:t>10 }</a:t>
+            </a:r>
+            <a:endParaRPr lang="en-US" sz="1400" dirty="0">
+              <a:latin typeface="Lucida Console"/>
+              <a:cs typeface="Lucida Console"/>
+            </a:endParaRPr>
+          </a:p>
+        </p:txBody>
+      </p:sp>
+    </p:spTree>
+    <p:extLst>
+      <p:ext uri="{BB962C8B-B14F-4D97-AF65-F5344CB8AC3E}">
+        <p14:creationId xmlns:p14="http://schemas.microsoft.com/office/powerpoint/2010/main" val="2487640545"/>
+      </p:ext>
+    </p:extLst>
+  </p:cSld>
+  <p:clrMapOvr>
+    <a:masterClrMapping/>
+  </p:clrMapOvr>
+  <p:timing>
+    <p:tnLst>
+      <p:par>
+        <p:cTn xmlns:p14="http://schemas.microsoft.com/office/powerpoint/2010/main" id="1" dur="indefinite" restart="never" nodeType="tmRoot"/>
+      </p:par>
+    </p:tnLst>
+  </p:timing>
+</p:sld>
+</file>
+
+<file path=ppt/slides/slide15.xml><?xml version="1.0" encoding="utf-8"?>
+<p:sld xmlns:a="http://schemas.openxmlformats.org/drawingml/2006/main" xmlns:r="http://schemas.openxmlformats.org/officeDocument/2006/relationships" xmlns:p="http://schemas.openxmlformats.org/presentationml/2006/main">
+  <p:cSld>
+    <p:spTree>
+      <p:nvGrpSpPr>
+        <p:cNvPr id="1" name=""/>
+        <p:cNvGrpSpPr/>
+        <p:nvPr/>
+      </p:nvGrpSpPr>
+      <p:grpSpPr>
+        <a:xfrm>
+          <a:off x="0" y="0"/>
+          <a:ext cx="0" cy="0"/>
+          <a:chOff x="0" y="0"/>
+          <a:chExt cx="0" cy="0"/>
+        </a:xfrm>
+      </p:grpSpPr>
+      <p:sp>
+        <p:nvSpPr>
+          <p:cNvPr id="2" name="Title 1"/>
+          <p:cNvSpPr>
+            <a:spLocks noGrp="1"/>
+          </p:cNvSpPr>
+          <p:nvPr>
+            <p:ph type="title"/>
+          </p:nvPr>
+        </p:nvSpPr>
         <p:spPr>
           <a:xfrm rot="19140000">
             <a:off x="631242" y="1776157"/>
@@ -6881,7 +7637,7 @@
 </p:sld>
 </file>
 
-<file path=ppt/slides/slide14.xml><?xml version="1.0" encoding="utf-8"?>
+<file path=ppt/slides/slide16.xml><?xml version="1.0" encoding="utf-8"?>
 <p:sld xmlns:a="http://schemas.openxmlformats.org/drawingml/2006/main" xmlns:r="http://schemas.openxmlformats.org/officeDocument/2006/relationships" xmlns:p="http://schemas.openxmlformats.org/presentationml/2006/main">
   <p:cSld>
     <p:spTree>
@@ -10013,7 +10769,7 @@
 </p:sld>
 </file>
 
-<file path=ppt/slides/slide15.xml><?xml version="1.0" encoding="utf-8"?>
+<file path=ppt/slides/slide17.xml><?xml version="1.0" encoding="utf-8"?>
 <p:sld xmlns:a="http://schemas.openxmlformats.org/drawingml/2006/main" xmlns:r="http://schemas.openxmlformats.org/officeDocument/2006/relationships" xmlns:p="http://schemas.openxmlformats.org/presentationml/2006/main">
   <p:cSld>
     <p:spTree>
@@ -11079,7 +11835,7 @@
 </p:sld>
 </file>
 
-<file path=ppt/slides/slide16.xml><?xml version="1.0" encoding="utf-8"?>
+<file path=ppt/slides/slide18.xml><?xml version="1.0" encoding="utf-8"?>
 <p:sld xmlns:a="http://schemas.openxmlformats.org/drawingml/2006/main" xmlns:r="http://schemas.openxmlformats.org/officeDocument/2006/relationships" xmlns:p="http://schemas.openxmlformats.org/presentationml/2006/main">
   <p:cSld>
     <p:spTree>
@@ -11170,188 +11926,6 @@
     <p:extLst>
       <p:ext uri="{BB962C8B-B14F-4D97-AF65-F5344CB8AC3E}">
         <p14:creationId xmlns:p14="http://schemas.microsoft.com/office/powerpoint/2010/main" val="720806030"/>
-      </p:ext>
-    </p:extLst>
-  </p:cSld>
-  <p:clrMapOvr>
-    <a:masterClrMapping/>
-  </p:clrMapOvr>
-  <p:timing>
-    <p:tnLst>
-      <p:par>
-        <p:cTn xmlns:p14="http://schemas.microsoft.com/office/powerpoint/2010/main" id="1" dur="indefinite" restart="never" nodeType="tmRoot"/>
-      </p:par>
-    </p:tnLst>
-  </p:timing>
-</p:sld>
-</file>
-
-<file path=ppt/slides/slide17.xml><?xml version="1.0" encoding="utf-8"?>
-<p:sld xmlns:a="http://schemas.openxmlformats.org/drawingml/2006/main" xmlns:r="http://schemas.openxmlformats.org/officeDocument/2006/relationships" xmlns:p="http://schemas.openxmlformats.org/presentationml/2006/main">
-  <p:cSld>
-    <p:spTree>
-      <p:nvGrpSpPr>
-        <p:cNvPr id="1" name=""/>
-        <p:cNvGrpSpPr/>
-        <p:nvPr/>
-      </p:nvGrpSpPr>
-      <p:grpSpPr>
-        <a:xfrm>
-          <a:off x="0" y="0"/>
-          <a:ext cx="0" cy="0"/>
-          <a:chOff x="0" y="0"/>
-          <a:chExt cx="0" cy="0"/>
-        </a:xfrm>
-      </p:grpSpPr>
-      <p:sp>
-        <p:nvSpPr>
-          <p:cNvPr id="2" name="Title 1"/>
-          <p:cNvSpPr>
-            <a:spLocks noGrp="1"/>
-          </p:cNvSpPr>
-          <p:nvPr>
-            <p:ph type="title"/>
-          </p:nvPr>
-        </p:nvSpPr>
-        <p:spPr>
-          <a:xfrm rot="19140000">
-            <a:off x="631242" y="1776157"/>
-            <a:ext cx="5650992" cy="1207509"/>
-          </a:xfrm>
-        </p:spPr>
-        <p:txBody>
-          <a:bodyPr/>
-          <a:lstStyle/>
-          <a:p>
-            <a:r>
-              <a:rPr lang="en-US" sz="6000" dirty="0" smtClean="0"/>
-              <a:t>Testing</a:t>
-            </a:r>
-            <a:endParaRPr lang="en-US" sz="6000" dirty="0"/>
-          </a:p>
-        </p:txBody>
-      </p:sp>
-      <p:sp>
-        <p:nvSpPr>
-          <p:cNvPr id="3" name="Text Placeholder 2"/>
-          <p:cNvSpPr>
-            <a:spLocks noGrp="1"/>
-          </p:cNvSpPr>
-          <p:nvPr>
-            <p:ph type="body" idx="1"/>
-          </p:nvPr>
-        </p:nvSpPr>
-        <p:spPr>
-          <a:xfrm rot="19140000">
-            <a:off x="938448" y="2278221"/>
-            <a:ext cx="7240656" cy="329184"/>
-          </a:xfrm>
-        </p:spPr>
-        <p:txBody>
-          <a:bodyPr>
-            <a:noAutofit/>
-          </a:bodyPr>
-          <a:lstStyle/>
-          <a:p>
-            <a:r>
-              <a:rPr lang="en-US" sz="2400" spc="0" dirty="0" smtClean="0"/>
-              <a:t>Jason </a:t>
-            </a:r>
-            <a:r>
-              <a:rPr lang="en-US" sz="2400" spc="0" dirty="0" err="1" smtClean="0"/>
-              <a:t>halpern</a:t>
-            </a:r>
-            <a:r>
-              <a:rPr lang="en-US" sz="2400" spc="0" dirty="0" smtClean="0"/>
-              <a:t> (testing/validation)</a:t>
-            </a:r>
-            <a:endParaRPr lang="en-US" sz="2400" spc="0" dirty="0"/>
-          </a:p>
-        </p:txBody>
-      </p:sp>
-    </p:spTree>
-    <p:extLst>
-      <p:ext uri="{BB962C8B-B14F-4D97-AF65-F5344CB8AC3E}">
-        <p14:creationId xmlns:p14="http://schemas.microsoft.com/office/powerpoint/2010/main" val="720806030"/>
-      </p:ext>
-    </p:extLst>
-  </p:cSld>
-  <p:clrMapOvr>
-    <a:masterClrMapping/>
-  </p:clrMapOvr>
-  <p:timing>
-    <p:tnLst>
-      <p:par>
-        <p:cTn xmlns:p14="http://schemas.microsoft.com/office/powerpoint/2010/main" id="1" dur="indefinite" restart="never" nodeType="tmRoot"/>
-      </p:par>
-    </p:tnLst>
-  </p:timing>
-</p:sld>
-</file>
-
-<file path=ppt/slides/slide18.xml><?xml version="1.0" encoding="utf-8"?>
-<p:sld xmlns:a="http://schemas.openxmlformats.org/drawingml/2006/main" xmlns:r="http://schemas.openxmlformats.org/officeDocument/2006/relationships" xmlns:p="http://schemas.openxmlformats.org/presentationml/2006/main">
-  <p:cSld>
-    <p:spTree>
-      <p:nvGrpSpPr>
-        <p:cNvPr id="1" name=""/>
-        <p:cNvGrpSpPr/>
-        <p:nvPr/>
-      </p:nvGrpSpPr>
-      <p:grpSpPr>
-        <a:xfrm>
-          <a:off x="0" y="0"/>
-          <a:ext cx="0" cy="0"/>
-          <a:chOff x="0" y="0"/>
-          <a:chExt cx="0" cy="0"/>
-        </a:xfrm>
-      </p:grpSpPr>
-      <p:sp>
-        <p:nvSpPr>
-          <p:cNvPr id="2" name="Title 1"/>
-          <p:cNvSpPr>
-            <a:spLocks noGrp="1"/>
-          </p:cNvSpPr>
-          <p:nvPr>
-            <p:ph type="title"/>
-          </p:nvPr>
-        </p:nvSpPr>
-        <p:spPr/>
-        <p:txBody>
-          <a:bodyPr/>
-          <a:lstStyle/>
-          <a:p>
-            <a:r>
-              <a:rPr lang="en-US" sz="9600" dirty="0" smtClean="0"/>
-              <a:t>demo</a:t>
-            </a:r>
-            <a:endParaRPr lang="en-US" sz="9600" dirty="0"/>
-          </a:p>
-        </p:txBody>
-      </p:sp>
-      <p:sp>
-        <p:nvSpPr>
-          <p:cNvPr id="3" name="Text Placeholder 2"/>
-          <p:cNvSpPr>
-            <a:spLocks noGrp="1"/>
-          </p:cNvSpPr>
-          <p:nvPr>
-            <p:ph type="body" idx="1"/>
-          </p:nvPr>
-        </p:nvSpPr>
-        <p:spPr/>
-        <p:txBody>
-          <a:bodyPr/>
-          <a:lstStyle/>
-          <a:p>
-            <a:endParaRPr lang="en-US"/>
-          </a:p>
-        </p:txBody>
-      </p:sp>
-    </p:spTree>
-    <p:extLst>
-      <p:ext uri="{BB962C8B-B14F-4D97-AF65-F5344CB8AC3E}">
-        <p14:creationId xmlns:p14="http://schemas.microsoft.com/office/powerpoint/2010/main" val="921940227"/>
       </p:ext>
     </p:extLst>
   </p:cSld>
@@ -11407,7 +11981,7 @@
           <a:p>
             <a:r>
               <a:rPr lang="en-US" sz="6000" dirty="0" smtClean="0"/>
-              <a:t>conclusions</a:t>
+              <a:t>Testing</a:t>
             </a:r>
             <a:endParaRPr lang="en-US" sz="6000" dirty="0"/>
           </a:p>
@@ -11437,7 +12011,15 @@
           <a:p>
             <a:r>
               <a:rPr lang="en-US" sz="2400" spc="0" dirty="0" smtClean="0"/>
-              <a:t>The hog team</a:t>
+              <a:t>Jason </a:t>
+            </a:r>
+            <a:r>
+              <a:rPr lang="en-US" sz="2400" spc="0" dirty="0" err="1" smtClean="0"/>
+              <a:t>halpern</a:t>
+            </a:r>
+            <a:r>
+              <a:rPr lang="en-US" sz="2400" spc="0" dirty="0" smtClean="0"/>
+              <a:t> (testing/validation)</a:t>
             </a:r>
             <a:endParaRPr lang="en-US" sz="2400" spc="0" dirty="0"/>
           </a:p>
@@ -11446,7 +12028,7 @@
     </p:spTree>
     <p:extLst>
       <p:ext uri="{BB962C8B-B14F-4D97-AF65-F5344CB8AC3E}">
-        <p14:creationId xmlns:p14="http://schemas.microsoft.com/office/powerpoint/2010/main" val="3601372676"/>
+        <p14:creationId xmlns:p14="http://schemas.microsoft.com/office/powerpoint/2010/main" val="720806030"/>
       </p:ext>
     </p:extLst>
   </p:cSld>
@@ -11685,6 +12267,180 @@
           <a:lstStyle/>
           <a:p>
             <a:r>
+              <a:rPr lang="en-US" sz="9600" dirty="0" smtClean="0"/>
+              <a:t>demo</a:t>
+            </a:r>
+            <a:endParaRPr lang="en-US" sz="9600" dirty="0"/>
+          </a:p>
+        </p:txBody>
+      </p:sp>
+      <p:sp>
+        <p:nvSpPr>
+          <p:cNvPr id="3" name="Text Placeholder 2"/>
+          <p:cNvSpPr>
+            <a:spLocks noGrp="1"/>
+          </p:cNvSpPr>
+          <p:nvPr>
+            <p:ph type="body" idx="1"/>
+          </p:nvPr>
+        </p:nvSpPr>
+        <p:spPr/>
+        <p:txBody>
+          <a:bodyPr/>
+          <a:lstStyle/>
+          <a:p>
+            <a:endParaRPr lang="en-US"/>
+          </a:p>
+        </p:txBody>
+      </p:sp>
+    </p:spTree>
+    <p:extLst>
+      <p:ext uri="{BB962C8B-B14F-4D97-AF65-F5344CB8AC3E}">
+        <p14:creationId xmlns:p14="http://schemas.microsoft.com/office/powerpoint/2010/main" val="921940227"/>
+      </p:ext>
+    </p:extLst>
+  </p:cSld>
+  <p:clrMapOvr>
+    <a:masterClrMapping/>
+  </p:clrMapOvr>
+  <p:timing>
+    <p:tnLst>
+      <p:par>
+        <p:cTn xmlns:p14="http://schemas.microsoft.com/office/powerpoint/2010/main" id="1" dur="indefinite" restart="never" nodeType="tmRoot"/>
+      </p:par>
+    </p:tnLst>
+  </p:timing>
+</p:sld>
+</file>
+
+<file path=ppt/slides/slide21.xml><?xml version="1.0" encoding="utf-8"?>
+<p:sld xmlns:a="http://schemas.openxmlformats.org/drawingml/2006/main" xmlns:r="http://schemas.openxmlformats.org/officeDocument/2006/relationships" xmlns:p="http://schemas.openxmlformats.org/presentationml/2006/main">
+  <p:cSld>
+    <p:spTree>
+      <p:nvGrpSpPr>
+        <p:cNvPr id="1" name=""/>
+        <p:cNvGrpSpPr/>
+        <p:nvPr/>
+      </p:nvGrpSpPr>
+      <p:grpSpPr>
+        <a:xfrm>
+          <a:off x="0" y="0"/>
+          <a:ext cx="0" cy="0"/>
+          <a:chOff x="0" y="0"/>
+          <a:chExt cx="0" cy="0"/>
+        </a:xfrm>
+      </p:grpSpPr>
+      <p:sp>
+        <p:nvSpPr>
+          <p:cNvPr id="2" name="Title 1"/>
+          <p:cNvSpPr>
+            <a:spLocks noGrp="1"/>
+          </p:cNvSpPr>
+          <p:nvPr>
+            <p:ph type="title"/>
+          </p:nvPr>
+        </p:nvSpPr>
+        <p:spPr>
+          <a:xfrm rot="19140000">
+            <a:off x="631242" y="1776157"/>
+            <a:ext cx="5650992" cy="1207509"/>
+          </a:xfrm>
+        </p:spPr>
+        <p:txBody>
+          <a:bodyPr/>
+          <a:lstStyle/>
+          <a:p>
+            <a:r>
+              <a:rPr lang="en-US" sz="6000" dirty="0" smtClean="0"/>
+              <a:t>conclusions</a:t>
+            </a:r>
+            <a:endParaRPr lang="en-US" sz="6000" dirty="0"/>
+          </a:p>
+        </p:txBody>
+      </p:sp>
+      <p:sp>
+        <p:nvSpPr>
+          <p:cNvPr id="3" name="Text Placeholder 2"/>
+          <p:cNvSpPr>
+            <a:spLocks noGrp="1"/>
+          </p:cNvSpPr>
+          <p:nvPr>
+            <p:ph type="body" idx="1"/>
+          </p:nvPr>
+        </p:nvSpPr>
+        <p:spPr>
+          <a:xfrm rot="19140000">
+            <a:off x="938448" y="2278221"/>
+            <a:ext cx="7240656" cy="329184"/>
+          </a:xfrm>
+        </p:spPr>
+        <p:txBody>
+          <a:bodyPr>
+            <a:noAutofit/>
+          </a:bodyPr>
+          <a:lstStyle/>
+          <a:p>
+            <a:r>
+              <a:rPr lang="en-US" sz="2400" spc="0" dirty="0" smtClean="0"/>
+              <a:t>The hog team</a:t>
+            </a:r>
+            <a:endParaRPr lang="en-US" sz="2400" spc="0" dirty="0"/>
+          </a:p>
+        </p:txBody>
+      </p:sp>
+    </p:spTree>
+    <p:extLst>
+      <p:ext uri="{BB962C8B-B14F-4D97-AF65-F5344CB8AC3E}">
+        <p14:creationId xmlns:p14="http://schemas.microsoft.com/office/powerpoint/2010/main" val="3601372676"/>
+      </p:ext>
+    </p:extLst>
+  </p:cSld>
+  <p:clrMapOvr>
+    <a:masterClrMapping/>
+  </p:clrMapOvr>
+  <p:timing>
+    <p:tnLst>
+      <p:par>
+        <p:cTn xmlns:p14="http://schemas.microsoft.com/office/powerpoint/2010/main" id="1" dur="indefinite" restart="never" nodeType="tmRoot"/>
+      </p:par>
+    </p:tnLst>
+  </p:timing>
+</p:sld>
+</file>
+
+<file path=ppt/slides/slide22.xml><?xml version="1.0" encoding="utf-8"?>
+<p:sld xmlns:a="http://schemas.openxmlformats.org/drawingml/2006/main" xmlns:r="http://schemas.openxmlformats.org/officeDocument/2006/relationships" xmlns:p="http://schemas.openxmlformats.org/presentationml/2006/main">
+  <p:cSld>
+    <p:spTree>
+      <p:nvGrpSpPr>
+        <p:cNvPr id="1" name=""/>
+        <p:cNvGrpSpPr/>
+        <p:nvPr/>
+      </p:nvGrpSpPr>
+      <p:grpSpPr>
+        <a:xfrm>
+          <a:off x="0" y="0"/>
+          <a:ext cx="0" cy="0"/>
+          <a:chOff x="0" y="0"/>
+          <a:chExt cx="0" cy="0"/>
+        </a:xfrm>
+      </p:grpSpPr>
+      <p:sp>
+        <p:nvSpPr>
+          <p:cNvPr id="2" name="Title 1"/>
+          <p:cNvSpPr>
+            <a:spLocks noGrp="1"/>
+          </p:cNvSpPr>
+          <p:nvPr>
+            <p:ph type="title"/>
+          </p:nvPr>
+        </p:nvSpPr>
+        <p:spPr/>
+        <p:txBody>
+          <a:bodyPr/>
+          <a:lstStyle/>
+          <a:p>
+            <a:r>
               <a:rPr lang="en-US" dirty="0" smtClean="0"/>
               <a:t>conclusions</a:t>
             </a:r>
@@ -11788,7 +12544,7 @@
 </p:sld>
 </file>
 
-<file path=ppt/slides/slide21.xml><?xml version="1.0" encoding="utf-8"?>
+<file path=ppt/slides/slide23.xml><?xml version="1.0" encoding="utf-8"?>
 <p:sld xmlns:a="http://schemas.openxmlformats.org/drawingml/2006/main" xmlns:r="http://schemas.openxmlformats.org/officeDocument/2006/relationships" xmlns:p="http://schemas.openxmlformats.org/presentationml/2006/main">
   <p:cSld>
     <p:spTree>
@@ -12068,7 +12824,11 @@
           <a:p>
             <a:r>
               <a:rPr lang="en-US" sz="2400" b="1" cap="none" spc="0" dirty="0" smtClean="0"/>
-              <a:t>Say you…</a:t>
+              <a:t>Say </a:t>
+            </a:r>
+            <a:r>
+              <a:rPr lang="en-US" sz="2400" b="1" cap="none" spc="0" dirty="0" smtClean="0"/>
+              <a:t>you’re…</a:t>
             </a:r>
             <a:endParaRPr lang="en-US" sz="2400" b="1" cap="none" spc="0" dirty="0"/>
           </a:p>
@@ -12086,7 +12846,9 @@
         </p:nvSpPr>
         <p:spPr/>
         <p:txBody>
-          <a:bodyPr/>
+          <a:bodyPr>
+            <a:normAutofit lnSpcReduction="10000"/>
+          </a:bodyPr>
           <a:lstStyle/>
           <a:p>
             <a:pPr>
@@ -12094,13 +12856,14 @@
               <a:buChar char="•"/>
             </a:pPr>
             <a:r>
-              <a:rPr lang="en-US" dirty="0"/>
-              <a:t>a</a:t>
-            </a:r>
-            <a:r>
               <a:rPr lang="en-US" dirty="0" smtClean="0"/>
-              <a:t>re a webhost,</a:t>
-            </a:r>
+              <a:t>a corporation</a:t>
+            </a:r>
+            <a:r>
+              <a:rPr lang="en-US" dirty="0" smtClean="0"/>
+              <a:t>,</a:t>
+            </a:r>
+            <a:endParaRPr lang="en-US" dirty="0" smtClean="0"/>
           </a:p>
           <a:p>
             <a:pPr>
@@ -12108,9 +12871,14 @@
               <a:buChar char="•"/>
             </a:pPr>
             <a:r>
+              <a:rPr lang="en-US" dirty="0"/>
+              <a:t>w</a:t>
+            </a:r>
+            <a:r>
               <a:rPr lang="en-US" dirty="0" smtClean="0"/>
-              <a:t>with terabytes of web logs,</a:t>
-            </a:r>
+              <a:t>ith data from your mail server,</a:t>
+            </a:r>
+            <a:endParaRPr lang="en-US" dirty="0" smtClean="0"/>
           </a:p>
           <a:p>
             <a:pPr>
@@ -12119,15 +12887,11 @@
             </a:pPr>
             <a:r>
               <a:rPr lang="en-US" dirty="0" smtClean="0"/>
-              <a:t>and you just noticed a massive spike in avg. </a:t>
-            </a:r>
-            <a:r>
-              <a:rPr lang="en-US" smtClean="0"/>
-              <a:t>request times</a:t>
+              <a:t>and </a:t>
             </a:r>
             <a:r>
               <a:rPr lang="en-US" dirty="0" smtClean="0"/>
-              <a:t>…</a:t>
+              <a:t>you want to find out the average amount of time a client waits for a response…</a:t>
             </a:r>
             <a:endParaRPr lang="en-US" dirty="0"/>
           </a:p>
@@ -12152,8 +12916,13 @@
           <a:p>
             <a:r>
               <a:rPr lang="en-US" sz="2400" b="1" cap="none" spc="0" dirty="0"/>
-              <a:t>Say you…</a:t>
-            </a:r>
+              <a:t>Say </a:t>
+            </a:r>
+            <a:r>
+              <a:rPr lang="en-US" sz="2400" b="1" cap="none" spc="0" dirty="0" smtClean="0"/>
+              <a:t>you’re…</a:t>
+            </a:r>
+            <a:endParaRPr lang="en-US" sz="2400" b="1" cap="none" spc="0" dirty="0"/>
           </a:p>
         </p:txBody>
       </p:sp>

--- a/demo/demo.pptx
+++ b/demo/demo.pptx
@@ -5,7 +5,7 @@
     <p:sldMasterId id="2147483868" r:id="rId1"/>
   </p:sldMasterIdLst>
   <p:notesMasterIdLst>
-    <p:notesMasterId r:id="rId25"/>
+    <p:notesMasterId r:id="rId32"/>
   </p:notesMasterIdLst>
   <p:sldIdLst>
     <p:sldId id="256" r:id="rId2"/>
@@ -26,11 +26,18 @@
     <p:sldId id="273" r:id="rId17"/>
     <p:sldId id="274" r:id="rId18"/>
     <p:sldId id="269" r:id="rId19"/>
-    <p:sldId id="270" r:id="rId20"/>
-    <p:sldId id="277" r:id="rId21"/>
-    <p:sldId id="271" r:id="rId22"/>
-    <p:sldId id="276" r:id="rId23"/>
-    <p:sldId id="257" r:id="rId24"/>
+    <p:sldId id="284" r:id="rId20"/>
+    <p:sldId id="285" r:id="rId21"/>
+    <p:sldId id="270" r:id="rId22"/>
+    <p:sldId id="282" r:id="rId23"/>
+    <p:sldId id="283" r:id="rId24"/>
+    <p:sldId id="277" r:id="rId25"/>
+    <p:sldId id="271" r:id="rId26"/>
+    <p:sldId id="276" r:id="rId27"/>
+    <p:sldId id="257" r:id="rId28"/>
+    <p:sldId id="286" r:id="rId29"/>
+    <p:sldId id="287" r:id="rId30"/>
+    <p:sldId id="288" r:id="rId31"/>
   </p:sldIdLst>
   <p:sldSz cx="9144000" cy="6858000" type="screen4x3"/>
   <p:notesSz cx="6858000" cy="9144000"/>
@@ -548,6 +555,174 @@
             <a:fld id="{42BEFFAC-3482-42C7-A3E5-AAF6C77BD00F}" type="slidenum">
               <a:rPr lang="en-US" smtClean="0"/>
               <a:t>17</a:t>
+            </a:fld>
+            <a:endParaRPr lang="en-US"/>
+          </a:p>
+        </p:txBody>
+      </p:sp>
+    </p:spTree>
+    <p:extLst>
+      <p:ext uri="{BB962C8B-B14F-4D97-AF65-F5344CB8AC3E}">
+        <p14:creationId xmlns:p14="http://schemas.microsoft.com/office/powerpoint/2010/main" val="2846256888"/>
+      </p:ext>
+    </p:extLst>
+  </p:cSld>
+  <p:clrMapOvr>
+    <a:masterClrMapping/>
+  </p:clrMapOvr>
+</p:notes>
+</file>
+
+<file path=ppt/notesSlides/notesSlide2.xml><?xml version="1.0" encoding="utf-8"?>
+<p:notes xmlns:a="http://schemas.openxmlformats.org/drawingml/2006/main" xmlns:r="http://schemas.openxmlformats.org/officeDocument/2006/relationships" xmlns:p="http://schemas.openxmlformats.org/presentationml/2006/main">
+  <p:cSld>
+    <p:spTree>
+      <p:nvGrpSpPr>
+        <p:cNvPr id="1" name=""/>
+        <p:cNvGrpSpPr/>
+        <p:nvPr/>
+      </p:nvGrpSpPr>
+      <p:grpSpPr>
+        <a:xfrm>
+          <a:off x="0" y="0"/>
+          <a:ext cx="0" cy="0"/>
+          <a:chOff x="0" y="0"/>
+          <a:chExt cx="0" cy="0"/>
+        </a:xfrm>
+      </p:grpSpPr>
+      <p:sp>
+        <p:nvSpPr>
+          <p:cNvPr id="2" name="Slide Image Placeholder 1"/>
+          <p:cNvSpPr>
+            <a:spLocks noGrp="1" noRot="1" noChangeAspect="1"/>
+          </p:cNvSpPr>
+          <p:nvPr>
+            <p:ph type="sldImg"/>
+          </p:nvPr>
+        </p:nvSpPr>
+        <p:spPr/>
+      </p:sp>
+      <p:sp>
+        <p:nvSpPr>
+          <p:cNvPr id="3" name="Notes Placeholder 2"/>
+          <p:cNvSpPr>
+            <a:spLocks noGrp="1"/>
+          </p:cNvSpPr>
+          <p:nvPr>
+            <p:ph type="body" idx="1"/>
+          </p:nvPr>
+        </p:nvSpPr>
+        <p:spPr/>
+        <p:txBody>
+          <a:bodyPr/>
+          <a:lstStyle/>
+          <a:p>
+            <a:endParaRPr lang="en-US" dirty="0"/>
+          </a:p>
+        </p:txBody>
+      </p:sp>
+      <p:sp>
+        <p:nvSpPr>
+          <p:cNvPr id="4" name="Slide Number Placeholder 3"/>
+          <p:cNvSpPr>
+            <a:spLocks noGrp="1"/>
+          </p:cNvSpPr>
+          <p:nvPr>
+            <p:ph type="sldNum" sz="quarter" idx="10"/>
+          </p:nvPr>
+        </p:nvSpPr>
+        <p:spPr/>
+        <p:txBody>
+          <a:bodyPr/>
+          <a:lstStyle/>
+          <a:p>
+            <a:fld id="{42BEFFAC-3482-42C7-A3E5-AAF6C77BD00F}" type="slidenum">
+              <a:rPr lang="en-US" smtClean="0"/>
+              <a:t>22</a:t>
+            </a:fld>
+            <a:endParaRPr lang="en-US"/>
+          </a:p>
+        </p:txBody>
+      </p:sp>
+    </p:spTree>
+    <p:extLst>
+      <p:ext uri="{BB962C8B-B14F-4D97-AF65-F5344CB8AC3E}">
+        <p14:creationId xmlns:p14="http://schemas.microsoft.com/office/powerpoint/2010/main" val="2846256888"/>
+      </p:ext>
+    </p:extLst>
+  </p:cSld>
+  <p:clrMapOvr>
+    <a:masterClrMapping/>
+  </p:clrMapOvr>
+</p:notes>
+</file>
+
+<file path=ppt/notesSlides/notesSlide3.xml><?xml version="1.0" encoding="utf-8"?>
+<p:notes xmlns:a="http://schemas.openxmlformats.org/drawingml/2006/main" xmlns:r="http://schemas.openxmlformats.org/officeDocument/2006/relationships" xmlns:p="http://schemas.openxmlformats.org/presentationml/2006/main">
+  <p:cSld>
+    <p:spTree>
+      <p:nvGrpSpPr>
+        <p:cNvPr id="1" name=""/>
+        <p:cNvGrpSpPr/>
+        <p:nvPr/>
+      </p:nvGrpSpPr>
+      <p:grpSpPr>
+        <a:xfrm>
+          <a:off x="0" y="0"/>
+          <a:ext cx="0" cy="0"/>
+          <a:chOff x="0" y="0"/>
+          <a:chExt cx="0" cy="0"/>
+        </a:xfrm>
+      </p:grpSpPr>
+      <p:sp>
+        <p:nvSpPr>
+          <p:cNvPr id="2" name="Slide Image Placeholder 1"/>
+          <p:cNvSpPr>
+            <a:spLocks noGrp="1" noRot="1" noChangeAspect="1"/>
+          </p:cNvSpPr>
+          <p:nvPr>
+            <p:ph type="sldImg"/>
+          </p:nvPr>
+        </p:nvSpPr>
+        <p:spPr/>
+      </p:sp>
+      <p:sp>
+        <p:nvSpPr>
+          <p:cNvPr id="3" name="Notes Placeholder 2"/>
+          <p:cNvSpPr>
+            <a:spLocks noGrp="1"/>
+          </p:cNvSpPr>
+          <p:nvPr>
+            <p:ph type="body" idx="1"/>
+          </p:nvPr>
+        </p:nvSpPr>
+        <p:spPr/>
+        <p:txBody>
+          <a:bodyPr/>
+          <a:lstStyle/>
+          <a:p>
+            <a:endParaRPr lang="en-US" dirty="0"/>
+          </a:p>
+        </p:txBody>
+      </p:sp>
+      <p:sp>
+        <p:nvSpPr>
+          <p:cNvPr id="4" name="Slide Number Placeholder 3"/>
+          <p:cNvSpPr>
+            <a:spLocks noGrp="1"/>
+          </p:cNvSpPr>
+          <p:nvPr>
+            <p:ph type="sldNum" sz="quarter" idx="10"/>
+          </p:nvPr>
+        </p:nvSpPr>
+        <p:spPr/>
+        <p:txBody>
+          <a:bodyPr/>
+          <a:lstStyle/>
+          <a:p>
+            <a:fld id="{42BEFFAC-3482-42C7-A3E5-AAF6C77BD00F}" type="slidenum">
+              <a:rPr lang="en-US" smtClean="0"/>
+              <a:t>23</a:t>
             </a:fld>
             <a:endParaRPr lang="en-US"/>
           </a:p>
@@ -6298,11 +6473,18 @@
               </a:spcBef>
             </a:pPr>
             <a:r>
+              <a:rPr lang="en-US" dirty="0" smtClean="0">
+                <a:latin typeface="Lucida Console"/>
+                <a:cs typeface="Lucida Console"/>
+              </a:rPr>
+              <a:t>17 @</a:t>
+            </a:r>
+            <a:r>
               <a:rPr lang="en-US" dirty="0">
                 <a:latin typeface="Lucida Console"/>
                 <a:cs typeface="Lucida Console"/>
               </a:rPr>
-              <a:t>@Main {</a:t>
+              <a:t>Main {</a:t>
             </a:r>
           </a:p>
           <a:p>
@@ -6312,11 +6494,18 @@
               </a:spcBef>
             </a:pPr>
             <a:r>
+              <a:rPr lang="en-US" dirty="0" smtClean="0">
+                <a:latin typeface="Lucida Console"/>
+                <a:cs typeface="Lucida Console"/>
+              </a:rPr>
+              <a:t>18   </a:t>
+            </a:r>
+            <a:r>
               <a:rPr lang="en-US" dirty="0">
                 <a:latin typeface="Lucida Console"/>
                 <a:cs typeface="Lucida Console"/>
               </a:rPr>
-              <a:t>  # call map reduce</a:t>
+              <a:t># call map reduce</a:t>
             </a:r>
           </a:p>
           <a:p>
@@ -6326,11 +6515,11 @@
               </a:spcBef>
             </a:pPr>
             <a:r>
-              <a:rPr lang="en-US" dirty="0">
-                <a:latin typeface="Lucida Console"/>
-                <a:cs typeface="Lucida Console"/>
-              </a:rPr>
-              <a:t>  </a:t>
+              <a:rPr lang="en-US" dirty="0" smtClean="0">
+                <a:latin typeface="Lucida Console"/>
+                <a:cs typeface="Lucida Console"/>
+              </a:rPr>
+              <a:t>19   </a:t>
             </a:r>
             <a:r>
               <a:rPr lang="en-US" dirty="0" err="1">
@@ -6354,12 +6543,16 @@
               </a:spcBef>
             </a:pPr>
             <a:r>
-              <a:rPr lang="en-US" dirty="0">
-                <a:latin typeface="Lucida Console"/>
-                <a:cs typeface="Lucida Console"/>
-              </a:rPr>
-              <a:t>}</a:t>
-            </a:r>
+              <a:rPr lang="en-US" smtClean="0">
+                <a:latin typeface="Lucida Console"/>
+                <a:cs typeface="Lucida Console"/>
+              </a:rPr>
+              <a:t>20 }</a:t>
+            </a:r>
+            <a:endParaRPr lang="en-US" dirty="0">
+              <a:latin typeface="Lucida Console"/>
+              <a:cs typeface="Lucida Console"/>
+            </a:endParaRPr>
           </a:p>
           <a:p>
             <a:endParaRPr lang="en-US" dirty="0"/>
@@ -7174,11 +7367,7 @@
           <a:p>
             <a:r>
               <a:rPr lang="en-US" dirty="0" smtClean="0"/>
-              <a:t>The simplest </a:t>
-            </a:r>
-            <a:r>
-              <a:rPr lang="en-US" dirty="0" smtClean="0"/>
-              <a:t>distributed sort</a:t>
+              <a:t>The simplest distributed sort</a:t>
             </a:r>
             <a:endParaRPr lang="en-US" dirty="0"/>
           </a:p>
@@ -11970,65 +12159,109 @@
           </p:nvPr>
         </p:nvSpPr>
         <p:spPr>
-          <a:xfrm rot="19140000">
-            <a:off x="631242" y="1776157"/>
-            <a:ext cx="5650992" cy="1207509"/>
+          <a:xfrm>
+            <a:off x="747358" y="368683"/>
+            <a:ext cx="7520940" cy="548640"/>
           </a:xfrm>
         </p:spPr>
         <p:txBody>
-          <a:bodyPr/>
+          <a:bodyPr>
+            <a:normAutofit/>
+          </a:bodyPr>
           <a:lstStyle/>
           <a:p>
             <a:r>
-              <a:rPr lang="en-US" sz="6000" dirty="0" smtClean="0"/>
-              <a:t>Testing</a:t>
-            </a:r>
-            <a:endParaRPr lang="en-US" sz="6000" dirty="0"/>
+              <a:rPr lang="en-US" dirty="0" smtClean="0"/>
+              <a:t>Makefile and Shellscript</a:t>
+            </a:r>
+            <a:endParaRPr lang="en-US" dirty="0"/>
           </a:p>
         </p:txBody>
       </p:sp>
       <p:sp>
         <p:nvSpPr>
-          <p:cNvPr id="3" name="Text Placeholder 2"/>
+          <p:cNvPr id="3" name="Content Placeholder 2"/>
           <p:cNvSpPr>
             <a:spLocks noGrp="1"/>
           </p:cNvSpPr>
           <p:nvPr>
-            <p:ph type="body" idx="1"/>
+            <p:ph idx="1"/>
           </p:nvPr>
         </p:nvSpPr>
         <p:spPr>
-          <a:xfrm rot="19140000">
-            <a:off x="938448" y="2278221"/>
-            <a:ext cx="7240656" cy="329184"/>
+          <a:xfrm>
+            <a:off x="822959" y="1100628"/>
+            <a:ext cx="7763633" cy="3579849"/>
           </a:xfrm>
         </p:spPr>
         <p:txBody>
           <a:bodyPr>
-            <a:noAutofit/>
+            <a:normAutofit/>
           </a:bodyPr>
           <a:lstStyle/>
           <a:p>
-            <a:r>
-              <a:rPr lang="en-US" sz="2400" spc="0" dirty="0" smtClean="0"/>
-              <a:t>Jason </a:t>
-            </a:r>
-            <a:r>
-              <a:rPr lang="en-US" sz="2400" spc="0" dirty="0" err="1" smtClean="0"/>
-              <a:t>halpern</a:t>
-            </a:r>
-            <a:r>
-              <a:rPr lang="en-US" sz="2400" spc="0" dirty="0" smtClean="0"/>
-              <a:t> (testing/validation)</a:t>
-            </a:r>
-            <a:endParaRPr lang="en-US" sz="2400" spc="0" dirty="0"/>
+            <a:pPr>
+              <a:buFont typeface="Arial"/>
+              <a:buChar char="•"/>
+            </a:pPr>
+            <a:r>
+              <a:rPr lang="en-US" sz="2400" dirty="0" smtClean="0"/>
+              <a:t>Hog Compiler - Compiles Hog Source to Java Source</a:t>
+            </a:r>
+          </a:p>
+          <a:p>
+            <a:pPr>
+              <a:buFont typeface="Arial"/>
+              <a:buChar char="•"/>
+            </a:pPr>
+            <a:r>
+              <a:rPr lang="en-US" sz="2400" dirty="0" smtClean="0"/>
+              <a:t>Java Compiler – Compiles Java Source with Hadoop Jars</a:t>
+            </a:r>
+          </a:p>
+          <a:p>
+            <a:pPr>
+              <a:buFont typeface="Arial"/>
+              <a:buChar char="•"/>
+            </a:pPr>
+            <a:r>
+              <a:rPr lang="en-US" sz="2400" dirty="0" smtClean="0"/>
+              <a:t>Copies Input Data into HDFS</a:t>
+            </a:r>
+          </a:p>
+          <a:p>
+            <a:pPr>
+              <a:buFont typeface="Arial"/>
+              <a:buChar char="•"/>
+            </a:pPr>
+            <a:r>
+              <a:rPr lang="en-US" sz="2400" dirty="0" smtClean="0"/>
+              <a:t>Executes Job on Hadoop Cluster</a:t>
+            </a:r>
+          </a:p>
+          <a:p>
+            <a:pPr>
+              <a:buFont typeface="Arial"/>
+              <a:buChar char="•"/>
+            </a:pPr>
+            <a:r>
+              <a:rPr lang="en-US" sz="2400" dirty="0" smtClean="0"/>
+              <a:t>Reports Results to User</a:t>
+            </a:r>
+          </a:p>
+          <a:p>
+            <a:pPr>
+              <a:buFont typeface="Arial"/>
+              <a:buChar char="•"/>
+            </a:pPr>
+            <a:endParaRPr lang="en-US" sz="2400" dirty="0"/>
           </a:p>
         </p:txBody>
       </p:sp>
     </p:spTree>
     <p:extLst>
       <p:ext uri="{BB962C8B-B14F-4D97-AF65-F5344CB8AC3E}">
-        <p14:creationId xmlns:p14="http://schemas.microsoft.com/office/powerpoint/2010/main" val="720806030"/>
+        <p14:creationId xmlns:p14="http://schemas.microsoft.com/office/powerpoint/2010/main" val="410423861"/>
       </p:ext>
     </p:extLst>
   </p:cSld>
@@ -12261,42 +12494,420 @@
             <p:ph type="title"/>
           </p:nvPr>
         </p:nvSpPr>
-        <p:spPr/>
+        <p:spPr>
+          <a:xfrm>
+            <a:off x="747358" y="368683"/>
+            <a:ext cx="7520940" cy="548640"/>
+          </a:xfrm>
+        </p:spPr>
         <p:txBody>
-          <a:bodyPr/>
+          <a:bodyPr>
+            <a:normAutofit/>
+          </a:bodyPr>
           <a:lstStyle/>
           <a:p>
             <a:r>
-              <a:rPr lang="en-US" sz="9600" dirty="0" smtClean="0"/>
-              <a:t>demo</a:t>
-            </a:r>
-            <a:endParaRPr lang="en-US" sz="9600" dirty="0"/>
+              <a:rPr lang="en-US" dirty="0" smtClean="0"/>
+              <a:t>Runtime Environment</a:t>
+            </a:r>
+            <a:endParaRPr lang="en-US" dirty="0"/>
           </a:p>
         </p:txBody>
       </p:sp>
-      <p:sp>
-        <p:nvSpPr>
-          <p:cNvPr id="3" name="Text Placeholder 2"/>
-          <p:cNvSpPr>
-            <a:spLocks noGrp="1"/>
-          </p:cNvSpPr>
+      <p:graphicFrame>
+        <p:nvGraphicFramePr>
+          <p:cNvPr id="4" name="Content Placeholder 3"/>
+          <p:cNvGraphicFramePr>
+            <a:graphicFrameLocks noGrp="1"/>
+          </p:cNvGraphicFramePr>
           <p:nvPr>
-            <p:ph type="body" idx="1"/>
+            <p:ph idx="1"/>
+            <p:extLst>
+              <p:ext uri="{D42A27DB-BD31-4B8C-83A1-F6EECF244321}">
+                <p14:modId xmlns:p14="http://schemas.microsoft.com/office/powerpoint/2010/main" val="3231292863"/>
+              </p:ext>
+            </p:extLst>
           </p:nvPr>
-        </p:nvSpPr>
-        <p:spPr/>
-        <p:txBody>
-          <a:bodyPr/>
-          <a:lstStyle/>
-          <a:p>
-            <a:endParaRPr lang="en-US"/>
-          </a:p>
-        </p:txBody>
-      </p:sp>
+        </p:nvGraphicFramePr>
+        <p:xfrm>
+          <a:off x="287286" y="942671"/>
+          <a:ext cx="8558088" cy="3912221"/>
+        </p:xfrm>
+        <a:graphic>
+          <a:graphicData uri="http://schemas.openxmlformats.org/drawingml/2006/table">
+            <a:tbl>
+              <a:tblPr firstRow="1" bandRow="1">
+                <a:tableStyleId>{2D5ABB26-0587-4C30-8999-92F81FD0307C}</a:tableStyleId>
+              </a:tblPr>
+              <a:tblGrid>
+                <a:gridCol w="2852696"/>
+                <a:gridCol w="2852696"/>
+                <a:gridCol w="2852696"/>
+              </a:tblGrid>
+              <a:tr h="572554">
+                <a:tc>
+                  <a:txBody>
+                    <a:bodyPr/>
+                    <a:lstStyle/>
+                    <a:p>
+                      <a:pPr algn="ctr"/>
+                      <a:r>
+                        <a:rPr lang="en-US" dirty="0" smtClean="0"/>
+                        <a:t>JVM</a:t>
+                      </a:r>
+                      <a:endParaRPr lang="en-US" dirty="0"/>
+                    </a:p>
+                  </a:txBody>
+                  <a:tcPr/>
+                </a:tc>
+                <a:tc>
+                  <a:txBody>
+                    <a:bodyPr/>
+                    <a:lstStyle/>
+                    <a:p>
+                      <a:r>
+                        <a:rPr lang="en-US" dirty="0" smtClean="0"/>
+                        <a:t>Default Memory Used (MB)</a:t>
+                      </a:r>
+                    </a:p>
+                    <a:p>
+                      <a:endParaRPr lang="en-US" dirty="0"/>
+                    </a:p>
+                  </a:txBody>
+                  <a:tcPr/>
+                </a:tc>
+                <a:tc>
+                  <a:txBody>
+                    <a:bodyPr/>
+                    <a:lstStyle/>
+                    <a:p>
+                      <a:r>
+                        <a:rPr lang="en-US" dirty="0" smtClean="0"/>
+                        <a:t>Memory Used for 8</a:t>
+                      </a:r>
+                      <a:r>
+                        <a:rPr lang="en-US" baseline="0" dirty="0" smtClean="0"/>
+                        <a:t> Processors</a:t>
+                      </a:r>
+                      <a:endParaRPr lang="en-US" dirty="0"/>
+                    </a:p>
+                  </a:txBody>
+                  <a:tcPr/>
+                </a:tc>
+              </a:tr>
+              <a:tr h="572554">
+                <a:tc>
+                  <a:txBody>
+                    <a:bodyPr/>
+                    <a:lstStyle/>
+                    <a:p>
+                      <a:r>
+                        <a:rPr lang="en-US" dirty="0" smtClean="0"/>
+                        <a:t>Datanode</a:t>
+                      </a:r>
+                      <a:endParaRPr lang="en-US" dirty="0"/>
+                    </a:p>
+                  </a:txBody>
+                  <a:tcPr/>
+                </a:tc>
+                <a:tc>
+                  <a:txBody>
+                    <a:bodyPr/>
+                    <a:lstStyle/>
+                    <a:p>
+                      <a:r>
+                        <a:rPr lang="en-US" dirty="0" smtClean="0"/>
+                        <a:t>1,000</a:t>
+                      </a:r>
+                      <a:endParaRPr lang="en-US" dirty="0"/>
+                    </a:p>
+                  </a:txBody>
+                  <a:tcPr/>
+                </a:tc>
+                <a:tc>
+                  <a:txBody>
+                    <a:bodyPr/>
+                    <a:lstStyle/>
+                    <a:p>
+                      <a:r>
+                        <a:rPr lang="en-US" dirty="0" smtClean="0"/>
+                        <a:t>1,000</a:t>
+                      </a:r>
+                      <a:endParaRPr lang="en-US" dirty="0"/>
+                    </a:p>
+                  </a:txBody>
+                  <a:tcPr/>
+                </a:tc>
+              </a:tr>
+              <a:tr h="572554">
+                <a:tc>
+                  <a:txBody>
+                    <a:bodyPr/>
+                    <a:lstStyle/>
+                    <a:p>
+                      <a:r>
+                        <a:rPr lang="en-US" dirty="0" smtClean="0"/>
+                        <a:t>Tasktracker</a:t>
+                      </a:r>
+                      <a:endParaRPr lang="en-US" dirty="0"/>
+                    </a:p>
+                  </a:txBody>
+                  <a:tcPr/>
+                </a:tc>
+                <a:tc>
+                  <a:txBody>
+                    <a:bodyPr/>
+                    <a:lstStyle/>
+                    <a:p>
+                      <a:r>
+                        <a:rPr lang="en-US" dirty="0" smtClean="0"/>
+                        <a:t>1,000</a:t>
+                      </a:r>
+                      <a:endParaRPr lang="en-US" dirty="0"/>
+                    </a:p>
+                  </a:txBody>
+                  <a:tcPr/>
+                </a:tc>
+                <a:tc>
+                  <a:txBody>
+                    <a:bodyPr/>
+                    <a:lstStyle/>
+                    <a:p>
+                      <a:r>
+                        <a:rPr lang="en-US" dirty="0" smtClean="0"/>
+                        <a:t>1,000</a:t>
+                      </a:r>
+                      <a:endParaRPr lang="en-US" dirty="0"/>
+                    </a:p>
+                  </a:txBody>
+                  <a:tcPr/>
+                </a:tc>
+              </a:tr>
+              <a:tr h="572554">
+                <a:tc>
+                  <a:txBody>
+                    <a:bodyPr/>
+                    <a:lstStyle/>
+                    <a:p>
+                      <a:r>
+                        <a:rPr lang="en-US" dirty="0" smtClean="0"/>
+                        <a:t>Tasktracker Child</a:t>
+                      </a:r>
+                      <a:r>
+                        <a:rPr lang="en-US" baseline="0" dirty="0" smtClean="0"/>
+                        <a:t> Map Task</a:t>
+                      </a:r>
+                      <a:endParaRPr lang="en-US" dirty="0"/>
+                    </a:p>
+                  </a:txBody>
+                  <a:tcPr/>
+                </a:tc>
+                <a:tc>
+                  <a:txBody>
+                    <a:bodyPr/>
+                    <a:lstStyle/>
+                    <a:p>
+                      <a:r>
+                        <a:rPr lang="en-US" dirty="0" smtClean="0"/>
+                        <a:t>2x200</a:t>
+                      </a:r>
+                      <a:endParaRPr lang="en-US" dirty="0"/>
+                    </a:p>
+                  </a:txBody>
+                  <a:tcPr/>
+                </a:tc>
+                <a:tc>
+                  <a:txBody>
+                    <a:bodyPr/>
+                    <a:lstStyle/>
+                    <a:p>
+                      <a:pPr marL="0" marR="0" indent="0" algn="l" defTabSz="914400" rtl="0" eaLnBrk="1" fontAlgn="auto" latinLnBrk="0" hangingPunct="1">
+                        <a:lnSpc>
+                          <a:spcPct val="100000"/>
+                        </a:lnSpc>
+                        <a:spcBef>
+                          <a:spcPts val="0"/>
+                        </a:spcBef>
+                        <a:spcAft>
+                          <a:spcPts val="0"/>
+                        </a:spcAft>
+                        <a:buClrTx/>
+                        <a:buSzTx/>
+                        <a:buFontTx/>
+                        <a:buNone/>
+                        <a:tabLst/>
+                        <a:defRPr/>
+                      </a:pPr>
+                      <a:r>
+                        <a:rPr lang="en-US" dirty="0" smtClean="0"/>
+                        <a:t>7x400</a:t>
+                      </a:r>
+                    </a:p>
+                    <a:p>
+                      <a:endParaRPr lang="en-US" dirty="0"/>
+                    </a:p>
+                  </a:txBody>
+                  <a:tcPr/>
+                </a:tc>
+              </a:tr>
+              <a:tr h="572554">
+                <a:tc>
+                  <a:txBody>
+                    <a:bodyPr/>
+                    <a:lstStyle/>
+                    <a:p>
+                      <a:pPr marL="0" marR="0" indent="0" algn="l" defTabSz="914400" rtl="0" eaLnBrk="1" fontAlgn="auto" latinLnBrk="0" hangingPunct="1">
+                        <a:lnSpc>
+                          <a:spcPct val="100000"/>
+                        </a:lnSpc>
+                        <a:spcBef>
+                          <a:spcPts val="0"/>
+                        </a:spcBef>
+                        <a:spcAft>
+                          <a:spcPts val="0"/>
+                        </a:spcAft>
+                        <a:buClrTx/>
+                        <a:buSzTx/>
+                        <a:buFontTx/>
+                        <a:buNone/>
+                        <a:tabLst/>
+                        <a:defRPr/>
+                      </a:pPr>
+                      <a:r>
+                        <a:rPr lang="en-US" dirty="0" smtClean="0"/>
+                        <a:t>Tasktracker Child</a:t>
+                      </a:r>
+                      <a:r>
+                        <a:rPr lang="en-US" baseline="0" dirty="0" smtClean="0"/>
+                        <a:t> Reduce Task</a:t>
+                      </a:r>
+                      <a:endParaRPr lang="en-US" dirty="0" smtClean="0"/>
+                    </a:p>
+                    <a:p>
+                      <a:endParaRPr lang="en-US" dirty="0"/>
+                    </a:p>
+                  </a:txBody>
+                  <a:tcPr/>
+                </a:tc>
+                <a:tc>
+                  <a:txBody>
+                    <a:bodyPr/>
+                    <a:lstStyle/>
+                    <a:p>
+                      <a:pPr marL="0" marR="0" indent="0" algn="l" defTabSz="914400" rtl="0" eaLnBrk="1" fontAlgn="auto" latinLnBrk="0" hangingPunct="1">
+                        <a:lnSpc>
+                          <a:spcPct val="100000"/>
+                        </a:lnSpc>
+                        <a:spcBef>
+                          <a:spcPts val="0"/>
+                        </a:spcBef>
+                        <a:spcAft>
+                          <a:spcPts val="0"/>
+                        </a:spcAft>
+                        <a:buClrTx/>
+                        <a:buSzTx/>
+                        <a:buFontTx/>
+                        <a:buNone/>
+                        <a:tabLst/>
+                        <a:defRPr/>
+                      </a:pPr>
+                      <a:r>
+                        <a:rPr lang="en-US" dirty="0" smtClean="0"/>
+                        <a:t>2x200</a:t>
+                      </a:r>
+                    </a:p>
+                    <a:p>
+                      <a:endParaRPr lang="en-US" dirty="0"/>
+                    </a:p>
+                  </a:txBody>
+                  <a:tcPr/>
+                </a:tc>
+                <a:tc>
+                  <a:txBody>
+                    <a:bodyPr/>
+                    <a:lstStyle/>
+                    <a:p>
+                      <a:pPr marL="0" marR="0" indent="0" algn="l" defTabSz="914400" rtl="0" eaLnBrk="1" fontAlgn="auto" latinLnBrk="0" hangingPunct="1">
+                        <a:lnSpc>
+                          <a:spcPct val="100000"/>
+                        </a:lnSpc>
+                        <a:spcBef>
+                          <a:spcPts val="0"/>
+                        </a:spcBef>
+                        <a:spcAft>
+                          <a:spcPts val="0"/>
+                        </a:spcAft>
+                        <a:buClrTx/>
+                        <a:buSzTx/>
+                        <a:buFontTx/>
+                        <a:buNone/>
+                        <a:tabLst/>
+                        <a:defRPr/>
+                      </a:pPr>
+                      <a:r>
+                        <a:rPr lang="en-US" dirty="0" smtClean="0"/>
+                        <a:t>7x400</a:t>
+                      </a:r>
+                    </a:p>
+                    <a:p>
+                      <a:endParaRPr lang="en-US" dirty="0"/>
+                    </a:p>
+                  </a:txBody>
+                  <a:tcPr/>
+                </a:tc>
+              </a:tr>
+              <a:tr h="572554">
+                <a:tc>
+                  <a:txBody>
+                    <a:bodyPr/>
+                    <a:lstStyle/>
+                    <a:p>
+                      <a:r>
+                        <a:rPr lang="en-US" dirty="0" smtClean="0"/>
+                        <a:t>Total</a:t>
+                      </a:r>
+                      <a:endParaRPr lang="en-US" dirty="0"/>
+                    </a:p>
+                  </a:txBody>
+                  <a:tcPr/>
+                </a:tc>
+                <a:tc>
+                  <a:txBody>
+                    <a:bodyPr/>
+                    <a:lstStyle/>
+                    <a:p>
+                      <a:r>
+                        <a:rPr lang="en-US" dirty="0" smtClean="0"/>
+                        <a:t>2,800</a:t>
+                      </a:r>
+                      <a:endParaRPr lang="en-US" dirty="0"/>
+                    </a:p>
+                  </a:txBody>
+                  <a:tcPr/>
+                </a:tc>
+                <a:tc>
+                  <a:txBody>
+                    <a:bodyPr/>
+                    <a:lstStyle/>
+                    <a:p>
+                      <a:r>
+                        <a:rPr lang="en-US" dirty="0" smtClean="0"/>
+                        <a:t>7,600</a:t>
+                      </a:r>
+                      <a:endParaRPr lang="en-US" dirty="0"/>
+                    </a:p>
+                  </a:txBody>
+                  <a:tcPr/>
+                </a:tc>
+              </a:tr>
+            </a:tbl>
+          </a:graphicData>
+        </a:graphic>
+      </p:graphicFrame>
     </p:spTree>
     <p:extLst>
       <p:ext uri="{BB962C8B-B14F-4D97-AF65-F5344CB8AC3E}">
-        <p14:creationId xmlns:p14="http://schemas.microsoft.com/office/powerpoint/2010/main" val="921940227"/>
+        <p14:creationId xmlns:p14="http://schemas.microsoft.com/office/powerpoint/2010/main" val="2685657611"/>
       </p:ext>
     </p:extLst>
   </p:cSld>
@@ -12352,7 +12963,7 @@
           <a:p>
             <a:r>
               <a:rPr lang="en-US" sz="6000" dirty="0" smtClean="0"/>
-              <a:t>conclusions</a:t>
+              <a:t>Testing</a:t>
             </a:r>
             <a:endParaRPr lang="en-US" sz="6000" dirty="0"/>
           </a:p>
@@ -12382,7 +12993,15 @@
           <a:p>
             <a:r>
               <a:rPr lang="en-US" sz="2400" spc="0" dirty="0" smtClean="0"/>
-              <a:t>The hog team</a:t>
+              <a:t>Jason </a:t>
+            </a:r>
+            <a:r>
+              <a:rPr lang="en-US" sz="2400" spc="0" dirty="0" err="1" smtClean="0"/>
+              <a:t>halpern</a:t>
+            </a:r>
+            <a:r>
+              <a:rPr lang="en-US" sz="2400" spc="0" dirty="0" smtClean="0"/>
+              <a:t> (testing/validation)</a:t>
             </a:r>
             <a:endParaRPr lang="en-US" sz="2400" spc="0" dirty="0"/>
           </a:p>
@@ -12391,7 +13010,7 @@
     </p:spTree>
     <p:extLst>
       <p:ext uri="{BB962C8B-B14F-4D97-AF65-F5344CB8AC3E}">
-        <p14:creationId xmlns:p14="http://schemas.microsoft.com/office/powerpoint/2010/main" val="3601372676"/>
+        <p14:creationId xmlns:p14="http://schemas.microsoft.com/office/powerpoint/2010/main" val="720806030"/>
       </p:ext>
     </p:extLst>
   </p:cSld>
@@ -12427,6 +13046,1106 @@
       </p:grpSpPr>
       <p:sp>
         <p:nvSpPr>
+          <p:cNvPr id="4" name="Title 3"/>
+          <p:cNvSpPr>
+            <a:spLocks noGrp="1"/>
+          </p:cNvSpPr>
+          <p:nvPr>
+            <p:ph type="title"/>
+          </p:nvPr>
+        </p:nvSpPr>
+        <p:spPr>
+          <a:xfrm>
+            <a:off x="457200" y="129498"/>
+            <a:ext cx="8229600" cy="1143000"/>
+          </a:xfrm>
+        </p:spPr>
+        <p:txBody>
+          <a:bodyPr/>
+          <a:lstStyle/>
+          <a:p>
+            <a:r>
+              <a:rPr lang="en-US" dirty="0"/>
+              <a:t>Iterative Testing </a:t>
+            </a:r>
+            <a:r>
+              <a:rPr lang="en-US" dirty="0" smtClean="0"/>
+              <a:t>Cycle</a:t>
+            </a:r>
+            <a:endParaRPr lang="en-US" dirty="0"/>
+          </a:p>
+        </p:txBody>
+      </p:sp>
+      <p:sp>
+        <p:nvSpPr>
+          <p:cNvPr id="2" name="TextBox 1"/>
+          <p:cNvSpPr txBox="1"/>
+          <p:nvPr/>
+        </p:nvSpPr>
+        <p:spPr>
+          <a:xfrm>
+            <a:off x="457200" y="1087832"/>
+            <a:ext cx="5993949" cy="2277547"/>
+          </a:xfrm>
+          <a:prstGeom prst="rect">
+            <a:avLst/>
+          </a:prstGeom>
+          <a:noFill/>
+        </p:spPr>
+        <p:txBody>
+          <a:bodyPr wrap="none" rtlCol="0">
+            <a:spAutoFit/>
+          </a:bodyPr>
+          <a:lstStyle/>
+          <a:p>
+            <a:pPr marL="285750" indent="-285750">
+              <a:buFont typeface="Arial"/>
+              <a:buChar char="•"/>
+            </a:pPr>
+            <a:r>
+              <a:rPr lang="en-US" sz="2200" dirty="0" smtClean="0"/>
+              <a:t>White Box Tests</a:t>
+            </a:r>
+          </a:p>
+          <a:p>
+            <a:pPr marL="742950" lvl="1" indent="-285750">
+              <a:buFont typeface="Arial"/>
+              <a:buChar char="•"/>
+            </a:pPr>
+            <a:r>
+              <a:rPr lang="en-US" dirty="0"/>
+              <a:t>T</a:t>
+            </a:r>
+            <a:r>
+              <a:rPr lang="en-US" dirty="0" smtClean="0"/>
+              <a:t>est </a:t>
+            </a:r>
+            <a:r>
+              <a:rPr lang="en-US" dirty="0"/>
+              <a:t>I</a:t>
+            </a:r>
+            <a:r>
+              <a:rPr lang="en-US" dirty="0" smtClean="0"/>
+              <a:t>nternal </a:t>
+            </a:r>
+            <a:r>
+              <a:rPr lang="en-US" dirty="0"/>
+              <a:t>S</a:t>
+            </a:r>
+            <a:r>
+              <a:rPr lang="en-US" dirty="0" smtClean="0"/>
+              <a:t>tructures</a:t>
+            </a:r>
+            <a:r>
+              <a:rPr lang="en-US" dirty="0"/>
+              <a:t>: token streams, nodes, ASTs </a:t>
+            </a:r>
+          </a:p>
+          <a:p>
+            <a:pPr marL="285750" indent="-285750">
+              <a:buFont typeface="Arial"/>
+              <a:buChar char="•"/>
+            </a:pPr>
+            <a:r>
+              <a:rPr lang="en-US" sz="2200" dirty="0" smtClean="0"/>
+              <a:t>Black Box </a:t>
+            </a:r>
+            <a:r>
+              <a:rPr lang="en-US" sz="2200" dirty="0"/>
+              <a:t>Tests</a:t>
+            </a:r>
+          </a:p>
+          <a:p>
+            <a:pPr marL="742950" lvl="1" indent="-285750">
+              <a:buFont typeface="Arial"/>
+              <a:buChar char="•"/>
+            </a:pPr>
+            <a:r>
+              <a:rPr lang="en-US" dirty="0"/>
+              <a:t>Test </a:t>
+            </a:r>
+            <a:r>
+              <a:rPr lang="en-US" dirty="0" smtClean="0"/>
+              <a:t>Functionality</a:t>
+            </a:r>
+          </a:p>
+          <a:p>
+            <a:pPr marL="285750" indent="-285750">
+              <a:buFont typeface="Arial"/>
+              <a:buChar char="•"/>
+            </a:pPr>
+            <a:r>
+              <a:rPr lang="en-US" sz="2200" dirty="0" smtClean="0"/>
+              <a:t>Six Phases of Unit Testing</a:t>
+            </a:r>
+          </a:p>
+          <a:p>
+            <a:endParaRPr lang="en-US" dirty="0"/>
+          </a:p>
+          <a:p>
+            <a:endParaRPr lang="en-US" sz="2200" dirty="0"/>
+          </a:p>
+        </p:txBody>
+      </p:sp>
+      <p:sp>
+        <p:nvSpPr>
+          <p:cNvPr id="29" name="Rectangle 28"/>
+          <p:cNvSpPr/>
+          <p:nvPr/>
+        </p:nvSpPr>
+        <p:spPr>
+          <a:xfrm>
+            <a:off x="580573" y="2949263"/>
+            <a:ext cx="2026101" cy="600372"/>
+          </a:xfrm>
+          <a:prstGeom prst="rect">
+            <a:avLst/>
+          </a:prstGeom>
+          <a:ln/>
+        </p:spPr>
+        <p:style>
+          <a:lnRef idx="1">
+            <a:schemeClr val="accent1"/>
+          </a:lnRef>
+          <a:fillRef idx="2">
+            <a:schemeClr val="accent1"/>
+          </a:fillRef>
+          <a:effectRef idx="1">
+            <a:schemeClr val="accent1"/>
+          </a:effectRef>
+          <a:fontRef idx="minor">
+            <a:schemeClr val="dk1"/>
+          </a:fontRef>
+        </p:style>
+        <p:txBody>
+          <a:bodyPr rtlCol="0" anchor="ctr"/>
+          <a:lstStyle/>
+          <a:p>
+            <a:pPr algn="ctr"/>
+            <a:r>
+              <a:rPr lang="en-US" sz="2000" dirty="0" err="1" smtClean="0">
+                <a:solidFill>
+                  <a:schemeClr val="tx1"/>
+                </a:solidFill>
+              </a:rPr>
+              <a:t>Lexer</a:t>
+            </a:r>
+            <a:r>
+              <a:rPr lang="en-US" sz="2000" dirty="0" smtClean="0">
+                <a:solidFill>
+                  <a:schemeClr val="tx1"/>
+                </a:solidFill>
+              </a:rPr>
+              <a:t> Testing</a:t>
+            </a:r>
+          </a:p>
+        </p:txBody>
+      </p:sp>
+      <p:sp>
+        <p:nvSpPr>
+          <p:cNvPr id="34" name="Rectangle 33"/>
+          <p:cNvSpPr/>
+          <p:nvPr/>
+        </p:nvSpPr>
+        <p:spPr>
+          <a:xfrm>
+            <a:off x="3559175" y="2932070"/>
+            <a:ext cx="1778000" cy="600372"/>
+          </a:xfrm>
+          <a:prstGeom prst="rect">
+            <a:avLst/>
+          </a:prstGeom>
+          <a:ln/>
+        </p:spPr>
+        <p:style>
+          <a:lnRef idx="1">
+            <a:schemeClr val="accent1"/>
+          </a:lnRef>
+          <a:fillRef idx="2">
+            <a:schemeClr val="accent1"/>
+          </a:fillRef>
+          <a:effectRef idx="1">
+            <a:schemeClr val="accent1"/>
+          </a:effectRef>
+          <a:fontRef idx="minor">
+            <a:schemeClr val="dk1"/>
+          </a:fontRef>
+        </p:style>
+        <p:txBody>
+          <a:bodyPr rtlCol="0" anchor="ctr"/>
+          <a:lstStyle/>
+          <a:p>
+            <a:pPr algn="ctr"/>
+            <a:r>
+              <a:rPr lang="en-US" sz="2000" dirty="0" smtClean="0">
+                <a:solidFill>
+                  <a:schemeClr val="tx1"/>
+                </a:solidFill>
+              </a:rPr>
+              <a:t>Parser Testing</a:t>
+            </a:r>
+          </a:p>
+        </p:txBody>
+      </p:sp>
+      <p:sp>
+        <p:nvSpPr>
+          <p:cNvPr id="35" name="Rectangle 34"/>
+          <p:cNvSpPr/>
+          <p:nvPr/>
+        </p:nvSpPr>
+        <p:spPr>
+          <a:xfrm>
+            <a:off x="6226175" y="2932070"/>
+            <a:ext cx="1778000" cy="600372"/>
+          </a:xfrm>
+          <a:prstGeom prst="rect">
+            <a:avLst/>
+          </a:prstGeom>
+          <a:ln/>
+        </p:spPr>
+        <p:style>
+          <a:lnRef idx="1">
+            <a:schemeClr val="accent1"/>
+          </a:lnRef>
+          <a:fillRef idx="2">
+            <a:schemeClr val="accent1"/>
+          </a:fillRef>
+          <a:effectRef idx="1">
+            <a:schemeClr val="accent1"/>
+          </a:effectRef>
+          <a:fontRef idx="minor">
+            <a:schemeClr val="dk1"/>
+          </a:fontRef>
+        </p:style>
+        <p:txBody>
+          <a:bodyPr rtlCol="0" anchor="ctr"/>
+          <a:lstStyle/>
+          <a:p>
+            <a:pPr algn="ctr"/>
+            <a:r>
+              <a:rPr lang="en-US" sz="2000" dirty="0" smtClean="0">
+                <a:solidFill>
+                  <a:schemeClr val="tx1"/>
+                </a:solidFill>
+              </a:rPr>
+              <a:t>AST Testing</a:t>
+            </a:r>
+          </a:p>
+        </p:txBody>
+      </p:sp>
+      <p:cxnSp>
+        <p:nvCxnSpPr>
+          <p:cNvPr id="36" name="Straight Arrow Connector 35"/>
+          <p:cNvCxnSpPr/>
+          <p:nvPr/>
+        </p:nvCxnSpPr>
+        <p:spPr>
+          <a:xfrm>
+            <a:off x="5337175" y="3232256"/>
+            <a:ext cx="889000" cy="0"/>
+          </a:xfrm>
+          <a:prstGeom prst="straightConnector1">
+            <a:avLst/>
+          </a:prstGeom>
+          <a:ln w="28575">
+            <a:solidFill>
+              <a:schemeClr val="tx1">
+                <a:lumMod val="75000"/>
+                <a:lumOff val="25000"/>
+              </a:schemeClr>
+            </a:solidFill>
+            <a:tailEnd type="arrow"/>
+          </a:ln>
+        </p:spPr>
+        <p:style>
+          <a:lnRef idx="1">
+            <a:schemeClr val="accent1"/>
+          </a:lnRef>
+          <a:fillRef idx="0">
+            <a:schemeClr val="accent1"/>
+          </a:fillRef>
+          <a:effectRef idx="0">
+            <a:schemeClr val="accent1"/>
+          </a:effectRef>
+          <a:fontRef idx="minor">
+            <a:schemeClr val="tx1"/>
+          </a:fontRef>
+        </p:style>
+      </p:cxnSp>
+      <p:sp>
+        <p:nvSpPr>
+          <p:cNvPr id="38" name="Rectangle 37"/>
+          <p:cNvSpPr/>
+          <p:nvPr/>
+        </p:nvSpPr>
+        <p:spPr>
+          <a:xfrm>
+            <a:off x="3559175" y="3989642"/>
+            <a:ext cx="1778000" cy="600372"/>
+          </a:xfrm>
+          <a:prstGeom prst="rect">
+            <a:avLst/>
+          </a:prstGeom>
+          <a:ln/>
+        </p:spPr>
+        <p:style>
+          <a:lnRef idx="1">
+            <a:schemeClr val="accent1"/>
+          </a:lnRef>
+          <a:fillRef idx="2">
+            <a:schemeClr val="accent1"/>
+          </a:fillRef>
+          <a:effectRef idx="1">
+            <a:schemeClr val="accent1"/>
+          </a:effectRef>
+          <a:fontRef idx="minor">
+            <a:schemeClr val="dk1"/>
+          </a:fontRef>
+        </p:style>
+        <p:txBody>
+          <a:bodyPr rtlCol="0" anchor="ctr"/>
+          <a:lstStyle/>
+          <a:p>
+            <a:pPr algn="ctr"/>
+            <a:r>
+              <a:rPr lang="en-US" sz="2000" dirty="0" smtClean="0">
+                <a:solidFill>
+                  <a:schemeClr val="tx1"/>
+                </a:solidFill>
+              </a:rPr>
+              <a:t>Symbol Table Testing</a:t>
+            </a:r>
+          </a:p>
+        </p:txBody>
+      </p:sp>
+      <p:sp>
+        <p:nvSpPr>
+          <p:cNvPr id="39" name="Rectangle 38"/>
+          <p:cNvSpPr/>
+          <p:nvPr/>
+        </p:nvSpPr>
+        <p:spPr>
+          <a:xfrm>
+            <a:off x="6226175" y="3989642"/>
+            <a:ext cx="1778000" cy="600372"/>
+          </a:xfrm>
+          <a:prstGeom prst="rect">
+            <a:avLst/>
+          </a:prstGeom>
+          <a:ln/>
+        </p:spPr>
+        <p:style>
+          <a:lnRef idx="1">
+            <a:schemeClr val="accent1"/>
+          </a:lnRef>
+          <a:fillRef idx="2">
+            <a:schemeClr val="accent1"/>
+          </a:fillRef>
+          <a:effectRef idx="1">
+            <a:schemeClr val="accent1"/>
+          </a:effectRef>
+          <a:fontRef idx="minor">
+            <a:schemeClr val="dk1"/>
+          </a:fontRef>
+        </p:style>
+        <p:txBody>
+          <a:bodyPr rtlCol="0" anchor="ctr"/>
+          <a:lstStyle/>
+          <a:p>
+            <a:pPr algn="ctr"/>
+            <a:r>
+              <a:rPr lang="en-US" sz="2000" dirty="0" smtClean="0">
+                <a:solidFill>
+                  <a:schemeClr val="tx1"/>
+                </a:solidFill>
+              </a:rPr>
+              <a:t>Type Checking Testing</a:t>
+            </a:r>
+          </a:p>
+        </p:txBody>
+      </p:sp>
+      <p:sp>
+        <p:nvSpPr>
+          <p:cNvPr id="40" name="Rectangle 39"/>
+          <p:cNvSpPr/>
+          <p:nvPr/>
+        </p:nvSpPr>
+        <p:spPr>
+          <a:xfrm>
+            <a:off x="580574" y="3989642"/>
+            <a:ext cx="2026101" cy="600372"/>
+          </a:xfrm>
+          <a:prstGeom prst="rect">
+            <a:avLst/>
+          </a:prstGeom>
+          <a:ln/>
+        </p:spPr>
+        <p:style>
+          <a:lnRef idx="1">
+            <a:schemeClr val="accent1"/>
+          </a:lnRef>
+          <a:fillRef idx="2">
+            <a:schemeClr val="accent1"/>
+          </a:fillRef>
+          <a:effectRef idx="1">
+            <a:schemeClr val="accent1"/>
+          </a:effectRef>
+          <a:fontRef idx="minor">
+            <a:schemeClr val="dk1"/>
+          </a:fontRef>
+        </p:style>
+        <p:txBody>
+          <a:bodyPr rtlCol="0" anchor="ctr"/>
+          <a:lstStyle/>
+          <a:p>
+            <a:pPr algn="ctr"/>
+            <a:r>
+              <a:rPr lang="en-US" sz="2000" dirty="0" smtClean="0">
+                <a:solidFill>
+                  <a:schemeClr val="tx1"/>
+                </a:solidFill>
+              </a:rPr>
+              <a:t>Code Generation</a:t>
+            </a:r>
+          </a:p>
+          <a:p>
+            <a:pPr algn="ctr"/>
+            <a:r>
+              <a:rPr lang="en-US" sz="2000" dirty="0" smtClean="0">
+                <a:solidFill>
+                  <a:schemeClr val="tx1"/>
+                </a:solidFill>
+              </a:rPr>
+              <a:t>Testing</a:t>
+            </a:r>
+          </a:p>
+        </p:txBody>
+      </p:sp>
+      <p:cxnSp>
+        <p:nvCxnSpPr>
+          <p:cNvPr id="44" name="Straight Arrow Connector 43"/>
+          <p:cNvCxnSpPr>
+            <a:endCxn id="34" idx="1"/>
+          </p:cNvCxnSpPr>
+          <p:nvPr/>
+        </p:nvCxnSpPr>
+        <p:spPr>
+          <a:xfrm>
+            <a:off x="2606675" y="3219662"/>
+            <a:ext cx="952500" cy="12594"/>
+          </a:xfrm>
+          <a:prstGeom prst="straightConnector1">
+            <a:avLst/>
+          </a:prstGeom>
+          <a:ln w="28575">
+            <a:solidFill>
+              <a:schemeClr val="tx1">
+                <a:lumMod val="75000"/>
+                <a:lumOff val="25000"/>
+              </a:schemeClr>
+            </a:solidFill>
+            <a:tailEnd type="arrow"/>
+          </a:ln>
+        </p:spPr>
+        <p:style>
+          <a:lnRef idx="1">
+            <a:schemeClr val="accent1"/>
+          </a:lnRef>
+          <a:fillRef idx="0">
+            <a:schemeClr val="accent1"/>
+          </a:fillRef>
+          <a:effectRef idx="0">
+            <a:schemeClr val="accent1"/>
+          </a:effectRef>
+          <a:fontRef idx="minor">
+            <a:schemeClr val="tx1"/>
+          </a:fontRef>
+        </p:style>
+      </p:cxnSp>
+      <p:cxnSp>
+        <p:nvCxnSpPr>
+          <p:cNvPr id="46" name="Straight Arrow Connector 45"/>
+          <p:cNvCxnSpPr/>
+          <p:nvPr/>
+        </p:nvCxnSpPr>
+        <p:spPr>
+          <a:xfrm flipH="1">
+            <a:off x="7156448" y="3549635"/>
+            <a:ext cx="1" cy="440007"/>
+          </a:xfrm>
+          <a:prstGeom prst="straightConnector1">
+            <a:avLst/>
+          </a:prstGeom>
+          <a:ln w="28575">
+            <a:solidFill>
+              <a:schemeClr val="tx1">
+                <a:lumMod val="75000"/>
+                <a:lumOff val="25000"/>
+              </a:schemeClr>
+            </a:solidFill>
+            <a:tailEnd type="arrow"/>
+          </a:ln>
+        </p:spPr>
+        <p:style>
+          <a:lnRef idx="1">
+            <a:schemeClr val="accent1"/>
+          </a:lnRef>
+          <a:fillRef idx="0">
+            <a:schemeClr val="accent1"/>
+          </a:fillRef>
+          <a:effectRef idx="0">
+            <a:schemeClr val="accent1"/>
+          </a:effectRef>
+          <a:fontRef idx="minor">
+            <a:schemeClr val="tx1"/>
+          </a:fontRef>
+        </p:style>
+      </p:cxnSp>
+      <p:cxnSp>
+        <p:nvCxnSpPr>
+          <p:cNvPr id="50" name="Straight Arrow Connector 49"/>
+          <p:cNvCxnSpPr/>
+          <p:nvPr/>
+        </p:nvCxnSpPr>
+        <p:spPr>
+          <a:xfrm rot="10800000">
+            <a:off x="5337175" y="4289531"/>
+            <a:ext cx="889000" cy="0"/>
+          </a:xfrm>
+          <a:prstGeom prst="straightConnector1">
+            <a:avLst/>
+          </a:prstGeom>
+          <a:ln w="28575">
+            <a:solidFill>
+              <a:schemeClr val="tx1">
+                <a:lumMod val="75000"/>
+                <a:lumOff val="25000"/>
+              </a:schemeClr>
+            </a:solidFill>
+            <a:tailEnd type="arrow"/>
+          </a:ln>
+        </p:spPr>
+        <p:style>
+          <a:lnRef idx="1">
+            <a:schemeClr val="accent1"/>
+          </a:lnRef>
+          <a:fillRef idx="0">
+            <a:schemeClr val="accent1"/>
+          </a:fillRef>
+          <a:effectRef idx="0">
+            <a:schemeClr val="accent1"/>
+          </a:effectRef>
+          <a:fontRef idx="minor">
+            <a:schemeClr val="tx1"/>
+          </a:fontRef>
+        </p:style>
+      </p:cxnSp>
+      <p:cxnSp>
+        <p:nvCxnSpPr>
+          <p:cNvPr id="51" name="Straight Arrow Connector 50"/>
+          <p:cNvCxnSpPr>
+            <a:stCxn id="38" idx="1"/>
+          </p:cNvCxnSpPr>
+          <p:nvPr/>
+        </p:nvCxnSpPr>
+        <p:spPr>
+          <a:xfrm flipH="1" flipV="1">
+            <a:off x="2606674" y="4286462"/>
+            <a:ext cx="952501" cy="3366"/>
+          </a:xfrm>
+          <a:prstGeom prst="straightConnector1">
+            <a:avLst/>
+          </a:prstGeom>
+          <a:ln w="28575">
+            <a:solidFill>
+              <a:schemeClr val="tx1">
+                <a:lumMod val="75000"/>
+                <a:lumOff val="25000"/>
+              </a:schemeClr>
+            </a:solidFill>
+            <a:tailEnd type="arrow"/>
+          </a:ln>
+        </p:spPr>
+        <p:style>
+          <a:lnRef idx="1">
+            <a:schemeClr val="accent1"/>
+          </a:lnRef>
+          <a:fillRef idx="0">
+            <a:schemeClr val="accent1"/>
+          </a:fillRef>
+          <a:effectRef idx="0">
+            <a:schemeClr val="accent1"/>
+          </a:effectRef>
+          <a:fontRef idx="minor">
+            <a:schemeClr val="tx1"/>
+          </a:fontRef>
+        </p:style>
+      </p:cxnSp>
+    </p:spTree>
+    <p:extLst>
+      <p:ext uri="{BB962C8B-B14F-4D97-AF65-F5344CB8AC3E}">
+        <p14:creationId xmlns:p14="http://schemas.microsoft.com/office/powerpoint/2010/main" val="1354366150"/>
+      </p:ext>
+    </p:extLst>
+  </p:cSld>
+  <p:clrMapOvr>
+    <a:masterClrMapping/>
+  </p:clrMapOvr>
+  <p:timing>
+    <p:tnLst>
+      <p:par>
+        <p:cTn xmlns:p14="http://schemas.microsoft.com/office/powerpoint/2010/main" id="1" dur="indefinite" restart="never" nodeType="tmRoot"/>
+      </p:par>
+    </p:tnLst>
+  </p:timing>
+</p:sld>
+</file>
+
+<file path=ppt/slides/slide23.xml><?xml version="1.0" encoding="utf-8"?>
+<p:sld xmlns:a="http://schemas.openxmlformats.org/drawingml/2006/main" xmlns:r="http://schemas.openxmlformats.org/officeDocument/2006/relationships" xmlns:p="http://schemas.openxmlformats.org/presentationml/2006/main">
+  <p:cSld>
+    <p:spTree>
+      <p:nvGrpSpPr>
+        <p:cNvPr id="1" name=""/>
+        <p:cNvGrpSpPr/>
+        <p:nvPr/>
+      </p:nvGrpSpPr>
+      <p:grpSpPr>
+        <a:xfrm>
+          <a:off x="0" y="0"/>
+          <a:ext cx="0" cy="0"/>
+          <a:chOff x="0" y="0"/>
+          <a:chExt cx="0" cy="0"/>
+        </a:xfrm>
+      </p:grpSpPr>
+      <p:sp>
+        <p:nvSpPr>
+          <p:cNvPr id="4" name="Title 3"/>
+          <p:cNvSpPr>
+            <a:spLocks noGrp="1"/>
+          </p:cNvSpPr>
+          <p:nvPr>
+            <p:ph type="title"/>
+          </p:nvPr>
+        </p:nvSpPr>
+        <p:spPr>
+          <a:xfrm>
+            <a:off x="457200" y="129498"/>
+            <a:ext cx="8229600" cy="1143000"/>
+          </a:xfrm>
+        </p:spPr>
+        <p:txBody>
+          <a:bodyPr/>
+          <a:lstStyle/>
+          <a:p>
+            <a:r>
+              <a:rPr lang="en-US" dirty="0" smtClean="0"/>
+              <a:t>INTEGRATION TESTING</a:t>
+            </a:r>
+            <a:endParaRPr lang="en-US" dirty="0"/>
+          </a:p>
+        </p:txBody>
+      </p:sp>
+      <p:sp>
+        <p:nvSpPr>
+          <p:cNvPr id="2" name="TextBox 1"/>
+          <p:cNvSpPr txBox="1"/>
+          <p:nvPr/>
+        </p:nvSpPr>
+        <p:spPr>
+          <a:xfrm>
+            <a:off x="457200" y="1087832"/>
+            <a:ext cx="5468164" cy="4031873"/>
+          </a:xfrm>
+          <a:prstGeom prst="rect">
+            <a:avLst/>
+          </a:prstGeom>
+          <a:noFill/>
+        </p:spPr>
+        <p:txBody>
+          <a:bodyPr wrap="none" rtlCol="0">
+            <a:spAutoFit/>
+          </a:bodyPr>
+          <a:lstStyle/>
+          <a:p>
+            <a:pPr marL="285750" indent="-285750">
+              <a:buFont typeface="Arial"/>
+              <a:buChar char="•"/>
+            </a:pPr>
+            <a:r>
+              <a:rPr lang="en-US" sz="2400" dirty="0" smtClean="0"/>
+              <a:t>Sample </a:t>
+            </a:r>
+            <a:r>
+              <a:rPr lang="en-US" sz="2400" dirty="0"/>
+              <a:t>Programs </a:t>
+            </a:r>
+            <a:endParaRPr lang="en-US" sz="2400" dirty="0" smtClean="0"/>
+          </a:p>
+          <a:p>
+            <a:pPr marL="742950" lvl="1" indent="-285750">
+              <a:buFont typeface="Arial"/>
+              <a:buChar char="•"/>
+            </a:pPr>
+            <a:r>
+              <a:rPr lang="en-US" dirty="0" smtClean="0"/>
+              <a:t>Word Count</a:t>
+            </a:r>
+          </a:p>
+          <a:p>
+            <a:pPr marL="742950" lvl="1" indent="-285750">
+              <a:buFont typeface="Arial"/>
+              <a:buChar char="•"/>
+            </a:pPr>
+            <a:r>
+              <a:rPr lang="en-US" dirty="0" smtClean="0"/>
+              <a:t>Sort</a:t>
+            </a:r>
+          </a:p>
+          <a:p>
+            <a:pPr marL="742950" lvl="1" indent="-285750">
+              <a:buFont typeface="Arial"/>
+              <a:buChar char="•"/>
+            </a:pPr>
+            <a:r>
+              <a:rPr lang="en-US" dirty="0" smtClean="0"/>
+              <a:t>Log Processing</a:t>
+            </a:r>
+            <a:endParaRPr lang="en-US" dirty="0"/>
+          </a:p>
+          <a:p>
+            <a:pPr marL="285750" indent="-285750">
+              <a:buFont typeface="Arial"/>
+              <a:buChar char="•"/>
+            </a:pPr>
+            <a:r>
+              <a:rPr lang="en-US" sz="2400" dirty="0"/>
+              <a:t>Exception Handling and Errors </a:t>
+            </a:r>
+            <a:endParaRPr lang="en-US" sz="2400" dirty="0" smtClean="0"/>
+          </a:p>
+          <a:p>
+            <a:pPr marL="742950" lvl="1" indent="-285750">
+              <a:buFont typeface="Arial"/>
+              <a:buChar char="•"/>
+            </a:pPr>
+            <a:r>
+              <a:rPr lang="en-US" dirty="0" smtClean="0"/>
+              <a:t>Undeclared Variables</a:t>
+            </a:r>
+          </a:p>
+          <a:p>
+            <a:pPr marL="742950" lvl="1" indent="-285750">
+              <a:buFont typeface="Arial"/>
+              <a:buChar char="•"/>
+            </a:pPr>
+            <a:r>
+              <a:rPr lang="en-US" dirty="0" smtClean="0"/>
+              <a:t>Invalid Arguments</a:t>
+            </a:r>
+          </a:p>
+          <a:p>
+            <a:pPr marL="742950" lvl="1" indent="-285750">
+              <a:buFont typeface="Arial"/>
+              <a:buChar char="•"/>
+            </a:pPr>
+            <a:r>
+              <a:rPr lang="en-US" dirty="0" smtClean="0"/>
+              <a:t>Type Mismatch</a:t>
+            </a:r>
+          </a:p>
+          <a:p>
+            <a:pPr marL="285750" indent="-285750">
+              <a:buFont typeface="Arial"/>
+              <a:buChar char="•"/>
+            </a:pPr>
+            <a:r>
+              <a:rPr lang="en-US" sz="2400" dirty="0" smtClean="0"/>
+              <a:t>Testing on Amazon </a:t>
+            </a:r>
+            <a:r>
+              <a:rPr lang="en-US" sz="2400" dirty="0"/>
+              <a:t>Elastic </a:t>
+            </a:r>
+            <a:r>
+              <a:rPr lang="en-US" sz="2400" dirty="0" err="1"/>
+              <a:t>MapReduce</a:t>
+            </a:r>
+            <a:r>
+              <a:rPr lang="en-US" sz="2400" dirty="0"/>
+              <a:t> </a:t>
+            </a:r>
+            <a:endParaRPr lang="en-US" sz="2400" dirty="0" smtClean="0"/>
+          </a:p>
+          <a:p>
+            <a:pPr marL="742950" lvl="1" indent="-285750">
+              <a:buFont typeface="Arial"/>
+              <a:buChar char="•"/>
+            </a:pPr>
+            <a:r>
+              <a:rPr lang="en-US" dirty="0"/>
+              <a:t>Upload </a:t>
+            </a:r>
+            <a:r>
+              <a:rPr lang="en-US" dirty="0" smtClean="0"/>
+              <a:t>Compiled </a:t>
+            </a:r>
+            <a:r>
+              <a:rPr lang="en-US" dirty="0"/>
+              <a:t>J</a:t>
+            </a:r>
+            <a:r>
+              <a:rPr lang="en-US" dirty="0" smtClean="0"/>
+              <a:t>ar from Hog Program</a:t>
+            </a:r>
+          </a:p>
+          <a:p>
+            <a:pPr marL="742950" lvl="1" indent="-285750">
+              <a:buFont typeface="Arial"/>
+              <a:buChar char="•"/>
+            </a:pPr>
+            <a:r>
+              <a:rPr lang="en-US" dirty="0" smtClean="0"/>
+              <a:t>Create Job Flow and Launch </a:t>
+            </a:r>
+            <a:r>
+              <a:rPr lang="en-US" dirty="0"/>
+              <a:t>EC2 Instances </a:t>
+            </a:r>
+            <a:endParaRPr lang="en-US" dirty="0" smtClean="0"/>
+          </a:p>
+          <a:p>
+            <a:pPr marL="742950" lvl="1" indent="-285750">
+              <a:buFont typeface="Arial"/>
+              <a:buChar char="•"/>
+            </a:pPr>
+            <a:r>
+              <a:rPr lang="en-US" dirty="0"/>
+              <a:t>Analyze </a:t>
+            </a:r>
+            <a:r>
+              <a:rPr lang="en-US" dirty="0" smtClean="0"/>
+              <a:t>Output Files</a:t>
+            </a:r>
+          </a:p>
+          <a:p>
+            <a:endParaRPr lang="en-US" sz="2200" dirty="0"/>
+          </a:p>
+        </p:txBody>
+      </p:sp>
+    </p:spTree>
+    <p:extLst>
+      <p:ext uri="{BB962C8B-B14F-4D97-AF65-F5344CB8AC3E}">
+        <p14:creationId xmlns:p14="http://schemas.microsoft.com/office/powerpoint/2010/main" val="4118404798"/>
+      </p:ext>
+    </p:extLst>
+  </p:cSld>
+  <p:clrMapOvr>
+    <a:masterClrMapping/>
+  </p:clrMapOvr>
+  <p:timing>
+    <p:tnLst>
+      <p:par>
+        <p:cTn xmlns:p14="http://schemas.microsoft.com/office/powerpoint/2010/main" id="1" dur="indefinite" restart="never" nodeType="tmRoot"/>
+      </p:par>
+    </p:tnLst>
+  </p:timing>
+</p:sld>
+</file>
+
+<file path=ppt/slides/slide24.xml><?xml version="1.0" encoding="utf-8"?>
+<p:sld xmlns:a="http://schemas.openxmlformats.org/drawingml/2006/main" xmlns:r="http://schemas.openxmlformats.org/officeDocument/2006/relationships" xmlns:p="http://schemas.openxmlformats.org/presentationml/2006/main">
+  <p:cSld>
+    <p:spTree>
+      <p:nvGrpSpPr>
+        <p:cNvPr id="1" name=""/>
+        <p:cNvGrpSpPr/>
+        <p:nvPr/>
+      </p:nvGrpSpPr>
+      <p:grpSpPr>
+        <a:xfrm>
+          <a:off x="0" y="0"/>
+          <a:ext cx="0" cy="0"/>
+          <a:chOff x="0" y="0"/>
+          <a:chExt cx="0" cy="0"/>
+        </a:xfrm>
+      </p:grpSpPr>
+      <p:sp>
+        <p:nvSpPr>
+          <p:cNvPr id="2" name="Title 1"/>
+          <p:cNvSpPr>
+            <a:spLocks noGrp="1"/>
+          </p:cNvSpPr>
+          <p:nvPr>
+            <p:ph type="title"/>
+          </p:nvPr>
+        </p:nvSpPr>
+        <p:spPr/>
+        <p:txBody>
+          <a:bodyPr/>
+          <a:lstStyle/>
+          <a:p>
+            <a:r>
+              <a:rPr lang="en-US" sz="9600" dirty="0" smtClean="0"/>
+              <a:t>demo</a:t>
+            </a:r>
+            <a:endParaRPr lang="en-US" sz="9600" dirty="0"/>
+          </a:p>
+        </p:txBody>
+      </p:sp>
+      <p:sp>
+        <p:nvSpPr>
+          <p:cNvPr id="3" name="Text Placeholder 2"/>
+          <p:cNvSpPr>
+            <a:spLocks noGrp="1"/>
+          </p:cNvSpPr>
+          <p:nvPr>
+            <p:ph type="body" idx="1"/>
+          </p:nvPr>
+        </p:nvSpPr>
+        <p:spPr/>
+        <p:txBody>
+          <a:bodyPr/>
+          <a:lstStyle/>
+          <a:p>
+            <a:endParaRPr lang="en-US"/>
+          </a:p>
+        </p:txBody>
+      </p:sp>
+    </p:spTree>
+    <p:extLst>
+      <p:ext uri="{BB962C8B-B14F-4D97-AF65-F5344CB8AC3E}">
+        <p14:creationId xmlns:p14="http://schemas.microsoft.com/office/powerpoint/2010/main" val="921940227"/>
+      </p:ext>
+    </p:extLst>
+  </p:cSld>
+  <p:clrMapOvr>
+    <a:masterClrMapping/>
+  </p:clrMapOvr>
+  <p:timing>
+    <p:tnLst>
+      <p:par>
+        <p:cTn xmlns:p14="http://schemas.microsoft.com/office/powerpoint/2010/main" id="1" dur="indefinite" restart="never" nodeType="tmRoot"/>
+      </p:par>
+    </p:tnLst>
+  </p:timing>
+</p:sld>
+</file>
+
+<file path=ppt/slides/slide25.xml><?xml version="1.0" encoding="utf-8"?>
+<p:sld xmlns:a="http://schemas.openxmlformats.org/drawingml/2006/main" xmlns:r="http://schemas.openxmlformats.org/officeDocument/2006/relationships" xmlns:p="http://schemas.openxmlformats.org/presentationml/2006/main">
+  <p:cSld>
+    <p:spTree>
+      <p:nvGrpSpPr>
+        <p:cNvPr id="1" name=""/>
+        <p:cNvGrpSpPr/>
+        <p:nvPr/>
+      </p:nvGrpSpPr>
+      <p:grpSpPr>
+        <a:xfrm>
+          <a:off x="0" y="0"/>
+          <a:ext cx="0" cy="0"/>
+          <a:chOff x="0" y="0"/>
+          <a:chExt cx="0" cy="0"/>
+        </a:xfrm>
+      </p:grpSpPr>
+      <p:sp>
+        <p:nvSpPr>
+          <p:cNvPr id="2" name="Title 1"/>
+          <p:cNvSpPr>
+            <a:spLocks noGrp="1"/>
+          </p:cNvSpPr>
+          <p:nvPr>
+            <p:ph type="title"/>
+          </p:nvPr>
+        </p:nvSpPr>
+        <p:spPr>
+          <a:xfrm rot="19140000">
+            <a:off x="631242" y="1776157"/>
+            <a:ext cx="5650992" cy="1207509"/>
+          </a:xfrm>
+        </p:spPr>
+        <p:txBody>
+          <a:bodyPr/>
+          <a:lstStyle/>
+          <a:p>
+            <a:r>
+              <a:rPr lang="en-US" sz="6000" dirty="0" smtClean="0"/>
+              <a:t>conclusions</a:t>
+            </a:r>
+            <a:endParaRPr lang="en-US" sz="6000" dirty="0"/>
+          </a:p>
+        </p:txBody>
+      </p:sp>
+      <p:sp>
+        <p:nvSpPr>
+          <p:cNvPr id="3" name="Text Placeholder 2"/>
+          <p:cNvSpPr>
+            <a:spLocks noGrp="1"/>
+          </p:cNvSpPr>
+          <p:nvPr>
+            <p:ph type="body" idx="1"/>
+          </p:nvPr>
+        </p:nvSpPr>
+        <p:spPr>
+          <a:xfrm rot="19140000">
+            <a:off x="938448" y="2278221"/>
+            <a:ext cx="7240656" cy="329184"/>
+          </a:xfrm>
+        </p:spPr>
+        <p:txBody>
+          <a:bodyPr>
+            <a:noAutofit/>
+          </a:bodyPr>
+          <a:lstStyle/>
+          <a:p>
+            <a:r>
+              <a:rPr lang="en-US" sz="2400" spc="0" dirty="0" smtClean="0"/>
+              <a:t>The hog team</a:t>
+            </a:r>
+            <a:endParaRPr lang="en-US" sz="2400" spc="0" dirty="0"/>
+          </a:p>
+        </p:txBody>
+      </p:sp>
+    </p:spTree>
+    <p:extLst>
+      <p:ext uri="{BB962C8B-B14F-4D97-AF65-F5344CB8AC3E}">
+        <p14:creationId xmlns:p14="http://schemas.microsoft.com/office/powerpoint/2010/main" val="3601372676"/>
+      </p:ext>
+    </p:extLst>
+  </p:cSld>
+  <p:clrMapOvr>
+    <a:masterClrMapping/>
+  </p:clrMapOvr>
+  <p:timing>
+    <p:tnLst>
+      <p:par>
+        <p:cTn xmlns:p14="http://schemas.microsoft.com/office/powerpoint/2010/main" id="1" dur="indefinite" restart="never" nodeType="tmRoot"/>
+      </p:par>
+    </p:tnLst>
+  </p:timing>
+</p:sld>
+</file>
+
+<file path=ppt/slides/slide26.xml><?xml version="1.0" encoding="utf-8"?>
+<p:sld xmlns:a="http://schemas.openxmlformats.org/drawingml/2006/main" xmlns:r="http://schemas.openxmlformats.org/officeDocument/2006/relationships" xmlns:p="http://schemas.openxmlformats.org/presentationml/2006/main">
+  <p:cSld>
+    <p:spTree>
+      <p:nvGrpSpPr>
+        <p:cNvPr id="1" name=""/>
+        <p:cNvGrpSpPr/>
+        <p:nvPr/>
+      </p:nvGrpSpPr>
+      <p:grpSpPr>
+        <a:xfrm>
+          <a:off x="0" y="0"/>
+          <a:ext cx="0" cy="0"/>
+          <a:chOff x="0" y="0"/>
+          <a:chExt cx="0" cy="0"/>
+        </a:xfrm>
+      </p:grpSpPr>
+      <p:sp>
+        <p:nvSpPr>
           <p:cNvPr id="2" name="Title 1"/>
           <p:cNvSpPr>
             <a:spLocks noGrp="1"/>
@@ -12544,7 +14263,7 @@
 </p:sld>
 </file>
 
-<file path=ppt/slides/slide23.xml><?xml version="1.0" encoding="utf-8"?>
+<file path=ppt/slides/slide27.xml><?xml version="1.0" encoding="utf-8"?>
 <p:sld xmlns:a="http://schemas.openxmlformats.org/drawingml/2006/main" xmlns:r="http://schemas.openxmlformats.org/officeDocument/2006/relationships" xmlns:p="http://schemas.openxmlformats.org/presentationml/2006/main">
   <p:cSld>
     <p:spTree>
@@ -12670,6 +14389,298 @@
 </p:sld>
 </file>
 
+<file path=ppt/slides/slide28.xml><?xml version="1.0" encoding="utf-8"?>
+<p:sld xmlns:a="http://schemas.openxmlformats.org/drawingml/2006/main" xmlns:r="http://schemas.openxmlformats.org/officeDocument/2006/relationships" xmlns:p="http://schemas.openxmlformats.org/presentationml/2006/main">
+  <p:cSld>
+    <p:spTree>
+      <p:nvGrpSpPr>
+        <p:cNvPr id="1" name=""/>
+        <p:cNvGrpSpPr/>
+        <p:nvPr/>
+      </p:nvGrpSpPr>
+      <p:grpSpPr>
+        <a:xfrm>
+          <a:off x="0" y="0"/>
+          <a:ext cx="0" cy="0"/>
+          <a:chOff x="0" y="0"/>
+          <a:chExt cx="0" cy="0"/>
+        </a:xfrm>
+      </p:grpSpPr>
+      <p:sp>
+        <p:nvSpPr>
+          <p:cNvPr id="2" name="Title 1"/>
+          <p:cNvSpPr>
+            <a:spLocks noGrp="1"/>
+          </p:cNvSpPr>
+          <p:nvPr>
+            <p:ph type="title"/>
+          </p:nvPr>
+        </p:nvSpPr>
+        <p:spPr>
+          <a:xfrm>
+            <a:off x="747358" y="368683"/>
+            <a:ext cx="7520940" cy="548640"/>
+          </a:xfrm>
+        </p:spPr>
+        <p:txBody>
+          <a:bodyPr>
+            <a:normAutofit/>
+          </a:bodyPr>
+          <a:lstStyle/>
+          <a:p>
+            <a:r>
+              <a:rPr lang="en-US" dirty="0" smtClean="0"/>
+              <a:t>Hadoop Architecture</a:t>
+            </a:r>
+            <a:endParaRPr lang="en-US" dirty="0"/>
+          </a:p>
+        </p:txBody>
+      </p:sp>
+      <p:sp>
+        <p:nvSpPr>
+          <p:cNvPr id="3" name="Content Placeholder 2"/>
+          <p:cNvSpPr>
+            <a:spLocks noGrp="1"/>
+          </p:cNvSpPr>
+          <p:nvPr>
+            <p:ph idx="1"/>
+          </p:nvPr>
+        </p:nvSpPr>
+        <p:spPr/>
+        <p:txBody>
+          <a:bodyPr>
+            <a:normAutofit/>
+          </a:bodyPr>
+          <a:lstStyle/>
+          <a:p>
+            <a:pPr>
+              <a:buFont typeface="Arial"/>
+              <a:buChar char="•"/>
+            </a:pPr>
+            <a:r>
+              <a:rPr lang="en-US" sz="2400" dirty="0" smtClean="0"/>
+              <a:t>A small Hadoop cluster will include a single master and multiple worker nodes. </a:t>
+            </a:r>
+          </a:p>
+          <a:p>
+            <a:pPr>
+              <a:buFont typeface="Arial"/>
+              <a:buChar char="•"/>
+            </a:pPr>
+            <a:r>
+              <a:rPr lang="en-US" sz="2400" dirty="0" smtClean="0"/>
+              <a:t>Master Node – JobTracker, TaskTracker, NameNode, and DataNode</a:t>
+            </a:r>
+          </a:p>
+          <a:p>
+            <a:pPr>
+              <a:buFont typeface="Arial"/>
+              <a:buChar char="•"/>
+            </a:pPr>
+            <a:r>
+              <a:rPr lang="en-US" sz="2400" dirty="0" smtClean="0"/>
+              <a:t>DataNode – Sends blocks of data over the network using TCP/IP layer for communication; clients use RPC to communicate between each other. </a:t>
+            </a:r>
+          </a:p>
+          <a:p>
+            <a:pPr>
+              <a:buFont typeface="Arial"/>
+              <a:buChar char="•"/>
+            </a:pPr>
+            <a:r>
+              <a:rPr lang="en-US" sz="2400" dirty="0" smtClean="0"/>
+              <a:t>JobTracker – Sends MapReduce tasks to nodes</a:t>
+            </a:r>
+          </a:p>
+          <a:p>
+            <a:pPr>
+              <a:buFont typeface="Arial"/>
+              <a:buChar char="•"/>
+            </a:pPr>
+            <a:endParaRPr lang="en-US" sz="2400" dirty="0"/>
+          </a:p>
+          <a:p>
+            <a:pPr>
+              <a:buFont typeface="Arial"/>
+              <a:buChar char="•"/>
+            </a:pPr>
+            <a:endParaRPr lang="en-US" sz="2400" b="0" dirty="0" smtClean="0"/>
+          </a:p>
+          <a:p>
+            <a:pPr>
+              <a:buFont typeface="Arial"/>
+              <a:buChar char="•"/>
+            </a:pPr>
+            <a:endParaRPr lang="en-US" sz="2400" dirty="0"/>
+          </a:p>
+        </p:txBody>
+      </p:sp>
+    </p:spTree>
+    <p:extLst>
+      <p:ext uri="{BB962C8B-B14F-4D97-AF65-F5344CB8AC3E}">
+        <p14:creationId xmlns:p14="http://schemas.microsoft.com/office/powerpoint/2010/main" val="2237843696"/>
+      </p:ext>
+    </p:extLst>
+  </p:cSld>
+  <p:clrMapOvr>
+    <a:masterClrMapping/>
+  </p:clrMapOvr>
+  <p:timing>
+    <p:tnLst>
+      <p:par>
+        <p:cTn xmlns:p14="http://schemas.microsoft.com/office/powerpoint/2010/main" id="1" dur="indefinite" restart="never" nodeType="tmRoot"/>
+      </p:par>
+    </p:tnLst>
+  </p:timing>
+</p:sld>
+</file>
+
+<file path=ppt/slides/slide29.xml><?xml version="1.0" encoding="utf-8"?>
+<p:sld xmlns:a="http://schemas.openxmlformats.org/drawingml/2006/main" xmlns:r="http://schemas.openxmlformats.org/officeDocument/2006/relationships" xmlns:p="http://schemas.openxmlformats.org/presentationml/2006/main">
+  <p:cSld>
+    <p:spTree>
+      <p:nvGrpSpPr>
+        <p:cNvPr id="1" name=""/>
+        <p:cNvGrpSpPr/>
+        <p:nvPr/>
+      </p:nvGrpSpPr>
+      <p:grpSpPr>
+        <a:xfrm>
+          <a:off x="0" y="0"/>
+          <a:ext cx="0" cy="0"/>
+          <a:chOff x="0" y="0"/>
+          <a:chExt cx="0" cy="0"/>
+        </a:xfrm>
+      </p:grpSpPr>
+      <p:sp>
+        <p:nvSpPr>
+          <p:cNvPr id="2" name="Title 1"/>
+          <p:cNvSpPr>
+            <a:spLocks noGrp="1"/>
+          </p:cNvSpPr>
+          <p:nvPr>
+            <p:ph type="title"/>
+          </p:nvPr>
+        </p:nvSpPr>
+        <p:spPr>
+          <a:xfrm>
+            <a:off x="747358" y="368683"/>
+            <a:ext cx="7520940" cy="548640"/>
+          </a:xfrm>
+        </p:spPr>
+        <p:txBody>
+          <a:bodyPr>
+            <a:normAutofit/>
+          </a:bodyPr>
+          <a:lstStyle/>
+          <a:p>
+            <a:r>
+              <a:rPr lang="en-US" dirty="0" smtClean="0"/>
+              <a:t>Hadoop Architecture (Continued)</a:t>
+            </a:r>
+            <a:endParaRPr lang="en-US" dirty="0"/>
+          </a:p>
+        </p:txBody>
+      </p:sp>
+      <p:sp>
+        <p:nvSpPr>
+          <p:cNvPr id="3" name="Content Placeholder 2"/>
+          <p:cNvSpPr>
+            <a:spLocks noGrp="1"/>
+          </p:cNvSpPr>
+          <p:nvPr>
+            <p:ph idx="1"/>
+          </p:nvPr>
+        </p:nvSpPr>
+        <p:spPr/>
+        <p:txBody>
+          <a:bodyPr>
+            <a:normAutofit/>
+          </a:bodyPr>
+          <a:lstStyle/>
+          <a:p>
+            <a:pPr>
+              <a:buFont typeface="Arial"/>
+              <a:buChar char="•"/>
+            </a:pPr>
+            <a:r>
+              <a:rPr lang="en-US" sz="2400" dirty="0" smtClean="0"/>
+              <a:t>NameNode – Keeps the directory tree of all files in the file system, and trackers where  file data is kept.</a:t>
+            </a:r>
+          </a:p>
+          <a:p>
+            <a:pPr>
+              <a:buFont typeface="Arial"/>
+              <a:buChar char="•"/>
+            </a:pPr>
+            <a:r>
+              <a:rPr lang="en-US" sz="2400" dirty="0" smtClean="0"/>
+              <a:t>TaskTracker– A node in the cluster that accepts tasks.</a:t>
+            </a:r>
+          </a:p>
+          <a:p>
+            <a:pPr lvl="2">
+              <a:buFont typeface="Arial"/>
+              <a:buChar char="•"/>
+            </a:pPr>
+            <a:r>
+              <a:rPr lang="en-US" sz="2400" dirty="0" smtClean="0"/>
+              <a:t>The TaskTracker spawns separate JVM processes to do work to ensure process failure does not take down the task tracker.</a:t>
+            </a:r>
+          </a:p>
+          <a:p>
+            <a:pPr lvl="2">
+              <a:buFont typeface="Arial"/>
+              <a:buChar char="•"/>
+            </a:pPr>
+            <a:r>
+              <a:rPr lang="en-US" sz="2400" dirty="0" smtClean="0"/>
+              <a:t>When the process finishes, successfully or not, the tracker notifies the JobTracker.</a:t>
+            </a:r>
+          </a:p>
+          <a:p>
+            <a:pPr>
+              <a:buFont typeface="Arial"/>
+              <a:buChar char="•"/>
+            </a:pPr>
+            <a:endParaRPr lang="en-US" sz="2400" dirty="0"/>
+          </a:p>
+          <a:p>
+            <a:pPr>
+              <a:buFont typeface="Arial"/>
+              <a:buChar char="•"/>
+            </a:pPr>
+            <a:endParaRPr lang="en-US" sz="2400" b="0" dirty="0" smtClean="0"/>
+          </a:p>
+          <a:p>
+            <a:pPr>
+              <a:buFont typeface="Arial"/>
+              <a:buChar char="•"/>
+            </a:pPr>
+            <a:endParaRPr lang="en-US" sz="2400" dirty="0"/>
+          </a:p>
+        </p:txBody>
+      </p:sp>
+    </p:spTree>
+    <p:extLst>
+      <p:ext uri="{BB962C8B-B14F-4D97-AF65-F5344CB8AC3E}">
+        <p14:creationId xmlns:p14="http://schemas.microsoft.com/office/powerpoint/2010/main" val="2359677548"/>
+      </p:ext>
+    </p:extLst>
+  </p:cSld>
+  <p:clrMapOvr>
+    <a:masterClrMapping/>
+  </p:clrMapOvr>
+  <p:timing>
+    <p:tnLst>
+      <p:par>
+        <p:cTn xmlns:p14="http://schemas.microsoft.com/office/powerpoint/2010/main" id="1" dur="indefinite" restart="never" nodeType="tmRoot"/>
+      </p:par>
+    </p:tnLst>
+  </p:timing>
+</p:sld>
+</file>
+
 <file path=ppt/slides/slide3.xml><?xml version="1.0" encoding="utf-8"?>
 <p:sld xmlns:a="http://schemas.openxmlformats.org/drawingml/2006/main" xmlns:r="http://schemas.openxmlformats.org/officeDocument/2006/relationships" xmlns:p="http://schemas.openxmlformats.org/presentationml/2006/main">
   <p:cSld>
@@ -12749,6 +14760,148 @@
     <p:extLst>
       <p:ext uri="{BB962C8B-B14F-4D97-AF65-F5344CB8AC3E}">
         <p14:creationId xmlns:p14="http://schemas.microsoft.com/office/powerpoint/2010/main" val="4041799400"/>
+      </p:ext>
+    </p:extLst>
+  </p:cSld>
+  <p:clrMapOvr>
+    <a:masterClrMapping/>
+  </p:clrMapOvr>
+  <p:timing>
+    <p:tnLst>
+      <p:par>
+        <p:cTn xmlns:p14="http://schemas.microsoft.com/office/powerpoint/2010/main" id="1" dur="indefinite" restart="never" nodeType="tmRoot"/>
+      </p:par>
+    </p:tnLst>
+  </p:timing>
+</p:sld>
+</file>
+
+<file path=ppt/slides/slide30.xml><?xml version="1.0" encoding="utf-8"?>
+<p:sld xmlns:a="http://schemas.openxmlformats.org/drawingml/2006/main" xmlns:r="http://schemas.openxmlformats.org/officeDocument/2006/relationships" xmlns:p="http://schemas.openxmlformats.org/presentationml/2006/main">
+  <p:cSld>
+    <p:spTree>
+      <p:nvGrpSpPr>
+        <p:cNvPr id="1" name=""/>
+        <p:cNvGrpSpPr/>
+        <p:nvPr/>
+      </p:nvGrpSpPr>
+      <p:grpSpPr>
+        <a:xfrm>
+          <a:off x="0" y="0"/>
+          <a:ext cx="0" cy="0"/>
+          <a:chOff x="0" y="0"/>
+          <a:chExt cx="0" cy="0"/>
+        </a:xfrm>
+      </p:grpSpPr>
+      <p:sp>
+        <p:nvSpPr>
+          <p:cNvPr id="2" name="Title 1"/>
+          <p:cNvSpPr>
+            <a:spLocks noGrp="1"/>
+          </p:cNvSpPr>
+          <p:nvPr>
+            <p:ph type="title"/>
+          </p:nvPr>
+        </p:nvSpPr>
+        <p:spPr>
+          <a:xfrm>
+            <a:off x="747358" y="368683"/>
+            <a:ext cx="7520940" cy="548640"/>
+          </a:xfrm>
+        </p:spPr>
+        <p:txBody>
+          <a:bodyPr>
+            <a:normAutofit/>
+          </a:bodyPr>
+          <a:lstStyle/>
+          <a:p>
+            <a:r>
+              <a:rPr lang="en-US" dirty="0" smtClean="0"/>
+              <a:t>Performance Benefits</a:t>
+            </a:r>
+            <a:endParaRPr lang="en-US" dirty="0"/>
+          </a:p>
+        </p:txBody>
+      </p:sp>
+      <p:sp>
+        <p:nvSpPr>
+          <p:cNvPr id="3" name="Content Placeholder 2"/>
+          <p:cNvSpPr>
+            <a:spLocks noGrp="1"/>
+          </p:cNvSpPr>
+          <p:nvPr>
+            <p:ph idx="1"/>
+          </p:nvPr>
+        </p:nvSpPr>
+        <p:spPr/>
+        <p:txBody>
+          <a:bodyPr>
+            <a:normAutofit/>
+          </a:bodyPr>
+          <a:lstStyle/>
+          <a:p>
+            <a:pPr>
+              <a:buFont typeface="Arial"/>
+              <a:buChar char="•"/>
+            </a:pPr>
+            <a:r>
+              <a:rPr lang="en-US" sz="2400" dirty="0" smtClean="0"/>
+              <a:t>Improves CPU Utilization</a:t>
+            </a:r>
+          </a:p>
+          <a:p>
+            <a:pPr>
+              <a:buFont typeface="Arial"/>
+              <a:buChar char="•"/>
+            </a:pPr>
+            <a:r>
+              <a:rPr lang="en-US" sz="2400" dirty="0" smtClean="0"/>
+              <a:t>Node Failure Recovery</a:t>
+            </a:r>
+          </a:p>
+          <a:p>
+            <a:pPr>
+              <a:buFont typeface="Arial"/>
+              <a:buChar char="•"/>
+            </a:pPr>
+            <a:r>
+              <a:rPr lang="en-US" sz="2400" dirty="0" smtClean="0"/>
+              <a:t>Data Awareness</a:t>
+            </a:r>
+          </a:p>
+          <a:p>
+            <a:pPr>
+              <a:buFont typeface="Arial"/>
+              <a:buChar char="•"/>
+            </a:pPr>
+            <a:r>
+              <a:rPr lang="en-US" sz="2400" dirty="0" smtClean="0"/>
+              <a:t>Portability</a:t>
+            </a:r>
+          </a:p>
+          <a:p>
+            <a:pPr>
+              <a:buFont typeface="Arial"/>
+              <a:buChar char="•"/>
+            </a:pPr>
+            <a:r>
+              <a:rPr lang="en-US" sz="2400" dirty="0" smtClean="0"/>
+              <a:t>Six Scheduling Priorities</a:t>
+            </a:r>
+          </a:p>
+          <a:p>
+            <a:pPr>
+              <a:buFont typeface="Arial"/>
+              <a:buChar char="•"/>
+            </a:pPr>
+            <a:endParaRPr lang="en-US" sz="2400" dirty="0"/>
+          </a:p>
+        </p:txBody>
+      </p:sp>
+    </p:spTree>
+    <p:extLst>
+      <p:ext uri="{BB962C8B-B14F-4D97-AF65-F5344CB8AC3E}">
+        <p14:creationId xmlns:p14="http://schemas.microsoft.com/office/powerpoint/2010/main" val="3068858484"/>
       </p:ext>
     </p:extLst>
   </p:cSld>
@@ -12824,11 +14977,7 @@
           <a:p>
             <a:r>
               <a:rPr lang="en-US" sz="2400" b="1" cap="none" spc="0" dirty="0" smtClean="0"/>
-              <a:t>Say </a:t>
-            </a:r>
-            <a:r>
-              <a:rPr lang="en-US" sz="2400" b="1" cap="none" spc="0" dirty="0" smtClean="0"/>
-              <a:t>you’re…</a:t>
+              <a:t>Say you’re…</a:t>
             </a:r>
             <a:endParaRPr lang="en-US" sz="2400" b="1" cap="none" spc="0" dirty="0"/>
           </a:p>
@@ -12857,13 +15006,8 @@
             </a:pPr>
             <a:r>
               <a:rPr lang="en-US" dirty="0" smtClean="0"/>
-              <a:t>a corporation</a:t>
-            </a:r>
-            <a:r>
-              <a:rPr lang="en-US" dirty="0" smtClean="0"/>
-              <a:t>,</a:t>
-            </a:r>
-            <a:endParaRPr lang="en-US" dirty="0" smtClean="0"/>
+              <a:t>a corporation,</a:t>
+            </a:r>
           </a:p>
           <a:p>
             <a:pPr>
@@ -12878,7 +15022,6 @@
               <a:rPr lang="en-US" dirty="0" smtClean="0"/>
               <a:t>ith data from your mail server,</a:t>
             </a:r>
-            <a:endParaRPr lang="en-US" dirty="0" smtClean="0"/>
           </a:p>
           <a:p>
             <a:pPr>
@@ -12887,11 +15030,7 @@
             </a:pPr>
             <a:r>
               <a:rPr lang="en-US" dirty="0" smtClean="0"/>
-              <a:t>and </a:t>
-            </a:r>
-            <a:r>
-              <a:rPr lang="en-US" dirty="0" smtClean="0"/>
-              <a:t>you want to find out the average amount of time a client waits for a response…</a:t>
+              <a:t>and you want to find out the average amount of time a client waits for a response…</a:t>
             </a:r>
             <a:endParaRPr lang="en-US" dirty="0"/>
           </a:p>
@@ -15432,11 +17571,7 @@
           <a:p>
             <a:r>
               <a:rPr lang="en-US" dirty="0" smtClean="0"/>
-              <a:t>The simplest </a:t>
-            </a:r>
-            <a:r>
-              <a:rPr lang="en-US" dirty="0" smtClean="0"/>
-              <a:t>distributed sort</a:t>
+              <a:t>The simplest distributed sort</a:t>
             </a:r>
             <a:endParaRPr lang="en-US" dirty="0"/>
           </a:p>
@@ -15480,19 +17615,7 @@
             </a:pPr>
             <a:r>
               <a:rPr lang="en-US" dirty="0" smtClean="0"/>
-              <a:t>Read in </a:t>
-            </a:r>
-            <a:r>
-              <a:rPr lang="en-US" dirty="0" smtClean="0"/>
-              <a:t>giga</a:t>
-            </a:r>
-            <a:r>
-              <a:rPr lang="en-US" dirty="0" smtClean="0"/>
-              <a:t>bytes </a:t>
-            </a:r>
-            <a:r>
-              <a:rPr lang="en-US" dirty="0" smtClean="0"/>
-              <a:t>of data formatted as,</a:t>
+              <a:t>Read in gigabytes of data formatted as,</a:t>
             </a:r>
           </a:p>
           <a:p>
@@ -15529,15 +17652,7 @@
             </a:pPr>
             <a:r>
               <a:rPr lang="en-US" dirty="0" smtClean="0"/>
-              <a:t>Synchronize computation </a:t>
-            </a:r>
-            <a:r>
-              <a:rPr lang="en-US" dirty="0" smtClean="0"/>
-              <a:t>across multiple machines </a:t>
-            </a:r>
-            <a:r>
-              <a:rPr lang="en-US" dirty="0" smtClean="0"/>
-              <a:t>to sort and remove duplicate numbers,</a:t>
+              <a:t>Synchronize computation across multiple machines to sort and remove duplicate numbers,</a:t>
             </a:r>
           </a:p>
           <a:p>

--- a/demo/demo.pptx
+++ b/demo/demo.pptx
@@ -6462,7 +6462,12 @@
             <p:ph idx="1"/>
           </p:nvPr>
         </p:nvSpPr>
-        <p:spPr/>
+        <p:spPr>
+          <a:xfrm>
+            <a:off x="2244862" y="1735692"/>
+            <a:ext cx="4671378" cy="3579849"/>
+          </a:xfrm>
+        </p:spPr>
         <p:txBody>
           <a:bodyPr/>
           <a:lstStyle/>
@@ -6543,7 +6548,7 @@
               </a:spcBef>
             </a:pPr>
             <a:r>
-              <a:rPr lang="en-US" smtClean="0">
+              <a:rPr lang="en-US" dirty="0" smtClean="0">
                 <a:latin typeface="Lucida Console"/>
                 <a:cs typeface="Lucida Console"/>
               </a:rPr>
@@ -15087,8 +15092,12 @@
               <a:buChar char="•"/>
             </a:pPr>
             <a:r>
+              <a:rPr lang="en-US" smtClean="0"/>
+              <a:t>a </a:t>
+            </a:r>
+            <a:r>
               <a:rPr lang="en-US" dirty="0" smtClean="0"/>
-              <a:t>are a statistician,</a:t>
+              <a:t>statistician,</a:t>
             </a:r>
           </a:p>
           <a:p>

--- a/demo/demo.pptx
+++ b/demo/demo.pptx
@@ -6197,25 +6197,39 @@
               <a:t>10   </a:t>
             </a:r>
             <a:r>
+              <a:rPr lang="en-US" sz="1400" dirty="0" smtClean="0">
+                <a:latin typeface="Lucida Console"/>
+                <a:cs typeface="Lucida Console"/>
+              </a:rPr>
+              <a:t>While (</a:t>
+            </a:r>
+            <a:r>
+              <a:rPr lang="en-US" sz="1400" dirty="0" err="1" smtClean="0">
+                <a:latin typeface="Lucida Console"/>
+                <a:cs typeface="Lucida Console"/>
+              </a:rPr>
+              <a:t>values.hasNext</a:t>
+            </a:r>
+            <a:r>
               <a:rPr lang="en-US" sz="1400" dirty="0">
                 <a:latin typeface="Lucida Console"/>
                 <a:cs typeface="Lucida Console"/>
               </a:rPr>
-              <a:t>while( </a:t>
-            </a:r>
-            <a:r>
-              <a:rPr lang="en-US" sz="1400" dirty="0" err="1">
+              <a:t>(</a:t>
+            </a:r>
+            <a:r>
+              <a:rPr lang="en-US" sz="1400" dirty="0" smtClean="0">
                 <a:latin typeface="Lucida Console"/>
                 <a:cs typeface="Lucida Console"/>
               </a:rPr>
-              <a:t>values.hasNext</a:t>
+              <a:t>)) </a:t>
             </a:r>
             <a:r>
               <a:rPr lang="en-US" sz="1400" dirty="0">
                 <a:latin typeface="Lucida Console"/>
                 <a:cs typeface="Lucida Console"/>
               </a:rPr>
-              <a:t>() ) {</a:t>
+              <a:t>{</a:t>
             </a:r>
           </a:p>
           <a:p>
@@ -6376,6 +6390,59 @@
             <a:endParaRPr lang="en-US" sz="1400" dirty="0">
               <a:latin typeface="Lucida Console"/>
               <a:cs typeface="Lucida Console"/>
+            </a:endParaRPr>
+          </a:p>
+        </p:txBody>
+      </p:sp>
+      <p:sp>
+        <p:nvSpPr>
+          <p:cNvPr id="4" name="Rectangle 3"/>
+          <p:cNvSpPr/>
+          <p:nvPr/>
+        </p:nvSpPr>
+        <p:spPr>
+          <a:xfrm>
+            <a:off x="5596233" y="6212554"/>
+            <a:ext cx="2890861" cy="369332"/>
+          </a:xfrm>
+          <a:prstGeom prst="rect">
+            <a:avLst/>
+          </a:prstGeom>
+        </p:spPr>
+        <p:txBody>
+          <a:bodyPr wrap="none">
+            <a:spAutoFit/>
+          </a:bodyPr>
+          <a:lstStyle/>
+          <a:p>
+            <a:r>
+              <a:rPr lang="en-US" dirty="0" smtClean="0">
+                <a:solidFill>
+                  <a:schemeClr val="bg1"/>
+                </a:solidFill>
+              </a:rPr>
+              <a:t>Paul </a:t>
+            </a:r>
+            <a:r>
+              <a:rPr lang="en-US" dirty="0" err="1" smtClean="0">
+                <a:solidFill>
+                  <a:schemeClr val="bg1"/>
+                </a:solidFill>
+              </a:rPr>
+              <a:t>Tylkin</a:t>
+            </a:r>
+            <a:r>
+              <a:rPr lang="en-US" dirty="0" smtClean="0">
+                <a:solidFill>
+                  <a:schemeClr val="bg1"/>
+                </a:solidFill>
+              </a:rPr>
+              <a:t> (Language Guru)</a:t>
+            </a:r>
+            <a:endParaRPr lang="en-US" dirty="0">
+              <a:solidFill>
+                <a:schemeClr val="bg1"/>
+              </a:solidFill>
             </a:endParaRPr>
           </a:p>
         </p:txBody>
@@ -6506,7 +6573,10 @@
               <a:t>18   </a:t>
             </a:r>
             <a:r>
-              <a:rPr lang="en-US" dirty="0">
+              <a:rPr lang="en-US" i="1" dirty="0">
+                <a:solidFill>
+                  <a:schemeClr val="accent1"/>
+                </a:solidFill>
                 <a:latin typeface="Lucida Console"/>
                 <a:cs typeface="Lucida Console"/>
               </a:rPr>
@@ -6561,6 +6631,59 @@
           </a:p>
           <a:p>
             <a:endParaRPr lang="en-US" dirty="0"/>
+          </a:p>
+        </p:txBody>
+      </p:sp>
+      <p:sp>
+        <p:nvSpPr>
+          <p:cNvPr id="4" name="Rectangle 3"/>
+          <p:cNvSpPr/>
+          <p:nvPr/>
+        </p:nvSpPr>
+        <p:spPr>
+          <a:xfrm>
+            <a:off x="5596233" y="6212554"/>
+            <a:ext cx="2890861" cy="369332"/>
+          </a:xfrm>
+          <a:prstGeom prst="rect">
+            <a:avLst/>
+          </a:prstGeom>
+        </p:spPr>
+        <p:txBody>
+          <a:bodyPr wrap="none">
+            <a:spAutoFit/>
+          </a:bodyPr>
+          <a:lstStyle/>
+          <a:p>
+            <a:r>
+              <a:rPr lang="en-US" dirty="0" smtClean="0">
+                <a:solidFill>
+                  <a:schemeClr val="bg1"/>
+                </a:solidFill>
+              </a:rPr>
+              <a:t>Paul </a:t>
+            </a:r>
+            <a:r>
+              <a:rPr lang="en-US" dirty="0" err="1" smtClean="0">
+                <a:solidFill>
+                  <a:schemeClr val="bg1"/>
+                </a:solidFill>
+              </a:rPr>
+              <a:t>Tylkin</a:t>
+            </a:r>
+            <a:r>
+              <a:rPr lang="en-US" dirty="0" smtClean="0">
+                <a:solidFill>
+                  <a:schemeClr val="bg1"/>
+                </a:solidFill>
+              </a:rPr>
+              <a:t> (Language Guru)</a:t>
+            </a:r>
+            <a:endParaRPr lang="en-US" dirty="0">
+              <a:solidFill>
+                <a:schemeClr val="bg1"/>
+              </a:solidFill>
+            </a:endParaRPr>
           </a:p>
         </p:txBody>
       </p:sp>
@@ -6904,6 +7027,59 @@
           </a:p>
         </p:txBody>
       </p:sp>
+      <p:sp>
+        <p:nvSpPr>
+          <p:cNvPr id="4" name="Rectangle 3"/>
+          <p:cNvSpPr/>
+          <p:nvPr/>
+        </p:nvSpPr>
+        <p:spPr>
+          <a:xfrm>
+            <a:off x="5596233" y="6212554"/>
+            <a:ext cx="2890861" cy="369332"/>
+          </a:xfrm>
+          <a:prstGeom prst="rect">
+            <a:avLst/>
+          </a:prstGeom>
+        </p:spPr>
+        <p:txBody>
+          <a:bodyPr wrap="none">
+            <a:spAutoFit/>
+          </a:bodyPr>
+          <a:lstStyle/>
+          <a:p>
+            <a:r>
+              <a:rPr lang="en-US" dirty="0" smtClean="0">
+                <a:solidFill>
+                  <a:schemeClr val="bg1"/>
+                </a:solidFill>
+              </a:rPr>
+              <a:t>Paul </a:t>
+            </a:r>
+            <a:r>
+              <a:rPr lang="en-US" dirty="0" err="1" smtClean="0">
+                <a:solidFill>
+                  <a:schemeClr val="bg1"/>
+                </a:solidFill>
+              </a:rPr>
+              <a:t>Tylkin</a:t>
+            </a:r>
+            <a:r>
+              <a:rPr lang="en-US" dirty="0" smtClean="0">
+                <a:solidFill>
+                  <a:schemeClr val="bg1"/>
+                </a:solidFill>
+              </a:rPr>
+              <a:t> (Language Guru)</a:t>
+            </a:r>
+            <a:endParaRPr lang="en-US" dirty="0">
+              <a:solidFill>
+                <a:schemeClr val="bg1"/>
+              </a:solidFill>
+            </a:endParaRPr>
+          </a:p>
+        </p:txBody>
+      </p:sp>
     </p:spTree>
     <p:extLst>
       <p:ext uri="{BB962C8B-B14F-4D97-AF65-F5344CB8AC3E}">
@@ -7318,6 +7494,59 @@
           </a:p>
         </p:txBody>
       </p:sp>
+      <p:sp>
+        <p:nvSpPr>
+          <p:cNvPr id="4" name="Rectangle 3"/>
+          <p:cNvSpPr/>
+          <p:nvPr/>
+        </p:nvSpPr>
+        <p:spPr>
+          <a:xfrm>
+            <a:off x="5596233" y="6212554"/>
+            <a:ext cx="2890861" cy="369332"/>
+          </a:xfrm>
+          <a:prstGeom prst="rect">
+            <a:avLst/>
+          </a:prstGeom>
+        </p:spPr>
+        <p:txBody>
+          <a:bodyPr wrap="none">
+            <a:spAutoFit/>
+          </a:bodyPr>
+          <a:lstStyle/>
+          <a:p>
+            <a:r>
+              <a:rPr lang="en-US" dirty="0" smtClean="0">
+                <a:solidFill>
+                  <a:schemeClr val="bg1"/>
+                </a:solidFill>
+              </a:rPr>
+              <a:t>Paul </a:t>
+            </a:r>
+            <a:r>
+              <a:rPr lang="en-US" dirty="0" err="1" smtClean="0">
+                <a:solidFill>
+                  <a:schemeClr val="bg1"/>
+                </a:solidFill>
+              </a:rPr>
+              <a:t>Tylkin</a:t>
+            </a:r>
+            <a:r>
+              <a:rPr lang="en-US" dirty="0" smtClean="0">
+                <a:solidFill>
+                  <a:schemeClr val="bg1"/>
+                </a:solidFill>
+              </a:rPr>
+              <a:t> (Language Guru)</a:t>
+            </a:r>
+            <a:endParaRPr lang="en-US" dirty="0">
+              <a:solidFill>
+                <a:schemeClr val="bg1"/>
+              </a:solidFill>
+            </a:endParaRPr>
+          </a:p>
+        </p:txBody>
+      </p:sp>
     </p:spTree>
     <p:extLst>
       <p:ext uri="{BB962C8B-B14F-4D97-AF65-F5344CB8AC3E}">
@@ -7704,6 +7933,59 @@
             <a:endParaRPr lang="en-US" sz="1400" dirty="0">
               <a:latin typeface="Lucida Console"/>
               <a:cs typeface="Lucida Console"/>
+            </a:endParaRPr>
+          </a:p>
+        </p:txBody>
+      </p:sp>
+      <p:sp>
+        <p:nvSpPr>
+          <p:cNvPr id="4" name="Rectangle 3"/>
+          <p:cNvSpPr/>
+          <p:nvPr/>
+        </p:nvSpPr>
+        <p:spPr>
+          <a:xfrm>
+            <a:off x="5596233" y="6212554"/>
+            <a:ext cx="2890861" cy="369332"/>
+          </a:xfrm>
+          <a:prstGeom prst="rect">
+            <a:avLst/>
+          </a:prstGeom>
+        </p:spPr>
+        <p:txBody>
+          <a:bodyPr wrap="none">
+            <a:spAutoFit/>
+          </a:bodyPr>
+          <a:lstStyle/>
+          <a:p>
+            <a:r>
+              <a:rPr lang="en-US" dirty="0" smtClean="0">
+                <a:solidFill>
+                  <a:schemeClr val="bg1"/>
+                </a:solidFill>
+              </a:rPr>
+              <a:t>Paul </a:t>
+            </a:r>
+            <a:r>
+              <a:rPr lang="en-US" dirty="0" err="1" smtClean="0">
+                <a:solidFill>
+                  <a:schemeClr val="bg1"/>
+                </a:solidFill>
+              </a:rPr>
+              <a:t>Tylkin</a:t>
+            </a:r>
+            <a:r>
+              <a:rPr lang="en-US" dirty="0" smtClean="0">
+                <a:solidFill>
+                  <a:schemeClr val="bg1"/>
+                </a:solidFill>
+              </a:rPr>
+              <a:t> (Language Guru)</a:t>
+            </a:r>
+            <a:endParaRPr lang="en-US" dirty="0">
+              <a:solidFill>
+                <a:schemeClr val="bg1"/>
+              </a:solidFill>
             </a:endParaRPr>
           </a:p>
         </p:txBody>
@@ -10943,6 +11225,59 @@
           </a:fontRef>
         </p:style>
       </p:cxnSp>
+      <p:sp>
+        <p:nvSpPr>
+          <p:cNvPr id="62" name="Rectangle 61"/>
+          <p:cNvSpPr/>
+          <p:nvPr/>
+        </p:nvSpPr>
+        <p:spPr>
+          <a:xfrm>
+            <a:off x="4632702" y="6212554"/>
+            <a:ext cx="3882380" cy="369332"/>
+          </a:xfrm>
+          <a:prstGeom prst="rect">
+            <a:avLst/>
+          </a:prstGeom>
+        </p:spPr>
+        <p:txBody>
+          <a:bodyPr wrap="none">
+            <a:spAutoFit/>
+          </a:bodyPr>
+          <a:lstStyle/>
+          <a:p>
+            <a:r>
+              <a:rPr lang="en-US" dirty="0" smtClean="0">
+                <a:solidFill>
+                  <a:schemeClr val="bg1"/>
+                </a:solidFill>
+              </a:rPr>
+              <a:t>Benjamin </a:t>
+            </a:r>
+            <a:r>
+              <a:rPr lang="en-US" dirty="0" err="1" smtClean="0">
+                <a:solidFill>
+                  <a:schemeClr val="bg1"/>
+                </a:solidFill>
+              </a:rPr>
+              <a:t>Rapaport</a:t>
+            </a:r>
+            <a:r>
+              <a:rPr lang="en-US" dirty="0" smtClean="0">
+                <a:solidFill>
+                  <a:schemeClr val="bg1"/>
+                </a:solidFill>
+              </a:rPr>
+              <a:t> (System Architect)</a:t>
+            </a:r>
+            <a:endParaRPr lang="en-US" dirty="0">
+              <a:solidFill>
+                <a:schemeClr val="bg1"/>
+              </a:solidFill>
+            </a:endParaRPr>
+          </a:p>
+        </p:txBody>
+      </p:sp>
     </p:spTree>
     <p:extLst>
       <p:ext uri="{BB962C8B-B14F-4D97-AF65-F5344CB8AC3E}">
@@ -12009,6 +12344,59 @@
           </a:p>
         </p:txBody>
       </p:sp>
+      <p:sp>
+        <p:nvSpPr>
+          <p:cNvPr id="29" name="Rectangle 28"/>
+          <p:cNvSpPr/>
+          <p:nvPr/>
+        </p:nvSpPr>
+        <p:spPr>
+          <a:xfrm>
+            <a:off x="4632702" y="6212554"/>
+            <a:ext cx="3882380" cy="369332"/>
+          </a:xfrm>
+          <a:prstGeom prst="rect">
+            <a:avLst/>
+          </a:prstGeom>
+        </p:spPr>
+        <p:txBody>
+          <a:bodyPr wrap="none">
+            <a:spAutoFit/>
+          </a:bodyPr>
+          <a:lstStyle/>
+          <a:p>
+            <a:r>
+              <a:rPr lang="en-US" dirty="0" smtClean="0">
+                <a:solidFill>
+                  <a:schemeClr val="bg1"/>
+                </a:solidFill>
+              </a:rPr>
+              <a:t>Benjamin </a:t>
+            </a:r>
+            <a:r>
+              <a:rPr lang="en-US" dirty="0" err="1" smtClean="0">
+                <a:solidFill>
+                  <a:schemeClr val="bg1"/>
+                </a:solidFill>
+              </a:rPr>
+              <a:t>Rapaport</a:t>
+            </a:r>
+            <a:r>
+              <a:rPr lang="en-US" dirty="0" smtClean="0">
+                <a:solidFill>
+                  <a:schemeClr val="bg1"/>
+                </a:solidFill>
+              </a:rPr>
+              <a:t> (System Architect)</a:t>
+            </a:r>
+            <a:endParaRPr lang="en-US" dirty="0">
+              <a:solidFill>
+                <a:schemeClr val="bg1"/>
+              </a:solidFill>
+            </a:endParaRPr>
+          </a:p>
+        </p:txBody>
+      </p:sp>
     </p:spTree>
     <p:extLst>
       <p:ext uri="{BB962C8B-B14F-4D97-AF65-F5344CB8AC3E}">
@@ -12263,6 +12651,51 @@
           </a:p>
         </p:txBody>
       </p:sp>
+      <p:sp>
+        <p:nvSpPr>
+          <p:cNvPr id="4" name="Rectangle 3"/>
+          <p:cNvSpPr/>
+          <p:nvPr/>
+        </p:nvSpPr>
+        <p:spPr>
+          <a:xfrm>
+            <a:off x="5335089" y="6240083"/>
+            <a:ext cx="3085062" cy="369332"/>
+          </a:xfrm>
+          <a:prstGeom prst="rect">
+            <a:avLst/>
+          </a:prstGeom>
+        </p:spPr>
+        <p:txBody>
+          <a:bodyPr wrap="none">
+            <a:spAutoFit/>
+          </a:bodyPr>
+          <a:lstStyle/>
+          <a:p>
+            <a:r>
+              <a:rPr lang="en-US" dirty="0" err="1" smtClean="0">
+                <a:solidFill>
+                  <a:schemeClr val="bg1"/>
+                </a:solidFill>
+              </a:rPr>
+              <a:t>Kurry</a:t>
+            </a:r>
+            <a:r>
+              <a:rPr lang="en-US" dirty="0" smtClean="0">
+                <a:solidFill>
+                  <a:schemeClr val="bg1"/>
+                </a:solidFill>
+              </a:rPr>
+              <a:t> Tran (System Integrator)</a:t>
+            </a:r>
+            <a:endParaRPr lang="en-US" dirty="0">
+              <a:solidFill>
+                <a:schemeClr val="bg1"/>
+              </a:solidFill>
+            </a:endParaRPr>
+          </a:p>
+        </p:txBody>
+      </p:sp>
     </p:spTree>
     <p:extLst>
       <p:ext uri="{BB962C8B-B14F-4D97-AF65-F5344CB8AC3E}">
@@ -12529,7 +12962,7 @@
             <p:ph idx="1"/>
             <p:extLst>
               <p:ext uri="{D42A27DB-BD31-4B8C-83A1-F6EECF244321}">
-                <p14:modId xmlns:p14="http://schemas.microsoft.com/office/powerpoint/2010/main" val="3231292863"/>
+                <p14:modId xmlns:p14="http://schemas.microsoft.com/office/powerpoint/2010/main" val="727401095"/>
               </p:ext>
             </p:extLst>
           </p:nvPr>
@@ -12563,29 +12996,52 @@
                       <a:endParaRPr lang="en-US" dirty="0"/>
                     </a:p>
                   </a:txBody>
-                  <a:tcPr/>
+                  <a:tcPr>
+                    <a:lnB w="12700" cap="flat" cmpd="sng" algn="ctr">
+                      <a:solidFill>
+                        <a:scrgbClr r="0" g="0" b="0"/>
+                      </a:solidFill>
+                      <a:prstDash val="solid"/>
+                      <a:round/>
+                      <a:headEnd type="none" w="med" len="med"/>
+                      <a:tailEnd type="none" w="med" len="med"/>
+                    </a:lnB>
+                  </a:tcPr>
                 </a:tc>
                 <a:tc>
                   <a:txBody>
                     <a:bodyPr/>
                     <a:lstStyle/>
                     <a:p>
+                      <a:pPr algn="ctr"/>
                       <a:r>
                         <a:rPr lang="en-US" dirty="0" smtClean="0"/>
                         <a:t>Default Memory Used (MB)</a:t>
                       </a:r>
                     </a:p>
                     <a:p>
+                      <a:pPr algn="ctr"/>
                       <a:endParaRPr lang="en-US" dirty="0"/>
                     </a:p>
                   </a:txBody>
-                  <a:tcPr/>
+                  <a:tcPr>
+                    <a:lnB w="12700" cap="flat" cmpd="sng" algn="ctr">
+                      <a:solidFill>
+                        <a:scrgbClr r="0" g="0" b="0"/>
+                      </a:solidFill>
+                      <a:prstDash val="solid"/>
+                      <a:round/>
+                      <a:headEnd type="none" w="med" len="med"/>
+                      <a:tailEnd type="none" w="med" len="med"/>
+                    </a:lnB>
+                  </a:tcPr>
                 </a:tc>
                 <a:tc>
                   <a:txBody>
                     <a:bodyPr/>
                     <a:lstStyle/>
                     <a:p>
+                      <a:pPr algn="ctr"/>
                       <a:r>
                         <a:rPr lang="en-US" dirty="0" smtClean="0"/>
                         <a:t>Memory Used for 8</a:t>
@@ -12597,7 +13053,17 @@
                       <a:endParaRPr lang="en-US" dirty="0"/>
                     </a:p>
                   </a:txBody>
-                  <a:tcPr/>
+                  <a:tcPr>
+                    <a:lnB w="12700" cap="flat" cmpd="sng" algn="ctr">
+                      <a:solidFill>
+                        <a:scrgbClr r="0" g="0" b="0"/>
+                      </a:solidFill>
+                      <a:prstDash val="solid"/>
+                      <a:round/>
+                      <a:headEnd type="none" w="med" len="med"/>
+                      <a:tailEnd type="none" w="med" len="med"/>
+                    </a:lnB>
+                  </a:tcPr>
                 </a:tc>
               </a:tr>
               <a:tr h="572554">
@@ -12606,9 +13072,87 @@
                     <a:bodyPr/>
                     <a:lstStyle/>
                     <a:p>
+                      <a:pPr algn="l"/>
                       <a:r>
                         <a:rPr lang="en-US" dirty="0" smtClean="0"/>
                         <a:t>Datanode</a:t>
+                      </a:r>
+                      <a:endParaRPr lang="en-US" dirty="0"/>
+                    </a:p>
+                  </a:txBody>
+                  <a:tcPr>
+                    <a:lnT w="12700" cap="flat" cmpd="sng" algn="ctr">
+                      <a:solidFill>
+                        <a:scrgbClr r="0" g="0" b="0"/>
+                      </a:solidFill>
+                      <a:prstDash val="solid"/>
+                      <a:round/>
+                      <a:headEnd type="none" w="med" len="med"/>
+                      <a:tailEnd type="none" w="med" len="med"/>
+                    </a:lnT>
+                  </a:tcPr>
+                </a:tc>
+                <a:tc>
+                  <a:txBody>
+                    <a:bodyPr/>
+                    <a:lstStyle/>
+                    <a:p>
+                      <a:pPr algn="ctr"/>
+                      <a:r>
+                        <a:rPr lang="en-US" dirty="0" smtClean="0"/>
+                        <a:t>1,000</a:t>
+                      </a:r>
+                      <a:endParaRPr lang="en-US" dirty="0"/>
+                    </a:p>
+                  </a:txBody>
+                  <a:tcPr>
+                    <a:lnT w="12700" cap="flat" cmpd="sng" algn="ctr">
+                      <a:solidFill>
+                        <a:scrgbClr r="0" g="0" b="0"/>
+                      </a:solidFill>
+                      <a:prstDash val="solid"/>
+                      <a:round/>
+                      <a:headEnd type="none" w="med" len="med"/>
+                      <a:tailEnd type="none" w="med" len="med"/>
+                    </a:lnT>
+                  </a:tcPr>
+                </a:tc>
+                <a:tc>
+                  <a:txBody>
+                    <a:bodyPr/>
+                    <a:lstStyle/>
+                    <a:p>
+                      <a:pPr algn="ctr"/>
+                      <a:r>
+                        <a:rPr lang="en-US" dirty="0" smtClean="0"/>
+                        <a:t>1,000</a:t>
+                      </a:r>
+                      <a:endParaRPr lang="en-US" dirty="0"/>
+                    </a:p>
+                  </a:txBody>
+                  <a:tcPr>
+                    <a:lnT w="12700" cap="flat" cmpd="sng" algn="ctr">
+                      <a:solidFill>
+                        <a:scrgbClr r="0" g="0" b="0"/>
+                      </a:solidFill>
+                      <a:prstDash val="solid"/>
+                      <a:round/>
+                      <a:headEnd type="none" w="med" len="med"/>
+                      <a:tailEnd type="none" w="med" len="med"/>
+                    </a:lnT>
+                  </a:tcPr>
+                </a:tc>
+              </a:tr>
+              <a:tr h="572554">
+                <a:tc>
+                  <a:txBody>
+                    <a:bodyPr/>
+                    <a:lstStyle/>
+                    <a:p>
+                      <a:pPr algn="l"/>
+                      <a:r>
+                        <a:rPr lang="en-US" dirty="0" smtClean="0"/>
+                        <a:t>Tasktracker</a:t>
                       </a:r>
                       <a:endParaRPr lang="en-US" dirty="0"/>
                     </a:p>
@@ -12620,6 +13164,7 @@
                     <a:bodyPr/>
                     <a:lstStyle/>
                     <a:p>
+                      <a:pPr algn="ctr"/>
                       <a:r>
                         <a:rPr lang="en-US" dirty="0" smtClean="0"/>
                         <a:t>1,000</a:t>
@@ -12634,6 +13179,7 @@
                     <a:bodyPr/>
                     <a:lstStyle/>
                     <a:p>
+                      <a:pPr algn="ctr"/>
                       <a:r>
                         <a:rPr lang="en-US" dirty="0" smtClean="0"/>
                         <a:t>1,000</a:t>
@@ -12650,50 +13196,7 @@
                     <a:bodyPr/>
                     <a:lstStyle/>
                     <a:p>
-                      <a:r>
-                        <a:rPr lang="en-US" dirty="0" smtClean="0"/>
-                        <a:t>Tasktracker</a:t>
-                      </a:r>
-                      <a:endParaRPr lang="en-US" dirty="0"/>
-                    </a:p>
-                  </a:txBody>
-                  <a:tcPr/>
-                </a:tc>
-                <a:tc>
-                  <a:txBody>
-                    <a:bodyPr/>
-                    <a:lstStyle/>
-                    <a:p>
-                      <a:r>
-                        <a:rPr lang="en-US" dirty="0" smtClean="0"/>
-                        <a:t>1,000</a:t>
-                      </a:r>
-                      <a:endParaRPr lang="en-US" dirty="0"/>
-                    </a:p>
-                  </a:txBody>
-                  <a:tcPr/>
-                </a:tc>
-                <a:tc>
-                  <a:txBody>
-                    <a:bodyPr/>
-                    <a:lstStyle/>
-                    <a:p>
-                      <a:r>
-                        <a:rPr lang="en-US" dirty="0" smtClean="0"/>
-                        <a:t>1,000</a:t>
-                      </a:r>
-                      <a:endParaRPr lang="en-US" dirty="0"/>
-                    </a:p>
-                  </a:txBody>
-                  <a:tcPr/>
-                </a:tc>
-              </a:tr>
-              <a:tr h="572554">
-                <a:tc>
-                  <a:txBody>
-                    <a:bodyPr/>
-                    <a:lstStyle/>
-                    <a:p>
+                      <a:pPr algn="l"/>
                       <a:r>
                         <a:rPr lang="en-US" dirty="0" smtClean="0"/>
                         <a:t>Tasktracker Child</a:t>
@@ -12712,6 +13215,7 @@
                     <a:bodyPr/>
                     <a:lstStyle/>
                     <a:p>
+                      <a:pPr algn="ctr"/>
                       <a:r>
                         <a:rPr lang="en-US" dirty="0" smtClean="0"/>
                         <a:t>2x200</a:t>
@@ -12726,7 +13230,7 @@
                     <a:bodyPr/>
                     <a:lstStyle/>
                     <a:p>
-                      <a:pPr marL="0" marR="0" indent="0" algn="l" defTabSz="914400" rtl="0" eaLnBrk="1" fontAlgn="auto" latinLnBrk="0" hangingPunct="1">
+                      <a:pPr marL="0" marR="0" indent="0" algn="ctr" defTabSz="914400" rtl="0" eaLnBrk="1" fontAlgn="auto" latinLnBrk="0" hangingPunct="1">
                         <a:lnSpc>
                           <a:spcPct val="100000"/>
                         </a:lnSpc>
@@ -12749,6 +13253,7 @@
                       </a:r>
                     </a:p>
                     <a:p>
+                      <a:pPr algn="ctr"/>
                       <a:endParaRPr lang="en-US" dirty="0"/>
                     </a:p>
                   </a:txBody>
@@ -12789,6 +13294,7 @@
                       <a:endParaRPr lang="en-US" dirty="0" smtClean="0"/>
                     </a:p>
                     <a:p>
+                      <a:pPr algn="l"/>
                       <a:endParaRPr lang="en-US" dirty="0"/>
                     </a:p>
                   </a:txBody>
@@ -12799,7 +13305,7 @@
                     <a:bodyPr/>
                     <a:lstStyle/>
                     <a:p>
-                      <a:pPr marL="0" marR="0" indent="0" algn="l" defTabSz="914400" rtl="0" eaLnBrk="1" fontAlgn="auto" latinLnBrk="0" hangingPunct="1">
+                      <a:pPr marL="0" marR="0" indent="0" algn="ctr" defTabSz="914400" rtl="0" eaLnBrk="1" fontAlgn="auto" latinLnBrk="0" hangingPunct="1">
                         <a:lnSpc>
                           <a:spcPct val="100000"/>
                         </a:lnSpc>
@@ -12822,6 +13328,7 @@
                       </a:r>
                     </a:p>
                     <a:p>
+                      <a:pPr algn="ctr"/>
                       <a:endParaRPr lang="en-US" dirty="0"/>
                     </a:p>
                   </a:txBody>
@@ -12832,7 +13339,7 @@
                     <a:bodyPr/>
                     <a:lstStyle/>
                     <a:p>
-                      <a:pPr marL="0" marR="0" indent="0" algn="l" defTabSz="914400" rtl="0" eaLnBrk="1" fontAlgn="auto" latinLnBrk="0" hangingPunct="1">
+                      <a:pPr marL="0" marR="0" indent="0" algn="ctr" defTabSz="914400" rtl="0" eaLnBrk="1" fontAlgn="auto" latinLnBrk="0" hangingPunct="1">
                         <a:lnSpc>
                           <a:spcPct val="100000"/>
                         </a:lnSpc>
@@ -12855,6 +13362,7 @@
                       </a:r>
                     </a:p>
                     <a:p>
+                      <a:pPr algn="ctr"/>
                       <a:endParaRPr lang="en-US" dirty="0"/>
                     </a:p>
                   </a:txBody>
@@ -12867,6 +13375,7 @@
                     <a:bodyPr/>
                     <a:lstStyle/>
                     <a:p>
+                      <a:pPr algn="l"/>
                       <a:r>
                         <a:rPr lang="en-US" dirty="0" smtClean="0"/>
                         <a:t>Total</a:t>
@@ -12881,6 +13390,7 @@
                     <a:bodyPr/>
                     <a:lstStyle/>
                     <a:p>
+                      <a:pPr algn="ctr"/>
                       <a:r>
                         <a:rPr lang="en-US" dirty="0" smtClean="0"/>
                         <a:t>2,800</a:t>
@@ -12895,6 +13405,7 @@
                     <a:bodyPr/>
                     <a:lstStyle/>
                     <a:p>
+                      <a:pPr algn="ctr"/>
                       <a:r>
                         <a:rPr lang="en-US" dirty="0" smtClean="0"/>
                         <a:t>7,600</a:t>
@@ -12909,6 +13420,51 @@
           </a:graphicData>
         </a:graphic>
       </p:graphicFrame>
+      <p:sp>
+        <p:nvSpPr>
+          <p:cNvPr id="5" name="Rectangle 4"/>
+          <p:cNvSpPr/>
+          <p:nvPr/>
+        </p:nvSpPr>
+        <p:spPr>
+          <a:xfrm>
+            <a:off x="5335089" y="6240083"/>
+            <a:ext cx="3085062" cy="369332"/>
+          </a:xfrm>
+          <a:prstGeom prst="rect">
+            <a:avLst/>
+          </a:prstGeom>
+        </p:spPr>
+        <p:txBody>
+          <a:bodyPr wrap="none">
+            <a:spAutoFit/>
+          </a:bodyPr>
+          <a:lstStyle/>
+          <a:p>
+            <a:r>
+              <a:rPr lang="en-US" dirty="0" err="1" smtClean="0">
+                <a:solidFill>
+                  <a:schemeClr val="bg1"/>
+                </a:solidFill>
+              </a:rPr>
+              <a:t>Kurry</a:t>
+            </a:r>
+            <a:r>
+              <a:rPr lang="en-US" dirty="0" smtClean="0">
+                <a:solidFill>
+                  <a:schemeClr val="bg1"/>
+                </a:solidFill>
+              </a:rPr>
+              <a:t> Tran (System Integrator)</a:t>
+            </a:r>
+            <a:endParaRPr lang="en-US" dirty="0">
+              <a:solidFill>
+                <a:schemeClr val="bg1"/>
+              </a:solidFill>
+            </a:endParaRPr>
+          </a:p>
+        </p:txBody>
+      </p:sp>
     </p:spTree>
     <p:extLst>
       <p:ext uri="{BB962C8B-B14F-4D97-AF65-F5344CB8AC3E}">
@@ -13089,7 +13645,7 @@
         </p:nvSpPr>
         <p:spPr>
           <a:xfrm>
-            <a:off x="457200" y="1087832"/>
+            <a:off x="1451150" y="1087832"/>
             <a:ext cx="5993949" cy="2277547"/>
           </a:xfrm>
           <a:prstGeom prst="rect">
@@ -13134,16 +13690,12 @@
               <a:t>nternal </a:t>
             </a:r>
             <a:r>
+              <a:rPr lang="en-US" dirty="0" smtClean="0"/>
+              <a:t>Structure: </a:t>
+            </a:r>
+            <a:r>
               <a:rPr lang="en-US" dirty="0"/>
-              <a:t>S</a:t>
-            </a:r>
-            <a:r>
-              <a:rPr lang="en-US" dirty="0" smtClean="0"/>
-              <a:t>tructures</a:t>
-            </a:r>
-            <a:r>
-              <a:rPr lang="en-US" dirty="0"/>
-              <a:t>: token streams, nodes, ASTs </a:t>
+              <a:t>token streams, nodes, ASTs </a:t>
             </a:r>
           </a:p>
           <a:p>
@@ -13686,6 +14238,38 @@
           </a:fontRef>
         </p:style>
       </p:cxnSp>
+      <p:sp>
+        <p:nvSpPr>
+          <p:cNvPr id="15" name="Rectangle 14"/>
+          <p:cNvSpPr/>
+          <p:nvPr/>
+        </p:nvSpPr>
+        <p:spPr>
+          <a:xfrm>
+            <a:off x="5045187" y="6240083"/>
+            <a:ext cx="3515168" cy="369332"/>
+          </a:xfrm>
+          <a:prstGeom prst="rect">
+            <a:avLst/>
+          </a:prstGeom>
+        </p:spPr>
+        <p:txBody>
+          <a:bodyPr wrap="none">
+            <a:spAutoFit/>
+          </a:bodyPr>
+          <a:lstStyle/>
+          <a:p>
+            <a:r>
+              <a:rPr lang="en-US" dirty="0" smtClean="0">
+                <a:solidFill>
+                  <a:schemeClr val="bg1"/>
+                </a:solidFill>
+              </a:rPr>
+              <a:t>Jason Halpern (Testing/Validation)</a:t>
+            </a:r>
+          </a:p>
+        </p:txBody>
+      </p:sp>
     </p:spTree>
     <p:extLst>
       <p:ext uri="{BB962C8B-B14F-4D97-AF65-F5344CB8AC3E}">
@@ -13759,8 +14343,8 @@
         </p:nvSpPr>
         <p:spPr>
           <a:xfrm>
-            <a:off x="457200" y="1087832"/>
-            <a:ext cx="5468164" cy="4031873"/>
+            <a:off x="1796272" y="1057399"/>
+            <a:ext cx="5561722" cy="4031873"/>
           </a:xfrm>
           <a:prstGeom prst="rect">
             <a:avLst/>
@@ -13768,7 +14352,7 @@
           <a:noFill/>
         </p:spPr>
         <p:txBody>
-          <a:bodyPr wrap="none" rtlCol="0">
+          <a:bodyPr wrap="square" rtlCol="0">
             <a:spAutoFit/>
           </a:bodyPr>
           <a:lstStyle/>
@@ -13935,6 +14519,38 @@
           </a:p>
           <a:p>
             <a:endParaRPr lang="en-US" sz="2200" dirty="0"/>
+          </a:p>
+        </p:txBody>
+      </p:sp>
+      <p:sp>
+        <p:nvSpPr>
+          <p:cNvPr id="6" name="Rectangle 5"/>
+          <p:cNvSpPr/>
+          <p:nvPr/>
+        </p:nvSpPr>
+        <p:spPr>
+          <a:xfrm>
+            <a:off x="5045187" y="6240083"/>
+            <a:ext cx="3515168" cy="369332"/>
+          </a:xfrm>
+          <a:prstGeom prst="rect">
+            <a:avLst/>
+          </a:prstGeom>
+        </p:spPr>
+        <p:txBody>
+          <a:bodyPr wrap="none">
+            <a:spAutoFit/>
+          </a:bodyPr>
+          <a:lstStyle/>
+          <a:p>
+            <a:r>
+              <a:rPr lang="en-US" dirty="0" smtClean="0">
+                <a:solidFill>
+                  <a:schemeClr val="bg1"/>
+                </a:solidFill>
+              </a:rPr>
+              <a:t>Jason Halpern (Testing/Validation)</a:t>
+            </a:r>
           </a:p>
         </p:txBody>
       </p:sp>
@@ -15092,7 +15708,7 @@
               <a:buChar char="•"/>
             </a:pPr>
             <a:r>
-              <a:rPr lang="en-US" smtClean="0"/>
+              <a:rPr lang="en-US" dirty="0" smtClean="0"/>
               <a:t>a </a:t>
             </a:r>
             <a:r>
@@ -15120,6 +15736,43 @@
               <a:t>and you need descriptive statistics about your sample…</a:t>
             </a:r>
             <a:endParaRPr lang="en-US" dirty="0"/>
+          </a:p>
+        </p:txBody>
+      </p:sp>
+      <p:sp>
+        <p:nvSpPr>
+          <p:cNvPr id="7" name="Rectangle 6"/>
+          <p:cNvSpPr/>
+          <p:nvPr/>
+        </p:nvSpPr>
+        <p:spPr>
+          <a:xfrm>
+            <a:off x="4919794" y="6212568"/>
+            <a:ext cx="3583921" cy="369332"/>
+          </a:xfrm>
+          <a:prstGeom prst="rect">
+            <a:avLst/>
+          </a:prstGeom>
+        </p:spPr>
+        <p:txBody>
+          <a:bodyPr wrap="none">
+            <a:spAutoFit/>
+          </a:bodyPr>
+          <a:lstStyle/>
+          <a:p>
+            <a:r>
+              <a:rPr lang="en-US" dirty="0">
+                <a:solidFill>
+                  <a:schemeClr val="bg1"/>
+                </a:solidFill>
+              </a:rPr>
+              <a:t>Samuel Messing (Project Manager)</a:t>
+            </a:r>
+            <a:endParaRPr lang="en-US" dirty="0">
+              <a:solidFill>
+                <a:schemeClr val="bg1"/>
+              </a:solidFill>
+            </a:endParaRPr>
           </a:p>
         </p:txBody>
       </p:sp>
@@ -17155,6 +17808,43 @@
           </a:p>
         </p:txBody>
       </p:sp>
+      <p:sp>
+        <p:nvSpPr>
+          <p:cNvPr id="41" name="Rectangle 40"/>
+          <p:cNvSpPr/>
+          <p:nvPr/>
+        </p:nvSpPr>
+        <p:spPr>
+          <a:xfrm>
+            <a:off x="4919794" y="6212568"/>
+            <a:ext cx="3583921" cy="369332"/>
+          </a:xfrm>
+          <a:prstGeom prst="rect">
+            <a:avLst/>
+          </a:prstGeom>
+        </p:spPr>
+        <p:txBody>
+          <a:bodyPr wrap="none">
+            <a:spAutoFit/>
+          </a:bodyPr>
+          <a:lstStyle/>
+          <a:p>
+            <a:r>
+              <a:rPr lang="en-US" dirty="0">
+                <a:solidFill>
+                  <a:schemeClr val="bg1"/>
+                </a:solidFill>
+              </a:rPr>
+              <a:t>Samuel Messing (Project Manager)</a:t>
+            </a:r>
+            <a:endParaRPr lang="en-US" dirty="0">
+              <a:solidFill>
+                <a:schemeClr val="bg1"/>
+              </a:solidFill>
+            </a:endParaRPr>
+          </a:p>
+        </p:txBody>
+      </p:sp>
     </p:spTree>
     <p:extLst>
       <p:ext uri="{BB962C8B-B14F-4D97-AF65-F5344CB8AC3E}">
@@ -17242,8 +17932,13 @@
           <a:p>
             <a:r>
               <a:rPr lang="en-US" sz="2200" dirty="0" smtClean="0"/>
-              <a:t>Sort 400K numbers stored in a text file as,</a:t>
-            </a:r>
+              <a:t>Sort 400K numbers stored in a text </a:t>
+            </a:r>
+            <a:r>
+              <a:rPr lang="en-US" sz="2200" dirty="0" smtClean="0"/>
+              <a:t>file, e.g.,</a:t>
+            </a:r>
+            <a:endParaRPr lang="en-US" sz="2200" dirty="0" smtClean="0"/>
           </a:p>
           <a:p>
             <a:endParaRPr lang="en-US" dirty="0"/>
@@ -17523,6 +18218,43 @@
               </a:rPr>
               <a:t>3271166</a:t>
             </a:r>
+          </a:p>
+        </p:txBody>
+      </p:sp>
+      <p:sp>
+        <p:nvSpPr>
+          <p:cNvPr id="6" name="Rectangle 5"/>
+          <p:cNvSpPr/>
+          <p:nvPr/>
+        </p:nvSpPr>
+        <p:spPr>
+          <a:xfrm>
+            <a:off x="4919794" y="6212568"/>
+            <a:ext cx="3583921" cy="369332"/>
+          </a:xfrm>
+          <a:prstGeom prst="rect">
+            <a:avLst/>
+          </a:prstGeom>
+        </p:spPr>
+        <p:txBody>
+          <a:bodyPr wrap="none">
+            <a:spAutoFit/>
+          </a:bodyPr>
+          <a:lstStyle/>
+          <a:p>
+            <a:r>
+              <a:rPr lang="en-US" dirty="0">
+                <a:solidFill>
+                  <a:schemeClr val="bg1"/>
+                </a:solidFill>
+              </a:rPr>
+              <a:t>Samuel Messing (Project Manager)</a:t>
+            </a:r>
+            <a:endParaRPr lang="en-US" dirty="0">
+              <a:solidFill>
+                <a:schemeClr val="bg1"/>
+              </a:solidFill>
+            </a:endParaRPr>
           </a:p>
         </p:txBody>
       </p:sp>
@@ -17580,7 +18312,7 @@
           <a:p>
             <a:r>
               <a:rPr lang="en-US" dirty="0" smtClean="0"/>
-              <a:t>The simplest distributed sort</a:t>
+              <a:t>Just write eleven lines of code</a:t>
             </a:r>
             <a:endParaRPr lang="en-US" dirty="0"/>
           </a:p>
@@ -17603,15 +18335,11 @@
           <a:p>
             <a:r>
               <a:rPr lang="en-US" dirty="0" smtClean="0"/>
-              <a:t>These </a:t>
-            </a:r>
-            <a:r>
-              <a:rPr lang="en-US" i="1" dirty="0" smtClean="0"/>
-              <a:t>eleven </a:t>
+              <a:t>Eleven lines </a:t>
             </a:r>
             <a:r>
               <a:rPr lang="en-US" dirty="0" smtClean="0"/>
-              <a:t>lines of Hog code are enough to,</a:t>
+              <a:t>of Hog code are enough to,</a:t>
             </a:r>
           </a:p>
           <a:p>
@@ -17680,6 +18408,43 @@
               <a:buChar char="•"/>
             </a:pPr>
             <a:endParaRPr lang="en-US" dirty="0"/>
+          </a:p>
+        </p:txBody>
+      </p:sp>
+      <p:sp>
+        <p:nvSpPr>
+          <p:cNvPr id="4" name="Rectangle 3"/>
+          <p:cNvSpPr/>
+          <p:nvPr/>
+        </p:nvSpPr>
+        <p:spPr>
+          <a:xfrm>
+            <a:off x="4919794" y="6212568"/>
+            <a:ext cx="3583921" cy="369332"/>
+          </a:xfrm>
+          <a:prstGeom prst="rect">
+            <a:avLst/>
+          </a:prstGeom>
+        </p:spPr>
+        <p:txBody>
+          <a:bodyPr wrap="none">
+            <a:spAutoFit/>
+          </a:bodyPr>
+          <a:lstStyle/>
+          <a:p>
+            <a:r>
+              <a:rPr lang="en-US" dirty="0">
+                <a:solidFill>
+                  <a:schemeClr val="bg1"/>
+                </a:solidFill>
+              </a:rPr>
+              <a:t>Samuel Messing (Project Manager)</a:t>
+            </a:r>
+            <a:endParaRPr lang="en-US" dirty="0">
+              <a:solidFill>
+                <a:schemeClr val="bg1"/>
+              </a:solidFill>
+            </a:endParaRPr>
           </a:p>
         </p:txBody>
       </p:sp>
@@ -18120,6 +18885,59 @@
             <a:endParaRPr lang="en-US" sz="1400" dirty="0">
               <a:latin typeface="Lucida Console"/>
               <a:cs typeface="Lucida Console"/>
+            </a:endParaRPr>
+          </a:p>
+        </p:txBody>
+      </p:sp>
+      <p:sp>
+        <p:nvSpPr>
+          <p:cNvPr id="4" name="Rectangle 3"/>
+          <p:cNvSpPr/>
+          <p:nvPr/>
+        </p:nvSpPr>
+        <p:spPr>
+          <a:xfrm>
+            <a:off x="5596233" y="6212554"/>
+            <a:ext cx="2890861" cy="369332"/>
+          </a:xfrm>
+          <a:prstGeom prst="rect">
+            <a:avLst/>
+          </a:prstGeom>
+        </p:spPr>
+        <p:txBody>
+          <a:bodyPr wrap="none">
+            <a:spAutoFit/>
+          </a:bodyPr>
+          <a:lstStyle/>
+          <a:p>
+            <a:r>
+              <a:rPr lang="en-US" dirty="0" smtClean="0">
+                <a:solidFill>
+                  <a:schemeClr val="bg1"/>
+                </a:solidFill>
+              </a:rPr>
+              <a:t>Paul </a:t>
+            </a:r>
+            <a:r>
+              <a:rPr lang="en-US" dirty="0" err="1" smtClean="0">
+                <a:solidFill>
+                  <a:schemeClr val="bg1"/>
+                </a:solidFill>
+              </a:rPr>
+              <a:t>Tylkin</a:t>
+            </a:r>
+            <a:r>
+              <a:rPr lang="en-US" dirty="0" smtClean="0">
+                <a:solidFill>
+                  <a:schemeClr val="bg1"/>
+                </a:solidFill>
+              </a:rPr>
+              <a:t> (Language Guru)</a:t>
+            </a:r>
+            <a:endParaRPr lang="en-US" dirty="0">
+              <a:solidFill>
+                <a:schemeClr val="bg1"/>
+              </a:solidFill>
             </a:endParaRPr>
           </a:p>
         </p:txBody>

--- a/demo/demo.pptx
+++ b/demo/demo.pptx
@@ -5,7 +5,7 @@
     <p:sldMasterId id="2147483868" r:id="rId1"/>
   </p:sldMasterIdLst>
   <p:notesMasterIdLst>
-    <p:notesMasterId r:id="rId32"/>
+    <p:notesMasterId r:id="rId33"/>
   </p:notesMasterIdLst>
   <p:sldIdLst>
     <p:sldId id="256" r:id="rId2"/>
@@ -16,28 +16,29 @@
     <p:sldId id="279" r:id="rId7"/>
     <p:sldId id="267" r:id="rId8"/>
     <p:sldId id="260" r:id="rId9"/>
-    <p:sldId id="259" r:id="rId10"/>
-    <p:sldId id="263" r:id="rId11"/>
-    <p:sldId id="264" r:id="rId12"/>
-    <p:sldId id="280" r:id="rId13"/>
-    <p:sldId id="281" r:id="rId14"/>
-    <p:sldId id="258" r:id="rId15"/>
-    <p:sldId id="268" r:id="rId16"/>
-    <p:sldId id="273" r:id="rId17"/>
-    <p:sldId id="274" r:id="rId18"/>
-    <p:sldId id="269" r:id="rId19"/>
-    <p:sldId id="284" r:id="rId20"/>
-    <p:sldId id="285" r:id="rId21"/>
-    <p:sldId id="270" r:id="rId22"/>
-    <p:sldId id="282" r:id="rId23"/>
-    <p:sldId id="283" r:id="rId24"/>
-    <p:sldId id="277" r:id="rId25"/>
-    <p:sldId id="271" r:id="rId26"/>
-    <p:sldId id="276" r:id="rId27"/>
-    <p:sldId id="257" r:id="rId28"/>
-    <p:sldId id="286" r:id="rId29"/>
-    <p:sldId id="287" r:id="rId30"/>
-    <p:sldId id="288" r:id="rId31"/>
+    <p:sldId id="289" r:id="rId10"/>
+    <p:sldId id="259" r:id="rId11"/>
+    <p:sldId id="263" r:id="rId12"/>
+    <p:sldId id="264" r:id="rId13"/>
+    <p:sldId id="280" r:id="rId14"/>
+    <p:sldId id="281" r:id="rId15"/>
+    <p:sldId id="258" r:id="rId16"/>
+    <p:sldId id="268" r:id="rId17"/>
+    <p:sldId id="273" r:id="rId18"/>
+    <p:sldId id="274" r:id="rId19"/>
+    <p:sldId id="269" r:id="rId20"/>
+    <p:sldId id="284" r:id="rId21"/>
+    <p:sldId id="285" r:id="rId22"/>
+    <p:sldId id="270" r:id="rId23"/>
+    <p:sldId id="282" r:id="rId24"/>
+    <p:sldId id="283" r:id="rId25"/>
+    <p:sldId id="277" r:id="rId26"/>
+    <p:sldId id="271" r:id="rId27"/>
+    <p:sldId id="276" r:id="rId28"/>
+    <p:sldId id="257" r:id="rId29"/>
+    <p:sldId id="286" r:id="rId30"/>
+    <p:sldId id="287" r:id="rId31"/>
+    <p:sldId id="288" r:id="rId32"/>
   </p:sldIdLst>
   <p:sldSz cx="9144000" cy="6858000" type="screen4x3"/>
   <p:notesSz cx="6858000" cy="9144000"/>
@@ -554,7 +555,7 @@
           <a:p>
             <a:fld id="{42BEFFAC-3482-42C7-A3E5-AAF6C77BD00F}" type="slidenum">
               <a:rPr lang="en-US" smtClean="0"/>
-              <a:t>17</a:t>
+              <a:t>18</a:t>
             </a:fld>
             <a:endParaRPr lang="en-US"/>
           </a:p>
@@ -638,7 +639,7 @@
           <a:p>
             <a:fld id="{42BEFFAC-3482-42C7-A3E5-AAF6C77BD00F}" type="slidenum">
               <a:rPr lang="en-US" smtClean="0"/>
-              <a:t>22</a:t>
+              <a:t>23</a:t>
             </a:fld>
             <a:endParaRPr lang="en-US"/>
           </a:p>
@@ -722,7 +723,7 @@
           <a:p>
             <a:fld id="{42BEFFAC-3482-42C7-A3E5-AAF6C77BD00F}" type="slidenum">
               <a:rPr lang="en-US" smtClean="0"/>
-              <a:t>23</a:t>
+              <a:t>24</a:t>
             </a:fld>
             <a:endParaRPr lang="en-US"/>
           </a:p>
@@ -6023,16 +6024,12 @@
           <a:lstStyle/>
           <a:p>
             <a:r>
-              <a:rPr lang="en-US" dirty="0"/>
-              <a:t>Word count (</a:t>
-            </a:r>
-            <a:r>
               <a:rPr lang="en-US" dirty="0" smtClean="0"/>
-              <a:t>@R</a:t>
+              <a:t>Word count (@M</a:t>
             </a:r>
             <a:r>
               <a:rPr lang="en-US" cap="none" dirty="0" smtClean="0"/>
-              <a:t>educe</a:t>
+              <a:t>ap</a:t>
             </a:r>
             <a:r>
               <a:rPr lang="en-US" dirty="0" smtClean="0"/>
@@ -6052,342 +6049,260 @@
             <p:ph idx="1"/>
           </p:nvPr>
         </p:nvSpPr>
-        <p:spPr/>
+        <p:spPr>
+          <a:xfrm>
+            <a:off x="634074" y="1373672"/>
+            <a:ext cx="7709826" cy="3579849"/>
+          </a:xfrm>
+        </p:spPr>
         <p:txBody>
           <a:bodyPr>
-            <a:normAutofit/>
+            <a:noAutofit/>
           </a:bodyPr>
           <a:lstStyle/>
           <a:p>
-            <a:pPr marL="347472">
-              <a:spcBef>
-                <a:spcPts val="600"/>
-              </a:spcBef>
-            </a:pPr>
-            <a:r>
-              <a:rPr lang="en-US" sz="1400" dirty="0" smtClean="0">
+            <a:r>
+              <a:rPr lang="en-US" sz="2000" dirty="0" smtClean="0">
                 <a:latin typeface="Lucida Console"/>
                 <a:cs typeface="Lucida Console"/>
               </a:rPr>
-              <a:t>7  @</a:t>
-            </a:r>
-            <a:r>
-              <a:rPr lang="en-US" sz="1400" dirty="0">
+              <a:t>0 @</a:t>
+            </a:r>
+            <a:r>
+              <a:rPr lang="en-US" sz="2000" dirty="0">
                 <a:latin typeface="Lucida Console"/>
                 <a:cs typeface="Lucida Console"/>
               </a:rPr>
-              <a:t>Reduce (text word, </a:t>
-            </a:r>
-            <a:r>
-              <a:rPr lang="en-US" sz="1400" dirty="0" err="1">
+              <a:t>Map (</a:t>
+            </a:r>
+            <a:r>
+              <a:rPr lang="en-US" sz="2000" dirty="0" err="1">
                 <a:latin typeface="Lucida Console"/>
                 <a:cs typeface="Lucida Console"/>
               </a:rPr>
-              <a:t>iter</a:t>
-            </a:r>
-            <a:r>
-              <a:rPr lang="en-US" sz="1400" dirty="0">
+              <a:t>int</a:t>
+            </a:r>
+            <a:r>
+              <a:rPr lang="en-US" sz="2000" dirty="0">
                 <a:latin typeface="Lucida Console"/>
                 <a:cs typeface="Lucida Console"/>
               </a:rPr>
-              <a:t>&lt;</a:t>
-            </a:r>
-            <a:r>
-              <a:rPr lang="en-US" sz="1400" dirty="0" err="1">
+              <a:t> </a:t>
+            </a:r>
+            <a:r>
+              <a:rPr lang="en-US" sz="2000" dirty="0" err="1">
                 <a:latin typeface="Lucida Console"/>
                 <a:cs typeface="Lucida Console"/>
               </a:rPr>
-              <a:t>int</a:t>
-            </a:r>
-            <a:r>
-              <a:rPr lang="en-US" sz="1400" dirty="0">
+              <a:t>lineNum</a:t>
+            </a:r>
+            <a:r>
+              <a:rPr lang="en-US" sz="2000" dirty="0">
                 <a:latin typeface="Lucida Console"/>
                 <a:cs typeface="Lucida Console"/>
               </a:rPr>
-              <a:t>&gt; values) -&gt; (text, </a:t>
-            </a:r>
-            <a:r>
-              <a:rPr lang="en-US" sz="1400" dirty="0" err="1">
+              <a:t>, text line) -&gt; (text, </a:t>
+            </a:r>
+            <a:r>
+              <a:rPr lang="en-US" sz="2000" dirty="0" err="1">
                 <a:latin typeface="Lucida Console"/>
                 <a:cs typeface="Lucida Console"/>
               </a:rPr>
               <a:t>int</a:t>
             </a:r>
             <a:r>
-              <a:rPr lang="en-US" sz="1400" dirty="0">
+              <a:rPr lang="en-US" sz="2000" dirty="0">
                 <a:latin typeface="Lucida Console"/>
                 <a:cs typeface="Lucida Console"/>
               </a:rPr>
-              <a:t>) {</a:t>
-            </a:r>
-          </a:p>
-          <a:p>
-            <a:pPr marL="347472">
-              <a:spcBef>
-                <a:spcPts val="600"/>
-              </a:spcBef>
-            </a:pPr>
-            <a:r>
-              <a:rPr lang="en-US" sz="1400" dirty="0" smtClean="0">
+              <a:t>) </a:t>
+            </a:r>
+            <a:r>
+              <a:rPr lang="en-US" sz="2000" dirty="0" smtClean="0">
                 <a:latin typeface="Lucida Console"/>
                 <a:cs typeface="Lucida Console"/>
               </a:rPr>
-              <a:t>8    </a:t>
-            </a:r>
-            <a:r>
-              <a:rPr lang="en-US" sz="1400" i="1" dirty="0" smtClean="0">
+              <a:t>{</a:t>
+            </a:r>
+          </a:p>
+          <a:p>
+            <a:r>
+              <a:rPr lang="en-US" sz="2000" dirty="0" smtClean="0">
+                <a:solidFill>
+                  <a:srgbClr val="000000"/>
+                </a:solidFill>
+                <a:latin typeface="Lucida Console"/>
+                <a:cs typeface="Lucida Console"/>
+              </a:rPr>
+              <a:t>1</a:t>
+            </a:r>
+            <a:r>
+              <a:rPr lang="en-US" sz="2000" i="1" dirty="0" smtClean="0">
                 <a:solidFill>
                   <a:schemeClr val="accent1"/>
                 </a:solidFill>
                 <a:latin typeface="Lucida Console"/>
                 <a:cs typeface="Lucida Console"/>
               </a:rPr>
-              <a:t># </a:t>
-            </a:r>
-            <a:r>
-              <a:rPr lang="en-US" sz="1400" i="1" dirty="0">
+              <a:t>   # for </a:t>
+            </a:r>
+            <a:r>
+              <a:rPr lang="en-US" sz="2000" i="1" dirty="0">
                 <a:solidFill>
                   <a:schemeClr val="accent1"/>
                 </a:solidFill>
                 <a:latin typeface="Lucida Console"/>
                 <a:cs typeface="Lucida Console"/>
               </a:rPr>
-              <a:t>initialize count to zero</a:t>
-            </a:r>
-          </a:p>
-          <a:p>
-            <a:pPr marL="347472">
-              <a:spcBef>
-                <a:spcPts val="600"/>
-              </a:spcBef>
-            </a:pPr>
-            <a:r>
-              <a:rPr lang="en-US" sz="1400" dirty="0" smtClean="0">
+              <a:t>every word on this line, </a:t>
+            </a:r>
+            <a:endParaRPr lang="en-US" sz="2000" i="1" dirty="0" smtClean="0">
+              <a:solidFill>
+                <a:schemeClr val="accent1"/>
+              </a:solidFill>
+              <a:latin typeface="Lucida Console"/>
+              <a:cs typeface="Lucida Console"/>
+            </a:endParaRPr>
+          </a:p>
+          <a:p>
+            <a:pPr marL="0" indent="0"/>
+            <a:r>
+              <a:rPr lang="en-US" sz="2000" dirty="0" smtClean="0">
                 <a:latin typeface="Lucida Console"/>
                 <a:cs typeface="Lucida Console"/>
               </a:rPr>
-              <a:t>9    </a:t>
-            </a:r>
-            <a:r>
-              <a:rPr lang="en-US" sz="1400" dirty="0" err="1">
+              <a:t>2 </a:t>
+            </a:r>
+            <a:r>
+              <a:rPr lang="en-US" sz="2000" i="1" dirty="0" smtClean="0">
                 <a:latin typeface="Lucida Console"/>
                 <a:cs typeface="Lucida Console"/>
               </a:rPr>
-              <a:t>int</a:t>
-            </a:r>
-            <a:r>
-              <a:rPr lang="en-US" sz="1400" dirty="0">
-                <a:latin typeface="Lucida Console"/>
-                <a:cs typeface="Lucida Console"/>
-              </a:rPr>
-              <a:t> count = 0;</a:t>
-            </a:r>
-          </a:p>
-          <a:p>
-            <a:pPr marL="347472">
-              <a:spcBef>
-                <a:spcPts val="600"/>
-              </a:spcBef>
-            </a:pPr>
-            <a:r>
-              <a:rPr lang="en-US" sz="1400" dirty="0" smtClean="0">
-                <a:latin typeface="Lucida Console"/>
-                <a:cs typeface="Lucida Console"/>
-              </a:rPr>
-              <a:t>10   </a:t>
-            </a:r>
-            <a:r>
-              <a:rPr lang="en-US" sz="1400" dirty="0" smtClean="0">
-                <a:latin typeface="Lucida Console"/>
-                <a:cs typeface="Lucida Console"/>
-              </a:rPr>
-              <a:t>While (</a:t>
-            </a:r>
-            <a:r>
-              <a:rPr lang="en-US" sz="1400" dirty="0" err="1" smtClean="0">
-                <a:latin typeface="Lucida Console"/>
-                <a:cs typeface="Lucida Console"/>
-              </a:rPr>
-              <a:t>values.hasNext</a:t>
-            </a:r>
-            <a:r>
-              <a:rPr lang="en-US" sz="1400" dirty="0">
-                <a:latin typeface="Lucida Console"/>
-                <a:cs typeface="Lucida Console"/>
-              </a:rPr>
-              <a:t>(</a:t>
-            </a:r>
-            <a:r>
-              <a:rPr lang="en-US" sz="1400" dirty="0" smtClean="0">
-                <a:latin typeface="Lucida Console"/>
-                <a:cs typeface="Lucida Console"/>
-              </a:rPr>
-              <a:t>)) </a:t>
-            </a:r>
-            <a:r>
-              <a:rPr lang="en-US" sz="1400" dirty="0">
-                <a:latin typeface="Lucida Console"/>
-                <a:cs typeface="Lucida Console"/>
-              </a:rPr>
-              <a:t>{</a:t>
-            </a:r>
-          </a:p>
-          <a:p>
-            <a:pPr marL="347472">
-              <a:spcBef>
-                <a:spcPts val="600"/>
-              </a:spcBef>
-            </a:pPr>
-            <a:r>
-              <a:rPr lang="en-US" sz="1400" dirty="0" smtClean="0">
-                <a:latin typeface="Lucida Console"/>
-                <a:cs typeface="Lucida Console"/>
-              </a:rPr>
-              <a:t>11     </a:t>
-            </a:r>
-            <a:r>
-              <a:rPr lang="en-US" sz="1400" i="1" dirty="0">
+              <a:t>  </a:t>
+            </a:r>
+            <a:r>
+              <a:rPr lang="en-US" sz="2000" i="1" dirty="0" smtClean="0">
                 <a:solidFill>
-                  <a:srgbClr val="797B7E"/>
+                  <a:schemeClr val="accent1"/>
                 </a:solidFill>
                 <a:latin typeface="Lucida Console"/>
                 <a:cs typeface="Lucida Console"/>
               </a:rPr>
-              <a:t># for every instance of '1' for this word, add to count.</a:t>
-            </a:r>
-          </a:p>
-          <a:p>
-            <a:pPr marL="347472">
-              <a:spcBef>
-                <a:spcPts val="600"/>
-              </a:spcBef>
-            </a:pPr>
-            <a:r>
-              <a:rPr lang="en-US" sz="1400" dirty="0" smtClean="0">
+              <a:t># emit </a:t>
+            </a:r>
+            <a:r>
+              <a:rPr lang="en-US" sz="2000" i="1" dirty="0">
+                <a:solidFill>
+                  <a:schemeClr val="accent1"/>
+                </a:solidFill>
                 <a:latin typeface="Lucida Console"/>
                 <a:cs typeface="Lucida Console"/>
               </a:rPr>
-              <a:t>12     </a:t>
-            </a:r>
-            <a:r>
-              <a:rPr lang="en-US" sz="1400" dirty="0">
+              <a:t>that word and the </a:t>
+            </a:r>
+            <a:r>
+              <a:rPr lang="en-US" sz="2000" i="1" dirty="0" smtClean="0">
+                <a:solidFill>
+                  <a:schemeClr val="accent1"/>
+                </a:solidFill>
                 <a:latin typeface="Lucida Console"/>
                 <a:cs typeface="Lucida Console"/>
               </a:rPr>
-              <a:t>count = count + </a:t>
-            </a:r>
-            <a:r>
-              <a:rPr lang="en-US" sz="1400" dirty="0" err="1">
-                <a:latin typeface="Lucida Console"/>
-                <a:cs typeface="Lucida Console"/>
-              </a:rPr>
-              <a:t>values.next</a:t>
-            </a:r>
-            <a:r>
-              <a:rPr lang="en-US" sz="1400" dirty="0">
-                <a:latin typeface="Lucida Console"/>
-                <a:cs typeface="Lucida Console"/>
-              </a:rPr>
-              <a:t>();</a:t>
-            </a:r>
-          </a:p>
-          <a:p>
-            <a:pPr marL="347472">
-              <a:spcBef>
-                <a:spcPts val="600"/>
-              </a:spcBef>
-            </a:pPr>
-            <a:r>
-              <a:rPr lang="en-US" sz="1400" dirty="0" smtClean="0">
-                <a:latin typeface="Lucida Console"/>
-                <a:cs typeface="Lucida Console"/>
-              </a:rPr>
-              <a:t>13   }</a:t>
-            </a:r>
-            <a:endParaRPr lang="en-US" sz="1400" dirty="0">
+              <a:t>number ‘1’</a:t>
+            </a:r>
+            <a:endParaRPr lang="en-US" sz="2000" i="1" dirty="0">
+              <a:solidFill>
+                <a:schemeClr val="accent1"/>
+              </a:solidFill>
               <a:latin typeface="Lucida Console"/>
               <a:cs typeface="Lucida Console"/>
             </a:endParaRPr>
           </a:p>
           <a:p>
-            <a:pPr marL="347472">
-              <a:spcBef>
-                <a:spcPts val="600"/>
-              </a:spcBef>
-            </a:pPr>
-            <a:r>
-              <a:rPr lang="en-US" sz="1400" dirty="0" smtClean="0">
+            <a:r>
+              <a:rPr lang="en-US" sz="2000" dirty="0" smtClean="0">
                 <a:latin typeface="Lucida Console"/>
                 <a:cs typeface="Lucida Console"/>
               </a:rPr>
-              <a:t>14   </a:t>
-            </a:r>
-            <a:r>
-              <a:rPr lang="en-US" sz="1400" i="1" dirty="0">
-                <a:solidFill>
-                  <a:srgbClr val="797B7E"/>
-                </a:solidFill>
+              <a:t>3   </a:t>
+            </a:r>
+            <a:r>
+              <a:rPr lang="en-US" sz="2000" dirty="0" err="1" smtClean="0">
                 <a:latin typeface="Lucida Console"/>
                 <a:cs typeface="Lucida Console"/>
               </a:rPr>
-              <a:t># </a:t>
-            </a:r>
-            <a:r>
-              <a:rPr lang="en-US" sz="1400" i="1" dirty="0" smtClean="0">
-                <a:solidFill>
-                  <a:srgbClr val="797B7E"/>
-                </a:solidFill>
+              <a:t>foreach</a:t>
+            </a:r>
+            <a:r>
+              <a:rPr lang="en-US" sz="2000" dirty="0" smtClean="0">
                 <a:latin typeface="Lucida Console"/>
                 <a:cs typeface="Lucida Console"/>
               </a:rPr>
-              <a:t>emit </a:t>
-            </a:r>
-            <a:r>
-              <a:rPr lang="en-US" sz="1400" i="1" dirty="0">
-                <a:solidFill>
-                  <a:srgbClr val="797B7E"/>
-                </a:solidFill>
+              <a:t> </a:t>
+            </a:r>
+            <a:r>
+              <a:rPr lang="en-US" sz="2000" dirty="0">
                 <a:latin typeface="Lucida Console"/>
                 <a:cs typeface="Lucida Console"/>
               </a:rPr>
-              <a:t>the count for this particular word</a:t>
-            </a:r>
-          </a:p>
-          <a:p>
-            <a:pPr marL="347472">
-              <a:spcBef>
-                <a:spcPts val="600"/>
-              </a:spcBef>
-            </a:pPr>
-            <a:r>
-              <a:rPr lang="en-US" sz="1400" dirty="0" smtClean="0">
+              <a:t>text word in </a:t>
+            </a:r>
+            <a:r>
+              <a:rPr lang="en-US" sz="2000" dirty="0" err="1">
                 <a:latin typeface="Lucida Console"/>
                 <a:cs typeface="Lucida Console"/>
               </a:rPr>
-              <a:t>15   emit</a:t>
-            </a:r>
-            <a:r>
-              <a:rPr lang="en-US" sz="1400" dirty="0">
+              <a:t>line.tokenize</a:t>
+            </a:r>
+            <a:r>
+              <a:rPr lang="en-US" sz="2000" dirty="0">
                 <a:latin typeface="Lucida Console"/>
                 <a:cs typeface="Lucida Console"/>
               </a:rPr>
-              <a:t>(word, count);</a:t>
-            </a:r>
-          </a:p>
-          <a:p>
-            <a:pPr marL="347472">
-              <a:spcBef>
-                <a:spcPts val="600"/>
-              </a:spcBef>
-            </a:pPr>
-            <a:r>
-              <a:rPr lang="en-US" sz="1400" dirty="0" smtClean="0">
+              <a:t>(" ") {</a:t>
+            </a:r>
+          </a:p>
+          <a:p>
+            <a:r>
+              <a:rPr lang="en-US" sz="2000" dirty="0" smtClean="0">
                 <a:latin typeface="Lucida Console"/>
                 <a:cs typeface="Lucida Console"/>
               </a:rPr>
-              <a:t>16 }</a:t>
-            </a:r>
-            <a:endParaRPr lang="en-US" sz="1400" dirty="0">
+              <a:t>4     </a:t>
+            </a:r>
+            <a:r>
+              <a:rPr lang="en-US" sz="2000" dirty="0">
+                <a:latin typeface="Lucida Console"/>
+                <a:cs typeface="Lucida Console"/>
+              </a:rPr>
+              <a:t>emit(word, 1);</a:t>
+            </a:r>
+          </a:p>
+          <a:p>
+            <a:r>
+              <a:rPr lang="en-US" sz="2000" dirty="0" smtClean="0">
+                <a:latin typeface="Lucida Console"/>
+                <a:cs typeface="Lucida Console"/>
+              </a:rPr>
+              <a:t>5   </a:t>
+            </a:r>
+            <a:r>
+              <a:rPr lang="en-US" sz="2000" dirty="0">
+                <a:latin typeface="Lucida Console"/>
+                <a:cs typeface="Lucida Console"/>
+              </a:rPr>
+              <a:t>}</a:t>
+            </a:r>
+          </a:p>
+          <a:p>
+            <a:r>
+              <a:rPr lang="en-US" sz="2000" dirty="0" smtClean="0">
+                <a:latin typeface="Lucida Console"/>
+                <a:cs typeface="Lucida Console"/>
+              </a:rPr>
+              <a:t>6 }</a:t>
+            </a:r>
+            <a:endParaRPr lang="en-US" sz="2000" dirty="0">
               <a:latin typeface="Lucida Console"/>
               <a:cs typeface="Lucida Console"/>
             </a:endParaRPr>
@@ -6450,7 +6365,7 @@
     </p:spTree>
     <p:extLst>
       <p:ext uri="{BB962C8B-B14F-4D97-AF65-F5344CB8AC3E}">
-        <p14:creationId xmlns:p14="http://schemas.microsoft.com/office/powerpoint/2010/main" val="1703513027"/>
+        <p14:creationId xmlns:p14="http://schemas.microsoft.com/office/powerpoint/2010/main" val="2518737623"/>
       </p:ext>
     </p:extLst>
   </p:cSld>
@@ -6505,11 +6420,11 @@
             </a:r>
             <a:r>
               <a:rPr lang="en-US" dirty="0" smtClean="0"/>
-              <a:t>@M</a:t>
+              <a:t>@R</a:t>
             </a:r>
             <a:r>
               <a:rPr lang="en-US" cap="none" dirty="0" smtClean="0"/>
-              <a:t>ain</a:t>
+              <a:t>educe</a:t>
             </a:r>
             <a:r>
               <a:rPr lang="en-US" dirty="0" smtClean="0"/>
@@ -6531,17 +6446,19 @@
         </p:nvSpPr>
         <p:spPr>
           <a:xfrm>
-            <a:off x="2244862" y="1735692"/>
-            <a:ext cx="4671378" cy="3579849"/>
+            <a:off x="590708" y="1069484"/>
+            <a:ext cx="7896386" cy="3972831"/>
           </a:xfrm>
         </p:spPr>
         <p:txBody>
-          <a:bodyPr/>
+          <a:bodyPr>
+            <a:noAutofit/>
+          </a:bodyPr>
           <a:lstStyle/>
           <a:p>
-            <a:pPr>
+            <a:pPr marL="347472">
               <a:spcBef>
-                <a:spcPts val="1400"/>
+                <a:spcPts val="600"/>
               </a:spcBef>
             </a:pPr>
             <a:r>
@@ -6549,20 +6466,62 @@
                 <a:latin typeface="Lucida Console"/>
                 <a:cs typeface="Lucida Console"/>
               </a:rPr>
-              <a:t>17 @</a:t>
+              <a:t>7  @</a:t>
             </a:r>
             <a:r>
               <a:rPr lang="en-US" dirty="0">
                 <a:latin typeface="Lucida Console"/>
                 <a:cs typeface="Lucida Console"/>
               </a:rPr>
-              <a:t>Main {</a:t>
-            </a:r>
-          </a:p>
-          <a:p>
-            <a:pPr>
+              <a:t>Reduce (text word, </a:t>
+            </a:r>
+            <a:r>
+              <a:rPr lang="en-US" dirty="0" err="1">
+                <a:latin typeface="Lucida Console"/>
+                <a:cs typeface="Lucida Console"/>
+              </a:rPr>
+              <a:t>iter</a:t>
+            </a:r>
+            <a:r>
+              <a:rPr lang="en-US" dirty="0">
+                <a:latin typeface="Lucida Console"/>
+                <a:cs typeface="Lucida Console"/>
+              </a:rPr>
+              <a:t>&lt;</a:t>
+            </a:r>
+            <a:r>
+              <a:rPr lang="en-US" dirty="0" err="1">
+                <a:latin typeface="Lucida Console"/>
+                <a:cs typeface="Lucida Console"/>
+              </a:rPr>
+              <a:t>int</a:t>
+            </a:r>
+            <a:r>
+              <a:rPr lang="en-US" dirty="0">
+                <a:latin typeface="Lucida Console"/>
+                <a:cs typeface="Lucida Console"/>
+              </a:rPr>
+              <a:t>&gt; values) -&gt; (text, </a:t>
+            </a:r>
+            <a:r>
+              <a:rPr lang="en-US" dirty="0" err="1">
+                <a:latin typeface="Lucida Console"/>
+                <a:cs typeface="Lucida Console"/>
+              </a:rPr>
+              <a:t>int</a:t>
+            </a:r>
+            <a:r>
+              <a:rPr lang="en-US" dirty="0">
+                <a:latin typeface="Lucida Console"/>
+                <a:cs typeface="Lucida Console"/>
+              </a:rPr>
+              <a:t>) {</a:t>
+            </a:r>
+          </a:p>
+          <a:p>
+            <a:pPr marL="347472">
               <a:spcBef>
-                <a:spcPts val="1400"/>
+                <a:spcPts val="600"/>
               </a:spcBef>
             </a:pPr>
             <a:r>
@@ -6570,7 +6529,17 @@
                 <a:latin typeface="Lucida Console"/>
                 <a:cs typeface="Lucida Console"/>
               </a:rPr>
-              <a:t>18   </a:t>
+              <a:t>8    </a:t>
+            </a:r>
+            <a:r>
+              <a:rPr lang="en-US" i="1" dirty="0" smtClean="0">
+                <a:solidFill>
+                  <a:schemeClr val="accent1"/>
+                </a:solidFill>
+                <a:latin typeface="Lucida Console"/>
+                <a:cs typeface="Lucida Console"/>
+              </a:rPr>
+              <a:t># </a:t>
             </a:r>
             <a:r>
               <a:rPr lang="en-US" i="1" dirty="0">
@@ -6580,13 +6549,13 @@
                 <a:latin typeface="Lucida Console"/>
                 <a:cs typeface="Lucida Console"/>
               </a:rPr>
-              <a:t># call map reduce</a:t>
-            </a:r>
-          </a:p>
-          <a:p>
-            <a:pPr>
+              <a:t>initialize count to zero</a:t>
+            </a:r>
+          </a:p>
+          <a:p>
+            <a:pPr marL="347472">
               <a:spcBef>
-                <a:spcPts val="1400"/>
+                <a:spcPts val="600"/>
               </a:spcBef>
             </a:pPr>
             <a:r>
@@ -6594,27 +6563,27 @@
                 <a:latin typeface="Lucida Console"/>
                 <a:cs typeface="Lucida Console"/>
               </a:rPr>
-              <a:t>19   </a:t>
+              <a:t>9    </a:t>
             </a:r>
             <a:r>
               <a:rPr lang="en-US" dirty="0" err="1">
                 <a:latin typeface="Lucida Console"/>
                 <a:cs typeface="Lucida Console"/>
               </a:rPr>
-              <a:t>mapReduce</a:t>
+              <a:t>int</a:t>
             </a:r>
             <a:r>
               <a:rPr lang="en-US" dirty="0">
                 <a:latin typeface="Lucida Console"/>
                 <a:cs typeface="Lucida Console"/>
               </a:rPr>
-              <a:t>();</a:t>
-            </a:r>
-          </a:p>
-          <a:p>
-            <a:pPr>
+              <a:t> count = 0;</a:t>
+            </a:r>
+          </a:p>
+          <a:p>
+            <a:pPr marL="347472">
               <a:spcBef>
-                <a:spcPts val="1400"/>
+                <a:spcPts val="600"/>
               </a:spcBef>
             </a:pPr>
             <a:r>
@@ -6622,7 +6591,108 @@
                 <a:latin typeface="Lucida Console"/>
                 <a:cs typeface="Lucida Console"/>
               </a:rPr>
-              <a:t>20 }</a:t>
+              <a:t>10   While (</a:t>
+            </a:r>
+            <a:r>
+              <a:rPr lang="en-US" dirty="0" err="1" smtClean="0">
+                <a:latin typeface="Lucida Console"/>
+                <a:cs typeface="Lucida Console"/>
+              </a:rPr>
+              <a:t>values.hasNext</a:t>
+            </a:r>
+            <a:r>
+              <a:rPr lang="en-US" dirty="0">
+                <a:latin typeface="Lucida Console"/>
+                <a:cs typeface="Lucida Console"/>
+              </a:rPr>
+              <a:t>(</a:t>
+            </a:r>
+            <a:r>
+              <a:rPr lang="en-US" dirty="0" smtClean="0">
+                <a:latin typeface="Lucida Console"/>
+                <a:cs typeface="Lucida Console"/>
+              </a:rPr>
+              <a:t>)) </a:t>
+            </a:r>
+            <a:r>
+              <a:rPr lang="en-US" dirty="0">
+                <a:latin typeface="Lucida Console"/>
+                <a:cs typeface="Lucida Console"/>
+              </a:rPr>
+              <a:t>{</a:t>
+            </a:r>
+          </a:p>
+          <a:p>
+            <a:pPr marL="347472">
+              <a:spcBef>
+                <a:spcPts val="600"/>
+              </a:spcBef>
+            </a:pPr>
+            <a:r>
+              <a:rPr lang="en-US" dirty="0" smtClean="0">
+                <a:latin typeface="Lucida Console"/>
+                <a:cs typeface="Lucida Console"/>
+              </a:rPr>
+              <a:t>11     </a:t>
+            </a:r>
+            <a:r>
+              <a:rPr lang="en-US" i="1" dirty="0">
+                <a:solidFill>
+                  <a:srgbClr val="797B7E"/>
+                </a:solidFill>
+                <a:latin typeface="Lucida Console"/>
+                <a:cs typeface="Lucida Console"/>
+              </a:rPr>
+              <a:t># for every instance of '1' for this word, add to count.</a:t>
+            </a:r>
+          </a:p>
+          <a:p>
+            <a:pPr marL="347472">
+              <a:spcBef>
+                <a:spcPts val="600"/>
+              </a:spcBef>
+            </a:pPr>
+            <a:r>
+              <a:rPr lang="en-US" dirty="0" smtClean="0">
+                <a:latin typeface="Lucida Console"/>
+                <a:cs typeface="Lucida Console"/>
+              </a:rPr>
+              <a:t>12     </a:t>
+            </a:r>
+            <a:r>
+              <a:rPr lang="en-US" dirty="0">
+                <a:latin typeface="Lucida Console"/>
+                <a:cs typeface="Lucida Console"/>
+              </a:rPr>
+              <a:t>count = count + </a:t>
+            </a:r>
+            <a:r>
+              <a:rPr lang="en-US" dirty="0" err="1">
+                <a:latin typeface="Lucida Console"/>
+                <a:cs typeface="Lucida Console"/>
+              </a:rPr>
+              <a:t>values.next</a:t>
+            </a:r>
+            <a:r>
+              <a:rPr lang="en-US" dirty="0">
+                <a:latin typeface="Lucida Console"/>
+                <a:cs typeface="Lucida Console"/>
+              </a:rPr>
+              <a:t>();</a:t>
+            </a:r>
+          </a:p>
+          <a:p>
+            <a:pPr marL="347472">
+              <a:spcBef>
+                <a:spcPts val="600"/>
+              </a:spcBef>
+            </a:pPr>
+            <a:r>
+              <a:rPr lang="en-US" dirty="0" smtClean="0">
+                <a:latin typeface="Lucida Console"/>
+                <a:cs typeface="Lucida Console"/>
+              </a:rPr>
+              <a:t>13   }</a:t>
             </a:r>
             <a:endParaRPr lang="en-US" dirty="0">
               <a:latin typeface="Lucida Console"/>
@@ -6630,7 +6700,87 @@
             </a:endParaRPr>
           </a:p>
           <a:p>
-            <a:endParaRPr lang="en-US" dirty="0"/>
+            <a:pPr marL="347472">
+              <a:spcBef>
+                <a:spcPts val="600"/>
+              </a:spcBef>
+            </a:pPr>
+            <a:r>
+              <a:rPr lang="en-US" dirty="0" smtClean="0">
+                <a:latin typeface="Lucida Console"/>
+                <a:cs typeface="Lucida Console"/>
+              </a:rPr>
+              <a:t>14   </a:t>
+            </a:r>
+            <a:r>
+              <a:rPr lang="en-US" i="1" dirty="0">
+                <a:solidFill>
+                  <a:srgbClr val="797B7E"/>
+                </a:solidFill>
+                <a:latin typeface="Lucida Console"/>
+                <a:cs typeface="Lucida Console"/>
+              </a:rPr>
+              <a:t># </a:t>
+            </a:r>
+            <a:r>
+              <a:rPr lang="en-US" i="1" dirty="0" smtClean="0">
+                <a:solidFill>
+                  <a:srgbClr val="797B7E"/>
+                </a:solidFill>
+                <a:latin typeface="Lucida Console"/>
+                <a:cs typeface="Lucida Console"/>
+              </a:rPr>
+              <a:t>emit </a:t>
+            </a:r>
+            <a:r>
+              <a:rPr lang="en-US" i="1" dirty="0">
+                <a:solidFill>
+                  <a:srgbClr val="797B7E"/>
+                </a:solidFill>
+                <a:latin typeface="Lucida Console"/>
+                <a:cs typeface="Lucida Console"/>
+              </a:rPr>
+              <a:t>the count for this particular word</a:t>
+            </a:r>
+          </a:p>
+          <a:p>
+            <a:pPr marL="347472">
+              <a:spcBef>
+                <a:spcPts val="600"/>
+              </a:spcBef>
+            </a:pPr>
+            <a:r>
+              <a:rPr lang="en-US" dirty="0" smtClean="0">
+                <a:latin typeface="Lucida Console"/>
+                <a:cs typeface="Lucida Console"/>
+              </a:rPr>
+              <a:t>15   emit</a:t>
+            </a:r>
+            <a:r>
+              <a:rPr lang="en-US" dirty="0">
+                <a:latin typeface="Lucida Console"/>
+                <a:cs typeface="Lucida Console"/>
+              </a:rPr>
+              <a:t>(word, count);</a:t>
+            </a:r>
+          </a:p>
+          <a:p>
+            <a:pPr marL="347472">
+              <a:spcBef>
+                <a:spcPts val="600"/>
+              </a:spcBef>
+            </a:pPr>
+            <a:r>
+              <a:rPr lang="en-US" dirty="0" smtClean="0">
+                <a:latin typeface="Lucida Console"/>
+                <a:cs typeface="Lucida Console"/>
+              </a:rPr>
+              <a:t>16 }</a:t>
+            </a:r>
+            <a:endParaRPr lang="en-US" dirty="0">
+              <a:latin typeface="Lucida Console"/>
+              <a:cs typeface="Lucida Console"/>
+            </a:endParaRPr>
           </a:p>
         </p:txBody>
       </p:sp>
@@ -6690,7 +6840,7 @@
     </p:spTree>
     <p:extLst>
       <p:ext uri="{BB962C8B-B14F-4D97-AF65-F5344CB8AC3E}">
-        <p14:creationId xmlns:p14="http://schemas.microsoft.com/office/powerpoint/2010/main" val="2306823462"/>
+        <p14:creationId xmlns:p14="http://schemas.microsoft.com/office/powerpoint/2010/main" val="1703513027"/>
       </p:ext>
     </p:extLst>
   </p:cSld>
@@ -6740,12 +6890,16 @@
           <a:lstStyle/>
           <a:p>
             <a:r>
+              <a:rPr lang="en-US" dirty="0"/>
+              <a:t>Word count (</a:t>
+            </a:r>
+            <a:r>
               <a:rPr lang="en-US" dirty="0" smtClean="0"/>
-              <a:t>User-defined functions (@F</a:t>
+              <a:t>@M</a:t>
             </a:r>
             <a:r>
               <a:rPr lang="en-US" cap="none" dirty="0" smtClean="0"/>
-              <a:t>unctions</a:t>
+              <a:t>ain</a:t>
             </a:r>
             <a:r>
               <a:rPr lang="en-US" dirty="0" smtClean="0"/>
@@ -6767,263 +6921,106 @@
         </p:nvSpPr>
         <p:spPr>
           <a:xfrm>
-            <a:off x="2217252" y="1100628"/>
-            <a:ext cx="4698988" cy="3579849"/>
+            <a:off x="2244862" y="1735692"/>
+            <a:ext cx="4671378" cy="3579849"/>
           </a:xfrm>
         </p:spPr>
         <p:txBody>
-          <a:bodyPr>
-            <a:normAutofit/>
-          </a:bodyPr>
+          <a:bodyPr/>
           <a:lstStyle/>
           <a:p>
             <a:pPr>
               <a:spcBef>
-                <a:spcPts val="600"/>
+                <a:spcPts val="1400"/>
               </a:spcBef>
             </a:pPr>
             <a:r>
-              <a:rPr lang="en-US" dirty="0" smtClean="0">
+              <a:rPr lang="en-US" sz="2000" dirty="0" smtClean="0">
                 <a:latin typeface="Lucida Console"/>
                 <a:cs typeface="Lucida Console"/>
               </a:rPr>
-              <a:t>0   @</a:t>
-            </a:r>
-            <a:r>
-              <a:rPr lang="en-US" dirty="0">
+              <a:t>17 @</a:t>
+            </a:r>
+            <a:r>
+              <a:rPr lang="en-US" sz="2000" dirty="0">
                 <a:latin typeface="Lucida Console"/>
                 <a:cs typeface="Lucida Console"/>
               </a:rPr>
-              <a:t>Functions {</a:t>
+              <a:t>Main {</a:t>
             </a:r>
           </a:p>
           <a:p>
             <a:pPr>
               <a:spcBef>
-                <a:spcPts val="600"/>
+                <a:spcPts val="1400"/>
               </a:spcBef>
             </a:pPr>
             <a:r>
-              <a:rPr lang="en-US" dirty="0" smtClean="0">
+              <a:rPr lang="en-US" sz="2000" dirty="0" smtClean="0">
                 <a:latin typeface="Lucida Console"/>
                 <a:cs typeface="Lucida Console"/>
               </a:rPr>
-              <a:t>1   </a:t>
-            </a:r>
-            <a:r>
-              <a:rPr lang="en-US" dirty="0" err="1" smtClean="0">
+              <a:t>18   </a:t>
+            </a:r>
+            <a:r>
+              <a:rPr lang="en-US" sz="2000" i="1" dirty="0">
+                <a:solidFill>
+                  <a:schemeClr val="accent1"/>
+                </a:solidFill>
                 <a:latin typeface="Lucida Console"/>
                 <a:cs typeface="Lucida Console"/>
               </a:rPr>
-              <a:t>int</a:t>
-            </a:r>
-            <a:r>
-              <a:rPr lang="en-US" dirty="0" smtClean="0">
+              <a:t># call map reduce</a:t>
+            </a:r>
+          </a:p>
+          <a:p>
+            <a:pPr>
+              <a:spcBef>
+                <a:spcPts val="1400"/>
+              </a:spcBef>
+            </a:pPr>
+            <a:r>
+              <a:rPr lang="en-US" sz="2000" dirty="0" smtClean="0">
                 <a:latin typeface="Lucida Console"/>
                 <a:cs typeface="Lucida Console"/>
               </a:rPr>
-              <a:t> </a:t>
-            </a:r>
-            <a:r>
-              <a:rPr lang="en-US" dirty="0">
+              <a:t>19   </a:t>
+            </a:r>
+            <a:r>
+              <a:rPr lang="en-US" sz="2000" dirty="0" err="1">
                 <a:latin typeface="Lucida Console"/>
                 <a:cs typeface="Lucida Console"/>
               </a:rPr>
-              <a:t>fib(</a:t>
-            </a:r>
-            <a:r>
-              <a:rPr lang="en-US" dirty="0" err="1">
+              <a:t>mapReduce</a:t>
+            </a:r>
+            <a:r>
+              <a:rPr lang="en-US" sz="2000" dirty="0">
                 <a:latin typeface="Lucida Console"/>
                 <a:cs typeface="Lucida Console"/>
               </a:rPr>
-              <a:t>int</a:t>
-            </a:r>
-            <a:r>
-              <a:rPr lang="en-US" dirty="0">
+              <a:t>();</a:t>
+            </a:r>
+          </a:p>
+          <a:p>
+            <a:pPr>
+              <a:spcBef>
+                <a:spcPts val="1400"/>
+              </a:spcBef>
+            </a:pPr>
+            <a:r>
+              <a:rPr lang="en-US" sz="2000" dirty="0" smtClean="0">
                 <a:latin typeface="Lucida Console"/>
                 <a:cs typeface="Lucida Console"/>
               </a:rPr>
-              <a:t> n) {</a:t>
-            </a:r>
-          </a:p>
-          <a:p>
-            <a:pPr>
-              <a:spcBef>
-                <a:spcPts val="600"/>
-              </a:spcBef>
-            </a:pPr>
-            <a:r>
-              <a:rPr lang="en-US" dirty="0" smtClean="0">
-                <a:latin typeface="Lucida Console"/>
-                <a:cs typeface="Lucida Console"/>
-              </a:rPr>
-              <a:t>2     </a:t>
-            </a:r>
-            <a:r>
-              <a:rPr lang="en-US" dirty="0">
-                <a:latin typeface="Lucida Console"/>
-                <a:cs typeface="Lucida Console"/>
-              </a:rPr>
-              <a:t>if (n == 0) {</a:t>
-            </a:r>
-          </a:p>
-          <a:p>
-            <a:pPr>
-              <a:spcBef>
-                <a:spcPts val="600"/>
-              </a:spcBef>
-            </a:pPr>
-            <a:r>
-              <a:rPr lang="en-US" dirty="0" smtClean="0">
-                <a:latin typeface="Lucida Console"/>
-                <a:cs typeface="Lucida Console"/>
-              </a:rPr>
-              <a:t>3       </a:t>
-            </a:r>
-            <a:r>
-              <a:rPr lang="en-US" dirty="0">
-                <a:latin typeface="Lucida Console"/>
-                <a:cs typeface="Lucida Console"/>
-              </a:rPr>
-              <a:t>return 1;</a:t>
-            </a:r>
-          </a:p>
-          <a:p>
-            <a:pPr>
-              <a:spcBef>
-                <a:spcPts val="600"/>
-              </a:spcBef>
-            </a:pPr>
-            <a:r>
-              <a:rPr lang="en-US" dirty="0" smtClean="0">
-                <a:latin typeface="Lucida Console"/>
-                <a:cs typeface="Lucida Console"/>
-              </a:rPr>
-              <a:t>4     </a:t>
-            </a:r>
-            <a:r>
-              <a:rPr lang="en-US" dirty="0">
-                <a:latin typeface="Lucida Console"/>
-                <a:cs typeface="Lucida Console"/>
-              </a:rPr>
-              <a:t>} </a:t>
-            </a:r>
-            <a:r>
-              <a:rPr lang="en-US" dirty="0" err="1">
-                <a:latin typeface="Lucida Console"/>
-                <a:cs typeface="Lucida Console"/>
-              </a:rPr>
-              <a:t>elseif</a:t>
-            </a:r>
-            <a:r>
-              <a:rPr lang="en-US" dirty="0">
-                <a:latin typeface="Lucida Console"/>
-                <a:cs typeface="Lucida Console"/>
-              </a:rPr>
-              <a:t> (n == 1) {</a:t>
-            </a:r>
-          </a:p>
-          <a:p>
-            <a:pPr>
-              <a:spcBef>
-                <a:spcPts val="600"/>
-              </a:spcBef>
-            </a:pPr>
-            <a:r>
-              <a:rPr lang="en-US" dirty="0" smtClean="0">
-                <a:latin typeface="Lucida Console"/>
-                <a:cs typeface="Lucida Console"/>
-              </a:rPr>
-              <a:t>5       </a:t>
-            </a:r>
-            <a:r>
-              <a:rPr lang="en-US" dirty="0">
-                <a:latin typeface="Lucida Console"/>
-                <a:cs typeface="Lucida Console"/>
-              </a:rPr>
-              <a:t>return 1;</a:t>
-            </a:r>
-          </a:p>
-          <a:p>
-            <a:pPr>
-              <a:spcBef>
-                <a:spcPts val="600"/>
-              </a:spcBef>
-            </a:pPr>
-            <a:r>
-              <a:rPr lang="en-US" dirty="0" smtClean="0">
-                <a:latin typeface="Lucida Console"/>
-                <a:cs typeface="Lucida Console"/>
-              </a:rPr>
-              <a:t>6     </a:t>
-            </a:r>
-            <a:r>
-              <a:rPr lang="en-US" dirty="0">
-                <a:latin typeface="Lucida Console"/>
-                <a:cs typeface="Lucida Console"/>
-              </a:rPr>
-              <a:t>} else {</a:t>
-            </a:r>
-          </a:p>
-          <a:p>
-            <a:pPr>
-              <a:spcBef>
-                <a:spcPts val="600"/>
-              </a:spcBef>
-            </a:pPr>
-            <a:r>
-              <a:rPr lang="en-US" dirty="0" smtClean="0">
-                <a:latin typeface="Lucida Console"/>
-                <a:cs typeface="Lucida Console"/>
-              </a:rPr>
-              <a:t>7       </a:t>
-            </a:r>
-            <a:r>
-              <a:rPr lang="en-US" dirty="0">
-                <a:latin typeface="Lucida Console"/>
-                <a:cs typeface="Lucida Console"/>
-              </a:rPr>
-              <a:t>return fib(n-1) + fib(n-2);</a:t>
-            </a:r>
-          </a:p>
-          <a:p>
-            <a:pPr>
-              <a:spcBef>
-                <a:spcPts val="600"/>
-              </a:spcBef>
-            </a:pPr>
-            <a:r>
-              <a:rPr lang="en-US" dirty="0" smtClean="0">
-                <a:latin typeface="Lucida Console"/>
-                <a:cs typeface="Lucida Console"/>
-              </a:rPr>
-              <a:t>8     </a:t>
-            </a:r>
-            <a:r>
-              <a:rPr lang="en-US" dirty="0">
-                <a:latin typeface="Lucida Console"/>
-                <a:cs typeface="Lucida Console"/>
-              </a:rPr>
-              <a:t>}</a:t>
-            </a:r>
-          </a:p>
-          <a:p>
-            <a:pPr>
-              <a:spcBef>
-                <a:spcPts val="600"/>
-              </a:spcBef>
-            </a:pPr>
-            <a:r>
-              <a:rPr lang="en-US" dirty="0" smtClean="0">
-                <a:latin typeface="Lucida Console"/>
-                <a:cs typeface="Lucida Console"/>
-              </a:rPr>
-              <a:t>9   }</a:t>
-            </a:r>
-            <a:endParaRPr lang="en-US" dirty="0">
+              <a:t>20 }</a:t>
+            </a:r>
+            <a:endParaRPr lang="en-US" sz="2000" dirty="0">
               <a:latin typeface="Lucida Console"/>
               <a:cs typeface="Lucida Console"/>
             </a:endParaRPr>
+          </a:p>
+          <a:p>
+            <a:endParaRPr lang="en-US" dirty="0"/>
           </a:p>
         </p:txBody>
       </p:sp>
@@ -7083,7 +7080,7 @@
     </p:spTree>
     <p:extLst>
       <p:ext uri="{BB962C8B-B14F-4D97-AF65-F5344CB8AC3E}">
-        <p14:creationId xmlns:p14="http://schemas.microsoft.com/office/powerpoint/2010/main" val="4050177092"/>
+        <p14:creationId xmlns:p14="http://schemas.microsoft.com/office/powerpoint/2010/main" val="2306823462"/>
       </p:ext>
     </p:extLst>
   </p:cSld>
@@ -7133,17 +7130,18 @@
           <a:lstStyle/>
           <a:p>
             <a:r>
-              <a:rPr lang="en-US" dirty="0"/>
+              <a:rPr lang="en-US" dirty="0" smtClean="0"/>
               <a:t>User-defined functions (@F</a:t>
             </a:r>
             <a:r>
-              <a:rPr lang="en-US" cap="none" dirty="0"/>
+              <a:rPr lang="en-US" cap="none" dirty="0" smtClean="0"/>
               <a:t>unctions</a:t>
             </a:r>
             <a:r>
-              <a:rPr lang="en-US" dirty="0"/>
+              <a:rPr lang="en-US" dirty="0" smtClean="0"/>
               <a:t>)</a:t>
             </a:r>
+            <a:endParaRPr lang="en-US" dirty="0"/>
           </a:p>
         </p:txBody>
       </p:sp>
@@ -7159,27 +7157,69 @@
         </p:nvSpPr>
         <p:spPr>
           <a:xfrm>
-            <a:off x="1168082" y="1266297"/>
-            <a:ext cx="6866352" cy="3579849"/>
+            <a:off x="2217252" y="1100628"/>
+            <a:ext cx="4698988" cy="3579849"/>
           </a:xfrm>
         </p:spPr>
         <p:txBody>
-          <a:bodyPr/>
+          <a:bodyPr>
+            <a:normAutofit/>
+          </a:bodyPr>
           <a:lstStyle/>
           <a:p>
+            <a:pPr>
+              <a:spcBef>
+                <a:spcPts val="600"/>
+              </a:spcBef>
+            </a:pPr>
             <a:r>
               <a:rPr lang="en-US" dirty="0" smtClean="0">
                 <a:latin typeface="Lucida Console"/>
                 <a:cs typeface="Lucida Console"/>
               </a:rPr>
-              <a:t>10 list</a:t>
+              <a:t>0   @</a:t>
             </a:r>
             <a:r>
               <a:rPr lang="en-US" dirty="0">
                 <a:latin typeface="Lucida Console"/>
                 <a:cs typeface="Lucida Console"/>
               </a:rPr>
-              <a:t>&lt;</a:t>
+              <a:t>Functions {</a:t>
+            </a:r>
+          </a:p>
+          <a:p>
+            <a:pPr>
+              <a:spcBef>
+                <a:spcPts val="600"/>
+              </a:spcBef>
+            </a:pPr>
+            <a:r>
+              <a:rPr lang="en-US" dirty="0" smtClean="0">
+                <a:latin typeface="Lucida Console"/>
+                <a:cs typeface="Lucida Console"/>
+              </a:rPr>
+              <a:t>1   </a:t>
+            </a:r>
+            <a:r>
+              <a:rPr lang="en-US" dirty="0" err="1" smtClean="0">
+                <a:latin typeface="Lucida Console"/>
+                <a:cs typeface="Lucida Console"/>
+              </a:rPr>
+              <a:t>int</a:t>
+            </a:r>
+            <a:r>
+              <a:rPr lang="en-US" dirty="0" smtClean="0">
+                <a:latin typeface="Lucida Console"/>
+                <a:cs typeface="Lucida Console"/>
+              </a:rPr>
+              <a:t> </a:t>
+            </a:r>
+            <a:r>
+              <a:rPr lang="en-US" dirty="0">
+                <a:latin typeface="Lucida Console"/>
+                <a:cs typeface="Lucida Console"/>
+              </a:rPr>
+              <a:t>fib(</a:t>
             </a:r>
             <a:r>
               <a:rPr lang="en-US" dirty="0" err="1">
@@ -7193,301 +7233,184 @@
                 <a:latin typeface="Lucida Console"/>
                 <a:cs typeface="Lucida Console"/>
               </a:rPr>
-              <a:t>&gt; </a:t>
+              <a:t> n) {</a:t>
+            </a:r>
+          </a:p>
+          <a:p>
+            <a:pPr>
+              <a:spcBef>
+                <a:spcPts val="600"/>
+              </a:spcBef>
+            </a:pPr>
+            <a:r>
+              <a:rPr lang="en-US" dirty="0" smtClean="0">
+                <a:latin typeface="Lucida Console"/>
+                <a:cs typeface="Lucida Console"/>
+              </a:rPr>
+              <a:t>2     </a:t>
+            </a:r>
+            <a:r>
+              <a:rPr lang="en-US" dirty="0">
+                <a:latin typeface="Lucida Console"/>
+                <a:cs typeface="Lucida Console"/>
+              </a:rPr>
+              <a:t>if (n == 0) {</a:t>
+            </a:r>
+          </a:p>
+          <a:p>
+            <a:pPr>
+              <a:spcBef>
+                <a:spcPts val="600"/>
+              </a:spcBef>
+            </a:pPr>
+            <a:r>
+              <a:rPr lang="en-US" dirty="0" smtClean="0">
+                <a:latin typeface="Lucida Console"/>
+                <a:cs typeface="Lucida Console"/>
+              </a:rPr>
+              <a:t>3       </a:t>
+            </a:r>
+            <a:r>
+              <a:rPr lang="en-US" dirty="0">
+                <a:latin typeface="Lucida Console"/>
+                <a:cs typeface="Lucida Console"/>
+              </a:rPr>
+              <a:t>return 1;</a:t>
+            </a:r>
+          </a:p>
+          <a:p>
+            <a:pPr>
+              <a:spcBef>
+                <a:spcPts val="600"/>
+              </a:spcBef>
+            </a:pPr>
+            <a:r>
+              <a:rPr lang="en-US" dirty="0" smtClean="0">
+                <a:latin typeface="Lucida Console"/>
+                <a:cs typeface="Lucida Console"/>
+              </a:rPr>
+              <a:t>4     </a:t>
+            </a:r>
+            <a:r>
+              <a:rPr lang="en-US" dirty="0">
+                <a:latin typeface="Lucida Console"/>
+                <a:cs typeface="Lucida Console"/>
+              </a:rPr>
+              <a:t>} </a:t>
             </a:r>
             <a:r>
               <a:rPr lang="en-US" dirty="0" err="1">
                 <a:latin typeface="Lucida Console"/>
                 <a:cs typeface="Lucida Console"/>
               </a:rPr>
-              <a:t>reverseList</a:t>
+              <a:t>elseif</a:t>
             </a:r>
             <a:r>
               <a:rPr lang="en-US" dirty="0">
                 <a:latin typeface="Lucida Console"/>
                 <a:cs typeface="Lucida Console"/>
               </a:rPr>
-              <a:t>(list&lt;</a:t>
-            </a:r>
-            <a:r>
-              <a:rPr lang="en-US" dirty="0" err="1">
+              <a:t> (n == 1) {</a:t>
+            </a:r>
+          </a:p>
+          <a:p>
+            <a:pPr>
+              <a:spcBef>
+                <a:spcPts val="600"/>
+              </a:spcBef>
+            </a:pPr>
+            <a:r>
+              <a:rPr lang="en-US" dirty="0" smtClean="0">
                 <a:latin typeface="Lucida Console"/>
                 <a:cs typeface="Lucida Console"/>
               </a:rPr>
-              <a:t>int</a:t>
+              <a:t>5       </a:t>
             </a:r>
             <a:r>
               <a:rPr lang="en-US" dirty="0">
                 <a:latin typeface="Lucida Console"/>
                 <a:cs typeface="Lucida Console"/>
               </a:rPr>
-              <a:t>&gt; </a:t>
-            </a:r>
-            <a:r>
-              <a:rPr lang="en-US" dirty="0" err="1">
+              <a:t>return 1;</a:t>
+            </a:r>
+          </a:p>
+          <a:p>
+            <a:pPr>
+              <a:spcBef>
+                <a:spcPts val="600"/>
+              </a:spcBef>
+            </a:pPr>
+            <a:r>
+              <a:rPr lang="en-US" dirty="0" smtClean="0">
                 <a:latin typeface="Lucida Console"/>
                 <a:cs typeface="Lucida Console"/>
               </a:rPr>
-              <a:t>oldList</a:t>
+              <a:t>6     </a:t>
             </a:r>
             <a:r>
               <a:rPr lang="en-US" dirty="0">
                 <a:latin typeface="Lucida Console"/>
                 <a:cs typeface="Lucida Console"/>
               </a:rPr>
-              <a:t>) {</a:t>
-            </a:r>
-          </a:p>
-          <a:p>
+              <a:t>} else {</a:t>
+            </a:r>
+          </a:p>
+          <a:p>
+            <a:pPr>
+              <a:spcBef>
+                <a:spcPts val="600"/>
+              </a:spcBef>
+            </a:pPr>
             <a:r>
               <a:rPr lang="en-US" dirty="0" smtClean="0">
                 <a:latin typeface="Lucida Console"/>
                 <a:cs typeface="Lucida Console"/>
               </a:rPr>
-              <a:t>11   list</a:t>
+              <a:t>7       </a:t>
             </a:r>
             <a:r>
               <a:rPr lang="en-US" dirty="0">
                 <a:latin typeface="Lucida Console"/>
                 <a:cs typeface="Lucida Console"/>
               </a:rPr>
-              <a:t>&lt;</a:t>
-            </a:r>
-            <a:r>
-              <a:rPr lang="en-US" dirty="0" err="1">
+              <a:t>return fib(n-1) + fib(n-2);</a:t>
+            </a:r>
+          </a:p>
+          <a:p>
+            <a:pPr>
+              <a:spcBef>
+                <a:spcPts val="600"/>
+              </a:spcBef>
+            </a:pPr>
+            <a:r>
+              <a:rPr lang="en-US" dirty="0" smtClean="0">
                 <a:latin typeface="Lucida Console"/>
                 <a:cs typeface="Lucida Console"/>
               </a:rPr>
-              <a:t>int</a:t>
+              <a:t>8     </a:t>
             </a:r>
             <a:r>
               <a:rPr lang="en-US" dirty="0">
                 <a:latin typeface="Lucida Console"/>
                 <a:cs typeface="Lucida Console"/>
               </a:rPr>
-              <a:t>&gt; </a:t>
-            </a:r>
-            <a:r>
-              <a:rPr lang="en-US" dirty="0" err="1">
-                <a:latin typeface="Lucida Console"/>
-                <a:cs typeface="Lucida Console"/>
-              </a:rPr>
-              <a:t>newList</a:t>
-            </a:r>
-            <a:r>
-              <a:rPr lang="en-US" dirty="0">
-                <a:latin typeface="Lucida Console"/>
-                <a:cs typeface="Lucida Console"/>
-              </a:rPr>
-              <a:t>;</a:t>
-            </a:r>
-          </a:p>
-          <a:p>
+              <a:t>}</a:t>
+            </a:r>
+          </a:p>
+          <a:p>
+            <a:pPr>
+              <a:spcBef>
+                <a:spcPts val="600"/>
+              </a:spcBef>
+            </a:pPr>
             <a:r>
               <a:rPr lang="en-US" dirty="0" smtClean="0">
                 <a:latin typeface="Lucida Console"/>
                 <a:cs typeface="Lucida Console"/>
               </a:rPr>
-              <a:t>12   for </a:t>
-            </a:r>
-            <a:r>
-              <a:rPr lang="en-US" dirty="0">
-                <a:latin typeface="Lucida Console"/>
-                <a:cs typeface="Lucida Console"/>
-              </a:rPr>
-              <a:t>(</a:t>
-            </a:r>
-            <a:r>
-              <a:rPr lang="en-US" dirty="0" err="1">
-                <a:latin typeface="Lucida Console"/>
-                <a:cs typeface="Lucida Console"/>
-              </a:rPr>
-              <a:t>int</a:t>
-            </a:r>
-            <a:r>
-              <a:rPr lang="en-US" dirty="0">
-                <a:latin typeface="Lucida Console"/>
-                <a:cs typeface="Lucida Console"/>
-              </a:rPr>
-              <a:t> </a:t>
-            </a:r>
-            <a:r>
-              <a:rPr lang="en-US" dirty="0" err="1">
-                <a:latin typeface="Lucida Console"/>
-                <a:cs typeface="Lucida Console"/>
-              </a:rPr>
-              <a:t>i</a:t>
-            </a:r>
-            <a:r>
-              <a:rPr lang="en-US" dirty="0">
-                <a:latin typeface="Lucida Console"/>
-                <a:cs typeface="Lucida Console"/>
-              </a:rPr>
-              <a:t> = </a:t>
-            </a:r>
-            <a:r>
-              <a:rPr lang="en-US" dirty="0" err="1">
-                <a:latin typeface="Lucida Console"/>
-                <a:cs typeface="Lucida Console"/>
-              </a:rPr>
-              <a:t>oldList.size</a:t>
-            </a:r>
-            <a:r>
-              <a:rPr lang="en-US" dirty="0">
-                <a:latin typeface="Lucida Console"/>
-                <a:cs typeface="Lucida Console"/>
-              </a:rPr>
-              <a:t>() - 1; </a:t>
-            </a:r>
-            <a:r>
-              <a:rPr lang="en-US" dirty="0" err="1">
-                <a:latin typeface="Lucida Console"/>
-                <a:cs typeface="Lucida Console"/>
-              </a:rPr>
-              <a:t>i</a:t>
-            </a:r>
-            <a:r>
-              <a:rPr lang="en-US" dirty="0">
-                <a:latin typeface="Lucida Console"/>
-                <a:cs typeface="Lucida Console"/>
-              </a:rPr>
-              <a:t> &gt;= 0; </a:t>
-            </a:r>
-            <a:r>
-              <a:rPr lang="en-US" dirty="0" err="1">
-                <a:latin typeface="Lucida Console"/>
-                <a:cs typeface="Lucida Console"/>
-              </a:rPr>
-              <a:t>i</a:t>
-            </a:r>
-            <a:r>
-              <a:rPr lang="en-US" dirty="0">
-                <a:latin typeface="Lucida Console"/>
-                <a:cs typeface="Lucida Console"/>
-              </a:rPr>
-              <a:t>--;) {</a:t>
-            </a:r>
-          </a:p>
-          <a:p>
-            <a:r>
-              <a:rPr lang="en-US" dirty="0" smtClean="0">
-                <a:latin typeface="Lucida Console"/>
-                <a:cs typeface="Lucida Console"/>
-              </a:rPr>
-              <a:t>13     </a:t>
-            </a:r>
-            <a:r>
-              <a:rPr lang="en-US" dirty="0" err="1" smtClean="0">
-                <a:latin typeface="Lucida Console"/>
-                <a:cs typeface="Lucida Console"/>
-              </a:rPr>
-              <a:t>newList.add</a:t>
-            </a:r>
-            <a:r>
-              <a:rPr lang="en-US" dirty="0">
-                <a:latin typeface="Lucida Console"/>
-                <a:cs typeface="Lucida Console"/>
-              </a:rPr>
-              <a:t>(</a:t>
-            </a:r>
-            <a:r>
-              <a:rPr lang="en-US" dirty="0" err="1">
-                <a:latin typeface="Lucida Console"/>
-                <a:cs typeface="Lucida Console"/>
-              </a:rPr>
-              <a:t>oldList.get</a:t>
-            </a:r>
-            <a:r>
-              <a:rPr lang="en-US" dirty="0">
-                <a:latin typeface="Lucida Console"/>
-                <a:cs typeface="Lucida Console"/>
-              </a:rPr>
-              <a:t>(</a:t>
-            </a:r>
-            <a:r>
-              <a:rPr lang="en-US" dirty="0" err="1">
-                <a:latin typeface="Lucida Console"/>
-                <a:cs typeface="Lucida Console"/>
-              </a:rPr>
-              <a:t>i</a:t>
-            </a:r>
-            <a:r>
-              <a:rPr lang="en-US" dirty="0">
-                <a:latin typeface="Lucida Console"/>
-                <a:cs typeface="Lucida Console"/>
-              </a:rPr>
-              <a:t>))</a:t>
-            </a:r>
-            <a:r>
-              <a:rPr lang="en-US" dirty="0" smtClean="0">
-                <a:latin typeface="Lucida Console"/>
-                <a:cs typeface="Lucida Console"/>
-              </a:rPr>
-              <a:t>;</a:t>
+              <a:t>9   }</a:t>
             </a:r>
             <a:endParaRPr lang="en-US" dirty="0">
-              <a:latin typeface="Lucida Console"/>
-              <a:cs typeface="Lucida Console"/>
-            </a:endParaRPr>
-          </a:p>
-          <a:p>
-            <a:r>
-              <a:rPr lang="en-US" dirty="0" smtClean="0">
-                <a:latin typeface="Lucida Console"/>
-                <a:cs typeface="Lucida Console"/>
-              </a:rPr>
-              <a:t>14   }</a:t>
-            </a:r>
-            <a:endParaRPr lang="en-US" dirty="0">
-              <a:latin typeface="Lucida Console"/>
-              <a:cs typeface="Lucida Console"/>
-            </a:endParaRPr>
-          </a:p>
-          <a:p>
-            <a:r>
-              <a:rPr lang="en-US" dirty="0" smtClean="0">
-                <a:latin typeface="Lucida Console"/>
-                <a:cs typeface="Lucida Console"/>
-              </a:rPr>
-              <a:t>15   return </a:t>
-            </a:r>
-            <a:r>
-              <a:rPr lang="en-US" dirty="0" err="1">
-                <a:latin typeface="Lucida Console"/>
-                <a:cs typeface="Lucida Console"/>
-              </a:rPr>
-              <a:t>newList</a:t>
-            </a:r>
-            <a:r>
-              <a:rPr lang="en-US" dirty="0">
-                <a:latin typeface="Lucida Console"/>
-                <a:cs typeface="Lucida Console"/>
-              </a:rPr>
-              <a:t>;</a:t>
-            </a:r>
-          </a:p>
-          <a:p>
-            <a:r>
-              <a:rPr lang="en-US" dirty="0" smtClean="0">
-                <a:latin typeface="Lucida Console"/>
-                <a:cs typeface="Lucida Console"/>
-              </a:rPr>
-              <a:t>16 } </a:t>
-            </a:r>
-            <a:r>
-              <a:rPr lang="en-US" i="1" dirty="0" smtClean="0">
-                <a:solidFill>
-                  <a:srgbClr val="797B7E"/>
-                </a:solidFill>
-                <a:latin typeface="Lucida Console"/>
-                <a:cs typeface="Lucida Console"/>
-              </a:rPr>
-              <a:t># end of functions</a:t>
-            </a:r>
-            <a:endParaRPr lang="en-US" i="1" dirty="0">
-              <a:solidFill>
-                <a:srgbClr val="797B7E"/>
-              </a:solidFill>
               <a:latin typeface="Lucida Console"/>
               <a:cs typeface="Lucida Console"/>
             </a:endParaRPr>
@@ -7550,7 +7473,7 @@
     </p:spTree>
     <p:extLst>
       <p:ext uri="{BB962C8B-B14F-4D97-AF65-F5344CB8AC3E}">
-        <p14:creationId xmlns:p14="http://schemas.microsoft.com/office/powerpoint/2010/main" val="3764539858"/>
+        <p14:creationId xmlns:p14="http://schemas.microsoft.com/office/powerpoint/2010/main" val="4050177092"/>
       </p:ext>
     </p:extLst>
   </p:cSld>
@@ -7600,10 +7523,17 @@
           <a:lstStyle/>
           <a:p>
             <a:r>
-              <a:rPr lang="en-US" dirty="0" smtClean="0"/>
-              <a:t>The simplest distributed sort</a:t>
-            </a:r>
-            <a:endParaRPr lang="en-US" dirty="0"/>
+              <a:rPr lang="en-US" dirty="0"/>
+              <a:t>User-defined functions (@F</a:t>
+            </a:r>
+            <a:r>
+              <a:rPr lang="en-US" cap="none" dirty="0"/>
+              <a:t>unctions</a:t>
+            </a:r>
+            <a:r>
+              <a:rPr lang="en-US" dirty="0"/>
+              <a:t>)</a:t>
+            </a:r>
           </a:p>
         </p:txBody>
       </p:sp>
@@ -7619,318 +7549,335 @@
         </p:nvSpPr>
         <p:spPr>
           <a:xfrm>
-            <a:off x="1525405" y="1152473"/>
-            <a:ext cx="6201388" cy="3205025"/>
+            <a:off x="1168082" y="1266297"/>
+            <a:ext cx="6866352" cy="3579849"/>
           </a:xfrm>
         </p:spPr>
         <p:txBody>
-          <a:bodyPr>
-            <a:noAutofit/>
-          </a:bodyPr>
+          <a:bodyPr/>
           <a:lstStyle/>
           <a:p>
-            <a:pPr marL="0" indent="0">
-              <a:spcBef>
-                <a:spcPts val="600"/>
-              </a:spcBef>
-            </a:pPr>
-            <a:r>
-              <a:rPr lang="en-US" sz="1400" dirty="0" smtClean="0">
+            <a:r>
+              <a:rPr lang="en-US" dirty="0" smtClean="0">
                 <a:latin typeface="Lucida Console"/>
                 <a:cs typeface="Lucida Console"/>
               </a:rPr>
-              <a:t>0  @</a:t>
-            </a:r>
-            <a:r>
-              <a:rPr lang="en-US" sz="1400" dirty="0">
+              <a:t>10 list</a:t>
+            </a:r>
+            <a:r>
+              <a:rPr lang="en-US" dirty="0">
                 <a:latin typeface="Lucida Console"/>
                 <a:cs typeface="Lucida Console"/>
               </a:rPr>
-              <a:t>Map (</a:t>
-            </a:r>
-            <a:r>
-              <a:rPr lang="en-US" sz="1400" dirty="0" err="1">
+              <a:t>&lt;</a:t>
+            </a:r>
+            <a:r>
+              <a:rPr lang="en-US" dirty="0" err="1">
                 <a:latin typeface="Lucida Console"/>
                 <a:cs typeface="Lucida Console"/>
               </a:rPr>
               <a:t>int</a:t>
             </a:r>
             <a:r>
-              <a:rPr lang="en-US" sz="1400" dirty="0">
+              <a:rPr lang="en-US" dirty="0">
                 <a:latin typeface="Lucida Console"/>
                 <a:cs typeface="Lucida Console"/>
               </a:rPr>
-              <a:t> </a:t>
-            </a:r>
-            <a:r>
-              <a:rPr lang="en-US" sz="1400" dirty="0" err="1">
+              <a:t>&gt; </a:t>
+            </a:r>
+            <a:r>
+              <a:rPr lang="en-US" dirty="0" err="1">
                 <a:latin typeface="Lucida Console"/>
                 <a:cs typeface="Lucida Console"/>
               </a:rPr>
-              <a:t>lineNum</a:t>
-            </a:r>
-            <a:r>
-              <a:rPr lang="en-US" sz="1400" dirty="0">
+              <a:t>reverseList</a:t>
+            </a:r>
+            <a:r>
+              <a:rPr lang="en-US" dirty="0">
                 <a:latin typeface="Lucida Console"/>
                 <a:cs typeface="Lucida Console"/>
               </a:rPr>
-              <a:t>, text line) -&gt; (text, text) {</a:t>
-            </a:r>
-          </a:p>
-          <a:p>
-            <a:pPr marL="0" indent="0">
-              <a:spcBef>
-                <a:spcPts val="600"/>
-              </a:spcBef>
-            </a:pPr>
-            <a:r>
-              <a:rPr lang="en-US" sz="1400" dirty="0" smtClean="0">
+              <a:t>(list&lt;</a:t>
+            </a:r>
+            <a:r>
+              <a:rPr lang="en-US" dirty="0" err="1">
                 <a:latin typeface="Lucida Console"/>
                 <a:cs typeface="Lucida Console"/>
               </a:rPr>
-              <a:t>1    </a:t>
-            </a:r>
-            <a:r>
-              <a:rPr lang="en-US" sz="1400" dirty="0" err="1" smtClean="0">
+              <a:t>int</a:t>
+            </a:r>
+            <a:r>
+              <a:rPr lang="en-US" dirty="0">
                 <a:latin typeface="Lucida Console"/>
                 <a:cs typeface="Lucida Console"/>
               </a:rPr>
-              <a:t>foreach</a:t>
-            </a:r>
-            <a:r>
-              <a:rPr lang="en-US" sz="1400" dirty="0" smtClean="0">
+              <a:t>&gt; </a:t>
+            </a:r>
+            <a:r>
+              <a:rPr lang="en-US" dirty="0" err="1">
                 <a:latin typeface="Lucida Console"/>
                 <a:cs typeface="Lucida Console"/>
               </a:rPr>
-              <a:t> </a:t>
-            </a:r>
-            <a:r>
-              <a:rPr lang="en-US" sz="1400" dirty="0">
+              <a:t>oldList</a:t>
+            </a:r>
+            <a:r>
+              <a:rPr lang="en-US" dirty="0">
                 <a:latin typeface="Lucida Console"/>
                 <a:cs typeface="Lucida Console"/>
               </a:rPr>
-              <a:t>text number in </a:t>
-            </a:r>
-            <a:r>
-              <a:rPr lang="en-US" sz="1400" dirty="0" err="1">
+              <a:t>) {</a:t>
+            </a:r>
+          </a:p>
+          <a:p>
+            <a:r>
+              <a:rPr lang="en-US" dirty="0" smtClean="0">
                 <a:latin typeface="Lucida Console"/>
                 <a:cs typeface="Lucida Console"/>
               </a:rPr>
-              <a:t>line.tokenize</a:t>
-            </a:r>
-            <a:r>
-              <a:rPr lang="en-US" sz="1400" dirty="0">
+              <a:t>11   list</a:t>
+            </a:r>
+            <a:r>
+              <a:rPr lang="en-US" dirty="0">
                 <a:latin typeface="Lucida Console"/>
                 <a:cs typeface="Lucida Console"/>
               </a:rPr>
-              <a:t>(" ") {</a:t>
-            </a:r>
-          </a:p>
-          <a:p>
-            <a:pPr marL="0" indent="0">
-              <a:spcBef>
-                <a:spcPts val="600"/>
-              </a:spcBef>
-            </a:pPr>
-            <a:r>
-              <a:rPr lang="en-US" sz="1400" dirty="0" smtClean="0">
+              <a:t>&lt;</a:t>
+            </a:r>
+            <a:r>
+              <a:rPr lang="en-US" dirty="0" err="1">
                 <a:latin typeface="Lucida Console"/>
                 <a:cs typeface="Lucida Console"/>
               </a:rPr>
-              <a:t>2      emit</a:t>
-            </a:r>
-            <a:r>
-              <a:rPr lang="en-US" sz="1400" dirty="0">
+              <a:t>int</a:t>
+            </a:r>
+            <a:r>
+              <a:rPr lang="en-US" dirty="0">
                 <a:latin typeface="Lucida Console"/>
                 <a:cs typeface="Lucida Console"/>
               </a:rPr>
-              <a:t>(number, number);</a:t>
-            </a:r>
-          </a:p>
-          <a:p>
-            <a:pPr marL="0" indent="0">
-              <a:spcBef>
-                <a:spcPts val="600"/>
-              </a:spcBef>
-            </a:pPr>
-            <a:r>
-              <a:rPr lang="en-US" sz="1400" dirty="0" smtClean="0">
+              <a:t>&gt; </a:t>
+            </a:r>
+            <a:r>
+              <a:rPr lang="en-US" dirty="0" err="1">
                 <a:latin typeface="Lucida Console"/>
                 <a:cs typeface="Lucida Console"/>
               </a:rPr>
-              <a:t>3    }</a:t>
-            </a:r>
-            <a:endParaRPr lang="en-US" sz="1400" dirty="0">
+              <a:t>newList</a:t>
+            </a:r>
+            <a:r>
+              <a:rPr lang="en-US" dirty="0">
+                <a:latin typeface="Lucida Console"/>
+                <a:cs typeface="Lucida Console"/>
+              </a:rPr>
+              <a:t>;</a:t>
+            </a:r>
+          </a:p>
+          <a:p>
+            <a:r>
+              <a:rPr lang="en-US" dirty="0" smtClean="0">
+                <a:latin typeface="Lucida Console"/>
+                <a:cs typeface="Lucida Console"/>
+              </a:rPr>
+              <a:t>12   for </a:t>
+            </a:r>
+            <a:r>
+              <a:rPr lang="en-US" dirty="0">
+                <a:latin typeface="Lucida Console"/>
+                <a:cs typeface="Lucida Console"/>
+              </a:rPr>
+              <a:t>(</a:t>
+            </a:r>
+            <a:r>
+              <a:rPr lang="en-US" dirty="0" err="1">
+                <a:latin typeface="Lucida Console"/>
+                <a:cs typeface="Lucida Console"/>
+              </a:rPr>
+              <a:t>int</a:t>
+            </a:r>
+            <a:r>
+              <a:rPr lang="en-US" dirty="0">
+                <a:latin typeface="Lucida Console"/>
+                <a:cs typeface="Lucida Console"/>
+              </a:rPr>
+              <a:t> </a:t>
+            </a:r>
+            <a:r>
+              <a:rPr lang="en-US" dirty="0" err="1">
+                <a:latin typeface="Lucida Console"/>
+                <a:cs typeface="Lucida Console"/>
+              </a:rPr>
+              <a:t>i</a:t>
+            </a:r>
+            <a:r>
+              <a:rPr lang="en-US" dirty="0">
+                <a:latin typeface="Lucida Console"/>
+                <a:cs typeface="Lucida Console"/>
+              </a:rPr>
+              <a:t> = </a:t>
+            </a:r>
+            <a:r>
+              <a:rPr lang="en-US" dirty="0" err="1">
+                <a:latin typeface="Lucida Console"/>
+                <a:cs typeface="Lucida Console"/>
+              </a:rPr>
+              <a:t>oldList.size</a:t>
+            </a:r>
+            <a:r>
+              <a:rPr lang="en-US" dirty="0">
+                <a:latin typeface="Lucida Console"/>
+                <a:cs typeface="Lucida Console"/>
+              </a:rPr>
+              <a:t>() - 1; </a:t>
+            </a:r>
+            <a:r>
+              <a:rPr lang="en-US" dirty="0" err="1">
+                <a:latin typeface="Lucida Console"/>
+                <a:cs typeface="Lucida Console"/>
+              </a:rPr>
+              <a:t>i</a:t>
+            </a:r>
+            <a:r>
+              <a:rPr lang="en-US" dirty="0">
+                <a:latin typeface="Lucida Console"/>
+                <a:cs typeface="Lucida Console"/>
+              </a:rPr>
+              <a:t> &gt;= 0; </a:t>
+            </a:r>
+            <a:r>
+              <a:rPr lang="en-US" dirty="0" err="1">
+                <a:latin typeface="Lucida Console"/>
+                <a:cs typeface="Lucida Console"/>
+              </a:rPr>
+              <a:t>i</a:t>
+            </a:r>
+            <a:r>
+              <a:rPr lang="en-US" dirty="0">
+                <a:latin typeface="Lucida Console"/>
+                <a:cs typeface="Lucida Console"/>
+              </a:rPr>
+              <a:t>--;) {</a:t>
+            </a:r>
+          </a:p>
+          <a:p>
+            <a:r>
+              <a:rPr lang="en-US" dirty="0" smtClean="0">
+                <a:latin typeface="Lucida Console"/>
+                <a:cs typeface="Lucida Console"/>
+              </a:rPr>
+              <a:t>13     </a:t>
+            </a:r>
+            <a:r>
+              <a:rPr lang="en-US" dirty="0" err="1" smtClean="0">
+                <a:latin typeface="Lucida Console"/>
+                <a:cs typeface="Lucida Console"/>
+              </a:rPr>
+              <a:t>newList.add</a:t>
+            </a:r>
+            <a:r>
+              <a:rPr lang="en-US" dirty="0">
+                <a:latin typeface="Lucida Console"/>
+                <a:cs typeface="Lucida Console"/>
+              </a:rPr>
+              <a:t>(</a:t>
+            </a:r>
+            <a:r>
+              <a:rPr lang="en-US" dirty="0" err="1">
+                <a:latin typeface="Lucida Console"/>
+                <a:cs typeface="Lucida Console"/>
+              </a:rPr>
+              <a:t>oldList.get</a:t>
+            </a:r>
+            <a:r>
+              <a:rPr lang="en-US" dirty="0">
+                <a:latin typeface="Lucida Console"/>
+                <a:cs typeface="Lucida Console"/>
+              </a:rPr>
+              <a:t>(</a:t>
+            </a:r>
+            <a:r>
+              <a:rPr lang="en-US" dirty="0" err="1">
+                <a:latin typeface="Lucida Console"/>
+                <a:cs typeface="Lucida Console"/>
+              </a:rPr>
+              <a:t>i</a:t>
+            </a:r>
+            <a:r>
+              <a:rPr lang="en-US" dirty="0">
+                <a:latin typeface="Lucida Console"/>
+                <a:cs typeface="Lucida Console"/>
+              </a:rPr>
+              <a:t>))</a:t>
+            </a:r>
+            <a:r>
+              <a:rPr lang="en-US" dirty="0" smtClean="0">
+                <a:latin typeface="Lucida Console"/>
+                <a:cs typeface="Lucida Console"/>
+              </a:rPr>
+              <a:t>;</a:t>
+            </a:r>
+            <a:endParaRPr lang="en-US" dirty="0">
               <a:latin typeface="Lucida Console"/>
               <a:cs typeface="Lucida Console"/>
             </a:endParaRPr>
           </a:p>
           <a:p>
-            <a:pPr marL="0" indent="0">
-              <a:spcBef>
-                <a:spcPts val="600"/>
-              </a:spcBef>
-            </a:pPr>
-            <a:r>
-              <a:rPr lang="en-US" sz="1400" dirty="0" smtClean="0">
+            <a:r>
+              <a:rPr lang="en-US" dirty="0" smtClean="0">
                 <a:latin typeface="Lucida Console"/>
                 <a:cs typeface="Lucida Console"/>
               </a:rPr>
-              <a:t>4  }</a:t>
-            </a:r>
-            <a:endParaRPr lang="en-US" sz="1400" dirty="0">
+              <a:t>14   }</a:t>
+            </a:r>
+            <a:endParaRPr lang="en-US" dirty="0">
               <a:latin typeface="Lucida Console"/>
               <a:cs typeface="Lucida Console"/>
             </a:endParaRPr>
           </a:p>
           <a:p>
-            <a:pPr marL="0" indent="0">
-              <a:spcBef>
-                <a:spcPts val="600"/>
-              </a:spcBef>
-            </a:pPr>
-            <a:endParaRPr lang="en-US" sz="1400" dirty="0">
-              <a:latin typeface="Lucida Console"/>
-              <a:cs typeface="Lucida Console"/>
-            </a:endParaRPr>
-          </a:p>
-          <a:p>
-            <a:pPr marL="0" indent="0">
-              <a:spcBef>
-                <a:spcPts val="600"/>
-              </a:spcBef>
-            </a:pPr>
-            <a:r>
-              <a:rPr lang="en-US" sz="1400" dirty="0" smtClean="0">
+            <a:r>
+              <a:rPr lang="en-US" dirty="0" smtClean="0">
                 <a:latin typeface="Lucida Console"/>
                 <a:cs typeface="Lucida Console"/>
               </a:rPr>
-              <a:t>5  @</a:t>
-            </a:r>
-            <a:r>
-              <a:rPr lang="en-US" sz="1400" dirty="0">
+              <a:t>15   return </a:t>
+            </a:r>
+            <a:r>
+              <a:rPr lang="en-US" dirty="0" err="1">
                 <a:latin typeface="Lucida Console"/>
                 <a:cs typeface="Lucida Console"/>
               </a:rPr>
-              <a:t>Reduce (text number, text garbage) -&gt; (text, text) {</a:t>
-            </a:r>
-          </a:p>
-          <a:p>
-            <a:pPr marL="0" indent="0">
-              <a:spcBef>
-                <a:spcPts val="600"/>
-              </a:spcBef>
-            </a:pPr>
-            <a:r>
-              <a:rPr lang="en-US" sz="1400" dirty="0" smtClean="0">
+              <a:t>newList</a:t>
+            </a:r>
+            <a:r>
+              <a:rPr lang="en-US" dirty="0">
                 <a:latin typeface="Lucida Console"/>
                 <a:cs typeface="Lucida Console"/>
               </a:rPr>
-              <a:t>6    </a:t>
-            </a:r>
-            <a:r>
-              <a:rPr lang="en-US" sz="1400" dirty="0">
+              <a:t>;</a:t>
+            </a:r>
+          </a:p>
+          <a:p>
+            <a:r>
+              <a:rPr lang="en-US" dirty="0" smtClean="0">
                 <a:latin typeface="Lucida Console"/>
                 <a:cs typeface="Lucida Console"/>
               </a:rPr>
-              <a:t>emit(number, "");</a:t>
-            </a:r>
-          </a:p>
-          <a:p>
-            <a:pPr marL="0" indent="0">
-              <a:spcBef>
-                <a:spcPts val="600"/>
-              </a:spcBef>
-            </a:pPr>
-            <a:r>
-              <a:rPr lang="en-US" sz="1400" dirty="0" smtClean="0">
+              <a:t>16 } </a:t>
+            </a:r>
+            <a:r>
+              <a:rPr lang="en-US" i="1" dirty="0" smtClean="0">
+                <a:solidFill>
+                  <a:srgbClr val="797B7E"/>
+                </a:solidFill>
                 <a:latin typeface="Lucida Console"/>
                 <a:cs typeface="Lucida Console"/>
               </a:rPr>
-              <a:t>7  }</a:t>
-            </a:r>
-            <a:endParaRPr lang="en-US" sz="1400" dirty="0">
-              <a:latin typeface="Lucida Console"/>
-              <a:cs typeface="Lucida Console"/>
-            </a:endParaRPr>
-          </a:p>
-          <a:p>
-            <a:pPr marL="0" indent="0">
-              <a:spcBef>
-                <a:spcPts val="600"/>
-              </a:spcBef>
-            </a:pPr>
-            <a:r>
-              <a:rPr lang="en-US" sz="1400" dirty="0">
-                <a:latin typeface="Lucida Console"/>
-                <a:cs typeface="Lucida Console"/>
-              </a:rPr>
-              <a:t>    </a:t>
-            </a:r>
-          </a:p>
-          <a:p>
-            <a:pPr marL="0" indent="0">
-              <a:spcBef>
-                <a:spcPts val="600"/>
-              </a:spcBef>
-            </a:pPr>
-            <a:r>
-              <a:rPr lang="en-US" sz="1400" dirty="0" smtClean="0">
-                <a:latin typeface="Lucida Console"/>
-                <a:cs typeface="Lucida Console"/>
-              </a:rPr>
-              <a:t>8  @</a:t>
-            </a:r>
-            <a:r>
-              <a:rPr lang="en-US" sz="1400" dirty="0">
-                <a:latin typeface="Lucida Console"/>
-                <a:cs typeface="Lucida Console"/>
-              </a:rPr>
-              <a:t>Main {</a:t>
-            </a:r>
-          </a:p>
-          <a:p>
-            <a:pPr marL="0" indent="0">
-              <a:spcBef>
-                <a:spcPts val="600"/>
-              </a:spcBef>
-            </a:pPr>
-            <a:r>
-              <a:rPr lang="en-US" sz="1400" dirty="0" smtClean="0">
-                <a:latin typeface="Lucida Console"/>
-                <a:cs typeface="Lucida Console"/>
-              </a:rPr>
-              <a:t>9    </a:t>
-            </a:r>
-            <a:r>
-              <a:rPr lang="en-US" sz="1400" dirty="0" err="1">
-                <a:latin typeface="Lucida Console"/>
-                <a:cs typeface="Lucida Console"/>
-              </a:rPr>
-              <a:t>mapReduce</a:t>
-            </a:r>
-            <a:r>
-              <a:rPr lang="en-US" sz="1400" dirty="0">
-                <a:latin typeface="Lucida Console"/>
-                <a:cs typeface="Lucida Console"/>
-              </a:rPr>
-              <a:t>();</a:t>
-            </a:r>
-          </a:p>
-          <a:p>
-            <a:pPr marL="0" indent="0">
-              <a:spcBef>
-                <a:spcPts val="600"/>
-              </a:spcBef>
-            </a:pPr>
-            <a:r>
-              <a:rPr lang="en-US" sz="1400" dirty="0" smtClean="0">
-                <a:latin typeface="Lucida Console"/>
-                <a:cs typeface="Lucida Console"/>
-              </a:rPr>
-              <a:t>10 }</a:t>
-            </a:r>
-            <a:endParaRPr lang="en-US" sz="1400" dirty="0">
+              <a:t># end of functions</a:t>
+            </a:r>
+            <a:endParaRPr lang="en-US" i="1" dirty="0">
+              <a:solidFill>
+                <a:srgbClr val="797B7E"/>
+              </a:solidFill>
               <a:latin typeface="Lucida Console"/>
               <a:cs typeface="Lucida Console"/>
             </a:endParaRPr>
@@ -7993,7 +7940,7 @@
     </p:spTree>
     <p:extLst>
       <p:ext uri="{BB962C8B-B14F-4D97-AF65-F5344CB8AC3E}">
-        <p14:creationId xmlns:p14="http://schemas.microsoft.com/office/powerpoint/2010/main" val="2487640545"/>
+        <p14:creationId xmlns:p14="http://schemas.microsoft.com/office/powerpoint/2010/main" val="3764539858"/>
       </p:ext>
     </p:extLst>
   </p:cSld>
@@ -8037,6 +7984,432 @@
             <p:ph type="title"/>
           </p:nvPr>
         </p:nvSpPr>
+        <p:spPr/>
+        <p:txBody>
+          <a:bodyPr/>
+          <a:lstStyle/>
+          <a:p>
+            <a:r>
+              <a:rPr lang="en-US" dirty="0" smtClean="0"/>
+              <a:t>The simplest distributed sort</a:t>
+            </a:r>
+            <a:endParaRPr lang="en-US" dirty="0"/>
+          </a:p>
+        </p:txBody>
+      </p:sp>
+      <p:sp>
+        <p:nvSpPr>
+          <p:cNvPr id="3" name="Content Placeholder 2"/>
+          <p:cNvSpPr>
+            <a:spLocks noGrp="1"/>
+          </p:cNvSpPr>
+          <p:nvPr>
+            <p:ph idx="1"/>
+          </p:nvPr>
+        </p:nvSpPr>
+        <p:spPr>
+          <a:xfrm>
+            <a:off x="1525405" y="1152473"/>
+            <a:ext cx="6201388" cy="3205025"/>
+          </a:xfrm>
+        </p:spPr>
+        <p:txBody>
+          <a:bodyPr>
+            <a:noAutofit/>
+          </a:bodyPr>
+          <a:lstStyle/>
+          <a:p>
+            <a:pPr marL="0" indent="0">
+              <a:spcBef>
+                <a:spcPts val="600"/>
+              </a:spcBef>
+            </a:pPr>
+            <a:r>
+              <a:rPr lang="en-US" sz="1400" dirty="0" smtClean="0">
+                <a:latin typeface="Lucida Console"/>
+                <a:cs typeface="Lucida Console"/>
+              </a:rPr>
+              <a:t>0  @</a:t>
+            </a:r>
+            <a:r>
+              <a:rPr lang="en-US" sz="1400" dirty="0">
+                <a:latin typeface="Lucida Console"/>
+                <a:cs typeface="Lucida Console"/>
+              </a:rPr>
+              <a:t>Map (</a:t>
+            </a:r>
+            <a:r>
+              <a:rPr lang="en-US" sz="1400" dirty="0" err="1">
+                <a:latin typeface="Lucida Console"/>
+                <a:cs typeface="Lucida Console"/>
+              </a:rPr>
+              <a:t>int</a:t>
+            </a:r>
+            <a:r>
+              <a:rPr lang="en-US" sz="1400" dirty="0">
+                <a:latin typeface="Lucida Console"/>
+                <a:cs typeface="Lucida Console"/>
+              </a:rPr>
+              <a:t> </a:t>
+            </a:r>
+            <a:r>
+              <a:rPr lang="en-US" sz="1400" dirty="0" err="1">
+                <a:latin typeface="Lucida Console"/>
+                <a:cs typeface="Lucida Console"/>
+              </a:rPr>
+              <a:t>lineNum</a:t>
+            </a:r>
+            <a:r>
+              <a:rPr lang="en-US" sz="1400" dirty="0">
+                <a:latin typeface="Lucida Console"/>
+                <a:cs typeface="Lucida Console"/>
+              </a:rPr>
+              <a:t>, text line) -&gt; (text, text) {</a:t>
+            </a:r>
+          </a:p>
+          <a:p>
+            <a:pPr marL="0" indent="0">
+              <a:spcBef>
+                <a:spcPts val="600"/>
+              </a:spcBef>
+            </a:pPr>
+            <a:r>
+              <a:rPr lang="en-US" sz="1400" dirty="0" smtClean="0">
+                <a:latin typeface="Lucida Console"/>
+                <a:cs typeface="Lucida Console"/>
+              </a:rPr>
+              <a:t>1    </a:t>
+            </a:r>
+            <a:r>
+              <a:rPr lang="en-US" sz="1400" dirty="0" err="1" smtClean="0">
+                <a:latin typeface="Lucida Console"/>
+                <a:cs typeface="Lucida Console"/>
+              </a:rPr>
+              <a:t>foreach</a:t>
+            </a:r>
+            <a:r>
+              <a:rPr lang="en-US" sz="1400" dirty="0" smtClean="0">
+                <a:latin typeface="Lucida Console"/>
+                <a:cs typeface="Lucida Console"/>
+              </a:rPr>
+              <a:t> </a:t>
+            </a:r>
+            <a:r>
+              <a:rPr lang="en-US" sz="1400" dirty="0">
+                <a:latin typeface="Lucida Console"/>
+                <a:cs typeface="Lucida Console"/>
+              </a:rPr>
+              <a:t>text number in </a:t>
+            </a:r>
+            <a:r>
+              <a:rPr lang="en-US" sz="1400" dirty="0" err="1">
+                <a:latin typeface="Lucida Console"/>
+                <a:cs typeface="Lucida Console"/>
+              </a:rPr>
+              <a:t>line.tokenize</a:t>
+            </a:r>
+            <a:r>
+              <a:rPr lang="en-US" sz="1400" dirty="0">
+                <a:latin typeface="Lucida Console"/>
+                <a:cs typeface="Lucida Console"/>
+              </a:rPr>
+              <a:t>(" ") {</a:t>
+            </a:r>
+          </a:p>
+          <a:p>
+            <a:pPr marL="0" indent="0">
+              <a:spcBef>
+                <a:spcPts val="600"/>
+              </a:spcBef>
+            </a:pPr>
+            <a:r>
+              <a:rPr lang="en-US" sz="1400" dirty="0" smtClean="0">
+                <a:latin typeface="Lucida Console"/>
+                <a:cs typeface="Lucida Console"/>
+              </a:rPr>
+              <a:t>2      emit</a:t>
+            </a:r>
+            <a:r>
+              <a:rPr lang="en-US" sz="1400" dirty="0">
+                <a:latin typeface="Lucida Console"/>
+                <a:cs typeface="Lucida Console"/>
+              </a:rPr>
+              <a:t>(number, number);</a:t>
+            </a:r>
+          </a:p>
+          <a:p>
+            <a:pPr marL="0" indent="0">
+              <a:spcBef>
+                <a:spcPts val="600"/>
+              </a:spcBef>
+            </a:pPr>
+            <a:r>
+              <a:rPr lang="en-US" sz="1400" dirty="0" smtClean="0">
+                <a:latin typeface="Lucida Console"/>
+                <a:cs typeface="Lucida Console"/>
+              </a:rPr>
+              <a:t>3    }</a:t>
+            </a:r>
+            <a:endParaRPr lang="en-US" sz="1400" dirty="0">
+              <a:latin typeface="Lucida Console"/>
+              <a:cs typeface="Lucida Console"/>
+            </a:endParaRPr>
+          </a:p>
+          <a:p>
+            <a:pPr marL="0" indent="0">
+              <a:spcBef>
+                <a:spcPts val="600"/>
+              </a:spcBef>
+            </a:pPr>
+            <a:r>
+              <a:rPr lang="en-US" sz="1400" dirty="0" smtClean="0">
+                <a:latin typeface="Lucida Console"/>
+                <a:cs typeface="Lucida Console"/>
+              </a:rPr>
+              <a:t>4  </a:t>
+            </a:r>
+            <a:r>
+              <a:rPr lang="en-US" sz="1400" dirty="0" smtClean="0">
+                <a:latin typeface="Lucida Console"/>
+                <a:cs typeface="Lucida Console"/>
+              </a:rPr>
+              <a:t>}</a:t>
+            </a:r>
+            <a:endParaRPr lang="en-US" sz="1400" dirty="0">
+              <a:latin typeface="Lucida Console"/>
+              <a:cs typeface="Lucida Console"/>
+            </a:endParaRPr>
+          </a:p>
+          <a:p>
+            <a:pPr marL="0" indent="0">
+              <a:spcBef>
+                <a:spcPts val="600"/>
+              </a:spcBef>
+            </a:pPr>
+            <a:r>
+              <a:rPr lang="en-US" sz="1400" dirty="0" smtClean="0">
+                <a:latin typeface="Lucida Console"/>
+                <a:cs typeface="Lucida Console"/>
+              </a:rPr>
+              <a:t>5  @</a:t>
+            </a:r>
+            <a:r>
+              <a:rPr lang="en-US" sz="1400" dirty="0">
+                <a:latin typeface="Lucida Console"/>
+                <a:cs typeface="Lucida Console"/>
+              </a:rPr>
+              <a:t>Reduce (text number, text garbage) -&gt; (text, text) {</a:t>
+            </a:r>
+          </a:p>
+          <a:p>
+            <a:pPr marL="0" indent="0">
+              <a:spcBef>
+                <a:spcPts val="600"/>
+              </a:spcBef>
+            </a:pPr>
+            <a:r>
+              <a:rPr lang="en-US" sz="1400" dirty="0" smtClean="0">
+                <a:latin typeface="Lucida Console"/>
+                <a:cs typeface="Lucida Console"/>
+              </a:rPr>
+              <a:t>6    </a:t>
+            </a:r>
+            <a:r>
+              <a:rPr lang="en-US" sz="1400" dirty="0">
+                <a:latin typeface="Lucida Console"/>
+                <a:cs typeface="Lucida Console"/>
+              </a:rPr>
+              <a:t>emit(number, "");</a:t>
+            </a:r>
+          </a:p>
+          <a:p>
+            <a:pPr>
+              <a:spcBef>
+                <a:spcPts val="600"/>
+              </a:spcBef>
+              <a:buAutoNum type="arabicPlain" startAt="7"/>
+            </a:pPr>
+            <a:r>
+              <a:rPr lang="en-US" sz="1400" dirty="0" smtClean="0">
+                <a:latin typeface="Lucida Console"/>
+                <a:cs typeface="Lucida Console"/>
+              </a:rPr>
+              <a:t>}</a:t>
+            </a:r>
+            <a:endParaRPr lang="en-US" sz="1400" dirty="0">
+              <a:latin typeface="Lucida Console"/>
+              <a:cs typeface="Lucida Console"/>
+            </a:endParaRPr>
+          </a:p>
+          <a:p>
+            <a:pPr marL="0" indent="0">
+              <a:spcBef>
+                <a:spcPts val="600"/>
+              </a:spcBef>
+            </a:pPr>
+            <a:r>
+              <a:rPr lang="en-US" sz="1400" dirty="0" smtClean="0">
+                <a:latin typeface="Lucida Console"/>
+                <a:cs typeface="Lucida Console"/>
+              </a:rPr>
+              <a:t>8  @</a:t>
+            </a:r>
+            <a:r>
+              <a:rPr lang="en-US" sz="1400" dirty="0">
+                <a:latin typeface="Lucida Console"/>
+                <a:cs typeface="Lucida Console"/>
+              </a:rPr>
+              <a:t>Main {</a:t>
+            </a:r>
+          </a:p>
+          <a:p>
+            <a:pPr marL="0" indent="0">
+              <a:spcBef>
+                <a:spcPts val="600"/>
+              </a:spcBef>
+            </a:pPr>
+            <a:r>
+              <a:rPr lang="en-US" sz="1400" dirty="0" smtClean="0">
+                <a:latin typeface="Lucida Console"/>
+                <a:cs typeface="Lucida Console"/>
+              </a:rPr>
+              <a:t>9    </a:t>
+            </a:r>
+            <a:r>
+              <a:rPr lang="en-US" sz="1400" dirty="0" err="1">
+                <a:latin typeface="Lucida Console"/>
+                <a:cs typeface="Lucida Console"/>
+              </a:rPr>
+              <a:t>mapReduce</a:t>
+            </a:r>
+            <a:r>
+              <a:rPr lang="en-US" sz="1400" dirty="0">
+                <a:latin typeface="Lucida Console"/>
+                <a:cs typeface="Lucida Console"/>
+              </a:rPr>
+              <a:t>();</a:t>
+            </a:r>
+          </a:p>
+          <a:p>
+            <a:pPr marL="0" indent="0">
+              <a:spcBef>
+                <a:spcPts val="600"/>
+              </a:spcBef>
+            </a:pPr>
+            <a:r>
+              <a:rPr lang="en-US" sz="1400" dirty="0" smtClean="0">
+                <a:latin typeface="Lucida Console"/>
+                <a:cs typeface="Lucida Console"/>
+              </a:rPr>
+              <a:t>10 }</a:t>
+            </a:r>
+            <a:endParaRPr lang="en-US" sz="1400" dirty="0">
+              <a:latin typeface="Lucida Console"/>
+              <a:cs typeface="Lucida Console"/>
+            </a:endParaRPr>
+          </a:p>
+        </p:txBody>
+      </p:sp>
+      <p:sp>
+        <p:nvSpPr>
+          <p:cNvPr id="4" name="Rectangle 3"/>
+          <p:cNvSpPr/>
+          <p:nvPr/>
+        </p:nvSpPr>
+        <p:spPr>
+          <a:xfrm>
+            <a:off x="5596233" y="6212554"/>
+            <a:ext cx="2890861" cy="369332"/>
+          </a:xfrm>
+          <a:prstGeom prst="rect">
+            <a:avLst/>
+          </a:prstGeom>
+        </p:spPr>
+        <p:txBody>
+          <a:bodyPr wrap="none">
+            <a:spAutoFit/>
+          </a:bodyPr>
+          <a:lstStyle/>
+          <a:p>
+            <a:r>
+              <a:rPr lang="en-US" dirty="0" smtClean="0">
+                <a:solidFill>
+                  <a:schemeClr val="bg1"/>
+                </a:solidFill>
+              </a:rPr>
+              <a:t>Paul </a:t>
+            </a:r>
+            <a:r>
+              <a:rPr lang="en-US" dirty="0" err="1" smtClean="0">
+                <a:solidFill>
+                  <a:schemeClr val="bg1"/>
+                </a:solidFill>
+              </a:rPr>
+              <a:t>Tylkin</a:t>
+            </a:r>
+            <a:r>
+              <a:rPr lang="en-US" dirty="0" smtClean="0">
+                <a:solidFill>
+                  <a:schemeClr val="bg1"/>
+                </a:solidFill>
+              </a:rPr>
+              <a:t> (Language Guru)</a:t>
+            </a:r>
+            <a:endParaRPr lang="en-US" dirty="0">
+              <a:solidFill>
+                <a:schemeClr val="bg1"/>
+              </a:solidFill>
+            </a:endParaRPr>
+          </a:p>
+        </p:txBody>
+      </p:sp>
+    </p:spTree>
+    <p:extLst>
+      <p:ext uri="{BB962C8B-B14F-4D97-AF65-F5344CB8AC3E}">
+        <p14:creationId xmlns:p14="http://schemas.microsoft.com/office/powerpoint/2010/main" val="2487640545"/>
+      </p:ext>
+    </p:extLst>
+  </p:cSld>
+  <p:clrMapOvr>
+    <a:masterClrMapping/>
+  </p:clrMapOvr>
+  <p:timing>
+    <p:tnLst>
+      <p:par>
+        <p:cTn xmlns:p14="http://schemas.microsoft.com/office/powerpoint/2010/main" id="1" dur="indefinite" restart="never" nodeType="tmRoot"/>
+      </p:par>
+    </p:tnLst>
+  </p:timing>
+</p:sld>
+</file>
+
+<file path=ppt/slides/slide16.xml><?xml version="1.0" encoding="utf-8"?>
+<p:sld xmlns:a="http://schemas.openxmlformats.org/drawingml/2006/main" xmlns:r="http://schemas.openxmlformats.org/officeDocument/2006/relationships" xmlns:p="http://schemas.openxmlformats.org/presentationml/2006/main">
+  <p:cSld>
+    <p:spTree>
+      <p:nvGrpSpPr>
+        <p:cNvPr id="1" name=""/>
+        <p:cNvGrpSpPr/>
+        <p:nvPr/>
+      </p:nvGrpSpPr>
+      <p:grpSpPr>
+        <a:xfrm>
+          <a:off x="0" y="0"/>
+          <a:ext cx="0" cy="0"/>
+          <a:chOff x="0" y="0"/>
+          <a:chExt cx="0" cy="0"/>
+        </a:xfrm>
+      </p:grpSpPr>
+      <p:sp>
+        <p:nvSpPr>
+          <p:cNvPr id="2" name="Title 1"/>
+          <p:cNvSpPr>
+            <a:spLocks noGrp="1"/>
+          </p:cNvSpPr>
+          <p:nvPr>
+            <p:ph type="title"/>
+          </p:nvPr>
+        </p:nvSpPr>
         <p:spPr>
           <a:xfrm rot="19140000">
             <a:off x="631242" y="1776157"/>
@@ -8113,7 +8486,7 @@
 </p:sld>
 </file>
 
-<file path=ppt/slides/slide16.xml><?xml version="1.0" encoding="utf-8"?>
+<file path=ppt/slides/slide17.xml><?xml version="1.0" encoding="utf-8"?>
 <p:sld xmlns:a="http://schemas.openxmlformats.org/drawingml/2006/main" xmlns:r="http://schemas.openxmlformats.org/officeDocument/2006/relationships" xmlns:p="http://schemas.openxmlformats.org/presentationml/2006/main">
   <p:cSld>
     <p:spTree>
@@ -11298,7 +11671,7 @@
 </p:sld>
 </file>
 
-<file path=ppt/slides/slide17.xml><?xml version="1.0" encoding="utf-8"?>
+<file path=ppt/slides/slide18.xml><?xml version="1.0" encoding="utf-8"?>
 <p:sld xmlns:a="http://schemas.openxmlformats.org/drawingml/2006/main" xmlns:r="http://schemas.openxmlformats.org/officeDocument/2006/relationships" xmlns:p="http://schemas.openxmlformats.org/presentationml/2006/main">
   <p:cSld>
     <p:spTree>
@@ -12417,113 +12790,6 @@
 </p:sld>
 </file>
 
-<file path=ppt/slides/slide18.xml><?xml version="1.0" encoding="utf-8"?>
-<p:sld xmlns:a="http://schemas.openxmlformats.org/drawingml/2006/main" xmlns:r="http://schemas.openxmlformats.org/officeDocument/2006/relationships" xmlns:p="http://schemas.openxmlformats.org/presentationml/2006/main">
-  <p:cSld>
-    <p:spTree>
-      <p:nvGrpSpPr>
-        <p:cNvPr id="1" name=""/>
-        <p:cNvGrpSpPr/>
-        <p:nvPr/>
-      </p:nvGrpSpPr>
-      <p:grpSpPr>
-        <a:xfrm>
-          <a:off x="0" y="0"/>
-          <a:ext cx="0" cy="0"/>
-          <a:chOff x="0" y="0"/>
-          <a:chExt cx="0" cy="0"/>
-        </a:xfrm>
-      </p:grpSpPr>
-      <p:sp>
-        <p:nvSpPr>
-          <p:cNvPr id="2" name="Title 1"/>
-          <p:cNvSpPr>
-            <a:spLocks noGrp="1"/>
-          </p:cNvSpPr>
-          <p:nvPr>
-            <p:ph type="title"/>
-          </p:nvPr>
-        </p:nvSpPr>
-        <p:spPr>
-          <a:xfrm rot="19140000">
-            <a:off x="631242" y="1776157"/>
-            <a:ext cx="5650992" cy="1207509"/>
-          </a:xfrm>
-        </p:spPr>
-        <p:txBody>
-          <a:bodyPr/>
-          <a:lstStyle/>
-          <a:p>
-            <a:r>
-              <a:rPr lang="en-US" sz="6000" dirty="0" smtClean="0"/>
-              <a:t>runtime</a:t>
-            </a:r>
-            <a:endParaRPr lang="en-US" sz="6000" dirty="0"/>
-          </a:p>
-        </p:txBody>
-      </p:sp>
-      <p:sp>
-        <p:nvSpPr>
-          <p:cNvPr id="3" name="Text Placeholder 2"/>
-          <p:cNvSpPr>
-            <a:spLocks noGrp="1"/>
-          </p:cNvSpPr>
-          <p:nvPr>
-            <p:ph type="body" idx="1"/>
-          </p:nvPr>
-        </p:nvSpPr>
-        <p:spPr>
-          <a:xfrm rot="19140000">
-            <a:off x="938448" y="2278221"/>
-            <a:ext cx="7240656" cy="329184"/>
-          </a:xfrm>
-        </p:spPr>
-        <p:txBody>
-          <a:bodyPr>
-            <a:noAutofit/>
-          </a:bodyPr>
-          <a:lstStyle/>
-          <a:p>
-            <a:r>
-              <a:rPr lang="en-US" sz="2400" spc="0" dirty="0" err="1" smtClean="0"/>
-              <a:t>Kurry</a:t>
-            </a:r>
-            <a:r>
-              <a:rPr lang="en-US" sz="2400" spc="0" dirty="0" smtClean="0"/>
-              <a:t> </a:t>
-            </a:r>
-            <a:r>
-              <a:rPr lang="en-US" sz="2400" spc="0" dirty="0" err="1" smtClean="0"/>
-              <a:t>tran</a:t>
-            </a:r>
-            <a:r>
-              <a:rPr lang="en-US" sz="2400" spc="0" dirty="0" smtClean="0"/>
-              <a:t> (System integrator)</a:t>
-            </a:r>
-            <a:endParaRPr lang="en-US" sz="2400" spc="0" dirty="0"/>
-          </a:p>
-        </p:txBody>
-      </p:sp>
-    </p:spTree>
-    <p:extLst>
-      <p:ext uri="{BB962C8B-B14F-4D97-AF65-F5344CB8AC3E}">
-        <p14:creationId xmlns:p14="http://schemas.microsoft.com/office/powerpoint/2010/main" val="720806030"/>
-      </p:ext>
-    </p:extLst>
-  </p:cSld>
-  <p:clrMapOvr>
-    <a:masterClrMapping/>
-  </p:clrMapOvr>
-  <p:timing>
-    <p:tnLst>
-      <p:par>
-        <p:cTn xmlns:p14="http://schemas.microsoft.com/office/powerpoint/2010/main" id="1" dur="indefinite" restart="never" nodeType="tmRoot"/>
-      </p:par>
-    </p:tnLst>
-  </p:timing>
-</p:sld>
-</file>
-
 <file path=ppt/slides/slide19.xml><?xml version="1.0" encoding="utf-8"?>
 <p:sld xmlns:a="http://schemas.openxmlformats.org/drawingml/2006/main" xmlns:r="http://schemas.openxmlformats.org/officeDocument/2006/relationships" xmlns:p="http://schemas.openxmlformats.org/presentationml/2006/main">
   <p:cSld>
@@ -12552,154 +12818,69 @@
           </p:nvPr>
         </p:nvSpPr>
         <p:spPr>
-          <a:xfrm>
-            <a:off x="747358" y="368683"/>
-            <a:ext cx="7520940" cy="548640"/>
+          <a:xfrm rot="19140000">
+            <a:off x="631242" y="1776157"/>
+            <a:ext cx="5650992" cy="1207509"/>
+          </a:xfrm>
+        </p:spPr>
+        <p:txBody>
+          <a:bodyPr/>
+          <a:lstStyle/>
+          <a:p>
+            <a:r>
+              <a:rPr lang="en-US" sz="6000" dirty="0" smtClean="0"/>
+              <a:t>runtime</a:t>
+            </a:r>
+            <a:endParaRPr lang="en-US" sz="6000" dirty="0"/>
+          </a:p>
+        </p:txBody>
+      </p:sp>
+      <p:sp>
+        <p:nvSpPr>
+          <p:cNvPr id="3" name="Text Placeholder 2"/>
+          <p:cNvSpPr>
+            <a:spLocks noGrp="1"/>
+          </p:cNvSpPr>
+          <p:nvPr>
+            <p:ph type="body" idx="1"/>
+          </p:nvPr>
+        </p:nvSpPr>
+        <p:spPr>
+          <a:xfrm rot="19140000">
+            <a:off x="938448" y="2278221"/>
+            <a:ext cx="7240656" cy="329184"/>
           </a:xfrm>
         </p:spPr>
         <p:txBody>
           <a:bodyPr>
-            <a:normAutofit/>
+            <a:noAutofit/>
           </a:bodyPr>
           <a:lstStyle/>
           <a:p>
             <a:r>
-              <a:rPr lang="en-US" dirty="0" smtClean="0"/>
-              <a:t>Makefile and Shellscript</a:t>
-            </a:r>
-            <a:endParaRPr lang="en-US" dirty="0"/>
-          </a:p>
-        </p:txBody>
-      </p:sp>
-      <p:sp>
-        <p:nvSpPr>
-          <p:cNvPr id="3" name="Content Placeholder 2"/>
-          <p:cNvSpPr>
-            <a:spLocks noGrp="1"/>
-          </p:cNvSpPr>
-          <p:nvPr>
-            <p:ph idx="1"/>
-          </p:nvPr>
-        </p:nvSpPr>
-        <p:spPr>
-          <a:xfrm>
-            <a:off x="822959" y="1100628"/>
-            <a:ext cx="7763633" cy="3579849"/>
-          </a:xfrm>
-        </p:spPr>
-        <p:txBody>
-          <a:bodyPr>
-            <a:normAutofit/>
-          </a:bodyPr>
-          <a:lstStyle/>
-          <a:p>
-            <a:pPr>
-              <a:buFont typeface="Arial"/>
-              <a:buChar char="•"/>
-            </a:pPr>
-            <a:r>
-              <a:rPr lang="en-US" sz="2400" dirty="0" smtClean="0"/>
-              <a:t>Hog Compiler - Compiles Hog Source to Java Source</a:t>
-            </a:r>
-          </a:p>
-          <a:p>
-            <a:pPr>
-              <a:buFont typeface="Arial"/>
-              <a:buChar char="•"/>
-            </a:pPr>
-            <a:r>
-              <a:rPr lang="en-US" sz="2400" dirty="0" smtClean="0"/>
-              <a:t>Java Compiler – Compiles Java Source with Hadoop Jars</a:t>
-            </a:r>
-          </a:p>
-          <a:p>
-            <a:pPr>
-              <a:buFont typeface="Arial"/>
-              <a:buChar char="•"/>
-            </a:pPr>
-            <a:r>
-              <a:rPr lang="en-US" sz="2400" dirty="0" smtClean="0"/>
-              <a:t>Copies Input Data into HDFS</a:t>
-            </a:r>
-          </a:p>
-          <a:p>
-            <a:pPr>
-              <a:buFont typeface="Arial"/>
-              <a:buChar char="•"/>
-            </a:pPr>
-            <a:r>
-              <a:rPr lang="en-US" sz="2400" dirty="0" smtClean="0"/>
-              <a:t>Executes Job on Hadoop Cluster</a:t>
-            </a:r>
-          </a:p>
-          <a:p>
-            <a:pPr>
-              <a:buFont typeface="Arial"/>
-              <a:buChar char="•"/>
-            </a:pPr>
-            <a:r>
-              <a:rPr lang="en-US" sz="2400" dirty="0" smtClean="0"/>
-              <a:t>Reports Results to User</a:t>
-            </a:r>
-          </a:p>
-          <a:p>
-            <a:pPr>
-              <a:buFont typeface="Arial"/>
-              <a:buChar char="•"/>
-            </a:pPr>
-            <a:endParaRPr lang="en-US" sz="2400" dirty="0"/>
-          </a:p>
-        </p:txBody>
-      </p:sp>
-      <p:sp>
-        <p:nvSpPr>
-          <p:cNvPr id="4" name="Rectangle 3"/>
-          <p:cNvSpPr/>
-          <p:nvPr/>
-        </p:nvSpPr>
-        <p:spPr>
-          <a:xfrm>
-            <a:off x="5335089" y="6240083"/>
-            <a:ext cx="3085062" cy="369332"/>
-          </a:xfrm>
-          <a:prstGeom prst="rect">
-            <a:avLst/>
-          </a:prstGeom>
-        </p:spPr>
-        <p:txBody>
-          <a:bodyPr wrap="none">
-            <a:spAutoFit/>
-          </a:bodyPr>
-          <a:lstStyle/>
-          <a:p>
-            <a:r>
-              <a:rPr lang="en-US" dirty="0" err="1" smtClean="0">
-                <a:solidFill>
-                  <a:schemeClr val="bg1"/>
-                </a:solidFill>
-              </a:rPr>
+              <a:rPr lang="en-US" sz="2400" spc="0" dirty="0" err="1" smtClean="0"/>
               <a:t>Kurry</a:t>
             </a:r>
             <a:r>
-              <a:rPr lang="en-US" dirty="0" smtClean="0">
-                <a:solidFill>
-                  <a:schemeClr val="bg1"/>
-                </a:solidFill>
-              </a:rPr>
-              <a:t> Tran (System Integrator)</a:t>
-            </a:r>
-            <a:endParaRPr lang="en-US" dirty="0">
-              <a:solidFill>
-                <a:schemeClr val="bg1"/>
-              </a:solidFill>
-            </a:endParaRPr>
+              <a:rPr lang="en-US" sz="2400" spc="0" dirty="0" smtClean="0"/>
+              <a:t> </a:t>
+            </a:r>
+            <a:r>
+              <a:rPr lang="en-US" sz="2400" spc="0" dirty="0" err="1" smtClean="0"/>
+              <a:t>tran</a:t>
+            </a:r>
+            <a:r>
+              <a:rPr lang="en-US" sz="2400" spc="0" dirty="0" smtClean="0"/>
+              <a:t> (System integrator)</a:t>
+            </a:r>
+            <a:endParaRPr lang="en-US" sz="2400" spc="0" dirty="0"/>
           </a:p>
         </p:txBody>
       </p:sp>
     </p:spTree>
     <p:extLst>
       <p:ext uri="{BB962C8B-B14F-4D97-AF65-F5344CB8AC3E}">
-        <p14:creationId xmlns:p14="http://schemas.microsoft.com/office/powerpoint/2010/main" val="410423861"/>
+        <p14:creationId xmlns:p14="http://schemas.microsoft.com/office/powerpoint/2010/main" val="720806030"/>
       </p:ext>
     </p:extLst>
   </p:cSld>
@@ -12793,8 +12974,12 @@
               <a:buAutoNum type="arabicPeriod"/>
             </a:pPr>
             <a:r>
+              <a:rPr lang="en-US" sz="2000" dirty="0" smtClean="0"/>
+              <a:t>Syntax and Semantics </a:t>
+            </a:r>
+            <a:r>
               <a:rPr lang="en-US" sz="2000" dirty="0"/>
-              <a:t>Syntax (Paul)</a:t>
+              <a:t>(Paul)</a:t>
             </a:r>
           </a:p>
           <a:p>
@@ -12906,6 +13091,206 @@
 </file>
 
 <file path=ppt/slides/slide20.xml><?xml version="1.0" encoding="utf-8"?>
+<p:sld xmlns:a="http://schemas.openxmlformats.org/drawingml/2006/main" xmlns:r="http://schemas.openxmlformats.org/officeDocument/2006/relationships" xmlns:p="http://schemas.openxmlformats.org/presentationml/2006/main">
+  <p:cSld>
+    <p:spTree>
+      <p:nvGrpSpPr>
+        <p:cNvPr id="1" name=""/>
+        <p:cNvGrpSpPr/>
+        <p:nvPr/>
+      </p:nvGrpSpPr>
+      <p:grpSpPr>
+        <a:xfrm>
+          <a:off x="0" y="0"/>
+          <a:ext cx="0" cy="0"/>
+          <a:chOff x="0" y="0"/>
+          <a:chExt cx="0" cy="0"/>
+        </a:xfrm>
+      </p:grpSpPr>
+      <p:sp>
+        <p:nvSpPr>
+          <p:cNvPr id="2" name="Title 1"/>
+          <p:cNvSpPr>
+            <a:spLocks noGrp="1"/>
+          </p:cNvSpPr>
+          <p:nvPr>
+            <p:ph type="title"/>
+          </p:nvPr>
+        </p:nvSpPr>
+        <p:spPr>
+          <a:xfrm>
+            <a:off x="747358" y="368683"/>
+            <a:ext cx="7520940" cy="548640"/>
+          </a:xfrm>
+        </p:spPr>
+        <p:txBody>
+          <a:bodyPr>
+            <a:normAutofit/>
+          </a:bodyPr>
+          <a:lstStyle/>
+          <a:p>
+            <a:r>
+              <a:rPr lang="en-US" dirty="0" smtClean="0"/>
+              <a:t>Makefile and Shellscript</a:t>
+            </a:r>
+            <a:endParaRPr lang="en-US" dirty="0"/>
+          </a:p>
+        </p:txBody>
+      </p:sp>
+      <p:sp>
+        <p:nvSpPr>
+          <p:cNvPr id="3" name="Content Placeholder 2"/>
+          <p:cNvSpPr>
+            <a:spLocks noGrp="1"/>
+          </p:cNvSpPr>
+          <p:nvPr>
+            <p:ph idx="1"/>
+          </p:nvPr>
+        </p:nvSpPr>
+        <p:spPr>
+          <a:xfrm>
+            <a:off x="822959" y="1100628"/>
+            <a:ext cx="7763633" cy="3579849"/>
+          </a:xfrm>
+        </p:spPr>
+        <p:txBody>
+          <a:bodyPr>
+            <a:normAutofit/>
+          </a:bodyPr>
+          <a:lstStyle/>
+          <a:p>
+            <a:pPr>
+              <a:buFont typeface="Arial"/>
+              <a:buChar char="•"/>
+            </a:pPr>
+            <a:r>
+              <a:rPr lang="en-US" sz="2400" dirty="0" smtClean="0"/>
+              <a:t>Hog Compiler </a:t>
+            </a:r>
+            <a:r>
+              <a:rPr lang="en-US" sz="2400" dirty="0"/>
+              <a:t>– </a:t>
+            </a:r>
+            <a:r>
+              <a:rPr lang="en-US" sz="2400" dirty="0" smtClean="0"/>
+              <a:t>Compiles Hog Source to Java Source</a:t>
+            </a:r>
+          </a:p>
+          <a:p>
+            <a:pPr>
+              <a:buFont typeface="Arial"/>
+              <a:buChar char="•"/>
+            </a:pPr>
+            <a:r>
+              <a:rPr lang="en-US" sz="2400" dirty="0" smtClean="0"/>
+              <a:t>Java Compiler – Compiles Java Source with Hadoop Jars</a:t>
+            </a:r>
+          </a:p>
+          <a:p>
+            <a:pPr>
+              <a:buFont typeface="Arial"/>
+              <a:buChar char="•"/>
+            </a:pPr>
+            <a:r>
+              <a:rPr lang="en-US" sz="2400" dirty="0" smtClean="0"/>
+              <a:t>Copies Input Data into HDFS</a:t>
+            </a:r>
+          </a:p>
+          <a:p>
+            <a:pPr>
+              <a:buFont typeface="Arial"/>
+              <a:buChar char="•"/>
+            </a:pPr>
+            <a:r>
+              <a:rPr lang="en-US" sz="2400" dirty="0" smtClean="0"/>
+              <a:t>Executes Job on Hadoop Cluster</a:t>
+            </a:r>
+          </a:p>
+          <a:p>
+            <a:pPr>
+              <a:buFont typeface="Arial"/>
+              <a:buChar char="•"/>
+            </a:pPr>
+            <a:r>
+              <a:rPr lang="en-US" sz="2400" dirty="0" smtClean="0"/>
+              <a:t>Reports Results to User</a:t>
+            </a:r>
+          </a:p>
+          <a:p>
+            <a:pPr>
+              <a:buFont typeface="Arial"/>
+              <a:buChar char="•"/>
+            </a:pPr>
+            <a:endParaRPr lang="en-US" sz="2400" dirty="0"/>
+          </a:p>
+        </p:txBody>
+      </p:sp>
+      <p:sp>
+        <p:nvSpPr>
+          <p:cNvPr id="4" name="Rectangle 3"/>
+          <p:cNvSpPr/>
+          <p:nvPr/>
+        </p:nvSpPr>
+        <p:spPr>
+          <a:xfrm>
+            <a:off x="5335089" y="6240083"/>
+            <a:ext cx="3085062" cy="369332"/>
+          </a:xfrm>
+          <a:prstGeom prst="rect">
+            <a:avLst/>
+          </a:prstGeom>
+        </p:spPr>
+        <p:txBody>
+          <a:bodyPr wrap="none">
+            <a:spAutoFit/>
+          </a:bodyPr>
+          <a:lstStyle/>
+          <a:p>
+            <a:r>
+              <a:rPr lang="en-US" dirty="0" err="1" smtClean="0">
+                <a:solidFill>
+                  <a:schemeClr val="bg1"/>
+                </a:solidFill>
+              </a:rPr>
+              <a:t>Kurry</a:t>
+            </a:r>
+            <a:r>
+              <a:rPr lang="en-US" dirty="0" smtClean="0">
+                <a:solidFill>
+                  <a:schemeClr val="bg1"/>
+                </a:solidFill>
+              </a:rPr>
+              <a:t> Tran (System Integrator)</a:t>
+            </a:r>
+            <a:endParaRPr lang="en-US" dirty="0">
+              <a:solidFill>
+                <a:schemeClr val="bg1"/>
+              </a:solidFill>
+            </a:endParaRPr>
+          </a:p>
+        </p:txBody>
+      </p:sp>
+    </p:spTree>
+    <p:extLst>
+      <p:ext uri="{BB962C8B-B14F-4D97-AF65-F5344CB8AC3E}">
+        <p14:creationId xmlns:p14="http://schemas.microsoft.com/office/powerpoint/2010/main" val="410423861"/>
+      </p:ext>
+    </p:extLst>
+  </p:cSld>
+  <p:clrMapOvr>
+    <a:masterClrMapping/>
+  </p:clrMapOvr>
+  <p:timing>
+    <p:tnLst>
+      <p:par>
+        <p:cTn xmlns:p14="http://schemas.microsoft.com/office/powerpoint/2010/main" id="1" dur="indefinite" restart="never" nodeType="tmRoot"/>
+      </p:par>
+    </p:tnLst>
+  </p:timing>
+</p:sld>
+</file>
+
+<file path=ppt/slides/slide21.xml><?xml version="1.0" encoding="utf-8"?>
 <p:sld xmlns:a="http://schemas.openxmlformats.org/drawingml/2006/main" xmlns:r="http://schemas.openxmlformats.org/officeDocument/2006/relationships" xmlns:p="http://schemas.openxmlformats.org/presentationml/2006/main">
   <p:cSld>
     <p:spTree>
@@ -13485,7 +13870,7 @@
 </p:sld>
 </file>
 
-<file path=ppt/slides/slide21.xml><?xml version="1.0" encoding="utf-8"?>
+<file path=ppt/slides/slide22.xml><?xml version="1.0" encoding="utf-8"?>
 <p:sld xmlns:a="http://schemas.openxmlformats.org/drawingml/2006/main" xmlns:r="http://schemas.openxmlformats.org/officeDocument/2006/relationships" xmlns:p="http://schemas.openxmlformats.org/presentationml/2006/main">
   <p:cSld>
     <p:spTree>
@@ -13588,7 +13973,7 @@
 </p:sld>
 </file>
 
-<file path=ppt/slides/slide22.xml><?xml version="1.0" encoding="utf-8"?>
+<file path=ppt/slides/slide23.xml><?xml version="1.0" encoding="utf-8"?>
 <p:sld xmlns:a="http://schemas.openxmlformats.org/drawingml/2006/main" xmlns:r="http://schemas.openxmlformats.org/officeDocument/2006/relationships" xmlns:p="http://schemas.openxmlformats.org/presentationml/2006/main">
   <p:cSld>
     <p:spTree>
@@ -13687,11 +14072,7 @@
             </a:r>
             <a:r>
               <a:rPr lang="en-US" dirty="0" smtClean="0"/>
-              <a:t>nternal </a:t>
-            </a:r>
-            <a:r>
-              <a:rPr lang="en-US" dirty="0" smtClean="0"/>
-              <a:t>Structure: </a:t>
+              <a:t>nternal Structure: </a:t>
             </a:r>
             <a:r>
               <a:rPr lang="en-US" dirty="0"/>
@@ -14290,290 +14671,6 @@
 </p:sld>
 </file>
 
-<file path=ppt/slides/slide23.xml><?xml version="1.0" encoding="utf-8"?>
-<p:sld xmlns:a="http://schemas.openxmlformats.org/drawingml/2006/main" xmlns:r="http://schemas.openxmlformats.org/officeDocument/2006/relationships" xmlns:p="http://schemas.openxmlformats.org/presentationml/2006/main">
-  <p:cSld>
-    <p:spTree>
-      <p:nvGrpSpPr>
-        <p:cNvPr id="1" name=""/>
-        <p:cNvGrpSpPr/>
-        <p:nvPr/>
-      </p:nvGrpSpPr>
-      <p:grpSpPr>
-        <a:xfrm>
-          <a:off x="0" y="0"/>
-          <a:ext cx="0" cy="0"/>
-          <a:chOff x="0" y="0"/>
-          <a:chExt cx="0" cy="0"/>
-        </a:xfrm>
-      </p:grpSpPr>
-      <p:sp>
-        <p:nvSpPr>
-          <p:cNvPr id="4" name="Title 3"/>
-          <p:cNvSpPr>
-            <a:spLocks noGrp="1"/>
-          </p:cNvSpPr>
-          <p:nvPr>
-            <p:ph type="title"/>
-          </p:nvPr>
-        </p:nvSpPr>
-        <p:spPr>
-          <a:xfrm>
-            <a:off x="457200" y="129498"/>
-            <a:ext cx="8229600" cy="1143000"/>
-          </a:xfrm>
-        </p:spPr>
-        <p:txBody>
-          <a:bodyPr/>
-          <a:lstStyle/>
-          <a:p>
-            <a:r>
-              <a:rPr lang="en-US" dirty="0" smtClean="0"/>
-              <a:t>INTEGRATION TESTING</a:t>
-            </a:r>
-            <a:endParaRPr lang="en-US" dirty="0"/>
-          </a:p>
-        </p:txBody>
-      </p:sp>
-      <p:sp>
-        <p:nvSpPr>
-          <p:cNvPr id="2" name="TextBox 1"/>
-          <p:cNvSpPr txBox="1"/>
-          <p:nvPr/>
-        </p:nvSpPr>
-        <p:spPr>
-          <a:xfrm>
-            <a:off x="1796272" y="1057399"/>
-            <a:ext cx="5561722" cy="4031873"/>
-          </a:xfrm>
-          <a:prstGeom prst="rect">
-            <a:avLst/>
-          </a:prstGeom>
-          <a:noFill/>
-        </p:spPr>
-        <p:txBody>
-          <a:bodyPr wrap="square" rtlCol="0">
-            <a:spAutoFit/>
-          </a:bodyPr>
-          <a:lstStyle/>
-          <a:p>
-            <a:pPr marL="285750" indent="-285750">
-              <a:buFont typeface="Arial"/>
-              <a:buChar char="•"/>
-            </a:pPr>
-            <a:r>
-              <a:rPr lang="en-US" sz="2400" dirty="0" smtClean="0"/>
-              <a:t>Sample </a:t>
-            </a:r>
-            <a:r>
-              <a:rPr lang="en-US" sz="2400" dirty="0"/>
-              <a:t>Programs </a:t>
-            </a:r>
-            <a:endParaRPr lang="en-US" sz="2400" dirty="0" smtClean="0"/>
-          </a:p>
-          <a:p>
-            <a:pPr marL="742950" lvl="1" indent="-285750">
-              <a:buFont typeface="Arial"/>
-              <a:buChar char="•"/>
-            </a:pPr>
-            <a:r>
-              <a:rPr lang="en-US" dirty="0" smtClean="0"/>
-              <a:t>Word Count</a:t>
-            </a:r>
-          </a:p>
-          <a:p>
-            <a:pPr marL="742950" lvl="1" indent="-285750">
-              <a:buFont typeface="Arial"/>
-              <a:buChar char="•"/>
-            </a:pPr>
-            <a:r>
-              <a:rPr lang="en-US" dirty="0" smtClean="0"/>
-              <a:t>Sort</a:t>
-            </a:r>
-          </a:p>
-          <a:p>
-            <a:pPr marL="742950" lvl="1" indent="-285750">
-              <a:buFont typeface="Arial"/>
-              <a:buChar char="•"/>
-            </a:pPr>
-            <a:r>
-              <a:rPr lang="en-US" dirty="0" smtClean="0"/>
-              <a:t>Log Processing</a:t>
-            </a:r>
-            <a:endParaRPr lang="en-US" dirty="0"/>
-          </a:p>
-          <a:p>
-            <a:pPr marL="285750" indent="-285750">
-              <a:buFont typeface="Arial"/>
-              <a:buChar char="•"/>
-            </a:pPr>
-            <a:r>
-              <a:rPr lang="en-US" sz="2400" dirty="0"/>
-              <a:t>Exception Handling and Errors </a:t>
-            </a:r>
-            <a:endParaRPr lang="en-US" sz="2400" dirty="0" smtClean="0"/>
-          </a:p>
-          <a:p>
-            <a:pPr marL="742950" lvl="1" indent="-285750">
-              <a:buFont typeface="Arial"/>
-              <a:buChar char="•"/>
-            </a:pPr>
-            <a:r>
-              <a:rPr lang="en-US" dirty="0" smtClean="0"/>
-              <a:t>Undeclared Variables</a:t>
-            </a:r>
-          </a:p>
-          <a:p>
-            <a:pPr marL="742950" lvl="1" indent="-285750">
-              <a:buFont typeface="Arial"/>
-              <a:buChar char="•"/>
-            </a:pPr>
-            <a:r>
-              <a:rPr lang="en-US" dirty="0" smtClean="0"/>
-              <a:t>Invalid Arguments</a:t>
-            </a:r>
-          </a:p>
-          <a:p>
-            <a:pPr marL="742950" lvl="1" indent="-285750">
-              <a:buFont typeface="Arial"/>
-              <a:buChar char="•"/>
-            </a:pPr>
-            <a:r>
-              <a:rPr lang="en-US" dirty="0" smtClean="0"/>
-              <a:t>Type Mismatch</a:t>
-            </a:r>
-          </a:p>
-          <a:p>
-            <a:pPr marL="285750" indent="-285750">
-              <a:buFont typeface="Arial"/>
-              <a:buChar char="•"/>
-            </a:pPr>
-            <a:r>
-              <a:rPr lang="en-US" sz="2400" dirty="0" smtClean="0"/>
-              <a:t>Testing on Amazon </a:t>
-            </a:r>
-            <a:r>
-              <a:rPr lang="en-US" sz="2400" dirty="0"/>
-              <a:t>Elastic </a:t>
-            </a:r>
-            <a:r>
-              <a:rPr lang="en-US" sz="2400" dirty="0" err="1"/>
-              <a:t>MapReduce</a:t>
-            </a:r>
-            <a:r>
-              <a:rPr lang="en-US" sz="2400" dirty="0"/>
-              <a:t> </a:t>
-            </a:r>
-            <a:endParaRPr lang="en-US" sz="2400" dirty="0" smtClean="0"/>
-          </a:p>
-          <a:p>
-            <a:pPr marL="742950" lvl="1" indent="-285750">
-              <a:buFont typeface="Arial"/>
-              <a:buChar char="•"/>
-            </a:pPr>
-            <a:r>
-              <a:rPr lang="en-US" dirty="0"/>
-              <a:t>Upload </a:t>
-            </a:r>
-            <a:r>
-              <a:rPr lang="en-US" dirty="0" smtClean="0"/>
-              <a:t>Compiled </a:t>
-            </a:r>
-            <a:r>
-              <a:rPr lang="en-US" dirty="0"/>
-              <a:t>J</a:t>
-            </a:r>
-            <a:r>
-              <a:rPr lang="en-US" dirty="0" smtClean="0"/>
-              <a:t>ar from Hog Program</a:t>
-            </a:r>
-          </a:p>
-          <a:p>
-            <a:pPr marL="742950" lvl="1" indent="-285750">
-              <a:buFont typeface="Arial"/>
-              <a:buChar char="•"/>
-            </a:pPr>
-            <a:r>
-              <a:rPr lang="en-US" dirty="0" smtClean="0"/>
-              <a:t>Create Job Flow and Launch </a:t>
-            </a:r>
-            <a:r>
-              <a:rPr lang="en-US" dirty="0"/>
-              <a:t>EC2 Instances </a:t>
-            </a:r>
-            <a:endParaRPr lang="en-US" dirty="0" smtClean="0"/>
-          </a:p>
-          <a:p>
-            <a:pPr marL="742950" lvl="1" indent="-285750">
-              <a:buFont typeface="Arial"/>
-              <a:buChar char="•"/>
-            </a:pPr>
-            <a:r>
-              <a:rPr lang="en-US" dirty="0"/>
-              <a:t>Analyze </a:t>
-            </a:r>
-            <a:r>
-              <a:rPr lang="en-US" dirty="0" smtClean="0"/>
-              <a:t>Output Files</a:t>
-            </a:r>
-          </a:p>
-          <a:p>
-            <a:endParaRPr lang="en-US" sz="2200" dirty="0"/>
-          </a:p>
-        </p:txBody>
-      </p:sp>
-      <p:sp>
-        <p:nvSpPr>
-          <p:cNvPr id="6" name="Rectangle 5"/>
-          <p:cNvSpPr/>
-          <p:nvPr/>
-        </p:nvSpPr>
-        <p:spPr>
-          <a:xfrm>
-            <a:off x="5045187" y="6240083"/>
-            <a:ext cx="3515168" cy="369332"/>
-          </a:xfrm>
-          <a:prstGeom prst="rect">
-            <a:avLst/>
-          </a:prstGeom>
-        </p:spPr>
-        <p:txBody>
-          <a:bodyPr wrap="none">
-            <a:spAutoFit/>
-          </a:bodyPr>
-          <a:lstStyle/>
-          <a:p>
-            <a:r>
-              <a:rPr lang="en-US" dirty="0" smtClean="0">
-                <a:solidFill>
-                  <a:schemeClr val="bg1"/>
-                </a:solidFill>
-              </a:rPr>
-              <a:t>Jason Halpern (Testing/Validation)</a:t>
-            </a:r>
-          </a:p>
-        </p:txBody>
-      </p:sp>
-    </p:spTree>
-    <p:extLst>
-      <p:ext uri="{BB962C8B-B14F-4D97-AF65-F5344CB8AC3E}">
-        <p14:creationId xmlns:p14="http://schemas.microsoft.com/office/powerpoint/2010/main" val="4118404798"/>
-      </p:ext>
-    </p:extLst>
-  </p:cSld>
-  <p:clrMapOvr>
-    <a:masterClrMapping/>
-  </p:clrMapOvr>
-  <p:timing>
-    <p:tnLst>
-      <p:par>
-        <p:cTn xmlns:p14="http://schemas.microsoft.com/office/powerpoint/2010/main" id="1" dur="indefinite" restart="never" nodeType="tmRoot"/>
-      </p:par>
-    </p:tnLst>
-  </p:timing>
-</p:sld>
-</file>
-
 <file path=ppt/slides/slide24.xml><?xml version="1.0" encoding="utf-8"?>
 <p:sld xmlns:a="http://schemas.openxmlformats.org/drawingml/2006/main" xmlns:r="http://schemas.openxmlformats.org/officeDocument/2006/relationships" xmlns:p="http://schemas.openxmlformats.org/presentationml/2006/main">
   <p:cSld>
@@ -14593,7 +14690,7 @@
       </p:grpSpPr>
       <p:sp>
         <p:nvSpPr>
-          <p:cNvPr id="2" name="Title 1"/>
+          <p:cNvPr id="4" name="Title 3"/>
           <p:cNvSpPr>
             <a:spLocks noGrp="1"/>
           </p:cNvSpPr>
@@ -14601,42 +14698,247 @@
             <p:ph type="title"/>
           </p:nvPr>
         </p:nvSpPr>
-        <p:spPr/>
+        <p:spPr>
+          <a:xfrm>
+            <a:off x="457200" y="129498"/>
+            <a:ext cx="8229600" cy="1143000"/>
+          </a:xfrm>
+        </p:spPr>
         <p:txBody>
           <a:bodyPr/>
           <a:lstStyle/>
           <a:p>
             <a:r>
-              <a:rPr lang="en-US" sz="9600" dirty="0" smtClean="0"/>
-              <a:t>demo</a:t>
-            </a:r>
-            <a:endParaRPr lang="en-US" sz="9600" dirty="0"/>
+              <a:rPr lang="en-US" dirty="0" smtClean="0"/>
+              <a:t>INTEGRATION TESTING</a:t>
+            </a:r>
+            <a:endParaRPr lang="en-US" dirty="0"/>
           </a:p>
         </p:txBody>
       </p:sp>
       <p:sp>
         <p:nvSpPr>
-          <p:cNvPr id="3" name="Text Placeholder 2"/>
-          <p:cNvSpPr>
-            <a:spLocks noGrp="1"/>
-          </p:cNvSpPr>
-          <p:nvPr>
-            <p:ph type="body" idx="1"/>
-          </p:nvPr>
-        </p:nvSpPr>
-        <p:spPr/>
+          <p:cNvPr id="2" name="TextBox 1"/>
+          <p:cNvSpPr txBox="1"/>
+          <p:nvPr/>
+        </p:nvSpPr>
+        <p:spPr>
+          <a:xfrm>
+            <a:off x="1796272" y="1057399"/>
+            <a:ext cx="5561722" cy="4031873"/>
+          </a:xfrm>
+          <a:prstGeom prst="rect">
+            <a:avLst/>
+          </a:prstGeom>
+          <a:noFill/>
+        </p:spPr>
         <p:txBody>
-          <a:bodyPr/>
+          <a:bodyPr wrap="square" rtlCol="0">
+            <a:spAutoFit/>
+          </a:bodyPr>
           <a:lstStyle/>
           <a:p>
-            <a:endParaRPr lang="en-US"/>
+            <a:pPr marL="285750" indent="-285750">
+              <a:buFont typeface="Arial"/>
+              <a:buChar char="•"/>
+            </a:pPr>
+            <a:r>
+              <a:rPr lang="en-US" sz="2400" dirty="0" smtClean="0"/>
+              <a:t>Sample </a:t>
+            </a:r>
+            <a:r>
+              <a:rPr lang="en-US" sz="2400" dirty="0"/>
+              <a:t>Programs </a:t>
+            </a:r>
+            <a:endParaRPr lang="en-US" sz="2400" dirty="0" smtClean="0"/>
+          </a:p>
+          <a:p>
+            <a:pPr marL="742950" lvl="1" indent="-285750">
+              <a:buFont typeface="Arial"/>
+              <a:buChar char="•"/>
+            </a:pPr>
+            <a:r>
+              <a:rPr lang="en-US" dirty="0" smtClean="0"/>
+              <a:t>Word Count</a:t>
+            </a:r>
+          </a:p>
+          <a:p>
+            <a:pPr marL="742950" lvl="1" indent="-285750">
+              <a:buFont typeface="Arial"/>
+              <a:buChar char="•"/>
+            </a:pPr>
+            <a:r>
+              <a:rPr lang="en-US" dirty="0" smtClean="0"/>
+              <a:t>Sort</a:t>
+            </a:r>
+          </a:p>
+          <a:p>
+            <a:pPr marL="742950" lvl="1" indent="-285750">
+              <a:buFont typeface="Arial"/>
+              <a:buChar char="•"/>
+            </a:pPr>
+            <a:r>
+              <a:rPr lang="en-US" dirty="0" smtClean="0"/>
+              <a:t>Log Processing</a:t>
+            </a:r>
+            <a:endParaRPr lang="en-US" dirty="0"/>
+          </a:p>
+          <a:p>
+            <a:pPr marL="285750" indent="-285750">
+              <a:buFont typeface="Arial"/>
+              <a:buChar char="•"/>
+            </a:pPr>
+            <a:r>
+              <a:rPr lang="en-US" sz="2400" dirty="0"/>
+              <a:t>Exception Handling and Errors </a:t>
+            </a:r>
+            <a:endParaRPr lang="en-US" sz="2400" dirty="0" smtClean="0"/>
+          </a:p>
+          <a:p>
+            <a:pPr marL="742950" lvl="1" indent="-285750">
+              <a:buFont typeface="Arial"/>
+              <a:buChar char="•"/>
+            </a:pPr>
+            <a:r>
+              <a:rPr lang="en-US" dirty="0" smtClean="0"/>
+              <a:t>Undeclared Variables</a:t>
+            </a:r>
+          </a:p>
+          <a:p>
+            <a:pPr marL="742950" lvl="1" indent="-285750">
+              <a:buFont typeface="Arial"/>
+              <a:buChar char="•"/>
+            </a:pPr>
+            <a:r>
+              <a:rPr lang="en-US" dirty="0" smtClean="0"/>
+              <a:t>Invalid Arguments</a:t>
+            </a:r>
+          </a:p>
+          <a:p>
+            <a:pPr marL="742950" lvl="1" indent="-285750">
+              <a:buFont typeface="Arial"/>
+              <a:buChar char="•"/>
+            </a:pPr>
+            <a:r>
+              <a:rPr lang="en-US" dirty="0" smtClean="0"/>
+              <a:t>Type Mismatch</a:t>
+            </a:r>
+          </a:p>
+          <a:p>
+            <a:pPr marL="285750" indent="-285750">
+              <a:buFont typeface="Arial"/>
+              <a:buChar char="•"/>
+            </a:pPr>
+            <a:r>
+              <a:rPr lang="en-US" sz="2400" dirty="0" smtClean="0"/>
+              <a:t>Testing on Amazon </a:t>
+            </a:r>
+            <a:r>
+              <a:rPr lang="en-US" sz="2400" dirty="0"/>
+              <a:t>Elastic </a:t>
+            </a:r>
+            <a:r>
+              <a:rPr lang="en-US" sz="2400" dirty="0" err="1"/>
+              <a:t>MapReduce</a:t>
+            </a:r>
+            <a:r>
+              <a:rPr lang="en-US" sz="2400" dirty="0"/>
+              <a:t> </a:t>
+            </a:r>
+            <a:endParaRPr lang="en-US" sz="2400" dirty="0" smtClean="0"/>
+          </a:p>
+          <a:p>
+            <a:pPr marL="742950" lvl="1" indent="-285750">
+              <a:buFont typeface="Arial"/>
+              <a:buChar char="•"/>
+            </a:pPr>
+            <a:r>
+              <a:rPr lang="en-US" dirty="0"/>
+              <a:t>Upload </a:t>
+            </a:r>
+            <a:r>
+              <a:rPr lang="en-US" dirty="0" smtClean="0"/>
+              <a:t>Compiled </a:t>
+            </a:r>
+            <a:r>
+              <a:rPr lang="en-US" dirty="0"/>
+              <a:t>J</a:t>
+            </a:r>
+            <a:r>
+              <a:rPr lang="en-US" dirty="0" smtClean="0"/>
+              <a:t>ar from Hog Program</a:t>
+            </a:r>
+          </a:p>
+          <a:p>
+            <a:pPr marL="742950" lvl="1" indent="-285750">
+              <a:buFont typeface="Arial"/>
+              <a:buChar char="•"/>
+            </a:pPr>
+            <a:r>
+              <a:rPr lang="en-US" dirty="0" smtClean="0"/>
+              <a:t>Create Job Flow and Launch </a:t>
+            </a:r>
+            <a:r>
+              <a:rPr lang="en-US" dirty="0"/>
+              <a:t>EC2 Instances </a:t>
+            </a:r>
+            <a:endParaRPr lang="en-US" dirty="0" smtClean="0"/>
+          </a:p>
+          <a:p>
+            <a:pPr marL="742950" lvl="1" indent="-285750">
+              <a:buFont typeface="Arial"/>
+              <a:buChar char="•"/>
+            </a:pPr>
+            <a:r>
+              <a:rPr lang="en-US" dirty="0"/>
+              <a:t>Analyze </a:t>
+            </a:r>
+            <a:r>
+              <a:rPr lang="en-US" dirty="0" smtClean="0"/>
+              <a:t>Output Files</a:t>
+            </a:r>
+          </a:p>
+          <a:p>
+            <a:endParaRPr lang="en-US" sz="2200" dirty="0"/>
+          </a:p>
+        </p:txBody>
+      </p:sp>
+      <p:sp>
+        <p:nvSpPr>
+          <p:cNvPr id="6" name="Rectangle 5"/>
+          <p:cNvSpPr/>
+          <p:nvPr/>
+        </p:nvSpPr>
+        <p:spPr>
+          <a:xfrm>
+            <a:off x="5045187" y="6240083"/>
+            <a:ext cx="3515168" cy="369332"/>
+          </a:xfrm>
+          <a:prstGeom prst="rect">
+            <a:avLst/>
+          </a:prstGeom>
+        </p:spPr>
+        <p:txBody>
+          <a:bodyPr wrap="none">
+            <a:spAutoFit/>
+          </a:bodyPr>
+          <a:lstStyle/>
+          <a:p>
+            <a:r>
+              <a:rPr lang="en-US" dirty="0" smtClean="0">
+                <a:solidFill>
+                  <a:schemeClr val="bg1"/>
+                </a:solidFill>
+              </a:rPr>
+              <a:t>Jason Halpern (Testing/Validation)</a:t>
+            </a:r>
           </a:p>
         </p:txBody>
       </p:sp>
     </p:spTree>
     <p:extLst>
       <p:ext uri="{BB962C8B-B14F-4D97-AF65-F5344CB8AC3E}">
-        <p14:creationId xmlns:p14="http://schemas.microsoft.com/office/powerpoint/2010/main" val="921940227"/>
+        <p14:creationId xmlns:p14="http://schemas.microsoft.com/office/powerpoint/2010/main" val="4118404798"/>
       </p:ext>
     </p:extLst>
   </p:cSld>
@@ -14680,21 +14982,16 @@
             <p:ph type="title"/>
           </p:nvPr>
         </p:nvSpPr>
-        <p:spPr>
-          <a:xfrm rot="19140000">
-            <a:off x="631242" y="1776157"/>
-            <a:ext cx="5650992" cy="1207509"/>
-          </a:xfrm>
-        </p:spPr>
+        <p:spPr/>
         <p:txBody>
           <a:bodyPr/>
           <a:lstStyle/>
           <a:p>
             <a:r>
-              <a:rPr lang="en-US" sz="6000" dirty="0" smtClean="0"/>
-              <a:t>conclusions</a:t>
-            </a:r>
-            <a:endParaRPr lang="en-US" sz="6000" dirty="0"/>
+              <a:rPr lang="en-US" sz="9600" dirty="0" smtClean="0"/>
+              <a:t>demo</a:t>
+            </a:r>
+            <a:endParaRPr lang="en-US" sz="9600" dirty="0"/>
           </a:p>
         </p:txBody>
       </p:sp>
@@ -14708,30 +15005,19 @@
             <p:ph type="body" idx="1"/>
           </p:nvPr>
         </p:nvSpPr>
-        <p:spPr>
-          <a:xfrm rot="19140000">
-            <a:off x="938448" y="2278221"/>
-            <a:ext cx="7240656" cy="329184"/>
-          </a:xfrm>
-        </p:spPr>
+        <p:spPr/>
         <p:txBody>
-          <a:bodyPr>
-            <a:noAutofit/>
-          </a:bodyPr>
+          <a:bodyPr/>
           <a:lstStyle/>
           <a:p>
-            <a:r>
-              <a:rPr lang="en-US" sz="2400" spc="0" dirty="0" smtClean="0"/>
-              <a:t>The hog team</a:t>
-            </a:r>
-            <a:endParaRPr lang="en-US" sz="2400" spc="0" dirty="0"/>
+            <a:endParaRPr lang="en-US"/>
           </a:p>
         </p:txBody>
       </p:sp>
     </p:spTree>
     <p:extLst>
       <p:ext uri="{BB962C8B-B14F-4D97-AF65-F5344CB8AC3E}">
-        <p14:creationId xmlns:p14="http://schemas.microsoft.com/office/powerpoint/2010/main" val="3601372676"/>
+        <p14:creationId xmlns:p14="http://schemas.microsoft.com/office/powerpoint/2010/main" val="921940227"/>
       </p:ext>
     </p:extLst>
   </p:cSld>
@@ -14775,6 +15061,101 @@
             <p:ph type="title"/>
           </p:nvPr>
         </p:nvSpPr>
+        <p:spPr>
+          <a:xfrm rot="19140000">
+            <a:off x="631242" y="1776157"/>
+            <a:ext cx="5650992" cy="1207509"/>
+          </a:xfrm>
+        </p:spPr>
+        <p:txBody>
+          <a:bodyPr/>
+          <a:lstStyle/>
+          <a:p>
+            <a:r>
+              <a:rPr lang="en-US" sz="6000" dirty="0" smtClean="0"/>
+              <a:t>conclusions</a:t>
+            </a:r>
+            <a:endParaRPr lang="en-US" sz="6000" dirty="0"/>
+          </a:p>
+        </p:txBody>
+      </p:sp>
+      <p:sp>
+        <p:nvSpPr>
+          <p:cNvPr id="3" name="Text Placeholder 2"/>
+          <p:cNvSpPr>
+            <a:spLocks noGrp="1"/>
+          </p:cNvSpPr>
+          <p:nvPr>
+            <p:ph type="body" idx="1"/>
+          </p:nvPr>
+        </p:nvSpPr>
+        <p:spPr>
+          <a:xfrm rot="19140000">
+            <a:off x="938448" y="2278221"/>
+            <a:ext cx="7240656" cy="329184"/>
+          </a:xfrm>
+        </p:spPr>
+        <p:txBody>
+          <a:bodyPr>
+            <a:noAutofit/>
+          </a:bodyPr>
+          <a:lstStyle/>
+          <a:p>
+            <a:r>
+              <a:rPr lang="en-US" sz="2400" spc="0" dirty="0" smtClean="0"/>
+              <a:t>The hog team</a:t>
+            </a:r>
+            <a:endParaRPr lang="en-US" sz="2400" spc="0" dirty="0"/>
+          </a:p>
+        </p:txBody>
+      </p:sp>
+    </p:spTree>
+    <p:extLst>
+      <p:ext uri="{BB962C8B-B14F-4D97-AF65-F5344CB8AC3E}">
+        <p14:creationId xmlns:p14="http://schemas.microsoft.com/office/powerpoint/2010/main" val="3601372676"/>
+      </p:ext>
+    </p:extLst>
+  </p:cSld>
+  <p:clrMapOvr>
+    <a:masterClrMapping/>
+  </p:clrMapOvr>
+  <p:timing>
+    <p:tnLst>
+      <p:par>
+        <p:cTn xmlns:p14="http://schemas.microsoft.com/office/powerpoint/2010/main" id="1" dur="indefinite" restart="never" nodeType="tmRoot"/>
+      </p:par>
+    </p:tnLst>
+  </p:timing>
+</p:sld>
+</file>
+
+<file path=ppt/slides/slide27.xml><?xml version="1.0" encoding="utf-8"?>
+<p:sld xmlns:a="http://schemas.openxmlformats.org/drawingml/2006/main" xmlns:r="http://schemas.openxmlformats.org/officeDocument/2006/relationships" xmlns:p="http://schemas.openxmlformats.org/presentationml/2006/main">
+  <p:cSld>
+    <p:spTree>
+      <p:nvGrpSpPr>
+        <p:cNvPr id="1" name=""/>
+        <p:cNvGrpSpPr/>
+        <p:nvPr/>
+      </p:nvGrpSpPr>
+      <p:grpSpPr>
+        <a:xfrm>
+          <a:off x="0" y="0"/>
+          <a:ext cx="0" cy="0"/>
+          <a:chOff x="0" y="0"/>
+          <a:chExt cx="0" cy="0"/>
+        </a:xfrm>
+      </p:grpSpPr>
+      <p:sp>
+        <p:nvSpPr>
+          <p:cNvPr id="2" name="Title 1"/>
+          <p:cNvSpPr>
+            <a:spLocks noGrp="1"/>
+          </p:cNvSpPr>
+          <p:nvPr>
+            <p:ph type="title"/>
+          </p:nvPr>
+        </p:nvSpPr>
         <p:spPr/>
         <p:txBody>
           <a:bodyPr/>
@@ -14819,8 +15200,13 @@
             </a:pPr>
             <a:r>
               <a:rPr lang="en-US" sz="2400" dirty="0" smtClean="0"/>
-              <a:t>Modularity is key</a:t>
-            </a:r>
+              <a:t>Modularity is </a:t>
+            </a:r>
+            <a:r>
+              <a:rPr lang="en-US" sz="2400" dirty="0" smtClean="0"/>
+              <a:t>key.</a:t>
+            </a:r>
+            <a:endParaRPr lang="en-US" sz="2400" dirty="0" smtClean="0"/>
           </a:p>
           <a:p>
             <a:pPr marL="285750" indent="-285750">
@@ -14832,8 +15218,13 @@
             </a:pPr>
             <a:r>
               <a:rPr lang="en-US" sz="2400" dirty="0" smtClean="0"/>
-              <a:t>Expend the effort to reduce development time</a:t>
-            </a:r>
+              <a:t>Expend the effort to reduce development </a:t>
+            </a:r>
+            <a:r>
+              <a:rPr lang="en-US" sz="2400" dirty="0" smtClean="0"/>
+              <a:t>time.</a:t>
+            </a:r>
+            <a:endParaRPr lang="en-US" sz="2400" dirty="0" smtClean="0"/>
           </a:p>
           <a:p>
             <a:pPr marL="285750" indent="-285750">
@@ -14858,7 +15249,11 @@
             </a:pPr>
             <a:r>
               <a:rPr lang="en-US" sz="2400" dirty="0" smtClean="0"/>
-              <a:t>Work in the same room as your teammates</a:t>
+              <a:t>Work in the same room as your </a:t>
+            </a:r>
+            <a:r>
+              <a:rPr lang="en-US" sz="2400" dirty="0" smtClean="0"/>
+              <a:t>teammates.</a:t>
             </a:r>
             <a:endParaRPr lang="en-US" sz="2400" dirty="0"/>
           </a:p>
@@ -14884,7 +15279,7 @@
 </p:sld>
 </file>
 
-<file path=ppt/slides/slide27.xml><?xml version="1.0" encoding="utf-8"?>
+<file path=ppt/slides/slide28.xml><?xml version="1.0" encoding="utf-8"?>
 <p:sld xmlns:a="http://schemas.openxmlformats.org/drawingml/2006/main" xmlns:r="http://schemas.openxmlformats.org/officeDocument/2006/relationships" xmlns:p="http://schemas.openxmlformats.org/presentationml/2006/main">
   <p:cSld>
     <p:spTree>
@@ -15010,152 +15405,6 @@
 </p:sld>
 </file>
 
-<file path=ppt/slides/slide28.xml><?xml version="1.0" encoding="utf-8"?>
-<p:sld xmlns:a="http://schemas.openxmlformats.org/drawingml/2006/main" xmlns:r="http://schemas.openxmlformats.org/officeDocument/2006/relationships" xmlns:p="http://schemas.openxmlformats.org/presentationml/2006/main">
-  <p:cSld>
-    <p:spTree>
-      <p:nvGrpSpPr>
-        <p:cNvPr id="1" name=""/>
-        <p:cNvGrpSpPr/>
-        <p:nvPr/>
-      </p:nvGrpSpPr>
-      <p:grpSpPr>
-        <a:xfrm>
-          <a:off x="0" y="0"/>
-          <a:ext cx="0" cy="0"/>
-          <a:chOff x="0" y="0"/>
-          <a:chExt cx="0" cy="0"/>
-        </a:xfrm>
-      </p:grpSpPr>
-      <p:sp>
-        <p:nvSpPr>
-          <p:cNvPr id="2" name="Title 1"/>
-          <p:cNvSpPr>
-            <a:spLocks noGrp="1"/>
-          </p:cNvSpPr>
-          <p:nvPr>
-            <p:ph type="title"/>
-          </p:nvPr>
-        </p:nvSpPr>
-        <p:spPr>
-          <a:xfrm>
-            <a:off x="747358" y="368683"/>
-            <a:ext cx="7520940" cy="548640"/>
-          </a:xfrm>
-        </p:spPr>
-        <p:txBody>
-          <a:bodyPr>
-            <a:normAutofit/>
-          </a:bodyPr>
-          <a:lstStyle/>
-          <a:p>
-            <a:r>
-              <a:rPr lang="en-US" dirty="0" smtClean="0"/>
-              <a:t>Hadoop Architecture</a:t>
-            </a:r>
-            <a:endParaRPr lang="en-US" dirty="0"/>
-          </a:p>
-        </p:txBody>
-      </p:sp>
-      <p:sp>
-        <p:nvSpPr>
-          <p:cNvPr id="3" name="Content Placeholder 2"/>
-          <p:cNvSpPr>
-            <a:spLocks noGrp="1"/>
-          </p:cNvSpPr>
-          <p:nvPr>
-            <p:ph idx="1"/>
-          </p:nvPr>
-        </p:nvSpPr>
-        <p:spPr/>
-        <p:txBody>
-          <a:bodyPr>
-            <a:normAutofit/>
-          </a:bodyPr>
-          <a:lstStyle/>
-          <a:p>
-            <a:pPr>
-              <a:buFont typeface="Arial"/>
-              <a:buChar char="•"/>
-            </a:pPr>
-            <a:r>
-              <a:rPr lang="en-US" sz="2400" dirty="0" smtClean="0"/>
-              <a:t>A small Hadoop cluster will include a single master and multiple worker nodes. </a:t>
-            </a:r>
-          </a:p>
-          <a:p>
-            <a:pPr>
-              <a:buFont typeface="Arial"/>
-              <a:buChar char="•"/>
-            </a:pPr>
-            <a:r>
-              <a:rPr lang="en-US" sz="2400" dirty="0" smtClean="0"/>
-              <a:t>Master Node – JobTracker, TaskTracker, NameNode, and DataNode</a:t>
-            </a:r>
-          </a:p>
-          <a:p>
-            <a:pPr>
-              <a:buFont typeface="Arial"/>
-              <a:buChar char="•"/>
-            </a:pPr>
-            <a:r>
-              <a:rPr lang="en-US" sz="2400" dirty="0" smtClean="0"/>
-              <a:t>DataNode – Sends blocks of data over the network using TCP/IP layer for communication; clients use RPC to communicate between each other. </a:t>
-            </a:r>
-          </a:p>
-          <a:p>
-            <a:pPr>
-              <a:buFont typeface="Arial"/>
-              <a:buChar char="•"/>
-            </a:pPr>
-            <a:r>
-              <a:rPr lang="en-US" sz="2400" dirty="0" smtClean="0"/>
-              <a:t>JobTracker – Sends MapReduce tasks to nodes</a:t>
-            </a:r>
-          </a:p>
-          <a:p>
-            <a:pPr>
-              <a:buFont typeface="Arial"/>
-              <a:buChar char="•"/>
-            </a:pPr>
-            <a:endParaRPr lang="en-US" sz="2400" dirty="0"/>
-          </a:p>
-          <a:p>
-            <a:pPr>
-              <a:buFont typeface="Arial"/>
-              <a:buChar char="•"/>
-            </a:pPr>
-            <a:endParaRPr lang="en-US" sz="2400" b="0" dirty="0" smtClean="0"/>
-          </a:p>
-          <a:p>
-            <a:pPr>
-              <a:buFont typeface="Arial"/>
-              <a:buChar char="•"/>
-            </a:pPr>
-            <a:endParaRPr lang="en-US" sz="2400" dirty="0"/>
-          </a:p>
-        </p:txBody>
-      </p:sp>
-    </p:spTree>
-    <p:extLst>
-      <p:ext uri="{BB962C8B-B14F-4D97-AF65-F5344CB8AC3E}">
-        <p14:creationId xmlns:p14="http://schemas.microsoft.com/office/powerpoint/2010/main" val="2237843696"/>
-      </p:ext>
-    </p:extLst>
-  </p:cSld>
-  <p:clrMapOvr>
-    <a:masterClrMapping/>
-  </p:clrMapOvr>
-  <p:timing>
-    <p:tnLst>
-      <p:par>
-        <p:cTn xmlns:p14="http://schemas.microsoft.com/office/powerpoint/2010/main" id="1" dur="indefinite" restart="never" nodeType="tmRoot"/>
-      </p:par>
-    </p:tnLst>
-  </p:timing>
-</p:sld>
-</file>
-
 <file path=ppt/slides/slide29.xml><?xml version="1.0" encoding="utf-8"?>
 <p:sld xmlns:a="http://schemas.openxmlformats.org/drawingml/2006/main" xmlns:r="http://schemas.openxmlformats.org/officeDocument/2006/relationships" xmlns:p="http://schemas.openxmlformats.org/presentationml/2006/main">
   <p:cSld>
@@ -15197,7 +15446,7 @@
           <a:p>
             <a:r>
               <a:rPr lang="en-US" dirty="0" smtClean="0"/>
-              <a:t>Hadoop Architecture (Continued)</a:t>
+              <a:t>Hadoop Architecture</a:t>
             </a:r>
             <a:endParaRPr lang="en-US" dirty="0"/>
           </a:p>
@@ -15226,7 +15475,7 @@
             </a:pPr>
             <a:r>
               <a:rPr lang="en-US" sz="2400" dirty="0" smtClean="0"/>
-              <a:t>NameNode – Keeps the directory tree of all files in the file system, and trackers where  file data is kept.</a:t>
+              <a:t>A small Hadoop cluster will include a single master and multiple worker nodes. </a:t>
             </a:r>
           </a:p>
           <a:p>
@@ -15236,27 +15485,27 @@
             </a:pPr>
             <a:r>
               <a:rPr lang="en-US" sz="2400" dirty="0" smtClean="0"/>
-              <a:t>TaskTracker– A node in the cluster that accepts tasks.</a:t>
-            </a:r>
-          </a:p>
-          <a:p>
-            <a:pPr lvl="2">
+              <a:t>Master Node – JobTracker, TaskTracker, NameNode, and DataNode</a:t>
+            </a:r>
+          </a:p>
+          <a:p>
+            <a:pPr>
               <a:buFont typeface="Arial"/>
               <a:buChar char="•"/>
             </a:pPr>
             <a:r>
               <a:rPr lang="en-US" sz="2400" dirty="0" smtClean="0"/>
-              <a:t>The TaskTracker spawns separate JVM processes to do work to ensure process failure does not take down the task tracker.</a:t>
-            </a:r>
-          </a:p>
-          <a:p>
-            <a:pPr lvl="2">
+              <a:t>DataNode – Sends blocks of data over the network using TCP/IP layer for communication; clients use RPC to communicate between each other. </a:t>
+            </a:r>
+          </a:p>
+          <a:p>
+            <a:pPr>
               <a:buFont typeface="Arial"/>
               <a:buChar char="•"/>
             </a:pPr>
             <a:r>
               <a:rPr lang="en-US" sz="2400" dirty="0" smtClean="0"/>
-              <a:t>When the process finishes, successfully or not, the tracker notifies the JobTracker.</a:t>
+              <a:t>JobTracker – Sends MapReduce tasks to nodes</a:t>
             </a:r>
           </a:p>
           <a:p>
@@ -15285,7 +15534,7 @@
     </p:spTree>
     <p:extLst>
       <p:ext uri="{BB962C8B-B14F-4D97-AF65-F5344CB8AC3E}">
-        <p14:creationId xmlns:p14="http://schemas.microsoft.com/office/powerpoint/2010/main" val="2359677548"/>
+        <p14:creationId xmlns:p14="http://schemas.microsoft.com/office/powerpoint/2010/main" val="2237843696"/>
       </p:ext>
     </p:extLst>
   </p:cSld>
@@ -15438,6 +15687,152 @@
           <a:p>
             <a:r>
               <a:rPr lang="en-US" dirty="0" smtClean="0"/>
+              <a:t>Hadoop Architecture (Continued)</a:t>
+            </a:r>
+            <a:endParaRPr lang="en-US" dirty="0"/>
+          </a:p>
+        </p:txBody>
+      </p:sp>
+      <p:sp>
+        <p:nvSpPr>
+          <p:cNvPr id="3" name="Content Placeholder 2"/>
+          <p:cNvSpPr>
+            <a:spLocks noGrp="1"/>
+          </p:cNvSpPr>
+          <p:nvPr>
+            <p:ph idx="1"/>
+          </p:nvPr>
+        </p:nvSpPr>
+        <p:spPr/>
+        <p:txBody>
+          <a:bodyPr>
+            <a:normAutofit/>
+          </a:bodyPr>
+          <a:lstStyle/>
+          <a:p>
+            <a:pPr>
+              <a:buFont typeface="Arial"/>
+              <a:buChar char="•"/>
+            </a:pPr>
+            <a:r>
+              <a:rPr lang="en-US" sz="2400" dirty="0" smtClean="0"/>
+              <a:t>NameNode – Keeps the directory tree of all files in the file system, and trackers where  file data is kept.</a:t>
+            </a:r>
+          </a:p>
+          <a:p>
+            <a:pPr>
+              <a:buFont typeface="Arial"/>
+              <a:buChar char="•"/>
+            </a:pPr>
+            <a:r>
+              <a:rPr lang="en-US" sz="2400" dirty="0" smtClean="0"/>
+              <a:t>TaskTracker– A node in the cluster that accepts tasks.</a:t>
+            </a:r>
+          </a:p>
+          <a:p>
+            <a:pPr lvl="2">
+              <a:buFont typeface="Arial"/>
+              <a:buChar char="•"/>
+            </a:pPr>
+            <a:r>
+              <a:rPr lang="en-US" sz="2400" dirty="0" smtClean="0"/>
+              <a:t>The TaskTracker spawns separate JVM processes to do work to ensure process failure does not take down the task tracker.</a:t>
+            </a:r>
+          </a:p>
+          <a:p>
+            <a:pPr lvl="2">
+              <a:buFont typeface="Arial"/>
+              <a:buChar char="•"/>
+            </a:pPr>
+            <a:r>
+              <a:rPr lang="en-US" sz="2400" dirty="0" smtClean="0"/>
+              <a:t>When the process finishes, successfully or not, the tracker notifies the JobTracker.</a:t>
+            </a:r>
+          </a:p>
+          <a:p>
+            <a:pPr>
+              <a:buFont typeface="Arial"/>
+              <a:buChar char="•"/>
+            </a:pPr>
+            <a:endParaRPr lang="en-US" sz="2400" dirty="0"/>
+          </a:p>
+          <a:p>
+            <a:pPr>
+              <a:buFont typeface="Arial"/>
+              <a:buChar char="•"/>
+            </a:pPr>
+            <a:endParaRPr lang="en-US" sz="2400" b="0" dirty="0" smtClean="0"/>
+          </a:p>
+          <a:p>
+            <a:pPr>
+              <a:buFont typeface="Arial"/>
+              <a:buChar char="•"/>
+            </a:pPr>
+            <a:endParaRPr lang="en-US" sz="2400" dirty="0"/>
+          </a:p>
+        </p:txBody>
+      </p:sp>
+    </p:spTree>
+    <p:extLst>
+      <p:ext uri="{BB962C8B-B14F-4D97-AF65-F5344CB8AC3E}">
+        <p14:creationId xmlns:p14="http://schemas.microsoft.com/office/powerpoint/2010/main" val="2359677548"/>
+      </p:ext>
+    </p:extLst>
+  </p:cSld>
+  <p:clrMapOvr>
+    <a:masterClrMapping/>
+  </p:clrMapOvr>
+  <p:timing>
+    <p:tnLst>
+      <p:par>
+        <p:cTn xmlns:p14="http://schemas.microsoft.com/office/powerpoint/2010/main" id="1" dur="indefinite" restart="never" nodeType="tmRoot"/>
+      </p:par>
+    </p:tnLst>
+  </p:timing>
+</p:sld>
+</file>
+
+<file path=ppt/slides/slide31.xml><?xml version="1.0" encoding="utf-8"?>
+<p:sld xmlns:a="http://schemas.openxmlformats.org/drawingml/2006/main" xmlns:r="http://schemas.openxmlformats.org/officeDocument/2006/relationships" xmlns:p="http://schemas.openxmlformats.org/presentationml/2006/main">
+  <p:cSld>
+    <p:spTree>
+      <p:nvGrpSpPr>
+        <p:cNvPr id="1" name=""/>
+        <p:cNvGrpSpPr/>
+        <p:nvPr/>
+      </p:nvGrpSpPr>
+      <p:grpSpPr>
+        <a:xfrm>
+          <a:off x="0" y="0"/>
+          <a:ext cx="0" cy="0"/>
+          <a:chOff x="0" y="0"/>
+          <a:chExt cx="0" cy="0"/>
+        </a:xfrm>
+      </p:grpSpPr>
+      <p:sp>
+        <p:nvSpPr>
+          <p:cNvPr id="2" name="Title 1"/>
+          <p:cNvSpPr>
+            <a:spLocks noGrp="1"/>
+          </p:cNvSpPr>
+          <p:nvPr>
+            <p:ph type="title"/>
+          </p:nvPr>
+        </p:nvSpPr>
+        <p:spPr>
+          <a:xfrm>
+            <a:off x="747358" y="368683"/>
+            <a:ext cx="7520940" cy="548640"/>
+          </a:xfrm>
+        </p:spPr>
+        <p:txBody>
+          <a:bodyPr>
+            <a:normAutofit/>
+          </a:bodyPr>
+          <a:lstStyle/>
+          <a:p>
+            <a:r>
+              <a:rPr lang="en-US" dirty="0" smtClean="0"/>
               <a:t>Performance Benefits</a:t>
             </a:r>
             <a:endParaRPr lang="en-US" dirty="0"/>
@@ -15709,11 +16104,7 @@
             </a:pPr>
             <a:r>
               <a:rPr lang="en-US" dirty="0" smtClean="0"/>
-              <a:t>a </a:t>
-            </a:r>
-            <a:r>
-              <a:rPr lang="en-US" dirty="0" smtClean="0"/>
-              <a:t>statistician,</a:t>
+              <a:t>a statistician,</a:t>
             </a:r>
           </a:p>
           <a:p>
@@ -15768,11 +16159,6 @@
               </a:rPr>
               <a:t>Samuel Messing (Project Manager)</a:t>
             </a:r>
-            <a:endParaRPr lang="en-US" dirty="0">
-              <a:solidFill>
-                <a:schemeClr val="bg1"/>
-              </a:solidFill>
-            </a:endParaRPr>
           </a:p>
         </p:txBody>
       </p:sp>
@@ -17837,11 +18223,6 @@
               </a:rPr>
               <a:t>Samuel Messing (Project Manager)</a:t>
             </a:r>
-            <a:endParaRPr lang="en-US" dirty="0">
-              <a:solidFill>
-                <a:schemeClr val="bg1"/>
-              </a:solidFill>
-            </a:endParaRPr>
           </a:p>
         </p:txBody>
       </p:sp>
@@ -17932,13 +18313,8 @@
           <a:p>
             <a:r>
               <a:rPr lang="en-US" sz="2200" dirty="0" smtClean="0"/>
-              <a:t>Sort 400K numbers stored in a text </a:t>
-            </a:r>
-            <a:r>
-              <a:rPr lang="en-US" sz="2200" dirty="0" smtClean="0"/>
-              <a:t>file, e.g.,</a:t>
-            </a:r>
-            <a:endParaRPr lang="en-US" sz="2200" dirty="0" smtClean="0"/>
+              <a:t>Sort 400K numbers stored in a text file, e.g.,</a:t>
+            </a:r>
           </a:p>
           <a:p>
             <a:endParaRPr lang="en-US" dirty="0"/>
@@ -18250,11 +18626,6 @@
               </a:rPr>
               <a:t>Samuel Messing (Project Manager)</a:t>
             </a:r>
-            <a:endParaRPr lang="en-US" dirty="0">
-              <a:solidFill>
-                <a:schemeClr val="bg1"/>
-              </a:solidFill>
-            </a:endParaRPr>
           </a:p>
         </p:txBody>
       </p:sp>
@@ -18335,11 +18706,7 @@
           <a:p>
             <a:r>
               <a:rPr lang="en-US" dirty="0" smtClean="0"/>
-              <a:t>Eleven lines </a:t>
-            </a:r>
-            <a:r>
-              <a:rPr lang="en-US" dirty="0" smtClean="0"/>
-              <a:t>of Hog code are enough to,</a:t>
+              <a:t>Eleven lines of Hog code are enough to,</a:t>
             </a:r>
           </a:p>
           <a:p>
@@ -18379,7 +18746,15 @@
             </a:pPr>
             <a:r>
               <a:rPr lang="en-US" dirty="0" smtClean="0"/>
-              <a:t>Distribute the data of over a highly-scalable network of computers,</a:t>
+              <a:t>Distribute the data of over a </a:t>
+            </a:r>
+            <a:r>
+              <a:rPr lang="en-US" dirty="0" smtClean="0"/>
+              <a:t>highly scalable </a:t>
+            </a:r>
+            <a:r>
+              <a:rPr lang="en-US" dirty="0" smtClean="0"/>
+              <a:t>network of computers,</a:t>
             </a:r>
           </a:p>
           <a:p>
@@ -18440,11 +18815,6 @@
               </a:rPr>
               <a:t>Samuel Messing (Project Manager)</a:t>
             </a:r>
-            <a:endParaRPr lang="en-US" dirty="0">
-              <a:solidFill>
-                <a:schemeClr val="bg1"/>
-              </a:solidFill>
-            </a:endParaRPr>
           </a:p>
         </p:txBody>
       </p:sp>
@@ -18507,7 +18877,7 @@
           <a:p>
             <a:r>
               <a:rPr lang="en-US" sz="6000" dirty="0" smtClean="0"/>
-              <a:t>Syntax</a:t>
+              <a:t>The language</a:t>
             </a:r>
             <a:endParaRPr lang="en-US" sz="6000" dirty="0"/>
           </a:p>
@@ -18605,15 +18975,11 @@
           <a:p>
             <a:r>
               <a:rPr lang="en-US" dirty="0" smtClean="0"/>
-              <a:t>Word count (@M</a:t>
-            </a:r>
-            <a:r>
-              <a:rPr lang="en-US" cap="none" dirty="0" smtClean="0"/>
-              <a:t>ap</a:t>
+              <a:t>Program </a:t>
             </a:r>
             <a:r>
               <a:rPr lang="en-US" dirty="0" smtClean="0"/>
-              <a:t>)</a:t>
+              <a:t>Structure</a:t>
             </a:r>
             <a:endParaRPr lang="en-US" dirty="0"/>
           </a:p>
@@ -18631,260 +18997,199 @@
         </p:nvSpPr>
         <p:spPr>
           <a:xfrm>
-            <a:off x="1677484" y="1370220"/>
-            <a:ext cx="5785885" cy="3579849"/>
+            <a:off x="1761691" y="1251734"/>
+            <a:ext cx="5637719" cy="3579849"/>
           </a:xfrm>
         </p:spPr>
         <p:txBody>
           <a:bodyPr>
-            <a:normAutofit/>
+            <a:normAutofit fontScale="85000" lnSpcReduction="20000"/>
           </a:bodyPr>
           <a:lstStyle/>
           <a:p>
             <a:r>
-              <a:rPr lang="en-US" sz="1400" dirty="0" smtClean="0">
-                <a:latin typeface="Lucida Console"/>
-                <a:cs typeface="Lucida Console"/>
-              </a:rPr>
-              <a:t>0 @</a:t>
-            </a:r>
-            <a:r>
-              <a:rPr lang="en-US" sz="1400" dirty="0">
-                <a:latin typeface="Lucida Console"/>
-                <a:cs typeface="Lucida Console"/>
-              </a:rPr>
-              <a:t>Map (</a:t>
-            </a:r>
-            <a:r>
-              <a:rPr lang="en-US" sz="1400" dirty="0" err="1">
-                <a:latin typeface="Lucida Console"/>
-                <a:cs typeface="Lucida Console"/>
-              </a:rPr>
-              <a:t>int</a:t>
-            </a:r>
-            <a:r>
-              <a:rPr lang="en-US" sz="1400" dirty="0">
-                <a:latin typeface="Lucida Console"/>
-                <a:cs typeface="Lucida Console"/>
-              </a:rPr>
-              <a:t> </a:t>
-            </a:r>
-            <a:r>
-              <a:rPr lang="en-US" sz="1400" dirty="0" err="1">
-                <a:latin typeface="Lucida Console"/>
-                <a:cs typeface="Lucida Console"/>
-              </a:rPr>
-              <a:t>lineNum</a:t>
-            </a:r>
-            <a:r>
-              <a:rPr lang="en-US" sz="1400" dirty="0">
-                <a:latin typeface="Lucida Console"/>
-                <a:cs typeface="Lucida Console"/>
-              </a:rPr>
-              <a:t>, text line) -&gt; (text, </a:t>
-            </a:r>
-            <a:r>
-              <a:rPr lang="en-US" sz="1400" dirty="0" err="1">
-                <a:latin typeface="Lucida Console"/>
-                <a:cs typeface="Lucida Console"/>
-              </a:rPr>
-              <a:t>int</a:t>
-            </a:r>
-            <a:r>
-              <a:rPr lang="en-US" sz="1400" dirty="0">
-                <a:latin typeface="Lucida Console"/>
-                <a:cs typeface="Lucida Console"/>
-              </a:rPr>
-              <a:t>) </a:t>
-            </a:r>
-            <a:r>
-              <a:rPr lang="en-US" sz="1400" dirty="0" smtClean="0">
-                <a:latin typeface="Lucida Console"/>
-                <a:cs typeface="Lucida Console"/>
-              </a:rPr>
-              <a:t>{</a:t>
-            </a:r>
-          </a:p>
-          <a:p>
-            <a:r>
-              <a:rPr lang="en-US" sz="1400" dirty="0" smtClean="0">
+              <a:rPr lang="en-US" sz="3000" dirty="0" smtClean="0">
+                <a:cs typeface="Arial" pitchFamily="34" charset="0"/>
+              </a:rPr>
+              <a:t>@</a:t>
+            </a:r>
+            <a:r>
+              <a:rPr lang="en-US" sz="3000" dirty="0" smtClean="0">
+                <a:cs typeface="Arial" pitchFamily="34" charset="0"/>
+              </a:rPr>
+              <a:t>Functions</a:t>
+            </a:r>
+            <a:r>
+              <a:rPr lang="en-US" sz="3000" dirty="0" smtClean="0">
+                <a:solidFill>
+                  <a:schemeClr val="bg1"/>
+                </a:solidFill>
+                <a:cs typeface="Arial" pitchFamily="34" charset="0"/>
+              </a:rPr>
+              <a:t>:</a:t>
+            </a:r>
+            <a:endParaRPr lang="en-US" sz="3000" b="0" dirty="0" smtClean="0">
+              <a:solidFill>
+                <a:schemeClr val="bg1"/>
+              </a:solidFill>
+              <a:cs typeface="Arial" pitchFamily="34" charset="0"/>
+            </a:endParaRPr>
+          </a:p>
+          <a:p>
+            <a:r>
+              <a:rPr lang="en-US" sz="3000" b="0" dirty="0">
+                <a:cs typeface="Arial" pitchFamily="34" charset="0"/>
+              </a:rPr>
+              <a:t>	</a:t>
+            </a:r>
+            <a:r>
+              <a:rPr lang="en-US" sz="3000" b="0" dirty="0" smtClean="0">
+                <a:cs typeface="Arial" pitchFamily="34" charset="0"/>
+              </a:rPr>
+              <a:t>User</a:t>
+            </a:r>
+            <a:r>
+              <a:rPr lang="en-US" sz="3000" b="0" dirty="0" smtClean="0">
+                <a:cs typeface="Arial" pitchFamily="34" charset="0"/>
+              </a:rPr>
+              <a:t>-defined functions</a:t>
+            </a:r>
+          </a:p>
+          <a:p>
+            <a:r>
+              <a:rPr lang="en-US" sz="3000" dirty="0" smtClean="0">
                 <a:solidFill>
                   <a:srgbClr val="000000"/>
                 </a:solidFill>
+                <a:cs typeface="Arial" pitchFamily="34" charset="0"/>
+              </a:rPr>
+              <a:t>@Map</a:t>
+            </a:r>
+            <a:endParaRPr lang="en-US" sz="3000" b="0" dirty="0" smtClean="0">
+              <a:solidFill>
+                <a:srgbClr val="000000"/>
+              </a:solidFill>
+              <a:cs typeface="Arial" pitchFamily="34" charset="0"/>
+            </a:endParaRPr>
+          </a:p>
+          <a:p>
+            <a:r>
+              <a:rPr lang="en-US" sz="3000" b="0" dirty="0" smtClean="0">
+                <a:cs typeface="Arial" pitchFamily="34" charset="0"/>
+              </a:rPr>
+              <a:t>	Define </a:t>
+            </a:r>
+            <a:r>
+              <a:rPr lang="en-US" sz="3000" b="0" dirty="0" smtClean="0">
+                <a:cs typeface="Arial" pitchFamily="34" charset="0"/>
+              </a:rPr>
+              <a:t>map stage of </a:t>
+            </a:r>
+            <a:r>
+              <a:rPr lang="en-US" sz="3000" b="0" dirty="0" err="1" smtClean="0">
+                <a:cs typeface="Arial" pitchFamily="34" charset="0"/>
+              </a:rPr>
+              <a:t>MapReduce</a:t>
+            </a:r>
+            <a:endParaRPr lang="en-US" sz="3000" b="0" dirty="0" smtClean="0">
+              <a:cs typeface="Arial" pitchFamily="34" charset="0"/>
+            </a:endParaRPr>
+          </a:p>
+          <a:p>
+            <a:r>
+              <a:rPr lang="en-US" sz="3000" dirty="0" smtClean="0">
+                <a:solidFill>
+                  <a:srgbClr val="000000"/>
+                </a:solidFill>
+                <a:cs typeface="Arial" pitchFamily="34" charset="0"/>
+              </a:rPr>
+              <a:t>@Reduce</a:t>
+            </a:r>
+            <a:endParaRPr lang="en-US" sz="3000" b="0" dirty="0" smtClean="0">
+              <a:solidFill>
+                <a:srgbClr val="000000"/>
+              </a:solidFill>
+              <a:cs typeface="Arial" pitchFamily="34" charset="0"/>
+            </a:endParaRPr>
+          </a:p>
+          <a:p>
+            <a:r>
+              <a:rPr lang="en-US" sz="3000" b="0" dirty="0" smtClean="0">
+                <a:cs typeface="Arial" pitchFamily="34" charset="0"/>
+              </a:rPr>
+              <a:t>	Define </a:t>
+            </a:r>
+            <a:r>
+              <a:rPr lang="en-US" sz="3000" b="0" dirty="0" smtClean="0">
+                <a:cs typeface="Arial" pitchFamily="34" charset="0"/>
+              </a:rPr>
+              <a:t>reduce stage of </a:t>
+            </a:r>
+            <a:r>
+              <a:rPr lang="en-US" sz="3000" b="0" dirty="0" err="1" smtClean="0">
+                <a:cs typeface="Arial" pitchFamily="34" charset="0"/>
+              </a:rPr>
+              <a:t>MapReduce</a:t>
+            </a:r>
+            <a:endParaRPr lang="en-US" sz="3000" b="0" dirty="0" smtClean="0">
+              <a:cs typeface="Arial" pitchFamily="34" charset="0"/>
+            </a:endParaRPr>
+          </a:p>
+          <a:p>
+            <a:r>
+              <a:rPr lang="en-US" sz="3000" dirty="0" smtClean="0">
+                <a:solidFill>
+                  <a:srgbClr val="000000"/>
+                </a:solidFill>
+                <a:cs typeface="Arial" pitchFamily="34" charset="0"/>
+              </a:rPr>
+              <a:t>@</a:t>
+            </a:r>
+            <a:r>
+              <a:rPr lang="en-US" sz="3000" dirty="0" smtClean="0">
+                <a:solidFill>
+                  <a:srgbClr val="000000"/>
+                </a:solidFill>
+                <a:cs typeface="Arial" pitchFamily="34" charset="0"/>
+              </a:rPr>
+              <a:t>Main</a:t>
+            </a:r>
+          </a:p>
+          <a:p>
+            <a:r>
+              <a:rPr lang="en-US" sz="3000" b="0" dirty="0" smtClean="0">
+                <a:cs typeface="Arial" pitchFamily="34" charset="0"/>
+              </a:rPr>
+              <a:t>	Call </a:t>
+            </a:r>
+            <a:r>
+              <a:rPr lang="en-US" sz="2800" b="0" dirty="0" err="1" smtClean="0">
                 <a:latin typeface="Lucida Console"/>
                 <a:cs typeface="Lucida Console"/>
               </a:rPr>
-              <a:t>1</a:t>
-            </a:r>
-            <a:r>
-              <a:rPr lang="en-US" sz="1400" i="1" dirty="0" smtClean="0">
-                <a:solidFill>
-                  <a:schemeClr val="accent1"/>
-                </a:solidFill>
+              <a:t>MapReducer</a:t>
+            </a:r>
+            <a:r>
+              <a:rPr lang="en-US" sz="2800" b="0" dirty="0" smtClean="0">
                 <a:latin typeface="Lucida Console"/>
                 <a:cs typeface="Lucida Console"/>
               </a:rPr>
-              <a:t>   # for </a:t>
-            </a:r>
-            <a:r>
-              <a:rPr lang="en-US" sz="1400" i="1" dirty="0">
-                <a:solidFill>
-                  <a:schemeClr val="accent1"/>
-                </a:solidFill>
-                <a:latin typeface="Lucida Console"/>
-                <a:cs typeface="Lucida Console"/>
-              </a:rPr>
-              <a:t>every word on this line, </a:t>
-            </a:r>
-            <a:endParaRPr lang="en-US" sz="1400" i="1" dirty="0" smtClean="0">
-              <a:solidFill>
-                <a:schemeClr val="accent1"/>
-              </a:solidFill>
-              <a:latin typeface="Lucida Console"/>
-              <a:cs typeface="Lucida Console"/>
-            </a:endParaRPr>
-          </a:p>
-          <a:p>
-            <a:pPr marL="0" indent="0"/>
-            <a:r>
-              <a:rPr lang="en-US" sz="1400" dirty="0" smtClean="0">
-                <a:latin typeface="Lucida Console"/>
-                <a:cs typeface="Lucida Console"/>
-              </a:rPr>
-              <a:t>2 </a:t>
-            </a:r>
-            <a:r>
-              <a:rPr lang="en-US" sz="1400" i="1" dirty="0" smtClean="0">
-                <a:latin typeface="Lucida Console"/>
-                <a:cs typeface="Lucida Console"/>
-              </a:rPr>
-              <a:t>  </a:t>
-            </a:r>
-            <a:r>
-              <a:rPr lang="en-US" sz="1400" i="1" dirty="0" smtClean="0">
-                <a:solidFill>
-                  <a:schemeClr val="accent1"/>
-                </a:solidFill>
-                <a:latin typeface="Lucida Console"/>
-                <a:cs typeface="Lucida Console"/>
-              </a:rPr>
-              <a:t># emit </a:t>
-            </a:r>
-            <a:r>
-              <a:rPr lang="en-US" sz="1400" i="1" dirty="0">
-                <a:solidFill>
-                  <a:schemeClr val="accent1"/>
-                </a:solidFill>
-                <a:latin typeface="Lucida Console"/>
-                <a:cs typeface="Lucida Console"/>
-              </a:rPr>
-              <a:t>that word and the </a:t>
-            </a:r>
-            <a:r>
-              <a:rPr lang="en-US" sz="1400" i="1" dirty="0" smtClean="0">
-                <a:solidFill>
-                  <a:schemeClr val="accent1"/>
-                </a:solidFill>
-                <a:latin typeface="Lucida Console"/>
-                <a:cs typeface="Lucida Console"/>
-              </a:rPr>
-              <a:t>number ‘1’</a:t>
-            </a:r>
-            <a:endParaRPr lang="en-US" sz="1400" i="1" dirty="0">
-              <a:solidFill>
-                <a:schemeClr val="accent1"/>
-              </a:solidFill>
-              <a:latin typeface="Lucida Console"/>
-              <a:cs typeface="Lucida Console"/>
-            </a:endParaRPr>
-          </a:p>
-          <a:p>
-            <a:r>
-              <a:rPr lang="en-US" sz="1400" dirty="0" smtClean="0">
-                <a:latin typeface="Lucida Console"/>
-                <a:cs typeface="Lucida Console"/>
-              </a:rPr>
-              <a:t>3   </a:t>
-            </a:r>
-            <a:r>
-              <a:rPr lang="en-US" sz="1400" dirty="0" err="1" smtClean="0">
-                <a:latin typeface="Lucida Console"/>
-                <a:cs typeface="Lucida Console"/>
-              </a:rPr>
-              <a:t>foreach</a:t>
-            </a:r>
-            <a:r>
-              <a:rPr lang="en-US" sz="1400" dirty="0" smtClean="0">
-                <a:latin typeface="Lucida Console"/>
-                <a:cs typeface="Lucida Console"/>
-              </a:rPr>
-              <a:t> </a:t>
-            </a:r>
-            <a:r>
-              <a:rPr lang="en-US" sz="1400" dirty="0">
-                <a:latin typeface="Lucida Console"/>
-                <a:cs typeface="Lucida Console"/>
-              </a:rPr>
-              <a:t>text word in </a:t>
-            </a:r>
-            <a:r>
-              <a:rPr lang="en-US" sz="1400" dirty="0" err="1">
-                <a:latin typeface="Lucida Console"/>
-                <a:cs typeface="Lucida Console"/>
-              </a:rPr>
-              <a:t>line.tokenize</a:t>
-            </a:r>
-            <a:r>
-              <a:rPr lang="en-US" sz="1400" dirty="0">
-                <a:latin typeface="Lucida Console"/>
-                <a:cs typeface="Lucida Console"/>
-              </a:rPr>
-              <a:t>(" ") {</a:t>
-            </a:r>
-          </a:p>
-          <a:p>
-            <a:r>
-              <a:rPr lang="en-US" sz="1400" dirty="0" smtClean="0">
-                <a:latin typeface="Lucida Console"/>
-                <a:cs typeface="Lucida Console"/>
-              </a:rPr>
-              <a:t>4     </a:t>
-            </a:r>
-            <a:r>
-              <a:rPr lang="en-US" sz="1400" dirty="0">
-                <a:latin typeface="Lucida Console"/>
-                <a:cs typeface="Lucida Console"/>
-              </a:rPr>
-              <a:t>emit(word, 1);</a:t>
-            </a:r>
-          </a:p>
-          <a:p>
-            <a:r>
-              <a:rPr lang="en-US" sz="1400" dirty="0" smtClean="0">
-                <a:latin typeface="Lucida Console"/>
-                <a:cs typeface="Lucida Console"/>
-              </a:rPr>
-              <a:t>5   </a:t>
-            </a:r>
-            <a:r>
-              <a:rPr lang="en-US" sz="1400" dirty="0">
-                <a:latin typeface="Lucida Console"/>
-                <a:cs typeface="Lucida Console"/>
-              </a:rPr>
-              <a:t>}</a:t>
-            </a:r>
-          </a:p>
-          <a:p>
-            <a:r>
-              <a:rPr lang="en-US" sz="1400" dirty="0" smtClean="0">
-                <a:latin typeface="Lucida Console"/>
-                <a:cs typeface="Lucida Console"/>
-              </a:rPr>
-              <a:t>6 }</a:t>
-            </a:r>
-            <a:endParaRPr lang="en-US" sz="1400" dirty="0">
-              <a:latin typeface="Lucida Console"/>
-              <a:cs typeface="Lucida Console"/>
+              <a:t>()</a:t>
+            </a:r>
+            <a:r>
+              <a:rPr lang="en-US" sz="3000" b="0" dirty="0" smtClean="0">
+                <a:cs typeface="Arial" pitchFamily="34" charset="0"/>
+              </a:rPr>
+              <a:t>, </a:t>
+            </a:r>
+            <a:r>
+              <a:rPr lang="en-US" sz="3000" b="0" dirty="0" smtClean="0">
+                <a:cs typeface="Arial" pitchFamily="34" charset="0"/>
+              </a:rPr>
+              <a:t>other tasks</a:t>
+            </a:r>
+            <a:endParaRPr lang="en-US" sz="3000" b="0" dirty="0">
+              <a:cs typeface="Arial" pitchFamily="34" charset="0"/>
             </a:endParaRPr>
           </a:p>
         </p:txBody>
@@ -18945,7 +19250,7 @@
     </p:spTree>
     <p:extLst>
       <p:ext uri="{BB962C8B-B14F-4D97-AF65-F5344CB8AC3E}">
-        <p14:creationId xmlns:p14="http://schemas.microsoft.com/office/powerpoint/2010/main" val="2518737623"/>
+        <p14:creationId xmlns:p14="http://schemas.microsoft.com/office/powerpoint/2010/main" val="2644455879"/>
       </p:ext>
     </p:extLst>
   </p:cSld>

--- a/demo/demo.pptx
+++ b/demo/demo.pptx
@@ -222,7 +222,7 @@
           <a:p>
             <a:fld id="{32806BC3-CB92-4C42-B83D-6FFE96DC76A5}" type="datetimeFigureOut">
               <a:rPr lang="en-US" smtClean="0"/>
-              <a:t>5/8/12</a:t>
+              <a:t>5/9/12</a:t>
             </a:fld>
             <a:endParaRPr lang="en-US"/>
           </a:p>
@@ -1211,7 +1211,7 @@
             <a:fld id="{28E80666-FB37-4B36-9149-507F3B0178E3}" type="datetimeFigureOut">
               <a:rPr lang="en-US" smtClean="0"/>
               <a:pPr/>
-              <a:t>5/8/12</a:t>
+              <a:t>5/9/12</a:t>
             </a:fld>
             <a:endParaRPr lang="en-US"/>
           </a:p>
@@ -1377,7 +1377,7 @@
           <a:p>
             <a:fld id="{D7A0A3B4-6538-E344-B8DE-F8BD9C119847}" type="datetimeFigureOut">
               <a:rPr lang="en-US" smtClean="0"/>
-              <a:t>5/8/12</a:t>
+              <a:t>5/9/12</a:t>
             </a:fld>
             <a:endParaRPr lang="en-US"/>
           </a:p>
@@ -1552,7 +1552,7 @@
           <a:p>
             <a:fld id="{D7A0A3B4-6538-E344-B8DE-F8BD9C119847}" type="datetimeFigureOut">
               <a:rPr lang="en-US" smtClean="0"/>
-              <a:t>5/8/12</a:t>
+              <a:t>5/9/12</a:t>
             </a:fld>
             <a:endParaRPr lang="en-US"/>
           </a:p>
@@ -1717,7 +1717,7 @@
           <a:p>
             <a:fld id="{D7A0A3B4-6538-E344-B8DE-F8BD9C119847}" type="datetimeFigureOut">
               <a:rPr lang="en-US" smtClean="0"/>
-              <a:t>5/8/12</a:t>
+              <a:t>5/9/12</a:t>
             </a:fld>
             <a:endParaRPr lang="en-US"/>
           </a:p>
@@ -2271,7 +2271,7 @@
             <a:fld id="{28E80666-FB37-4B36-9149-507F3B0178E3}" type="datetimeFigureOut">
               <a:rPr lang="en-US" smtClean="0"/>
               <a:pPr/>
-              <a:t>5/8/12</a:t>
+              <a:t>5/9/12</a:t>
             </a:fld>
             <a:endParaRPr lang="en-US"/>
           </a:p>
@@ -2532,7 +2532,7 @@
           <a:p>
             <a:fld id="{D7A0A3B4-6538-E344-B8DE-F8BD9C119847}" type="datetimeFigureOut">
               <a:rPr lang="en-US" smtClean="0"/>
-              <a:t>5/8/12</a:t>
+              <a:t>5/9/12</a:t>
             </a:fld>
             <a:endParaRPr lang="en-US"/>
           </a:p>
@@ -3020,7 +3020,7 @@
           <a:p>
             <a:fld id="{D7A0A3B4-6538-E344-B8DE-F8BD9C119847}" type="datetimeFigureOut">
               <a:rPr lang="en-US" smtClean="0"/>
-              <a:t>5/8/12</a:t>
+              <a:t>5/9/12</a:t>
             </a:fld>
             <a:endParaRPr lang="en-US"/>
           </a:p>
@@ -3133,7 +3133,7 @@
           <a:p>
             <a:fld id="{D7A0A3B4-6538-E344-B8DE-F8BD9C119847}" type="datetimeFigureOut">
               <a:rPr lang="en-US" smtClean="0"/>
-              <a:t>5/8/12</a:t>
+              <a:t>5/9/12</a:t>
             </a:fld>
             <a:endParaRPr lang="en-US"/>
           </a:p>
@@ -3223,7 +3223,7 @@
           <a:p>
             <a:fld id="{D7A0A3B4-6538-E344-B8DE-F8BD9C119847}" type="datetimeFigureOut">
               <a:rPr lang="en-US" smtClean="0"/>
-              <a:t>5/8/12</a:t>
+              <a:t>5/9/12</a:t>
             </a:fld>
             <a:endParaRPr lang="en-US"/>
           </a:p>
@@ -3653,7 +3653,7 @@
           <a:p>
             <a:fld id="{D7A0A3B4-6538-E344-B8DE-F8BD9C119847}" type="datetimeFigureOut">
               <a:rPr lang="en-US" smtClean="0"/>
-              <a:t>5/8/12</a:t>
+              <a:t>5/9/12</a:t>
             </a:fld>
             <a:endParaRPr lang="en-US"/>
           </a:p>
@@ -4187,7 +4187,7 @@
           <a:p>
             <a:fld id="{D7A0A3B4-6538-E344-B8DE-F8BD9C119847}" type="datetimeFigureOut">
               <a:rPr lang="en-US" smtClean="0"/>
-              <a:t>5/8/12</a:t>
+              <a:t>5/9/12</a:t>
             </a:fld>
             <a:endParaRPr lang="en-US"/>
           </a:p>
@@ -5027,7 +5027,7 @@
           <a:p>
             <a:fld id="{D7A0A3B4-6538-E344-B8DE-F8BD9C119847}" type="datetimeFigureOut">
               <a:rPr lang="en-US" smtClean="0"/>
-              <a:t>5/8/12</a:t>
+              <a:t>5/9/12</a:t>
             </a:fld>
             <a:endParaRPr lang="en-US"/>
           </a:p>
@@ -8166,14 +8166,7 @@
                 <a:latin typeface="Lucida Console"/>
                 <a:cs typeface="Lucida Console"/>
               </a:rPr>
-              <a:t>4  </a:t>
-            </a:r>
-            <a:r>
-              <a:rPr lang="en-US" sz="1400" dirty="0" smtClean="0">
-                <a:latin typeface="Lucida Console"/>
-                <a:cs typeface="Lucida Console"/>
-              </a:rPr>
-              <a:t>}</a:t>
+              <a:t>4  }</a:t>
             </a:r>
             <a:endParaRPr lang="en-US" sz="1400" dirty="0">
               <a:latin typeface="Lucida Console"/>
@@ -15200,13 +15193,8 @@
             </a:pPr>
             <a:r>
               <a:rPr lang="en-US" sz="2400" dirty="0" smtClean="0"/>
-              <a:t>Modularity is </a:t>
-            </a:r>
-            <a:r>
-              <a:rPr lang="en-US" sz="2400" dirty="0" smtClean="0"/>
-              <a:t>key.</a:t>
-            </a:r>
-            <a:endParaRPr lang="en-US" sz="2400" dirty="0" smtClean="0"/>
+              <a:t>Modularity is key.</a:t>
+            </a:r>
           </a:p>
           <a:p>
             <a:pPr marL="285750" indent="-285750">
@@ -15218,13 +15206,8 @@
             </a:pPr>
             <a:r>
               <a:rPr lang="en-US" sz="2400" dirty="0" smtClean="0"/>
-              <a:t>Expend the effort to reduce development </a:t>
-            </a:r>
-            <a:r>
-              <a:rPr lang="en-US" sz="2400" dirty="0" smtClean="0"/>
-              <a:t>time.</a:t>
-            </a:r>
-            <a:endParaRPr lang="en-US" sz="2400" dirty="0" smtClean="0"/>
+              <a:t>Expend the effort to reduce development time.</a:t>
+            </a:r>
           </a:p>
           <a:p>
             <a:pPr marL="285750" indent="-285750">
@@ -15249,11 +15232,7 @@
             </a:pPr>
             <a:r>
               <a:rPr lang="en-US" sz="2400" dirty="0" smtClean="0"/>
-              <a:t>Work in the same room as your </a:t>
-            </a:r>
-            <a:r>
-              <a:rPr lang="en-US" sz="2400" dirty="0" smtClean="0"/>
-              <a:t>teammates.</a:t>
+              <a:t>Work in the same room as your teammates.</a:t>
             </a:r>
             <a:endParaRPr lang="en-US" sz="2400" dirty="0"/>
           </a:p>
@@ -18746,15 +18725,7 @@
             </a:pPr>
             <a:r>
               <a:rPr lang="en-US" dirty="0" smtClean="0"/>
-              <a:t>Distribute the data of over a </a:t>
-            </a:r>
-            <a:r>
-              <a:rPr lang="en-US" dirty="0" smtClean="0"/>
-              <a:t>highly scalable </a:t>
-            </a:r>
-            <a:r>
-              <a:rPr lang="en-US" dirty="0" smtClean="0"/>
-              <a:t>network of computers,</a:t>
+              <a:t>Distribute the data of over a highly scalable network of computers,</a:t>
             </a:r>
           </a:p>
           <a:p>
@@ -18975,11 +18946,7 @@
           <a:p>
             <a:r>
               <a:rPr lang="en-US" dirty="0" smtClean="0"/>
-              <a:t>Program </a:t>
-            </a:r>
-            <a:r>
-              <a:rPr lang="en-US" dirty="0" smtClean="0"/>
-              <a:t>Structure</a:t>
+              <a:t>Program Structure</a:t>
             </a:r>
             <a:endParaRPr lang="en-US" dirty="0"/>
           </a:p>
@@ -19011,13 +18978,7 @@
               <a:rPr lang="en-US" sz="3000" dirty="0" smtClean="0">
                 <a:cs typeface="Arial" pitchFamily="34" charset="0"/>
               </a:rPr>
-              <a:t>@</a:t>
-            </a:r>
-            <a:r>
-              <a:rPr lang="en-US" sz="3000" dirty="0" smtClean="0">
-                <a:cs typeface="Arial" pitchFamily="34" charset="0"/>
-              </a:rPr>
-              <a:t>Functions</a:t>
+              <a:t>@Functions</a:t>
             </a:r>
             <a:r>
               <a:rPr lang="en-US" sz="3000" dirty="0" smtClean="0">
@@ -19046,13 +19007,7 @@
               <a:rPr lang="en-US" sz="3000" b="0" dirty="0" smtClean="0">
                 <a:cs typeface="Arial" pitchFamily="34" charset="0"/>
               </a:rPr>
-              <a:t>User</a:t>
-            </a:r>
-            <a:r>
-              <a:rPr lang="en-US" sz="3000" b="0" dirty="0" smtClean="0">
-                <a:cs typeface="Arial" pitchFamily="34" charset="0"/>
-              </a:rPr>
-              <a:t>-defined functions</a:t>
+              <a:t>User-defined functions</a:t>
             </a:r>
           </a:p>
           <a:p>
@@ -19077,13 +19032,7 @@
               <a:rPr lang="en-US" sz="3000" b="0" dirty="0" smtClean="0">
                 <a:cs typeface="Arial" pitchFamily="34" charset="0"/>
               </a:rPr>
-              <a:t>	Define </a:t>
-            </a:r>
-            <a:r>
-              <a:rPr lang="en-US" sz="3000" b="0" dirty="0" smtClean="0">
-                <a:cs typeface="Arial" pitchFamily="34" charset="0"/>
-              </a:rPr>
-              <a:t>map stage of </a:t>
+              <a:t>	Define map stage of </a:t>
             </a:r>
             <a:r>
               <a:rPr lang="en-US" sz="3000" b="0" dirty="0" err="1" smtClean="0">
@@ -19117,13 +19066,7 @@
               <a:rPr lang="en-US" sz="3000" b="0" dirty="0" smtClean="0">
                 <a:cs typeface="Arial" pitchFamily="34" charset="0"/>
               </a:rPr>
-              <a:t>	Define </a:t>
-            </a:r>
-            <a:r>
-              <a:rPr lang="en-US" sz="3000" b="0" dirty="0" smtClean="0">
-                <a:cs typeface="Arial" pitchFamily="34" charset="0"/>
-              </a:rPr>
-              <a:t>reduce stage of </a:t>
+              <a:t>	Define reduce stage of </a:t>
             </a:r>
             <a:r>
               <a:rPr lang="en-US" sz="3000" b="0" dirty="0" err="1" smtClean="0">
@@ -19143,16 +19086,7 @@
                 </a:solidFill>
                 <a:cs typeface="Arial" pitchFamily="34" charset="0"/>
               </a:rPr>
-              <a:t>@</a:t>
-            </a:r>
-            <a:r>
-              <a:rPr lang="en-US" sz="3000" dirty="0" smtClean="0">
-                <a:solidFill>
-                  <a:srgbClr val="000000"/>
-                </a:solidFill>
-                <a:cs typeface="Arial" pitchFamily="34" charset="0"/>
-              </a:rPr>
-              <a:t>Main</a:t>
+              <a:t>@Main</a:t>
             </a:r>
           </a:p>
           <a:p>
@@ -19167,26 +19101,27 @@
                 <a:latin typeface="Lucida Console"/>
                 <a:cs typeface="Lucida Console"/>
               </a:rPr>
-              <a:t>MapReducer</a:t>
+              <a:t>MapReduce</a:t>
             </a:r>
             <a:r>
               <a:rPr lang="en-US" sz="2800" b="0" dirty="0" smtClean="0">
                 <a:latin typeface="Lucida Console"/>
                 <a:cs typeface="Lucida Console"/>
               </a:rPr>
-              <a:t>()</a:t>
+              <a:t>(</a:t>
+            </a:r>
+            <a:r>
+              <a:rPr lang="en-US" sz="2800" b="0" dirty="0" smtClean="0">
+                <a:latin typeface="Lucida Console"/>
+                <a:cs typeface="Lucida Console"/>
+              </a:rPr>
+              <a:t>)</a:t>
             </a:r>
             <a:r>
               <a:rPr lang="en-US" sz="3000" b="0" dirty="0" smtClean="0">
                 <a:cs typeface="Arial" pitchFamily="34" charset="0"/>
               </a:rPr>
-              <a:t>, </a:t>
-            </a:r>
-            <a:r>
-              <a:rPr lang="en-US" sz="3000" b="0" dirty="0" smtClean="0">
-                <a:cs typeface="Arial" pitchFamily="34" charset="0"/>
-              </a:rPr>
-              <a:t>other tasks</a:t>
+              <a:t>, other tasks</a:t>
             </a:r>
             <a:endParaRPr lang="en-US" sz="3000" b="0" dirty="0">
               <a:cs typeface="Arial" pitchFamily="34" charset="0"/>
